--- a/LCC/Python/04_迴圈大法.pptx
+++ b/LCC/Python/04_迴圈大法.pptx
@@ -43,6 +43,12 @@
     <p:sldId id="311" r:id="rId37"/>
     <p:sldId id="319" r:id="rId38"/>
     <p:sldId id="312" r:id="rId39"/>
+    <p:sldId id="321" r:id="rId40"/>
+    <p:sldId id="322" r:id="rId41"/>
+    <p:sldId id="323" r:id="rId42"/>
+    <p:sldId id="324" r:id="rId43"/>
+    <p:sldId id="325" r:id="rId44"/>
+    <p:sldId id="326" r:id="rId45"/>
   </p:sldIdLst>
   <p:sldSz cx="12192000" cy="6858000"/>
   <p:notesSz cx="6858000" cy="9144000"/>
@@ -906,7 +912,7 @@
             <a:fld id="{B61BEF0D-F0BB-DE4B-95CE-6DB70DBA9567}" type="datetimeFigureOut">
               <a:rPr lang="en-US" smtClean="0"/>
               <a:pPr/>
-              <a:t>1/7/2021</a:t>
+              <a:t>1/12/2021</a:t>
             </a:fld>
             <a:endParaRPr lang="en-US" dirty="0"/>
           </a:p>
@@ -1200,7 +1206,7 @@
             <a:fld id="{B61BEF0D-F0BB-DE4B-95CE-6DB70DBA9567}" type="datetimeFigureOut">
               <a:rPr lang="en-US" smtClean="0"/>
               <a:pPr/>
-              <a:t>1/7/2021</a:t>
+              <a:t>1/12/2021</a:t>
             </a:fld>
             <a:endParaRPr lang="en-US" dirty="0"/>
           </a:p>
@@ -1516,7 +1522,7 @@
             <a:fld id="{B61BEF0D-F0BB-DE4B-95CE-6DB70DBA9567}" type="datetimeFigureOut">
               <a:rPr lang="en-US" smtClean="0"/>
               <a:pPr/>
-              <a:t>1/7/2021</a:t>
+              <a:t>1/12/2021</a:t>
             </a:fld>
             <a:endParaRPr lang="en-US" dirty="0"/>
           </a:p>
@@ -1851,7 +1857,7 @@
             <a:fld id="{B61BEF0D-F0BB-DE4B-95CE-6DB70DBA9567}" type="datetimeFigureOut">
               <a:rPr lang="en-US" smtClean="0"/>
               <a:pPr/>
-              <a:t>1/7/2021</a:t>
+              <a:t>1/12/2021</a:t>
             </a:fld>
             <a:endParaRPr lang="en-US" dirty="0"/>
           </a:p>
@@ -2167,7 +2173,7 @@
             <a:fld id="{B61BEF0D-F0BB-DE4B-95CE-6DB70DBA9567}" type="datetimeFigureOut">
               <a:rPr lang="en-US" smtClean="0"/>
               <a:pPr/>
-              <a:t>1/7/2021</a:t>
+              <a:t>1/12/2021</a:t>
             </a:fld>
             <a:endParaRPr lang="en-US" dirty="0"/>
           </a:p>
@@ -2562,7 +2568,7 @@
             <a:fld id="{B61BEF0D-F0BB-DE4B-95CE-6DB70DBA9567}" type="datetimeFigureOut">
               <a:rPr lang="en-US" smtClean="0"/>
               <a:pPr/>
-              <a:t>1/7/2021</a:t>
+              <a:t>1/12/2021</a:t>
             </a:fld>
             <a:endParaRPr lang="en-US" dirty="0"/>
           </a:p>
@@ -2733,7 +2739,7 @@
           <a:p>
             <a:fld id="{55C6B4A9-1611-4792-9094-5F34BCA07E0B}" type="datetimeFigureOut">
               <a:rPr lang="en-US" smtClean="0"/>
-              <a:t>1/7/2021</a:t>
+              <a:t>1/12/2021</a:t>
             </a:fld>
             <a:endParaRPr lang="en-US" dirty="0"/>
           </a:p>
@@ -2914,7 +2920,7 @@
             <a:fld id="{B61BEF0D-F0BB-DE4B-95CE-6DB70DBA9567}" type="datetimeFigureOut">
               <a:rPr lang="en-US" smtClean="0"/>
               <a:pPr/>
-              <a:t>1/7/2021</a:t>
+              <a:t>1/12/2021</a:t>
             </a:fld>
             <a:endParaRPr lang="en-US" dirty="0"/>
           </a:p>
@@ -3086,7 +3092,7 @@
             <a:fld id="{B61BEF0D-F0BB-DE4B-95CE-6DB70DBA9567}" type="datetimeFigureOut">
               <a:rPr lang="en-US" smtClean="0"/>
               <a:pPr/>
-              <a:t>1/7/2021</a:t>
+              <a:t>1/12/2021</a:t>
             </a:fld>
             <a:endParaRPr lang="en-US" dirty="0"/>
           </a:p>
@@ -3335,7 +3341,7 @@
             <a:fld id="{B61BEF0D-F0BB-DE4B-95CE-6DB70DBA9567}" type="datetimeFigureOut">
               <a:rPr lang="en-US" smtClean="0"/>
               <a:pPr/>
-              <a:t>1/7/2021</a:t>
+              <a:t>1/12/2021</a:t>
             </a:fld>
             <a:endParaRPr lang="en-US" dirty="0"/>
           </a:p>
@@ -3568,7 +3574,7 @@
           <a:p>
             <a:fld id="{EB712588-04B1-427B-82EE-E8DB90309F08}" type="datetimeFigureOut">
               <a:rPr lang="en-US" smtClean="0"/>
-              <a:t>1/7/2021</a:t>
+              <a:t>1/12/2021</a:t>
             </a:fld>
             <a:endParaRPr lang="en-US" dirty="0"/>
           </a:p>
@@ -3943,7 +3949,7 @@
             <a:fld id="{B61BEF0D-F0BB-DE4B-95CE-6DB70DBA9567}" type="datetimeFigureOut">
               <a:rPr lang="en-US" smtClean="0"/>
               <a:pPr/>
-              <a:t>1/7/2021</a:t>
+              <a:t>1/12/2021</a:t>
             </a:fld>
             <a:endParaRPr lang="en-US" dirty="0"/>
           </a:p>
@@ -4068,7 +4074,7 @@
             <a:fld id="{B61BEF0D-F0BB-DE4B-95CE-6DB70DBA9567}" type="datetimeFigureOut">
               <a:rPr lang="en-US" smtClean="0"/>
               <a:pPr/>
-              <a:t>1/7/2021</a:t>
+              <a:t>1/12/2021</a:t>
             </a:fld>
             <a:endParaRPr lang="en-US" dirty="0"/>
           </a:p>
@@ -4165,7 +4171,7 @@
             <a:fld id="{B61BEF0D-F0BB-DE4B-95CE-6DB70DBA9567}" type="datetimeFigureOut">
               <a:rPr lang="en-US" smtClean="0"/>
               <a:pPr/>
-              <a:t>1/7/2021</a:t>
+              <a:t>1/12/2021</a:t>
             </a:fld>
             <a:endParaRPr lang="en-US" dirty="0"/>
           </a:p>
@@ -4421,7 +4427,7 @@
           <a:p>
             <a:fld id="{42A54C80-263E-416B-A8E0-580EDEADCBDC}" type="datetimeFigureOut">
               <a:rPr lang="en-US" smtClean="0"/>
-              <a:t>1/7/2021</a:t>
+              <a:t>1/12/2021</a:t>
             </a:fld>
             <a:endParaRPr lang="en-US" dirty="0"/>
           </a:p>
@@ -4728,7 +4734,7 @@
             <a:fld id="{B61BEF0D-F0BB-DE4B-95CE-6DB70DBA9567}" type="datetimeFigureOut">
               <a:rPr lang="en-US" smtClean="0"/>
               <a:pPr/>
-              <a:t>1/7/2021</a:t>
+              <a:t>1/12/2021</a:t>
             </a:fld>
             <a:endParaRPr lang="en-US" dirty="0"/>
           </a:p>
@@ -5431,7 +5437,7 @@
             <a:fld id="{B61BEF0D-F0BB-DE4B-95CE-6DB70DBA9567}" type="datetimeFigureOut">
               <a:rPr lang="en-US" smtClean="0"/>
               <a:pPr/>
-              <a:t>1/7/2021</a:t>
+              <a:t>1/12/2021</a:t>
             </a:fld>
             <a:endParaRPr lang="en-US" dirty="0"/>
           </a:p>
@@ -5578,11 +5584,7 @@
           <a:p>
             <a:r>
               <a:rPr lang="zh-TW" altLang="en-US" sz="1600" dirty="0" smtClean="0"/>
-              <a:t>https://github.com/liulawsi/LLC_Python/tree/main/Section</a:t>
-            </a:r>
-            <a:r>
-              <a:rPr lang="zh-TW" altLang="en-US" sz="1600" dirty="0" smtClean="0"/>
-              <a:t>0</a:t>
+              <a:t>https://github.com/liulawsi/LLC_Python/tree/main/Section0</a:t>
             </a:r>
             <a:r>
               <a:rPr lang="en-US" altLang="zh-TW" sz="1600" dirty="0" smtClean="0"/>
@@ -6076,7 +6078,7 @@
             <a:fld id="{4805910D-2C61-424F-80CE-807290CF0E1E}" type="datetime4">
               <a:rPr lang="zh-TW" altLang="zh-TW"/>
               <a:pPr/>
-              <a:t>110年1月7日星期四</a:t>
+              <a:t>110年1月12日星期二</a:t>
             </a:fld>
             <a:endParaRPr lang="zh-TW" altLang="en-US" dirty="0"/>
           </a:p>
@@ -9631,11 +9633,7 @@
             </a:r>
             <a:r>
               <a:rPr lang="zh-TW" altLang="en-US" dirty="0" smtClean="0"/>
-              <a:t>中的</a:t>
-            </a:r>
-            <a:r>
-              <a:rPr lang="zh-TW" altLang="en-US" dirty="0" smtClean="0"/>
-              <a:t>各自可迭代的條件不會</a:t>
+              <a:t>中的各自可迭代的條件不會</a:t>
             </a:r>
             <a:r>
               <a:rPr lang="zh-TW" altLang="en-US" dirty="0"/>
@@ -23647,11 +23645,7 @@
           <a:p>
             <a:r>
               <a:rPr lang="zh-TW" altLang="en-US" dirty="0" smtClean="0"/>
-              <a:t>範例</a:t>
-            </a:r>
-            <a:r>
-              <a:rPr lang="zh-TW" altLang="en-US" dirty="0" smtClean="0"/>
-              <a:t>：</a:t>
+              <a:t>範例：</a:t>
             </a:r>
             <a:endParaRPr lang="zh-TW" altLang="en-US" dirty="0"/>
           </a:p>
@@ -26085,11 +26079,7 @@
             </a:r>
             <a:r>
               <a:rPr lang="zh-TW" altLang="en-US" dirty="0" smtClean="0"/>
-              <a:t>迴</a:t>
-            </a:r>
-            <a:r>
-              <a:rPr lang="zh-TW" altLang="en-US" dirty="0" smtClean="0"/>
-              <a:t>圈，並檢查是大於還是小於目標，若是等於就是猜中了，結束程式。</a:t>
+              <a:t>迴圈，並檢查是大於還是小於目標，若是等於就是猜中了，結束程式。</a:t>
             </a:r>
             <a:endParaRPr lang="en-US" altLang="zh-TW" dirty="0" smtClean="0"/>
           </a:p>
@@ -26152,15 +26142,7 @@
             </a:r>
             <a:r>
               <a:rPr lang="zh-TW" altLang="en-US" dirty="0" smtClean="0"/>
-              <a:t>會</a:t>
-            </a:r>
-            <a:r>
-              <a:rPr lang="zh-TW" altLang="en-US" dirty="0" smtClean="0"/>
-              <a:t>隨機</a:t>
-            </a:r>
-            <a:r>
-              <a:rPr lang="zh-TW" altLang="en-US" dirty="0" smtClean="0"/>
-              <a:t>產生</a:t>
+              <a:t>會隨機產生</a:t>
             </a:r>
             <a:r>
               <a:rPr lang="en-US" altLang="zh-TW" dirty="0" smtClean="0"/>
@@ -27791,6 +27773,90 @@
 </p:sld>
 </file>
 
+<file path=ppt/slides/slide39.xml><?xml version="1.0" encoding="utf-8"?>
+<p:sld xmlns:a="http://schemas.openxmlformats.org/drawingml/2006/main" xmlns:r="http://schemas.openxmlformats.org/officeDocument/2006/relationships" xmlns:p="http://schemas.openxmlformats.org/presentationml/2006/main">
+  <p:cSld>
+    <p:spTree>
+      <p:nvGrpSpPr>
+        <p:cNvPr id="1" name=""/>
+        <p:cNvGrpSpPr/>
+        <p:nvPr/>
+      </p:nvGrpSpPr>
+      <p:grpSpPr>
+        <a:xfrm>
+          <a:off x="0" y="0"/>
+          <a:ext cx="0" cy="0"/>
+          <a:chOff x="0" y="0"/>
+          <a:chExt cx="0" cy="0"/>
+        </a:xfrm>
+      </p:grpSpPr>
+      <p:sp>
+        <p:nvSpPr>
+          <p:cNvPr id="6" name="標題 5"/>
+          <p:cNvSpPr>
+            <a:spLocks noGrp="1"/>
+          </p:cNvSpPr>
+          <p:nvPr>
+            <p:ph type="title"/>
+          </p:nvPr>
+        </p:nvSpPr>
+        <p:spPr/>
+        <p:txBody>
+          <a:bodyPr/>
+          <a:lstStyle/>
+          <a:p>
+            <a:r>
+              <a:rPr lang="en-US" altLang="zh-TW" dirty="0" smtClean="0"/>
+              <a:t>break</a:t>
+            </a:r>
+            <a:r>
+              <a:rPr lang="zh-TW" altLang="en-US" dirty="0" smtClean="0"/>
+              <a:t>與</a:t>
+            </a:r>
+            <a:r>
+              <a:rPr lang="en-US" altLang="zh-TW" dirty="0" smtClean="0"/>
+              <a:t>continue</a:t>
+            </a:r>
+            <a:endParaRPr lang="zh-TW" altLang="en-US" dirty="0"/>
+          </a:p>
+        </p:txBody>
+      </p:sp>
+      <p:sp>
+        <p:nvSpPr>
+          <p:cNvPr id="7" name="文字版面配置區 6"/>
+          <p:cNvSpPr>
+            <a:spLocks noGrp="1"/>
+          </p:cNvSpPr>
+          <p:nvPr>
+            <p:ph type="body" idx="1"/>
+          </p:nvPr>
+        </p:nvSpPr>
+        <p:spPr/>
+        <p:txBody>
+          <a:bodyPr/>
+          <a:lstStyle/>
+          <a:p>
+            <a:r>
+              <a:rPr lang="zh-TW" altLang="en-US" dirty="0" smtClean="0"/>
+              <a:t>跳出與重來</a:t>
+            </a:r>
+            <a:endParaRPr lang="zh-TW" altLang="en-US" dirty="0"/>
+          </a:p>
+        </p:txBody>
+      </p:sp>
+    </p:spTree>
+    <p:extLst>
+      <p:ext uri="{BB962C8B-B14F-4D97-AF65-F5344CB8AC3E}">
+        <p14:creationId xmlns:p14="http://schemas.microsoft.com/office/powerpoint/2010/main" val="2307147364"/>
+      </p:ext>
+    </p:extLst>
+  </p:cSld>
+  <p:clrMapOvr>
+    <a:masterClrMapping/>
+  </p:clrMapOvr>
+</p:sld>
+</file>
+
 <file path=ppt/slides/slide4.xml><?xml version="1.0" encoding="utf-8"?>
 <p:sld xmlns:a="http://schemas.openxmlformats.org/drawingml/2006/main" xmlns:r="http://schemas.openxmlformats.org/officeDocument/2006/relationships" xmlns:p="http://schemas.openxmlformats.org/presentationml/2006/main">
   <p:cSld>
@@ -27840,11 +27906,7 @@
             </a:r>
             <a:r>
               <a:rPr lang="zh-TW" altLang="en-US" dirty="0" smtClean="0"/>
-              <a:t>迴</a:t>
-            </a:r>
-            <a:r>
-              <a:rPr lang="zh-TW" altLang="en-US" dirty="0" smtClean="0"/>
-              <a:t>圈</a:t>
+              <a:t>迴圈</a:t>
             </a:r>
             <a:r>
               <a:rPr lang="en-US" altLang="zh-TW" dirty="0" smtClean="0"/>
@@ -28030,11 +28092,6 @@
               </a:rPr>
               <a:t>迴圈開始</a:t>
             </a:r>
-            <a:endParaRPr lang="zh-TW" altLang="en-US" dirty="0">
-              <a:solidFill>
-                <a:schemeClr val="tx1"/>
-              </a:solidFill>
-            </a:endParaRPr>
           </a:p>
         </p:txBody>
       </p:sp>
@@ -28515,6 +28572,2652 @@
       </p:par>
     </p:tnLst>
   </p:timing>
+</p:sld>
+</file>
+
+<file path=ppt/slides/slide40.xml><?xml version="1.0" encoding="utf-8"?>
+<p:sld xmlns:a="http://schemas.openxmlformats.org/drawingml/2006/main" xmlns:r="http://schemas.openxmlformats.org/officeDocument/2006/relationships" xmlns:p="http://schemas.openxmlformats.org/presentationml/2006/main">
+  <p:cSld>
+    <p:spTree>
+      <p:nvGrpSpPr>
+        <p:cNvPr id="1" name=""/>
+        <p:cNvGrpSpPr/>
+        <p:nvPr/>
+      </p:nvGrpSpPr>
+      <p:grpSpPr>
+        <a:xfrm>
+          <a:off x="0" y="0"/>
+          <a:ext cx="0" cy="0"/>
+          <a:chOff x="0" y="0"/>
+          <a:chExt cx="0" cy="0"/>
+        </a:xfrm>
+      </p:grpSpPr>
+      <p:sp>
+        <p:nvSpPr>
+          <p:cNvPr id="2" name="標題 1"/>
+          <p:cNvSpPr>
+            <a:spLocks noGrp="1"/>
+          </p:cNvSpPr>
+          <p:nvPr>
+            <p:ph type="title"/>
+          </p:nvPr>
+        </p:nvSpPr>
+        <p:spPr/>
+        <p:txBody>
+          <a:bodyPr/>
+          <a:lstStyle/>
+          <a:p>
+            <a:r>
+              <a:rPr lang="en-US" altLang="zh-TW" dirty="0" smtClean="0"/>
+              <a:t>break</a:t>
+            </a:r>
+            <a:r>
+              <a:rPr lang="zh-TW" altLang="en-US" dirty="0" smtClean="0"/>
+              <a:t>中斷，停止</a:t>
+            </a:r>
+            <a:endParaRPr lang="zh-TW" altLang="en-US" dirty="0"/>
+          </a:p>
+        </p:txBody>
+      </p:sp>
+      <p:sp>
+        <p:nvSpPr>
+          <p:cNvPr id="3" name="內容版面配置區 2"/>
+          <p:cNvSpPr>
+            <a:spLocks noGrp="1"/>
+          </p:cNvSpPr>
+          <p:nvPr>
+            <p:ph idx="1"/>
+          </p:nvPr>
+        </p:nvSpPr>
+        <p:spPr>
+          <a:xfrm>
+            <a:off x="677334" y="2160589"/>
+            <a:ext cx="5735430" cy="3880773"/>
+          </a:xfrm>
+        </p:spPr>
+        <p:txBody>
+          <a:bodyPr/>
+          <a:lstStyle/>
+          <a:p>
+            <a:r>
+              <a:rPr lang="en-US" altLang="zh-TW" dirty="0" smtClean="0"/>
+              <a:t>break</a:t>
+            </a:r>
+            <a:r>
+              <a:rPr lang="zh-TW" altLang="en-US" dirty="0" smtClean="0"/>
+              <a:t>的指令是停止目前迴圈</a:t>
+            </a:r>
+            <a:r>
+              <a:rPr lang="en-US" altLang="zh-TW" dirty="0" smtClean="0"/>
+              <a:t>(</a:t>
+            </a:r>
+            <a:r>
+              <a:rPr lang="zh-TW" altLang="en-US" dirty="0" smtClean="0"/>
+              <a:t>包含</a:t>
+            </a:r>
+            <a:r>
+              <a:rPr lang="en-US" altLang="zh-TW" dirty="0" err="1" smtClean="0"/>
+              <a:t>for,while</a:t>
+            </a:r>
+            <a:r>
+              <a:rPr lang="zh-TW" altLang="en-US" dirty="0" smtClean="0"/>
+              <a:t>迴圈</a:t>
+            </a:r>
+            <a:r>
+              <a:rPr lang="en-US" altLang="zh-TW" dirty="0" smtClean="0"/>
+              <a:t>)</a:t>
+            </a:r>
+          </a:p>
+          <a:p>
+            <a:r>
+              <a:rPr lang="zh-TW" altLang="en-US" dirty="0" smtClean="0"/>
+              <a:t>在</a:t>
+            </a:r>
+            <a:r>
+              <a:rPr lang="en-US" altLang="zh-TW" dirty="0" smtClean="0"/>
+              <a:t>for</a:t>
+            </a:r>
+            <a:r>
+              <a:rPr lang="zh-TW" altLang="en-US" dirty="0" smtClean="0"/>
+              <a:t>迴圈或是</a:t>
+            </a:r>
+            <a:r>
+              <a:rPr lang="en-US" altLang="zh-TW" dirty="0" smtClean="0"/>
+              <a:t>while</a:t>
+            </a:r>
+            <a:r>
+              <a:rPr lang="zh-TW" altLang="en-US" dirty="0" smtClean="0"/>
+              <a:t>迴圈中，只要執行到</a:t>
+            </a:r>
+            <a:r>
+              <a:rPr lang="en-US" altLang="zh-TW" dirty="0" smtClean="0"/>
+              <a:t>break</a:t>
+            </a:r>
+            <a:r>
+              <a:rPr lang="zh-TW" altLang="en-US" dirty="0" smtClean="0"/>
+              <a:t>指令，就會強制立即結束目前迴圈，如右圖的流程圖。</a:t>
+            </a:r>
+            <a:endParaRPr lang="en-US" altLang="zh-TW" dirty="0" smtClean="0"/>
+          </a:p>
+          <a:p>
+            <a:r>
+              <a:rPr lang="zh-TW" altLang="en-US" dirty="0" smtClean="0"/>
+              <a:t>通常會用</a:t>
+            </a:r>
+            <a:r>
+              <a:rPr lang="zh-TW" altLang="en-US" dirty="0"/>
+              <a:t>在迴圈中做特殊狀況</a:t>
+            </a:r>
+            <a:r>
+              <a:rPr lang="zh-TW" altLang="en-US" dirty="0" smtClean="0"/>
+              <a:t>檢測。</a:t>
+            </a:r>
+            <a:endParaRPr lang="zh-TW" altLang="en-US" dirty="0"/>
+          </a:p>
+        </p:txBody>
+      </p:sp>
+      <p:sp>
+        <p:nvSpPr>
+          <p:cNvPr id="4" name="圓角矩形 3"/>
+          <p:cNvSpPr/>
+          <p:nvPr/>
+        </p:nvSpPr>
+        <p:spPr>
+          <a:xfrm>
+            <a:off x="6455384" y="1601392"/>
+            <a:ext cx="1357229" cy="392176"/>
+          </a:xfrm>
+          <a:prstGeom prst="roundRect">
+            <a:avLst>
+              <a:gd name="adj" fmla="val 50000"/>
+            </a:avLst>
+          </a:prstGeom>
+          <a:solidFill>
+            <a:schemeClr val="bg1"/>
+          </a:solidFill>
+          <a:ln>
+            <a:solidFill>
+              <a:schemeClr val="tx1"/>
+            </a:solidFill>
+          </a:ln>
+        </p:spPr>
+        <p:style>
+          <a:lnRef idx="2">
+            <a:schemeClr val="accent1">
+              <a:shade val="50000"/>
+            </a:schemeClr>
+          </a:lnRef>
+          <a:fillRef idx="1">
+            <a:schemeClr val="accent1"/>
+          </a:fillRef>
+          <a:effectRef idx="0">
+            <a:schemeClr val="accent1"/>
+          </a:effectRef>
+          <a:fontRef idx="minor">
+            <a:schemeClr val="lt1"/>
+          </a:fontRef>
+        </p:style>
+        <p:txBody>
+          <a:bodyPr rtlCol="0" anchor="ctr"/>
+          <a:lstStyle/>
+          <a:p>
+            <a:pPr algn="ctr"/>
+            <a:r>
+              <a:rPr lang="zh-TW" altLang="en-US" sz="1400" dirty="0">
+                <a:solidFill>
+                  <a:schemeClr val="tx1"/>
+                </a:solidFill>
+              </a:rPr>
+              <a:t>迴圈開始</a:t>
+            </a:r>
+          </a:p>
+        </p:txBody>
+      </p:sp>
+      <p:cxnSp>
+        <p:nvCxnSpPr>
+          <p:cNvPr id="5" name="直線單箭頭接點 4"/>
+          <p:cNvCxnSpPr>
+            <a:stCxn id="7" idx="2"/>
+            <a:endCxn id="6" idx="0"/>
+          </p:cNvCxnSpPr>
+          <p:nvPr/>
+        </p:nvCxnSpPr>
+        <p:spPr>
+          <a:xfrm>
+            <a:off x="7130709" y="4944865"/>
+            <a:ext cx="3290" cy="704321"/>
+          </a:xfrm>
+          <a:prstGeom prst="straightConnector1">
+            <a:avLst/>
+          </a:prstGeom>
+          <a:ln w="28575">
+            <a:solidFill>
+              <a:schemeClr val="tx1"/>
+            </a:solidFill>
+            <a:headEnd type="none" w="med" len="med"/>
+            <a:tailEnd type="triangle" w="med" len="med"/>
+          </a:ln>
+        </p:spPr>
+        <p:style>
+          <a:lnRef idx="1">
+            <a:schemeClr val="accent1"/>
+          </a:lnRef>
+          <a:fillRef idx="0">
+            <a:schemeClr val="accent1"/>
+          </a:fillRef>
+          <a:effectRef idx="0">
+            <a:schemeClr val="accent1"/>
+          </a:effectRef>
+          <a:fontRef idx="minor">
+            <a:schemeClr val="tx1"/>
+          </a:fontRef>
+        </p:style>
+      </p:cxnSp>
+      <p:sp>
+        <p:nvSpPr>
+          <p:cNvPr id="6" name="圓角矩形 5"/>
+          <p:cNvSpPr/>
+          <p:nvPr/>
+        </p:nvSpPr>
+        <p:spPr>
+          <a:xfrm>
+            <a:off x="6455384" y="5649186"/>
+            <a:ext cx="1357229" cy="392176"/>
+          </a:xfrm>
+          <a:prstGeom prst="roundRect">
+            <a:avLst>
+              <a:gd name="adj" fmla="val 50000"/>
+            </a:avLst>
+          </a:prstGeom>
+          <a:solidFill>
+            <a:schemeClr val="bg1"/>
+          </a:solidFill>
+          <a:ln>
+            <a:solidFill>
+              <a:schemeClr val="tx1"/>
+            </a:solidFill>
+          </a:ln>
+        </p:spPr>
+        <p:style>
+          <a:lnRef idx="2">
+            <a:schemeClr val="accent1">
+              <a:shade val="50000"/>
+            </a:schemeClr>
+          </a:lnRef>
+          <a:fillRef idx="1">
+            <a:schemeClr val="accent1"/>
+          </a:fillRef>
+          <a:effectRef idx="0">
+            <a:schemeClr val="accent1"/>
+          </a:effectRef>
+          <a:fontRef idx="minor">
+            <a:schemeClr val="lt1"/>
+          </a:fontRef>
+        </p:style>
+        <p:txBody>
+          <a:bodyPr rtlCol="0" anchor="ctr"/>
+          <a:lstStyle/>
+          <a:p>
+            <a:pPr algn="ctr"/>
+            <a:r>
+              <a:rPr lang="zh-TW" altLang="en-US" sz="1400" dirty="0" smtClean="0">
+                <a:solidFill>
+                  <a:schemeClr val="tx1"/>
+                </a:solidFill>
+              </a:rPr>
+              <a:t>迴圈</a:t>
+            </a:r>
+            <a:r>
+              <a:rPr lang="zh-TW" altLang="en-US" sz="1400" dirty="0">
+                <a:solidFill>
+                  <a:schemeClr val="tx1"/>
+                </a:solidFill>
+              </a:rPr>
+              <a:t>結束</a:t>
+            </a:r>
+            <a:endParaRPr lang="en-US" altLang="zh-TW" sz="1400" dirty="0" smtClean="0">
+              <a:solidFill>
+                <a:schemeClr val="tx1"/>
+              </a:solidFill>
+            </a:endParaRPr>
+          </a:p>
+        </p:txBody>
+      </p:sp>
+      <p:sp>
+        <p:nvSpPr>
+          <p:cNvPr id="7" name="菱形 6"/>
+          <p:cNvSpPr/>
+          <p:nvPr/>
+        </p:nvSpPr>
+        <p:spPr>
+          <a:xfrm>
+            <a:off x="5750161" y="4035079"/>
+            <a:ext cx="2761096" cy="909786"/>
+          </a:xfrm>
+          <a:prstGeom prst="diamond">
+            <a:avLst/>
+          </a:prstGeom>
+          <a:solidFill>
+            <a:schemeClr val="bg1"/>
+          </a:solidFill>
+          <a:ln w="38100">
+            <a:solidFill>
+              <a:schemeClr val="tx1"/>
+            </a:solidFill>
+          </a:ln>
+        </p:spPr>
+        <p:style>
+          <a:lnRef idx="2">
+            <a:schemeClr val="accent1">
+              <a:shade val="50000"/>
+            </a:schemeClr>
+          </a:lnRef>
+          <a:fillRef idx="1">
+            <a:schemeClr val="accent1"/>
+          </a:fillRef>
+          <a:effectRef idx="0">
+            <a:schemeClr val="accent1"/>
+          </a:effectRef>
+          <a:fontRef idx="minor">
+            <a:schemeClr val="lt1"/>
+          </a:fontRef>
+        </p:style>
+        <p:txBody>
+          <a:bodyPr rtlCol="0" anchor="ctr"/>
+          <a:lstStyle/>
+          <a:p>
+            <a:pPr algn="ctr">
+              <a:tabLst>
+                <a:tab pos="1344613" algn="l"/>
+              </a:tabLst>
+            </a:pPr>
+            <a:r>
+              <a:rPr lang="zh-TW" altLang="en-US" sz="1400" dirty="0" smtClean="0">
+                <a:solidFill>
+                  <a:schemeClr val="tx1"/>
+                </a:solidFill>
+              </a:rPr>
+              <a:t>可迭代物件有變數尚未執行</a:t>
+            </a:r>
+            <a:endParaRPr lang="zh-TW" altLang="en-US" sz="1400" dirty="0">
+              <a:solidFill>
+                <a:schemeClr val="tx1"/>
+              </a:solidFill>
+            </a:endParaRPr>
+          </a:p>
+        </p:txBody>
+      </p:sp>
+      <p:sp>
+        <p:nvSpPr>
+          <p:cNvPr id="8" name="文字方塊 7"/>
+          <p:cNvSpPr txBox="1"/>
+          <p:nvPr/>
+        </p:nvSpPr>
+        <p:spPr>
+          <a:xfrm>
+            <a:off x="8486996" y="4489972"/>
+            <a:ext cx="535211" cy="307777"/>
+          </a:xfrm>
+          <a:prstGeom prst="rect">
+            <a:avLst/>
+          </a:prstGeom>
+          <a:noFill/>
+        </p:spPr>
+        <p:txBody>
+          <a:bodyPr wrap="none" rtlCol="0">
+            <a:spAutoFit/>
+          </a:bodyPr>
+          <a:lstStyle/>
+          <a:p>
+            <a:r>
+              <a:rPr lang="en-US" altLang="zh-TW" sz="1400" dirty="0" smtClean="0"/>
+              <a:t>True</a:t>
+            </a:r>
+            <a:endParaRPr lang="zh-TW" altLang="en-US" sz="1400" dirty="0"/>
+          </a:p>
+        </p:txBody>
+      </p:sp>
+      <p:sp>
+        <p:nvSpPr>
+          <p:cNvPr id="9" name="文字方塊 8"/>
+          <p:cNvSpPr txBox="1"/>
+          <p:nvPr/>
+        </p:nvSpPr>
+        <p:spPr>
+          <a:xfrm>
+            <a:off x="6455384" y="4877990"/>
+            <a:ext cx="596638" cy="307777"/>
+          </a:xfrm>
+          <a:prstGeom prst="rect">
+            <a:avLst/>
+          </a:prstGeom>
+          <a:noFill/>
+        </p:spPr>
+        <p:txBody>
+          <a:bodyPr wrap="none" rtlCol="0">
+            <a:spAutoFit/>
+          </a:bodyPr>
+          <a:lstStyle/>
+          <a:p>
+            <a:r>
+              <a:rPr lang="en-US" altLang="zh-TW" sz="1400" dirty="0" smtClean="0"/>
+              <a:t>False</a:t>
+            </a:r>
+            <a:endParaRPr lang="zh-TW" altLang="en-US" sz="1400" dirty="0"/>
+          </a:p>
+        </p:txBody>
+      </p:sp>
+      <p:sp>
+        <p:nvSpPr>
+          <p:cNvPr id="10" name="矩形 9"/>
+          <p:cNvSpPr/>
+          <p:nvPr/>
+        </p:nvSpPr>
+        <p:spPr>
+          <a:xfrm>
+            <a:off x="9750154" y="4208365"/>
+            <a:ext cx="1173800" cy="563213"/>
+          </a:xfrm>
+          <a:prstGeom prst="rect">
+            <a:avLst/>
+          </a:prstGeom>
+          <a:solidFill>
+            <a:schemeClr val="bg1"/>
+          </a:solidFill>
+          <a:ln w="38100">
+            <a:solidFill>
+              <a:schemeClr val="tx1"/>
+            </a:solidFill>
+          </a:ln>
+        </p:spPr>
+        <p:style>
+          <a:lnRef idx="2">
+            <a:schemeClr val="accent1">
+              <a:shade val="50000"/>
+            </a:schemeClr>
+          </a:lnRef>
+          <a:fillRef idx="1">
+            <a:schemeClr val="accent1"/>
+          </a:fillRef>
+          <a:effectRef idx="0">
+            <a:schemeClr val="accent1"/>
+          </a:effectRef>
+          <a:fontRef idx="minor">
+            <a:schemeClr val="lt1"/>
+          </a:fontRef>
+        </p:style>
+        <p:txBody>
+          <a:bodyPr rtlCol="0" anchor="ctr"/>
+          <a:lstStyle/>
+          <a:p>
+            <a:pPr algn="ctr"/>
+            <a:r>
+              <a:rPr lang="zh-TW" altLang="en-US" sz="1400" smtClean="0">
+                <a:solidFill>
+                  <a:schemeClr val="tx1"/>
+                </a:solidFill>
+              </a:rPr>
+              <a:t>程式區塊</a:t>
+            </a:r>
+            <a:r>
+              <a:rPr lang="en-US" altLang="zh-TW" sz="1400" dirty="0" smtClean="0">
+                <a:solidFill>
+                  <a:schemeClr val="tx1"/>
+                </a:solidFill>
+              </a:rPr>
+              <a:t>(1)</a:t>
+            </a:r>
+            <a:endParaRPr lang="zh-TW" altLang="en-US" sz="1400" dirty="0">
+              <a:solidFill>
+                <a:schemeClr val="tx1"/>
+              </a:solidFill>
+            </a:endParaRPr>
+          </a:p>
+        </p:txBody>
+      </p:sp>
+      <p:cxnSp>
+        <p:nvCxnSpPr>
+          <p:cNvPr id="11" name="直線單箭頭接點 10"/>
+          <p:cNvCxnSpPr>
+            <a:stCxn id="10" idx="0"/>
+            <a:endCxn id="29" idx="2"/>
+          </p:cNvCxnSpPr>
+          <p:nvPr/>
+        </p:nvCxnSpPr>
+        <p:spPr>
+          <a:xfrm flipV="1">
+            <a:off x="10337054" y="3465576"/>
+            <a:ext cx="3758" cy="742789"/>
+          </a:xfrm>
+          <a:prstGeom prst="straightConnector1">
+            <a:avLst/>
+          </a:prstGeom>
+          <a:ln w="28575">
+            <a:solidFill>
+              <a:schemeClr val="tx1"/>
+            </a:solidFill>
+            <a:headEnd type="none" w="med" len="med"/>
+            <a:tailEnd type="triangle" w="med" len="med"/>
+          </a:ln>
+        </p:spPr>
+        <p:style>
+          <a:lnRef idx="1">
+            <a:schemeClr val="accent1"/>
+          </a:lnRef>
+          <a:fillRef idx="0">
+            <a:schemeClr val="accent1"/>
+          </a:fillRef>
+          <a:effectRef idx="0">
+            <a:schemeClr val="accent1"/>
+          </a:effectRef>
+          <a:fontRef idx="minor">
+            <a:schemeClr val="tx1"/>
+          </a:fontRef>
+        </p:style>
+      </p:cxnSp>
+      <p:cxnSp>
+        <p:nvCxnSpPr>
+          <p:cNvPr id="12" name="直線單箭頭接點 11"/>
+          <p:cNvCxnSpPr>
+            <a:stCxn id="4" idx="2"/>
+            <a:endCxn id="7" idx="0"/>
+          </p:cNvCxnSpPr>
+          <p:nvPr/>
+        </p:nvCxnSpPr>
+        <p:spPr>
+          <a:xfrm flipH="1">
+            <a:off x="7130709" y="1993568"/>
+            <a:ext cx="3290" cy="2041511"/>
+          </a:xfrm>
+          <a:prstGeom prst="straightConnector1">
+            <a:avLst/>
+          </a:prstGeom>
+          <a:ln w="28575">
+            <a:solidFill>
+              <a:schemeClr val="tx1"/>
+            </a:solidFill>
+            <a:headEnd type="none" w="med" len="med"/>
+            <a:tailEnd type="triangle" w="med" len="med"/>
+          </a:ln>
+        </p:spPr>
+        <p:style>
+          <a:lnRef idx="1">
+            <a:schemeClr val="accent1"/>
+          </a:lnRef>
+          <a:fillRef idx="0">
+            <a:schemeClr val="accent1"/>
+          </a:fillRef>
+          <a:effectRef idx="0">
+            <a:schemeClr val="accent1"/>
+          </a:effectRef>
+          <a:fontRef idx="minor">
+            <a:schemeClr val="tx1"/>
+          </a:fontRef>
+        </p:style>
+      </p:cxnSp>
+      <p:cxnSp>
+        <p:nvCxnSpPr>
+          <p:cNvPr id="13" name="肘形接點 12"/>
+          <p:cNvCxnSpPr>
+            <a:stCxn id="29" idx="3"/>
+            <a:endCxn id="6" idx="3"/>
+          </p:cNvCxnSpPr>
+          <p:nvPr/>
+        </p:nvCxnSpPr>
+        <p:spPr>
+          <a:xfrm flipH="1">
+            <a:off x="7812613" y="2987513"/>
+            <a:ext cx="3535091" cy="2857761"/>
+          </a:xfrm>
+          <a:prstGeom prst="bentConnector3">
+            <a:avLst>
+              <a:gd name="adj1" fmla="val -6467"/>
+            </a:avLst>
+          </a:prstGeom>
+          <a:ln w="28575">
+            <a:solidFill>
+              <a:schemeClr val="tx1"/>
+            </a:solidFill>
+            <a:tailEnd type="triangle"/>
+          </a:ln>
+        </p:spPr>
+        <p:style>
+          <a:lnRef idx="1">
+            <a:schemeClr val="accent1"/>
+          </a:lnRef>
+          <a:fillRef idx="0">
+            <a:schemeClr val="accent1"/>
+          </a:fillRef>
+          <a:effectRef idx="0">
+            <a:schemeClr val="accent1"/>
+          </a:effectRef>
+          <a:fontRef idx="minor">
+            <a:schemeClr val="tx1"/>
+          </a:fontRef>
+        </p:style>
+      </p:cxnSp>
+      <p:cxnSp>
+        <p:nvCxnSpPr>
+          <p:cNvPr id="25" name="直線單箭頭接點 24"/>
+          <p:cNvCxnSpPr>
+            <a:stCxn id="7" idx="3"/>
+            <a:endCxn id="10" idx="1"/>
+          </p:cNvCxnSpPr>
+          <p:nvPr/>
+        </p:nvCxnSpPr>
+        <p:spPr>
+          <a:xfrm>
+            <a:off x="8511257" y="4489972"/>
+            <a:ext cx="1238897" cy="0"/>
+          </a:xfrm>
+          <a:prstGeom prst="straightConnector1">
+            <a:avLst/>
+          </a:prstGeom>
+          <a:ln w="28575">
+            <a:solidFill>
+              <a:schemeClr val="tx1"/>
+            </a:solidFill>
+            <a:headEnd type="none" w="med" len="med"/>
+            <a:tailEnd type="triangle" w="med" len="med"/>
+          </a:ln>
+        </p:spPr>
+        <p:style>
+          <a:lnRef idx="1">
+            <a:schemeClr val="accent1"/>
+          </a:lnRef>
+          <a:fillRef idx="0">
+            <a:schemeClr val="accent1"/>
+          </a:fillRef>
+          <a:effectRef idx="0">
+            <a:schemeClr val="accent1"/>
+          </a:effectRef>
+          <a:fontRef idx="minor">
+            <a:schemeClr val="tx1"/>
+          </a:fontRef>
+        </p:style>
+      </p:cxnSp>
+      <p:sp>
+        <p:nvSpPr>
+          <p:cNvPr id="29" name="菱形 28"/>
+          <p:cNvSpPr/>
+          <p:nvPr/>
+        </p:nvSpPr>
+        <p:spPr>
+          <a:xfrm>
+            <a:off x="9333919" y="2509450"/>
+            <a:ext cx="2013785" cy="956126"/>
+          </a:xfrm>
+          <a:prstGeom prst="diamond">
+            <a:avLst/>
+          </a:prstGeom>
+          <a:solidFill>
+            <a:schemeClr val="bg1"/>
+          </a:solidFill>
+          <a:ln w="38100">
+            <a:solidFill>
+              <a:srgbClr val="FF0000"/>
+            </a:solidFill>
+          </a:ln>
+        </p:spPr>
+        <p:style>
+          <a:lnRef idx="2">
+            <a:schemeClr val="accent1">
+              <a:shade val="50000"/>
+            </a:schemeClr>
+          </a:lnRef>
+          <a:fillRef idx="1">
+            <a:schemeClr val="accent1"/>
+          </a:fillRef>
+          <a:effectRef idx="0">
+            <a:schemeClr val="accent1"/>
+          </a:effectRef>
+          <a:fontRef idx="minor">
+            <a:schemeClr val="lt1"/>
+          </a:fontRef>
+        </p:style>
+        <p:txBody>
+          <a:bodyPr rtlCol="0" anchor="ctr"/>
+          <a:lstStyle/>
+          <a:p>
+            <a:pPr algn="ctr">
+              <a:tabLst>
+                <a:tab pos="1344613" algn="l"/>
+              </a:tabLst>
+            </a:pPr>
+            <a:r>
+              <a:rPr lang="zh-TW" altLang="en-US" sz="1400" dirty="0" smtClean="0">
+                <a:solidFill>
+                  <a:schemeClr val="tx1"/>
+                </a:solidFill>
+              </a:rPr>
+              <a:t>符合某種條件</a:t>
+            </a:r>
+            <a:endParaRPr lang="zh-TW" altLang="en-US" sz="1400" dirty="0">
+              <a:solidFill>
+                <a:schemeClr val="tx1"/>
+              </a:solidFill>
+            </a:endParaRPr>
+          </a:p>
+        </p:txBody>
+      </p:sp>
+      <p:sp>
+        <p:nvSpPr>
+          <p:cNvPr id="33" name="矩形 32"/>
+          <p:cNvSpPr/>
+          <p:nvPr/>
+        </p:nvSpPr>
+        <p:spPr>
+          <a:xfrm>
+            <a:off x="7569331" y="2715740"/>
+            <a:ext cx="1195674" cy="552638"/>
+          </a:xfrm>
+          <a:prstGeom prst="rect">
+            <a:avLst/>
+          </a:prstGeom>
+          <a:solidFill>
+            <a:schemeClr val="bg1"/>
+          </a:solidFill>
+          <a:ln w="38100">
+            <a:solidFill>
+              <a:schemeClr val="tx1"/>
+            </a:solidFill>
+          </a:ln>
+        </p:spPr>
+        <p:style>
+          <a:lnRef idx="2">
+            <a:schemeClr val="accent1">
+              <a:shade val="50000"/>
+            </a:schemeClr>
+          </a:lnRef>
+          <a:fillRef idx="1">
+            <a:schemeClr val="accent1"/>
+          </a:fillRef>
+          <a:effectRef idx="0">
+            <a:schemeClr val="accent1"/>
+          </a:effectRef>
+          <a:fontRef idx="minor">
+            <a:schemeClr val="lt1"/>
+          </a:fontRef>
+        </p:style>
+        <p:txBody>
+          <a:bodyPr rtlCol="0" anchor="ctr"/>
+          <a:lstStyle/>
+          <a:p>
+            <a:pPr algn="ctr"/>
+            <a:r>
+              <a:rPr lang="zh-TW" altLang="en-US" sz="1400" dirty="0" smtClean="0">
+                <a:solidFill>
+                  <a:schemeClr val="tx1"/>
+                </a:solidFill>
+              </a:rPr>
+              <a:t>程式區塊</a:t>
+            </a:r>
+            <a:r>
+              <a:rPr lang="en-US" altLang="zh-TW" sz="1400" dirty="0" smtClean="0">
+                <a:solidFill>
+                  <a:schemeClr val="tx1"/>
+                </a:solidFill>
+              </a:rPr>
+              <a:t>(2)</a:t>
+            </a:r>
+            <a:endParaRPr lang="zh-TW" altLang="en-US" sz="1400" dirty="0">
+              <a:solidFill>
+                <a:schemeClr val="tx1"/>
+              </a:solidFill>
+            </a:endParaRPr>
+          </a:p>
+        </p:txBody>
+      </p:sp>
+      <p:cxnSp>
+        <p:nvCxnSpPr>
+          <p:cNvPr id="40" name="直線單箭頭接點 39"/>
+          <p:cNvCxnSpPr>
+            <a:stCxn id="29" idx="1"/>
+            <a:endCxn id="33" idx="3"/>
+          </p:cNvCxnSpPr>
+          <p:nvPr/>
+        </p:nvCxnSpPr>
+        <p:spPr>
+          <a:xfrm flipH="1">
+            <a:off x="8765005" y="2987513"/>
+            <a:ext cx="568914" cy="4546"/>
+          </a:xfrm>
+          <a:prstGeom prst="straightConnector1">
+            <a:avLst/>
+          </a:prstGeom>
+          <a:ln w="28575">
+            <a:solidFill>
+              <a:schemeClr val="tx1"/>
+            </a:solidFill>
+            <a:headEnd type="none" w="med" len="med"/>
+            <a:tailEnd type="triangle" w="med" len="med"/>
+          </a:ln>
+        </p:spPr>
+        <p:style>
+          <a:lnRef idx="1">
+            <a:schemeClr val="accent1"/>
+          </a:lnRef>
+          <a:fillRef idx="0">
+            <a:schemeClr val="accent1"/>
+          </a:fillRef>
+          <a:effectRef idx="0">
+            <a:schemeClr val="accent1"/>
+          </a:effectRef>
+          <a:fontRef idx="minor">
+            <a:schemeClr val="tx1"/>
+          </a:fontRef>
+        </p:style>
+      </p:cxnSp>
+      <p:cxnSp>
+        <p:nvCxnSpPr>
+          <p:cNvPr id="43" name="直線單箭頭接點 42"/>
+          <p:cNvCxnSpPr/>
+          <p:nvPr/>
+        </p:nvCxnSpPr>
+        <p:spPr>
+          <a:xfrm flipH="1" flipV="1">
+            <a:off x="7140711" y="2992059"/>
+            <a:ext cx="368703" cy="1"/>
+          </a:xfrm>
+          <a:prstGeom prst="straightConnector1">
+            <a:avLst/>
+          </a:prstGeom>
+          <a:ln w="28575">
+            <a:solidFill>
+              <a:schemeClr val="tx1"/>
+            </a:solidFill>
+            <a:headEnd type="none" w="med" len="med"/>
+            <a:tailEnd type="triangle" w="med" len="med"/>
+          </a:ln>
+        </p:spPr>
+        <p:style>
+          <a:lnRef idx="1">
+            <a:schemeClr val="accent1"/>
+          </a:lnRef>
+          <a:fillRef idx="0">
+            <a:schemeClr val="accent1"/>
+          </a:fillRef>
+          <a:effectRef idx="0">
+            <a:schemeClr val="accent1"/>
+          </a:effectRef>
+          <a:fontRef idx="minor">
+            <a:schemeClr val="tx1"/>
+          </a:fontRef>
+        </p:style>
+      </p:cxnSp>
+      <p:sp>
+        <p:nvSpPr>
+          <p:cNvPr id="68" name="文字方塊 67"/>
+          <p:cNvSpPr txBox="1"/>
+          <p:nvPr/>
+        </p:nvSpPr>
+        <p:spPr>
+          <a:xfrm>
+            <a:off x="10845008" y="3160197"/>
+            <a:ext cx="670761" cy="369332"/>
+          </a:xfrm>
+          <a:prstGeom prst="rect">
+            <a:avLst/>
+          </a:prstGeom>
+          <a:noFill/>
+        </p:spPr>
+        <p:txBody>
+          <a:bodyPr wrap="none" rtlCol="0">
+            <a:spAutoFit/>
+          </a:bodyPr>
+          <a:lstStyle/>
+          <a:p>
+            <a:r>
+              <a:rPr lang="en-US" altLang="zh-TW" b="1" dirty="0" smtClean="0">
+                <a:solidFill>
+                  <a:srgbClr val="FF0000"/>
+                </a:solidFill>
+              </a:rPr>
+              <a:t>True</a:t>
+            </a:r>
+            <a:endParaRPr lang="zh-TW" altLang="en-US" b="1" dirty="0">
+              <a:solidFill>
+                <a:srgbClr val="FF0000"/>
+              </a:solidFill>
+            </a:endParaRPr>
+          </a:p>
+        </p:txBody>
+      </p:sp>
+      <p:sp>
+        <p:nvSpPr>
+          <p:cNvPr id="69" name="文字方塊 68"/>
+          <p:cNvSpPr txBox="1"/>
+          <p:nvPr/>
+        </p:nvSpPr>
+        <p:spPr>
+          <a:xfrm>
+            <a:off x="8832386" y="2637536"/>
+            <a:ext cx="671979" cy="338554"/>
+          </a:xfrm>
+          <a:prstGeom prst="rect">
+            <a:avLst/>
+          </a:prstGeom>
+          <a:noFill/>
+        </p:spPr>
+        <p:txBody>
+          <a:bodyPr wrap="none" rtlCol="0">
+            <a:spAutoFit/>
+          </a:bodyPr>
+          <a:lstStyle/>
+          <a:p>
+            <a:r>
+              <a:rPr lang="en-US" altLang="zh-TW" sz="1600" b="1" dirty="0" smtClean="0">
+                <a:solidFill>
+                  <a:srgbClr val="FF0000"/>
+                </a:solidFill>
+              </a:rPr>
+              <a:t>False</a:t>
+            </a:r>
+            <a:endParaRPr lang="zh-TW" altLang="en-US" sz="1600" b="1" dirty="0">
+              <a:solidFill>
+                <a:srgbClr val="FF0000"/>
+              </a:solidFill>
+            </a:endParaRPr>
+          </a:p>
+        </p:txBody>
+      </p:sp>
+      <p:sp>
+        <p:nvSpPr>
+          <p:cNvPr id="70" name="弧形 69"/>
+          <p:cNvSpPr/>
+          <p:nvPr/>
+        </p:nvSpPr>
+        <p:spPr>
+          <a:xfrm>
+            <a:off x="7985566" y="2908517"/>
+            <a:ext cx="1822038" cy="1832996"/>
+          </a:xfrm>
+          <a:prstGeom prst="arc">
+            <a:avLst>
+              <a:gd name="adj1" fmla="val 10829773"/>
+              <a:gd name="adj2" fmla="val 10259038"/>
+            </a:avLst>
+          </a:prstGeom>
+          <a:ln w="381000">
+            <a:solidFill>
+              <a:srgbClr val="F84ADB">
+                <a:alpha val="27843"/>
+              </a:srgbClr>
+            </a:solidFill>
+            <a:prstDash val="solid"/>
+            <a:headEnd type="triangle" w="med" len="med"/>
+            <a:tailEnd type="none" w="med" len="med"/>
+          </a:ln>
+        </p:spPr>
+        <p:style>
+          <a:lnRef idx="1">
+            <a:schemeClr val="accent1"/>
+          </a:lnRef>
+          <a:fillRef idx="0">
+            <a:schemeClr val="accent1"/>
+          </a:fillRef>
+          <a:effectRef idx="0">
+            <a:schemeClr val="accent1"/>
+          </a:effectRef>
+          <a:fontRef idx="minor">
+            <a:schemeClr val="tx1"/>
+          </a:fontRef>
+        </p:style>
+        <p:txBody>
+          <a:bodyPr rtlCol="0" anchor="ctr"/>
+          <a:lstStyle/>
+          <a:p>
+            <a:pPr algn="ctr"/>
+            <a:endParaRPr lang="zh-TW" altLang="en-US"/>
+          </a:p>
+        </p:txBody>
+      </p:sp>
+    </p:spTree>
+    <p:extLst>
+      <p:ext uri="{BB962C8B-B14F-4D97-AF65-F5344CB8AC3E}">
+        <p14:creationId xmlns:p14="http://schemas.microsoft.com/office/powerpoint/2010/main" val="2040501083"/>
+      </p:ext>
+    </p:extLst>
+  </p:cSld>
+  <p:clrMapOvr>
+    <a:masterClrMapping/>
+  </p:clrMapOvr>
+</p:sld>
+</file>
+
+<file path=ppt/slides/slide41.xml><?xml version="1.0" encoding="utf-8"?>
+<p:sld xmlns:a="http://schemas.openxmlformats.org/drawingml/2006/main" xmlns:r="http://schemas.openxmlformats.org/officeDocument/2006/relationships" xmlns:p="http://schemas.openxmlformats.org/presentationml/2006/main">
+  <p:cSld>
+    <p:spTree>
+      <p:nvGrpSpPr>
+        <p:cNvPr id="1" name=""/>
+        <p:cNvGrpSpPr/>
+        <p:nvPr/>
+      </p:nvGrpSpPr>
+      <p:grpSpPr>
+        <a:xfrm>
+          <a:off x="0" y="0"/>
+          <a:ext cx="0" cy="0"/>
+          <a:chOff x="0" y="0"/>
+          <a:chExt cx="0" cy="0"/>
+        </a:xfrm>
+      </p:grpSpPr>
+      <p:sp>
+        <p:nvSpPr>
+          <p:cNvPr id="2" name="標題 1"/>
+          <p:cNvSpPr>
+            <a:spLocks noGrp="1"/>
+          </p:cNvSpPr>
+          <p:nvPr>
+            <p:ph type="title"/>
+          </p:nvPr>
+        </p:nvSpPr>
+        <p:spPr/>
+        <p:txBody>
+          <a:bodyPr/>
+          <a:lstStyle/>
+          <a:p>
+            <a:r>
+              <a:rPr lang="en-US" altLang="zh-TW" dirty="0" smtClean="0"/>
+              <a:t>continue</a:t>
+            </a:r>
+            <a:r>
+              <a:rPr lang="zh-TW" altLang="en-US" dirty="0" smtClean="0"/>
+              <a:t>繼續、重來</a:t>
+            </a:r>
+            <a:endParaRPr lang="zh-TW" altLang="en-US" dirty="0"/>
+          </a:p>
+        </p:txBody>
+      </p:sp>
+      <p:sp>
+        <p:nvSpPr>
+          <p:cNvPr id="3" name="內容版面配置區 2"/>
+          <p:cNvSpPr>
+            <a:spLocks noGrp="1"/>
+          </p:cNvSpPr>
+          <p:nvPr>
+            <p:ph idx="1"/>
+          </p:nvPr>
+        </p:nvSpPr>
+        <p:spPr>
+          <a:xfrm>
+            <a:off x="677334" y="2160589"/>
+            <a:ext cx="5998769" cy="3880773"/>
+          </a:xfrm>
+        </p:spPr>
+        <p:txBody>
+          <a:bodyPr/>
+          <a:lstStyle/>
+          <a:p>
+            <a:r>
+              <a:rPr lang="en-US" altLang="zh-TW" dirty="0"/>
+              <a:t>continue</a:t>
+            </a:r>
+            <a:r>
+              <a:rPr lang="zh-TW" altLang="en-US" dirty="0" smtClean="0"/>
+              <a:t>的</a:t>
+            </a:r>
+            <a:r>
+              <a:rPr lang="zh-TW" altLang="en-US" dirty="0"/>
+              <a:t>指令是停止目前迴圈</a:t>
+            </a:r>
+            <a:r>
+              <a:rPr lang="en-US" altLang="zh-TW" dirty="0"/>
+              <a:t>(</a:t>
+            </a:r>
+            <a:r>
+              <a:rPr lang="zh-TW" altLang="en-US" dirty="0"/>
+              <a:t>包含</a:t>
+            </a:r>
+            <a:r>
+              <a:rPr lang="en-US" altLang="zh-TW" dirty="0" err="1"/>
+              <a:t>for,while</a:t>
+            </a:r>
+            <a:r>
+              <a:rPr lang="zh-TW" altLang="en-US" dirty="0"/>
+              <a:t>迴圈</a:t>
+            </a:r>
+            <a:r>
+              <a:rPr lang="en-US" altLang="zh-TW" dirty="0" smtClean="0"/>
+              <a:t>)</a:t>
+            </a:r>
+            <a:r>
+              <a:rPr lang="zh-TW" altLang="en-US" dirty="0" smtClean="0"/>
+              <a:t>未完成工作，直接</a:t>
+            </a:r>
+            <a:r>
+              <a:rPr lang="zh-TW" altLang="en-US" b="1" dirty="0" smtClean="0">
+                <a:solidFill>
+                  <a:srgbClr val="C00000"/>
+                </a:solidFill>
+              </a:rPr>
+              <a:t>換下一筆資料</a:t>
+            </a:r>
+            <a:r>
+              <a:rPr lang="zh-TW" altLang="en-US" dirty="0" smtClean="0"/>
+              <a:t>重來一次。</a:t>
+            </a:r>
+            <a:endParaRPr lang="en-US" altLang="zh-TW" dirty="0"/>
+          </a:p>
+          <a:p>
+            <a:r>
+              <a:rPr lang="zh-TW" altLang="en-US" dirty="0"/>
+              <a:t>在</a:t>
+            </a:r>
+            <a:r>
+              <a:rPr lang="en-US" altLang="zh-TW" dirty="0"/>
+              <a:t>for</a:t>
+            </a:r>
+            <a:r>
+              <a:rPr lang="zh-TW" altLang="en-US" dirty="0"/>
+              <a:t>迴圈或是</a:t>
+            </a:r>
+            <a:r>
+              <a:rPr lang="en-US" altLang="zh-TW" dirty="0"/>
+              <a:t>while</a:t>
+            </a:r>
+            <a:r>
+              <a:rPr lang="zh-TW" altLang="en-US" dirty="0"/>
+              <a:t>迴圈中，只要執行</a:t>
+            </a:r>
+            <a:r>
+              <a:rPr lang="zh-TW" altLang="en-US" dirty="0" smtClean="0"/>
+              <a:t>到</a:t>
+            </a:r>
+            <a:r>
+              <a:rPr lang="en-US" altLang="zh-TW" dirty="0"/>
+              <a:t>continue</a:t>
+            </a:r>
+            <a:r>
+              <a:rPr lang="zh-TW" altLang="en-US" dirty="0" smtClean="0"/>
+              <a:t>指令</a:t>
+            </a:r>
+            <a:r>
+              <a:rPr lang="zh-TW" altLang="en-US" dirty="0"/>
+              <a:t>，就會強制</a:t>
+            </a:r>
+            <a:r>
+              <a:rPr lang="zh-TW" altLang="en-US" b="1" dirty="0" smtClean="0">
+                <a:solidFill>
+                  <a:srgbClr val="C00000"/>
+                </a:solidFill>
+              </a:rPr>
+              <a:t>立即回到迴圈開頭</a:t>
+            </a:r>
+            <a:r>
+              <a:rPr lang="zh-TW" altLang="en-US" dirty="0" smtClean="0"/>
+              <a:t>，</a:t>
+            </a:r>
+            <a:r>
+              <a:rPr lang="zh-TW" altLang="en-US" dirty="0"/>
+              <a:t>如右圖的流程圖</a:t>
+            </a:r>
+            <a:r>
+              <a:rPr lang="zh-TW" altLang="en-US" dirty="0" smtClean="0"/>
+              <a:t>。</a:t>
+            </a:r>
+            <a:endParaRPr lang="en-US" altLang="zh-TW" dirty="0" smtClean="0"/>
+          </a:p>
+          <a:p>
+            <a:r>
+              <a:rPr lang="zh-TW" altLang="en-US" dirty="0">
+                <a:solidFill>
+                  <a:srgbClr val="C00000"/>
+                </a:solidFill>
+              </a:rPr>
+              <a:t>有部分迴圈中程式碼被跳過</a:t>
+            </a:r>
+            <a:r>
+              <a:rPr lang="zh-TW" altLang="en-US" dirty="0" smtClean="0"/>
+              <a:t>，如右程式區塊</a:t>
+            </a:r>
+            <a:r>
+              <a:rPr lang="en-US" altLang="zh-TW" dirty="0" smtClean="0"/>
+              <a:t>(2)</a:t>
+            </a:r>
+            <a:endParaRPr lang="en-US" altLang="zh-TW" dirty="0"/>
+          </a:p>
+          <a:p>
+            <a:r>
+              <a:rPr lang="zh-TW" altLang="en-US" dirty="0"/>
+              <a:t>通常會用在迴圈中做特殊狀況檢測。</a:t>
+            </a:r>
+          </a:p>
+          <a:p>
+            <a:endParaRPr lang="zh-TW" altLang="en-US" dirty="0"/>
+          </a:p>
+        </p:txBody>
+      </p:sp>
+      <p:sp>
+        <p:nvSpPr>
+          <p:cNvPr id="4" name="圓角矩形 3"/>
+          <p:cNvSpPr/>
+          <p:nvPr/>
+        </p:nvSpPr>
+        <p:spPr>
+          <a:xfrm>
+            <a:off x="6455384" y="1601392"/>
+            <a:ext cx="1357229" cy="392176"/>
+          </a:xfrm>
+          <a:prstGeom prst="roundRect">
+            <a:avLst>
+              <a:gd name="adj" fmla="val 50000"/>
+            </a:avLst>
+          </a:prstGeom>
+          <a:solidFill>
+            <a:schemeClr val="bg1"/>
+          </a:solidFill>
+          <a:ln>
+            <a:solidFill>
+              <a:schemeClr val="tx1"/>
+            </a:solidFill>
+          </a:ln>
+        </p:spPr>
+        <p:style>
+          <a:lnRef idx="2">
+            <a:schemeClr val="accent1">
+              <a:shade val="50000"/>
+            </a:schemeClr>
+          </a:lnRef>
+          <a:fillRef idx="1">
+            <a:schemeClr val="accent1"/>
+          </a:fillRef>
+          <a:effectRef idx="0">
+            <a:schemeClr val="accent1"/>
+          </a:effectRef>
+          <a:fontRef idx="minor">
+            <a:schemeClr val="lt1"/>
+          </a:fontRef>
+        </p:style>
+        <p:txBody>
+          <a:bodyPr rtlCol="0" anchor="ctr"/>
+          <a:lstStyle/>
+          <a:p>
+            <a:pPr algn="ctr"/>
+            <a:r>
+              <a:rPr lang="zh-TW" altLang="en-US" sz="1400" dirty="0">
+                <a:solidFill>
+                  <a:schemeClr val="tx1"/>
+                </a:solidFill>
+              </a:rPr>
+              <a:t>迴圈開始</a:t>
+            </a:r>
+          </a:p>
+        </p:txBody>
+      </p:sp>
+      <p:cxnSp>
+        <p:nvCxnSpPr>
+          <p:cNvPr id="5" name="直線單箭頭接點 4"/>
+          <p:cNvCxnSpPr>
+            <a:stCxn id="7" idx="2"/>
+            <a:endCxn id="6" idx="0"/>
+          </p:cNvCxnSpPr>
+          <p:nvPr/>
+        </p:nvCxnSpPr>
+        <p:spPr>
+          <a:xfrm>
+            <a:off x="7130709" y="4944865"/>
+            <a:ext cx="3290" cy="704321"/>
+          </a:xfrm>
+          <a:prstGeom prst="straightConnector1">
+            <a:avLst/>
+          </a:prstGeom>
+          <a:ln w="28575">
+            <a:solidFill>
+              <a:schemeClr val="tx1"/>
+            </a:solidFill>
+            <a:headEnd type="none" w="med" len="med"/>
+            <a:tailEnd type="triangle" w="med" len="med"/>
+          </a:ln>
+        </p:spPr>
+        <p:style>
+          <a:lnRef idx="1">
+            <a:schemeClr val="accent1"/>
+          </a:lnRef>
+          <a:fillRef idx="0">
+            <a:schemeClr val="accent1"/>
+          </a:fillRef>
+          <a:effectRef idx="0">
+            <a:schemeClr val="accent1"/>
+          </a:effectRef>
+          <a:fontRef idx="minor">
+            <a:schemeClr val="tx1"/>
+          </a:fontRef>
+        </p:style>
+      </p:cxnSp>
+      <p:sp>
+        <p:nvSpPr>
+          <p:cNvPr id="6" name="圓角矩形 5"/>
+          <p:cNvSpPr/>
+          <p:nvPr/>
+        </p:nvSpPr>
+        <p:spPr>
+          <a:xfrm>
+            <a:off x="6455384" y="5649186"/>
+            <a:ext cx="1357229" cy="392176"/>
+          </a:xfrm>
+          <a:prstGeom prst="roundRect">
+            <a:avLst>
+              <a:gd name="adj" fmla="val 50000"/>
+            </a:avLst>
+          </a:prstGeom>
+          <a:solidFill>
+            <a:schemeClr val="bg1"/>
+          </a:solidFill>
+          <a:ln>
+            <a:solidFill>
+              <a:schemeClr val="tx1"/>
+            </a:solidFill>
+          </a:ln>
+        </p:spPr>
+        <p:style>
+          <a:lnRef idx="2">
+            <a:schemeClr val="accent1">
+              <a:shade val="50000"/>
+            </a:schemeClr>
+          </a:lnRef>
+          <a:fillRef idx="1">
+            <a:schemeClr val="accent1"/>
+          </a:fillRef>
+          <a:effectRef idx="0">
+            <a:schemeClr val="accent1"/>
+          </a:effectRef>
+          <a:fontRef idx="minor">
+            <a:schemeClr val="lt1"/>
+          </a:fontRef>
+        </p:style>
+        <p:txBody>
+          <a:bodyPr rtlCol="0" anchor="ctr"/>
+          <a:lstStyle/>
+          <a:p>
+            <a:pPr algn="ctr"/>
+            <a:r>
+              <a:rPr lang="zh-TW" altLang="en-US" sz="1400" dirty="0" smtClean="0">
+                <a:solidFill>
+                  <a:schemeClr val="tx1"/>
+                </a:solidFill>
+              </a:rPr>
+              <a:t>迴圈</a:t>
+            </a:r>
+            <a:r>
+              <a:rPr lang="zh-TW" altLang="en-US" sz="1400" dirty="0">
+                <a:solidFill>
+                  <a:schemeClr val="tx1"/>
+                </a:solidFill>
+              </a:rPr>
+              <a:t>結束</a:t>
+            </a:r>
+            <a:endParaRPr lang="en-US" altLang="zh-TW" sz="1400" dirty="0" smtClean="0">
+              <a:solidFill>
+                <a:schemeClr val="tx1"/>
+              </a:solidFill>
+            </a:endParaRPr>
+          </a:p>
+        </p:txBody>
+      </p:sp>
+      <p:sp>
+        <p:nvSpPr>
+          <p:cNvPr id="7" name="菱形 6"/>
+          <p:cNvSpPr/>
+          <p:nvPr/>
+        </p:nvSpPr>
+        <p:spPr>
+          <a:xfrm>
+            <a:off x="5750161" y="4035079"/>
+            <a:ext cx="2761096" cy="909786"/>
+          </a:xfrm>
+          <a:prstGeom prst="diamond">
+            <a:avLst/>
+          </a:prstGeom>
+          <a:solidFill>
+            <a:schemeClr val="bg1"/>
+          </a:solidFill>
+          <a:ln w="38100">
+            <a:solidFill>
+              <a:schemeClr val="tx1"/>
+            </a:solidFill>
+          </a:ln>
+        </p:spPr>
+        <p:style>
+          <a:lnRef idx="2">
+            <a:schemeClr val="accent1">
+              <a:shade val="50000"/>
+            </a:schemeClr>
+          </a:lnRef>
+          <a:fillRef idx="1">
+            <a:schemeClr val="accent1"/>
+          </a:fillRef>
+          <a:effectRef idx="0">
+            <a:schemeClr val="accent1"/>
+          </a:effectRef>
+          <a:fontRef idx="minor">
+            <a:schemeClr val="lt1"/>
+          </a:fontRef>
+        </p:style>
+        <p:txBody>
+          <a:bodyPr rtlCol="0" anchor="ctr"/>
+          <a:lstStyle/>
+          <a:p>
+            <a:pPr algn="ctr">
+              <a:tabLst>
+                <a:tab pos="1344613" algn="l"/>
+              </a:tabLst>
+            </a:pPr>
+            <a:r>
+              <a:rPr lang="zh-TW" altLang="en-US" sz="1400" dirty="0" smtClean="0">
+                <a:solidFill>
+                  <a:schemeClr val="tx1"/>
+                </a:solidFill>
+              </a:rPr>
+              <a:t>可迭代物件有變數尚未執行</a:t>
+            </a:r>
+            <a:endParaRPr lang="zh-TW" altLang="en-US" sz="1400" dirty="0">
+              <a:solidFill>
+                <a:schemeClr val="tx1"/>
+              </a:solidFill>
+            </a:endParaRPr>
+          </a:p>
+        </p:txBody>
+      </p:sp>
+      <p:sp>
+        <p:nvSpPr>
+          <p:cNvPr id="8" name="文字方塊 7"/>
+          <p:cNvSpPr txBox="1"/>
+          <p:nvPr/>
+        </p:nvSpPr>
+        <p:spPr>
+          <a:xfrm>
+            <a:off x="8486996" y="4489972"/>
+            <a:ext cx="535211" cy="307777"/>
+          </a:xfrm>
+          <a:prstGeom prst="rect">
+            <a:avLst/>
+          </a:prstGeom>
+          <a:noFill/>
+        </p:spPr>
+        <p:txBody>
+          <a:bodyPr wrap="none" rtlCol="0">
+            <a:spAutoFit/>
+          </a:bodyPr>
+          <a:lstStyle/>
+          <a:p>
+            <a:r>
+              <a:rPr lang="en-US" altLang="zh-TW" sz="1400" dirty="0" smtClean="0"/>
+              <a:t>True</a:t>
+            </a:r>
+            <a:endParaRPr lang="zh-TW" altLang="en-US" sz="1400" dirty="0"/>
+          </a:p>
+        </p:txBody>
+      </p:sp>
+      <p:sp>
+        <p:nvSpPr>
+          <p:cNvPr id="9" name="文字方塊 8"/>
+          <p:cNvSpPr txBox="1"/>
+          <p:nvPr/>
+        </p:nvSpPr>
+        <p:spPr>
+          <a:xfrm>
+            <a:off x="6455384" y="4877990"/>
+            <a:ext cx="596638" cy="307777"/>
+          </a:xfrm>
+          <a:prstGeom prst="rect">
+            <a:avLst/>
+          </a:prstGeom>
+          <a:noFill/>
+        </p:spPr>
+        <p:txBody>
+          <a:bodyPr wrap="none" rtlCol="0">
+            <a:spAutoFit/>
+          </a:bodyPr>
+          <a:lstStyle/>
+          <a:p>
+            <a:r>
+              <a:rPr lang="en-US" altLang="zh-TW" sz="1400" dirty="0" smtClean="0"/>
+              <a:t>False</a:t>
+            </a:r>
+            <a:endParaRPr lang="zh-TW" altLang="en-US" sz="1400" dirty="0"/>
+          </a:p>
+        </p:txBody>
+      </p:sp>
+      <p:sp>
+        <p:nvSpPr>
+          <p:cNvPr id="10" name="矩形 9"/>
+          <p:cNvSpPr/>
+          <p:nvPr/>
+        </p:nvSpPr>
+        <p:spPr>
+          <a:xfrm>
+            <a:off x="9750154" y="4208365"/>
+            <a:ext cx="1173800" cy="563213"/>
+          </a:xfrm>
+          <a:prstGeom prst="rect">
+            <a:avLst/>
+          </a:prstGeom>
+          <a:solidFill>
+            <a:schemeClr val="bg1"/>
+          </a:solidFill>
+          <a:ln w="38100">
+            <a:solidFill>
+              <a:schemeClr val="tx1"/>
+            </a:solidFill>
+          </a:ln>
+        </p:spPr>
+        <p:style>
+          <a:lnRef idx="2">
+            <a:schemeClr val="accent1">
+              <a:shade val="50000"/>
+            </a:schemeClr>
+          </a:lnRef>
+          <a:fillRef idx="1">
+            <a:schemeClr val="accent1"/>
+          </a:fillRef>
+          <a:effectRef idx="0">
+            <a:schemeClr val="accent1"/>
+          </a:effectRef>
+          <a:fontRef idx="minor">
+            <a:schemeClr val="lt1"/>
+          </a:fontRef>
+        </p:style>
+        <p:txBody>
+          <a:bodyPr rtlCol="0" anchor="ctr"/>
+          <a:lstStyle/>
+          <a:p>
+            <a:pPr algn="ctr"/>
+            <a:r>
+              <a:rPr lang="zh-TW" altLang="en-US" sz="1400" smtClean="0">
+                <a:solidFill>
+                  <a:schemeClr val="tx1"/>
+                </a:solidFill>
+              </a:rPr>
+              <a:t>程式區塊</a:t>
+            </a:r>
+            <a:r>
+              <a:rPr lang="en-US" altLang="zh-TW" sz="1400" dirty="0" smtClean="0">
+                <a:solidFill>
+                  <a:schemeClr val="tx1"/>
+                </a:solidFill>
+              </a:rPr>
+              <a:t>(1)</a:t>
+            </a:r>
+            <a:endParaRPr lang="zh-TW" altLang="en-US" sz="1400" dirty="0">
+              <a:solidFill>
+                <a:schemeClr val="tx1"/>
+              </a:solidFill>
+            </a:endParaRPr>
+          </a:p>
+        </p:txBody>
+      </p:sp>
+      <p:cxnSp>
+        <p:nvCxnSpPr>
+          <p:cNvPr id="11" name="直線單箭頭接點 10"/>
+          <p:cNvCxnSpPr>
+            <a:stCxn id="10" idx="0"/>
+            <a:endCxn id="15" idx="2"/>
+          </p:cNvCxnSpPr>
+          <p:nvPr/>
+        </p:nvCxnSpPr>
+        <p:spPr>
+          <a:xfrm flipV="1">
+            <a:off x="10337054" y="3465576"/>
+            <a:ext cx="3758" cy="742789"/>
+          </a:xfrm>
+          <a:prstGeom prst="straightConnector1">
+            <a:avLst/>
+          </a:prstGeom>
+          <a:ln w="28575">
+            <a:solidFill>
+              <a:schemeClr val="tx1"/>
+            </a:solidFill>
+            <a:headEnd type="none" w="med" len="med"/>
+            <a:tailEnd type="triangle" w="med" len="med"/>
+          </a:ln>
+        </p:spPr>
+        <p:style>
+          <a:lnRef idx="1">
+            <a:schemeClr val="accent1"/>
+          </a:lnRef>
+          <a:fillRef idx="0">
+            <a:schemeClr val="accent1"/>
+          </a:fillRef>
+          <a:effectRef idx="0">
+            <a:schemeClr val="accent1"/>
+          </a:effectRef>
+          <a:fontRef idx="minor">
+            <a:schemeClr val="tx1"/>
+          </a:fontRef>
+        </p:style>
+      </p:cxnSp>
+      <p:cxnSp>
+        <p:nvCxnSpPr>
+          <p:cNvPr id="12" name="直線單箭頭接點 11"/>
+          <p:cNvCxnSpPr>
+            <a:stCxn id="4" idx="2"/>
+            <a:endCxn id="7" idx="0"/>
+          </p:cNvCxnSpPr>
+          <p:nvPr/>
+        </p:nvCxnSpPr>
+        <p:spPr>
+          <a:xfrm flipH="1">
+            <a:off x="7130709" y="1993568"/>
+            <a:ext cx="3290" cy="2041511"/>
+          </a:xfrm>
+          <a:prstGeom prst="straightConnector1">
+            <a:avLst/>
+          </a:prstGeom>
+          <a:ln w="28575">
+            <a:solidFill>
+              <a:schemeClr val="tx1"/>
+            </a:solidFill>
+            <a:headEnd type="none" w="med" len="med"/>
+            <a:tailEnd type="triangle" w="med" len="med"/>
+          </a:ln>
+        </p:spPr>
+        <p:style>
+          <a:lnRef idx="1">
+            <a:schemeClr val="accent1"/>
+          </a:lnRef>
+          <a:fillRef idx="0">
+            <a:schemeClr val="accent1"/>
+          </a:fillRef>
+          <a:effectRef idx="0">
+            <a:schemeClr val="accent1"/>
+          </a:effectRef>
+          <a:fontRef idx="minor">
+            <a:schemeClr val="tx1"/>
+          </a:fontRef>
+        </p:style>
+      </p:cxnSp>
+      <p:cxnSp>
+        <p:nvCxnSpPr>
+          <p:cNvPr id="13" name="肘形接點 12"/>
+          <p:cNvCxnSpPr>
+            <a:stCxn id="15" idx="0"/>
+          </p:cNvCxnSpPr>
+          <p:nvPr/>
+        </p:nvCxnSpPr>
+        <p:spPr>
+          <a:xfrm rot="16200000" flipV="1">
+            <a:off x="8646245" y="814882"/>
+            <a:ext cx="189034" cy="3200101"/>
+          </a:xfrm>
+          <a:prstGeom prst="bentConnector2">
+            <a:avLst/>
+          </a:prstGeom>
+          <a:ln w="28575">
+            <a:solidFill>
+              <a:schemeClr val="tx1"/>
+            </a:solidFill>
+            <a:tailEnd type="triangle"/>
+          </a:ln>
+        </p:spPr>
+        <p:style>
+          <a:lnRef idx="1">
+            <a:schemeClr val="accent1"/>
+          </a:lnRef>
+          <a:fillRef idx="0">
+            <a:schemeClr val="accent1"/>
+          </a:fillRef>
+          <a:effectRef idx="0">
+            <a:schemeClr val="accent1"/>
+          </a:effectRef>
+          <a:fontRef idx="minor">
+            <a:schemeClr val="tx1"/>
+          </a:fontRef>
+        </p:style>
+      </p:cxnSp>
+      <p:cxnSp>
+        <p:nvCxnSpPr>
+          <p:cNvPr id="14" name="直線單箭頭接點 13"/>
+          <p:cNvCxnSpPr>
+            <a:stCxn id="7" idx="3"/>
+            <a:endCxn id="10" idx="1"/>
+          </p:cNvCxnSpPr>
+          <p:nvPr/>
+        </p:nvCxnSpPr>
+        <p:spPr>
+          <a:xfrm>
+            <a:off x="8511257" y="4489972"/>
+            <a:ext cx="1238897" cy="0"/>
+          </a:xfrm>
+          <a:prstGeom prst="straightConnector1">
+            <a:avLst/>
+          </a:prstGeom>
+          <a:ln w="28575">
+            <a:solidFill>
+              <a:schemeClr val="tx1"/>
+            </a:solidFill>
+            <a:headEnd type="none" w="med" len="med"/>
+            <a:tailEnd type="triangle" w="med" len="med"/>
+          </a:ln>
+        </p:spPr>
+        <p:style>
+          <a:lnRef idx="1">
+            <a:schemeClr val="accent1"/>
+          </a:lnRef>
+          <a:fillRef idx="0">
+            <a:schemeClr val="accent1"/>
+          </a:fillRef>
+          <a:effectRef idx="0">
+            <a:schemeClr val="accent1"/>
+          </a:effectRef>
+          <a:fontRef idx="minor">
+            <a:schemeClr val="tx1"/>
+          </a:fontRef>
+        </p:style>
+      </p:cxnSp>
+      <p:sp>
+        <p:nvSpPr>
+          <p:cNvPr id="15" name="菱形 14"/>
+          <p:cNvSpPr/>
+          <p:nvPr/>
+        </p:nvSpPr>
+        <p:spPr>
+          <a:xfrm>
+            <a:off x="9333919" y="2509450"/>
+            <a:ext cx="2013785" cy="956126"/>
+          </a:xfrm>
+          <a:prstGeom prst="diamond">
+            <a:avLst/>
+          </a:prstGeom>
+          <a:solidFill>
+            <a:schemeClr val="bg1"/>
+          </a:solidFill>
+          <a:ln w="38100">
+            <a:solidFill>
+              <a:srgbClr val="FF0000"/>
+            </a:solidFill>
+          </a:ln>
+        </p:spPr>
+        <p:style>
+          <a:lnRef idx="2">
+            <a:schemeClr val="accent1">
+              <a:shade val="50000"/>
+            </a:schemeClr>
+          </a:lnRef>
+          <a:fillRef idx="1">
+            <a:schemeClr val="accent1"/>
+          </a:fillRef>
+          <a:effectRef idx="0">
+            <a:schemeClr val="accent1"/>
+          </a:effectRef>
+          <a:fontRef idx="minor">
+            <a:schemeClr val="lt1"/>
+          </a:fontRef>
+        </p:style>
+        <p:txBody>
+          <a:bodyPr rtlCol="0" anchor="ctr"/>
+          <a:lstStyle/>
+          <a:p>
+            <a:pPr algn="ctr">
+              <a:tabLst>
+                <a:tab pos="1344613" algn="l"/>
+              </a:tabLst>
+            </a:pPr>
+            <a:r>
+              <a:rPr lang="zh-TW" altLang="en-US" sz="1400" dirty="0" smtClean="0">
+                <a:solidFill>
+                  <a:schemeClr val="tx1"/>
+                </a:solidFill>
+              </a:rPr>
+              <a:t>符合某種條件</a:t>
+            </a:r>
+            <a:endParaRPr lang="zh-TW" altLang="en-US" sz="1400" dirty="0">
+              <a:solidFill>
+                <a:schemeClr val="tx1"/>
+              </a:solidFill>
+            </a:endParaRPr>
+          </a:p>
+        </p:txBody>
+      </p:sp>
+      <p:sp>
+        <p:nvSpPr>
+          <p:cNvPr id="16" name="矩形 15"/>
+          <p:cNvSpPr/>
+          <p:nvPr/>
+        </p:nvSpPr>
+        <p:spPr>
+          <a:xfrm>
+            <a:off x="7569331" y="2715740"/>
+            <a:ext cx="1195674" cy="552638"/>
+          </a:xfrm>
+          <a:prstGeom prst="rect">
+            <a:avLst/>
+          </a:prstGeom>
+          <a:solidFill>
+            <a:schemeClr val="bg1"/>
+          </a:solidFill>
+          <a:ln w="38100">
+            <a:solidFill>
+              <a:schemeClr val="tx1"/>
+            </a:solidFill>
+          </a:ln>
+        </p:spPr>
+        <p:style>
+          <a:lnRef idx="2">
+            <a:schemeClr val="accent1">
+              <a:shade val="50000"/>
+            </a:schemeClr>
+          </a:lnRef>
+          <a:fillRef idx="1">
+            <a:schemeClr val="accent1"/>
+          </a:fillRef>
+          <a:effectRef idx="0">
+            <a:schemeClr val="accent1"/>
+          </a:effectRef>
+          <a:fontRef idx="minor">
+            <a:schemeClr val="lt1"/>
+          </a:fontRef>
+        </p:style>
+        <p:txBody>
+          <a:bodyPr rtlCol="0" anchor="ctr"/>
+          <a:lstStyle/>
+          <a:p>
+            <a:pPr algn="ctr"/>
+            <a:r>
+              <a:rPr lang="zh-TW" altLang="en-US" sz="1400" dirty="0" smtClean="0">
+                <a:solidFill>
+                  <a:schemeClr val="tx1"/>
+                </a:solidFill>
+              </a:rPr>
+              <a:t>程式區塊</a:t>
+            </a:r>
+            <a:r>
+              <a:rPr lang="en-US" altLang="zh-TW" sz="1400" dirty="0" smtClean="0">
+                <a:solidFill>
+                  <a:schemeClr val="tx1"/>
+                </a:solidFill>
+              </a:rPr>
+              <a:t>(2)</a:t>
+            </a:r>
+            <a:endParaRPr lang="zh-TW" altLang="en-US" sz="1400" dirty="0">
+              <a:solidFill>
+                <a:schemeClr val="tx1"/>
+              </a:solidFill>
+            </a:endParaRPr>
+          </a:p>
+        </p:txBody>
+      </p:sp>
+      <p:cxnSp>
+        <p:nvCxnSpPr>
+          <p:cNvPr id="17" name="直線單箭頭接點 16"/>
+          <p:cNvCxnSpPr>
+            <a:stCxn id="15" idx="1"/>
+            <a:endCxn id="16" idx="3"/>
+          </p:cNvCxnSpPr>
+          <p:nvPr/>
+        </p:nvCxnSpPr>
+        <p:spPr>
+          <a:xfrm flipH="1">
+            <a:off x="8765005" y="2987513"/>
+            <a:ext cx="568914" cy="4546"/>
+          </a:xfrm>
+          <a:prstGeom prst="straightConnector1">
+            <a:avLst/>
+          </a:prstGeom>
+          <a:ln w="28575">
+            <a:solidFill>
+              <a:schemeClr val="tx1"/>
+            </a:solidFill>
+            <a:headEnd type="none" w="med" len="med"/>
+            <a:tailEnd type="triangle" w="med" len="med"/>
+          </a:ln>
+        </p:spPr>
+        <p:style>
+          <a:lnRef idx="1">
+            <a:schemeClr val="accent1"/>
+          </a:lnRef>
+          <a:fillRef idx="0">
+            <a:schemeClr val="accent1"/>
+          </a:fillRef>
+          <a:effectRef idx="0">
+            <a:schemeClr val="accent1"/>
+          </a:effectRef>
+          <a:fontRef idx="minor">
+            <a:schemeClr val="tx1"/>
+          </a:fontRef>
+        </p:style>
+      </p:cxnSp>
+      <p:cxnSp>
+        <p:nvCxnSpPr>
+          <p:cNvPr id="18" name="直線單箭頭接點 17"/>
+          <p:cNvCxnSpPr/>
+          <p:nvPr/>
+        </p:nvCxnSpPr>
+        <p:spPr>
+          <a:xfrm flipH="1" flipV="1">
+            <a:off x="7140711" y="2992059"/>
+            <a:ext cx="368703" cy="1"/>
+          </a:xfrm>
+          <a:prstGeom prst="straightConnector1">
+            <a:avLst/>
+          </a:prstGeom>
+          <a:ln w="28575">
+            <a:solidFill>
+              <a:schemeClr val="tx1"/>
+            </a:solidFill>
+            <a:headEnd type="none" w="med" len="med"/>
+            <a:tailEnd type="triangle" w="med" len="med"/>
+          </a:ln>
+        </p:spPr>
+        <p:style>
+          <a:lnRef idx="1">
+            <a:schemeClr val="accent1"/>
+          </a:lnRef>
+          <a:fillRef idx="0">
+            <a:schemeClr val="accent1"/>
+          </a:fillRef>
+          <a:effectRef idx="0">
+            <a:schemeClr val="accent1"/>
+          </a:effectRef>
+          <a:fontRef idx="minor">
+            <a:schemeClr val="tx1"/>
+          </a:fontRef>
+        </p:style>
+      </p:cxnSp>
+      <p:sp>
+        <p:nvSpPr>
+          <p:cNvPr id="19" name="文字方塊 18"/>
+          <p:cNvSpPr txBox="1"/>
+          <p:nvPr/>
+        </p:nvSpPr>
+        <p:spPr>
+          <a:xfrm>
+            <a:off x="9539998" y="2038440"/>
+            <a:ext cx="535211" cy="307777"/>
+          </a:xfrm>
+          <a:prstGeom prst="rect">
+            <a:avLst/>
+          </a:prstGeom>
+          <a:noFill/>
+        </p:spPr>
+        <p:txBody>
+          <a:bodyPr wrap="none" rtlCol="0">
+            <a:spAutoFit/>
+          </a:bodyPr>
+          <a:lstStyle/>
+          <a:p>
+            <a:r>
+              <a:rPr lang="en-US" altLang="zh-TW" sz="1400" dirty="0" smtClean="0"/>
+              <a:t>True</a:t>
+            </a:r>
+            <a:endParaRPr lang="zh-TW" altLang="en-US" sz="1400" dirty="0"/>
+          </a:p>
+        </p:txBody>
+      </p:sp>
+      <p:sp>
+        <p:nvSpPr>
+          <p:cNvPr id="20" name="文字方塊 19"/>
+          <p:cNvSpPr txBox="1"/>
+          <p:nvPr/>
+        </p:nvSpPr>
+        <p:spPr>
+          <a:xfrm>
+            <a:off x="8832386" y="2637536"/>
+            <a:ext cx="596638" cy="307777"/>
+          </a:xfrm>
+          <a:prstGeom prst="rect">
+            <a:avLst/>
+          </a:prstGeom>
+          <a:noFill/>
+        </p:spPr>
+        <p:txBody>
+          <a:bodyPr wrap="none" rtlCol="0">
+            <a:spAutoFit/>
+          </a:bodyPr>
+          <a:lstStyle/>
+          <a:p>
+            <a:r>
+              <a:rPr lang="en-US" altLang="zh-TW" sz="1400" dirty="0" smtClean="0"/>
+              <a:t>False</a:t>
+            </a:r>
+            <a:endParaRPr lang="zh-TW" altLang="en-US" sz="1400" dirty="0"/>
+          </a:p>
+        </p:txBody>
+      </p:sp>
+      <p:sp>
+        <p:nvSpPr>
+          <p:cNvPr id="21" name="弧形 20"/>
+          <p:cNvSpPr/>
+          <p:nvPr/>
+        </p:nvSpPr>
+        <p:spPr>
+          <a:xfrm>
+            <a:off x="7985566" y="2908517"/>
+            <a:ext cx="1822038" cy="1832996"/>
+          </a:xfrm>
+          <a:prstGeom prst="arc">
+            <a:avLst>
+              <a:gd name="adj1" fmla="val 10829773"/>
+              <a:gd name="adj2" fmla="val 10259038"/>
+            </a:avLst>
+          </a:prstGeom>
+          <a:ln w="381000">
+            <a:solidFill>
+              <a:srgbClr val="F84ADB">
+                <a:alpha val="27843"/>
+              </a:srgbClr>
+            </a:solidFill>
+            <a:prstDash val="solid"/>
+            <a:headEnd type="triangle" w="med" len="med"/>
+            <a:tailEnd type="none" w="med" len="med"/>
+          </a:ln>
+        </p:spPr>
+        <p:style>
+          <a:lnRef idx="1">
+            <a:schemeClr val="accent1"/>
+          </a:lnRef>
+          <a:fillRef idx="0">
+            <a:schemeClr val="accent1"/>
+          </a:fillRef>
+          <a:effectRef idx="0">
+            <a:schemeClr val="accent1"/>
+          </a:effectRef>
+          <a:fontRef idx="minor">
+            <a:schemeClr val="tx1"/>
+          </a:fontRef>
+        </p:style>
+        <p:txBody>
+          <a:bodyPr rtlCol="0" anchor="ctr"/>
+          <a:lstStyle/>
+          <a:p>
+            <a:pPr algn="ctr"/>
+            <a:endParaRPr lang="zh-TW" altLang="en-US"/>
+          </a:p>
+        </p:txBody>
+      </p:sp>
+    </p:spTree>
+    <p:extLst>
+      <p:ext uri="{BB962C8B-B14F-4D97-AF65-F5344CB8AC3E}">
+        <p14:creationId xmlns:p14="http://schemas.microsoft.com/office/powerpoint/2010/main" val="2100165430"/>
+      </p:ext>
+    </p:extLst>
+  </p:cSld>
+  <p:clrMapOvr>
+    <a:masterClrMapping/>
+  </p:clrMapOvr>
+</p:sld>
+</file>
+
+<file path=ppt/slides/slide42.xml><?xml version="1.0" encoding="utf-8"?>
+<p:sld xmlns:a="http://schemas.openxmlformats.org/drawingml/2006/main" xmlns:r="http://schemas.openxmlformats.org/officeDocument/2006/relationships" xmlns:p="http://schemas.openxmlformats.org/presentationml/2006/main">
+  <p:cSld>
+    <p:spTree>
+      <p:nvGrpSpPr>
+        <p:cNvPr id="1" name=""/>
+        <p:cNvGrpSpPr/>
+        <p:nvPr/>
+      </p:nvGrpSpPr>
+      <p:grpSpPr>
+        <a:xfrm>
+          <a:off x="0" y="0"/>
+          <a:ext cx="0" cy="0"/>
+          <a:chOff x="0" y="0"/>
+          <a:chExt cx="0" cy="0"/>
+        </a:xfrm>
+      </p:grpSpPr>
+      <p:sp>
+        <p:nvSpPr>
+          <p:cNvPr id="4" name="標題 3"/>
+          <p:cNvSpPr>
+            <a:spLocks noGrp="1"/>
+          </p:cNvSpPr>
+          <p:nvPr>
+            <p:ph type="title"/>
+          </p:nvPr>
+        </p:nvSpPr>
+        <p:spPr/>
+        <p:txBody>
+          <a:bodyPr/>
+          <a:lstStyle/>
+          <a:p>
+            <a:r>
+              <a:rPr lang="en-US" altLang="zh-TW" dirty="0" smtClean="0"/>
+              <a:t>for….else…</a:t>
+            </a:r>
+            <a:endParaRPr lang="zh-TW" altLang="en-US" dirty="0"/>
+          </a:p>
+        </p:txBody>
+      </p:sp>
+      <p:sp>
+        <p:nvSpPr>
+          <p:cNvPr id="5" name="文字版面配置區 4"/>
+          <p:cNvSpPr>
+            <a:spLocks noGrp="1"/>
+          </p:cNvSpPr>
+          <p:nvPr>
+            <p:ph type="body" idx="1"/>
+          </p:nvPr>
+        </p:nvSpPr>
+        <p:spPr/>
+        <p:txBody>
+          <a:bodyPr/>
+          <a:lstStyle/>
+          <a:p>
+            <a:r>
+              <a:rPr lang="en-US" altLang="zh-TW" dirty="0" smtClean="0"/>
+              <a:t>Python</a:t>
+            </a:r>
+            <a:r>
+              <a:rPr lang="zh-TW" altLang="en-US" dirty="0" smtClean="0"/>
+              <a:t>獨家</a:t>
+            </a:r>
+            <a:r>
+              <a:rPr lang="en-US" altLang="zh-TW" dirty="0" smtClean="0"/>
+              <a:t>!</a:t>
+            </a:r>
+            <a:endParaRPr lang="zh-TW" altLang="en-US" dirty="0"/>
+          </a:p>
+        </p:txBody>
+      </p:sp>
+    </p:spTree>
+    <p:extLst>
+      <p:ext uri="{BB962C8B-B14F-4D97-AF65-F5344CB8AC3E}">
+        <p14:creationId xmlns:p14="http://schemas.microsoft.com/office/powerpoint/2010/main" val="3554758276"/>
+      </p:ext>
+    </p:extLst>
+  </p:cSld>
+  <p:clrMapOvr>
+    <a:masterClrMapping/>
+  </p:clrMapOvr>
+</p:sld>
+</file>
+
+<file path=ppt/slides/slide43.xml><?xml version="1.0" encoding="utf-8"?>
+<p:sld xmlns:a="http://schemas.openxmlformats.org/drawingml/2006/main" xmlns:r="http://schemas.openxmlformats.org/officeDocument/2006/relationships" xmlns:p="http://schemas.openxmlformats.org/presentationml/2006/main">
+  <p:cSld>
+    <p:spTree>
+      <p:nvGrpSpPr>
+        <p:cNvPr id="1" name=""/>
+        <p:cNvGrpSpPr/>
+        <p:nvPr/>
+      </p:nvGrpSpPr>
+      <p:grpSpPr>
+        <a:xfrm>
+          <a:off x="0" y="0"/>
+          <a:ext cx="0" cy="0"/>
+          <a:chOff x="0" y="0"/>
+          <a:chExt cx="0" cy="0"/>
+        </a:xfrm>
+      </p:grpSpPr>
+      <p:sp>
+        <p:nvSpPr>
+          <p:cNvPr id="4" name="標題 3"/>
+          <p:cNvSpPr>
+            <a:spLocks noGrp="1"/>
+          </p:cNvSpPr>
+          <p:nvPr>
+            <p:ph type="title"/>
+          </p:nvPr>
+        </p:nvSpPr>
+        <p:spPr/>
+        <p:txBody>
+          <a:bodyPr/>
+          <a:lstStyle/>
+          <a:p>
+            <a:r>
+              <a:rPr lang="en-US" altLang="zh-TW" dirty="0" smtClean="0"/>
+              <a:t>for…else…</a:t>
+            </a:r>
+            <a:r>
+              <a:rPr lang="zh-TW" altLang="en-US" dirty="0" smtClean="0"/>
+              <a:t>也是個方便的語法糖</a:t>
+            </a:r>
+            <a:endParaRPr lang="zh-TW" altLang="en-US" dirty="0"/>
+          </a:p>
+        </p:txBody>
+      </p:sp>
+      <p:sp>
+        <p:nvSpPr>
+          <p:cNvPr id="5" name="內容版面配置區 4"/>
+          <p:cNvSpPr>
+            <a:spLocks noGrp="1"/>
+          </p:cNvSpPr>
+          <p:nvPr>
+            <p:ph idx="1"/>
+          </p:nvPr>
+        </p:nvSpPr>
+        <p:spPr/>
+        <p:txBody>
+          <a:bodyPr/>
+          <a:lstStyle/>
+          <a:p>
+            <a:r>
+              <a:rPr lang="zh-TW" altLang="en-US" dirty="0"/>
+              <a:t>語法</a:t>
+            </a:r>
+            <a:r>
+              <a:rPr lang="zh-TW" altLang="en-US" dirty="0" smtClean="0"/>
+              <a:t>：</a:t>
+            </a:r>
+            <a:endParaRPr lang="en-US" altLang="zh-TW" dirty="0" smtClean="0"/>
+          </a:p>
+          <a:p>
+            <a:endParaRPr lang="en-US" altLang="zh-TW" dirty="0"/>
+          </a:p>
+          <a:p>
+            <a:endParaRPr lang="en-US" altLang="zh-TW" dirty="0" smtClean="0"/>
+          </a:p>
+          <a:p>
+            <a:endParaRPr lang="en-US" altLang="zh-TW" dirty="0"/>
+          </a:p>
+          <a:p>
+            <a:endParaRPr lang="en-US" altLang="zh-TW" dirty="0" smtClean="0"/>
+          </a:p>
+          <a:p>
+            <a:endParaRPr lang="en-US" altLang="zh-TW" dirty="0"/>
+          </a:p>
+          <a:p>
+            <a:r>
+              <a:rPr lang="zh-TW" altLang="en-US" dirty="0" smtClean="0"/>
+              <a:t>只要在</a:t>
+            </a:r>
+            <a:r>
+              <a:rPr lang="en-US" altLang="zh-TW" dirty="0" smtClean="0"/>
+              <a:t>for</a:t>
+            </a:r>
+            <a:r>
+              <a:rPr lang="zh-TW" altLang="en-US" dirty="0" smtClean="0"/>
+              <a:t>迴圈中不是執行到</a:t>
+            </a:r>
+            <a:r>
+              <a:rPr lang="en-US" altLang="zh-TW" dirty="0" smtClean="0">
+                <a:solidFill>
+                  <a:srgbClr val="FF0000"/>
+                </a:solidFill>
+              </a:rPr>
+              <a:t>break</a:t>
+            </a:r>
+            <a:r>
+              <a:rPr lang="zh-TW" altLang="en-US" dirty="0" smtClean="0"/>
+              <a:t>結束迴圈的，就會執行</a:t>
+            </a:r>
+            <a:r>
+              <a:rPr lang="en-US" altLang="zh-TW" dirty="0" smtClean="0"/>
+              <a:t>else:</a:t>
+            </a:r>
+            <a:r>
+              <a:rPr lang="zh-TW" altLang="en-US" dirty="0" smtClean="0"/>
+              <a:t>這邊的程式區塊。</a:t>
+            </a:r>
+            <a:endParaRPr lang="en-US" altLang="zh-TW" dirty="0" smtClean="0"/>
+          </a:p>
+          <a:p>
+            <a:r>
+              <a:rPr lang="zh-TW" altLang="en-US" dirty="0"/>
+              <a:t>以往其他語言要自己設</a:t>
+            </a:r>
+            <a:r>
+              <a:rPr lang="en-US" altLang="zh-TW" dirty="0" err="1"/>
+              <a:t>boolean</a:t>
+            </a:r>
+            <a:r>
+              <a:rPr lang="zh-TW" altLang="en-US" dirty="0"/>
+              <a:t>變數</a:t>
+            </a:r>
+            <a:r>
+              <a:rPr lang="zh-TW" altLang="en-US" dirty="0" smtClean="0"/>
+              <a:t>，在</a:t>
+            </a:r>
+            <a:r>
+              <a:rPr lang="en-US" altLang="zh-TW" dirty="0" smtClean="0"/>
+              <a:t>break</a:t>
+            </a:r>
+            <a:r>
+              <a:rPr lang="zh-TW" altLang="en-US" dirty="0" smtClean="0"/>
+              <a:t>前設定，在結束</a:t>
+            </a:r>
+            <a:r>
+              <a:rPr lang="en-US" altLang="zh-TW" dirty="0" smtClean="0"/>
+              <a:t>for</a:t>
+            </a:r>
+            <a:r>
+              <a:rPr lang="zh-TW" altLang="en-US" dirty="0" smtClean="0"/>
+              <a:t>迴圈後自己判斷。</a:t>
+            </a:r>
+            <a:endParaRPr lang="en-US" altLang="zh-TW" dirty="0" smtClean="0"/>
+          </a:p>
+          <a:p>
+            <a:endParaRPr lang="zh-TW" altLang="en-US" dirty="0"/>
+          </a:p>
+        </p:txBody>
+      </p:sp>
+      <p:sp>
+        <p:nvSpPr>
+          <p:cNvPr id="7" name="矩形 6"/>
+          <p:cNvSpPr/>
+          <p:nvPr/>
+        </p:nvSpPr>
+        <p:spPr>
+          <a:xfrm>
+            <a:off x="1897188" y="2160589"/>
+            <a:ext cx="2868168" cy="2308324"/>
+          </a:xfrm>
+          <a:prstGeom prst="rect">
+            <a:avLst/>
+          </a:prstGeom>
+          <a:solidFill>
+            <a:schemeClr val="tx1"/>
+          </a:solidFill>
+        </p:spPr>
+        <p:txBody>
+          <a:bodyPr wrap="square">
+            <a:spAutoFit/>
+          </a:bodyPr>
+          <a:lstStyle/>
+          <a:p>
+            <a:r>
+              <a:rPr lang="zh-TW" altLang="en-US" dirty="0">
+                <a:solidFill>
+                  <a:srgbClr val="FFFF00"/>
+                </a:solidFill>
+              </a:rPr>
+              <a:t>for</a:t>
+            </a:r>
+            <a:r>
+              <a:rPr lang="zh-TW" altLang="en-US" dirty="0">
+                <a:solidFill>
+                  <a:schemeClr val="bg1"/>
+                </a:solidFill>
+              </a:rPr>
+              <a:t> 項目 </a:t>
+            </a:r>
+            <a:r>
+              <a:rPr lang="zh-TW" altLang="en-US" dirty="0">
+                <a:solidFill>
+                  <a:srgbClr val="00B0F0"/>
+                </a:solidFill>
+              </a:rPr>
+              <a:t>in</a:t>
+            </a:r>
+            <a:r>
+              <a:rPr lang="zh-TW" altLang="en-US" dirty="0">
+                <a:solidFill>
+                  <a:schemeClr val="bg1"/>
+                </a:solidFill>
+              </a:rPr>
+              <a:t> iterable:</a:t>
+            </a:r>
+          </a:p>
+          <a:p>
+            <a:r>
+              <a:rPr lang="zh-TW" altLang="en-US" dirty="0">
+                <a:solidFill>
+                  <a:schemeClr val="bg1"/>
+                </a:solidFill>
+              </a:rPr>
+              <a:t>    程式碼區塊 1</a:t>
+            </a:r>
+          </a:p>
+          <a:p>
+            <a:r>
+              <a:rPr lang="zh-TW" altLang="en-US" dirty="0">
+                <a:solidFill>
+                  <a:schemeClr val="bg1"/>
+                </a:solidFill>
+              </a:rPr>
+              <a:t>    </a:t>
+            </a:r>
+            <a:r>
+              <a:rPr lang="zh-TW" altLang="en-US" dirty="0">
+                <a:solidFill>
+                  <a:srgbClr val="00B0F0"/>
+                </a:solidFill>
+              </a:rPr>
+              <a:t>if</a:t>
+            </a:r>
+            <a:r>
+              <a:rPr lang="zh-TW" altLang="en-US" dirty="0">
+                <a:solidFill>
+                  <a:schemeClr val="bg1"/>
+                </a:solidFill>
+              </a:rPr>
+              <a:t> 條件:</a:t>
+            </a:r>
+          </a:p>
+          <a:p>
+            <a:r>
+              <a:rPr lang="zh-TW" altLang="en-US" dirty="0">
+                <a:solidFill>
+                  <a:schemeClr val="bg1"/>
+                </a:solidFill>
+              </a:rPr>
+              <a:t>        程式碼區塊 A</a:t>
+            </a:r>
+          </a:p>
+          <a:p>
+            <a:r>
+              <a:rPr lang="zh-TW" altLang="en-US" dirty="0">
+                <a:solidFill>
+                  <a:schemeClr val="bg1"/>
+                </a:solidFill>
+              </a:rPr>
+              <a:t>        </a:t>
+            </a:r>
+            <a:r>
+              <a:rPr lang="zh-TW" altLang="en-US" dirty="0">
+                <a:solidFill>
+                  <a:srgbClr val="FF0000"/>
+                </a:solidFill>
+              </a:rPr>
+              <a:t>break</a:t>
+            </a:r>
+          </a:p>
+          <a:p>
+            <a:r>
+              <a:rPr lang="zh-TW" altLang="en-US" dirty="0">
+                <a:solidFill>
+                  <a:schemeClr val="bg1"/>
+                </a:solidFill>
+              </a:rPr>
+              <a:t>    程式碼區塊 2</a:t>
+            </a:r>
+          </a:p>
+          <a:p>
+            <a:r>
+              <a:rPr lang="zh-TW" altLang="en-US" dirty="0">
+                <a:solidFill>
+                  <a:srgbClr val="FFFF00"/>
+                </a:solidFill>
+              </a:rPr>
+              <a:t>else:</a:t>
+            </a:r>
+          </a:p>
+          <a:p>
+            <a:r>
+              <a:rPr lang="zh-TW" altLang="en-US" dirty="0">
+                <a:solidFill>
+                  <a:schemeClr val="bg1"/>
+                </a:solidFill>
+              </a:rPr>
+              <a:t>    程式碼區塊 B</a:t>
+            </a:r>
+          </a:p>
+        </p:txBody>
+      </p:sp>
+    </p:spTree>
+    <p:extLst>
+      <p:ext uri="{BB962C8B-B14F-4D97-AF65-F5344CB8AC3E}">
+        <p14:creationId xmlns:p14="http://schemas.microsoft.com/office/powerpoint/2010/main" val="875960387"/>
+      </p:ext>
+    </p:extLst>
+  </p:cSld>
+  <p:clrMapOvr>
+    <a:masterClrMapping/>
+  </p:clrMapOvr>
+</p:sld>
+</file>
+
+<file path=ppt/slides/slide44.xml><?xml version="1.0" encoding="utf-8"?>
+<p:sld xmlns:a="http://schemas.openxmlformats.org/drawingml/2006/main" xmlns:r="http://schemas.openxmlformats.org/officeDocument/2006/relationships" xmlns:p="http://schemas.openxmlformats.org/presentationml/2006/main">
+  <p:cSld>
+    <p:spTree>
+      <p:nvGrpSpPr>
+        <p:cNvPr id="1" name=""/>
+        <p:cNvGrpSpPr/>
+        <p:nvPr/>
+      </p:nvGrpSpPr>
+      <p:grpSpPr>
+        <a:xfrm>
+          <a:off x="0" y="0"/>
+          <a:ext cx="0" cy="0"/>
+          <a:chOff x="0" y="0"/>
+          <a:chExt cx="0" cy="0"/>
+        </a:xfrm>
+      </p:grpSpPr>
+      <p:sp>
+        <p:nvSpPr>
+          <p:cNvPr id="2" name="標題 1"/>
+          <p:cNvSpPr>
+            <a:spLocks noGrp="1"/>
+          </p:cNvSpPr>
+          <p:nvPr>
+            <p:ph type="title"/>
+          </p:nvPr>
+        </p:nvSpPr>
+        <p:spPr/>
+        <p:txBody>
+          <a:bodyPr/>
+          <a:lstStyle/>
+          <a:p>
+            <a:r>
+              <a:rPr lang="en-US" altLang="zh-TW" dirty="0" smtClean="0"/>
+              <a:t>for…else…</a:t>
+            </a:r>
+            <a:r>
+              <a:rPr lang="zh-TW" altLang="en-US" dirty="0" smtClean="0"/>
+              <a:t>範例</a:t>
+            </a:r>
+            <a:endParaRPr lang="zh-TW" altLang="en-US" dirty="0"/>
+          </a:p>
+        </p:txBody>
+      </p:sp>
+      <p:sp>
+        <p:nvSpPr>
+          <p:cNvPr id="3" name="內容版面配置區 2"/>
+          <p:cNvSpPr>
+            <a:spLocks noGrp="1"/>
+          </p:cNvSpPr>
+          <p:nvPr>
+            <p:ph idx="1"/>
+          </p:nvPr>
+        </p:nvSpPr>
+        <p:spPr/>
+        <p:txBody>
+          <a:bodyPr/>
+          <a:lstStyle/>
+          <a:p>
+            <a:r>
+              <a:rPr lang="zh-TW" altLang="en-US" dirty="0"/>
+              <a:t>以下為測試是否為質數的小程式</a:t>
+            </a:r>
+            <a:r>
+              <a:rPr lang="zh-TW" altLang="en-US" dirty="0" smtClean="0"/>
+              <a:t>，輸入</a:t>
+            </a:r>
+            <a:r>
+              <a:rPr lang="en-US" altLang="zh-TW" dirty="0" err="1" smtClean="0"/>
+              <a:t>num</a:t>
+            </a:r>
+            <a:r>
+              <a:rPr lang="zh-TW" altLang="en-US" dirty="0" smtClean="0"/>
+              <a:t>，然後用</a:t>
+            </a:r>
+            <a:r>
+              <a:rPr lang="en-US" altLang="zh-TW" dirty="0" smtClean="0"/>
+              <a:t>for</a:t>
+            </a:r>
+            <a:r>
+              <a:rPr lang="zh-TW" altLang="en-US" dirty="0" smtClean="0"/>
+              <a:t>迴圈檢查。</a:t>
+            </a:r>
+            <a:endParaRPr lang="en-US" altLang="zh-TW" dirty="0" smtClean="0"/>
+          </a:p>
+          <a:p>
+            <a:r>
+              <a:rPr lang="zh-TW" altLang="en-US" dirty="0"/>
+              <a:t>只要迴圈中沒執行</a:t>
+            </a:r>
+            <a:r>
+              <a:rPr lang="en-US" altLang="zh-TW" dirty="0"/>
+              <a:t>break</a:t>
+            </a:r>
+            <a:r>
+              <a:rPr lang="zh-TW" altLang="en-US" dirty="0" smtClean="0"/>
+              <a:t>，就會執行到</a:t>
+            </a:r>
+            <a:r>
+              <a:rPr lang="en-US" altLang="zh-TW" dirty="0" smtClean="0"/>
+              <a:t>else:</a:t>
+            </a:r>
+            <a:r>
+              <a:rPr lang="zh-TW" altLang="en-US" dirty="0" smtClean="0"/>
+              <a:t>那邊而顯示</a:t>
+            </a:r>
+            <a:r>
+              <a:rPr lang="en-US" altLang="zh-TW" dirty="0" smtClean="0"/>
+              <a:t>:</a:t>
+            </a:r>
+            <a:r>
+              <a:rPr lang="zh-TW" altLang="en-US" dirty="0" smtClean="0"/>
+              <a:t> </a:t>
+            </a:r>
+            <a:r>
+              <a:rPr lang="en-US" altLang="zh-TW" dirty="0" smtClean="0"/>
+              <a:t>{</a:t>
+            </a:r>
+            <a:r>
+              <a:rPr lang="en-US" altLang="zh-TW" dirty="0" err="1" smtClean="0"/>
+              <a:t>num</a:t>
+            </a:r>
+            <a:r>
+              <a:rPr lang="en-US" altLang="zh-TW" dirty="0" smtClean="0"/>
+              <a:t>}</a:t>
+            </a:r>
+            <a:r>
+              <a:rPr lang="zh-TW" altLang="en-US" dirty="0" smtClean="0"/>
+              <a:t>是質數！</a:t>
+            </a:r>
+            <a:endParaRPr lang="en-US" altLang="zh-TW" dirty="0" smtClean="0"/>
+          </a:p>
+          <a:p>
+            <a:endParaRPr lang="zh-TW" altLang="en-US" dirty="0"/>
+          </a:p>
+        </p:txBody>
+      </p:sp>
+      <p:pic>
+        <p:nvPicPr>
+          <p:cNvPr id="4" name="圖片 3"/>
+          <p:cNvPicPr>
+            <a:picLocks noChangeAspect="1"/>
+          </p:cNvPicPr>
+          <p:nvPr/>
+        </p:nvPicPr>
+        <p:blipFill>
+          <a:blip r:embed="rId2"/>
+          <a:stretch>
+            <a:fillRect/>
+          </a:stretch>
+        </p:blipFill>
+        <p:spPr>
+          <a:xfrm>
+            <a:off x="1157177" y="3308861"/>
+            <a:ext cx="4881329" cy="2461003"/>
+          </a:xfrm>
+          <a:prstGeom prst="rect">
+            <a:avLst/>
+          </a:prstGeom>
+        </p:spPr>
+      </p:pic>
+    </p:spTree>
+    <p:extLst>
+      <p:ext uri="{BB962C8B-B14F-4D97-AF65-F5344CB8AC3E}">
+        <p14:creationId xmlns:p14="http://schemas.microsoft.com/office/powerpoint/2010/main" val="2242364243"/>
+      </p:ext>
+    </p:extLst>
+  </p:cSld>
+  <p:clrMapOvr>
+    <a:masterClrMapping/>
+  </p:clrMapOvr>
 </p:sld>
 </file>
 

--- a/LCC/Python/04_迴圈大法.pptx
+++ b/LCC/Python/04_迴圈大法.pptx
@@ -912,7 +912,7 @@
             <a:fld id="{B61BEF0D-F0BB-DE4B-95CE-6DB70DBA9567}" type="datetimeFigureOut">
               <a:rPr lang="en-US" smtClean="0"/>
               <a:pPr/>
-              <a:t>1/12/2021</a:t>
+              <a:t>2/24/2021</a:t>
             </a:fld>
             <a:endParaRPr lang="en-US" dirty="0"/>
           </a:p>
@@ -1206,7 +1206,7 @@
             <a:fld id="{B61BEF0D-F0BB-DE4B-95CE-6DB70DBA9567}" type="datetimeFigureOut">
               <a:rPr lang="en-US" smtClean="0"/>
               <a:pPr/>
-              <a:t>1/12/2021</a:t>
+              <a:t>2/24/2021</a:t>
             </a:fld>
             <a:endParaRPr lang="en-US" dirty="0"/>
           </a:p>
@@ -1522,7 +1522,7 @@
             <a:fld id="{B61BEF0D-F0BB-DE4B-95CE-6DB70DBA9567}" type="datetimeFigureOut">
               <a:rPr lang="en-US" smtClean="0"/>
               <a:pPr/>
-              <a:t>1/12/2021</a:t>
+              <a:t>2/24/2021</a:t>
             </a:fld>
             <a:endParaRPr lang="en-US" dirty="0"/>
           </a:p>
@@ -1857,7 +1857,7 @@
             <a:fld id="{B61BEF0D-F0BB-DE4B-95CE-6DB70DBA9567}" type="datetimeFigureOut">
               <a:rPr lang="en-US" smtClean="0"/>
               <a:pPr/>
-              <a:t>1/12/2021</a:t>
+              <a:t>2/24/2021</a:t>
             </a:fld>
             <a:endParaRPr lang="en-US" dirty="0"/>
           </a:p>
@@ -2173,7 +2173,7 @@
             <a:fld id="{B61BEF0D-F0BB-DE4B-95CE-6DB70DBA9567}" type="datetimeFigureOut">
               <a:rPr lang="en-US" smtClean="0"/>
               <a:pPr/>
-              <a:t>1/12/2021</a:t>
+              <a:t>2/24/2021</a:t>
             </a:fld>
             <a:endParaRPr lang="en-US" dirty="0"/>
           </a:p>
@@ -2568,7 +2568,7 @@
             <a:fld id="{B61BEF0D-F0BB-DE4B-95CE-6DB70DBA9567}" type="datetimeFigureOut">
               <a:rPr lang="en-US" smtClean="0"/>
               <a:pPr/>
-              <a:t>1/12/2021</a:t>
+              <a:t>2/24/2021</a:t>
             </a:fld>
             <a:endParaRPr lang="en-US" dirty="0"/>
           </a:p>
@@ -2739,7 +2739,7 @@
           <a:p>
             <a:fld id="{55C6B4A9-1611-4792-9094-5F34BCA07E0B}" type="datetimeFigureOut">
               <a:rPr lang="en-US" smtClean="0"/>
-              <a:t>1/12/2021</a:t>
+              <a:t>2/24/2021</a:t>
             </a:fld>
             <a:endParaRPr lang="en-US" dirty="0"/>
           </a:p>
@@ -2920,7 +2920,7 @@
             <a:fld id="{B61BEF0D-F0BB-DE4B-95CE-6DB70DBA9567}" type="datetimeFigureOut">
               <a:rPr lang="en-US" smtClean="0"/>
               <a:pPr/>
-              <a:t>1/12/2021</a:t>
+              <a:t>2/24/2021</a:t>
             </a:fld>
             <a:endParaRPr lang="en-US" dirty="0"/>
           </a:p>
@@ -3092,7 +3092,7 @@
             <a:fld id="{B61BEF0D-F0BB-DE4B-95CE-6DB70DBA9567}" type="datetimeFigureOut">
               <a:rPr lang="en-US" smtClean="0"/>
               <a:pPr/>
-              <a:t>1/12/2021</a:t>
+              <a:t>2/24/2021</a:t>
             </a:fld>
             <a:endParaRPr lang="en-US" dirty="0"/>
           </a:p>
@@ -3341,7 +3341,7 @@
             <a:fld id="{B61BEF0D-F0BB-DE4B-95CE-6DB70DBA9567}" type="datetimeFigureOut">
               <a:rPr lang="en-US" smtClean="0"/>
               <a:pPr/>
-              <a:t>1/12/2021</a:t>
+              <a:t>2/24/2021</a:t>
             </a:fld>
             <a:endParaRPr lang="en-US" dirty="0"/>
           </a:p>
@@ -3574,7 +3574,7 @@
           <a:p>
             <a:fld id="{EB712588-04B1-427B-82EE-E8DB90309F08}" type="datetimeFigureOut">
               <a:rPr lang="en-US" smtClean="0"/>
-              <a:t>1/12/2021</a:t>
+              <a:t>2/24/2021</a:t>
             </a:fld>
             <a:endParaRPr lang="en-US" dirty="0"/>
           </a:p>
@@ -3949,7 +3949,7 @@
             <a:fld id="{B61BEF0D-F0BB-DE4B-95CE-6DB70DBA9567}" type="datetimeFigureOut">
               <a:rPr lang="en-US" smtClean="0"/>
               <a:pPr/>
-              <a:t>1/12/2021</a:t>
+              <a:t>2/24/2021</a:t>
             </a:fld>
             <a:endParaRPr lang="en-US" dirty="0"/>
           </a:p>
@@ -4074,7 +4074,7 @@
             <a:fld id="{B61BEF0D-F0BB-DE4B-95CE-6DB70DBA9567}" type="datetimeFigureOut">
               <a:rPr lang="en-US" smtClean="0"/>
               <a:pPr/>
-              <a:t>1/12/2021</a:t>
+              <a:t>2/24/2021</a:t>
             </a:fld>
             <a:endParaRPr lang="en-US" dirty="0"/>
           </a:p>
@@ -4171,7 +4171,7 @@
             <a:fld id="{B61BEF0D-F0BB-DE4B-95CE-6DB70DBA9567}" type="datetimeFigureOut">
               <a:rPr lang="en-US" smtClean="0"/>
               <a:pPr/>
-              <a:t>1/12/2021</a:t>
+              <a:t>2/24/2021</a:t>
             </a:fld>
             <a:endParaRPr lang="en-US" dirty="0"/>
           </a:p>
@@ -4427,7 +4427,7 @@
           <a:p>
             <a:fld id="{42A54C80-263E-416B-A8E0-580EDEADCBDC}" type="datetimeFigureOut">
               <a:rPr lang="en-US" smtClean="0"/>
-              <a:t>1/12/2021</a:t>
+              <a:t>2/24/2021</a:t>
             </a:fld>
             <a:endParaRPr lang="en-US" dirty="0"/>
           </a:p>
@@ -4734,7 +4734,7 @@
             <a:fld id="{B61BEF0D-F0BB-DE4B-95CE-6DB70DBA9567}" type="datetimeFigureOut">
               <a:rPr lang="en-US" smtClean="0"/>
               <a:pPr/>
-              <a:t>1/12/2021</a:t>
+              <a:t>2/24/2021</a:t>
             </a:fld>
             <a:endParaRPr lang="en-US" dirty="0"/>
           </a:p>
@@ -5437,7 +5437,7 @@
             <a:fld id="{B61BEF0D-F0BB-DE4B-95CE-6DB70DBA9567}" type="datetimeFigureOut">
               <a:rPr lang="en-US" smtClean="0"/>
               <a:pPr/>
-              <a:t>1/12/2021</a:t>
+              <a:t>2/24/2021</a:t>
             </a:fld>
             <a:endParaRPr lang="en-US" dirty="0"/>
           </a:p>
@@ -6078,7 +6078,7 @@
             <a:fld id="{4805910D-2C61-424F-80CE-807290CF0E1E}" type="datetime4">
               <a:rPr lang="zh-TW" altLang="zh-TW"/>
               <a:pPr/>
-              <a:t>110年1月12日星期二</a:t>
+              <a:t>110年2月24日星期三</a:t>
             </a:fld>
             <a:endParaRPr lang="zh-TW" altLang="en-US" dirty="0"/>
           </a:p>
@@ -10362,6 +10362,57 @@
       </p:grpSpPr>
       <p:sp>
         <p:nvSpPr>
+          <p:cNvPr id="14" name="弧形 13"/>
+          <p:cNvSpPr/>
+          <p:nvPr/>
+        </p:nvSpPr>
+        <p:spPr>
+          <a:xfrm>
+            <a:off x="9116231" y="2384123"/>
+            <a:ext cx="1296338" cy="791040"/>
+          </a:xfrm>
+          <a:prstGeom prst="arc">
+            <a:avLst>
+              <a:gd name="adj1" fmla="val 2541222"/>
+              <a:gd name="adj2" fmla="val 311641"/>
+            </a:avLst>
+          </a:prstGeom>
+          <a:ln w="219075">
+            <a:solidFill>
+              <a:schemeClr val="accent6">
+                <a:lumMod val="60000"/>
+                <a:lumOff val="40000"/>
+              </a:schemeClr>
+            </a:solidFill>
+            <a:headEnd type="triangle"/>
+            <a:tailEnd type="none" w="lg" len="lg"/>
+          </a:ln>
+        </p:spPr>
+        <p:style>
+          <a:lnRef idx="1">
+            <a:schemeClr val="accent1"/>
+          </a:lnRef>
+          <a:fillRef idx="0">
+            <a:schemeClr val="accent1"/>
+          </a:fillRef>
+          <a:effectRef idx="0">
+            <a:schemeClr val="accent1"/>
+          </a:effectRef>
+          <a:fontRef idx="minor">
+            <a:schemeClr val="tx1"/>
+          </a:fontRef>
+        </p:style>
+        <p:txBody>
+          <a:bodyPr rtlCol="0" anchor="ctr"/>
+          <a:lstStyle/>
+          <a:p>
+            <a:pPr algn="ctr"/>
+            <a:endParaRPr lang="zh-TW" altLang="en-US"/>
+          </a:p>
+        </p:txBody>
+      </p:sp>
+      <p:sp>
+        <p:nvSpPr>
           <p:cNvPr id="2" name="標題 1"/>
           <p:cNvSpPr>
             <a:spLocks noGrp="1"/>
@@ -11035,9 +11086,9 @@
           <a:prstGeom prst="bentConnector2">
             <a:avLst/>
           </a:prstGeom>
-          <a:ln w="28575">
+          <a:ln w="38100">
             <a:solidFill>
-              <a:schemeClr val="tx1"/>
+              <a:srgbClr val="FF0000"/>
             </a:solidFill>
             <a:tailEnd type="triangle"/>
           </a:ln>
@@ -11273,6 +11324,22 @@
         <p:txBody>
           <a:bodyPr rtlCol="0" anchor="ctr"/>
           <a:lstStyle/>
+          <a:p>
+            <a:pPr algn="ctr"/>
+            <a:r>
+              <a:rPr lang="zh-TW" altLang="en-US" dirty="0" smtClean="0">
+                <a:solidFill>
+                  <a:schemeClr val="tx1"/>
+                </a:solidFill>
+              </a:rPr>
+              <a:t>會重複的</a:t>
+            </a:r>
+            <a:endParaRPr lang="en-US" altLang="zh-TW" dirty="0" smtClean="0">
+              <a:solidFill>
+                <a:schemeClr val="tx1"/>
+              </a:solidFill>
+            </a:endParaRPr>
+          </a:p>
           <a:p>
             <a:pPr algn="ctr"/>
             <a:r>

--- a/LCC/Python/04_迴圈大法.pptx
+++ b/LCC/Python/04_迴圈大法.pptx
@@ -41,14 +41,16 @@
     <p:sldId id="307" r:id="rId35"/>
     <p:sldId id="308" r:id="rId36"/>
     <p:sldId id="311" r:id="rId37"/>
-    <p:sldId id="319" r:id="rId38"/>
-    <p:sldId id="312" r:id="rId39"/>
-    <p:sldId id="321" r:id="rId40"/>
-    <p:sldId id="322" r:id="rId41"/>
-    <p:sldId id="323" r:id="rId42"/>
-    <p:sldId id="324" r:id="rId43"/>
-    <p:sldId id="325" r:id="rId44"/>
-    <p:sldId id="326" r:id="rId45"/>
+    <p:sldId id="327" r:id="rId38"/>
+    <p:sldId id="328" r:id="rId39"/>
+    <p:sldId id="319" r:id="rId40"/>
+    <p:sldId id="312" r:id="rId41"/>
+    <p:sldId id="321" r:id="rId42"/>
+    <p:sldId id="322" r:id="rId43"/>
+    <p:sldId id="323" r:id="rId44"/>
+    <p:sldId id="324" r:id="rId45"/>
+    <p:sldId id="325" r:id="rId46"/>
+    <p:sldId id="326" r:id="rId47"/>
   </p:sldIdLst>
   <p:sldSz cx="12192000" cy="6858000"/>
   <p:notesSz cx="6858000" cy="9144000"/>
@@ -912,7 +914,7 @@
             <a:fld id="{B61BEF0D-F0BB-DE4B-95CE-6DB70DBA9567}" type="datetimeFigureOut">
               <a:rPr lang="en-US" smtClean="0"/>
               <a:pPr/>
-              <a:t>2/24/2021</a:t>
+              <a:t>3/3/2021</a:t>
             </a:fld>
             <a:endParaRPr lang="en-US" dirty="0"/>
           </a:p>
@@ -1206,7 +1208,7 @@
             <a:fld id="{B61BEF0D-F0BB-DE4B-95CE-6DB70DBA9567}" type="datetimeFigureOut">
               <a:rPr lang="en-US" smtClean="0"/>
               <a:pPr/>
-              <a:t>2/24/2021</a:t>
+              <a:t>3/3/2021</a:t>
             </a:fld>
             <a:endParaRPr lang="en-US" dirty="0"/>
           </a:p>
@@ -1522,7 +1524,7 @@
             <a:fld id="{B61BEF0D-F0BB-DE4B-95CE-6DB70DBA9567}" type="datetimeFigureOut">
               <a:rPr lang="en-US" smtClean="0"/>
               <a:pPr/>
-              <a:t>2/24/2021</a:t>
+              <a:t>3/3/2021</a:t>
             </a:fld>
             <a:endParaRPr lang="en-US" dirty="0"/>
           </a:p>
@@ -1857,7 +1859,7 @@
             <a:fld id="{B61BEF0D-F0BB-DE4B-95CE-6DB70DBA9567}" type="datetimeFigureOut">
               <a:rPr lang="en-US" smtClean="0"/>
               <a:pPr/>
-              <a:t>2/24/2021</a:t>
+              <a:t>3/3/2021</a:t>
             </a:fld>
             <a:endParaRPr lang="en-US" dirty="0"/>
           </a:p>
@@ -2173,7 +2175,7 @@
             <a:fld id="{B61BEF0D-F0BB-DE4B-95CE-6DB70DBA9567}" type="datetimeFigureOut">
               <a:rPr lang="en-US" smtClean="0"/>
               <a:pPr/>
-              <a:t>2/24/2021</a:t>
+              <a:t>3/3/2021</a:t>
             </a:fld>
             <a:endParaRPr lang="en-US" dirty="0"/>
           </a:p>
@@ -2568,7 +2570,7 @@
             <a:fld id="{B61BEF0D-F0BB-DE4B-95CE-6DB70DBA9567}" type="datetimeFigureOut">
               <a:rPr lang="en-US" smtClean="0"/>
               <a:pPr/>
-              <a:t>2/24/2021</a:t>
+              <a:t>3/3/2021</a:t>
             </a:fld>
             <a:endParaRPr lang="en-US" dirty="0"/>
           </a:p>
@@ -2739,7 +2741,7 @@
           <a:p>
             <a:fld id="{55C6B4A9-1611-4792-9094-5F34BCA07E0B}" type="datetimeFigureOut">
               <a:rPr lang="en-US" smtClean="0"/>
-              <a:t>2/24/2021</a:t>
+              <a:t>3/3/2021</a:t>
             </a:fld>
             <a:endParaRPr lang="en-US" dirty="0"/>
           </a:p>
@@ -2920,7 +2922,7 @@
             <a:fld id="{B61BEF0D-F0BB-DE4B-95CE-6DB70DBA9567}" type="datetimeFigureOut">
               <a:rPr lang="en-US" smtClean="0"/>
               <a:pPr/>
-              <a:t>2/24/2021</a:t>
+              <a:t>3/3/2021</a:t>
             </a:fld>
             <a:endParaRPr lang="en-US" dirty="0"/>
           </a:p>
@@ -3092,7 +3094,7 @@
             <a:fld id="{B61BEF0D-F0BB-DE4B-95CE-6DB70DBA9567}" type="datetimeFigureOut">
               <a:rPr lang="en-US" smtClean="0"/>
               <a:pPr/>
-              <a:t>2/24/2021</a:t>
+              <a:t>3/3/2021</a:t>
             </a:fld>
             <a:endParaRPr lang="en-US" dirty="0"/>
           </a:p>
@@ -3341,7 +3343,7 @@
             <a:fld id="{B61BEF0D-F0BB-DE4B-95CE-6DB70DBA9567}" type="datetimeFigureOut">
               <a:rPr lang="en-US" smtClean="0"/>
               <a:pPr/>
-              <a:t>2/24/2021</a:t>
+              <a:t>3/3/2021</a:t>
             </a:fld>
             <a:endParaRPr lang="en-US" dirty="0"/>
           </a:p>
@@ -3574,7 +3576,7 @@
           <a:p>
             <a:fld id="{EB712588-04B1-427B-82EE-E8DB90309F08}" type="datetimeFigureOut">
               <a:rPr lang="en-US" smtClean="0"/>
-              <a:t>2/24/2021</a:t>
+              <a:t>3/3/2021</a:t>
             </a:fld>
             <a:endParaRPr lang="en-US" dirty="0"/>
           </a:p>
@@ -3949,7 +3951,7 @@
             <a:fld id="{B61BEF0D-F0BB-DE4B-95CE-6DB70DBA9567}" type="datetimeFigureOut">
               <a:rPr lang="en-US" smtClean="0"/>
               <a:pPr/>
-              <a:t>2/24/2021</a:t>
+              <a:t>3/3/2021</a:t>
             </a:fld>
             <a:endParaRPr lang="en-US" dirty="0"/>
           </a:p>
@@ -4074,7 +4076,7 @@
             <a:fld id="{B61BEF0D-F0BB-DE4B-95CE-6DB70DBA9567}" type="datetimeFigureOut">
               <a:rPr lang="en-US" smtClean="0"/>
               <a:pPr/>
-              <a:t>2/24/2021</a:t>
+              <a:t>3/3/2021</a:t>
             </a:fld>
             <a:endParaRPr lang="en-US" dirty="0"/>
           </a:p>
@@ -4171,7 +4173,7 @@
             <a:fld id="{B61BEF0D-F0BB-DE4B-95CE-6DB70DBA9567}" type="datetimeFigureOut">
               <a:rPr lang="en-US" smtClean="0"/>
               <a:pPr/>
-              <a:t>2/24/2021</a:t>
+              <a:t>3/3/2021</a:t>
             </a:fld>
             <a:endParaRPr lang="en-US" dirty="0"/>
           </a:p>
@@ -4427,7 +4429,7 @@
           <a:p>
             <a:fld id="{42A54C80-263E-416B-A8E0-580EDEADCBDC}" type="datetimeFigureOut">
               <a:rPr lang="en-US" smtClean="0"/>
-              <a:t>2/24/2021</a:t>
+              <a:t>3/3/2021</a:t>
             </a:fld>
             <a:endParaRPr lang="en-US" dirty="0"/>
           </a:p>
@@ -4734,7 +4736,7 @@
             <a:fld id="{B61BEF0D-F0BB-DE4B-95CE-6DB70DBA9567}" type="datetimeFigureOut">
               <a:rPr lang="en-US" smtClean="0"/>
               <a:pPr/>
-              <a:t>2/24/2021</a:t>
+              <a:t>3/3/2021</a:t>
             </a:fld>
             <a:endParaRPr lang="en-US" dirty="0"/>
           </a:p>
@@ -5437,7 +5439,7 @@
             <a:fld id="{B61BEF0D-F0BB-DE4B-95CE-6DB70DBA9567}" type="datetimeFigureOut">
               <a:rPr lang="en-US" smtClean="0"/>
               <a:pPr/>
-              <a:t>2/24/2021</a:t>
+              <a:t>3/3/2021</a:t>
             </a:fld>
             <a:endParaRPr lang="en-US" dirty="0"/>
           </a:p>
@@ -6078,7 +6080,7 @@
             <a:fld id="{4805910D-2C61-424F-80CE-807290CF0E1E}" type="datetime4">
               <a:rPr lang="zh-TW" altLang="zh-TW"/>
               <a:pPr/>
-              <a:t>110年2月24日星期三</a:t>
+              <a:t>110年3月3日星期三</a:t>
             </a:fld>
             <a:endParaRPr lang="zh-TW" altLang="en-US" dirty="0"/>
           </a:p>
@@ -6359,6 +6361,13 @@
   <p:clrMapOvr>
     <a:masterClrMapping/>
   </p:clrMapOvr>
+  <p:timing>
+    <p:tnLst>
+      <p:par>
+        <p:cTn id="1" dur="indefinite" restart="never" nodeType="tmRoot"/>
+      </p:par>
+    </p:tnLst>
+  </p:timing>
 </p:sld>
 </file>
 
@@ -7178,7 +7187,26 @@
               </a:rPr>
               <a:t>?</a:t>
             </a:r>
-            <a:endParaRPr lang="zh-TW" altLang="en-US" b="1" dirty="0">
+          </a:p>
+          <a:p>
+            <a:pPr lvl="1"/>
+            <a:r>
+              <a:rPr lang="zh-TW" altLang="en-US" b="1" i="1" dirty="0">
+                <a:solidFill>
+                  <a:srgbClr val="FF0000"/>
+                </a:solidFill>
+              </a:rPr>
+              <a:t>電腦是怎麼算的</a:t>
+            </a:r>
+            <a:r>
+              <a:rPr lang="zh-TW" altLang="en-US" b="1" i="1" dirty="0" smtClean="0">
+                <a:solidFill>
+                  <a:srgbClr val="FF0000"/>
+                </a:solidFill>
+              </a:rPr>
+              <a:t>？快記下老師的話！</a:t>
+            </a:r>
+            <a:endParaRPr lang="zh-TW" altLang="en-US" b="1" i="1" dirty="0">
               <a:solidFill>
                 <a:srgbClr val="FF0000"/>
               </a:solidFill>
@@ -9637,7 +9665,26 @@
             </a:r>
             <a:r>
               <a:rPr lang="zh-TW" altLang="en-US" dirty="0"/>
-              <a:t>一樣，要獨立</a:t>
+              <a:t>一樣</a:t>
+            </a:r>
+            <a:r>
+              <a:rPr lang="zh-TW" altLang="en-US" dirty="0" smtClean="0"/>
+              <a:t>，</a:t>
+            </a:r>
+            <a:r>
+              <a:rPr lang="en-US" altLang="zh-TW" dirty="0" smtClean="0"/>
+              <a:t/>
+            </a:r>
+            <a:br>
+              <a:rPr lang="en-US" altLang="zh-TW" dirty="0" smtClean="0"/>
+            </a:br>
+            <a:r>
+              <a:rPr lang="zh-TW" altLang="en-US" dirty="0" smtClean="0"/>
+              <a:t>要</a:t>
+            </a:r>
+            <a:r>
+              <a:rPr lang="zh-TW" altLang="en-US" dirty="0"/>
+              <a:t>獨立</a:t>
             </a:r>
             <a:r>
               <a:rPr lang="zh-TW" altLang="en-US" dirty="0" smtClean="0"/>
@@ -9669,14 +9716,1231 @@
         </p:blipFill>
         <p:spPr>
           <a:xfrm>
-            <a:off x="3056191" y="2160589"/>
-            <a:ext cx="3629025" cy="1685925"/>
+            <a:off x="3004595" y="2220857"/>
+            <a:ext cx="3508408" cy="1685925"/>
           </a:xfrm>
           <a:prstGeom prst="rect">
             <a:avLst/>
           </a:prstGeom>
         </p:spPr>
       </p:pic>
+      <p:grpSp>
+        <p:nvGrpSpPr>
+          <p:cNvPr id="71" name="群組 70"/>
+          <p:cNvGrpSpPr/>
+          <p:nvPr/>
+        </p:nvGrpSpPr>
+        <p:grpSpPr>
+          <a:xfrm>
+            <a:off x="5420482" y="746760"/>
+            <a:ext cx="6232378" cy="5719290"/>
+            <a:chOff x="5815320" y="635056"/>
+            <a:chExt cx="6232378" cy="5719290"/>
+          </a:xfrm>
+        </p:grpSpPr>
+        <p:sp>
+          <p:nvSpPr>
+            <p:cNvPr id="70" name="弧形 69"/>
+            <p:cNvSpPr/>
+            <p:nvPr/>
+          </p:nvSpPr>
+          <p:spPr>
+            <a:xfrm>
+              <a:off x="7356342" y="1734356"/>
+              <a:ext cx="3128944" cy="3140815"/>
+            </a:xfrm>
+            <a:prstGeom prst="arc">
+              <a:avLst>
+                <a:gd name="adj1" fmla="val 2199369"/>
+                <a:gd name="adj2" fmla="val 839816"/>
+              </a:avLst>
+            </a:prstGeom>
+            <a:ln w="219075">
+              <a:solidFill>
+                <a:srgbClr val="FFCCFF"/>
+              </a:solidFill>
+              <a:headEnd type="triangle"/>
+              <a:tailEnd type="none" w="lg" len="lg"/>
+            </a:ln>
+          </p:spPr>
+          <p:style>
+            <a:lnRef idx="1">
+              <a:schemeClr val="accent1"/>
+            </a:lnRef>
+            <a:fillRef idx="0">
+              <a:schemeClr val="accent1"/>
+            </a:fillRef>
+            <a:effectRef idx="0">
+              <a:schemeClr val="accent1"/>
+            </a:effectRef>
+            <a:fontRef idx="minor">
+              <a:schemeClr val="tx1"/>
+            </a:fontRef>
+          </p:style>
+          <p:txBody>
+            <a:bodyPr rtlCol="0" anchor="ctr"/>
+            <a:lstStyle/>
+            <a:p>
+              <a:pPr algn="ctr"/>
+              <a:endParaRPr lang="zh-TW" altLang="en-US"/>
+            </a:p>
+          </p:txBody>
+        </p:sp>
+        <p:sp>
+          <p:nvSpPr>
+            <p:cNvPr id="6" name="弧形 5"/>
+            <p:cNvSpPr/>
+            <p:nvPr/>
+          </p:nvSpPr>
+          <p:spPr>
+            <a:xfrm>
+              <a:off x="8846296" y="2952116"/>
+              <a:ext cx="1296338" cy="791040"/>
+            </a:xfrm>
+            <a:prstGeom prst="arc">
+              <a:avLst>
+                <a:gd name="adj1" fmla="val 1605766"/>
+                <a:gd name="adj2" fmla="val 311641"/>
+              </a:avLst>
+            </a:prstGeom>
+            <a:ln w="219075">
+              <a:solidFill>
+                <a:schemeClr val="accent6">
+                  <a:lumMod val="60000"/>
+                  <a:lumOff val="40000"/>
+                </a:schemeClr>
+              </a:solidFill>
+              <a:headEnd type="triangle"/>
+              <a:tailEnd type="none" w="lg" len="lg"/>
+            </a:ln>
+          </p:spPr>
+          <p:style>
+            <a:lnRef idx="1">
+              <a:schemeClr val="accent1"/>
+            </a:lnRef>
+            <a:fillRef idx="0">
+              <a:schemeClr val="accent1"/>
+            </a:fillRef>
+            <a:effectRef idx="0">
+              <a:schemeClr val="accent1"/>
+            </a:effectRef>
+            <a:fontRef idx="minor">
+              <a:schemeClr val="tx1"/>
+            </a:fontRef>
+          </p:style>
+          <p:txBody>
+            <a:bodyPr rtlCol="0" anchor="ctr"/>
+            <a:lstStyle/>
+            <a:p>
+              <a:pPr algn="ctr"/>
+              <a:endParaRPr lang="zh-TW" altLang="en-US"/>
+            </a:p>
+          </p:txBody>
+        </p:sp>
+        <p:sp>
+          <p:nvSpPr>
+            <p:cNvPr id="7" name="圓角矩形 6"/>
+            <p:cNvSpPr/>
+            <p:nvPr/>
+          </p:nvSpPr>
+          <p:spPr>
+            <a:xfrm>
+              <a:off x="6865901" y="635056"/>
+              <a:ext cx="1143000" cy="392176"/>
+            </a:xfrm>
+            <a:prstGeom prst="roundRect">
+              <a:avLst>
+                <a:gd name="adj" fmla="val 50000"/>
+              </a:avLst>
+            </a:prstGeom>
+            <a:solidFill>
+              <a:schemeClr val="bg1"/>
+            </a:solidFill>
+            <a:ln>
+              <a:solidFill>
+                <a:schemeClr val="tx1"/>
+              </a:solidFill>
+            </a:ln>
+          </p:spPr>
+          <p:style>
+            <a:lnRef idx="2">
+              <a:schemeClr val="accent1">
+                <a:shade val="50000"/>
+              </a:schemeClr>
+            </a:lnRef>
+            <a:fillRef idx="1">
+              <a:schemeClr val="accent1"/>
+            </a:fillRef>
+            <a:effectRef idx="0">
+              <a:schemeClr val="accent1"/>
+            </a:effectRef>
+            <a:fontRef idx="minor">
+              <a:schemeClr val="lt1"/>
+            </a:fontRef>
+          </p:style>
+          <p:txBody>
+            <a:bodyPr rtlCol="0" anchor="ctr"/>
+            <a:lstStyle/>
+            <a:p>
+              <a:pPr algn="ctr"/>
+              <a:r>
+                <a:rPr lang="zh-TW" altLang="en-US" dirty="0" smtClean="0">
+                  <a:solidFill>
+                    <a:schemeClr val="tx1"/>
+                  </a:solidFill>
+                </a:rPr>
+                <a:t>開始</a:t>
+              </a:r>
+              <a:endParaRPr lang="zh-TW" altLang="en-US" dirty="0">
+                <a:solidFill>
+                  <a:schemeClr val="tx1"/>
+                </a:solidFill>
+              </a:endParaRPr>
+            </a:p>
+          </p:txBody>
+        </p:sp>
+        <p:sp>
+          <p:nvSpPr>
+            <p:cNvPr id="8" name="矩形 7"/>
+            <p:cNvSpPr/>
+            <p:nvPr/>
+          </p:nvSpPr>
+          <p:spPr>
+            <a:xfrm>
+              <a:off x="8002986" y="3517369"/>
+              <a:ext cx="1271016" cy="758758"/>
+            </a:xfrm>
+            <a:prstGeom prst="rect">
+              <a:avLst/>
+            </a:prstGeom>
+            <a:solidFill>
+              <a:schemeClr val="bg1"/>
+            </a:solidFill>
+            <a:ln w="38100">
+              <a:solidFill>
+                <a:schemeClr val="accent5">
+                  <a:lumMod val="75000"/>
+                </a:schemeClr>
+              </a:solidFill>
+            </a:ln>
+          </p:spPr>
+          <p:style>
+            <a:lnRef idx="2">
+              <a:schemeClr val="accent1">
+                <a:shade val="50000"/>
+              </a:schemeClr>
+            </a:lnRef>
+            <a:fillRef idx="1">
+              <a:schemeClr val="accent1"/>
+            </a:fillRef>
+            <a:effectRef idx="0">
+              <a:schemeClr val="accent1"/>
+            </a:effectRef>
+            <a:fontRef idx="minor">
+              <a:schemeClr val="lt1"/>
+            </a:fontRef>
+          </p:style>
+          <p:txBody>
+            <a:bodyPr rtlCol="0" anchor="ctr"/>
+            <a:lstStyle/>
+            <a:p>
+              <a:pPr algn="ctr"/>
+              <a:r>
+                <a:rPr lang="zh-TW" altLang="en-US" dirty="0" smtClean="0">
+                  <a:solidFill>
+                    <a:schemeClr val="tx1"/>
+                  </a:solidFill>
+                </a:rPr>
+                <a:t>工作</a:t>
+              </a:r>
+              <a:r>
+                <a:rPr lang="en-US" altLang="zh-TW" dirty="0">
+                  <a:solidFill>
+                    <a:schemeClr val="tx1"/>
+                  </a:solidFill>
+                </a:rPr>
+                <a:t>B</a:t>
+              </a:r>
+              <a:endParaRPr lang="zh-TW" altLang="en-US" dirty="0">
+                <a:solidFill>
+                  <a:schemeClr val="tx1"/>
+                </a:solidFill>
+              </a:endParaRPr>
+            </a:p>
+          </p:txBody>
+        </p:sp>
+        <p:cxnSp>
+          <p:nvCxnSpPr>
+            <p:cNvPr id="9" name="直線單箭頭接點 8"/>
+            <p:cNvCxnSpPr>
+              <a:stCxn id="7" idx="2"/>
+              <a:endCxn id="38" idx="0"/>
+            </p:cNvCxnSpPr>
+            <p:nvPr/>
+          </p:nvCxnSpPr>
+          <p:spPr>
+            <a:xfrm>
+              <a:off x="7437401" y="1027232"/>
+              <a:ext cx="0" cy="3346555"/>
+            </a:xfrm>
+            <a:prstGeom prst="straightConnector1">
+              <a:avLst/>
+            </a:prstGeom>
+            <a:ln w="28575">
+              <a:solidFill>
+                <a:srgbClr val="7030A0"/>
+              </a:solidFill>
+              <a:headEnd type="none" w="med" len="med"/>
+              <a:tailEnd type="triangle" w="med" len="med"/>
+            </a:ln>
+          </p:spPr>
+          <p:style>
+            <a:lnRef idx="1">
+              <a:schemeClr val="accent1"/>
+            </a:lnRef>
+            <a:fillRef idx="0">
+              <a:schemeClr val="accent1"/>
+            </a:fillRef>
+            <a:effectRef idx="0">
+              <a:schemeClr val="accent1"/>
+            </a:effectRef>
+            <a:fontRef idx="minor">
+              <a:schemeClr val="tx1"/>
+            </a:fontRef>
+          </p:style>
+        </p:cxnSp>
+        <p:cxnSp>
+          <p:nvCxnSpPr>
+            <p:cNvPr id="10" name="直線單箭頭接點 9"/>
+            <p:cNvCxnSpPr>
+              <a:stCxn id="38" idx="2"/>
+              <a:endCxn id="12" idx="0"/>
+            </p:cNvCxnSpPr>
+            <p:nvPr/>
+          </p:nvCxnSpPr>
+          <p:spPr>
+            <a:xfrm>
+              <a:off x="7437401" y="5535583"/>
+              <a:ext cx="0" cy="426587"/>
+            </a:xfrm>
+            <a:prstGeom prst="straightConnector1">
+              <a:avLst/>
+            </a:prstGeom>
+            <a:ln w="28575">
+              <a:solidFill>
+                <a:schemeClr val="tx1"/>
+              </a:solidFill>
+              <a:headEnd type="none" w="med" len="med"/>
+              <a:tailEnd type="triangle" w="med" len="med"/>
+            </a:ln>
+          </p:spPr>
+          <p:style>
+            <a:lnRef idx="1">
+              <a:schemeClr val="accent1"/>
+            </a:lnRef>
+            <a:fillRef idx="0">
+              <a:schemeClr val="accent1"/>
+            </a:fillRef>
+            <a:effectRef idx="0">
+              <a:schemeClr val="accent1"/>
+            </a:effectRef>
+            <a:fontRef idx="minor">
+              <a:schemeClr val="tx1"/>
+            </a:fontRef>
+          </p:style>
+        </p:cxnSp>
+        <p:cxnSp>
+          <p:nvCxnSpPr>
+            <p:cNvPr id="11" name="直線單箭頭接點 10"/>
+            <p:cNvCxnSpPr>
+              <a:stCxn id="8" idx="3"/>
+            </p:cNvCxnSpPr>
+            <p:nvPr/>
+          </p:nvCxnSpPr>
+          <p:spPr>
+            <a:xfrm>
+              <a:off x="9274002" y="3896748"/>
+              <a:ext cx="1139785" cy="19855"/>
+            </a:xfrm>
+            <a:prstGeom prst="straightConnector1">
+              <a:avLst/>
+            </a:prstGeom>
+            <a:ln w="28575">
+              <a:solidFill>
+                <a:schemeClr val="accent5">
+                  <a:lumMod val="75000"/>
+                </a:schemeClr>
+              </a:solidFill>
+              <a:headEnd type="none" w="med" len="med"/>
+              <a:tailEnd type="triangle" w="med" len="med"/>
+            </a:ln>
+          </p:spPr>
+          <p:style>
+            <a:lnRef idx="1">
+              <a:schemeClr val="accent1"/>
+            </a:lnRef>
+            <a:fillRef idx="0">
+              <a:schemeClr val="accent1"/>
+            </a:fillRef>
+            <a:effectRef idx="0">
+              <a:schemeClr val="accent1"/>
+            </a:effectRef>
+            <a:fontRef idx="minor">
+              <a:schemeClr val="tx1"/>
+            </a:fontRef>
+          </p:style>
+        </p:cxnSp>
+        <p:sp>
+          <p:nvSpPr>
+            <p:cNvPr id="12" name="圓角矩形 11"/>
+            <p:cNvSpPr/>
+            <p:nvPr/>
+          </p:nvSpPr>
+          <p:spPr>
+            <a:xfrm>
+              <a:off x="6865901" y="5962170"/>
+              <a:ext cx="1143000" cy="392176"/>
+            </a:xfrm>
+            <a:prstGeom prst="roundRect">
+              <a:avLst>
+                <a:gd name="adj" fmla="val 50000"/>
+              </a:avLst>
+            </a:prstGeom>
+            <a:solidFill>
+              <a:schemeClr val="bg1"/>
+            </a:solidFill>
+            <a:ln>
+              <a:solidFill>
+                <a:schemeClr val="tx1"/>
+              </a:solidFill>
+            </a:ln>
+          </p:spPr>
+          <p:style>
+            <a:lnRef idx="2">
+              <a:schemeClr val="accent1">
+                <a:shade val="50000"/>
+              </a:schemeClr>
+            </a:lnRef>
+            <a:fillRef idx="1">
+              <a:schemeClr val="accent1"/>
+            </a:fillRef>
+            <a:effectRef idx="0">
+              <a:schemeClr val="accent1"/>
+            </a:effectRef>
+            <a:fontRef idx="minor">
+              <a:schemeClr val="lt1"/>
+            </a:fontRef>
+          </p:style>
+          <p:txBody>
+            <a:bodyPr rtlCol="0" anchor="ctr"/>
+            <a:lstStyle/>
+            <a:p>
+              <a:pPr algn="ctr"/>
+              <a:r>
+                <a:rPr lang="zh-TW" altLang="en-US" dirty="0">
+                  <a:solidFill>
+                    <a:schemeClr val="tx1"/>
+                  </a:solidFill>
+                </a:rPr>
+                <a:t>結束</a:t>
+              </a:r>
+            </a:p>
+          </p:txBody>
+        </p:sp>
+        <p:cxnSp>
+          <p:nvCxnSpPr>
+            <p:cNvPr id="14" name="肘形接點 13"/>
+            <p:cNvCxnSpPr>
+              <a:stCxn id="49" idx="1"/>
+              <a:endCxn id="8" idx="0"/>
+            </p:cNvCxnSpPr>
+            <p:nvPr/>
+          </p:nvCxnSpPr>
+          <p:spPr>
+            <a:xfrm rot="10800000" flipV="1">
+              <a:off x="8638494" y="2533185"/>
+              <a:ext cx="165042" cy="984184"/>
+            </a:xfrm>
+            <a:prstGeom prst="bentConnector2">
+              <a:avLst/>
+            </a:prstGeom>
+            <a:ln w="38100">
+              <a:solidFill>
+                <a:schemeClr val="accent5">
+                  <a:lumMod val="75000"/>
+                </a:schemeClr>
+              </a:solidFill>
+              <a:tailEnd type="triangle"/>
+            </a:ln>
+          </p:spPr>
+          <p:style>
+            <a:lnRef idx="1">
+              <a:schemeClr val="accent1"/>
+            </a:lnRef>
+            <a:fillRef idx="0">
+              <a:schemeClr val="accent1"/>
+            </a:fillRef>
+            <a:effectRef idx="0">
+              <a:schemeClr val="accent1"/>
+            </a:effectRef>
+            <a:fontRef idx="minor">
+              <a:schemeClr val="tx1"/>
+            </a:fontRef>
+          </p:style>
+        </p:cxnSp>
+        <p:sp>
+          <p:nvSpPr>
+            <p:cNvPr id="15" name="文字方塊 14"/>
+            <p:cNvSpPr txBox="1"/>
+            <p:nvPr/>
+          </p:nvSpPr>
+          <p:spPr>
+            <a:xfrm>
+              <a:off x="8924531" y="4589356"/>
+              <a:ext cx="636969" cy="369332"/>
+            </a:xfrm>
+            <a:prstGeom prst="rect">
+              <a:avLst/>
+            </a:prstGeom>
+            <a:noFill/>
+          </p:spPr>
+          <p:txBody>
+            <a:bodyPr wrap="none" rtlCol="0">
+              <a:spAutoFit/>
+            </a:bodyPr>
+            <a:lstStyle/>
+            <a:p>
+              <a:r>
+                <a:rPr lang="en-US" altLang="zh-TW" dirty="0" smtClean="0"/>
+                <a:t>True</a:t>
+              </a:r>
+              <a:endParaRPr lang="zh-TW" altLang="en-US" dirty="0"/>
+            </a:p>
+          </p:txBody>
+        </p:sp>
+        <p:sp>
+          <p:nvSpPr>
+            <p:cNvPr id="16" name="文字方塊 15"/>
+            <p:cNvSpPr txBox="1"/>
+            <p:nvPr/>
+          </p:nvSpPr>
+          <p:spPr>
+            <a:xfrm>
+              <a:off x="7443844" y="5487988"/>
+              <a:ext cx="715260" cy="369332"/>
+            </a:xfrm>
+            <a:prstGeom prst="rect">
+              <a:avLst/>
+            </a:prstGeom>
+            <a:noFill/>
+          </p:spPr>
+          <p:txBody>
+            <a:bodyPr wrap="none" rtlCol="0">
+              <a:spAutoFit/>
+            </a:bodyPr>
+            <a:lstStyle/>
+            <a:p>
+              <a:r>
+                <a:rPr lang="en-US" altLang="zh-TW" dirty="0" smtClean="0"/>
+                <a:t>False</a:t>
+              </a:r>
+              <a:endParaRPr lang="zh-TW" altLang="en-US" dirty="0"/>
+            </a:p>
+          </p:txBody>
+        </p:sp>
+        <p:sp>
+          <p:nvSpPr>
+            <p:cNvPr id="20" name="矩形 19"/>
+            <p:cNvSpPr/>
+            <p:nvPr/>
+          </p:nvSpPr>
+          <p:spPr>
+            <a:xfrm>
+              <a:off x="9790109" y="4595464"/>
+              <a:ext cx="1271016" cy="758758"/>
+            </a:xfrm>
+            <a:prstGeom prst="rect">
+              <a:avLst/>
+            </a:prstGeom>
+            <a:solidFill>
+              <a:schemeClr val="bg1"/>
+            </a:solidFill>
+            <a:ln w="38100">
+              <a:solidFill>
+                <a:srgbClr val="7030A0"/>
+              </a:solidFill>
+            </a:ln>
+          </p:spPr>
+          <p:style>
+            <a:lnRef idx="2">
+              <a:schemeClr val="accent1">
+                <a:shade val="50000"/>
+              </a:schemeClr>
+            </a:lnRef>
+            <a:fillRef idx="1">
+              <a:schemeClr val="accent1"/>
+            </a:fillRef>
+            <a:effectRef idx="0">
+              <a:schemeClr val="accent1"/>
+            </a:effectRef>
+            <a:fontRef idx="minor">
+              <a:schemeClr val="lt1"/>
+            </a:fontRef>
+          </p:style>
+          <p:txBody>
+            <a:bodyPr rtlCol="0" anchor="ctr"/>
+            <a:lstStyle/>
+            <a:p>
+              <a:pPr algn="ctr"/>
+              <a:r>
+                <a:rPr lang="zh-TW" altLang="en-US" dirty="0" smtClean="0">
+                  <a:solidFill>
+                    <a:schemeClr val="tx1"/>
+                  </a:solidFill>
+                </a:rPr>
+                <a:t>會重複的</a:t>
+              </a:r>
+              <a:endParaRPr lang="en-US" altLang="zh-TW" dirty="0" smtClean="0">
+                <a:solidFill>
+                  <a:schemeClr val="tx1"/>
+                </a:solidFill>
+              </a:endParaRPr>
+            </a:p>
+            <a:p>
+              <a:pPr algn="ctr"/>
+              <a:r>
+                <a:rPr lang="zh-TW" altLang="en-US" dirty="0" smtClean="0">
+                  <a:solidFill>
+                    <a:schemeClr val="tx1"/>
+                  </a:solidFill>
+                </a:rPr>
+                <a:t>工作</a:t>
+              </a:r>
+              <a:r>
+                <a:rPr lang="en-US" altLang="zh-TW" dirty="0" smtClean="0">
+                  <a:solidFill>
+                    <a:schemeClr val="tx1"/>
+                  </a:solidFill>
+                </a:rPr>
+                <a:t>A1</a:t>
+              </a:r>
+              <a:endParaRPr lang="zh-TW" altLang="en-US" dirty="0">
+                <a:solidFill>
+                  <a:schemeClr val="tx1"/>
+                </a:solidFill>
+              </a:endParaRPr>
+            </a:p>
+          </p:txBody>
+        </p:sp>
+        <p:cxnSp>
+          <p:nvCxnSpPr>
+            <p:cNvPr id="21" name="直線單箭頭接點 20"/>
+            <p:cNvCxnSpPr>
+              <a:stCxn id="38" idx="3"/>
+              <a:endCxn id="20" idx="1"/>
+            </p:cNvCxnSpPr>
+            <p:nvPr/>
+          </p:nvCxnSpPr>
+          <p:spPr>
+            <a:xfrm>
+              <a:off x="9059482" y="4954685"/>
+              <a:ext cx="730627" cy="20158"/>
+            </a:xfrm>
+            <a:prstGeom prst="straightConnector1">
+              <a:avLst/>
+            </a:prstGeom>
+            <a:ln w="28575">
+              <a:solidFill>
+                <a:srgbClr val="7030A0"/>
+              </a:solidFill>
+              <a:headEnd type="none" w="med" len="med"/>
+              <a:tailEnd type="triangle" w="med" len="med"/>
+            </a:ln>
+          </p:spPr>
+          <p:style>
+            <a:lnRef idx="1">
+              <a:schemeClr val="accent1"/>
+            </a:lnRef>
+            <a:fillRef idx="0">
+              <a:schemeClr val="accent1"/>
+            </a:fillRef>
+            <a:effectRef idx="0">
+              <a:schemeClr val="accent1"/>
+            </a:effectRef>
+            <a:fontRef idx="minor">
+              <a:schemeClr val="tx1"/>
+            </a:fontRef>
+          </p:style>
+        </p:cxnSp>
+        <p:cxnSp>
+          <p:nvCxnSpPr>
+            <p:cNvPr id="30" name="直線單箭頭接點 29"/>
+            <p:cNvCxnSpPr>
+              <a:stCxn id="20" idx="0"/>
+              <a:endCxn id="49" idx="2"/>
+            </p:cNvCxnSpPr>
+            <p:nvPr/>
+          </p:nvCxnSpPr>
+          <p:spPr>
+            <a:xfrm flipV="1">
+              <a:off x="10425617" y="3114083"/>
+              <a:ext cx="0" cy="1481381"/>
+            </a:xfrm>
+            <a:prstGeom prst="straightConnector1">
+              <a:avLst/>
+            </a:prstGeom>
+            <a:ln w="28575">
+              <a:solidFill>
+                <a:schemeClr val="tx1"/>
+              </a:solidFill>
+              <a:headEnd type="none" w="med" len="med"/>
+              <a:tailEnd type="triangle" w="med" len="med"/>
+            </a:ln>
+          </p:spPr>
+          <p:style>
+            <a:lnRef idx="1">
+              <a:schemeClr val="accent1"/>
+            </a:lnRef>
+            <a:fillRef idx="0">
+              <a:schemeClr val="accent1"/>
+            </a:fillRef>
+            <a:effectRef idx="0">
+              <a:schemeClr val="accent1"/>
+            </a:effectRef>
+            <a:fontRef idx="minor">
+              <a:schemeClr val="tx1"/>
+            </a:fontRef>
+          </p:style>
+        </p:cxnSp>
+        <p:cxnSp>
+          <p:nvCxnSpPr>
+            <p:cNvPr id="31" name="直線單箭頭接點 30"/>
+            <p:cNvCxnSpPr>
+              <a:stCxn id="66" idx="1"/>
+            </p:cNvCxnSpPr>
+            <p:nvPr/>
+          </p:nvCxnSpPr>
+          <p:spPr>
+            <a:xfrm flipH="1" flipV="1">
+              <a:off x="7437401" y="1541777"/>
+              <a:ext cx="648106" cy="2753"/>
+            </a:xfrm>
+            <a:prstGeom prst="straightConnector1">
+              <a:avLst/>
+            </a:prstGeom>
+            <a:ln w="28575">
+              <a:solidFill>
+                <a:srgbClr val="7030A0"/>
+              </a:solidFill>
+              <a:headEnd type="none" w="med" len="med"/>
+              <a:tailEnd type="triangle" w="med" len="med"/>
+            </a:ln>
+          </p:spPr>
+          <p:style>
+            <a:lnRef idx="1">
+              <a:schemeClr val="accent1"/>
+            </a:lnRef>
+            <a:fillRef idx="0">
+              <a:schemeClr val="accent1"/>
+            </a:fillRef>
+            <a:effectRef idx="0">
+              <a:schemeClr val="accent1"/>
+            </a:effectRef>
+            <a:fontRef idx="minor">
+              <a:schemeClr val="tx1"/>
+            </a:fontRef>
+          </p:style>
+        </p:cxnSp>
+        <p:cxnSp>
+          <p:nvCxnSpPr>
+            <p:cNvPr id="32" name="肘形接點 31"/>
+            <p:cNvCxnSpPr>
+              <a:stCxn id="49" idx="0"/>
+              <a:endCxn id="66" idx="3"/>
+            </p:cNvCxnSpPr>
+            <p:nvPr/>
+          </p:nvCxnSpPr>
+          <p:spPr>
+            <a:xfrm rot="16200000" flipV="1">
+              <a:off x="9687192" y="1213862"/>
+              <a:ext cx="407757" cy="1069094"/>
+            </a:xfrm>
+            <a:prstGeom prst="bentConnector2">
+              <a:avLst/>
+            </a:prstGeom>
+            <a:ln w="28575">
+              <a:solidFill>
+                <a:srgbClr val="7030A0"/>
+              </a:solidFill>
+              <a:tailEnd type="triangle"/>
+            </a:ln>
+          </p:spPr>
+          <p:style>
+            <a:lnRef idx="1">
+              <a:schemeClr val="accent1"/>
+            </a:lnRef>
+            <a:fillRef idx="0">
+              <a:schemeClr val="accent1"/>
+            </a:fillRef>
+            <a:effectRef idx="0">
+              <a:schemeClr val="accent1"/>
+            </a:effectRef>
+            <a:fontRef idx="minor">
+              <a:schemeClr val="tx1"/>
+            </a:fontRef>
+          </p:style>
+        </p:cxnSp>
+        <p:sp>
+          <p:nvSpPr>
+            <p:cNvPr id="38" name="菱形 37"/>
+            <p:cNvSpPr/>
+            <p:nvPr/>
+          </p:nvSpPr>
+          <p:spPr>
+            <a:xfrm>
+              <a:off x="5815320" y="4373787"/>
+              <a:ext cx="3244162" cy="1161796"/>
+            </a:xfrm>
+            <a:prstGeom prst="diamond">
+              <a:avLst/>
+            </a:prstGeom>
+            <a:solidFill>
+              <a:schemeClr val="bg1"/>
+            </a:solidFill>
+            <a:ln w="38100">
+              <a:solidFill>
+                <a:srgbClr val="7030A0"/>
+              </a:solidFill>
+            </a:ln>
+          </p:spPr>
+          <p:style>
+            <a:lnRef idx="2">
+              <a:schemeClr val="accent1">
+                <a:shade val="50000"/>
+              </a:schemeClr>
+            </a:lnRef>
+            <a:fillRef idx="1">
+              <a:schemeClr val="accent1"/>
+            </a:fillRef>
+            <a:effectRef idx="0">
+              <a:schemeClr val="accent1"/>
+            </a:effectRef>
+            <a:fontRef idx="minor">
+              <a:schemeClr val="lt1"/>
+            </a:fontRef>
+          </p:style>
+          <p:txBody>
+            <a:bodyPr rtlCol="0" anchor="ctr"/>
+            <a:lstStyle/>
+            <a:p>
+              <a:pPr algn="ctr">
+                <a:tabLst>
+                  <a:tab pos="1344613" algn="l"/>
+                </a:tabLst>
+              </a:pPr>
+              <a:r>
+                <a:rPr lang="zh-TW" altLang="en-US" sz="1600" dirty="0">
+                  <a:solidFill>
+                    <a:schemeClr val="tx1"/>
+                  </a:solidFill>
+                </a:rPr>
+                <a:t>第</a:t>
+              </a:r>
+              <a:r>
+                <a:rPr lang="zh-TW" altLang="en-US" sz="1600" dirty="0" smtClean="0">
+                  <a:solidFill>
+                    <a:schemeClr val="tx1"/>
+                  </a:solidFill>
+                </a:rPr>
+                <a:t>一層</a:t>
+              </a:r>
+              <a:endParaRPr lang="en-US" altLang="zh-TW" sz="1600" dirty="0" smtClean="0">
+                <a:solidFill>
+                  <a:schemeClr val="tx1"/>
+                </a:solidFill>
+              </a:endParaRPr>
+            </a:p>
+            <a:p>
+              <a:pPr algn="ctr">
+                <a:tabLst>
+                  <a:tab pos="1344613" algn="l"/>
+                </a:tabLst>
+              </a:pPr>
+              <a:r>
+                <a:rPr lang="zh-TW" altLang="en-US" sz="1600" dirty="0" smtClean="0">
+                  <a:solidFill>
+                    <a:schemeClr val="tx1"/>
+                  </a:solidFill>
+                </a:rPr>
+                <a:t>可</a:t>
+              </a:r>
+              <a:r>
+                <a:rPr lang="zh-TW" altLang="en-US" sz="1600" dirty="0" smtClean="0">
+                  <a:solidFill>
+                    <a:schemeClr val="tx1"/>
+                  </a:solidFill>
+                </a:rPr>
+                <a:t>迭代物件</a:t>
+              </a:r>
+              <a:r>
+                <a:rPr lang="zh-TW" altLang="en-US" sz="1600" dirty="0" smtClean="0">
+                  <a:solidFill>
+                    <a:schemeClr val="tx1"/>
+                  </a:solidFill>
+                </a:rPr>
+                <a:t>有</a:t>
+              </a:r>
+              <a:endParaRPr lang="en-US" altLang="zh-TW" sz="1600" dirty="0" smtClean="0">
+                <a:solidFill>
+                  <a:schemeClr val="tx1"/>
+                </a:solidFill>
+              </a:endParaRPr>
+            </a:p>
+            <a:p>
+              <a:pPr algn="ctr">
+                <a:tabLst>
+                  <a:tab pos="1344613" algn="l"/>
+                </a:tabLst>
+              </a:pPr>
+              <a:r>
+                <a:rPr lang="zh-TW" altLang="en-US" sz="1600" dirty="0" smtClean="0">
+                  <a:solidFill>
+                    <a:schemeClr val="tx1"/>
+                  </a:solidFill>
+                </a:rPr>
+                <a:t>變數</a:t>
+              </a:r>
+              <a:r>
+                <a:rPr lang="en-US" altLang="zh-TW" sz="1600" dirty="0" smtClean="0">
+                  <a:solidFill>
+                    <a:schemeClr val="tx1"/>
+                  </a:solidFill>
+                </a:rPr>
+                <a:t>A</a:t>
+              </a:r>
+              <a:r>
+                <a:rPr lang="zh-TW" altLang="en-US" sz="1600" dirty="0" smtClean="0">
+                  <a:solidFill>
+                    <a:schemeClr val="tx1"/>
+                  </a:solidFill>
+                </a:rPr>
+                <a:t>尚未</a:t>
+              </a:r>
+              <a:r>
+                <a:rPr lang="zh-TW" altLang="en-US" sz="1600" dirty="0" smtClean="0">
+                  <a:solidFill>
+                    <a:schemeClr val="tx1"/>
+                  </a:solidFill>
+                </a:rPr>
+                <a:t>執行</a:t>
+              </a:r>
+              <a:endParaRPr lang="zh-TW" altLang="en-US" sz="1600" dirty="0">
+                <a:solidFill>
+                  <a:schemeClr val="tx1"/>
+                </a:solidFill>
+              </a:endParaRPr>
+            </a:p>
+          </p:txBody>
+        </p:sp>
+        <p:sp>
+          <p:nvSpPr>
+            <p:cNvPr id="49" name="菱形 48"/>
+            <p:cNvSpPr/>
+            <p:nvPr/>
+          </p:nvSpPr>
+          <p:spPr>
+            <a:xfrm>
+              <a:off x="8803536" y="1952287"/>
+              <a:ext cx="3244162" cy="1161796"/>
+            </a:xfrm>
+            <a:prstGeom prst="diamond">
+              <a:avLst/>
+            </a:prstGeom>
+            <a:solidFill>
+              <a:schemeClr val="bg1"/>
+            </a:solidFill>
+            <a:ln w="38100">
+              <a:solidFill>
+                <a:schemeClr val="accent5">
+                  <a:lumMod val="75000"/>
+                </a:schemeClr>
+              </a:solidFill>
+            </a:ln>
+          </p:spPr>
+          <p:style>
+            <a:lnRef idx="2">
+              <a:schemeClr val="accent1">
+                <a:shade val="50000"/>
+              </a:schemeClr>
+            </a:lnRef>
+            <a:fillRef idx="1">
+              <a:schemeClr val="accent1"/>
+            </a:fillRef>
+            <a:effectRef idx="0">
+              <a:schemeClr val="accent1"/>
+            </a:effectRef>
+            <a:fontRef idx="minor">
+              <a:schemeClr val="lt1"/>
+            </a:fontRef>
+          </p:style>
+          <p:txBody>
+            <a:bodyPr rtlCol="0" anchor="ctr"/>
+            <a:lstStyle/>
+            <a:p>
+              <a:pPr algn="ctr">
+                <a:tabLst>
+                  <a:tab pos="1344613" algn="l"/>
+                </a:tabLst>
+              </a:pPr>
+              <a:r>
+                <a:rPr lang="zh-TW" altLang="en-US" sz="1600" dirty="0">
+                  <a:solidFill>
+                    <a:schemeClr val="tx1"/>
+                  </a:solidFill>
+                </a:rPr>
+                <a:t>第</a:t>
+              </a:r>
+              <a:r>
+                <a:rPr lang="zh-TW" altLang="en-US" sz="1600" dirty="0" smtClean="0">
+                  <a:solidFill>
+                    <a:schemeClr val="tx1"/>
+                  </a:solidFill>
+                </a:rPr>
+                <a:t>一層</a:t>
+              </a:r>
+              <a:endParaRPr lang="en-US" altLang="zh-TW" sz="1600" dirty="0" smtClean="0">
+                <a:solidFill>
+                  <a:schemeClr val="tx1"/>
+                </a:solidFill>
+              </a:endParaRPr>
+            </a:p>
+            <a:p>
+              <a:pPr algn="ctr">
+                <a:tabLst>
+                  <a:tab pos="1344613" algn="l"/>
+                </a:tabLst>
+              </a:pPr>
+              <a:r>
+                <a:rPr lang="zh-TW" altLang="en-US" sz="1600" dirty="0" smtClean="0">
+                  <a:solidFill>
+                    <a:schemeClr val="tx1"/>
+                  </a:solidFill>
+                </a:rPr>
+                <a:t>可</a:t>
+              </a:r>
+              <a:r>
+                <a:rPr lang="zh-TW" altLang="en-US" sz="1600" dirty="0" smtClean="0">
+                  <a:solidFill>
+                    <a:schemeClr val="tx1"/>
+                  </a:solidFill>
+                </a:rPr>
+                <a:t>迭代物件</a:t>
+              </a:r>
+              <a:r>
+                <a:rPr lang="zh-TW" altLang="en-US" sz="1600" dirty="0" smtClean="0">
+                  <a:solidFill>
+                    <a:schemeClr val="tx1"/>
+                  </a:solidFill>
+                </a:rPr>
+                <a:t>有</a:t>
+              </a:r>
+              <a:endParaRPr lang="en-US" altLang="zh-TW" sz="1600" dirty="0" smtClean="0">
+                <a:solidFill>
+                  <a:schemeClr val="tx1"/>
+                </a:solidFill>
+              </a:endParaRPr>
+            </a:p>
+            <a:p>
+              <a:pPr algn="ctr">
+                <a:tabLst>
+                  <a:tab pos="1344613" algn="l"/>
+                </a:tabLst>
+              </a:pPr>
+              <a:r>
+                <a:rPr lang="zh-TW" altLang="en-US" sz="1600" dirty="0" smtClean="0">
+                  <a:solidFill>
+                    <a:schemeClr val="tx1"/>
+                  </a:solidFill>
+                </a:rPr>
+                <a:t>變數</a:t>
+              </a:r>
+              <a:r>
+                <a:rPr lang="en-US" altLang="zh-TW" sz="1600" dirty="0" smtClean="0">
+                  <a:solidFill>
+                    <a:schemeClr val="tx1"/>
+                  </a:solidFill>
+                </a:rPr>
+                <a:t>B</a:t>
+              </a:r>
+              <a:r>
+                <a:rPr lang="zh-TW" altLang="en-US" sz="1600" dirty="0" smtClean="0">
+                  <a:solidFill>
+                    <a:schemeClr val="tx1"/>
+                  </a:solidFill>
+                </a:rPr>
+                <a:t>尚未</a:t>
+              </a:r>
+              <a:r>
+                <a:rPr lang="zh-TW" altLang="en-US" sz="1600" dirty="0" smtClean="0">
+                  <a:solidFill>
+                    <a:schemeClr val="tx1"/>
+                  </a:solidFill>
+                </a:rPr>
+                <a:t>執行</a:t>
+              </a:r>
+              <a:endParaRPr lang="zh-TW" altLang="en-US" sz="1600" dirty="0">
+                <a:solidFill>
+                  <a:schemeClr val="tx1"/>
+                </a:solidFill>
+              </a:endParaRPr>
+            </a:p>
+          </p:txBody>
+        </p:sp>
+        <p:sp>
+          <p:nvSpPr>
+            <p:cNvPr id="62" name="文字方塊 61"/>
+            <p:cNvSpPr txBox="1"/>
+            <p:nvPr/>
+          </p:nvSpPr>
+          <p:spPr>
+            <a:xfrm>
+              <a:off x="8051350" y="2729918"/>
+              <a:ext cx="636969" cy="369332"/>
+            </a:xfrm>
+            <a:prstGeom prst="rect">
+              <a:avLst/>
+            </a:prstGeom>
+            <a:noFill/>
+          </p:spPr>
+          <p:txBody>
+            <a:bodyPr wrap="none" rtlCol="0">
+              <a:spAutoFit/>
+            </a:bodyPr>
+            <a:lstStyle/>
+            <a:p>
+              <a:r>
+                <a:rPr lang="en-US" altLang="zh-TW" dirty="0" smtClean="0"/>
+                <a:t>True</a:t>
+              </a:r>
+              <a:endParaRPr lang="zh-TW" altLang="en-US" dirty="0"/>
+            </a:p>
+          </p:txBody>
+        </p:sp>
+        <p:sp>
+          <p:nvSpPr>
+            <p:cNvPr id="65" name="文字方塊 64"/>
+            <p:cNvSpPr txBox="1"/>
+            <p:nvPr/>
+          </p:nvSpPr>
+          <p:spPr>
+            <a:xfrm>
+              <a:off x="9822756" y="1134835"/>
+              <a:ext cx="715260" cy="369332"/>
+            </a:xfrm>
+            <a:prstGeom prst="rect">
+              <a:avLst/>
+            </a:prstGeom>
+            <a:noFill/>
+          </p:spPr>
+          <p:txBody>
+            <a:bodyPr wrap="none" rtlCol="0">
+              <a:spAutoFit/>
+            </a:bodyPr>
+            <a:lstStyle/>
+            <a:p>
+              <a:r>
+                <a:rPr lang="en-US" altLang="zh-TW" dirty="0" smtClean="0"/>
+                <a:t>False</a:t>
+              </a:r>
+              <a:endParaRPr lang="zh-TW" altLang="en-US" dirty="0"/>
+            </a:p>
+          </p:txBody>
+        </p:sp>
+        <p:sp>
+          <p:nvSpPr>
+            <p:cNvPr id="66" name="矩形 65"/>
+            <p:cNvSpPr/>
+            <p:nvPr/>
+          </p:nvSpPr>
+          <p:spPr>
+            <a:xfrm>
+              <a:off x="8085507" y="1165151"/>
+              <a:ext cx="1271016" cy="758758"/>
+            </a:xfrm>
+            <a:prstGeom prst="rect">
+              <a:avLst/>
+            </a:prstGeom>
+            <a:solidFill>
+              <a:schemeClr val="bg1"/>
+            </a:solidFill>
+            <a:ln w="38100">
+              <a:solidFill>
+                <a:srgbClr val="7030A0"/>
+              </a:solidFill>
+            </a:ln>
+          </p:spPr>
+          <p:style>
+            <a:lnRef idx="2">
+              <a:schemeClr val="accent1">
+                <a:shade val="50000"/>
+              </a:schemeClr>
+            </a:lnRef>
+            <a:fillRef idx="1">
+              <a:schemeClr val="accent1"/>
+            </a:fillRef>
+            <a:effectRef idx="0">
+              <a:schemeClr val="accent1"/>
+            </a:effectRef>
+            <a:fontRef idx="minor">
+              <a:schemeClr val="lt1"/>
+            </a:fontRef>
+          </p:style>
+          <p:txBody>
+            <a:bodyPr rtlCol="0" anchor="ctr"/>
+            <a:lstStyle/>
+            <a:p>
+              <a:pPr algn="ctr"/>
+              <a:r>
+                <a:rPr lang="zh-TW" altLang="en-US" dirty="0" smtClean="0">
+                  <a:solidFill>
+                    <a:schemeClr val="tx1"/>
+                  </a:solidFill>
+                </a:rPr>
+                <a:t>會重複的</a:t>
+              </a:r>
+              <a:endParaRPr lang="en-US" altLang="zh-TW" dirty="0" smtClean="0">
+                <a:solidFill>
+                  <a:schemeClr val="tx1"/>
+                </a:solidFill>
+              </a:endParaRPr>
+            </a:p>
+            <a:p>
+              <a:pPr algn="ctr"/>
+              <a:r>
+                <a:rPr lang="zh-TW" altLang="en-US" dirty="0" smtClean="0">
+                  <a:solidFill>
+                    <a:schemeClr val="tx1"/>
+                  </a:solidFill>
+                </a:rPr>
+                <a:t>工作</a:t>
+              </a:r>
+              <a:r>
+                <a:rPr lang="en-US" altLang="zh-TW" dirty="0" smtClean="0">
+                  <a:solidFill>
+                    <a:schemeClr val="tx1"/>
+                  </a:solidFill>
+                </a:rPr>
+                <a:t>A2</a:t>
+              </a:r>
+              <a:endParaRPr lang="zh-TW" altLang="en-US" dirty="0">
+                <a:solidFill>
+                  <a:schemeClr val="tx1"/>
+                </a:solidFill>
+              </a:endParaRPr>
+            </a:p>
+          </p:txBody>
+        </p:sp>
+      </p:grpSp>
     </p:spTree>
     <p:extLst>
       <p:ext uri="{BB962C8B-B14F-4D97-AF65-F5344CB8AC3E}">
@@ -9690,7 +10954,83 @@
   <p:timing>
     <p:tnLst>
       <p:par>
-        <p:cTn id="1" dur="indefinite" restart="never" nodeType="tmRoot"/>
+        <p:cTn id="1" dur="indefinite" restart="never" nodeType="tmRoot">
+          <p:childTnLst>
+            <p:seq concurrent="1" nextAc="seek">
+              <p:cTn id="2" dur="indefinite" nodeType="mainSeq">
+                <p:childTnLst>
+                  <p:par>
+                    <p:cTn id="3" fill="hold">
+                      <p:stCondLst>
+                        <p:cond delay="indefinite"/>
+                      </p:stCondLst>
+                      <p:childTnLst>
+                        <p:par>
+                          <p:cTn id="4" fill="hold">
+                            <p:stCondLst>
+                              <p:cond delay="0"/>
+                            </p:stCondLst>
+                            <p:childTnLst>
+                              <p:par>
+                                <p:cTn id="5" presetID="10" presetClass="entr" presetSubtype="0" fill="hold" nodeType="clickEffect">
+                                  <p:stCondLst>
+                                    <p:cond delay="0"/>
+                                  </p:stCondLst>
+                                  <p:childTnLst>
+                                    <p:set>
+                                      <p:cBhvr>
+                                        <p:cTn id="6" dur="1" fill="hold">
+                                          <p:stCondLst>
+                                            <p:cond delay="0"/>
+                                          </p:stCondLst>
+                                        </p:cTn>
+                                        <p:tgtEl>
+                                          <p:spTgt spid="71"/>
+                                        </p:tgtEl>
+                                        <p:attrNameLst>
+                                          <p:attrName>style.visibility</p:attrName>
+                                        </p:attrNameLst>
+                                      </p:cBhvr>
+                                      <p:to>
+                                        <p:strVal val="visible"/>
+                                      </p:to>
+                                    </p:set>
+                                    <p:animEffect transition="in" filter="fade">
+                                      <p:cBhvr>
+                                        <p:cTn id="7" dur="500"/>
+                                        <p:tgtEl>
+                                          <p:spTgt spid="71"/>
+                                        </p:tgtEl>
+                                      </p:cBhvr>
+                                    </p:animEffect>
+                                  </p:childTnLst>
+                                </p:cTn>
+                              </p:par>
+                            </p:childTnLst>
+                          </p:cTn>
+                        </p:par>
+                      </p:childTnLst>
+                    </p:cTn>
+                  </p:par>
+                </p:childTnLst>
+              </p:cTn>
+              <p:prevCondLst>
+                <p:cond evt="onPrev" delay="0">
+                  <p:tgtEl>
+                    <p:sldTgt/>
+                  </p:tgtEl>
+                </p:cond>
+              </p:prevCondLst>
+              <p:nextCondLst>
+                <p:cond evt="onNext" delay="0">
+                  <p:tgtEl>
+                    <p:sldTgt/>
+                  </p:tgtEl>
+                </p:cond>
+              </p:nextCondLst>
+            </p:seq>
+          </p:childTnLst>
+        </p:cTn>
       </p:par>
     </p:tnLst>
   </p:timing>
@@ -10192,6 +11532,358 @@
           </a:p>
         </p:txBody>
       </p:sp>
+      <p:sp>
+        <p:nvSpPr>
+          <p:cNvPr id="9" name="文字方塊 8"/>
+          <p:cNvSpPr txBox="1"/>
+          <p:nvPr/>
+        </p:nvSpPr>
+        <p:spPr>
+          <a:xfrm>
+            <a:off x="6510146" y="2017787"/>
+            <a:ext cx="4902304" cy="1200329"/>
+          </a:xfrm>
+          <a:prstGeom prst="rect">
+            <a:avLst/>
+          </a:prstGeom>
+          <a:solidFill>
+            <a:schemeClr val="tx1"/>
+          </a:solidFill>
+        </p:spPr>
+        <p:txBody>
+          <a:bodyPr wrap="none" rtlCol="0">
+            <a:spAutoFit/>
+          </a:bodyPr>
+          <a:lstStyle/>
+          <a:p>
+            <a:r>
+              <a:rPr lang="en-US" altLang="zh-TW" dirty="0" smtClean="0">
+                <a:solidFill>
+                  <a:srgbClr val="A365D1"/>
+                </a:solidFill>
+              </a:rPr>
+              <a:t>for</a:t>
+            </a:r>
+            <a:r>
+              <a:rPr lang="zh-TW" altLang="en-US" dirty="0" smtClean="0">
+                <a:solidFill>
+                  <a:schemeClr val="bg1"/>
+                </a:solidFill>
+              </a:rPr>
+              <a:t> </a:t>
+            </a:r>
+            <a:r>
+              <a:rPr lang="en-US" altLang="zh-TW" dirty="0" smtClean="0">
+                <a:solidFill>
+                  <a:schemeClr val="bg1"/>
+                </a:solidFill>
+              </a:rPr>
+              <a:t> </a:t>
+            </a:r>
+            <a:r>
+              <a:rPr lang="en-US" altLang="zh-TW" dirty="0" err="1" smtClean="0">
+                <a:solidFill>
+                  <a:schemeClr val="bg1"/>
+                </a:solidFill>
+              </a:rPr>
+              <a:t>i</a:t>
+            </a:r>
+            <a:r>
+              <a:rPr lang="en-US" altLang="zh-TW" dirty="0" smtClean="0">
+                <a:solidFill>
+                  <a:srgbClr val="FFFF00"/>
+                </a:solidFill>
+              </a:rPr>
+              <a:t> </a:t>
+            </a:r>
+            <a:r>
+              <a:rPr lang="zh-TW" altLang="en-US" dirty="0" smtClean="0">
+                <a:solidFill>
+                  <a:schemeClr val="bg1"/>
+                </a:solidFill>
+              </a:rPr>
+              <a:t> </a:t>
+            </a:r>
+            <a:r>
+              <a:rPr lang="en-US" altLang="zh-TW" dirty="0" smtClean="0">
+                <a:solidFill>
+                  <a:srgbClr val="A365D1"/>
+                </a:solidFill>
+              </a:rPr>
+              <a:t>in</a:t>
+            </a:r>
+            <a:r>
+              <a:rPr lang="en-US" altLang="zh-TW" dirty="0" smtClean="0">
+                <a:solidFill>
+                  <a:schemeClr val="bg1"/>
+                </a:solidFill>
+              </a:rPr>
+              <a:t> </a:t>
+            </a:r>
+            <a:r>
+              <a:rPr lang="zh-TW" altLang="en-US" dirty="0" smtClean="0">
+                <a:solidFill>
+                  <a:schemeClr val="bg1"/>
+                </a:solidFill>
+              </a:rPr>
+              <a:t> </a:t>
+            </a:r>
+            <a:r>
+              <a:rPr lang="en-US" altLang="zh-TW" dirty="0" smtClean="0">
+                <a:solidFill>
+                  <a:srgbClr val="FFC000"/>
+                </a:solidFill>
+              </a:rPr>
+              <a:t>range</a:t>
+            </a:r>
+            <a:r>
+              <a:rPr lang="en-US" altLang="zh-TW" dirty="0" smtClean="0">
+                <a:solidFill>
+                  <a:schemeClr val="bg1"/>
+                </a:solidFill>
+              </a:rPr>
+              <a:t>(</a:t>
+            </a:r>
+            <a:r>
+              <a:rPr lang="en-US" altLang="zh-TW" dirty="0" err="1" smtClean="0">
+                <a:solidFill>
+                  <a:schemeClr val="bg1"/>
+                </a:solidFill>
+              </a:rPr>
+              <a:t>num</a:t>
+            </a:r>
+            <a:r>
+              <a:rPr lang="en-US" altLang="zh-TW" dirty="0" smtClean="0">
+                <a:solidFill>
+                  <a:schemeClr val="bg1"/>
+                </a:solidFill>
+              </a:rPr>
+              <a:t>):   </a:t>
+            </a:r>
+            <a:r>
+              <a:rPr lang="en-US" altLang="zh-TW" dirty="0" smtClean="0">
+                <a:solidFill>
+                  <a:srgbClr val="92D050"/>
+                </a:solidFill>
+              </a:rPr>
+              <a:t>#</a:t>
+            </a:r>
+            <a:r>
+              <a:rPr lang="zh-TW" altLang="en-US" dirty="0" smtClean="0">
+                <a:solidFill>
+                  <a:srgbClr val="92D050"/>
+                </a:solidFill>
+              </a:rPr>
+              <a:t>控制要顯示的行數</a:t>
+            </a:r>
+            <a:endParaRPr lang="en-US" altLang="zh-TW" dirty="0">
+              <a:solidFill>
+                <a:srgbClr val="92D050"/>
+              </a:solidFill>
+            </a:endParaRPr>
+          </a:p>
+          <a:p>
+            <a:r>
+              <a:rPr lang="en-US" altLang="zh-TW" dirty="0" smtClean="0">
+                <a:solidFill>
+                  <a:schemeClr val="bg1"/>
+                </a:solidFill>
+              </a:rPr>
+              <a:t>	</a:t>
+            </a:r>
+            <a:r>
+              <a:rPr lang="en-US" altLang="zh-TW" dirty="0" smtClean="0">
+                <a:solidFill>
+                  <a:srgbClr val="A365D1"/>
+                </a:solidFill>
+              </a:rPr>
+              <a:t>for</a:t>
+            </a:r>
+            <a:r>
+              <a:rPr lang="zh-TW" altLang="en-US" dirty="0" smtClean="0">
+                <a:solidFill>
+                  <a:schemeClr val="bg1"/>
+                </a:solidFill>
+              </a:rPr>
+              <a:t> </a:t>
+            </a:r>
+            <a:r>
+              <a:rPr lang="en-US" altLang="zh-TW" dirty="0" smtClean="0">
+                <a:solidFill>
+                  <a:schemeClr val="bg1"/>
+                </a:solidFill>
+              </a:rPr>
+              <a:t> k </a:t>
+            </a:r>
+            <a:r>
+              <a:rPr lang="zh-TW" altLang="en-US" dirty="0" smtClean="0">
+                <a:solidFill>
+                  <a:schemeClr val="bg1"/>
+                </a:solidFill>
+              </a:rPr>
+              <a:t> </a:t>
+            </a:r>
+            <a:r>
+              <a:rPr lang="en-US" altLang="zh-TW" dirty="0" smtClean="0">
+                <a:solidFill>
+                  <a:srgbClr val="A365D1"/>
+                </a:solidFill>
+              </a:rPr>
+              <a:t>in</a:t>
+            </a:r>
+            <a:r>
+              <a:rPr lang="en-US" altLang="zh-TW" dirty="0" smtClean="0">
+                <a:solidFill>
+                  <a:schemeClr val="bg1"/>
+                </a:solidFill>
+              </a:rPr>
+              <a:t> </a:t>
+            </a:r>
+            <a:r>
+              <a:rPr lang="zh-TW" altLang="en-US" dirty="0" smtClean="0">
+                <a:solidFill>
+                  <a:schemeClr val="bg1"/>
+                </a:solidFill>
+              </a:rPr>
+              <a:t> </a:t>
+            </a:r>
+            <a:r>
+              <a:rPr lang="en-US" altLang="zh-TW" dirty="0" smtClean="0">
+                <a:solidFill>
+                  <a:srgbClr val="FFC000"/>
+                </a:solidFill>
+              </a:rPr>
+              <a:t>range</a:t>
+            </a:r>
+            <a:r>
+              <a:rPr lang="en-US" altLang="zh-TW" dirty="0" smtClean="0">
+                <a:solidFill>
+                  <a:schemeClr val="bg1"/>
+                </a:solidFill>
+              </a:rPr>
+              <a:t>(</a:t>
+            </a:r>
+            <a:r>
+              <a:rPr lang="en-US" altLang="zh-TW" dirty="0" err="1" smtClean="0">
+                <a:solidFill>
+                  <a:schemeClr val="bg1"/>
+                </a:solidFill>
+              </a:rPr>
+              <a:t>num</a:t>
+            </a:r>
+            <a:r>
+              <a:rPr lang="en-US" altLang="zh-TW" dirty="0" smtClean="0">
+                <a:solidFill>
+                  <a:schemeClr val="bg1"/>
+                </a:solidFill>
+              </a:rPr>
+              <a:t>):  </a:t>
+            </a:r>
+            <a:r>
+              <a:rPr lang="en-US" altLang="zh-TW" dirty="0" smtClean="0">
+                <a:solidFill>
+                  <a:srgbClr val="92D050"/>
+                </a:solidFill>
+              </a:rPr>
+              <a:t>#</a:t>
+            </a:r>
+            <a:r>
+              <a:rPr lang="zh-TW" altLang="en-US" dirty="0" smtClean="0">
+                <a:solidFill>
+                  <a:srgbClr val="92D050"/>
+                </a:solidFill>
+              </a:rPr>
+              <a:t>顯示第</a:t>
+            </a:r>
+            <a:r>
+              <a:rPr lang="en-US" altLang="zh-TW" dirty="0">
+                <a:solidFill>
+                  <a:srgbClr val="92D050"/>
+                </a:solidFill>
+              </a:rPr>
+              <a:t>i+1</a:t>
+            </a:r>
+            <a:r>
+              <a:rPr lang="zh-TW" altLang="en-US" dirty="0">
+                <a:solidFill>
+                  <a:srgbClr val="92D050"/>
+                </a:solidFill>
+              </a:rPr>
+              <a:t>行星</a:t>
+            </a:r>
+            <a:r>
+              <a:rPr lang="zh-TW" altLang="en-US" dirty="0" smtClean="0">
+                <a:solidFill>
+                  <a:srgbClr val="92D050"/>
+                </a:solidFill>
+              </a:rPr>
+              <a:t>號</a:t>
+            </a:r>
+            <a:endParaRPr lang="en-US" altLang="zh-TW" dirty="0" smtClean="0">
+              <a:solidFill>
+                <a:srgbClr val="92D050"/>
+              </a:solidFill>
+            </a:endParaRPr>
+          </a:p>
+          <a:p>
+            <a:r>
+              <a:rPr lang="en-US" altLang="zh-TW" dirty="0">
+                <a:solidFill>
+                  <a:schemeClr val="bg1"/>
+                </a:solidFill>
+              </a:rPr>
+              <a:t>	</a:t>
+            </a:r>
+            <a:r>
+              <a:rPr lang="en-US" altLang="zh-TW" dirty="0" smtClean="0">
+                <a:solidFill>
+                  <a:schemeClr val="bg1"/>
+                </a:solidFill>
+              </a:rPr>
+              <a:t>	</a:t>
+            </a:r>
+            <a:r>
+              <a:rPr lang="en-US" altLang="zh-TW" dirty="0" smtClean="0">
+                <a:solidFill>
+                  <a:srgbClr val="92D050"/>
+                </a:solidFill>
+              </a:rPr>
+              <a:t>#</a:t>
+            </a:r>
+            <a:r>
+              <a:rPr lang="zh-TW" altLang="en-US" dirty="0" smtClean="0">
+                <a:solidFill>
+                  <a:srgbClr val="92D050"/>
+                </a:solidFill>
+              </a:rPr>
+              <a:t>真的顯示星號</a:t>
+            </a:r>
+            <a:r>
+              <a:rPr lang="en-US" altLang="zh-TW" dirty="0" smtClean="0">
+                <a:solidFill>
+                  <a:srgbClr val="92D050"/>
+                </a:solidFill>
+              </a:rPr>
+              <a:t>print(“*”)</a:t>
+            </a:r>
+          </a:p>
+          <a:p>
+            <a:r>
+              <a:rPr lang="en-US" altLang="zh-TW" dirty="0">
+                <a:solidFill>
+                  <a:schemeClr val="bg1"/>
+                </a:solidFill>
+              </a:rPr>
+              <a:t>	</a:t>
+            </a:r>
+            <a:endParaRPr lang="zh-TW" altLang="en-US" dirty="0">
+              <a:solidFill>
+                <a:schemeClr val="bg1"/>
+              </a:solidFill>
+            </a:endParaRPr>
+          </a:p>
+        </p:txBody>
+      </p:sp>
     </p:spTree>
     <p:extLst>
       <p:ext uri="{BB962C8B-B14F-4D97-AF65-F5344CB8AC3E}">
@@ -10205,9 +11897,126 @@
   <p:timing>
     <p:tnLst>
       <p:par>
-        <p:cTn id="1" dur="indefinite" restart="never" nodeType="tmRoot"/>
+        <p:cTn id="1" dur="indefinite" restart="never" nodeType="tmRoot">
+          <p:childTnLst>
+            <p:seq concurrent="1" nextAc="seek">
+              <p:cTn id="2" dur="indefinite" nodeType="mainSeq">
+                <p:childTnLst>
+                  <p:par>
+                    <p:cTn id="3" fill="hold">
+                      <p:stCondLst>
+                        <p:cond delay="indefinite"/>
+                      </p:stCondLst>
+                      <p:childTnLst>
+                        <p:par>
+                          <p:cTn id="4" fill="hold">
+                            <p:stCondLst>
+                              <p:cond delay="0"/>
+                            </p:stCondLst>
+                            <p:childTnLst>
+                              <p:par>
+                                <p:cTn id="5" presetID="2" presetClass="entr" presetSubtype="2" fill="hold" grpId="0" nodeType="clickEffect">
+                                  <p:stCondLst>
+                                    <p:cond delay="0"/>
+                                  </p:stCondLst>
+                                  <p:childTnLst>
+                                    <p:set>
+                                      <p:cBhvr>
+                                        <p:cTn id="6" dur="1" fill="hold">
+                                          <p:stCondLst>
+                                            <p:cond delay="0"/>
+                                          </p:stCondLst>
+                                        </p:cTn>
+                                        <p:tgtEl>
+                                          <p:spTgt spid="9"/>
+                                        </p:tgtEl>
+                                        <p:attrNameLst>
+                                          <p:attrName>style.visibility</p:attrName>
+                                        </p:attrNameLst>
+                                      </p:cBhvr>
+                                      <p:to>
+                                        <p:strVal val="visible"/>
+                                      </p:to>
+                                    </p:set>
+                                    <p:anim calcmode="lin" valueType="num">
+                                      <p:cBhvr additive="base">
+                                        <p:cTn id="7" dur="500" fill="hold"/>
+                                        <p:tgtEl>
+                                          <p:spTgt spid="9"/>
+                                        </p:tgtEl>
+                                        <p:attrNameLst>
+                                          <p:attrName>ppt_x</p:attrName>
+                                        </p:attrNameLst>
+                                      </p:cBhvr>
+                                      <p:tavLst>
+                                        <p:tav tm="0">
+                                          <p:val>
+                                            <p:strVal val="1+#ppt_w/2"/>
+                                          </p:val>
+                                        </p:tav>
+                                        <p:tav tm="100000">
+                                          <p:val>
+                                            <p:strVal val="#ppt_x"/>
+                                          </p:val>
+                                        </p:tav>
+                                      </p:tavLst>
+                                    </p:anim>
+                                    <p:anim calcmode="lin" valueType="num">
+                                      <p:cBhvr additive="base">
+                                        <p:cTn id="8" dur="500" fill="hold"/>
+                                        <p:tgtEl>
+                                          <p:spTgt spid="9"/>
+                                        </p:tgtEl>
+                                        <p:attrNameLst>
+                                          <p:attrName>ppt_y</p:attrName>
+                                        </p:attrNameLst>
+                                      </p:cBhvr>
+                                      <p:tavLst>
+                                        <p:tav tm="0">
+                                          <p:val>
+                                            <p:strVal val="#ppt_y"/>
+                                          </p:val>
+                                        </p:tav>
+                                        <p:tav tm="100000">
+                                          <p:val>
+                                            <p:strVal val="#ppt_y"/>
+                                          </p:val>
+                                        </p:tav>
+                                      </p:tavLst>
+                                    </p:anim>
+                                  </p:childTnLst>
+                                </p:cTn>
+                              </p:par>
+                            </p:childTnLst>
+                          </p:cTn>
+                        </p:par>
+                      </p:childTnLst>
+                    </p:cTn>
+                  </p:par>
+                </p:childTnLst>
+              </p:cTn>
+              <p:prevCondLst>
+                <p:cond evt="onPrev" delay="0">
+                  <p:tgtEl>
+                    <p:sldTgt/>
+                  </p:tgtEl>
+                </p:cond>
+              </p:prevCondLst>
+              <p:nextCondLst>
+                <p:cond evt="onNext" delay="0">
+                  <p:tgtEl>
+                    <p:sldTgt/>
+                  </p:tgtEl>
+                </p:cond>
+              </p:nextCondLst>
+            </p:seq>
+          </p:childTnLst>
+        </p:cTn>
       </p:par>
     </p:tnLst>
+    <p:bldLst>
+      <p:bldP spid="9" grpId="0" animBg="1"/>
+    </p:bldLst>
   </p:timing>
 </p:sld>
 </file>
@@ -17747,6 +19556,44 @@
           </p:txBody>
         </p:sp>
       </p:grpSp>
+      <p:sp>
+        <p:nvSpPr>
+          <p:cNvPr id="9" name="文字方塊 8"/>
+          <p:cNvSpPr txBox="1"/>
+          <p:nvPr/>
+        </p:nvSpPr>
+        <p:spPr>
+          <a:xfrm>
+            <a:off x="4204796" y="5544312"/>
+            <a:ext cx="4108817" cy="369332"/>
+          </a:xfrm>
+          <a:prstGeom prst="rect">
+            <a:avLst/>
+          </a:prstGeom>
+          <a:noFill/>
+        </p:spPr>
+        <p:txBody>
+          <a:bodyPr wrap="none" rtlCol="0">
+            <a:spAutoFit/>
+          </a:bodyPr>
+          <a:lstStyle/>
+          <a:p>
+            <a:r>
+              <a:rPr lang="zh-TW" altLang="en-US" b="1" dirty="0" smtClean="0">
+                <a:solidFill>
+                  <a:srgbClr val="C00000"/>
+                </a:solidFill>
+              </a:rPr>
+              <a:t>減法常常是用來做反向，顛倒的用途。</a:t>
+            </a:r>
+            <a:endParaRPr lang="en-US" altLang="zh-TW" b="1" dirty="0" smtClean="0">
+              <a:solidFill>
+                <a:srgbClr val="C00000"/>
+              </a:solidFill>
+            </a:endParaRPr>
+          </a:p>
+        </p:txBody>
+      </p:sp>
     </p:spTree>
     <p:extLst>
       <p:ext uri="{BB962C8B-B14F-4D97-AF65-F5344CB8AC3E}">
@@ -17855,6 +19702,51 @@
                       </p:childTnLst>
                     </p:cTn>
                   </p:par>
+                  <p:par>
+                    <p:cTn id="11" fill="hold">
+                      <p:stCondLst>
+                        <p:cond delay="indefinite"/>
+                      </p:stCondLst>
+                      <p:childTnLst>
+                        <p:par>
+                          <p:cTn id="12" fill="hold">
+                            <p:stCondLst>
+                              <p:cond delay="0"/>
+                            </p:stCondLst>
+                            <p:childTnLst>
+                              <p:par>
+                                <p:cTn id="13" presetID="1" presetClass="entr" presetSubtype="0" fill="hold" grpId="0" nodeType="clickEffect">
+                                  <p:stCondLst>
+                                    <p:cond delay="0"/>
+                                  </p:stCondLst>
+                                  <p:childTnLst>
+                                    <p:set>
+                                      <p:cBhvr>
+                                        <p:cTn id="14" dur="1" fill="hold">
+                                          <p:stCondLst>
+                                            <p:cond delay="0"/>
+                                          </p:stCondLst>
+                                        </p:cTn>
+                                        <p:tgtEl>
+                                          <p:spTgt spid="9"/>
+                                        </p:tgtEl>
+                                        <p:attrNameLst>
+                                          <p:attrName>style.visibility</p:attrName>
+                                        </p:attrNameLst>
+                                      </p:cBhvr>
+                                      <p:to>
+                                        <p:strVal val="visible"/>
+                                      </p:to>
+                                    </p:set>
+                                  </p:childTnLst>
+                                </p:cTn>
+                              </p:par>
+                            </p:childTnLst>
+                          </p:cTn>
+                        </p:par>
+                      </p:childTnLst>
+                    </p:cTn>
+                  </p:par>
                 </p:childTnLst>
               </p:cTn>
               <p:prevCondLst>
@@ -17879,6 +19771,7 @@
     <p:bldLst>
       <p:bldP spid="6" grpId="0"/>
       <p:bldP spid="7" grpId="0"/>
+      <p:bldP spid="9" grpId="0"/>
     </p:bldLst>
   </p:timing>
 </p:sld>
@@ -23117,7 +25010,7 @@
               <a:t>----</a:t>
             </a:r>
             <a:r>
-              <a:rPr lang="zh-TW" altLang="en-US" dirty="0" smtClean="0">
+              <a:rPr lang="zh-TW" altLang="en-US" b="1" dirty="0" smtClean="0">
                 <a:solidFill>
                   <a:srgbClr val="FF0000"/>
                 </a:solidFill>
@@ -23125,7 +25018,7 @@
               <a:t>固定</a:t>
             </a:r>
             <a:r>
-              <a:rPr lang="en-US" altLang="zh-TW" dirty="0" smtClean="0">
+              <a:rPr lang="en-US" altLang="zh-TW" b="1" dirty="0" smtClean="0">
                 <a:solidFill>
                   <a:srgbClr val="FF0000"/>
                 </a:solidFill>
@@ -23133,7 +25026,7 @@
               <a:t>(</a:t>
             </a:r>
             <a:r>
-              <a:rPr lang="zh-TW" altLang="en-US" dirty="0" smtClean="0">
+              <a:rPr lang="zh-TW" altLang="en-US" b="1" dirty="0" smtClean="0">
                 <a:solidFill>
                   <a:srgbClr val="FF0000"/>
                 </a:solidFill>
@@ -23141,7 +25034,7 @@
               <a:t>可預測</a:t>
             </a:r>
             <a:r>
-              <a:rPr lang="en-US" altLang="zh-TW" dirty="0" smtClean="0">
+              <a:rPr lang="en-US" altLang="zh-TW" b="1" dirty="0" smtClean="0">
                 <a:solidFill>
                   <a:srgbClr val="FF0000"/>
                 </a:solidFill>
@@ -23149,7 +25042,7 @@
               <a:t>)</a:t>
             </a:r>
             <a:r>
-              <a:rPr lang="zh-TW" altLang="en-US" dirty="0" smtClean="0">
+              <a:rPr lang="zh-TW" altLang="en-US" b="1" dirty="0" smtClean="0">
                 <a:solidFill>
                   <a:srgbClr val="FF0000"/>
                 </a:solidFill>
@@ -23609,6 +25502,57 @@
           <a:chExt cx="0" cy="0"/>
         </a:xfrm>
       </p:grpSpPr>
+      <p:sp>
+        <p:nvSpPr>
+          <p:cNvPr id="17" name="弧形 16"/>
+          <p:cNvSpPr/>
+          <p:nvPr/>
+        </p:nvSpPr>
+        <p:spPr>
+          <a:xfrm>
+            <a:off x="8911583" y="2483812"/>
+            <a:ext cx="1296338" cy="791040"/>
+          </a:xfrm>
+          <a:prstGeom prst="arc">
+            <a:avLst>
+              <a:gd name="adj1" fmla="val 2541222"/>
+              <a:gd name="adj2" fmla="val 311641"/>
+            </a:avLst>
+          </a:prstGeom>
+          <a:ln w="219075">
+            <a:solidFill>
+              <a:schemeClr val="accent6">
+                <a:lumMod val="60000"/>
+                <a:lumOff val="40000"/>
+              </a:schemeClr>
+            </a:solidFill>
+            <a:headEnd type="triangle"/>
+            <a:tailEnd type="none" w="lg" len="lg"/>
+          </a:ln>
+        </p:spPr>
+        <p:style>
+          <a:lnRef idx="1">
+            <a:schemeClr val="accent1"/>
+          </a:lnRef>
+          <a:fillRef idx="0">
+            <a:schemeClr val="accent1"/>
+          </a:fillRef>
+          <a:effectRef idx="0">
+            <a:schemeClr val="accent1"/>
+          </a:effectRef>
+          <a:fontRef idx="minor">
+            <a:schemeClr val="tx1"/>
+          </a:fontRef>
+        </p:style>
+        <p:txBody>
+          <a:bodyPr rtlCol="0" anchor="ctr"/>
+          <a:lstStyle/>
+          <a:p>
+            <a:pPr algn="ctr"/>
+            <a:endParaRPr lang="zh-TW" altLang="en-US"/>
+          </a:p>
+        </p:txBody>
+      </p:sp>
       <p:sp>
         <p:nvSpPr>
           <p:cNvPr id="2" name="標題 1"/>
@@ -24306,6 +26250,57 @@
           <a:chExt cx="0" cy="0"/>
         </a:xfrm>
       </p:grpSpPr>
+      <p:sp>
+        <p:nvSpPr>
+          <p:cNvPr id="25" name="弧形 24"/>
+          <p:cNvSpPr/>
+          <p:nvPr/>
+        </p:nvSpPr>
+        <p:spPr>
+          <a:xfrm>
+            <a:off x="9313210" y="2384123"/>
+            <a:ext cx="1296338" cy="1449213"/>
+          </a:xfrm>
+          <a:prstGeom prst="arc">
+            <a:avLst>
+              <a:gd name="adj1" fmla="val 2541222"/>
+              <a:gd name="adj2" fmla="val 311641"/>
+            </a:avLst>
+          </a:prstGeom>
+          <a:ln w="219075">
+            <a:solidFill>
+              <a:schemeClr val="accent6">
+                <a:lumMod val="60000"/>
+                <a:lumOff val="40000"/>
+              </a:schemeClr>
+            </a:solidFill>
+            <a:headEnd type="triangle"/>
+            <a:tailEnd type="none" w="lg" len="lg"/>
+          </a:ln>
+        </p:spPr>
+        <p:style>
+          <a:lnRef idx="1">
+            <a:schemeClr val="accent1"/>
+          </a:lnRef>
+          <a:fillRef idx="0">
+            <a:schemeClr val="accent1"/>
+          </a:fillRef>
+          <a:effectRef idx="0">
+            <a:schemeClr val="accent1"/>
+          </a:effectRef>
+          <a:fontRef idx="minor">
+            <a:schemeClr val="tx1"/>
+          </a:fontRef>
+        </p:style>
+        <p:txBody>
+          <a:bodyPr rtlCol="0" anchor="ctr"/>
+          <a:lstStyle/>
+          <a:p>
+            <a:pPr algn="ctr"/>
+            <a:endParaRPr lang="zh-TW" altLang="en-US"/>
+          </a:p>
+        </p:txBody>
+      </p:sp>
       <p:sp>
         <p:nvSpPr>
           <p:cNvPr id="2" name="標題 1"/>
@@ -26696,6 +28691,3334 @@
       </p:grpSpPr>
       <p:sp>
         <p:nvSpPr>
+          <p:cNvPr id="35" name="弧形 34"/>
+          <p:cNvSpPr/>
+          <p:nvPr/>
+        </p:nvSpPr>
+        <p:spPr>
+          <a:xfrm>
+            <a:off x="4330798" y="2158738"/>
+            <a:ext cx="3661803" cy="3541227"/>
+          </a:xfrm>
+          <a:prstGeom prst="arc">
+            <a:avLst>
+              <a:gd name="adj1" fmla="val 2199369"/>
+              <a:gd name="adj2" fmla="val 839816"/>
+            </a:avLst>
+          </a:prstGeom>
+          <a:ln w="219075">
+            <a:solidFill>
+              <a:srgbClr val="FFCCFF"/>
+            </a:solidFill>
+            <a:headEnd type="triangle"/>
+            <a:tailEnd type="none" w="lg" len="lg"/>
+          </a:ln>
+        </p:spPr>
+        <p:style>
+          <a:lnRef idx="1">
+            <a:schemeClr val="accent1"/>
+          </a:lnRef>
+          <a:fillRef idx="0">
+            <a:schemeClr val="accent1"/>
+          </a:fillRef>
+          <a:effectRef idx="0">
+            <a:schemeClr val="accent1"/>
+          </a:effectRef>
+          <a:fontRef idx="minor">
+            <a:schemeClr val="tx1"/>
+          </a:fontRef>
+        </p:style>
+        <p:txBody>
+          <a:bodyPr rtlCol="0" anchor="ctr"/>
+          <a:lstStyle/>
+          <a:p>
+            <a:pPr algn="ctr"/>
+            <a:endParaRPr lang="zh-TW" altLang="en-US"/>
+          </a:p>
+        </p:txBody>
+      </p:sp>
+      <p:sp>
+        <p:nvSpPr>
+          <p:cNvPr id="34" name="弧形 33"/>
+          <p:cNvSpPr/>
+          <p:nvPr/>
+        </p:nvSpPr>
+        <p:spPr>
+          <a:xfrm>
+            <a:off x="4551867" y="3308851"/>
+            <a:ext cx="1296338" cy="1449213"/>
+          </a:xfrm>
+          <a:prstGeom prst="arc">
+            <a:avLst>
+              <a:gd name="adj1" fmla="val 2541222"/>
+              <a:gd name="adj2" fmla="val 311641"/>
+            </a:avLst>
+          </a:prstGeom>
+          <a:ln w="219075">
+            <a:solidFill>
+              <a:schemeClr val="accent6">
+                <a:lumMod val="60000"/>
+                <a:lumOff val="40000"/>
+              </a:schemeClr>
+            </a:solidFill>
+            <a:headEnd type="triangle"/>
+            <a:tailEnd type="none" w="lg" len="lg"/>
+          </a:ln>
+        </p:spPr>
+        <p:style>
+          <a:lnRef idx="1">
+            <a:schemeClr val="accent1"/>
+          </a:lnRef>
+          <a:fillRef idx="0">
+            <a:schemeClr val="accent1"/>
+          </a:fillRef>
+          <a:effectRef idx="0">
+            <a:schemeClr val="accent1"/>
+          </a:effectRef>
+          <a:fontRef idx="minor">
+            <a:schemeClr val="tx1"/>
+          </a:fontRef>
+        </p:style>
+        <p:txBody>
+          <a:bodyPr rtlCol="0" anchor="ctr"/>
+          <a:lstStyle/>
+          <a:p>
+            <a:pPr algn="ctr"/>
+            <a:endParaRPr lang="zh-TW" altLang="en-US"/>
+          </a:p>
+        </p:txBody>
+      </p:sp>
+      <p:sp>
+        <p:nvSpPr>
+          <p:cNvPr id="2" name="標題 1"/>
+          <p:cNvSpPr>
+            <a:spLocks noGrp="1"/>
+          </p:cNvSpPr>
+          <p:nvPr>
+            <p:ph type="title"/>
+          </p:nvPr>
+        </p:nvSpPr>
+        <p:spPr/>
+        <p:txBody>
+          <a:bodyPr/>
+          <a:lstStyle/>
+          <a:p>
+            <a:r>
+              <a:rPr lang="zh-TW" altLang="en-US" dirty="0" smtClean="0"/>
+              <a:t>流程圖</a:t>
+            </a:r>
+            <a:endParaRPr lang="zh-TW" altLang="en-US" dirty="0"/>
+          </a:p>
+        </p:txBody>
+      </p:sp>
+      <p:sp>
+        <p:nvSpPr>
+          <p:cNvPr id="4" name="圓角矩形 3"/>
+          <p:cNvSpPr/>
+          <p:nvPr/>
+        </p:nvSpPr>
+        <p:spPr>
+          <a:xfrm>
+            <a:off x="2886918" y="579139"/>
+            <a:ext cx="1143000" cy="392176"/>
+          </a:xfrm>
+          <a:prstGeom prst="roundRect">
+            <a:avLst>
+              <a:gd name="adj" fmla="val 50000"/>
+            </a:avLst>
+          </a:prstGeom>
+          <a:solidFill>
+            <a:schemeClr val="bg1"/>
+          </a:solidFill>
+          <a:ln>
+            <a:solidFill>
+              <a:schemeClr val="tx1"/>
+            </a:solidFill>
+          </a:ln>
+        </p:spPr>
+        <p:style>
+          <a:lnRef idx="2">
+            <a:schemeClr val="accent1">
+              <a:shade val="50000"/>
+            </a:schemeClr>
+          </a:lnRef>
+          <a:fillRef idx="1">
+            <a:schemeClr val="accent1"/>
+          </a:fillRef>
+          <a:effectRef idx="0">
+            <a:schemeClr val="accent1"/>
+          </a:effectRef>
+          <a:fontRef idx="minor">
+            <a:schemeClr val="lt1"/>
+          </a:fontRef>
+        </p:style>
+        <p:txBody>
+          <a:bodyPr rtlCol="0" anchor="ctr"/>
+          <a:lstStyle/>
+          <a:p>
+            <a:pPr algn="ctr"/>
+            <a:r>
+              <a:rPr lang="zh-TW" altLang="en-US" dirty="0" smtClean="0">
+                <a:solidFill>
+                  <a:schemeClr val="tx1"/>
+                </a:solidFill>
+              </a:rPr>
+              <a:t>開始</a:t>
+            </a:r>
+            <a:endParaRPr lang="zh-TW" altLang="en-US" dirty="0">
+              <a:solidFill>
+                <a:schemeClr val="tx1"/>
+              </a:solidFill>
+            </a:endParaRPr>
+          </a:p>
+        </p:txBody>
+      </p:sp>
+      <p:sp>
+        <p:nvSpPr>
+          <p:cNvPr id="5" name="矩形 4"/>
+          <p:cNvSpPr/>
+          <p:nvPr/>
+        </p:nvSpPr>
+        <p:spPr>
+          <a:xfrm>
+            <a:off x="2724912" y="1214783"/>
+            <a:ext cx="1472184" cy="1025046"/>
+          </a:xfrm>
+          <a:prstGeom prst="rect">
+            <a:avLst/>
+          </a:prstGeom>
+          <a:solidFill>
+            <a:schemeClr val="bg1"/>
+          </a:solidFill>
+          <a:ln>
+            <a:solidFill>
+              <a:schemeClr val="tx1"/>
+            </a:solidFill>
+          </a:ln>
+        </p:spPr>
+        <p:style>
+          <a:lnRef idx="2">
+            <a:schemeClr val="accent1">
+              <a:shade val="50000"/>
+            </a:schemeClr>
+          </a:lnRef>
+          <a:fillRef idx="1">
+            <a:schemeClr val="accent1"/>
+          </a:fillRef>
+          <a:effectRef idx="0">
+            <a:schemeClr val="accent1"/>
+          </a:effectRef>
+          <a:fontRef idx="minor">
+            <a:schemeClr val="lt1"/>
+          </a:fontRef>
+        </p:style>
+        <p:txBody>
+          <a:bodyPr rtlCol="0" anchor="ctr"/>
+          <a:lstStyle/>
+          <a:p>
+            <a:pPr algn="ctr"/>
+            <a:r>
+              <a:rPr lang="zh-TW" altLang="en-US" dirty="0" smtClean="0">
+                <a:solidFill>
+                  <a:schemeClr val="tx1"/>
+                </a:solidFill>
+              </a:rPr>
+              <a:t>產生隨機整數</a:t>
+            </a:r>
+            <a:r>
+              <a:rPr lang="en-US" altLang="zh-TW" dirty="0" smtClean="0">
+                <a:solidFill>
+                  <a:schemeClr val="tx1"/>
+                </a:solidFill>
+              </a:rPr>
+              <a:t>bomb</a:t>
+            </a:r>
+          </a:p>
+          <a:p>
+            <a:pPr algn="ctr"/>
+            <a:r>
+              <a:rPr lang="zh-TW" altLang="en-US" dirty="0">
+                <a:solidFill>
+                  <a:schemeClr val="tx1"/>
+                </a:solidFill>
+              </a:rPr>
+              <a:t>範圍初始化</a:t>
+            </a:r>
+            <a:endParaRPr lang="zh-TW" altLang="en-US" dirty="0">
+              <a:solidFill>
+                <a:schemeClr val="tx1"/>
+              </a:solidFill>
+            </a:endParaRPr>
+          </a:p>
+        </p:txBody>
+      </p:sp>
+      <p:cxnSp>
+        <p:nvCxnSpPr>
+          <p:cNvPr id="6" name="直線單箭頭接點 5"/>
+          <p:cNvCxnSpPr>
+            <a:stCxn id="8" idx="3"/>
+            <a:endCxn id="37" idx="1"/>
+          </p:cNvCxnSpPr>
+          <p:nvPr/>
+        </p:nvCxnSpPr>
+        <p:spPr>
+          <a:xfrm>
+            <a:off x="4843734" y="4978908"/>
+            <a:ext cx="1173301" cy="0"/>
+          </a:xfrm>
+          <a:prstGeom prst="straightConnector1">
+            <a:avLst/>
+          </a:prstGeom>
+          <a:ln w="28575">
+            <a:solidFill>
+              <a:schemeClr val="tx1"/>
+            </a:solidFill>
+            <a:headEnd type="none" w="med" len="med"/>
+            <a:tailEnd type="triangle" w="med" len="med"/>
+          </a:ln>
+        </p:spPr>
+        <p:style>
+          <a:lnRef idx="1">
+            <a:schemeClr val="accent1"/>
+          </a:lnRef>
+          <a:fillRef idx="0">
+            <a:schemeClr val="accent1"/>
+          </a:fillRef>
+          <a:effectRef idx="0">
+            <a:schemeClr val="accent1"/>
+          </a:effectRef>
+          <a:fontRef idx="minor">
+            <a:schemeClr val="tx1"/>
+          </a:fontRef>
+        </p:style>
+      </p:cxnSp>
+      <p:cxnSp>
+        <p:nvCxnSpPr>
+          <p:cNvPr id="7" name="直線單箭頭接點 6"/>
+          <p:cNvCxnSpPr>
+            <a:stCxn id="4" idx="2"/>
+            <a:endCxn id="5" idx="0"/>
+          </p:cNvCxnSpPr>
+          <p:nvPr/>
+        </p:nvCxnSpPr>
+        <p:spPr>
+          <a:xfrm>
+            <a:off x="3458418" y="971315"/>
+            <a:ext cx="2586" cy="243468"/>
+          </a:xfrm>
+          <a:prstGeom prst="straightConnector1">
+            <a:avLst/>
+          </a:prstGeom>
+          <a:ln w="28575">
+            <a:solidFill>
+              <a:schemeClr val="tx1"/>
+            </a:solidFill>
+            <a:headEnd type="none" w="med" len="med"/>
+            <a:tailEnd type="triangle" w="med" len="med"/>
+          </a:ln>
+        </p:spPr>
+        <p:style>
+          <a:lnRef idx="1">
+            <a:schemeClr val="accent1"/>
+          </a:lnRef>
+          <a:fillRef idx="0">
+            <a:schemeClr val="accent1"/>
+          </a:fillRef>
+          <a:effectRef idx="0">
+            <a:schemeClr val="accent1"/>
+          </a:effectRef>
+          <a:fontRef idx="minor">
+            <a:schemeClr val="tx1"/>
+          </a:fontRef>
+        </p:style>
+      </p:cxnSp>
+      <p:sp>
+        <p:nvSpPr>
+          <p:cNvPr id="8" name="菱形 7"/>
+          <p:cNvSpPr/>
+          <p:nvPr/>
+        </p:nvSpPr>
+        <p:spPr>
+          <a:xfrm>
+            <a:off x="2073102" y="4553712"/>
+            <a:ext cx="2770632" cy="850392"/>
+          </a:xfrm>
+          <a:prstGeom prst="diamond">
+            <a:avLst/>
+          </a:prstGeom>
+          <a:solidFill>
+            <a:schemeClr val="bg1"/>
+          </a:solidFill>
+          <a:ln>
+            <a:solidFill>
+              <a:schemeClr val="tx1"/>
+            </a:solidFill>
+          </a:ln>
+        </p:spPr>
+        <p:style>
+          <a:lnRef idx="2">
+            <a:schemeClr val="accent1">
+              <a:shade val="50000"/>
+            </a:schemeClr>
+          </a:lnRef>
+          <a:fillRef idx="1">
+            <a:schemeClr val="accent1"/>
+          </a:fillRef>
+          <a:effectRef idx="0">
+            <a:schemeClr val="accent1"/>
+          </a:effectRef>
+          <a:fontRef idx="minor">
+            <a:schemeClr val="lt1"/>
+          </a:fontRef>
+        </p:style>
+        <p:txBody>
+          <a:bodyPr rtlCol="0" anchor="ctr"/>
+          <a:lstStyle/>
+          <a:p>
+            <a:pPr algn="ctr"/>
+            <a:r>
+              <a:rPr lang="en-US" altLang="zh-TW" sz="1200" dirty="0" smtClean="0">
+                <a:solidFill>
+                  <a:schemeClr val="tx1"/>
+                </a:solidFill>
+              </a:rPr>
+              <a:t>If (guess </a:t>
+            </a:r>
+            <a:r>
+              <a:rPr lang="en-US" altLang="zh-TW" sz="1200" dirty="0" smtClean="0">
+                <a:solidFill>
+                  <a:schemeClr val="tx1"/>
+                </a:solidFill>
+              </a:rPr>
+              <a:t>!= </a:t>
+            </a:r>
+            <a:r>
+              <a:rPr lang="en-US" altLang="zh-TW" sz="1200" dirty="0" smtClean="0">
+                <a:solidFill>
+                  <a:schemeClr val="tx1"/>
+                </a:solidFill>
+              </a:rPr>
+              <a:t>bomb)</a:t>
+            </a:r>
+            <a:endParaRPr lang="zh-TW" altLang="en-US" sz="1200" dirty="0">
+              <a:solidFill>
+                <a:schemeClr val="tx1"/>
+              </a:solidFill>
+            </a:endParaRPr>
+          </a:p>
+        </p:txBody>
+      </p:sp>
+      <p:sp>
+        <p:nvSpPr>
+          <p:cNvPr id="11" name="矩形 10"/>
+          <p:cNvSpPr/>
+          <p:nvPr/>
+        </p:nvSpPr>
+        <p:spPr>
+          <a:xfrm>
+            <a:off x="2822910" y="2496866"/>
+            <a:ext cx="1271016" cy="758758"/>
+          </a:xfrm>
+          <a:prstGeom prst="rect">
+            <a:avLst/>
+          </a:prstGeom>
+          <a:solidFill>
+            <a:schemeClr val="bg1"/>
+          </a:solidFill>
+          <a:ln>
+            <a:solidFill>
+              <a:schemeClr val="tx1"/>
+            </a:solidFill>
+          </a:ln>
+        </p:spPr>
+        <p:style>
+          <a:lnRef idx="2">
+            <a:schemeClr val="accent1">
+              <a:shade val="50000"/>
+            </a:schemeClr>
+          </a:lnRef>
+          <a:fillRef idx="1">
+            <a:schemeClr val="accent1"/>
+          </a:fillRef>
+          <a:effectRef idx="0">
+            <a:schemeClr val="accent1"/>
+          </a:effectRef>
+          <a:fontRef idx="minor">
+            <a:schemeClr val="lt1"/>
+          </a:fontRef>
+        </p:style>
+        <p:txBody>
+          <a:bodyPr rtlCol="0" anchor="ctr"/>
+          <a:lstStyle/>
+          <a:p>
+            <a:pPr algn="ctr"/>
+            <a:r>
+              <a:rPr lang="zh-TW" altLang="en-US" dirty="0" smtClean="0">
+                <a:solidFill>
+                  <a:schemeClr val="tx1"/>
+                </a:solidFill>
+              </a:rPr>
+              <a:t>顯示範圍等待輸入</a:t>
+            </a:r>
+            <a:endParaRPr lang="zh-TW" altLang="en-US" dirty="0">
+              <a:solidFill>
+                <a:schemeClr val="tx1"/>
+              </a:solidFill>
+            </a:endParaRPr>
+          </a:p>
+        </p:txBody>
+      </p:sp>
+      <p:sp>
+        <p:nvSpPr>
+          <p:cNvPr id="12" name="矩形 11"/>
+          <p:cNvSpPr/>
+          <p:nvPr/>
+        </p:nvSpPr>
+        <p:spPr>
+          <a:xfrm>
+            <a:off x="2724912" y="3499092"/>
+            <a:ext cx="1472184" cy="758758"/>
+          </a:xfrm>
+          <a:prstGeom prst="rect">
+            <a:avLst/>
+          </a:prstGeom>
+          <a:solidFill>
+            <a:schemeClr val="bg1"/>
+          </a:solidFill>
+          <a:ln>
+            <a:solidFill>
+              <a:schemeClr val="tx1"/>
+            </a:solidFill>
+          </a:ln>
+        </p:spPr>
+        <p:style>
+          <a:lnRef idx="2">
+            <a:schemeClr val="accent1">
+              <a:shade val="50000"/>
+            </a:schemeClr>
+          </a:lnRef>
+          <a:fillRef idx="1">
+            <a:schemeClr val="accent1"/>
+          </a:fillRef>
+          <a:effectRef idx="0">
+            <a:schemeClr val="accent1"/>
+          </a:effectRef>
+          <a:fontRef idx="minor">
+            <a:schemeClr val="lt1"/>
+          </a:fontRef>
+        </p:style>
+        <p:txBody>
+          <a:bodyPr rtlCol="0" anchor="ctr"/>
+          <a:lstStyle/>
+          <a:p>
+            <a:pPr algn="ctr"/>
+            <a:r>
+              <a:rPr lang="zh-TW" altLang="en-US" dirty="0" smtClean="0">
+                <a:solidFill>
+                  <a:schemeClr val="tx1"/>
+                </a:solidFill>
+              </a:rPr>
+              <a:t>使用者輸入數字</a:t>
+            </a:r>
+            <a:r>
+              <a:rPr lang="en-US" altLang="zh-TW" dirty="0" smtClean="0">
+                <a:solidFill>
+                  <a:schemeClr val="tx1"/>
+                </a:solidFill>
+              </a:rPr>
+              <a:t>guess</a:t>
+            </a:r>
+            <a:endParaRPr lang="zh-TW" altLang="en-US" dirty="0">
+              <a:solidFill>
+                <a:schemeClr val="tx1"/>
+              </a:solidFill>
+            </a:endParaRPr>
+          </a:p>
+        </p:txBody>
+      </p:sp>
+      <p:cxnSp>
+        <p:nvCxnSpPr>
+          <p:cNvPr id="13" name="直線單箭頭接點 12"/>
+          <p:cNvCxnSpPr>
+            <a:stCxn id="5" idx="2"/>
+            <a:endCxn id="11" idx="0"/>
+          </p:cNvCxnSpPr>
+          <p:nvPr/>
+        </p:nvCxnSpPr>
+        <p:spPr>
+          <a:xfrm flipH="1">
+            <a:off x="3458418" y="2239829"/>
+            <a:ext cx="2586" cy="257037"/>
+          </a:xfrm>
+          <a:prstGeom prst="straightConnector1">
+            <a:avLst/>
+          </a:prstGeom>
+          <a:ln w="28575">
+            <a:solidFill>
+              <a:schemeClr val="tx1"/>
+            </a:solidFill>
+            <a:headEnd type="none" w="med" len="med"/>
+            <a:tailEnd type="triangle" w="med" len="med"/>
+          </a:ln>
+        </p:spPr>
+        <p:style>
+          <a:lnRef idx="1">
+            <a:schemeClr val="accent1"/>
+          </a:lnRef>
+          <a:fillRef idx="0">
+            <a:schemeClr val="accent1"/>
+          </a:fillRef>
+          <a:effectRef idx="0">
+            <a:schemeClr val="accent1"/>
+          </a:effectRef>
+          <a:fontRef idx="minor">
+            <a:schemeClr val="tx1"/>
+          </a:fontRef>
+        </p:style>
+      </p:cxnSp>
+      <p:cxnSp>
+        <p:nvCxnSpPr>
+          <p:cNvPr id="16" name="直線單箭頭接點 15"/>
+          <p:cNvCxnSpPr>
+            <a:stCxn id="11" idx="2"/>
+            <a:endCxn id="12" idx="0"/>
+          </p:cNvCxnSpPr>
+          <p:nvPr/>
+        </p:nvCxnSpPr>
+        <p:spPr>
+          <a:xfrm>
+            <a:off x="3458418" y="3255624"/>
+            <a:ext cx="2586" cy="243468"/>
+          </a:xfrm>
+          <a:prstGeom prst="straightConnector1">
+            <a:avLst/>
+          </a:prstGeom>
+          <a:ln w="28575">
+            <a:solidFill>
+              <a:schemeClr val="tx1"/>
+            </a:solidFill>
+            <a:headEnd type="none" w="med" len="med"/>
+            <a:tailEnd type="triangle" w="med" len="med"/>
+          </a:ln>
+        </p:spPr>
+        <p:style>
+          <a:lnRef idx="1">
+            <a:schemeClr val="accent1"/>
+          </a:lnRef>
+          <a:fillRef idx="0">
+            <a:schemeClr val="accent1"/>
+          </a:fillRef>
+          <a:effectRef idx="0">
+            <a:schemeClr val="accent1"/>
+          </a:effectRef>
+          <a:fontRef idx="minor">
+            <a:schemeClr val="tx1"/>
+          </a:fontRef>
+        </p:style>
+      </p:cxnSp>
+      <p:cxnSp>
+        <p:nvCxnSpPr>
+          <p:cNvPr id="19" name="直線單箭頭接點 18"/>
+          <p:cNvCxnSpPr>
+            <a:stCxn id="12" idx="2"/>
+            <a:endCxn id="8" idx="0"/>
+          </p:cNvCxnSpPr>
+          <p:nvPr/>
+        </p:nvCxnSpPr>
+        <p:spPr>
+          <a:xfrm flipH="1">
+            <a:off x="3458418" y="4257850"/>
+            <a:ext cx="2586" cy="295862"/>
+          </a:xfrm>
+          <a:prstGeom prst="straightConnector1">
+            <a:avLst/>
+          </a:prstGeom>
+          <a:ln w="28575">
+            <a:solidFill>
+              <a:schemeClr val="tx1"/>
+            </a:solidFill>
+            <a:headEnd type="none" w="med" len="med"/>
+            <a:tailEnd type="triangle" w="med" len="med"/>
+          </a:ln>
+        </p:spPr>
+        <p:style>
+          <a:lnRef idx="1">
+            <a:schemeClr val="accent1"/>
+          </a:lnRef>
+          <a:fillRef idx="0">
+            <a:schemeClr val="accent1"/>
+          </a:fillRef>
+          <a:effectRef idx="0">
+            <a:schemeClr val="accent1"/>
+          </a:effectRef>
+          <a:fontRef idx="minor">
+            <a:schemeClr val="tx1"/>
+          </a:fontRef>
+        </p:style>
+      </p:cxnSp>
+      <p:sp>
+        <p:nvSpPr>
+          <p:cNvPr id="36" name="矩形 35"/>
+          <p:cNvSpPr/>
+          <p:nvPr/>
+        </p:nvSpPr>
+        <p:spPr>
+          <a:xfrm>
+            <a:off x="2822910" y="5699966"/>
+            <a:ext cx="1271016" cy="422438"/>
+          </a:xfrm>
+          <a:prstGeom prst="rect">
+            <a:avLst/>
+          </a:prstGeom>
+          <a:solidFill>
+            <a:schemeClr val="bg1"/>
+          </a:solidFill>
+          <a:ln>
+            <a:solidFill>
+              <a:schemeClr val="tx1"/>
+            </a:solidFill>
+          </a:ln>
+        </p:spPr>
+        <p:style>
+          <a:lnRef idx="2">
+            <a:schemeClr val="accent1">
+              <a:shade val="50000"/>
+            </a:schemeClr>
+          </a:lnRef>
+          <a:fillRef idx="1">
+            <a:schemeClr val="accent1"/>
+          </a:fillRef>
+          <a:effectRef idx="0">
+            <a:schemeClr val="accent1"/>
+          </a:effectRef>
+          <a:fontRef idx="minor">
+            <a:schemeClr val="lt1"/>
+          </a:fontRef>
+        </p:style>
+        <p:txBody>
+          <a:bodyPr rtlCol="0" anchor="ctr"/>
+          <a:lstStyle/>
+          <a:p>
+            <a:pPr algn="ctr"/>
+            <a:r>
+              <a:rPr lang="zh-TW" altLang="en-US" dirty="0" smtClean="0">
+                <a:solidFill>
+                  <a:schemeClr val="tx1"/>
+                </a:solidFill>
+              </a:rPr>
+              <a:t>顯示</a:t>
+            </a:r>
+            <a:r>
+              <a:rPr lang="zh-TW" altLang="en-US" dirty="0">
+                <a:solidFill>
+                  <a:schemeClr val="tx1"/>
+                </a:solidFill>
+              </a:rPr>
+              <a:t>猜中</a:t>
+            </a:r>
+            <a:endParaRPr lang="zh-TW" altLang="en-US" dirty="0" smtClean="0">
+              <a:solidFill>
+                <a:schemeClr val="tx1"/>
+              </a:solidFill>
+            </a:endParaRPr>
+          </a:p>
+        </p:txBody>
+      </p:sp>
+      <p:sp>
+        <p:nvSpPr>
+          <p:cNvPr id="37" name="矩形 36"/>
+          <p:cNvSpPr/>
+          <p:nvPr/>
+        </p:nvSpPr>
+        <p:spPr>
+          <a:xfrm>
+            <a:off x="6017035" y="4610133"/>
+            <a:ext cx="1409100" cy="737550"/>
+          </a:xfrm>
+          <a:prstGeom prst="rect">
+            <a:avLst/>
+          </a:prstGeom>
+          <a:solidFill>
+            <a:schemeClr val="bg1"/>
+          </a:solidFill>
+          <a:ln>
+            <a:solidFill>
+              <a:schemeClr val="tx1"/>
+            </a:solidFill>
+          </a:ln>
+        </p:spPr>
+        <p:style>
+          <a:lnRef idx="2">
+            <a:schemeClr val="accent1">
+              <a:shade val="50000"/>
+            </a:schemeClr>
+          </a:lnRef>
+          <a:fillRef idx="1">
+            <a:schemeClr val="accent1"/>
+          </a:fillRef>
+          <a:effectRef idx="0">
+            <a:schemeClr val="accent1"/>
+          </a:effectRef>
+          <a:fontRef idx="minor">
+            <a:schemeClr val="lt1"/>
+          </a:fontRef>
+        </p:style>
+        <p:txBody>
+          <a:bodyPr rtlCol="0" anchor="ctr"/>
+          <a:lstStyle/>
+          <a:p>
+            <a:pPr algn="ctr"/>
+            <a:r>
+              <a:rPr lang="zh-TW" altLang="en-US" dirty="0" smtClean="0">
+                <a:solidFill>
+                  <a:schemeClr val="tx1"/>
+                </a:solidFill>
+              </a:rPr>
+              <a:t>顯示</a:t>
+            </a:r>
+            <a:r>
+              <a:rPr lang="zh-TW" altLang="en-US" dirty="0">
+                <a:solidFill>
+                  <a:schemeClr val="tx1"/>
+                </a:solidFill>
+              </a:rPr>
+              <a:t>沒</a:t>
+            </a:r>
+            <a:r>
+              <a:rPr lang="zh-TW" altLang="en-US" dirty="0" smtClean="0">
+                <a:solidFill>
+                  <a:schemeClr val="tx1"/>
+                </a:solidFill>
+              </a:rPr>
+              <a:t>猜中</a:t>
+            </a:r>
+            <a:endParaRPr lang="en-US" altLang="zh-TW" dirty="0" smtClean="0">
+              <a:solidFill>
+                <a:schemeClr val="tx1"/>
+              </a:solidFill>
+            </a:endParaRPr>
+          </a:p>
+          <a:p>
+            <a:pPr algn="ctr"/>
+            <a:r>
+              <a:rPr lang="zh-TW" altLang="en-US" dirty="0" smtClean="0">
+                <a:solidFill>
+                  <a:schemeClr val="tx1"/>
+                </a:solidFill>
+              </a:rPr>
+              <a:t>調整範圍</a:t>
+            </a:r>
+            <a:endParaRPr lang="zh-TW" altLang="en-US" dirty="0" smtClean="0">
+              <a:solidFill>
+                <a:schemeClr val="tx1"/>
+              </a:solidFill>
+            </a:endParaRPr>
+          </a:p>
+        </p:txBody>
+      </p:sp>
+      <p:cxnSp>
+        <p:nvCxnSpPr>
+          <p:cNvPr id="44" name="直線單箭頭接點 43"/>
+          <p:cNvCxnSpPr>
+            <a:stCxn id="8" idx="2"/>
+            <a:endCxn id="36" idx="0"/>
+          </p:cNvCxnSpPr>
+          <p:nvPr/>
+        </p:nvCxnSpPr>
+        <p:spPr>
+          <a:xfrm>
+            <a:off x="3458418" y="5404104"/>
+            <a:ext cx="0" cy="295862"/>
+          </a:xfrm>
+          <a:prstGeom prst="straightConnector1">
+            <a:avLst/>
+          </a:prstGeom>
+          <a:ln w="28575">
+            <a:solidFill>
+              <a:schemeClr val="tx1"/>
+            </a:solidFill>
+            <a:headEnd type="none" w="med" len="med"/>
+            <a:tailEnd type="triangle" w="med" len="med"/>
+          </a:ln>
+        </p:spPr>
+        <p:style>
+          <a:lnRef idx="1">
+            <a:schemeClr val="accent1"/>
+          </a:lnRef>
+          <a:fillRef idx="0">
+            <a:schemeClr val="accent1"/>
+          </a:fillRef>
+          <a:effectRef idx="0">
+            <a:schemeClr val="accent1"/>
+          </a:effectRef>
+          <a:fontRef idx="minor">
+            <a:schemeClr val="tx1"/>
+          </a:fontRef>
+        </p:style>
+      </p:cxnSp>
+      <p:cxnSp>
+        <p:nvCxnSpPr>
+          <p:cNvPr id="49" name="肘形接點 48"/>
+          <p:cNvCxnSpPr>
+            <a:stCxn id="37" idx="0"/>
+            <a:endCxn id="11" idx="3"/>
+          </p:cNvCxnSpPr>
+          <p:nvPr/>
+        </p:nvCxnSpPr>
+        <p:spPr>
+          <a:xfrm rot="16200000" flipV="1">
+            <a:off x="4540812" y="2429359"/>
+            <a:ext cx="1733888" cy="2627659"/>
+          </a:xfrm>
+          <a:prstGeom prst="bentConnector2">
+            <a:avLst/>
+          </a:prstGeom>
+          <a:ln w="28575">
+            <a:solidFill>
+              <a:schemeClr val="tx1"/>
+            </a:solidFill>
+            <a:tailEnd type="triangle"/>
+          </a:ln>
+        </p:spPr>
+        <p:style>
+          <a:lnRef idx="1">
+            <a:schemeClr val="accent1"/>
+          </a:lnRef>
+          <a:fillRef idx="0">
+            <a:schemeClr val="accent1"/>
+          </a:fillRef>
+          <a:effectRef idx="0">
+            <a:schemeClr val="accent1"/>
+          </a:effectRef>
+          <a:fontRef idx="minor">
+            <a:schemeClr val="tx1"/>
+          </a:fontRef>
+        </p:style>
+      </p:cxnSp>
+      <p:cxnSp>
+        <p:nvCxnSpPr>
+          <p:cNvPr id="52" name="肘形接點 51"/>
+          <p:cNvCxnSpPr>
+            <a:stCxn id="36" idx="3"/>
+            <a:endCxn id="5" idx="3"/>
+          </p:cNvCxnSpPr>
+          <p:nvPr/>
+        </p:nvCxnSpPr>
+        <p:spPr>
+          <a:xfrm flipV="1">
+            <a:off x="4093926" y="1727306"/>
+            <a:ext cx="103170" cy="4183879"/>
+          </a:xfrm>
+          <a:prstGeom prst="bentConnector3">
+            <a:avLst>
+              <a:gd name="adj1" fmla="val 4433296"/>
+            </a:avLst>
+          </a:prstGeom>
+          <a:ln w="28575">
+            <a:solidFill>
+              <a:schemeClr val="tx1"/>
+            </a:solidFill>
+            <a:tailEnd type="triangle"/>
+          </a:ln>
+        </p:spPr>
+        <p:style>
+          <a:lnRef idx="1">
+            <a:schemeClr val="accent1"/>
+          </a:lnRef>
+          <a:fillRef idx="0">
+            <a:schemeClr val="accent1"/>
+          </a:fillRef>
+          <a:effectRef idx="0">
+            <a:schemeClr val="accent1"/>
+          </a:effectRef>
+          <a:fontRef idx="minor">
+            <a:schemeClr val="tx1"/>
+          </a:fontRef>
+        </p:style>
+      </p:cxnSp>
+      <p:sp>
+        <p:nvSpPr>
+          <p:cNvPr id="56" name="文字方塊 55"/>
+          <p:cNvSpPr txBox="1"/>
+          <p:nvPr/>
+        </p:nvSpPr>
+        <p:spPr>
+          <a:xfrm>
+            <a:off x="4819395" y="4666553"/>
+            <a:ext cx="636969" cy="369332"/>
+          </a:xfrm>
+          <a:prstGeom prst="rect">
+            <a:avLst/>
+          </a:prstGeom>
+          <a:noFill/>
+        </p:spPr>
+        <p:txBody>
+          <a:bodyPr wrap="none" rtlCol="0">
+            <a:spAutoFit/>
+          </a:bodyPr>
+          <a:lstStyle/>
+          <a:p>
+            <a:r>
+              <a:rPr lang="en-US" altLang="zh-TW" dirty="0" smtClean="0"/>
+              <a:t>True</a:t>
+            </a:r>
+            <a:endParaRPr lang="zh-TW" altLang="en-US" dirty="0"/>
+          </a:p>
+        </p:txBody>
+      </p:sp>
+      <p:sp>
+        <p:nvSpPr>
+          <p:cNvPr id="57" name="文字方塊 56"/>
+          <p:cNvSpPr txBox="1"/>
+          <p:nvPr/>
+        </p:nvSpPr>
+        <p:spPr>
+          <a:xfrm>
+            <a:off x="2641558" y="5288312"/>
+            <a:ext cx="715260" cy="369332"/>
+          </a:xfrm>
+          <a:prstGeom prst="rect">
+            <a:avLst/>
+          </a:prstGeom>
+          <a:noFill/>
+        </p:spPr>
+        <p:txBody>
+          <a:bodyPr wrap="none" rtlCol="0">
+            <a:spAutoFit/>
+          </a:bodyPr>
+          <a:lstStyle/>
+          <a:p>
+            <a:r>
+              <a:rPr lang="en-US" altLang="zh-TW" dirty="0" smtClean="0"/>
+              <a:t>False</a:t>
+            </a:r>
+            <a:endParaRPr lang="zh-TW" altLang="en-US" dirty="0"/>
+          </a:p>
+        </p:txBody>
+      </p:sp>
+    </p:spTree>
+    <p:extLst>
+      <p:ext uri="{BB962C8B-B14F-4D97-AF65-F5344CB8AC3E}">
+        <p14:creationId xmlns:p14="http://schemas.microsoft.com/office/powerpoint/2010/main" val="432170390"/>
+      </p:ext>
+    </p:extLst>
+  </p:cSld>
+  <p:clrMapOvr>
+    <a:masterClrMapping/>
+  </p:clrMapOvr>
+  <p:timing>
+    <p:tnLst>
+      <p:par>
+        <p:cTn id="1" dur="indefinite" restart="never" nodeType="tmRoot">
+          <p:childTnLst>
+            <p:seq concurrent="1" nextAc="seek">
+              <p:cTn id="2" dur="indefinite" nodeType="mainSeq">
+                <p:childTnLst>
+                  <p:par>
+                    <p:cTn id="3" fill="hold">
+                      <p:stCondLst>
+                        <p:cond delay="indefinite"/>
+                      </p:stCondLst>
+                      <p:childTnLst>
+                        <p:par>
+                          <p:cTn id="4" fill="hold">
+                            <p:stCondLst>
+                              <p:cond delay="0"/>
+                            </p:stCondLst>
+                            <p:childTnLst>
+                              <p:par>
+                                <p:cTn id="5" presetID="1" presetClass="entr" presetSubtype="0" fill="hold" grpId="0" nodeType="clickEffect">
+                                  <p:stCondLst>
+                                    <p:cond delay="0"/>
+                                  </p:stCondLst>
+                                  <p:childTnLst>
+                                    <p:set>
+                                      <p:cBhvr>
+                                        <p:cTn id="6" dur="1" fill="hold">
+                                          <p:stCondLst>
+                                            <p:cond delay="0"/>
+                                          </p:stCondLst>
+                                        </p:cTn>
+                                        <p:tgtEl>
+                                          <p:spTgt spid="4"/>
+                                        </p:tgtEl>
+                                        <p:attrNameLst>
+                                          <p:attrName>style.visibility</p:attrName>
+                                        </p:attrNameLst>
+                                      </p:cBhvr>
+                                      <p:to>
+                                        <p:strVal val="visible"/>
+                                      </p:to>
+                                    </p:set>
+                                  </p:childTnLst>
+                                </p:cTn>
+                              </p:par>
+                            </p:childTnLst>
+                          </p:cTn>
+                        </p:par>
+                      </p:childTnLst>
+                    </p:cTn>
+                  </p:par>
+                  <p:par>
+                    <p:cTn id="7" fill="hold">
+                      <p:stCondLst>
+                        <p:cond delay="indefinite"/>
+                      </p:stCondLst>
+                      <p:childTnLst>
+                        <p:par>
+                          <p:cTn id="8" fill="hold">
+                            <p:stCondLst>
+                              <p:cond delay="0"/>
+                            </p:stCondLst>
+                            <p:childTnLst>
+                              <p:par>
+                                <p:cTn id="9" presetID="1" presetClass="entr" presetSubtype="0" fill="hold" grpId="0" nodeType="clickEffect">
+                                  <p:stCondLst>
+                                    <p:cond delay="0"/>
+                                  </p:stCondLst>
+                                  <p:childTnLst>
+                                    <p:set>
+                                      <p:cBhvr>
+                                        <p:cTn id="10" dur="1" fill="hold">
+                                          <p:stCondLst>
+                                            <p:cond delay="0"/>
+                                          </p:stCondLst>
+                                        </p:cTn>
+                                        <p:tgtEl>
+                                          <p:spTgt spid="5"/>
+                                        </p:tgtEl>
+                                        <p:attrNameLst>
+                                          <p:attrName>style.visibility</p:attrName>
+                                        </p:attrNameLst>
+                                      </p:cBhvr>
+                                      <p:to>
+                                        <p:strVal val="visible"/>
+                                      </p:to>
+                                    </p:set>
+                                  </p:childTnLst>
+                                </p:cTn>
+                              </p:par>
+                              <p:par>
+                                <p:cTn id="11" presetID="1" presetClass="entr" presetSubtype="0" fill="hold" nodeType="withEffect">
+                                  <p:stCondLst>
+                                    <p:cond delay="0"/>
+                                  </p:stCondLst>
+                                  <p:childTnLst>
+                                    <p:set>
+                                      <p:cBhvr>
+                                        <p:cTn id="12" dur="1" fill="hold">
+                                          <p:stCondLst>
+                                            <p:cond delay="0"/>
+                                          </p:stCondLst>
+                                        </p:cTn>
+                                        <p:tgtEl>
+                                          <p:spTgt spid="7"/>
+                                        </p:tgtEl>
+                                        <p:attrNameLst>
+                                          <p:attrName>style.visibility</p:attrName>
+                                        </p:attrNameLst>
+                                      </p:cBhvr>
+                                      <p:to>
+                                        <p:strVal val="visible"/>
+                                      </p:to>
+                                    </p:set>
+                                  </p:childTnLst>
+                                </p:cTn>
+                              </p:par>
+                            </p:childTnLst>
+                          </p:cTn>
+                        </p:par>
+                      </p:childTnLst>
+                    </p:cTn>
+                  </p:par>
+                  <p:par>
+                    <p:cTn id="13" fill="hold">
+                      <p:stCondLst>
+                        <p:cond delay="indefinite"/>
+                      </p:stCondLst>
+                      <p:childTnLst>
+                        <p:par>
+                          <p:cTn id="14" fill="hold">
+                            <p:stCondLst>
+                              <p:cond delay="0"/>
+                            </p:stCondLst>
+                            <p:childTnLst>
+                              <p:par>
+                                <p:cTn id="15" presetID="1" presetClass="entr" presetSubtype="0" fill="hold" grpId="0" nodeType="clickEffect">
+                                  <p:stCondLst>
+                                    <p:cond delay="0"/>
+                                  </p:stCondLst>
+                                  <p:childTnLst>
+                                    <p:set>
+                                      <p:cBhvr>
+                                        <p:cTn id="16" dur="1" fill="hold">
+                                          <p:stCondLst>
+                                            <p:cond delay="0"/>
+                                          </p:stCondLst>
+                                        </p:cTn>
+                                        <p:tgtEl>
+                                          <p:spTgt spid="11"/>
+                                        </p:tgtEl>
+                                        <p:attrNameLst>
+                                          <p:attrName>style.visibility</p:attrName>
+                                        </p:attrNameLst>
+                                      </p:cBhvr>
+                                      <p:to>
+                                        <p:strVal val="visible"/>
+                                      </p:to>
+                                    </p:set>
+                                  </p:childTnLst>
+                                </p:cTn>
+                              </p:par>
+                              <p:par>
+                                <p:cTn id="17" presetID="1" presetClass="entr" presetSubtype="0" fill="hold" nodeType="withEffect">
+                                  <p:stCondLst>
+                                    <p:cond delay="0"/>
+                                  </p:stCondLst>
+                                  <p:childTnLst>
+                                    <p:set>
+                                      <p:cBhvr>
+                                        <p:cTn id="18" dur="1" fill="hold">
+                                          <p:stCondLst>
+                                            <p:cond delay="0"/>
+                                          </p:stCondLst>
+                                        </p:cTn>
+                                        <p:tgtEl>
+                                          <p:spTgt spid="13"/>
+                                        </p:tgtEl>
+                                        <p:attrNameLst>
+                                          <p:attrName>style.visibility</p:attrName>
+                                        </p:attrNameLst>
+                                      </p:cBhvr>
+                                      <p:to>
+                                        <p:strVal val="visible"/>
+                                      </p:to>
+                                    </p:set>
+                                  </p:childTnLst>
+                                </p:cTn>
+                              </p:par>
+                            </p:childTnLst>
+                          </p:cTn>
+                        </p:par>
+                      </p:childTnLst>
+                    </p:cTn>
+                  </p:par>
+                  <p:par>
+                    <p:cTn id="19" fill="hold">
+                      <p:stCondLst>
+                        <p:cond delay="indefinite"/>
+                      </p:stCondLst>
+                      <p:childTnLst>
+                        <p:par>
+                          <p:cTn id="20" fill="hold">
+                            <p:stCondLst>
+                              <p:cond delay="0"/>
+                            </p:stCondLst>
+                            <p:childTnLst>
+                              <p:par>
+                                <p:cTn id="21" presetID="1" presetClass="entr" presetSubtype="0" fill="hold" grpId="0" nodeType="clickEffect">
+                                  <p:stCondLst>
+                                    <p:cond delay="0"/>
+                                  </p:stCondLst>
+                                  <p:childTnLst>
+                                    <p:set>
+                                      <p:cBhvr>
+                                        <p:cTn id="22" dur="1" fill="hold">
+                                          <p:stCondLst>
+                                            <p:cond delay="0"/>
+                                          </p:stCondLst>
+                                        </p:cTn>
+                                        <p:tgtEl>
+                                          <p:spTgt spid="12"/>
+                                        </p:tgtEl>
+                                        <p:attrNameLst>
+                                          <p:attrName>style.visibility</p:attrName>
+                                        </p:attrNameLst>
+                                      </p:cBhvr>
+                                      <p:to>
+                                        <p:strVal val="visible"/>
+                                      </p:to>
+                                    </p:set>
+                                  </p:childTnLst>
+                                </p:cTn>
+                              </p:par>
+                              <p:par>
+                                <p:cTn id="23" presetID="1" presetClass="entr" presetSubtype="0" fill="hold" nodeType="withEffect">
+                                  <p:stCondLst>
+                                    <p:cond delay="0"/>
+                                  </p:stCondLst>
+                                  <p:childTnLst>
+                                    <p:set>
+                                      <p:cBhvr>
+                                        <p:cTn id="24" dur="1" fill="hold">
+                                          <p:stCondLst>
+                                            <p:cond delay="0"/>
+                                          </p:stCondLst>
+                                        </p:cTn>
+                                        <p:tgtEl>
+                                          <p:spTgt spid="16"/>
+                                        </p:tgtEl>
+                                        <p:attrNameLst>
+                                          <p:attrName>style.visibility</p:attrName>
+                                        </p:attrNameLst>
+                                      </p:cBhvr>
+                                      <p:to>
+                                        <p:strVal val="visible"/>
+                                      </p:to>
+                                    </p:set>
+                                  </p:childTnLst>
+                                </p:cTn>
+                              </p:par>
+                            </p:childTnLst>
+                          </p:cTn>
+                        </p:par>
+                      </p:childTnLst>
+                    </p:cTn>
+                  </p:par>
+                  <p:par>
+                    <p:cTn id="25" fill="hold">
+                      <p:stCondLst>
+                        <p:cond delay="indefinite"/>
+                      </p:stCondLst>
+                      <p:childTnLst>
+                        <p:par>
+                          <p:cTn id="26" fill="hold">
+                            <p:stCondLst>
+                              <p:cond delay="0"/>
+                            </p:stCondLst>
+                            <p:childTnLst>
+                              <p:par>
+                                <p:cTn id="27" presetID="1" presetClass="entr" presetSubtype="0" fill="hold" grpId="0" nodeType="clickEffect">
+                                  <p:stCondLst>
+                                    <p:cond delay="0"/>
+                                  </p:stCondLst>
+                                  <p:childTnLst>
+                                    <p:set>
+                                      <p:cBhvr>
+                                        <p:cTn id="28" dur="1" fill="hold">
+                                          <p:stCondLst>
+                                            <p:cond delay="0"/>
+                                          </p:stCondLst>
+                                        </p:cTn>
+                                        <p:tgtEl>
+                                          <p:spTgt spid="8"/>
+                                        </p:tgtEl>
+                                        <p:attrNameLst>
+                                          <p:attrName>style.visibility</p:attrName>
+                                        </p:attrNameLst>
+                                      </p:cBhvr>
+                                      <p:to>
+                                        <p:strVal val="visible"/>
+                                      </p:to>
+                                    </p:set>
+                                  </p:childTnLst>
+                                </p:cTn>
+                              </p:par>
+                              <p:par>
+                                <p:cTn id="29" presetID="1" presetClass="entr" presetSubtype="0" fill="hold" nodeType="withEffect">
+                                  <p:stCondLst>
+                                    <p:cond delay="0"/>
+                                  </p:stCondLst>
+                                  <p:childTnLst>
+                                    <p:set>
+                                      <p:cBhvr>
+                                        <p:cTn id="30" dur="1" fill="hold">
+                                          <p:stCondLst>
+                                            <p:cond delay="0"/>
+                                          </p:stCondLst>
+                                        </p:cTn>
+                                        <p:tgtEl>
+                                          <p:spTgt spid="19"/>
+                                        </p:tgtEl>
+                                        <p:attrNameLst>
+                                          <p:attrName>style.visibility</p:attrName>
+                                        </p:attrNameLst>
+                                      </p:cBhvr>
+                                      <p:to>
+                                        <p:strVal val="visible"/>
+                                      </p:to>
+                                    </p:set>
+                                  </p:childTnLst>
+                                </p:cTn>
+                              </p:par>
+                            </p:childTnLst>
+                          </p:cTn>
+                        </p:par>
+                      </p:childTnLst>
+                    </p:cTn>
+                  </p:par>
+                  <p:par>
+                    <p:cTn id="31" fill="hold">
+                      <p:stCondLst>
+                        <p:cond delay="indefinite"/>
+                      </p:stCondLst>
+                      <p:childTnLst>
+                        <p:par>
+                          <p:cTn id="32" fill="hold">
+                            <p:stCondLst>
+                              <p:cond delay="0"/>
+                            </p:stCondLst>
+                            <p:childTnLst>
+                              <p:par>
+                                <p:cTn id="33" presetID="1" presetClass="entr" presetSubtype="0" fill="hold" grpId="0" nodeType="clickEffect">
+                                  <p:stCondLst>
+                                    <p:cond delay="0"/>
+                                  </p:stCondLst>
+                                  <p:childTnLst>
+                                    <p:set>
+                                      <p:cBhvr>
+                                        <p:cTn id="34" dur="1" fill="hold">
+                                          <p:stCondLst>
+                                            <p:cond delay="0"/>
+                                          </p:stCondLst>
+                                        </p:cTn>
+                                        <p:tgtEl>
+                                          <p:spTgt spid="37"/>
+                                        </p:tgtEl>
+                                        <p:attrNameLst>
+                                          <p:attrName>style.visibility</p:attrName>
+                                        </p:attrNameLst>
+                                      </p:cBhvr>
+                                      <p:to>
+                                        <p:strVal val="visible"/>
+                                      </p:to>
+                                    </p:set>
+                                  </p:childTnLst>
+                                </p:cTn>
+                              </p:par>
+                              <p:par>
+                                <p:cTn id="35" presetID="1" presetClass="entr" presetSubtype="0" fill="hold" nodeType="withEffect">
+                                  <p:stCondLst>
+                                    <p:cond delay="0"/>
+                                  </p:stCondLst>
+                                  <p:childTnLst>
+                                    <p:set>
+                                      <p:cBhvr>
+                                        <p:cTn id="36" dur="1" fill="hold">
+                                          <p:stCondLst>
+                                            <p:cond delay="0"/>
+                                          </p:stCondLst>
+                                        </p:cTn>
+                                        <p:tgtEl>
+                                          <p:spTgt spid="49"/>
+                                        </p:tgtEl>
+                                        <p:attrNameLst>
+                                          <p:attrName>style.visibility</p:attrName>
+                                        </p:attrNameLst>
+                                      </p:cBhvr>
+                                      <p:to>
+                                        <p:strVal val="visible"/>
+                                      </p:to>
+                                    </p:set>
+                                  </p:childTnLst>
+                                </p:cTn>
+                              </p:par>
+                              <p:par>
+                                <p:cTn id="37" presetID="1" presetClass="entr" presetSubtype="0" fill="hold" grpId="0" nodeType="withEffect">
+                                  <p:stCondLst>
+                                    <p:cond delay="0"/>
+                                  </p:stCondLst>
+                                  <p:childTnLst>
+                                    <p:set>
+                                      <p:cBhvr>
+                                        <p:cTn id="38" dur="1" fill="hold">
+                                          <p:stCondLst>
+                                            <p:cond delay="0"/>
+                                          </p:stCondLst>
+                                        </p:cTn>
+                                        <p:tgtEl>
+                                          <p:spTgt spid="56"/>
+                                        </p:tgtEl>
+                                        <p:attrNameLst>
+                                          <p:attrName>style.visibility</p:attrName>
+                                        </p:attrNameLst>
+                                      </p:cBhvr>
+                                      <p:to>
+                                        <p:strVal val="visible"/>
+                                      </p:to>
+                                    </p:set>
+                                  </p:childTnLst>
+                                </p:cTn>
+                              </p:par>
+                              <p:par>
+                                <p:cTn id="39" presetID="1" presetClass="entr" presetSubtype="0" fill="hold" nodeType="withEffect">
+                                  <p:stCondLst>
+                                    <p:cond delay="0"/>
+                                  </p:stCondLst>
+                                  <p:childTnLst>
+                                    <p:set>
+                                      <p:cBhvr>
+                                        <p:cTn id="40" dur="1" fill="hold">
+                                          <p:stCondLst>
+                                            <p:cond delay="0"/>
+                                          </p:stCondLst>
+                                        </p:cTn>
+                                        <p:tgtEl>
+                                          <p:spTgt spid="6"/>
+                                        </p:tgtEl>
+                                        <p:attrNameLst>
+                                          <p:attrName>style.visibility</p:attrName>
+                                        </p:attrNameLst>
+                                      </p:cBhvr>
+                                      <p:to>
+                                        <p:strVal val="visible"/>
+                                      </p:to>
+                                    </p:set>
+                                  </p:childTnLst>
+                                </p:cTn>
+                              </p:par>
+                              <p:par>
+                                <p:cTn id="41" presetID="1" presetClass="entr" presetSubtype="0" fill="hold" grpId="0" nodeType="withEffect">
+                                  <p:stCondLst>
+                                    <p:cond delay="0"/>
+                                  </p:stCondLst>
+                                  <p:childTnLst>
+                                    <p:set>
+                                      <p:cBhvr>
+                                        <p:cTn id="42" dur="1" fill="hold">
+                                          <p:stCondLst>
+                                            <p:cond delay="0"/>
+                                          </p:stCondLst>
+                                        </p:cTn>
+                                        <p:tgtEl>
+                                          <p:spTgt spid="34"/>
+                                        </p:tgtEl>
+                                        <p:attrNameLst>
+                                          <p:attrName>style.visibility</p:attrName>
+                                        </p:attrNameLst>
+                                      </p:cBhvr>
+                                      <p:to>
+                                        <p:strVal val="visible"/>
+                                      </p:to>
+                                    </p:set>
+                                  </p:childTnLst>
+                                </p:cTn>
+                              </p:par>
+                            </p:childTnLst>
+                          </p:cTn>
+                        </p:par>
+                      </p:childTnLst>
+                    </p:cTn>
+                  </p:par>
+                  <p:par>
+                    <p:cTn id="43" fill="hold">
+                      <p:stCondLst>
+                        <p:cond delay="indefinite"/>
+                      </p:stCondLst>
+                      <p:childTnLst>
+                        <p:par>
+                          <p:cTn id="44" fill="hold">
+                            <p:stCondLst>
+                              <p:cond delay="0"/>
+                            </p:stCondLst>
+                            <p:childTnLst>
+                              <p:par>
+                                <p:cTn id="45" presetID="1" presetClass="entr" presetSubtype="0" fill="hold" grpId="0" nodeType="clickEffect">
+                                  <p:stCondLst>
+                                    <p:cond delay="0"/>
+                                  </p:stCondLst>
+                                  <p:childTnLst>
+                                    <p:set>
+                                      <p:cBhvr>
+                                        <p:cTn id="46" dur="1" fill="hold">
+                                          <p:stCondLst>
+                                            <p:cond delay="0"/>
+                                          </p:stCondLst>
+                                        </p:cTn>
+                                        <p:tgtEl>
+                                          <p:spTgt spid="36"/>
+                                        </p:tgtEl>
+                                        <p:attrNameLst>
+                                          <p:attrName>style.visibility</p:attrName>
+                                        </p:attrNameLst>
+                                      </p:cBhvr>
+                                      <p:to>
+                                        <p:strVal val="visible"/>
+                                      </p:to>
+                                    </p:set>
+                                  </p:childTnLst>
+                                </p:cTn>
+                              </p:par>
+                              <p:par>
+                                <p:cTn id="47" presetID="1" presetClass="entr" presetSubtype="0" fill="hold" nodeType="withEffect">
+                                  <p:stCondLst>
+                                    <p:cond delay="0"/>
+                                  </p:stCondLst>
+                                  <p:childTnLst>
+                                    <p:set>
+                                      <p:cBhvr>
+                                        <p:cTn id="48" dur="1" fill="hold">
+                                          <p:stCondLst>
+                                            <p:cond delay="0"/>
+                                          </p:stCondLst>
+                                        </p:cTn>
+                                        <p:tgtEl>
+                                          <p:spTgt spid="44"/>
+                                        </p:tgtEl>
+                                        <p:attrNameLst>
+                                          <p:attrName>style.visibility</p:attrName>
+                                        </p:attrNameLst>
+                                      </p:cBhvr>
+                                      <p:to>
+                                        <p:strVal val="visible"/>
+                                      </p:to>
+                                    </p:set>
+                                  </p:childTnLst>
+                                </p:cTn>
+                              </p:par>
+                              <p:par>
+                                <p:cTn id="49" presetID="1" presetClass="entr" presetSubtype="0" fill="hold" nodeType="withEffect">
+                                  <p:stCondLst>
+                                    <p:cond delay="0"/>
+                                  </p:stCondLst>
+                                  <p:childTnLst>
+                                    <p:set>
+                                      <p:cBhvr>
+                                        <p:cTn id="50" dur="1" fill="hold">
+                                          <p:stCondLst>
+                                            <p:cond delay="0"/>
+                                          </p:stCondLst>
+                                        </p:cTn>
+                                        <p:tgtEl>
+                                          <p:spTgt spid="52"/>
+                                        </p:tgtEl>
+                                        <p:attrNameLst>
+                                          <p:attrName>style.visibility</p:attrName>
+                                        </p:attrNameLst>
+                                      </p:cBhvr>
+                                      <p:to>
+                                        <p:strVal val="visible"/>
+                                      </p:to>
+                                    </p:set>
+                                  </p:childTnLst>
+                                </p:cTn>
+                              </p:par>
+                              <p:par>
+                                <p:cTn id="51" presetID="1" presetClass="entr" presetSubtype="0" fill="hold" grpId="0" nodeType="withEffect">
+                                  <p:stCondLst>
+                                    <p:cond delay="0"/>
+                                  </p:stCondLst>
+                                  <p:childTnLst>
+                                    <p:set>
+                                      <p:cBhvr>
+                                        <p:cTn id="52" dur="1" fill="hold">
+                                          <p:stCondLst>
+                                            <p:cond delay="0"/>
+                                          </p:stCondLst>
+                                        </p:cTn>
+                                        <p:tgtEl>
+                                          <p:spTgt spid="57"/>
+                                        </p:tgtEl>
+                                        <p:attrNameLst>
+                                          <p:attrName>style.visibility</p:attrName>
+                                        </p:attrNameLst>
+                                      </p:cBhvr>
+                                      <p:to>
+                                        <p:strVal val="visible"/>
+                                      </p:to>
+                                    </p:set>
+                                  </p:childTnLst>
+                                </p:cTn>
+                              </p:par>
+                              <p:par>
+                                <p:cTn id="53" presetID="1" presetClass="entr" presetSubtype="0" fill="hold" grpId="0" nodeType="withEffect">
+                                  <p:stCondLst>
+                                    <p:cond delay="0"/>
+                                  </p:stCondLst>
+                                  <p:childTnLst>
+                                    <p:set>
+                                      <p:cBhvr>
+                                        <p:cTn id="54" dur="1" fill="hold">
+                                          <p:stCondLst>
+                                            <p:cond delay="0"/>
+                                          </p:stCondLst>
+                                        </p:cTn>
+                                        <p:tgtEl>
+                                          <p:spTgt spid="35"/>
+                                        </p:tgtEl>
+                                        <p:attrNameLst>
+                                          <p:attrName>style.visibility</p:attrName>
+                                        </p:attrNameLst>
+                                      </p:cBhvr>
+                                      <p:to>
+                                        <p:strVal val="visible"/>
+                                      </p:to>
+                                    </p:set>
+                                  </p:childTnLst>
+                                </p:cTn>
+                              </p:par>
+                            </p:childTnLst>
+                          </p:cTn>
+                        </p:par>
+                      </p:childTnLst>
+                    </p:cTn>
+                  </p:par>
+                </p:childTnLst>
+              </p:cTn>
+              <p:prevCondLst>
+                <p:cond evt="onPrev" delay="0">
+                  <p:tgtEl>
+                    <p:sldTgt/>
+                  </p:tgtEl>
+                </p:cond>
+              </p:prevCondLst>
+              <p:nextCondLst>
+                <p:cond evt="onNext" delay="0">
+                  <p:tgtEl>
+                    <p:sldTgt/>
+                  </p:tgtEl>
+                </p:cond>
+              </p:nextCondLst>
+            </p:seq>
+          </p:childTnLst>
+        </p:cTn>
+      </p:par>
+    </p:tnLst>
+    <p:bldLst>
+      <p:bldP spid="35" grpId="0" animBg="1"/>
+      <p:bldP spid="34" grpId="0" animBg="1"/>
+      <p:bldP spid="4" grpId="0" animBg="1"/>
+      <p:bldP spid="5" grpId="0" animBg="1"/>
+      <p:bldP spid="8" grpId="0" animBg="1"/>
+      <p:bldP spid="11" grpId="0" animBg="1"/>
+      <p:bldP spid="12" grpId="0" animBg="1"/>
+      <p:bldP spid="36" grpId="0" animBg="1"/>
+      <p:bldP spid="37" grpId="0" animBg="1"/>
+      <p:bldP spid="56" grpId="0"/>
+      <p:bldP spid="57" grpId="0"/>
+    </p:bldLst>
+  </p:timing>
+</p:sld>
+</file>
+
+<file path=ppt/slides/slide38.xml><?xml version="1.0" encoding="utf-8"?>
+<p:sld xmlns:a="http://schemas.openxmlformats.org/drawingml/2006/main" xmlns:r="http://schemas.openxmlformats.org/officeDocument/2006/relationships" xmlns:p="http://schemas.openxmlformats.org/presentationml/2006/main">
+  <p:cSld>
+    <p:spTree>
+      <p:nvGrpSpPr>
+        <p:cNvPr id="1" name=""/>
+        <p:cNvGrpSpPr/>
+        <p:nvPr/>
+      </p:nvGrpSpPr>
+      <p:grpSpPr>
+        <a:xfrm>
+          <a:off x="0" y="0"/>
+          <a:ext cx="0" cy="0"/>
+          <a:chOff x="0" y="0"/>
+          <a:chExt cx="0" cy="0"/>
+        </a:xfrm>
+      </p:grpSpPr>
+      <p:sp>
+        <p:nvSpPr>
+          <p:cNvPr id="3" name="內容版面配置區 2"/>
+          <p:cNvSpPr>
+            <a:spLocks noGrp="1"/>
+          </p:cNvSpPr>
+          <p:nvPr>
+            <p:ph idx="1"/>
+          </p:nvPr>
+        </p:nvSpPr>
+        <p:spPr/>
+        <p:txBody>
+          <a:bodyPr/>
+          <a:lstStyle/>
+          <a:p>
+            <a:r>
+              <a:rPr lang="en-US" altLang="zh-TW" dirty="0" smtClean="0"/>
+              <a:t>Bomb: </a:t>
+            </a:r>
+            <a:r>
+              <a:rPr lang="zh-TW" altLang="en-US" dirty="0" smtClean="0"/>
+              <a:t>存放炸彈</a:t>
+            </a:r>
+            <a:r>
+              <a:rPr lang="en-US" altLang="zh-TW" dirty="0" smtClean="0"/>
+              <a:t>(</a:t>
+            </a:r>
+            <a:r>
+              <a:rPr lang="zh-TW" altLang="en-US" dirty="0" smtClean="0"/>
+              <a:t>密碼</a:t>
+            </a:r>
+            <a:r>
+              <a:rPr lang="en-US" altLang="zh-TW" dirty="0" smtClean="0"/>
+              <a:t>)</a:t>
+            </a:r>
+            <a:r>
+              <a:rPr lang="zh-TW" altLang="en-US" dirty="0" smtClean="0"/>
+              <a:t>數字，由</a:t>
+            </a:r>
+            <a:r>
+              <a:rPr lang="en-US" altLang="zh-TW" dirty="0" err="1" smtClean="0"/>
+              <a:t>random.randint</a:t>
+            </a:r>
+            <a:r>
+              <a:rPr lang="en-US" altLang="zh-TW" dirty="0" smtClean="0"/>
+              <a:t>(1,100)</a:t>
+            </a:r>
+            <a:r>
+              <a:rPr lang="zh-TW" altLang="en-US" dirty="0" smtClean="0"/>
+              <a:t>產生</a:t>
+            </a:r>
+            <a:endParaRPr lang="en-US" altLang="zh-TW" dirty="0" smtClean="0"/>
+          </a:p>
+          <a:p>
+            <a:r>
+              <a:rPr lang="en-US" altLang="zh-TW" dirty="0" smtClean="0"/>
+              <a:t>Guess:</a:t>
+            </a:r>
+            <a:r>
+              <a:rPr lang="zh-TW" altLang="en-US" dirty="0" smtClean="0"/>
+              <a:t>使用者猜測的數字，由使用者輸入。</a:t>
+            </a:r>
+            <a:endParaRPr lang="en-US" altLang="zh-TW" dirty="0" smtClean="0"/>
+          </a:p>
+          <a:p>
+            <a:r>
+              <a:rPr lang="en-US" altLang="zh-TW" dirty="0" smtClean="0"/>
+              <a:t>Max:</a:t>
+            </a:r>
+            <a:r>
+              <a:rPr lang="zh-TW" altLang="en-US" dirty="0" smtClean="0"/>
+              <a:t>上限數字，一開始是</a:t>
+            </a:r>
+            <a:r>
+              <a:rPr lang="en-US" altLang="zh-TW" dirty="0" smtClean="0"/>
+              <a:t>100</a:t>
+            </a:r>
+            <a:r>
+              <a:rPr lang="zh-TW" altLang="en-US" dirty="0" smtClean="0"/>
+              <a:t>。每次猜完會重新評估。</a:t>
+            </a:r>
+            <a:endParaRPr lang="en-US" altLang="zh-TW" dirty="0" smtClean="0"/>
+          </a:p>
+          <a:p>
+            <a:r>
+              <a:rPr lang="en-US" altLang="zh-TW" dirty="0" smtClean="0"/>
+              <a:t>Min:</a:t>
+            </a:r>
+            <a:r>
+              <a:rPr lang="zh-TW" altLang="en-US" dirty="0" smtClean="0"/>
+              <a:t>下陷數字，一開始是</a:t>
+            </a:r>
+            <a:r>
+              <a:rPr lang="en-US" altLang="zh-TW" dirty="0" smtClean="0"/>
+              <a:t>1</a:t>
+            </a:r>
+            <a:r>
+              <a:rPr lang="zh-TW" altLang="en-US" dirty="0"/>
+              <a:t> 。每次猜完會重新評估</a:t>
+            </a:r>
+            <a:r>
+              <a:rPr lang="zh-TW" altLang="en-US" dirty="0" smtClean="0"/>
+              <a:t>。</a:t>
+            </a:r>
+            <a:endParaRPr lang="en-US" altLang="zh-TW" dirty="0" smtClean="0"/>
+          </a:p>
+          <a:p>
+            <a:r>
+              <a:rPr lang="en-US" altLang="zh-TW" dirty="0" err="1" smtClean="0"/>
+              <a:t>Min,max</a:t>
+            </a:r>
+            <a:r>
+              <a:rPr lang="zh-TW" altLang="en-US" dirty="0" smtClean="0"/>
+              <a:t>評估</a:t>
+            </a:r>
+            <a:r>
+              <a:rPr lang="en-US" altLang="zh-TW" dirty="0" smtClean="0"/>
+              <a:t>(</a:t>
+            </a:r>
+            <a:r>
+              <a:rPr lang="zh-TW" altLang="en-US" dirty="0" smtClean="0"/>
+              <a:t>調整</a:t>
+            </a:r>
+            <a:r>
+              <a:rPr lang="en-US" altLang="zh-TW" dirty="0" smtClean="0"/>
+              <a:t>)</a:t>
+            </a:r>
+            <a:r>
+              <a:rPr lang="zh-TW" altLang="en-US" dirty="0" smtClean="0"/>
+              <a:t>法</a:t>
+            </a:r>
+            <a:r>
+              <a:rPr lang="zh-TW" altLang="en-US" dirty="0" smtClean="0"/>
+              <a:t>：</a:t>
+            </a:r>
+            <a:endParaRPr lang="en-US" altLang="zh-TW" dirty="0" smtClean="0"/>
+          </a:p>
+          <a:p>
+            <a:pPr lvl="1"/>
+            <a:r>
+              <a:rPr lang="en-US" altLang="zh-TW" dirty="0" smtClean="0"/>
+              <a:t>Guess &gt; bomb</a:t>
+            </a:r>
+            <a:r>
+              <a:rPr lang="zh-TW" altLang="en-US" dirty="0" smtClean="0"/>
+              <a:t>：改上限為</a:t>
+            </a:r>
+            <a:r>
+              <a:rPr lang="en-US" altLang="zh-TW" dirty="0" smtClean="0"/>
+              <a:t>Guess-1</a:t>
+            </a:r>
+          </a:p>
+          <a:p>
+            <a:pPr lvl="1"/>
+            <a:r>
+              <a:rPr lang="en-US" altLang="zh-TW" dirty="0" smtClean="0"/>
+              <a:t>Guess &lt;bomb</a:t>
+            </a:r>
+            <a:r>
+              <a:rPr lang="zh-TW" altLang="en-US" dirty="0" smtClean="0"/>
+              <a:t>：改下限為</a:t>
+            </a:r>
+            <a:r>
+              <a:rPr lang="en-US" altLang="zh-TW" dirty="0" smtClean="0"/>
+              <a:t>Guess+1</a:t>
+            </a:r>
+          </a:p>
+          <a:p>
+            <a:endParaRPr lang="en-US" altLang="zh-TW" dirty="0"/>
+          </a:p>
+          <a:p>
+            <a:endParaRPr lang="en-US" altLang="zh-TW" dirty="0"/>
+          </a:p>
+        </p:txBody>
+      </p:sp>
+      <p:grpSp>
+        <p:nvGrpSpPr>
+          <p:cNvPr id="25" name="群組 24"/>
+          <p:cNvGrpSpPr/>
+          <p:nvPr/>
+        </p:nvGrpSpPr>
+        <p:grpSpPr>
+          <a:xfrm>
+            <a:off x="5878035" y="4965233"/>
+            <a:ext cx="1104790" cy="885110"/>
+            <a:chOff x="4447984" y="4939022"/>
+            <a:chExt cx="1104790" cy="885110"/>
+          </a:xfrm>
+        </p:grpSpPr>
+        <p:cxnSp>
+          <p:nvCxnSpPr>
+            <p:cNvPr id="26" name="直線接點 25"/>
+            <p:cNvCxnSpPr/>
+            <p:nvPr/>
+          </p:nvCxnSpPr>
+          <p:spPr>
+            <a:xfrm flipH="1" flipV="1">
+              <a:off x="4967333" y="5360836"/>
+              <a:ext cx="6096" cy="463296"/>
+            </a:xfrm>
+            <a:prstGeom prst="line">
+              <a:avLst/>
+            </a:prstGeom>
+            <a:ln w="57150">
+              <a:solidFill>
+                <a:srgbClr val="7030A0"/>
+              </a:solidFill>
+            </a:ln>
+          </p:spPr>
+          <p:style>
+            <a:lnRef idx="1">
+              <a:schemeClr val="accent1"/>
+            </a:lnRef>
+            <a:fillRef idx="0">
+              <a:schemeClr val="accent1"/>
+            </a:fillRef>
+            <a:effectRef idx="0">
+              <a:schemeClr val="accent1"/>
+            </a:effectRef>
+            <a:fontRef idx="minor">
+              <a:schemeClr val="tx1"/>
+            </a:fontRef>
+          </p:style>
+        </p:cxnSp>
+        <p:sp>
+          <p:nvSpPr>
+            <p:cNvPr id="27" name="文字方塊 26"/>
+            <p:cNvSpPr txBox="1"/>
+            <p:nvPr/>
+          </p:nvSpPr>
+          <p:spPr>
+            <a:xfrm>
+              <a:off x="4447984" y="4939022"/>
+              <a:ext cx="1104790" cy="369332"/>
+            </a:xfrm>
+            <a:prstGeom prst="rect">
+              <a:avLst/>
+            </a:prstGeom>
+            <a:noFill/>
+          </p:spPr>
+          <p:txBody>
+            <a:bodyPr wrap="none" rtlCol="0">
+              <a:spAutoFit/>
+            </a:bodyPr>
+            <a:lstStyle/>
+            <a:p>
+              <a:r>
+                <a:rPr lang="en-US" altLang="zh-TW" dirty="0" smtClean="0">
+                  <a:solidFill>
+                    <a:srgbClr val="7030A0"/>
+                  </a:solidFill>
+                </a:rPr>
+                <a:t>guess=77</a:t>
+              </a:r>
+              <a:endParaRPr lang="zh-TW" altLang="en-US" dirty="0">
+                <a:solidFill>
+                  <a:srgbClr val="7030A0"/>
+                </a:solidFill>
+              </a:endParaRPr>
+            </a:p>
+          </p:txBody>
+        </p:sp>
+      </p:grpSp>
+      <p:sp>
+        <p:nvSpPr>
+          <p:cNvPr id="32" name="矩形 31"/>
+          <p:cNvSpPr/>
+          <p:nvPr/>
+        </p:nvSpPr>
+        <p:spPr>
+          <a:xfrm>
+            <a:off x="5962575" y="4965233"/>
+            <a:ext cx="1092221" cy="926633"/>
+          </a:xfrm>
+          <a:prstGeom prst="rect">
+            <a:avLst/>
+          </a:prstGeom>
+          <a:solidFill>
+            <a:schemeClr val="bg1"/>
+          </a:solidFill>
+          <a:ln>
+            <a:solidFill>
+              <a:schemeClr val="bg1"/>
+            </a:solidFill>
+          </a:ln>
+        </p:spPr>
+        <p:style>
+          <a:lnRef idx="2">
+            <a:schemeClr val="accent1">
+              <a:shade val="50000"/>
+            </a:schemeClr>
+          </a:lnRef>
+          <a:fillRef idx="1">
+            <a:schemeClr val="accent1"/>
+          </a:fillRef>
+          <a:effectRef idx="0">
+            <a:schemeClr val="accent1"/>
+          </a:effectRef>
+          <a:fontRef idx="minor">
+            <a:schemeClr val="lt1"/>
+          </a:fontRef>
+        </p:style>
+        <p:txBody>
+          <a:bodyPr rtlCol="0" anchor="ctr"/>
+          <a:lstStyle/>
+          <a:p>
+            <a:pPr algn="ctr"/>
+            <a:endParaRPr lang="zh-TW" altLang="en-US"/>
+          </a:p>
+        </p:txBody>
+      </p:sp>
+      <p:grpSp>
+        <p:nvGrpSpPr>
+          <p:cNvPr id="19" name="群組 18"/>
+          <p:cNvGrpSpPr/>
+          <p:nvPr/>
+        </p:nvGrpSpPr>
+        <p:grpSpPr>
+          <a:xfrm>
+            <a:off x="4447984" y="4939022"/>
+            <a:ext cx="1104790" cy="885110"/>
+            <a:chOff x="4447984" y="4939022"/>
+            <a:chExt cx="1104790" cy="885110"/>
+          </a:xfrm>
+        </p:grpSpPr>
+        <p:cxnSp>
+          <p:nvCxnSpPr>
+            <p:cNvPr id="17" name="直線接點 16"/>
+            <p:cNvCxnSpPr/>
+            <p:nvPr/>
+          </p:nvCxnSpPr>
+          <p:spPr>
+            <a:xfrm flipH="1" flipV="1">
+              <a:off x="4967333" y="5360836"/>
+              <a:ext cx="6096" cy="463296"/>
+            </a:xfrm>
+            <a:prstGeom prst="line">
+              <a:avLst/>
+            </a:prstGeom>
+            <a:ln w="57150">
+              <a:solidFill>
+                <a:srgbClr val="7030A0"/>
+              </a:solidFill>
+            </a:ln>
+          </p:spPr>
+          <p:style>
+            <a:lnRef idx="1">
+              <a:schemeClr val="accent1"/>
+            </a:lnRef>
+            <a:fillRef idx="0">
+              <a:schemeClr val="accent1"/>
+            </a:fillRef>
+            <a:effectRef idx="0">
+              <a:schemeClr val="accent1"/>
+            </a:effectRef>
+            <a:fontRef idx="minor">
+              <a:schemeClr val="tx1"/>
+            </a:fontRef>
+          </p:style>
+        </p:cxnSp>
+        <p:sp>
+          <p:nvSpPr>
+            <p:cNvPr id="18" name="文字方塊 17"/>
+            <p:cNvSpPr txBox="1"/>
+            <p:nvPr/>
+          </p:nvSpPr>
+          <p:spPr>
+            <a:xfrm>
+              <a:off x="4447984" y="4939022"/>
+              <a:ext cx="1104790" cy="369332"/>
+            </a:xfrm>
+            <a:prstGeom prst="rect">
+              <a:avLst/>
+            </a:prstGeom>
+            <a:noFill/>
+          </p:spPr>
+          <p:txBody>
+            <a:bodyPr wrap="none" rtlCol="0">
+              <a:spAutoFit/>
+            </a:bodyPr>
+            <a:lstStyle/>
+            <a:p>
+              <a:r>
+                <a:rPr lang="en-US" altLang="zh-TW" dirty="0" smtClean="0">
+                  <a:solidFill>
+                    <a:srgbClr val="7030A0"/>
+                  </a:solidFill>
+                </a:rPr>
+                <a:t>guess=50</a:t>
+              </a:r>
+              <a:endParaRPr lang="zh-TW" altLang="en-US" dirty="0">
+                <a:solidFill>
+                  <a:srgbClr val="7030A0"/>
+                </a:solidFill>
+              </a:endParaRPr>
+            </a:p>
+          </p:txBody>
+        </p:sp>
+      </p:grpSp>
+      <p:sp>
+        <p:nvSpPr>
+          <p:cNvPr id="28" name="矩形 27"/>
+          <p:cNvSpPr/>
+          <p:nvPr/>
+        </p:nvSpPr>
+        <p:spPr>
+          <a:xfrm>
+            <a:off x="4447984" y="4939022"/>
+            <a:ext cx="1092221" cy="926633"/>
+          </a:xfrm>
+          <a:prstGeom prst="rect">
+            <a:avLst/>
+          </a:prstGeom>
+          <a:solidFill>
+            <a:schemeClr val="bg1"/>
+          </a:solidFill>
+          <a:ln>
+            <a:solidFill>
+              <a:schemeClr val="bg1"/>
+            </a:solidFill>
+          </a:ln>
+        </p:spPr>
+        <p:style>
+          <a:lnRef idx="2">
+            <a:schemeClr val="accent1">
+              <a:shade val="50000"/>
+            </a:schemeClr>
+          </a:lnRef>
+          <a:fillRef idx="1">
+            <a:schemeClr val="accent1"/>
+          </a:fillRef>
+          <a:effectRef idx="0">
+            <a:schemeClr val="accent1"/>
+          </a:effectRef>
+          <a:fontRef idx="minor">
+            <a:schemeClr val="lt1"/>
+          </a:fontRef>
+        </p:style>
+        <p:txBody>
+          <a:bodyPr rtlCol="0" anchor="ctr"/>
+          <a:lstStyle/>
+          <a:p>
+            <a:pPr algn="ctr"/>
+            <a:endParaRPr lang="zh-TW" altLang="en-US"/>
+          </a:p>
+        </p:txBody>
+      </p:sp>
+      <p:sp>
+        <p:nvSpPr>
+          <p:cNvPr id="2" name="標題 1"/>
+          <p:cNvSpPr>
+            <a:spLocks noGrp="1"/>
+          </p:cNvSpPr>
+          <p:nvPr>
+            <p:ph type="title"/>
+          </p:nvPr>
+        </p:nvSpPr>
+        <p:spPr/>
+        <p:txBody>
+          <a:bodyPr/>
+          <a:lstStyle/>
+          <a:p>
+            <a:r>
+              <a:rPr lang="zh-TW" altLang="en-US" dirty="0" smtClean="0"/>
+              <a:t>關於變數們</a:t>
+            </a:r>
+            <a:r>
+              <a:rPr lang="en-US" altLang="zh-TW" dirty="0" smtClean="0"/>
+              <a:t>…</a:t>
+            </a:r>
+            <a:br>
+              <a:rPr lang="en-US" altLang="zh-TW" dirty="0" smtClean="0"/>
+            </a:br>
+            <a:endParaRPr lang="zh-TW" altLang="en-US" dirty="0"/>
+          </a:p>
+        </p:txBody>
+      </p:sp>
+      <p:cxnSp>
+        <p:nvCxnSpPr>
+          <p:cNvPr id="5" name="直線接點 4"/>
+          <p:cNvCxnSpPr/>
+          <p:nvPr/>
+        </p:nvCxnSpPr>
+        <p:spPr>
+          <a:xfrm flipV="1">
+            <a:off x="2063112" y="5568696"/>
+            <a:ext cx="5892168" cy="9144"/>
+          </a:xfrm>
+          <a:prstGeom prst="line">
+            <a:avLst/>
+          </a:prstGeom>
+          <a:ln w="57150">
+            <a:solidFill>
+              <a:schemeClr val="accent1">
+                <a:lumMod val="50000"/>
+              </a:schemeClr>
+            </a:solidFill>
+          </a:ln>
+        </p:spPr>
+        <p:style>
+          <a:lnRef idx="1">
+            <a:schemeClr val="accent1"/>
+          </a:lnRef>
+          <a:fillRef idx="0">
+            <a:schemeClr val="accent1"/>
+          </a:fillRef>
+          <a:effectRef idx="0">
+            <a:schemeClr val="accent1"/>
+          </a:effectRef>
+          <a:fontRef idx="minor">
+            <a:schemeClr val="tx1"/>
+          </a:fontRef>
+        </p:style>
+      </p:cxnSp>
+      <p:cxnSp>
+        <p:nvCxnSpPr>
+          <p:cNvPr id="11" name="直線接點 10"/>
+          <p:cNvCxnSpPr/>
+          <p:nvPr/>
+        </p:nvCxnSpPr>
+        <p:spPr>
+          <a:xfrm flipH="1" flipV="1">
+            <a:off x="5328705" y="5346192"/>
+            <a:ext cx="6096" cy="463296"/>
+          </a:xfrm>
+          <a:prstGeom prst="line">
+            <a:avLst/>
+          </a:prstGeom>
+          <a:ln w="57150">
+            <a:solidFill>
+              <a:srgbClr val="FF0000"/>
+            </a:solidFill>
+          </a:ln>
+        </p:spPr>
+        <p:style>
+          <a:lnRef idx="1">
+            <a:schemeClr val="accent1"/>
+          </a:lnRef>
+          <a:fillRef idx="0">
+            <a:schemeClr val="accent1"/>
+          </a:fillRef>
+          <a:effectRef idx="0">
+            <a:schemeClr val="accent1"/>
+          </a:effectRef>
+          <a:fontRef idx="minor">
+            <a:schemeClr val="tx1"/>
+          </a:fontRef>
+        </p:style>
+      </p:cxnSp>
+      <p:grpSp>
+        <p:nvGrpSpPr>
+          <p:cNvPr id="21" name="群組 20"/>
+          <p:cNvGrpSpPr/>
+          <p:nvPr/>
+        </p:nvGrpSpPr>
+        <p:grpSpPr>
+          <a:xfrm>
+            <a:off x="1778418" y="5346192"/>
+            <a:ext cx="784189" cy="888795"/>
+            <a:chOff x="1778418" y="5346192"/>
+            <a:chExt cx="784189" cy="888795"/>
+          </a:xfrm>
+        </p:grpSpPr>
+        <p:cxnSp>
+          <p:nvCxnSpPr>
+            <p:cNvPr id="8" name="直線接點 7"/>
+            <p:cNvCxnSpPr/>
+            <p:nvPr/>
+          </p:nvCxnSpPr>
+          <p:spPr>
+            <a:xfrm flipH="1" flipV="1">
+              <a:off x="2063112" y="5346192"/>
+              <a:ext cx="6096" cy="463296"/>
+            </a:xfrm>
+            <a:prstGeom prst="line">
+              <a:avLst/>
+            </a:prstGeom>
+            <a:ln w="57150">
+              <a:solidFill>
+                <a:schemeClr val="accent1">
+                  <a:lumMod val="50000"/>
+                </a:schemeClr>
+              </a:solidFill>
+            </a:ln>
+          </p:spPr>
+          <p:style>
+            <a:lnRef idx="1">
+              <a:schemeClr val="accent1"/>
+            </a:lnRef>
+            <a:fillRef idx="0">
+              <a:schemeClr val="accent1"/>
+            </a:fillRef>
+            <a:effectRef idx="0">
+              <a:schemeClr val="accent1"/>
+            </a:effectRef>
+            <a:fontRef idx="minor">
+              <a:schemeClr val="tx1"/>
+            </a:fontRef>
+          </p:style>
+        </p:cxnSp>
+        <p:sp>
+          <p:nvSpPr>
+            <p:cNvPr id="14" name="文字方塊 13"/>
+            <p:cNvSpPr txBox="1"/>
+            <p:nvPr/>
+          </p:nvSpPr>
+          <p:spPr>
+            <a:xfrm>
+              <a:off x="1778418" y="5865655"/>
+              <a:ext cx="784189" cy="369332"/>
+            </a:xfrm>
+            <a:prstGeom prst="rect">
+              <a:avLst/>
+            </a:prstGeom>
+            <a:noFill/>
+          </p:spPr>
+          <p:txBody>
+            <a:bodyPr wrap="none" rtlCol="0">
+              <a:spAutoFit/>
+            </a:bodyPr>
+            <a:lstStyle/>
+            <a:p>
+              <a:r>
+                <a:rPr lang="en-US" altLang="zh-TW" dirty="0" smtClean="0"/>
+                <a:t>Min=1</a:t>
+              </a:r>
+              <a:endParaRPr lang="zh-TW" altLang="en-US" dirty="0"/>
+            </a:p>
+          </p:txBody>
+        </p:sp>
+      </p:grpSp>
+      <p:grpSp>
+        <p:nvGrpSpPr>
+          <p:cNvPr id="20" name="群組 19"/>
+          <p:cNvGrpSpPr/>
+          <p:nvPr/>
+        </p:nvGrpSpPr>
+        <p:grpSpPr>
+          <a:xfrm>
+            <a:off x="7636674" y="5337048"/>
+            <a:ext cx="1072730" cy="882627"/>
+            <a:chOff x="7636674" y="5337048"/>
+            <a:chExt cx="1072730" cy="882627"/>
+          </a:xfrm>
+        </p:grpSpPr>
+        <p:cxnSp>
+          <p:nvCxnSpPr>
+            <p:cNvPr id="10" name="直線接點 9"/>
+            <p:cNvCxnSpPr/>
+            <p:nvPr/>
+          </p:nvCxnSpPr>
+          <p:spPr>
+            <a:xfrm flipH="1" flipV="1">
+              <a:off x="7960314" y="5337048"/>
+              <a:ext cx="6096" cy="463296"/>
+            </a:xfrm>
+            <a:prstGeom prst="line">
+              <a:avLst/>
+            </a:prstGeom>
+            <a:ln w="57150">
+              <a:solidFill>
+                <a:schemeClr val="accent1">
+                  <a:lumMod val="50000"/>
+                </a:schemeClr>
+              </a:solidFill>
+            </a:ln>
+          </p:spPr>
+          <p:style>
+            <a:lnRef idx="1">
+              <a:schemeClr val="accent1"/>
+            </a:lnRef>
+            <a:fillRef idx="0">
+              <a:schemeClr val="accent1"/>
+            </a:fillRef>
+            <a:effectRef idx="0">
+              <a:schemeClr val="accent1"/>
+            </a:effectRef>
+            <a:fontRef idx="minor">
+              <a:schemeClr val="tx1"/>
+            </a:fontRef>
+          </p:style>
+        </p:cxnSp>
+        <p:sp>
+          <p:nvSpPr>
+            <p:cNvPr id="15" name="文字方塊 14"/>
+            <p:cNvSpPr txBox="1"/>
+            <p:nvPr/>
+          </p:nvSpPr>
+          <p:spPr>
+            <a:xfrm>
+              <a:off x="7636674" y="5850343"/>
+              <a:ext cx="1072730" cy="369332"/>
+            </a:xfrm>
+            <a:prstGeom prst="rect">
+              <a:avLst/>
+            </a:prstGeom>
+            <a:noFill/>
+          </p:spPr>
+          <p:txBody>
+            <a:bodyPr wrap="none" rtlCol="0">
+              <a:spAutoFit/>
+            </a:bodyPr>
+            <a:lstStyle/>
+            <a:p>
+              <a:r>
+                <a:rPr lang="en-US" altLang="zh-TW" dirty="0" smtClean="0"/>
+                <a:t>Max=100</a:t>
+              </a:r>
+              <a:endParaRPr lang="zh-TW" altLang="en-US" dirty="0"/>
+            </a:p>
+          </p:txBody>
+        </p:sp>
+      </p:grpSp>
+      <p:sp>
+        <p:nvSpPr>
+          <p:cNvPr id="16" name="文字方塊 15"/>
+          <p:cNvSpPr txBox="1"/>
+          <p:nvPr/>
+        </p:nvSpPr>
+        <p:spPr>
+          <a:xfrm>
+            <a:off x="4978994" y="5783282"/>
+            <a:ext cx="1122423" cy="369332"/>
+          </a:xfrm>
+          <a:prstGeom prst="rect">
+            <a:avLst/>
+          </a:prstGeom>
+          <a:noFill/>
+        </p:spPr>
+        <p:txBody>
+          <a:bodyPr wrap="none" rtlCol="0">
+            <a:spAutoFit/>
+          </a:bodyPr>
+          <a:lstStyle/>
+          <a:p>
+            <a:r>
+              <a:rPr lang="en-US" altLang="zh-TW" dirty="0" smtClean="0">
+                <a:solidFill>
+                  <a:srgbClr val="FF0000"/>
+                </a:solidFill>
+              </a:rPr>
+              <a:t>bomb=62</a:t>
+            </a:r>
+            <a:endParaRPr lang="zh-TW" altLang="en-US" dirty="0">
+              <a:solidFill>
+                <a:srgbClr val="FF0000"/>
+              </a:solidFill>
+            </a:endParaRPr>
+          </a:p>
+        </p:txBody>
+      </p:sp>
+      <p:grpSp>
+        <p:nvGrpSpPr>
+          <p:cNvPr id="22" name="群組 21"/>
+          <p:cNvGrpSpPr/>
+          <p:nvPr/>
+        </p:nvGrpSpPr>
+        <p:grpSpPr>
+          <a:xfrm>
+            <a:off x="4756016" y="5360836"/>
+            <a:ext cx="906017" cy="1038070"/>
+            <a:chOff x="1804325" y="5346192"/>
+            <a:chExt cx="906017" cy="1038070"/>
+          </a:xfrm>
+        </p:grpSpPr>
+        <p:cxnSp>
+          <p:nvCxnSpPr>
+            <p:cNvPr id="23" name="直線接點 22"/>
+            <p:cNvCxnSpPr/>
+            <p:nvPr/>
+          </p:nvCxnSpPr>
+          <p:spPr>
+            <a:xfrm flipH="1" flipV="1">
+              <a:off x="2063112" y="5346192"/>
+              <a:ext cx="6096" cy="463296"/>
+            </a:xfrm>
+            <a:prstGeom prst="line">
+              <a:avLst/>
+            </a:prstGeom>
+            <a:ln w="57150">
+              <a:solidFill>
+                <a:schemeClr val="accent1">
+                  <a:lumMod val="50000"/>
+                </a:schemeClr>
+              </a:solidFill>
+            </a:ln>
+          </p:spPr>
+          <p:style>
+            <a:lnRef idx="1">
+              <a:schemeClr val="accent1"/>
+            </a:lnRef>
+            <a:fillRef idx="0">
+              <a:schemeClr val="accent1"/>
+            </a:fillRef>
+            <a:effectRef idx="0">
+              <a:schemeClr val="accent1"/>
+            </a:effectRef>
+            <a:fontRef idx="minor">
+              <a:schemeClr val="tx1"/>
+            </a:fontRef>
+          </p:style>
+        </p:cxnSp>
+        <p:sp>
+          <p:nvSpPr>
+            <p:cNvPr id="24" name="文字方塊 23"/>
+            <p:cNvSpPr txBox="1"/>
+            <p:nvPr/>
+          </p:nvSpPr>
+          <p:spPr>
+            <a:xfrm>
+              <a:off x="1804325" y="6014930"/>
+              <a:ext cx="906017" cy="369332"/>
+            </a:xfrm>
+            <a:prstGeom prst="rect">
+              <a:avLst/>
+            </a:prstGeom>
+            <a:noFill/>
+          </p:spPr>
+          <p:txBody>
+            <a:bodyPr wrap="none" rtlCol="0">
+              <a:spAutoFit/>
+            </a:bodyPr>
+            <a:lstStyle/>
+            <a:p>
+              <a:r>
+                <a:rPr lang="en-US" altLang="zh-TW" dirty="0" smtClean="0"/>
+                <a:t>Min=51</a:t>
+              </a:r>
+              <a:endParaRPr lang="zh-TW" altLang="en-US" dirty="0"/>
+            </a:p>
+          </p:txBody>
+        </p:sp>
+      </p:grpSp>
+      <p:grpSp>
+        <p:nvGrpSpPr>
+          <p:cNvPr id="29" name="群組 28"/>
+          <p:cNvGrpSpPr/>
+          <p:nvPr/>
+        </p:nvGrpSpPr>
+        <p:grpSpPr>
+          <a:xfrm>
+            <a:off x="6033464" y="5382818"/>
+            <a:ext cx="950901" cy="882627"/>
+            <a:chOff x="7636674" y="5337048"/>
+            <a:chExt cx="950901" cy="882627"/>
+          </a:xfrm>
+        </p:grpSpPr>
+        <p:cxnSp>
+          <p:nvCxnSpPr>
+            <p:cNvPr id="30" name="直線接點 29"/>
+            <p:cNvCxnSpPr/>
+            <p:nvPr/>
+          </p:nvCxnSpPr>
+          <p:spPr>
+            <a:xfrm flipH="1" flipV="1">
+              <a:off x="7960314" y="5337048"/>
+              <a:ext cx="6096" cy="463296"/>
+            </a:xfrm>
+            <a:prstGeom prst="line">
+              <a:avLst/>
+            </a:prstGeom>
+            <a:ln w="57150">
+              <a:solidFill>
+                <a:schemeClr val="accent1">
+                  <a:lumMod val="50000"/>
+                </a:schemeClr>
+              </a:solidFill>
+            </a:ln>
+          </p:spPr>
+          <p:style>
+            <a:lnRef idx="1">
+              <a:schemeClr val="accent1"/>
+            </a:lnRef>
+            <a:fillRef idx="0">
+              <a:schemeClr val="accent1"/>
+            </a:fillRef>
+            <a:effectRef idx="0">
+              <a:schemeClr val="accent1"/>
+            </a:effectRef>
+            <a:fontRef idx="minor">
+              <a:schemeClr val="tx1"/>
+            </a:fontRef>
+          </p:style>
+        </p:cxnSp>
+        <p:sp>
+          <p:nvSpPr>
+            <p:cNvPr id="31" name="文字方塊 30"/>
+            <p:cNvSpPr txBox="1"/>
+            <p:nvPr/>
+          </p:nvSpPr>
+          <p:spPr>
+            <a:xfrm>
+              <a:off x="7636674" y="5850343"/>
+              <a:ext cx="950901" cy="369332"/>
+            </a:xfrm>
+            <a:prstGeom prst="rect">
+              <a:avLst/>
+            </a:prstGeom>
+            <a:noFill/>
+          </p:spPr>
+          <p:txBody>
+            <a:bodyPr wrap="none" rtlCol="0">
+              <a:spAutoFit/>
+            </a:bodyPr>
+            <a:lstStyle/>
+            <a:p>
+              <a:r>
+                <a:rPr lang="en-US" altLang="zh-TW" dirty="0" smtClean="0"/>
+                <a:t>Max=76</a:t>
+              </a:r>
+              <a:endParaRPr lang="zh-TW" altLang="en-US" dirty="0"/>
+            </a:p>
+          </p:txBody>
+        </p:sp>
+      </p:grpSp>
+      <p:grpSp>
+        <p:nvGrpSpPr>
+          <p:cNvPr id="33" name="群組 32"/>
+          <p:cNvGrpSpPr/>
+          <p:nvPr/>
+        </p:nvGrpSpPr>
+        <p:grpSpPr>
+          <a:xfrm>
+            <a:off x="4809860" y="4939022"/>
+            <a:ext cx="1104790" cy="885110"/>
+            <a:chOff x="4447984" y="4939022"/>
+            <a:chExt cx="1104790" cy="885110"/>
+          </a:xfrm>
+        </p:grpSpPr>
+        <p:cxnSp>
+          <p:nvCxnSpPr>
+            <p:cNvPr id="34" name="直線接點 33"/>
+            <p:cNvCxnSpPr/>
+            <p:nvPr/>
+          </p:nvCxnSpPr>
+          <p:spPr>
+            <a:xfrm flipH="1" flipV="1">
+              <a:off x="4967333" y="5360836"/>
+              <a:ext cx="6096" cy="463296"/>
+            </a:xfrm>
+            <a:prstGeom prst="line">
+              <a:avLst/>
+            </a:prstGeom>
+            <a:ln w="57150">
+              <a:solidFill>
+                <a:srgbClr val="7030A0"/>
+              </a:solidFill>
+            </a:ln>
+          </p:spPr>
+          <p:style>
+            <a:lnRef idx="1">
+              <a:schemeClr val="accent1"/>
+            </a:lnRef>
+            <a:fillRef idx="0">
+              <a:schemeClr val="accent1"/>
+            </a:fillRef>
+            <a:effectRef idx="0">
+              <a:schemeClr val="accent1"/>
+            </a:effectRef>
+            <a:fontRef idx="minor">
+              <a:schemeClr val="tx1"/>
+            </a:fontRef>
+          </p:style>
+        </p:cxnSp>
+        <p:sp>
+          <p:nvSpPr>
+            <p:cNvPr id="35" name="文字方塊 34"/>
+            <p:cNvSpPr txBox="1"/>
+            <p:nvPr/>
+          </p:nvSpPr>
+          <p:spPr>
+            <a:xfrm>
+              <a:off x="4447984" y="4939022"/>
+              <a:ext cx="1104790" cy="369332"/>
+            </a:xfrm>
+            <a:prstGeom prst="rect">
+              <a:avLst/>
+            </a:prstGeom>
+            <a:noFill/>
+          </p:spPr>
+          <p:txBody>
+            <a:bodyPr wrap="none" rtlCol="0">
+              <a:spAutoFit/>
+            </a:bodyPr>
+            <a:lstStyle/>
+            <a:p>
+              <a:r>
+                <a:rPr lang="en-US" altLang="zh-TW" dirty="0" smtClean="0">
+                  <a:solidFill>
+                    <a:srgbClr val="7030A0"/>
+                  </a:solidFill>
+                </a:rPr>
+                <a:t>guess=62</a:t>
+              </a:r>
+              <a:endParaRPr lang="zh-TW" altLang="en-US" dirty="0">
+                <a:solidFill>
+                  <a:srgbClr val="7030A0"/>
+                </a:solidFill>
+              </a:endParaRPr>
+            </a:p>
+          </p:txBody>
+        </p:sp>
+      </p:grpSp>
+      <p:sp>
+        <p:nvSpPr>
+          <p:cNvPr id="36" name="矩形 35"/>
+          <p:cNvSpPr/>
+          <p:nvPr/>
+        </p:nvSpPr>
+        <p:spPr>
+          <a:xfrm>
+            <a:off x="5656965" y="3845648"/>
+            <a:ext cx="5032147" cy="923330"/>
+          </a:xfrm>
+          <a:prstGeom prst="rect">
+            <a:avLst/>
+          </a:prstGeom>
+          <a:noFill/>
+        </p:spPr>
+        <p:txBody>
+          <a:bodyPr wrap="none" lIns="91440" tIns="45720" rIns="91440" bIns="45720">
+            <a:spAutoFit/>
+          </a:bodyPr>
+          <a:lstStyle/>
+          <a:p>
+            <a:pPr algn="ctr"/>
+            <a:r>
+              <a:rPr lang="zh-TW" altLang="en-US" sz="5400" b="1" dirty="0" smtClean="0">
+                <a:ln w="9525">
+                  <a:solidFill>
+                    <a:srgbClr val="FF0000"/>
+                  </a:solidFill>
+                  <a:prstDash val="solid"/>
+                </a:ln>
+                <a:solidFill>
+                  <a:srgbClr val="FF0000"/>
+                </a:solidFill>
+                <a:effectLst>
+                  <a:outerShdw blurRad="12700" dist="38100" dir="2700000" algn="tl" rotWithShape="0">
+                    <a:schemeClr val="bg1">
+                      <a:lumMod val="50000"/>
+                    </a:schemeClr>
+                  </a:outerShdw>
+                </a:effectLst>
+              </a:rPr>
+              <a:t>試著寫看看</a:t>
+            </a:r>
+            <a:r>
+              <a:rPr lang="zh-TW" altLang="en-US" sz="5400" b="1" dirty="0">
+                <a:ln w="9525">
+                  <a:solidFill>
+                    <a:srgbClr val="FF0000"/>
+                  </a:solidFill>
+                  <a:prstDash val="solid"/>
+                </a:ln>
+                <a:solidFill>
+                  <a:srgbClr val="FF0000"/>
+                </a:solidFill>
+                <a:effectLst>
+                  <a:outerShdw blurRad="12700" dist="38100" dir="2700000" algn="tl" rotWithShape="0">
+                    <a:schemeClr val="bg1">
+                      <a:lumMod val="50000"/>
+                    </a:schemeClr>
+                  </a:outerShdw>
+                </a:effectLst>
+              </a:rPr>
+              <a:t>吧！</a:t>
+            </a:r>
+            <a:endParaRPr lang="zh-TW" altLang="en-US" sz="5400" b="1" cap="none" spc="0" dirty="0">
+              <a:ln w="9525">
+                <a:solidFill>
+                  <a:srgbClr val="FF0000"/>
+                </a:solidFill>
+                <a:prstDash val="solid"/>
+              </a:ln>
+              <a:solidFill>
+                <a:srgbClr val="FF0000"/>
+              </a:solidFill>
+              <a:effectLst>
+                <a:outerShdw blurRad="12700" dist="38100" dir="2700000" algn="tl" rotWithShape="0">
+                  <a:schemeClr val="bg1">
+                    <a:lumMod val="50000"/>
+                  </a:schemeClr>
+                </a:outerShdw>
+              </a:effectLst>
+            </a:endParaRPr>
+          </a:p>
+        </p:txBody>
+      </p:sp>
+    </p:spTree>
+    <p:extLst>
+      <p:ext uri="{BB962C8B-B14F-4D97-AF65-F5344CB8AC3E}">
+        <p14:creationId xmlns:p14="http://schemas.microsoft.com/office/powerpoint/2010/main" val="1062114311"/>
+      </p:ext>
+    </p:extLst>
+  </p:cSld>
+  <p:clrMapOvr>
+    <a:masterClrMapping/>
+  </p:clrMapOvr>
+  <p:timing>
+    <p:tnLst>
+      <p:par>
+        <p:cTn id="1" dur="indefinite" restart="never" nodeType="tmRoot">
+          <p:childTnLst>
+            <p:seq concurrent="1" nextAc="seek">
+              <p:cTn id="2" dur="indefinite" nodeType="mainSeq">
+                <p:childTnLst>
+                  <p:par>
+                    <p:cTn id="3" fill="hold">
+                      <p:stCondLst>
+                        <p:cond delay="indefinite"/>
+                      </p:stCondLst>
+                      <p:childTnLst>
+                        <p:par>
+                          <p:cTn id="4" fill="hold">
+                            <p:stCondLst>
+                              <p:cond delay="0"/>
+                            </p:stCondLst>
+                            <p:childTnLst>
+                              <p:par>
+                                <p:cTn id="5" presetID="1" presetClass="entr" presetSubtype="0" fill="hold" nodeType="clickEffect">
+                                  <p:stCondLst>
+                                    <p:cond delay="0"/>
+                                  </p:stCondLst>
+                                  <p:childTnLst>
+                                    <p:set>
+                                      <p:cBhvr>
+                                        <p:cTn id="6" dur="1" fill="hold">
+                                          <p:stCondLst>
+                                            <p:cond delay="0"/>
+                                          </p:stCondLst>
+                                        </p:cTn>
+                                        <p:tgtEl>
+                                          <p:spTgt spid="19"/>
+                                        </p:tgtEl>
+                                        <p:attrNameLst>
+                                          <p:attrName>style.visibility</p:attrName>
+                                        </p:attrNameLst>
+                                      </p:cBhvr>
+                                      <p:to>
+                                        <p:strVal val="visible"/>
+                                      </p:to>
+                                    </p:set>
+                                  </p:childTnLst>
+                                </p:cTn>
+                              </p:par>
+                            </p:childTnLst>
+                          </p:cTn>
+                        </p:par>
+                      </p:childTnLst>
+                    </p:cTn>
+                  </p:par>
+                  <p:par>
+                    <p:cTn id="7" fill="hold">
+                      <p:stCondLst>
+                        <p:cond delay="indefinite"/>
+                      </p:stCondLst>
+                      <p:childTnLst>
+                        <p:par>
+                          <p:cTn id="8" fill="hold">
+                            <p:stCondLst>
+                              <p:cond delay="0"/>
+                            </p:stCondLst>
+                            <p:childTnLst>
+                              <p:par>
+                                <p:cTn id="9" presetID="1" presetClass="exit" presetSubtype="0" fill="hold" nodeType="clickEffect">
+                                  <p:stCondLst>
+                                    <p:cond delay="0"/>
+                                  </p:stCondLst>
+                                  <p:childTnLst>
+                                    <p:set>
+                                      <p:cBhvr>
+                                        <p:cTn id="10" dur="1" fill="hold">
+                                          <p:stCondLst>
+                                            <p:cond delay="0"/>
+                                          </p:stCondLst>
+                                        </p:cTn>
+                                        <p:tgtEl>
+                                          <p:spTgt spid="21"/>
+                                        </p:tgtEl>
+                                        <p:attrNameLst>
+                                          <p:attrName>style.visibility</p:attrName>
+                                        </p:attrNameLst>
+                                      </p:cBhvr>
+                                      <p:to>
+                                        <p:strVal val="hidden"/>
+                                      </p:to>
+                                    </p:set>
+                                  </p:childTnLst>
+                                </p:cTn>
+                              </p:par>
+                              <p:par>
+                                <p:cTn id="11" presetID="1" presetClass="entr" presetSubtype="0" fill="hold" nodeType="withEffect">
+                                  <p:stCondLst>
+                                    <p:cond delay="0"/>
+                                  </p:stCondLst>
+                                  <p:childTnLst>
+                                    <p:set>
+                                      <p:cBhvr>
+                                        <p:cTn id="12" dur="1" fill="hold">
+                                          <p:stCondLst>
+                                            <p:cond delay="0"/>
+                                          </p:stCondLst>
+                                        </p:cTn>
+                                        <p:tgtEl>
+                                          <p:spTgt spid="22"/>
+                                        </p:tgtEl>
+                                        <p:attrNameLst>
+                                          <p:attrName>style.visibility</p:attrName>
+                                        </p:attrNameLst>
+                                      </p:cBhvr>
+                                      <p:to>
+                                        <p:strVal val="visible"/>
+                                      </p:to>
+                                    </p:set>
+                                  </p:childTnLst>
+                                </p:cTn>
+                              </p:par>
+                            </p:childTnLst>
+                          </p:cTn>
+                        </p:par>
+                      </p:childTnLst>
+                    </p:cTn>
+                  </p:par>
+                  <p:par>
+                    <p:cTn id="13" fill="hold">
+                      <p:stCondLst>
+                        <p:cond delay="indefinite"/>
+                      </p:stCondLst>
+                      <p:childTnLst>
+                        <p:par>
+                          <p:cTn id="14" fill="hold">
+                            <p:stCondLst>
+                              <p:cond delay="0"/>
+                            </p:stCondLst>
+                            <p:childTnLst>
+                              <p:par>
+                                <p:cTn id="15" presetID="1" presetClass="entr" presetSubtype="0" fill="hold" nodeType="clickEffect">
+                                  <p:stCondLst>
+                                    <p:cond delay="0"/>
+                                  </p:stCondLst>
+                                  <p:childTnLst>
+                                    <p:set>
+                                      <p:cBhvr>
+                                        <p:cTn id="16" dur="1" fill="hold">
+                                          <p:stCondLst>
+                                            <p:cond delay="0"/>
+                                          </p:stCondLst>
+                                        </p:cTn>
+                                        <p:tgtEl>
+                                          <p:spTgt spid="25"/>
+                                        </p:tgtEl>
+                                        <p:attrNameLst>
+                                          <p:attrName>style.visibility</p:attrName>
+                                        </p:attrNameLst>
+                                      </p:cBhvr>
+                                      <p:to>
+                                        <p:strVal val="visible"/>
+                                      </p:to>
+                                    </p:set>
+                                  </p:childTnLst>
+                                </p:cTn>
+                              </p:par>
+                              <p:par>
+                                <p:cTn id="17" presetID="1" presetClass="entr" presetSubtype="0" fill="hold" grpId="0" nodeType="withEffect">
+                                  <p:stCondLst>
+                                    <p:cond delay="0"/>
+                                  </p:stCondLst>
+                                  <p:childTnLst>
+                                    <p:set>
+                                      <p:cBhvr>
+                                        <p:cTn id="18" dur="1" fill="hold">
+                                          <p:stCondLst>
+                                            <p:cond delay="0"/>
+                                          </p:stCondLst>
+                                        </p:cTn>
+                                        <p:tgtEl>
+                                          <p:spTgt spid="28"/>
+                                        </p:tgtEl>
+                                        <p:attrNameLst>
+                                          <p:attrName>style.visibility</p:attrName>
+                                        </p:attrNameLst>
+                                      </p:cBhvr>
+                                      <p:to>
+                                        <p:strVal val="visible"/>
+                                      </p:to>
+                                    </p:set>
+                                  </p:childTnLst>
+                                </p:cTn>
+                              </p:par>
+                            </p:childTnLst>
+                          </p:cTn>
+                        </p:par>
+                      </p:childTnLst>
+                    </p:cTn>
+                  </p:par>
+                  <p:par>
+                    <p:cTn id="19" fill="hold">
+                      <p:stCondLst>
+                        <p:cond delay="indefinite"/>
+                      </p:stCondLst>
+                      <p:childTnLst>
+                        <p:par>
+                          <p:cTn id="20" fill="hold">
+                            <p:stCondLst>
+                              <p:cond delay="0"/>
+                            </p:stCondLst>
+                            <p:childTnLst>
+                              <p:par>
+                                <p:cTn id="21" presetID="1" presetClass="entr" presetSubtype="0" fill="hold" nodeType="clickEffect">
+                                  <p:stCondLst>
+                                    <p:cond delay="0"/>
+                                  </p:stCondLst>
+                                  <p:childTnLst>
+                                    <p:set>
+                                      <p:cBhvr>
+                                        <p:cTn id="22" dur="1" fill="hold">
+                                          <p:stCondLst>
+                                            <p:cond delay="0"/>
+                                          </p:stCondLst>
+                                        </p:cTn>
+                                        <p:tgtEl>
+                                          <p:spTgt spid="29"/>
+                                        </p:tgtEl>
+                                        <p:attrNameLst>
+                                          <p:attrName>style.visibility</p:attrName>
+                                        </p:attrNameLst>
+                                      </p:cBhvr>
+                                      <p:to>
+                                        <p:strVal val="visible"/>
+                                      </p:to>
+                                    </p:set>
+                                  </p:childTnLst>
+                                </p:cTn>
+                              </p:par>
+                              <p:par>
+                                <p:cTn id="23" presetID="1" presetClass="exit" presetSubtype="0" fill="hold" nodeType="withEffect">
+                                  <p:stCondLst>
+                                    <p:cond delay="0"/>
+                                  </p:stCondLst>
+                                  <p:childTnLst>
+                                    <p:set>
+                                      <p:cBhvr>
+                                        <p:cTn id="24" dur="1" fill="hold">
+                                          <p:stCondLst>
+                                            <p:cond delay="0"/>
+                                          </p:stCondLst>
+                                        </p:cTn>
+                                        <p:tgtEl>
+                                          <p:spTgt spid="20"/>
+                                        </p:tgtEl>
+                                        <p:attrNameLst>
+                                          <p:attrName>style.visibility</p:attrName>
+                                        </p:attrNameLst>
+                                      </p:cBhvr>
+                                      <p:to>
+                                        <p:strVal val="hidden"/>
+                                      </p:to>
+                                    </p:set>
+                                  </p:childTnLst>
+                                </p:cTn>
+                              </p:par>
+                            </p:childTnLst>
+                          </p:cTn>
+                        </p:par>
+                      </p:childTnLst>
+                    </p:cTn>
+                  </p:par>
+                  <p:par>
+                    <p:cTn id="25" fill="hold">
+                      <p:stCondLst>
+                        <p:cond delay="indefinite"/>
+                      </p:stCondLst>
+                      <p:childTnLst>
+                        <p:par>
+                          <p:cTn id="26" fill="hold">
+                            <p:stCondLst>
+                              <p:cond delay="0"/>
+                            </p:stCondLst>
+                            <p:childTnLst>
+                              <p:par>
+                                <p:cTn id="27" presetID="1" presetClass="entr" presetSubtype="0" fill="hold" grpId="0" nodeType="clickEffect">
+                                  <p:stCondLst>
+                                    <p:cond delay="0"/>
+                                  </p:stCondLst>
+                                  <p:childTnLst>
+                                    <p:set>
+                                      <p:cBhvr>
+                                        <p:cTn id="28" dur="1" fill="hold">
+                                          <p:stCondLst>
+                                            <p:cond delay="0"/>
+                                          </p:stCondLst>
+                                        </p:cTn>
+                                        <p:tgtEl>
+                                          <p:spTgt spid="32"/>
+                                        </p:tgtEl>
+                                        <p:attrNameLst>
+                                          <p:attrName>style.visibility</p:attrName>
+                                        </p:attrNameLst>
+                                      </p:cBhvr>
+                                      <p:to>
+                                        <p:strVal val="visible"/>
+                                      </p:to>
+                                    </p:set>
+                                  </p:childTnLst>
+                                </p:cTn>
+                              </p:par>
+                              <p:par>
+                                <p:cTn id="29" presetID="1" presetClass="entr" presetSubtype="0" fill="hold" nodeType="withEffect">
+                                  <p:stCondLst>
+                                    <p:cond delay="0"/>
+                                  </p:stCondLst>
+                                  <p:childTnLst>
+                                    <p:set>
+                                      <p:cBhvr>
+                                        <p:cTn id="30" dur="1" fill="hold">
+                                          <p:stCondLst>
+                                            <p:cond delay="0"/>
+                                          </p:stCondLst>
+                                        </p:cTn>
+                                        <p:tgtEl>
+                                          <p:spTgt spid="33"/>
+                                        </p:tgtEl>
+                                        <p:attrNameLst>
+                                          <p:attrName>style.visibility</p:attrName>
+                                        </p:attrNameLst>
+                                      </p:cBhvr>
+                                      <p:to>
+                                        <p:strVal val="visible"/>
+                                      </p:to>
+                                    </p:set>
+                                  </p:childTnLst>
+                                </p:cTn>
+                              </p:par>
+                            </p:childTnLst>
+                          </p:cTn>
+                        </p:par>
+                      </p:childTnLst>
+                    </p:cTn>
+                  </p:par>
+                  <p:par>
+                    <p:cTn id="31" fill="hold">
+                      <p:stCondLst>
+                        <p:cond delay="indefinite"/>
+                      </p:stCondLst>
+                      <p:childTnLst>
+                        <p:par>
+                          <p:cTn id="32" fill="hold">
+                            <p:stCondLst>
+                              <p:cond delay="0"/>
+                            </p:stCondLst>
+                            <p:childTnLst>
+                              <p:par>
+                                <p:cTn id="33" presetID="31" presetClass="entr" presetSubtype="0" fill="hold" grpId="0" nodeType="clickEffect">
+                                  <p:stCondLst>
+                                    <p:cond delay="0"/>
+                                  </p:stCondLst>
+                                  <p:childTnLst>
+                                    <p:set>
+                                      <p:cBhvr>
+                                        <p:cTn id="34" dur="1" fill="hold">
+                                          <p:stCondLst>
+                                            <p:cond delay="0"/>
+                                          </p:stCondLst>
+                                        </p:cTn>
+                                        <p:tgtEl>
+                                          <p:spTgt spid="36"/>
+                                        </p:tgtEl>
+                                        <p:attrNameLst>
+                                          <p:attrName>style.visibility</p:attrName>
+                                        </p:attrNameLst>
+                                      </p:cBhvr>
+                                      <p:to>
+                                        <p:strVal val="visible"/>
+                                      </p:to>
+                                    </p:set>
+                                    <p:anim calcmode="lin" valueType="num">
+                                      <p:cBhvr>
+                                        <p:cTn id="35" dur="1000" fill="hold"/>
+                                        <p:tgtEl>
+                                          <p:spTgt spid="36"/>
+                                        </p:tgtEl>
+                                        <p:attrNameLst>
+                                          <p:attrName>ppt_w</p:attrName>
+                                        </p:attrNameLst>
+                                      </p:cBhvr>
+                                      <p:tavLst>
+                                        <p:tav tm="0">
+                                          <p:val>
+                                            <p:fltVal val="0"/>
+                                          </p:val>
+                                        </p:tav>
+                                        <p:tav tm="100000">
+                                          <p:val>
+                                            <p:strVal val="#ppt_w"/>
+                                          </p:val>
+                                        </p:tav>
+                                      </p:tavLst>
+                                    </p:anim>
+                                    <p:anim calcmode="lin" valueType="num">
+                                      <p:cBhvr>
+                                        <p:cTn id="36" dur="1000" fill="hold"/>
+                                        <p:tgtEl>
+                                          <p:spTgt spid="36"/>
+                                        </p:tgtEl>
+                                        <p:attrNameLst>
+                                          <p:attrName>ppt_h</p:attrName>
+                                        </p:attrNameLst>
+                                      </p:cBhvr>
+                                      <p:tavLst>
+                                        <p:tav tm="0">
+                                          <p:val>
+                                            <p:fltVal val="0"/>
+                                          </p:val>
+                                        </p:tav>
+                                        <p:tav tm="100000">
+                                          <p:val>
+                                            <p:strVal val="#ppt_h"/>
+                                          </p:val>
+                                        </p:tav>
+                                      </p:tavLst>
+                                    </p:anim>
+                                    <p:anim calcmode="lin" valueType="num">
+                                      <p:cBhvr>
+                                        <p:cTn id="37" dur="1000" fill="hold"/>
+                                        <p:tgtEl>
+                                          <p:spTgt spid="36"/>
+                                        </p:tgtEl>
+                                        <p:attrNameLst>
+                                          <p:attrName>style.rotation</p:attrName>
+                                        </p:attrNameLst>
+                                      </p:cBhvr>
+                                      <p:tavLst>
+                                        <p:tav tm="0">
+                                          <p:val>
+                                            <p:fltVal val="90"/>
+                                          </p:val>
+                                        </p:tav>
+                                        <p:tav tm="100000">
+                                          <p:val>
+                                            <p:fltVal val="0"/>
+                                          </p:val>
+                                        </p:tav>
+                                      </p:tavLst>
+                                    </p:anim>
+                                    <p:animEffect transition="in" filter="fade">
+                                      <p:cBhvr>
+                                        <p:cTn id="38" dur="1000"/>
+                                        <p:tgtEl>
+                                          <p:spTgt spid="36"/>
+                                        </p:tgtEl>
+                                      </p:cBhvr>
+                                    </p:animEffect>
+                                  </p:childTnLst>
+                                </p:cTn>
+                              </p:par>
+                            </p:childTnLst>
+                          </p:cTn>
+                        </p:par>
+                      </p:childTnLst>
+                    </p:cTn>
+                  </p:par>
+                </p:childTnLst>
+              </p:cTn>
+              <p:prevCondLst>
+                <p:cond evt="onPrev" delay="0">
+                  <p:tgtEl>
+                    <p:sldTgt/>
+                  </p:tgtEl>
+                </p:cond>
+              </p:prevCondLst>
+              <p:nextCondLst>
+                <p:cond evt="onNext" delay="0">
+                  <p:tgtEl>
+                    <p:sldTgt/>
+                  </p:tgtEl>
+                </p:cond>
+              </p:nextCondLst>
+            </p:seq>
+          </p:childTnLst>
+        </p:cTn>
+      </p:par>
+    </p:tnLst>
+    <p:bldLst>
+      <p:bldP spid="32" grpId="0" animBg="1"/>
+      <p:bldP spid="28" grpId="0" animBg="1"/>
+      <p:bldP spid="36" grpId="0"/>
+    </p:bldLst>
+  </p:timing>
+</p:sld>
+</file>
+
+<file path=ppt/slides/slide39.xml><?xml version="1.0" encoding="utf-8"?>
+<p:sld xmlns:a="http://schemas.openxmlformats.org/drawingml/2006/main" xmlns:r="http://schemas.openxmlformats.org/officeDocument/2006/relationships" xmlns:p="http://schemas.openxmlformats.org/presentationml/2006/main">
+  <p:cSld>
+    <p:spTree>
+      <p:nvGrpSpPr>
+        <p:cNvPr id="1" name=""/>
+        <p:cNvGrpSpPr/>
+        <p:nvPr/>
+      </p:nvGrpSpPr>
+      <p:grpSpPr>
+        <a:xfrm>
+          <a:off x="0" y="0"/>
+          <a:ext cx="0" cy="0"/>
+          <a:chOff x="0" y="0"/>
+          <a:chExt cx="0" cy="0"/>
+        </a:xfrm>
+      </p:grpSpPr>
+      <p:sp>
+        <p:nvSpPr>
           <p:cNvPr id="2" name="標題 1"/>
           <p:cNvSpPr>
             <a:spLocks noGrp="1"/>
@@ -26814,7 +32137,1070 @@
 </p:sld>
 </file>
 
-<file path=ppt/slides/slide38.xml><?xml version="1.0" encoding="utf-8"?>
+<file path=ppt/slides/slide4.xml><?xml version="1.0" encoding="utf-8"?>
+<p:sld xmlns:a="http://schemas.openxmlformats.org/drawingml/2006/main" xmlns:r="http://schemas.openxmlformats.org/officeDocument/2006/relationships" xmlns:p="http://schemas.openxmlformats.org/presentationml/2006/main">
+  <p:cSld>
+    <p:spTree>
+      <p:nvGrpSpPr>
+        <p:cNvPr id="1" name=""/>
+        <p:cNvGrpSpPr/>
+        <p:nvPr/>
+      </p:nvGrpSpPr>
+      <p:grpSpPr>
+        <a:xfrm>
+          <a:off x="0" y="0"/>
+          <a:ext cx="0" cy="0"/>
+          <a:chOff x="0" y="0"/>
+          <a:chExt cx="0" cy="0"/>
+        </a:xfrm>
+      </p:grpSpPr>
+      <p:sp>
+        <p:nvSpPr>
+          <p:cNvPr id="2" name="標題 1"/>
+          <p:cNvSpPr>
+            <a:spLocks noGrp="1"/>
+          </p:cNvSpPr>
+          <p:nvPr>
+            <p:ph type="title"/>
+          </p:nvPr>
+        </p:nvSpPr>
+        <p:spPr/>
+        <p:txBody>
+          <a:bodyPr/>
+          <a:lstStyle/>
+          <a:p>
+            <a:r>
+              <a:rPr lang="zh-TW" altLang="en-US" dirty="0" smtClean="0"/>
+              <a:t>最基本迴圈</a:t>
+            </a:r>
+            <a:r>
+              <a:rPr lang="en-US" altLang="zh-TW" dirty="0" smtClean="0"/>
+              <a:t/>
+            </a:r>
+            <a:br>
+              <a:rPr lang="en-US" altLang="zh-TW" dirty="0" smtClean="0"/>
+            </a:br>
+            <a:r>
+              <a:rPr lang="en-US" altLang="zh-TW" dirty="0" smtClean="0"/>
+              <a:t>for</a:t>
+            </a:r>
+            <a:r>
+              <a:rPr lang="zh-TW" altLang="en-US" dirty="0" smtClean="0"/>
+              <a:t>迴圈</a:t>
+            </a:r>
+            <a:r>
+              <a:rPr lang="en-US" altLang="zh-TW" dirty="0" smtClean="0"/>
+              <a:t>+range()</a:t>
+            </a:r>
+            <a:endParaRPr lang="zh-TW" altLang="en-US" dirty="0"/>
+          </a:p>
+        </p:txBody>
+      </p:sp>
+      <p:sp>
+        <p:nvSpPr>
+          <p:cNvPr id="3" name="內容版面配置區 2"/>
+          <p:cNvSpPr>
+            <a:spLocks noGrp="1"/>
+          </p:cNvSpPr>
+          <p:nvPr>
+            <p:ph idx="1"/>
+          </p:nvPr>
+        </p:nvSpPr>
+        <p:spPr/>
+        <p:txBody>
+          <a:bodyPr>
+            <a:normAutofit/>
+          </a:bodyPr>
+          <a:lstStyle/>
+          <a:p>
+            <a:r>
+              <a:rPr lang="en-US" altLang="zh-TW" dirty="0" smtClean="0"/>
+              <a:t>for</a:t>
+            </a:r>
+            <a:r>
+              <a:rPr lang="zh-TW" altLang="en-US" dirty="0" smtClean="0"/>
+              <a:t>迴圈語法：</a:t>
+            </a:r>
+            <a:endParaRPr lang="en-US" altLang="zh-TW" dirty="0" smtClean="0"/>
+          </a:p>
+          <a:p>
+            <a:endParaRPr lang="en-US" altLang="zh-TW" dirty="0"/>
+          </a:p>
+          <a:p>
+            <a:endParaRPr lang="en-US" altLang="zh-TW" dirty="0" smtClean="0"/>
+          </a:p>
+          <a:p>
+            <a:r>
+              <a:rPr lang="zh-TW" altLang="en-US" dirty="0" smtClean="0"/>
+              <a:t>基本常用可迭代物件：</a:t>
+            </a:r>
+            <a:r>
+              <a:rPr lang="en-US" altLang="zh-TW" dirty="0" smtClean="0"/>
+              <a:t>range(</a:t>
+            </a:r>
+            <a:r>
+              <a:rPr lang="en-US" altLang="zh-TW" dirty="0" smtClean="0">
+                <a:solidFill>
+                  <a:srgbClr val="FF0000"/>
+                </a:solidFill>
+              </a:rPr>
+              <a:t>n</a:t>
+            </a:r>
+            <a:r>
+              <a:rPr lang="en-US" altLang="zh-TW" dirty="0" smtClean="0"/>
+              <a:t>)</a:t>
+            </a:r>
+          </a:p>
+          <a:p>
+            <a:pPr lvl="1"/>
+            <a:r>
+              <a:rPr lang="en-US" altLang="zh-TW" dirty="0" smtClean="0"/>
+              <a:t>range(n)</a:t>
+            </a:r>
+            <a:r>
+              <a:rPr lang="zh-TW" altLang="en-US" dirty="0" smtClean="0"/>
+              <a:t>會產生</a:t>
+            </a:r>
+            <a:r>
+              <a:rPr lang="en-US" altLang="zh-TW" dirty="0" smtClean="0"/>
+              <a:t>0,1,2,3,…., (n-1)</a:t>
+            </a:r>
+            <a:r>
+              <a:rPr lang="zh-TW" altLang="en-US" dirty="0" smtClean="0"/>
+              <a:t>共</a:t>
+            </a:r>
+            <a:r>
+              <a:rPr lang="en-US" altLang="zh-TW" dirty="0" smtClean="0"/>
+              <a:t>n</a:t>
+            </a:r>
+            <a:r>
+              <a:rPr lang="zh-TW" altLang="en-US" dirty="0" smtClean="0"/>
+              <a:t>個數字的數字串</a:t>
+            </a:r>
+            <a:endParaRPr lang="en-US" altLang="zh-TW" dirty="0" smtClean="0"/>
+          </a:p>
+          <a:p>
+            <a:r>
+              <a:rPr lang="zh-TW" altLang="en-US" dirty="0" smtClean="0"/>
+              <a:t>範例：</a:t>
+            </a:r>
+            <a:endParaRPr lang="en-US" altLang="zh-TW" dirty="0" smtClean="0"/>
+          </a:p>
+          <a:p>
+            <a:endParaRPr lang="en-US" altLang="zh-TW" dirty="0"/>
+          </a:p>
+          <a:p>
+            <a:pPr lvl="1"/>
+            <a:r>
+              <a:rPr lang="zh-TW" altLang="en-US" dirty="0" smtClean="0"/>
+              <a:t>會輸出 </a:t>
+            </a:r>
+            <a:r>
+              <a:rPr lang="en-US" altLang="zh-TW" dirty="0" smtClean="0"/>
+              <a:t>0,1,2,3,4,….,8,9</a:t>
+            </a:r>
+            <a:r>
+              <a:rPr lang="zh-TW" altLang="en-US" dirty="0" smtClean="0"/>
+              <a:t>共</a:t>
+            </a:r>
+            <a:r>
+              <a:rPr lang="en-US" altLang="zh-TW" dirty="0" smtClean="0"/>
+              <a:t>10</a:t>
+            </a:r>
+            <a:r>
+              <a:rPr lang="zh-TW" altLang="en-US" dirty="0" smtClean="0"/>
+              <a:t>個數字。</a:t>
+            </a:r>
+            <a:endParaRPr lang="en-US" altLang="zh-TW" dirty="0" smtClean="0"/>
+          </a:p>
+          <a:p>
+            <a:endParaRPr lang="en-US" altLang="zh-TW" dirty="0" smtClean="0"/>
+          </a:p>
+        </p:txBody>
+      </p:sp>
+      <p:sp>
+        <p:nvSpPr>
+          <p:cNvPr id="5" name="圓角矩形 4"/>
+          <p:cNvSpPr/>
+          <p:nvPr/>
+        </p:nvSpPr>
+        <p:spPr>
+          <a:xfrm>
+            <a:off x="8063076" y="1730029"/>
+            <a:ext cx="1357229" cy="392176"/>
+          </a:xfrm>
+          <a:prstGeom prst="roundRect">
+            <a:avLst>
+              <a:gd name="adj" fmla="val 50000"/>
+            </a:avLst>
+          </a:prstGeom>
+          <a:solidFill>
+            <a:schemeClr val="bg1"/>
+          </a:solidFill>
+          <a:ln>
+            <a:solidFill>
+              <a:schemeClr val="tx1"/>
+            </a:solidFill>
+          </a:ln>
+        </p:spPr>
+        <p:style>
+          <a:lnRef idx="2">
+            <a:schemeClr val="accent1">
+              <a:shade val="50000"/>
+            </a:schemeClr>
+          </a:lnRef>
+          <a:fillRef idx="1">
+            <a:schemeClr val="accent1"/>
+          </a:fillRef>
+          <a:effectRef idx="0">
+            <a:schemeClr val="accent1"/>
+          </a:effectRef>
+          <a:fontRef idx="minor">
+            <a:schemeClr val="lt1"/>
+          </a:fontRef>
+        </p:style>
+        <p:txBody>
+          <a:bodyPr rtlCol="0" anchor="ctr"/>
+          <a:lstStyle/>
+          <a:p>
+            <a:pPr algn="ctr"/>
+            <a:r>
+              <a:rPr lang="zh-TW" altLang="en-US" dirty="0">
+                <a:solidFill>
+                  <a:schemeClr val="tx1"/>
+                </a:solidFill>
+              </a:rPr>
+              <a:t>迴圈開始</a:t>
+            </a:r>
+          </a:p>
+        </p:txBody>
+      </p:sp>
+      <p:cxnSp>
+        <p:nvCxnSpPr>
+          <p:cNvPr id="8" name="直線單箭頭接點 7"/>
+          <p:cNvCxnSpPr>
+            <a:stCxn id="11" idx="2"/>
+            <a:endCxn id="10" idx="0"/>
+          </p:cNvCxnSpPr>
+          <p:nvPr/>
+        </p:nvCxnSpPr>
+        <p:spPr>
+          <a:xfrm>
+            <a:off x="8739775" y="4377988"/>
+            <a:ext cx="1917" cy="802639"/>
+          </a:xfrm>
+          <a:prstGeom prst="straightConnector1">
+            <a:avLst/>
+          </a:prstGeom>
+          <a:ln w="28575">
+            <a:solidFill>
+              <a:schemeClr val="tx1"/>
+            </a:solidFill>
+            <a:headEnd type="none" w="med" len="med"/>
+            <a:tailEnd type="triangle" w="med" len="med"/>
+          </a:ln>
+        </p:spPr>
+        <p:style>
+          <a:lnRef idx="1">
+            <a:schemeClr val="accent1"/>
+          </a:lnRef>
+          <a:fillRef idx="0">
+            <a:schemeClr val="accent1"/>
+          </a:fillRef>
+          <a:effectRef idx="0">
+            <a:schemeClr val="accent1"/>
+          </a:effectRef>
+          <a:fontRef idx="minor">
+            <a:schemeClr val="tx1"/>
+          </a:fontRef>
+        </p:style>
+      </p:cxnSp>
+      <p:sp>
+        <p:nvSpPr>
+          <p:cNvPr id="10" name="圓角矩形 9"/>
+          <p:cNvSpPr/>
+          <p:nvPr/>
+        </p:nvSpPr>
+        <p:spPr>
+          <a:xfrm>
+            <a:off x="8063077" y="5180627"/>
+            <a:ext cx="1357229" cy="392176"/>
+          </a:xfrm>
+          <a:prstGeom prst="roundRect">
+            <a:avLst>
+              <a:gd name="adj" fmla="val 50000"/>
+            </a:avLst>
+          </a:prstGeom>
+          <a:solidFill>
+            <a:schemeClr val="bg1"/>
+          </a:solidFill>
+          <a:ln>
+            <a:solidFill>
+              <a:schemeClr val="tx1"/>
+            </a:solidFill>
+          </a:ln>
+        </p:spPr>
+        <p:style>
+          <a:lnRef idx="2">
+            <a:schemeClr val="accent1">
+              <a:shade val="50000"/>
+            </a:schemeClr>
+          </a:lnRef>
+          <a:fillRef idx="1">
+            <a:schemeClr val="accent1"/>
+          </a:fillRef>
+          <a:effectRef idx="0">
+            <a:schemeClr val="accent1"/>
+          </a:effectRef>
+          <a:fontRef idx="minor">
+            <a:schemeClr val="lt1"/>
+          </a:fontRef>
+        </p:style>
+        <p:txBody>
+          <a:bodyPr rtlCol="0" anchor="ctr"/>
+          <a:lstStyle/>
+          <a:p>
+            <a:pPr algn="ctr"/>
+            <a:r>
+              <a:rPr lang="zh-TW" altLang="en-US" dirty="0" smtClean="0">
+                <a:solidFill>
+                  <a:schemeClr val="tx1"/>
+                </a:solidFill>
+              </a:rPr>
+              <a:t>迴圈</a:t>
+            </a:r>
+            <a:r>
+              <a:rPr lang="zh-TW" altLang="en-US" dirty="0">
+                <a:solidFill>
+                  <a:schemeClr val="tx1"/>
+                </a:solidFill>
+              </a:rPr>
+              <a:t>結束</a:t>
+            </a:r>
+            <a:endParaRPr lang="en-US" altLang="zh-TW" dirty="0" smtClean="0">
+              <a:solidFill>
+                <a:schemeClr val="tx1"/>
+              </a:solidFill>
+            </a:endParaRPr>
+          </a:p>
+        </p:txBody>
+      </p:sp>
+      <p:sp>
+        <p:nvSpPr>
+          <p:cNvPr id="11" name="菱形 10"/>
+          <p:cNvSpPr/>
+          <p:nvPr/>
+        </p:nvSpPr>
+        <p:spPr>
+          <a:xfrm>
+            <a:off x="7117694" y="3216192"/>
+            <a:ext cx="3244162" cy="1161796"/>
+          </a:xfrm>
+          <a:prstGeom prst="diamond">
+            <a:avLst/>
+          </a:prstGeom>
+          <a:solidFill>
+            <a:schemeClr val="bg1"/>
+          </a:solidFill>
+          <a:ln w="38100">
+            <a:solidFill>
+              <a:srgbClr val="FF0000"/>
+            </a:solidFill>
+          </a:ln>
+        </p:spPr>
+        <p:style>
+          <a:lnRef idx="2">
+            <a:schemeClr val="accent1">
+              <a:shade val="50000"/>
+            </a:schemeClr>
+          </a:lnRef>
+          <a:fillRef idx="1">
+            <a:schemeClr val="accent1"/>
+          </a:fillRef>
+          <a:effectRef idx="0">
+            <a:schemeClr val="accent1"/>
+          </a:effectRef>
+          <a:fontRef idx="minor">
+            <a:schemeClr val="lt1"/>
+          </a:fontRef>
+        </p:style>
+        <p:txBody>
+          <a:bodyPr rtlCol="0" anchor="ctr"/>
+          <a:lstStyle/>
+          <a:p>
+            <a:pPr algn="ctr">
+              <a:tabLst>
+                <a:tab pos="1344613" algn="l"/>
+              </a:tabLst>
+            </a:pPr>
+            <a:r>
+              <a:rPr lang="zh-TW" altLang="en-US" dirty="0" smtClean="0">
+                <a:solidFill>
+                  <a:schemeClr val="tx1"/>
+                </a:solidFill>
+              </a:rPr>
+              <a:t>可迭代物件有變數尚未執行</a:t>
+            </a:r>
+            <a:endParaRPr lang="zh-TW" altLang="en-US" dirty="0">
+              <a:solidFill>
+                <a:schemeClr val="tx1"/>
+              </a:solidFill>
+            </a:endParaRPr>
+          </a:p>
+        </p:txBody>
+      </p:sp>
+      <p:sp>
+        <p:nvSpPr>
+          <p:cNvPr id="13" name="文字方塊 12"/>
+          <p:cNvSpPr txBox="1"/>
+          <p:nvPr/>
+        </p:nvSpPr>
+        <p:spPr>
+          <a:xfrm>
+            <a:off x="10251272" y="3441241"/>
+            <a:ext cx="636969" cy="369332"/>
+          </a:xfrm>
+          <a:prstGeom prst="rect">
+            <a:avLst/>
+          </a:prstGeom>
+          <a:noFill/>
+        </p:spPr>
+        <p:txBody>
+          <a:bodyPr wrap="none" rtlCol="0">
+            <a:spAutoFit/>
+          </a:bodyPr>
+          <a:lstStyle/>
+          <a:p>
+            <a:r>
+              <a:rPr lang="en-US" altLang="zh-TW" dirty="0" smtClean="0"/>
+              <a:t>True</a:t>
+            </a:r>
+            <a:endParaRPr lang="zh-TW" altLang="en-US" dirty="0"/>
+          </a:p>
+        </p:txBody>
+      </p:sp>
+      <p:sp>
+        <p:nvSpPr>
+          <p:cNvPr id="14" name="文字方塊 13"/>
+          <p:cNvSpPr txBox="1"/>
+          <p:nvPr/>
+        </p:nvSpPr>
+        <p:spPr>
+          <a:xfrm>
+            <a:off x="8063077" y="4377988"/>
+            <a:ext cx="715260" cy="369332"/>
+          </a:xfrm>
+          <a:prstGeom prst="rect">
+            <a:avLst/>
+          </a:prstGeom>
+          <a:noFill/>
+        </p:spPr>
+        <p:txBody>
+          <a:bodyPr wrap="none" rtlCol="0">
+            <a:spAutoFit/>
+          </a:bodyPr>
+          <a:lstStyle/>
+          <a:p>
+            <a:r>
+              <a:rPr lang="en-US" altLang="zh-TW" dirty="0" smtClean="0"/>
+              <a:t>False</a:t>
+            </a:r>
+            <a:endParaRPr lang="zh-TW" altLang="en-US" dirty="0"/>
+          </a:p>
+        </p:txBody>
+      </p:sp>
+      <p:sp>
+        <p:nvSpPr>
+          <p:cNvPr id="18" name="矩形 17"/>
+          <p:cNvSpPr/>
+          <p:nvPr/>
+        </p:nvSpPr>
+        <p:spPr>
+          <a:xfrm>
+            <a:off x="10277632" y="2295624"/>
+            <a:ext cx="1271016" cy="758758"/>
+          </a:xfrm>
+          <a:prstGeom prst="rect">
+            <a:avLst/>
+          </a:prstGeom>
+          <a:solidFill>
+            <a:schemeClr val="bg1"/>
+          </a:solidFill>
+          <a:ln w="38100">
+            <a:solidFill>
+              <a:srgbClr val="FF0000"/>
+            </a:solidFill>
+          </a:ln>
+        </p:spPr>
+        <p:style>
+          <a:lnRef idx="2">
+            <a:schemeClr val="accent1">
+              <a:shade val="50000"/>
+            </a:schemeClr>
+          </a:lnRef>
+          <a:fillRef idx="1">
+            <a:schemeClr val="accent1"/>
+          </a:fillRef>
+          <a:effectRef idx="0">
+            <a:schemeClr val="accent1"/>
+          </a:effectRef>
+          <a:fontRef idx="minor">
+            <a:schemeClr val="lt1"/>
+          </a:fontRef>
+        </p:style>
+        <p:txBody>
+          <a:bodyPr rtlCol="0" anchor="ctr"/>
+          <a:lstStyle/>
+          <a:p>
+            <a:pPr algn="ctr"/>
+            <a:r>
+              <a:rPr lang="zh-TW" altLang="en-US" dirty="0" smtClean="0">
+                <a:solidFill>
+                  <a:schemeClr val="tx1"/>
+                </a:solidFill>
+              </a:rPr>
+              <a:t>重複執行的工作</a:t>
+            </a:r>
+            <a:endParaRPr lang="zh-TW" altLang="en-US" dirty="0">
+              <a:solidFill>
+                <a:schemeClr val="tx1"/>
+              </a:solidFill>
+            </a:endParaRPr>
+          </a:p>
+        </p:txBody>
+      </p:sp>
+      <p:cxnSp>
+        <p:nvCxnSpPr>
+          <p:cNvPr id="19" name="直線單箭頭接點 18"/>
+          <p:cNvCxnSpPr>
+            <a:stCxn id="18" idx="1"/>
+          </p:cNvCxnSpPr>
+          <p:nvPr/>
+        </p:nvCxnSpPr>
+        <p:spPr>
+          <a:xfrm flipH="1" flipV="1">
+            <a:off x="8739775" y="2669198"/>
+            <a:ext cx="1537857" cy="5805"/>
+          </a:xfrm>
+          <a:prstGeom prst="straightConnector1">
+            <a:avLst/>
+          </a:prstGeom>
+          <a:ln w="28575">
+            <a:solidFill>
+              <a:schemeClr val="tx1"/>
+            </a:solidFill>
+            <a:headEnd type="none" w="med" len="med"/>
+            <a:tailEnd type="triangle" w="med" len="med"/>
+          </a:ln>
+        </p:spPr>
+        <p:style>
+          <a:lnRef idx="1">
+            <a:schemeClr val="accent1"/>
+          </a:lnRef>
+          <a:fillRef idx="0">
+            <a:schemeClr val="accent1"/>
+          </a:fillRef>
+          <a:effectRef idx="0">
+            <a:schemeClr val="accent1"/>
+          </a:effectRef>
+          <a:fontRef idx="minor">
+            <a:schemeClr val="tx1"/>
+          </a:fontRef>
+        </p:style>
+      </p:cxnSp>
+      <p:cxnSp>
+        <p:nvCxnSpPr>
+          <p:cNvPr id="39" name="直線單箭頭接點 38"/>
+          <p:cNvCxnSpPr>
+            <a:stCxn id="5" idx="2"/>
+            <a:endCxn id="11" idx="0"/>
+          </p:cNvCxnSpPr>
+          <p:nvPr/>
+        </p:nvCxnSpPr>
+        <p:spPr>
+          <a:xfrm flipH="1">
+            <a:off x="8739775" y="2122205"/>
+            <a:ext cx="1916" cy="1093987"/>
+          </a:xfrm>
+          <a:prstGeom prst="straightConnector1">
+            <a:avLst/>
+          </a:prstGeom>
+          <a:ln w="28575">
+            <a:solidFill>
+              <a:schemeClr val="tx1"/>
+            </a:solidFill>
+            <a:headEnd type="none" w="med" len="med"/>
+            <a:tailEnd type="triangle" w="med" len="med"/>
+          </a:ln>
+        </p:spPr>
+        <p:style>
+          <a:lnRef idx="1">
+            <a:schemeClr val="accent1"/>
+          </a:lnRef>
+          <a:fillRef idx="0">
+            <a:schemeClr val="accent1"/>
+          </a:fillRef>
+          <a:effectRef idx="0">
+            <a:schemeClr val="accent1"/>
+          </a:effectRef>
+          <a:fontRef idx="minor">
+            <a:schemeClr val="tx1"/>
+          </a:fontRef>
+        </p:style>
+      </p:cxnSp>
+      <p:pic>
+        <p:nvPicPr>
+          <p:cNvPr id="6" name="圖片 5"/>
+          <p:cNvPicPr>
+            <a:picLocks noChangeAspect="1"/>
+          </p:cNvPicPr>
+          <p:nvPr/>
+        </p:nvPicPr>
+        <p:blipFill>
+          <a:blip r:embed="rId2"/>
+          <a:stretch>
+            <a:fillRect/>
+          </a:stretch>
+        </p:blipFill>
+        <p:spPr>
+          <a:xfrm>
+            <a:off x="2518218" y="2160589"/>
+            <a:ext cx="4440366" cy="912168"/>
+          </a:xfrm>
+          <a:prstGeom prst="rect">
+            <a:avLst/>
+          </a:prstGeom>
+        </p:spPr>
+      </p:pic>
+      <p:cxnSp>
+        <p:nvCxnSpPr>
+          <p:cNvPr id="62" name="肘形接點 61"/>
+          <p:cNvCxnSpPr>
+            <a:stCxn id="11" idx="3"/>
+            <a:endCxn id="18" idx="2"/>
+          </p:cNvCxnSpPr>
+          <p:nvPr/>
+        </p:nvCxnSpPr>
+        <p:spPr>
+          <a:xfrm flipV="1">
+            <a:off x="10361856" y="3054382"/>
+            <a:ext cx="551284" cy="742708"/>
+          </a:xfrm>
+          <a:prstGeom prst="bentConnector2">
+            <a:avLst/>
+          </a:prstGeom>
+          <a:ln w="28575">
+            <a:solidFill>
+              <a:schemeClr val="tx1"/>
+            </a:solidFill>
+            <a:tailEnd type="triangle"/>
+          </a:ln>
+        </p:spPr>
+        <p:style>
+          <a:lnRef idx="1">
+            <a:schemeClr val="accent1"/>
+          </a:lnRef>
+          <a:fillRef idx="0">
+            <a:schemeClr val="accent1"/>
+          </a:fillRef>
+          <a:effectRef idx="0">
+            <a:schemeClr val="accent1"/>
+          </a:effectRef>
+          <a:fontRef idx="minor">
+            <a:schemeClr val="tx1"/>
+          </a:fontRef>
+        </p:style>
+      </p:cxnSp>
+      <p:pic>
+        <p:nvPicPr>
+          <p:cNvPr id="74" name="圖片 73"/>
+          <p:cNvPicPr>
+            <a:picLocks noChangeAspect="1"/>
+          </p:cNvPicPr>
+          <p:nvPr/>
+        </p:nvPicPr>
+        <p:blipFill>
+          <a:blip r:embed="rId3"/>
+          <a:stretch>
+            <a:fillRect/>
+          </a:stretch>
+        </p:blipFill>
+        <p:spPr>
+          <a:xfrm>
+            <a:off x="1829371" y="4205466"/>
+            <a:ext cx="2790825" cy="714375"/>
+          </a:xfrm>
+          <a:prstGeom prst="rect">
+            <a:avLst/>
+          </a:prstGeom>
+        </p:spPr>
+      </p:pic>
+      <p:sp>
+        <p:nvSpPr>
+          <p:cNvPr id="4" name="矩形 3"/>
+          <p:cNvSpPr/>
+          <p:nvPr/>
+        </p:nvSpPr>
+        <p:spPr>
+          <a:xfrm>
+            <a:off x="3521673" y="4880305"/>
+            <a:ext cx="4504759" cy="1384995"/>
+          </a:xfrm>
+          <a:prstGeom prst="rect">
+            <a:avLst/>
+          </a:prstGeom>
+          <a:noFill/>
+        </p:spPr>
+        <p:txBody>
+          <a:bodyPr wrap="none" lIns="91440" tIns="45720" rIns="91440" bIns="45720">
+            <a:spAutoFit/>
+            <a:scene3d>
+              <a:camera prst="orthographicFront"/>
+              <a:lightRig rig="harsh" dir="t"/>
+            </a:scene3d>
+            <a:sp3d extrusionH="57150" prstMaterial="matte">
+              <a:bevelT w="63500" h="12700" prst="angle"/>
+              <a:contourClr>
+                <a:schemeClr val="bg1">
+                  <a:lumMod val="65000"/>
+                </a:schemeClr>
+              </a:contourClr>
+            </a:sp3d>
+          </a:bodyPr>
+          <a:lstStyle/>
+          <a:p>
+            <a:pPr algn="ctr"/>
+            <a:r>
+              <a:rPr lang="zh-TW" altLang="en-US" sz="2800" b="1" cap="none" spc="0" dirty="0" smtClean="0">
+                <a:ln>
+                  <a:solidFill>
+                    <a:srgbClr val="FF0000"/>
+                  </a:solidFill>
+                </a:ln>
+                <a:solidFill>
+                  <a:srgbClr val="C00000"/>
+                </a:solidFill>
+                <a:effectLst/>
+              </a:rPr>
+              <a:t>白話說法：</a:t>
+            </a:r>
+            <a:endParaRPr lang="en-US" altLang="zh-TW" sz="2800" b="1" cap="none" spc="0" dirty="0" smtClean="0">
+              <a:ln>
+                <a:solidFill>
+                  <a:srgbClr val="FF0000"/>
+                </a:solidFill>
+              </a:ln>
+              <a:solidFill>
+                <a:srgbClr val="C00000"/>
+              </a:solidFill>
+              <a:effectLst/>
+            </a:endParaRPr>
+          </a:p>
+          <a:p>
+            <a:pPr algn="ctr"/>
+            <a:r>
+              <a:rPr lang="zh-TW" altLang="en-US" sz="2800" b="1" dirty="0">
+                <a:ln>
+                  <a:solidFill>
+                    <a:srgbClr val="FF0000"/>
+                  </a:solidFill>
+                </a:ln>
+                <a:solidFill>
+                  <a:srgbClr val="C00000"/>
+                </a:solidFill>
+              </a:rPr>
+              <a:t>他會產生</a:t>
+            </a:r>
+            <a:r>
+              <a:rPr lang="en-US" altLang="zh-TW" sz="2800" b="1" dirty="0">
+                <a:ln>
+                  <a:solidFill>
+                    <a:srgbClr val="FF0000"/>
+                  </a:solidFill>
+                </a:ln>
+                <a:solidFill>
+                  <a:srgbClr val="C00000"/>
+                </a:solidFill>
+              </a:rPr>
+              <a:t>n</a:t>
+            </a:r>
+            <a:r>
+              <a:rPr lang="zh-TW" altLang="en-US" sz="2800" b="1" dirty="0">
+                <a:ln>
+                  <a:solidFill>
+                    <a:srgbClr val="FF0000"/>
+                  </a:solidFill>
+                </a:ln>
+                <a:solidFill>
+                  <a:srgbClr val="C00000"/>
+                </a:solidFill>
+              </a:rPr>
+              <a:t>個</a:t>
+            </a:r>
+            <a:r>
+              <a:rPr lang="en-US" altLang="zh-TW" sz="2800" b="1" dirty="0">
+                <a:ln>
+                  <a:solidFill>
+                    <a:srgbClr val="FF0000"/>
+                  </a:solidFill>
+                </a:ln>
+                <a:solidFill>
+                  <a:srgbClr val="C00000"/>
+                </a:solidFill>
+              </a:rPr>
+              <a:t>0</a:t>
+            </a:r>
+            <a:r>
+              <a:rPr lang="en-US" altLang="zh-TW" sz="2800" b="1" dirty="0" smtClean="0">
+                <a:ln>
+                  <a:solidFill>
+                    <a:srgbClr val="FF0000"/>
+                  </a:solidFill>
+                </a:ln>
+                <a:solidFill>
+                  <a:srgbClr val="C00000"/>
+                </a:solidFill>
+              </a:rPr>
+              <a:t>~(n-1)</a:t>
+            </a:r>
+            <a:r>
+              <a:rPr lang="zh-TW" altLang="en-US" sz="2800" b="1" dirty="0" smtClean="0">
+                <a:ln>
+                  <a:solidFill>
+                    <a:srgbClr val="FF0000"/>
+                  </a:solidFill>
+                </a:ln>
+                <a:solidFill>
+                  <a:srgbClr val="C00000"/>
+                </a:solidFill>
+              </a:rPr>
+              <a:t>個數字</a:t>
+            </a:r>
+            <a:endParaRPr lang="en-US" altLang="zh-TW" sz="2800" b="1" dirty="0" smtClean="0">
+              <a:ln>
+                <a:solidFill>
+                  <a:srgbClr val="FF0000"/>
+                </a:solidFill>
+              </a:ln>
+              <a:solidFill>
+                <a:srgbClr val="C00000"/>
+              </a:solidFill>
+            </a:endParaRPr>
+          </a:p>
+          <a:p>
+            <a:pPr algn="ctr"/>
+            <a:r>
+              <a:rPr lang="zh-TW" altLang="en-US" sz="2800" b="1" dirty="0">
+                <a:ln>
+                  <a:solidFill>
+                    <a:srgbClr val="FF0000"/>
+                  </a:solidFill>
+                </a:ln>
+                <a:solidFill>
+                  <a:srgbClr val="C00000"/>
+                </a:solidFill>
+              </a:rPr>
+              <a:t>依序</a:t>
+            </a:r>
+            <a:r>
+              <a:rPr lang="zh-TW" altLang="en-US" sz="2800" b="1" dirty="0" smtClean="0">
+                <a:ln>
+                  <a:solidFill>
+                    <a:srgbClr val="FF0000"/>
+                  </a:solidFill>
+                </a:ln>
+                <a:solidFill>
+                  <a:srgbClr val="C00000"/>
+                </a:solidFill>
+              </a:rPr>
+              <a:t>帶入變數</a:t>
+            </a:r>
+            <a:r>
+              <a:rPr lang="en-US" altLang="zh-TW" sz="2800" b="1" dirty="0" err="1" smtClean="0">
+                <a:ln>
+                  <a:solidFill>
+                    <a:srgbClr val="FF0000"/>
+                  </a:solidFill>
+                </a:ln>
+                <a:solidFill>
+                  <a:srgbClr val="C00000"/>
+                </a:solidFill>
+              </a:rPr>
+              <a:t>i</a:t>
+            </a:r>
+            <a:r>
+              <a:rPr lang="zh-TW" altLang="en-US" sz="2800" b="1" dirty="0" smtClean="0">
+                <a:ln>
+                  <a:solidFill>
+                    <a:srgbClr val="FF0000"/>
+                  </a:solidFill>
+                </a:ln>
+                <a:solidFill>
+                  <a:srgbClr val="C00000"/>
+                </a:solidFill>
+              </a:rPr>
+              <a:t>中給你用</a:t>
+            </a:r>
+            <a:endParaRPr lang="zh-TW" altLang="en-US" sz="2800" b="1" cap="none" spc="0" dirty="0">
+              <a:ln>
+                <a:solidFill>
+                  <a:srgbClr val="FF0000"/>
+                </a:solidFill>
+              </a:ln>
+              <a:solidFill>
+                <a:srgbClr val="C00000"/>
+              </a:solidFill>
+              <a:effectLst/>
+            </a:endParaRPr>
+          </a:p>
+        </p:txBody>
+      </p:sp>
+    </p:spTree>
+    <p:extLst>
+      <p:ext uri="{BB962C8B-B14F-4D97-AF65-F5344CB8AC3E}">
+        <p14:creationId xmlns:p14="http://schemas.microsoft.com/office/powerpoint/2010/main" val="3237708370"/>
+      </p:ext>
+    </p:extLst>
+  </p:cSld>
+  <p:clrMapOvr>
+    <a:masterClrMapping/>
+  </p:clrMapOvr>
+  <p:timing>
+    <p:tnLst>
+      <p:par>
+        <p:cTn id="1" dur="indefinite" restart="never" nodeType="tmRoot">
+          <p:childTnLst>
+            <p:seq concurrent="1" nextAc="seek">
+              <p:cTn id="2" dur="indefinite" nodeType="mainSeq">
+                <p:childTnLst>
+                  <p:par>
+                    <p:cTn id="3" fill="hold">
+                      <p:stCondLst>
+                        <p:cond delay="indefinite"/>
+                      </p:stCondLst>
+                      <p:childTnLst>
+                        <p:par>
+                          <p:cTn id="4" fill="hold">
+                            <p:stCondLst>
+                              <p:cond delay="0"/>
+                            </p:stCondLst>
+                            <p:childTnLst>
+                              <p:par>
+                                <p:cTn id="5" presetID="42" presetClass="entr" presetSubtype="0" fill="hold" grpId="0" nodeType="clickEffect">
+                                  <p:stCondLst>
+                                    <p:cond delay="0"/>
+                                  </p:stCondLst>
+                                  <p:childTnLst>
+                                    <p:set>
+                                      <p:cBhvr>
+                                        <p:cTn id="6" dur="1" fill="hold">
+                                          <p:stCondLst>
+                                            <p:cond delay="0"/>
+                                          </p:stCondLst>
+                                        </p:cTn>
+                                        <p:tgtEl>
+                                          <p:spTgt spid="4"/>
+                                        </p:tgtEl>
+                                        <p:attrNameLst>
+                                          <p:attrName>style.visibility</p:attrName>
+                                        </p:attrNameLst>
+                                      </p:cBhvr>
+                                      <p:to>
+                                        <p:strVal val="visible"/>
+                                      </p:to>
+                                    </p:set>
+                                    <p:animEffect transition="in" filter="fade">
+                                      <p:cBhvr>
+                                        <p:cTn id="7" dur="1000"/>
+                                        <p:tgtEl>
+                                          <p:spTgt spid="4"/>
+                                        </p:tgtEl>
+                                      </p:cBhvr>
+                                    </p:animEffect>
+                                    <p:anim calcmode="lin" valueType="num">
+                                      <p:cBhvr>
+                                        <p:cTn id="8" dur="1000" fill="hold"/>
+                                        <p:tgtEl>
+                                          <p:spTgt spid="4"/>
+                                        </p:tgtEl>
+                                        <p:attrNameLst>
+                                          <p:attrName>ppt_x</p:attrName>
+                                        </p:attrNameLst>
+                                      </p:cBhvr>
+                                      <p:tavLst>
+                                        <p:tav tm="0">
+                                          <p:val>
+                                            <p:strVal val="#ppt_x"/>
+                                          </p:val>
+                                        </p:tav>
+                                        <p:tav tm="100000">
+                                          <p:val>
+                                            <p:strVal val="#ppt_x"/>
+                                          </p:val>
+                                        </p:tav>
+                                      </p:tavLst>
+                                    </p:anim>
+                                    <p:anim calcmode="lin" valueType="num">
+                                      <p:cBhvr>
+                                        <p:cTn id="9" dur="1000" fill="hold"/>
+                                        <p:tgtEl>
+                                          <p:spTgt spid="4"/>
+                                        </p:tgtEl>
+                                        <p:attrNameLst>
+                                          <p:attrName>ppt_y</p:attrName>
+                                        </p:attrNameLst>
+                                      </p:cBhvr>
+                                      <p:tavLst>
+                                        <p:tav tm="0">
+                                          <p:val>
+                                            <p:strVal val="#ppt_y+.1"/>
+                                          </p:val>
+                                        </p:tav>
+                                        <p:tav tm="100000">
+                                          <p:val>
+                                            <p:strVal val="#ppt_y"/>
+                                          </p:val>
+                                        </p:tav>
+                                      </p:tavLst>
+                                    </p:anim>
+                                  </p:childTnLst>
+                                </p:cTn>
+                              </p:par>
+                            </p:childTnLst>
+                          </p:cTn>
+                        </p:par>
+                      </p:childTnLst>
+                    </p:cTn>
+                  </p:par>
+                </p:childTnLst>
+              </p:cTn>
+              <p:prevCondLst>
+                <p:cond evt="onPrev" delay="0">
+                  <p:tgtEl>
+                    <p:sldTgt/>
+                  </p:tgtEl>
+                </p:cond>
+              </p:prevCondLst>
+              <p:nextCondLst>
+                <p:cond evt="onNext" delay="0">
+                  <p:tgtEl>
+                    <p:sldTgt/>
+                  </p:tgtEl>
+                </p:cond>
+              </p:nextCondLst>
+            </p:seq>
+          </p:childTnLst>
+        </p:cTn>
+      </p:par>
+    </p:tnLst>
+    <p:bldLst>
+      <p:bldP spid="4" grpId="0"/>
+    </p:bldLst>
+  </p:timing>
+</p:sld>
+</file>
+
+<file path=ppt/slides/slide40.xml><?xml version="1.0" encoding="utf-8"?>
 <p:sld xmlns:a="http://schemas.openxmlformats.org/drawingml/2006/main" xmlns:r="http://schemas.openxmlformats.org/officeDocument/2006/relationships" xmlns:p="http://schemas.openxmlformats.org/presentationml/2006/main">
   <p:cSld>
     <p:spTree>
@@ -27840,7 +34226,7 @@
 </p:sld>
 </file>
 
-<file path=ppt/slides/slide39.xml><?xml version="1.0" encoding="utf-8"?>
+<file path=ppt/slides/slide41.xml><?xml version="1.0" encoding="utf-8"?>
 <p:sld xmlns:a="http://schemas.openxmlformats.org/drawingml/2006/main" xmlns:r="http://schemas.openxmlformats.org/officeDocument/2006/relationships" xmlns:p="http://schemas.openxmlformats.org/presentationml/2006/main">
   <p:cSld>
     <p:spTree>
@@ -27921,717 +34307,6 @@
   <p:clrMapOvr>
     <a:masterClrMapping/>
   </p:clrMapOvr>
-</p:sld>
-</file>
-
-<file path=ppt/slides/slide4.xml><?xml version="1.0" encoding="utf-8"?>
-<p:sld xmlns:a="http://schemas.openxmlformats.org/drawingml/2006/main" xmlns:r="http://schemas.openxmlformats.org/officeDocument/2006/relationships" xmlns:p="http://schemas.openxmlformats.org/presentationml/2006/main">
-  <p:cSld>
-    <p:spTree>
-      <p:nvGrpSpPr>
-        <p:cNvPr id="1" name=""/>
-        <p:cNvGrpSpPr/>
-        <p:nvPr/>
-      </p:nvGrpSpPr>
-      <p:grpSpPr>
-        <a:xfrm>
-          <a:off x="0" y="0"/>
-          <a:ext cx="0" cy="0"/>
-          <a:chOff x="0" y="0"/>
-          <a:chExt cx="0" cy="0"/>
-        </a:xfrm>
-      </p:grpSpPr>
-      <p:sp>
-        <p:nvSpPr>
-          <p:cNvPr id="2" name="標題 1"/>
-          <p:cNvSpPr>
-            <a:spLocks noGrp="1"/>
-          </p:cNvSpPr>
-          <p:nvPr>
-            <p:ph type="title"/>
-          </p:nvPr>
-        </p:nvSpPr>
-        <p:spPr/>
-        <p:txBody>
-          <a:bodyPr/>
-          <a:lstStyle/>
-          <a:p>
-            <a:r>
-              <a:rPr lang="zh-TW" altLang="en-US" dirty="0" smtClean="0"/>
-              <a:t>最基本迴圈</a:t>
-            </a:r>
-            <a:r>
-              <a:rPr lang="en-US" altLang="zh-TW" dirty="0" smtClean="0"/>
-              <a:t/>
-            </a:r>
-            <a:br>
-              <a:rPr lang="en-US" altLang="zh-TW" dirty="0" smtClean="0"/>
-            </a:br>
-            <a:r>
-              <a:rPr lang="en-US" altLang="zh-TW" dirty="0" smtClean="0"/>
-              <a:t>for</a:t>
-            </a:r>
-            <a:r>
-              <a:rPr lang="zh-TW" altLang="en-US" dirty="0" smtClean="0"/>
-              <a:t>迴圈</a:t>
-            </a:r>
-            <a:r>
-              <a:rPr lang="en-US" altLang="zh-TW" dirty="0" smtClean="0"/>
-              <a:t>+range()</a:t>
-            </a:r>
-            <a:endParaRPr lang="zh-TW" altLang="en-US" dirty="0"/>
-          </a:p>
-        </p:txBody>
-      </p:sp>
-      <p:sp>
-        <p:nvSpPr>
-          <p:cNvPr id="3" name="內容版面配置區 2"/>
-          <p:cNvSpPr>
-            <a:spLocks noGrp="1"/>
-          </p:cNvSpPr>
-          <p:nvPr>
-            <p:ph idx="1"/>
-          </p:nvPr>
-        </p:nvSpPr>
-        <p:spPr/>
-        <p:txBody>
-          <a:bodyPr>
-            <a:normAutofit/>
-          </a:bodyPr>
-          <a:lstStyle/>
-          <a:p>
-            <a:r>
-              <a:rPr lang="en-US" altLang="zh-TW" dirty="0" smtClean="0"/>
-              <a:t>for</a:t>
-            </a:r>
-            <a:r>
-              <a:rPr lang="zh-TW" altLang="en-US" dirty="0" smtClean="0"/>
-              <a:t>迴圈語法：</a:t>
-            </a:r>
-            <a:endParaRPr lang="en-US" altLang="zh-TW" dirty="0" smtClean="0"/>
-          </a:p>
-          <a:p>
-            <a:endParaRPr lang="en-US" altLang="zh-TW" dirty="0"/>
-          </a:p>
-          <a:p>
-            <a:endParaRPr lang="en-US" altLang="zh-TW" dirty="0" smtClean="0"/>
-          </a:p>
-          <a:p>
-            <a:r>
-              <a:rPr lang="zh-TW" altLang="en-US" dirty="0" smtClean="0"/>
-              <a:t>基本常用可迭代物件：</a:t>
-            </a:r>
-            <a:r>
-              <a:rPr lang="en-US" altLang="zh-TW" dirty="0" smtClean="0"/>
-              <a:t>range(</a:t>
-            </a:r>
-            <a:r>
-              <a:rPr lang="en-US" altLang="zh-TW" dirty="0" smtClean="0">
-                <a:solidFill>
-                  <a:srgbClr val="FF0000"/>
-                </a:solidFill>
-              </a:rPr>
-              <a:t>n</a:t>
-            </a:r>
-            <a:r>
-              <a:rPr lang="en-US" altLang="zh-TW" dirty="0" smtClean="0"/>
-              <a:t>)</a:t>
-            </a:r>
-          </a:p>
-          <a:p>
-            <a:pPr lvl="1"/>
-            <a:r>
-              <a:rPr lang="en-US" altLang="zh-TW" dirty="0" smtClean="0"/>
-              <a:t>range(n)</a:t>
-            </a:r>
-            <a:r>
-              <a:rPr lang="zh-TW" altLang="en-US" dirty="0" smtClean="0"/>
-              <a:t>會產生</a:t>
-            </a:r>
-            <a:r>
-              <a:rPr lang="en-US" altLang="zh-TW" dirty="0" smtClean="0"/>
-              <a:t>0,1,2,3,…., (n-1)</a:t>
-            </a:r>
-            <a:r>
-              <a:rPr lang="zh-TW" altLang="en-US" dirty="0" smtClean="0"/>
-              <a:t>共</a:t>
-            </a:r>
-            <a:r>
-              <a:rPr lang="en-US" altLang="zh-TW" dirty="0" smtClean="0"/>
-              <a:t>n</a:t>
-            </a:r>
-            <a:r>
-              <a:rPr lang="zh-TW" altLang="en-US" dirty="0" smtClean="0"/>
-              <a:t>個數字的數字串</a:t>
-            </a:r>
-            <a:endParaRPr lang="en-US" altLang="zh-TW" dirty="0" smtClean="0"/>
-          </a:p>
-          <a:p>
-            <a:r>
-              <a:rPr lang="zh-TW" altLang="en-US" dirty="0" smtClean="0"/>
-              <a:t>範例：</a:t>
-            </a:r>
-            <a:endParaRPr lang="en-US" altLang="zh-TW" dirty="0" smtClean="0"/>
-          </a:p>
-          <a:p>
-            <a:endParaRPr lang="en-US" altLang="zh-TW" dirty="0"/>
-          </a:p>
-          <a:p>
-            <a:pPr lvl="1"/>
-            <a:r>
-              <a:rPr lang="zh-TW" altLang="en-US" dirty="0" smtClean="0"/>
-              <a:t>會輸出 </a:t>
-            </a:r>
-            <a:r>
-              <a:rPr lang="en-US" altLang="zh-TW" dirty="0" smtClean="0"/>
-              <a:t>0,1,2,3,4,….,8,9</a:t>
-            </a:r>
-            <a:r>
-              <a:rPr lang="zh-TW" altLang="en-US" dirty="0" smtClean="0"/>
-              <a:t>共</a:t>
-            </a:r>
-            <a:r>
-              <a:rPr lang="en-US" altLang="zh-TW" dirty="0" smtClean="0"/>
-              <a:t>10</a:t>
-            </a:r>
-            <a:r>
-              <a:rPr lang="zh-TW" altLang="en-US" dirty="0" smtClean="0"/>
-              <a:t>個數字。</a:t>
-            </a:r>
-            <a:endParaRPr lang="en-US" altLang="zh-TW" dirty="0" smtClean="0"/>
-          </a:p>
-          <a:p>
-            <a:endParaRPr lang="en-US" altLang="zh-TW" dirty="0" smtClean="0"/>
-          </a:p>
-        </p:txBody>
-      </p:sp>
-      <p:sp>
-        <p:nvSpPr>
-          <p:cNvPr id="5" name="圓角矩形 4"/>
-          <p:cNvSpPr/>
-          <p:nvPr/>
-        </p:nvSpPr>
-        <p:spPr>
-          <a:xfrm>
-            <a:off x="8063076" y="1730029"/>
-            <a:ext cx="1357229" cy="392176"/>
-          </a:xfrm>
-          <a:prstGeom prst="roundRect">
-            <a:avLst>
-              <a:gd name="adj" fmla="val 50000"/>
-            </a:avLst>
-          </a:prstGeom>
-          <a:solidFill>
-            <a:schemeClr val="bg1"/>
-          </a:solidFill>
-          <a:ln>
-            <a:solidFill>
-              <a:schemeClr val="tx1"/>
-            </a:solidFill>
-          </a:ln>
-        </p:spPr>
-        <p:style>
-          <a:lnRef idx="2">
-            <a:schemeClr val="accent1">
-              <a:shade val="50000"/>
-            </a:schemeClr>
-          </a:lnRef>
-          <a:fillRef idx="1">
-            <a:schemeClr val="accent1"/>
-          </a:fillRef>
-          <a:effectRef idx="0">
-            <a:schemeClr val="accent1"/>
-          </a:effectRef>
-          <a:fontRef idx="minor">
-            <a:schemeClr val="lt1"/>
-          </a:fontRef>
-        </p:style>
-        <p:txBody>
-          <a:bodyPr rtlCol="0" anchor="ctr"/>
-          <a:lstStyle/>
-          <a:p>
-            <a:pPr algn="ctr"/>
-            <a:r>
-              <a:rPr lang="zh-TW" altLang="en-US" dirty="0">
-                <a:solidFill>
-                  <a:schemeClr val="tx1"/>
-                </a:solidFill>
-              </a:rPr>
-              <a:t>迴圈開始</a:t>
-            </a:r>
-          </a:p>
-        </p:txBody>
-      </p:sp>
-      <p:cxnSp>
-        <p:nvCxnSpPr>
-          <p:cNvPr id="8" name="直線單箭頭接點 7"/>
-          <p:cNvCxnSpPr>
-            <a:stCxn id="11" idx="2"/>
-            <a:endCxn id="10" idx="0"/>
-          </p:cNvCxnSpPr>
-          <p:nvPr/>
-        </p:nvCxnSpPr>
-        <p:spPr>
-          <a:xfrm>
-            <a:off x="8739775" y="4377988"/>
-            <a:ext cx="1917" cy="802639"/>
-          </a:xfrm>
-          <a:prstGeom prst="straightConnector1">
-            <a:avLst/>
-          </a:prstGeom>
-          <a:ln w="28575">
-            <a:solidFill>
-              <a:schemeClr val="tx1"/>
-            </a:solidFill>
-            <a:headEnd type="none" w="med" len="med"/>
-            <a:tailEnd type="triangle" w="med" len="med"/>
-          </a:ln>
-        </p:spPr>
-        <p:style>
-          <a:lnRef idx="1">
-            <a:schemeClr val="accent1"/>
-          </a:lnRef>
-          <a:fillRef idx="0">
-            <a:schemeClr val="accent1"/>
-          </a:fillRef>
-          <a:effectRef idx="0">
-            <a:schemeClr val="accent1"/>
-          </a:effectRef>
-          <a:fontRef idx="minor">
-            <a:schemeClr val="tx1"/>
-          </a:fontRef>
-        </p:style>
-      </p:cxnSp>
-      <p:sp>
-        <p:nvSpPr>
-          <p:cNvPr id="10" name="圓角矩形 9"/>
-          <p:cNvSpPr/>
-          <p:nvPr/>
-        </p:nvSpPr>
-        <p:spPr>
-          <a:xfrm>
-            <a:off x="8063077" y="5180627"/>
-            <a:ext cx="1357229" cy="392176"/>
-          </a:xfrm>
-          <a:prstGeom prst="roundRect">
-            <a:avLst>
-              <a:gd name="adj" fmla="val 50000"/>
-            </a:avLst>
-          </a:prstGeom>
-          <a:solidFill>
-            <a:schemeClr val="bg1"/>
-          </a:solidFill>
-          <a:ln>
-            <a:solidFill>
-              <a:schemeClr val="tx1"/>
-            </a:solidFill>
-          </a:ln>
-        </p:spPr>
-        <p:style>
-          <a:lnRef idx="2">
-            <a:schemeClr val="accent1">
-              <a:shade val="50000"/>
-            </a:schemeClr>
-          </a:lnRef>
-          <a:fillRef idx="1">
-            <a:schemeClr val="accent1"/>
-          </a:fillRef>
-          <a:effectRef idx="0">
-            <a:schemeClr val="accent1"/>
-          </a:effectRef>
-          <a:fontRef idx="minor">
-            <a:schemeClr val="lt1"/>
-          </a:fontRef>
-        </p:style>
-        <p:txBody>
-          <a:bodyPr rtlCol="0" anchor="ctr"/>
-          <a:lstStyle/>
-          <a:p>
-            <a:pPr algn="ctr"/>
-            <a:r>
-              <a:rPr lang="zh-TW" altLang="en-US" dirty="0" smtClean="0">
-                <a:solidFill>
-                  <a:schemeClr val="tx1"/>
-                </a:solidFill>
-              </a:rPr>
-              <a:t>迴圈</a:t>
-            </a:r>
-            <a:r>
-              <a:rPr lang="zh-TW" altLang="en-US" dirty="0">
-                <a:solidFill>
-                  <a:schemeClr val="tx1"/>
-                </a:solidFill>
-              </a:rPr>
-              <a:t>結束</a:t>
-            </a:r>
-            <a:endParaRPr lang="en-US" altLang="zh-TW" dirty="0" smtClean="0">
-              <a:solidFill>
-                <a:schemeClr val="tx1"/>
-              </a:solidFill>
-            </a:endParaRPr>
-          </a:p>
-        </p:txBody>
-      </p:sp>
-      <p:sp>
-        <p:nvSpPr>
-          <p:cNvPr id="11" name="菱形 10"/>
-          <p:cNvSpPr/>
-          <p:nvPr/>
-        </p:nvSpPr>
-        <p:spPr>
-          <a:xfrm>
-            <a:off x="7117694" y="3216192"/>
-            <a:ext cx="3244162" cy="1161796"/>
-          </a:xfrm>
-          <a:prstGeom prst="diamond">
-            <a:avLst/>
-          </a:prstGeom>
-          <a:solidFill>
-            <a:schemeClr val="bg1"/>
-          </a:solidFill>
-          <a:ln w="38100">
-            <a:solidFill>
-              <a:srgbClr val="FF0000"/>
-            </a:solidFill>
-          </a:ln>
-        </p:spPr>
-        <p:style>
-          <a:lnRef idx="2">
-            <a:schemeClr val="accent1">
-              <a:shade val="50000"/>
-            </a:schemeClr>
-          </a:lnRef>
-          <a:fillRef idx="1">
-            <a:schemeClr val="accent1"/>
-          </a:fillRef>
-          <a:effectRef idx="0">
-            <a:schemeClr val="accent1"/>
-          </a:effectRef>
-          <a:fontRef idx="minor">
-            <a:schemeClr val="lt1"/>
-          </a:fontRef>
-        </p:style>
-        <p:txBody>
-          <a:bodyPr rtlCol="0" anchor="ctr"/>
-          <a:lstStyle/>
-          <a:p>
-            <a:pPr algn="ctr">
-              <a:tabLst>
-                <a:tab pos="1344613" algn="l"/>
-              </a:tabLst>
-            </a:pPr>
-            <a:r>
-              <a:rPr lang="zh-TW" altLang="en-US" dirty="0" smtClean="0">
-                <a:solidFill>
-                  <a:schemeClr val="tx1"/>
-                </a:solidFill>
-              </a:rPr>
-              <a:t>可迭代物件有變數尚未執行</a:t>
-            </a:r>
-            <a:endParaRPr lang="zh-TW" altLang="en-US" dirty="0">
-              <a:solidFill>
-                <a:schemeClr val="tx1"/>
-              </a:solidFill>
-            </a:endParaRPr>
-          </a:p>
-        </p:txBody>
-      </p:sp>
-      <p:sp>
-        <p:nvSpPr>
-          <p:cNvPr id="13" name="文字方塊 12"/>
-          <p:cNvSpPr txBox="1"/>
-          <p:nvPr/>
-        </p:nvSpPr>
-        <p:spPr>
-          <a:xfrm>
-            <a:off x="10251272" y="3441241"/>
-            <a:ext cx="636969" cy="369332"/>
-          </a:xfrm>
-          <a:prstGeom prst="rect">
-            <a:avLst/>
-          </a:prstGeom>
-          <a:noFill/>
-        </p:spPr>
-        <p:txBody>
-          <a:bodyPr wrap="none" rtlCol="0">
-            <a:spAutoFit/>
-          </a:bodyPr>
-          <a:lstStyle/>
-          <a:p>
-            <a:r>
-              <a:rPr lang="en-US" altLang="zh-TW" dirty="0" smtClean="0"/>
-              <a:t>True</a:t>
-            </a:r>
-            <a:endParaRPr lang="zh-TW" altLang="en-US" dirty="0"/>
-          </a:p>
-        </p:txBody>
-      </p:sp>
-      <p:sp>
-        <p:nvSpPr>
-          <p:cNvPr id="14" name="文字方塊 13"/>
-          <p:cNvSpPr txBox="1"/>
-          <p:nvPr/>
-        </p:nvSpPr>
-        <p:spPr>
-          <a:xfrm>
-            <a:off x="8063077" y="4377988"/>
-            <a:ext cx="715260" cy="369332"/>
-          </a:xfrm>
-          <a:prstGeom prst="rect">
-            <a:avLst/>
-          </a:prstGeom>
-          <a:noFill/>
-        </p:spPr>
-        <p:txBody>
-          <a:bodyPr wrap="none" rtlCol="0">
-            <a:spAutoFit/>
-          </a:bodyPr>
-          <a:lstStyle/>
-          <a:p>
-            <a:r>
-              <a:rPr lang="en-US" altLang="zh-TW" dirty="0" smtClean="0"/>
-              <a:t>False</a:t>
-            </a:r>
-            <a:endParaRPr lang="zh-TW" altLang="en-US" dirty="0"/>
-          </a:p>
-        </p:txBody>
-      </p:sp>
-      <p:sp>
-        <p:nvSpPr>
-          <p:cNvPr id="18" name="矩形 17"/>
-          <p:cNvSpPr/>
-          <p:nvPr/>
-        </p:nvSpPr>
-        <p:spPr>
-          <a:xfrm>
-            <a:off x="10277632" y="2295624"/>
-            <a:ext cx="1271016" cy="758758"/>
-          </a:xfrm>
-          <a:prstGeom prst="rect">
-            <a:avLst/>
-          </a:prstGeom>
-          <a:solidFill>
-            <a:schemeClr val="bg1"/>
-          </a:solidFill>
-          <a:ln w="38100">
-            <a:solidFill>
-              <a:srgbClr val="FF0000"/>
-            </a:solidFill>
-          </a:ln>
-        </p:spPr>
-        <p:style>
-          <a:lnRef idx="2">
-            <a:schemeClr val="accent1">
-              <a:shade val="50000"/>
-            </a:schemeClr>
-          </a:lnRef>
-          <a:fillRef idx="1">
-            <a:schemeClr val="accent1"/>
-          </a:fillRef>
-          <a:effectRef idx="0">
-            <a:schemeClr val="accent1"/>
-          </a:effectRef>
-          <a:fontRef idx="minor">
-            <a:schemeClr val="lt1"/>
-          </a:fontRef>
-        </p:style>
-        <p:txBody>
-          <a:bodyPr rtlCol="0" anchor="ctr"/>
-          <a:lstStyle/>
-          <a:p>
-            <a:pPr algn="ctr"/>
-            <a:r>
-              <a:rPr lang="zh-TW" altLang="en-US" dirty="0" smtClean="0">
-                <a:solidFill>
-                  <a:schemeClr val="tx1"/>
-                </a:solidFill>
-              </a:rPr>
-              <a:t>重複執行的工作</a:t>
-            </a:r>
-            <a:endParaRPr lang="zh-TW" altLang="en-US" dirty="0">
-              <a:solidFill>
-                <a:schemeClr val="tx1"/>
-              </a:solidFill>
-            </a:endParaRPr>
-          </a:p>
-        </p:txBody>
-      </p:sp>
-      <p:cxnSp>
-        <p:nvCxnSpPr>
-          <p:cNvPr id="19" name="直線單箭頭接點 18"/>
-          <p:cNvCxnSpPr>
-            <a:stCxn id="18" idx="1"/>
-          </p:cNvCxnSpPr>
-          <p:nvPr/>
-        </p:nvCxnSpPr>
-        <p:spPr>
-          <a:xfrm flipH="1" flipV="1">
-            <a:off x="8739775" y="2669198"/>
-            <a:ext cx="1537857" cy="5805"/>
-          </a:xfrm>
-          <a:prstGeom prst="straightConnector1">
-            <a:avLst/>
-          </a:prstGeom>
-          <a:ln w="28575">
-            <a:solidFill>
-              <a:schemeClr val="tx1"/>
-            </a:solidFill>
-            <a:headEnd type="none" w="med" len="med"/>
-            <a:tailEnd type="triangle" w="med" len="med"/>
-          </a:ln>
-        </p:spPr>
-        <p:style>
-          <a:lnRef idx="1">
-            <a:schemeClr val="accent1"/>
-          </a:lnRef>
-          <a:fillRef idx="0">
-            <a:schemeClr val="accent1"/>
-          </a:fillRef>
-          <a:effectRef idx="0">
-            <a:schemeClr val="accent1"/>
-          </a:effectRef>
-          <a:fontRef idx="minor">
-            <a:schemeClr val="tx1"/>
-          </a:fontRef>
-        </p:style>
-      </p:cxnSp>
-      <p:cxnSp>
-        <p:nvCxnSpPr>
-          <p:cNvPr id="39" name="直線單箭頭接點 38"/>
-          <p:cNvCxnSpPr>
-            <a:stCxn id="5" idx="2"/>
-            <a:endCxn id="11" idx="0"/>
-          </p:cNvCxnSpPr>
-          <p:nvPr/>
-        </p:nvCxnSpPr>
-        <p:spPr>
-          <a:xfrm flipH="1">
-            <a:off x="8739775" y="2122205"/>
-            <a:ext cx="1916" cy="1093987"/>
-          </a:xfrm>
-          <a:prstGeom prst="straightConnector1">
-            <a:avLst/>
-          </a:prstGeom>
-          <a:ln w="28575">
-            <a:solidFill>
-              <a:schemeClr val="tx1"/>
-            </a:solidFill>
-            <a:headEnd type="none" w="med" len="med"/>
-            <a:tailEnd type="triangle" w="med" len="med"/>
-          </a:ln>
-        </p:spPr>
-        <p:style>
-          <a:lnRef idx="1">
-            <a:schemeClr val="accent1"/>
-          </a:lnRef>
-          <a:fillRef idx="0">
-            <a:schemeClr val="accent1"/>
-          </a:fillRef>
-          <a:effectRef idx="0">
-            <a:schemeClr val="accent1"/>
-          </a:effectRef>
-          <a:fontRef idx="minor">
-            <a:schemeClr val="tx1"/>
-          </a:fontRef>
-        </p:style>
-      </p:cxnSp>
-      <p:pic>
-        <p:nvPicPr>
-          <p:cNvPr id="6" name="圖片 5"/>
-          <p:cNvPicPr>
-            <a:picLocks noChangeAspect="1"/>
-          </p:cNvPicPr>
-          <p:nvPr/>
-        </p:nvPicPr>
-        <p:blipFill>
-          <a:blip r:embed="rId2"/>
-          <a:stretch>
-            <a:fillRect/>
-          </a:stretch>
-        </p:blipFill>
-        <p:spPr>
-          <a:xfrm>
-            <a:off x="2518218" y="2160589"/>
-            <a:ext cx="4440366" cy="912168"/>
-          </a:xfrm>
-          <a:prstGeom prst="rect">
-            <a:avLst/>
-          </a:prstGeom>
-        </p:spPr>
-      </p:pic>
-      <p:cxnSp>
-        <p:nvCxnSpPr>
-          <p:cNvPr id="62" name="肘形接點 61"/>
-          <p:cNvCxnSpPr>
-            <a:stCxn id="11" idx="3"/>
-            <a:endCxn id="18" idx="2"/>
-          </p:cNvCxnSpPr>
-          <p:nvPr/>
-        </p:nvCxnSpPr>
-        <p:spPr>
-          <a:xfrm flipV="1">
-            <a:off x="10361856" y="3054382"/>
-            <a:ext cx="551284" cy="742708"/>
-          </a:xfrm>
-          <a:prstGeom prst="bentConnector2">
-            <a:avLst/>
-          </a:prstGeom>
-          <a:ln w="28575">
-            <a:solidFill>
-              <a:schemeClr val="tx1"/>
-            </a:solidFill>
-            <a:tailEnd type="triangle"/>
-          </a:ln>
-        </p:spPr>
-        <p:style>
-          <a:lnRef idx="1">
-            <a:schemeClr val="accent1"/>
-          </a:lnRef>
-          <a:fillRef idx="0">
-            <a:schemeClr val="accent1"/>
-          </a:fillRef>
-          <a:effectRef idx="0">
-            <a:schemeClr val="accent1"/>
-          </a:effectRef>
-          <a:fontRef idx="minor">
-            <a:schemeClr val="tx1"/>
-          </a:fontRef>
-        </p:style>
-      </p:cxnSp>
-      <p:pic>
-        <p:nvPicPr>
-          <p:cNvPr id="74" name="圖片 73"/>
-          <p:cNvPicPr>
-            <a:picLocks noChangeAspect="1"/>
-          </p:cNvPicPr>
-          <p:nvPr/>
-        </p:nvPicPr>
-        <p:blipFill>
-          <a:blip r:embed="rId3"/>
-          <a:stretch>
-            <a:fillRect/>
-          </a:stretch>
-        </p:blipFill>
-        <p:spPr>
-          <a:xfrm>
-            <a:off x="1829371" y="4205466"/>
-            <a:ext cx="2790825" cy="714375"/>
-          </a:xfrm>
-          <a:prstGeom prst="rect">
-            <a:avLst/>
-          </a:prstGeom>
-        </p:spPr>
-      </p:pic>
-    </p:spTree>
-    <p:extLst>
-      <p:ext uri="{BB962C8B-B14F-4D97-AF65-F5344CB8AC3E}">
-        <p14:creationId xmlns:p14="http://schemas.microsoft.com/office/powerpoint/2010/main" val="3237708370"/>
-      </p:ext>
-    </p:extLst>
-  </p:cSld>
-  <p:clrMapOvr>
-    <a:masterClrMapping/>
-  </p:clrMapOvr>
   <p:timing>
     <p:tnLst>
       <p:par>
@@ -28642,7 +34317,7 @@
 </p:sld>
 </file>
 
-<file path=ppt/slides/slide40.xml><?xml version="1.0" encoding="utf-8"?>
+<file path=ppt/slides/slide42.xml><?xml version="1.0" encoding="utf-8"?>
 <p:sld xmlns:a="http://schemas.openxmlformats.org/drawingml/2006/main" xmlns:r="http://schemas.openxmlformats.org/officeDocument/2006/relationships" xmlns:p="http://schemas.openxmlformats.org/presentationml/2006/main">
   <p:cSld>
     <p:spTree>
@@ -29649,10 +35324,17 @@
   <p:clrMapOvr>
     <a:masterClrMapping/>
   </p:clrMapOvr>
+  <p:timing>
+    <p:tnLst>
+      <p:par>
+        <p:cTn id="1" dur="indefinite" restart="never" nodeType="tmRoot"/>
+      </p:par>
+    </p:tnLst>
+  </p:timing>
 </p:sld>
 </file>
 
-<file path=ppt/slides/slide41.xml><?xml version="1.0" encoding="utf-8"?>
+<file path=ppt/slides/slide43.xml><?xml version="1.0" encoding="utf-8"?>
 <p:sld xmlns:a="http://schemas.openxmlformats.org/drawingml/2006/main" xmlns:r="http://schemas.openxmlformats.org/officeDocument/2006/relationships" xmlns:p="http://schemas.openxmlformats.org/presentationml/2006/main">
   <p:cSld>
     <p:spTree>
@@ -30702,10 +36384,17 @@
   <p:clrMapOvr>
     <a:masterClrMapping/>
   </p:clrMapOvr>
+  <p:timing>
+    <p:tnLst>
+      <p:par>
+        <p:cTn id="1" dur="indefinite" restart="never" nodeType="tmRoot"/>
+      </p:par>
+    </p:tnLst>
+  </p:timing>
 </p:sld>
 </file>
 
-<file path=ppt/slides/slide42.xml><?xml version="1.0" encoding="utf-8"?>
+<file path=ppt/slides/slide44.xml><?xml version="1.0" encoding="utf-8"?>
 <p:sld xmlns:a="http://schemas.openxmlformats.org/drawingml/2006/main" xmlns:r="http://schemas.openxmlformats.org/officeDocument/2006/relationships" xmlns:p="http://schemas.openxmlformats.org/presentationml/2006/main">
   <p:cSld>
     <p:spTree>
@@ -30786,10 +36475,17 @@
   <p:clrMapOvr>
     <a:masterClrMapping/>
   </p:clrMapOvr>
+  <p:timing>
+    <p:tnLst>
+      <p:par>
+        <p:cTn id="1" dur="indefinite" restart="never" nodeType="tmRoot"/>
+      </p:par>
+    </p:tnLst>
+  </p:timing>
 </p:sld>
 </file>
 
-<file path=ppt/slides/slide43.xml><?xml version="1.0" encoding="utf-8"?>
+<file path=ppt/slides/slide45.xml><?xml version="1.0" encoding="utf-8"?>
 <p:sld xmlns:a="http://schemas.openxmlformats.org/drawingml/2006/main" xmlns:r="http://schemas.openxmlformats.org/officeDocument/2006/relationships" xmlns:p="http://schemas.openxmlformats.org/presentationml/2006/main">
   <p:cSld>
     <p:spTree>
@@ -31111,10 +36807,17 @@
   <p:clrMapOvr>
     <a:masterClrMapping/>
   </p:clrMapOvr>
+  <p:timing>
+    <p:tnLst>
+      <p:par>
+        <p:cTn id="1" dur="indefinite" restart="never" nodeType="tmRoot"/>
+      </p:par>
+    </p:tnLst>
+  </p:timing>
 </p:sld>
 </file>
 
-<file path=ppt/slides/slide44.xml><?xml version="1.0" encoding="utf-8"?>
+<file path=ppt/slides/slide46.xml><?xml version="1.0" encoding="utf-8"?>
 <p:sld xmlns:a="http://schemas.openxmlformats.org/drawingml/2006/main" xmlns:r="http://schemas.openxmlformats.org/officeDocument/2006/relationships" xmlns:p="http://schemas.openxmlformats.org/presentationml/2006/main">
   <p:cSld>
     <p:spTree>
@@ -31285,6 +36988,13 @@
   <p:clrMapOvr>
     <a:masterClrMapping/>
   </p:clrMapOvr>
+  <p:timing>
+    <p:tnLst>
+      <p:par>
+        <p:cTn id="1" dur="indefinite" restart="never" nodeType="tmRoot"/>
+      </p:par>
+    </p:tnLst>
+  </p:timing>
 </p:sld>
 </file>
 
@@ -31471,53 +37181,7 @@
               <a:rPr lang="en-US" altLang="zh-TW" dirty="0" smtClean="0"/>
               <a:t>1</a:t>
             </a:r>
-          </a:p>
-          <a:p>
-            <a:r>
-              <a:rPr lang="zh-TW" altLang="en-US" dirty="0"/>
-              <a:t>問題：</a:t>
-            </a:r>
-            <a:r>
-              <a:rPr lang="en-US" altLang="zh-TW" dirty="0" smtClean="0"/>
-              <a:t>range(3,7)</a:t>
-            </a:r>
-            <a:r>
-              <a:rPr lang="zh-TW" altLang="en-US" dirty="0" smtClean="0"/>
-              <a:t>是省略誰？</a:t>
-            </a:r>
             <a:endParaRPr lang="en-US" altLang="zh-TW" dirty="0" smtClean="0"/>
-          </a:p>
-          <a:p>
-            <a:pPr lvl="1"/>
-            <a:r>
-              <a:rPr lang="zh-TW" altLang="en-US" dirty="0"/>
-              <a:t>答：</a:t>
-            </a:r>
-            <a:r>
-              <a:rPr lang="en-US" altLang="zh-TW" dirty="0" smtClean="0"/>
-              <a:t>range(3,7)</a:t>
-            </a:r>
-            <a:r>
-              <a:rPr lang="zh-TW" altLang="en-US" dirty="0" smtClean="0"/>
-              <a:t>等同於</a:t>
-            </a:r>
-            <a:r>
-              <a:rPr lang="en-US" altLang="zh-TW" dirty="0" smtClean="0"/>
-              <a:t>range(3,7,1)</a:t>
-            </a:r>
-            <a:r>
-              <a:rPr lang="zh-TW" altLang="en-US" dirty="0" smtClean="0"/>
-              <a:t>，</a:t>
-            </a:r>
-            <a:r>
-              <a:rPr lang="zh-TW" altLang="en-US" dirty="0"/>
-              <a:t>省略的是</a:t>
-            </a:r>
-            <a:r>
-              <a:rPr lang="en-US" altLang="zh-TW" dirty="0"/>
-              <a:t>step</a:t>
-            </a:r>
-            <a:endParaRPr lang="zh-TW" altLang="en-US" dirty="0"/>
           </a:p>
         </p:txBody>
       </p:sp>
@@ -31545,6 +37209,148 @@
           </a:prstGeom>
         </p:spPr>
       </p:pic>
+      <p:sp>
+        <p:nvSpPr>
+          <p:cNvPr id="6" name="矩形 5"/>
+          <p:cNvSpPr/>
+          <p:nvPr/>
+        </p:nvSpPr>
+        <p:spPr>
+          <a:xfrm>
+            <a:off x="662176" y="5123648"/>
+            <a:ext cx="6096000" cy="743793"/>
+          </a:xfrm>
+          <a:prstGeom prst="rect">
+            <a:avLst/>
+          </a:prstGeom>
+        </p:spPr>
+        <p:txBody>
+          <a:bodyPr>
+            <a:spAutoFit/>
+          </a:bodyPr>
+          <a:lstStyle/>
+          <a:p>
+            <a:pPr marL="342900" lvl="0" indent="-342900">
+              <a:spcBef>
+                <a:spcPts val="1000"/>
+              </a:spcBef>
+              <a:buClr>
+                <a:srgbClr val="5FCBEF"/>
+              </a:buClr>
+              <a:buSzPct val="80000"/>
+              <a:buFont typeface="Wingdings 3" charset="2"/>
+              <a:buChar char=""/>
+            </a:pPr>
+            <a:r>
+              <a:rPr lang="zh-TW" altLang="en-US" dirty="0">
+                <a:solidFill>
+                  <a:prstClr val="black">
+                    <a:lumMod val="75000"/>
+                    <a:lumOff val="25000"/>
+                  </a:prstClr>
+                </a:solidFill>
+              </a:rPr>
+              <a:t>問題：</a:t>
+            </a:r>
+            <a:r>
+              <a:rPr lang="en-US" altLang="zh-TW" dirty="0">
+                <a:solidFill>
+                  <a:prstClr val="black">
+                    <a:lumMod val="75000"/>
+                    <a:lumOff val="25000"/>
+                  </a:prstClr>
+                </a:solidFill>
+              </a:rPr>
+              <a:t>range(3,7)</a:t>
+            </a:r>
+            <a:r>
+              <a:rPr lang="zh-TW" altLang="en-US" dirty="0">
+                <a:solidFill>
+                  <a:prstClr val="black">
+                    <a:lumMod val="75000"/>
+                    <a:lumOff val="25000"/>
+                  </a:prstClr>
+                </a:solidFill>
+              </a:rPr>
+              <a:t>是省略誰？</a:t>
+            </a:r>
+            <a:endParaRPr lang="en-US" altLang="zh-TW" dirty="0">
+              <a:solidFill>
+                <a:prstClr val="black">
+                  <a:lumMod val="75000"/>
+                  <a:lumOff val="25000"/>
+                </a:prstClr>
+              </a:solidFill>
+            </a:endParaRPr>
+          </a:p>
+          <a:p>
+            <a:pPr marL="742950" lvl="1" indent="-285750">
+              <a:spcBef>
+                <a:spcPts val="1000"/>
+              </a:spcBef>
+              <a:buClr>
+                <a:srgbClr val="5FCBEF"/>
+              </a:buClr>
+              <a:buSzPct val="80000"/>
+              <a:buFont typeface="Wingdings 3" charset="2"/>
+              <a:buChar char=""/>
+            </a:pPr>
+            <a:r>
+              <a:rPr lang="zh-TW" altLang="en-US" sz="1600" dirty="0">
+                <a:solidFill>
+                  <a:srgbClr val="C00000"/>
+                </a:solidFill>
+              </a:rPr>
+              <a:t>答：</a:t>
+            </a:r>
+            <a:r>
+              <a:rPr lang="en-US" altLang="zh-TW" sz="1600" dirty="0">
+                <a:solidFill>
+                  <a:srgbClr val="C00000"/>
+                </a:solidFill>
+              </a:rPr>
+              <a:t>range(3,7)</a:t>
+            </a:r>
+            <a:r>
+              <a:rPr lang="zh-TW" altLang="en-US" sz="1600" dirty="0">
+                <a:solidFill>
+                  <a:srgbClr val="C00000"/>
+                </a:solidFill>
+              </a:rPr>
+              <a:t>等同於</a:t>
+            </a:r>
+            <a:r>
+              <a:rPr lang="en-US" altLang="zh-TW" sz="1600" dirty="0">
+                <a:solidFill>
+                  <a:srgbClr val="C00000"/>
+                </a:solidFill>
+              </a:rPr>
+              <a:t>range(3,7,1)</a:t>
+            </a:r>
+            <a:r>
+              <a:rPr lang="zh-TW" altLang="en-US" sz="1600" dirty="0">
+                <a:solidFill>
+                  <a:srgbClr val="C00000"/>
+                </a:solidFill>
+              </a:rPr>
+              <a:t>，省略的是</a:t>
+            </a:r>
+            <a:r>
+              <a:rPr lang="en-US" altLang="zh-TW" sz="1600" dirty="0">
+                <a:solidFill>
+                  <a:srgbClr val="C00000"/>
+                </a:solidFill>
+              </a:rPr>
+              <a:t>step</a:t>
+            </a:r>
+            <a:endParaRPr lang="zh-TW" altLang="en-US" sz="1600" dirty="0">
+              <a:solidFill>
+                <a:srgbClr val="C00000"/>
+              </a:solidFill>
+            </a:endParaRPr>
+          </a:p>
+        </p:txBody>
+      </p:sp>
     </p:spTree>
     <p:extLst>
       <p:ext uri="{BB962C8B-B14F-4D97-AF65-F5344CB8AC3E}">
@@ -31555,6 +37361,254 @@
   <p:clrMapOvr>
     <a:masterClrMapping/>
   </p:clrMapOvr>
+  <p:timing>
+    <p:tnLst>
+      <p:par>
+        <p:cTn id="1" dur="indefinite" restart="never" nodeType="tmRoot">
+          <p:childTnLst>
+            <p:seq concurrent="1" nextAc="seek">
+              <p:cTn id="2" dur="indefinite" nodeType="mainSeq">
+                <p:childTnLst>
+                  <p:par>
+                    <p:cTn id="3" fill="hold">
+                      <p:stCondLst>
+                        <p:cond delay="indefinite"/>
+                      </p:stCondLst>
+                      <p:childTnLst>
+                        <p:par>
+                          <p:cTn id="4" fill="hold">
+                            <p:stCondLst>
+                              <p:cond delay="0"/>
+                            </p:stCondLst>
+                            <p:childTnLst>
+                              <p:par>
+                                <p:cTn id="5" presetID="2" presetClass="entr" presetSubtype="4" fill="hold" nodeType="clickEffect">
+                                  <p:stCondLst>
+                                    <p:cond delay="0"/>
+                                  </p:stCondLst>
+                                  <p:childTnLst>
+                                    <p:set>
+                                      <p:cBhvr>
+                                        <p:cTn id="6" dur="1" fill="hold">
+                                          <p:stCondLst>
+                                            <p:cond delay="0"/>
+                                          </p:stCondLst>
+                                        </p:cTn>
+                                        <p:tgtEl>
+                                          <p:spTgt spid="6">
+                                            <p:txEl>
+                                              <p:pRg st="0" end="0"/>
+                                            </p:txEl>
+                                          </p:spTgt>
+                                        </p:tgtEl>
+                                        <p:attrNameLst>
+                                          <p:attrName>style.visibility</p:attrName>
+                                        </p:attrNameLst>
+                                      </p:cBhvr>
+                                      <p:to>
+                                        <p:strVal val="visible"/>
+                                      </p:to>
+                                    </p:set>
+                                    <p:anim calcmode="lin" valueType="num">
+                                      <p:cBhvr additive="base">
+                                        <p:cTn id="7" dur="500" fill="hold"/>
+                                        <p:tgtEl>
+                                          <p:spTgt spid="6">
+                                            <p:txEl>
+                                              <p:pRg st="0" end="0"/>
+                                            </p:txEl>
+                                          </p:spTgt>
+                                        </p:tgtEl>
+                                        <p:attrNameLst>
+                                          <p:attrName>ppt_x</p:attrName>
+                                        </p:attrNameLst>
+                                      </p:cBhvr>
+                                      <p:tavLst>
+                                        <p:tav tm="0">
+                                          <p:val>
+                                            <p:strVal val="#ppt_x"/>
+                                          </p:val>
+                                        </p:tav>
+                                        <p:tav tm="100000">
+                                          <p:val>
+                                            <p:strVal val="#ppt_x"/>
+                                          </p:val>
+                                        </p:tav>
+                                      </p:tavLst>
+                                    </p:anim>
+                                    <p:anim calcmode="lin" valueType="num">
+                                      <p:cBhvr additive="base">
+                                        <p:cTn id="8" dur="500" fill="hold"/>
+                                        <p:tgtEl>
+                                          <p:spTgt spid="6">
+                                            <p:txEl>
+                                              <p:pRg st="0" end="0"/>
+                                            </p:txEl>
+                                          </p:spTgt>
+                                        </p:tgtEl>
+                                        <p:attrNameLst>
+                                          <p:attrName>ppt_y</p:attrName>
+                                        </p:attrNameLst>
+                                      </p:cBhvr>
+                                      <p:tavLst>
+                                        <p:tav tm="0">
+                                          <p:val>
+                                            <p:strVal val="1+#ppt_h/2"/>
+                                          </p:val>
+                                        </p:tav>
+                                        <p:tav tm="100000">
+                                          <p:val>
+                                            <p:strVal val="#ppt_y"/>
+                                          </p:val>
+                                        </p:tav>
+                                      </p:tavLst>
+                                    </p:anim>
+                                  </p:childTnLst>
+                                </p:cTn>
+                              </p:par>
+                            </p:childTnLst>
+                          </p:cTn>
+                        </p:par>
+                      </p:childTnLst>
+                    </p:cTn>
+                  </p:par>
+                  <p:par>
+                    <p:cTn id="9" fill="hold">
+                      <p:stCondLst>
+                        <p:cond delay="indefinite"/>
+                      </p:stCondLst>
+                      <p:childTnLst>
+                        <p:par>
+                          <p:cTn id="10" fill="hold">
+                            <p:stCondLst>
+                              <p:cond delay="0"/>
+                            </p:stCondLst>
+                            <p:childTnLst>
+                              <p:par>
+                                <p:cTn id="11" presetID="42" presetClass="entr" presetSubtype="0" fill="hold" nodeType="clickEffect">
+                                  <p:stCondLst>
+                                    <p:cond delay="0"/>
+                                  </p:stCondLst>
+                                  <p:childTnLst>
+                                    <p:set>
+                                      <p:cBhvr>
+                                        <p:cTn id="12" dur="1" fill="hold">
+                                          <p:stCondLst>
+                                            <p:cond delay="0"/>
+                                          </p:stCondLst>
+                                        </p:cTn>
+                                        <p:tgtEl>
+                                          <p:spTgt spid="6">
+                                            <p:txEl>
+                                              <p:pRg st="1" end="1"/>
+                                            </p:txEl>
+                                          </p:spTgt>
+                                        </p:tgtEl>
+                                        <p:attrNameLst>
+                                          <p:attrName>style.visibility</p:attrName>
+                                        </p:attrNameLst>
+                                      </p:cBhvr>
+                                      <p:to>
+                                        <p:strVal val="visible"/>
+                                      </p:to>
+                                    </p:set>
+                                    <p:animEffect transition="in" filter="fade">
+                                      <p:cBhvr>
+                                        <p:cTn id="13" dur="1000"/>
+                                        <p:tgtEl>
+                                          <p:spTgt spid="6">
+                                            <p:txEl>
+                                              <p:pRg st="1" end="1"/>
+                                            </p:txEl>
+                                          </p:spTgt>
+                                        </p:tgtEl>
+                                      </p:cBhvr>
+                                    </p:animEffect>
+                                    <p:anim calcmode="lin" valueType="num">
+                                      <p:cBhvr>
+                                        <p:cTn id="14" dur="1000" fill="hold"/>
+                                        <p:tgtEl>
+                                          <p:spTgt spid="6">
+                                            <p:txEl>
+                                              <p:pRg st="1" end="1"/>
+                                            </p:txEl>
+                                          </p:spTgt>
+                                        </p:tgtEl>
+                                        <p:attrNameLst>
+                                          <p:attrName>ppt_x</p:attrName>
+                                        </p:attrNameLst>
+                                      </p:cBhvr>
+                                      <p:tavLst>
+                                        <p:tav tm="0">
+                                          <p:val>
+                                            <p:strVal val="#ppt_x"/>
+                                          </p:val>
+                                        </p:tav>
+                                        <p:tav tm="100000">
+                                          <p:val>
+                                            <p:strVal val="#ppt_x"/>
+                                          </p:val>
+                                        </p:tav>
+                                      </p:tavLst>
+                                    </p:anim>
+                                    <p:anim calcmode="lin" valueType="num">
+                                      <p:cBhvr>
+                                        <p:cTn id="15" dur="1000" fill="hold"/>
+                                        <p:tgtEl>
+                                          <p:spTgt spid="6">
+                                            <p:txEl>
+                                              <p:pRg st="1" end="1"/>
+                                            </p:txEl>
+                                          </p:spTgt>
+                                        </p:tgtEl>
+                                        <p:attrNameLst>
+                                          <p:attrName>ppt_y</p:attrName>
+                                        </p:attrNameLst>
+                                      </p:cBhvr>
+                                      <p:tavLst>
+                                        <p:tav tm="0">
+                                          <p:val>
+                                            <p:strVal val="#ppt_y+.1"/>
+                                          </p:val>
+                                        </p:tav>
+                                        <p:tav tm="100000">
+                                          <p:val>
+                                            <p:strVal val="#ppt_y"/>
+                                          </p:val>
+                                        </p:tav>
+                                      </p:tavLst>
+                                    </p:anim>
+                                  </p:childTnLst>
+                                </p:cTn>
+                              </p:par>
+                            </p:childTnLst>
+                          </p:cTn>
+                        </p:par>
+                      </p:childTnLst>
+                    </p:cTn>
+                  </p:par>
+                </p:childTnLst>
+              </p:cTn>
+              <p:prevCondLst>
+                <p:cond evt="onPrev" delay="0">
+                  <p:tgtEl>
+                    <p:sldTgt/>
+                  </p:tgtEl>
+                </p:cond>
+              </p:prevCondLst>
+              <p:nextCondLst>
+                <p:cond evt="onNext" delay="0">
+                  <p:tgtEl>
+                    <p:sldTgt/>
+                  </p:tgtEl>
+                </p:cond>
+              </p:nextCondLst>
+            </p:seq>
+          </p:childTnLst>
+        </p:cTn>
+      </p:par>
+    </p:tnLst>
+  </p:timing>
 </p:sld>
 </file>
 
@@ -31914,6 +37968,13 @@
   <p:clrMapOvr>
     <a:masterClrMapping/>
   </p:clrMapOvr>
+  <p:timing>
+    <p:tnLst>
+      <p:par>
+        <p:cTn id="1" dur="indefinite" restart="never" nodeType="tmRoot"/>
+      </p:par>
+    </p:tnLst>
+  </p:timing>
 </p:sld>
 </file>
 

--- a/LCC/Python/04_迴圈大法.pptx
+++ b/LCC/Python/04_迴圈大法.pptx
@@ -914,7 +914,7 @@
             <a:fld id="{B61BEF0D-F0BB-DE4B-95CE-6DB70DBA9567}" type="datetimeFigureOut">
               <a:rPr lang="en-US" smtClean="0"/>
               <a:pPr/>
-              <a:t>3/3/2021</a:t>
+              <a:t>3/4/2021</a:t>
             </a:fld>
             <a:endParaRPr lang="en-US" dirty="0"/>
           </a:p>
@@ -1208,7 +1208,7 @@
             <a:fld id="{B61BEF0D-F0BB-DE4B-95CE-6DB70DBA9567}" type="datetimeFigureOut">
               <a:rPr lang="en-US" smtClean="0"/>
               <a:pPr/>
-              <a:t>3/3/2021</a:t>
+              <a:t>3/4/2021</a:t>
             </a:fld>
             <a:endParaRPr lang="en-US" dirty="0"/>
           </a:p>
@@ -1524,7 +1524,7 @@
             <a:fld id="{B61BEF0D-F0BB-DE4B-95CE-6DB70DBA9567}" type="datetimeFigureOut">
               <a:rPr lang="en-US" smtClean="0"/>
               <a:pPr/>
-              <a:t>3/3/2021</a:t>
+              <a:t>3/4/2021</a:t>
             </a:fld>
             <a:endParaRPr lang="en-US" dirty="0"/>
           </a:p>
@@ -1859,7 +1859,7 @@
             <a:fld id="{B61BEF0D-F0BB-DE4B-95CE-6DB70DBA9567}" type="datetimeFigureOut">
               <a:rPr lang="en-US" smtClean="0"/>
               <a:pPr/>
-              <a:t>3/3/2021</a:t>
+              <a:t>3/4/2021</a:t>
             </a:fld>
             <a:endParaRPr lang="en-US" dirty="0"/>
           </a:p>
@@ -2175,7 +2175,7 @@
             <a:fld id="{B61BEF0D-F0BB-DE4B-95CE-6DB70DBA9567}" type="datetimeFigureOut">
               <a:rPr lang="en-US" smtClean="0"/>
               <a:pPr/>
-              <a:t>3/3/2021</a:t>
+              <a:t>3/4/2021</a:t>
             </a:fld>
             <a:endParaRPr lang="en-US" dirty="0"/>
           </a:p>
@@ -2570,7 +2570,7 @@
             <a:fld id="{B61BEF0D-F0BB-DE4B-95CE-6DB70DBA9567}" type="datetimeFigureOut">
               <a:rPr lang="en-US" smtClean="0"/>
               <a:pPr/>
-              <a:t>3/3/2021</a:t>
+              <a:t>3/4/2021</a:t>
             </a:fld>
             <a:endParaRPr lang="en-US" dirty="0"/>
           </a:p>
@@ -2741,7 +2741,7 @@
           <a:p>
             <a:fld id="{55C6B4A9-1611-4792-9094-5F34BCA07E0B}" type="datetimeFigureOut">
               <a:rPr lang="en-US" smtClean="0"/>
-              <a:t>3/3/2021</a:t>
+              <a:t>3/4/2021</a:t>
             </a:fld>
             <a:endParaRPr lang="en-US" dirty="0"/>
           </a:p>
@@ -2922,7 +2922,7 @@
             <a:fld id="{B61BEF0D-F0BB-DE4B-95CE-6DB70DBA9567}" type="datetimeFigureOut">
               <a:rPr lang="en-US" smtClean="0"/>
               <a:pPr/>
-              <a:t>3/3/2021</a:t>
+              <a:t>3/4/2021</a:t>
             </a:fld>
             <a:endParaRPr lang="en-US" dirty="0"/>
           </a:p>
@@ -3094,7 +3094,7 @@
             <a:fld id="{B61BEF0D-F0BB-DE4B-95CE-6DB70DBA9567}" type="datetimeFigureOut">
               <a:rPr lang="en-US" smtClean="0"/>
               <a:pPr/>
-              <a:t>3/3/2021</a:t>
+              <a:t>3/4/2021</a:t>
             </a:fld>
             <a:endParaRPr lang="en-US" dirty="0"/>
           </a:p>
@@ -3343,7 +3343,7 @@
             <a:fld id="{B61BEF0D-F0BB-DE4B-95CE-6DB70DBA9567}" type="datetimeFigureOut">
               <a:rPr lang="en-US" smtClean="0"/>
               <a:pPr/>
-              <a:t>3/3/2021</a:t>
+              <a:t>3/4/2021</a:t>
             </a:fld>
             <a:endParaRPr lang="en-US" dirty="0"/>
           </a:p>
@@ -3576,7 +3576,7 @@
           <a:p>
             <a:fld id="{EB712588-04B1-427B-82EE-E8DB90309F08}" type="datetimeFigureOut">
               <a:rPr lang="en-US" smtClean="0"/>
-              <a:t>3/3/2021</a:t>
+              <a:t>3/4/2021</a:t>
             </a:fld>
             <a:endParaRPr lang="en-US" dirty="0"/>
           </a:p>
@@ -3951,7 +3951,7 @@
             <a:fld id="{B61BEF0D-F0BB-DE4B-95CE-6DB70DBA9567}" type="datetimeFigureOut">
               <a:rPr lang="en-US" smtClean="0"/>
               <a:pPr/>
-              <a:t>3/3/2021</a:t>
+              <a:t>3/4/2021</a:t>
             </a:fld>
             <a:endParaRPr lang="en-US" dirty="0"/>
           </a:p>
@@ -4076,7 +4076,7 @@
             <a:fld id="{B61BEF0D-F0BB-DE4B-95CE-6DB70DBA9567}" type="datetimeFigureOut">
               <a:rPr lang="en-US" smtClean="0"/>
               <a:pPr/>
-              <a:t>3/3/2021</a:t>
+              <a:t>3/4/2021</a:t>
             </a:fld>
             <a:endParaRPr lang="en-US" dirty="0"/>
           </a:p>
@@ -4173,7 +4173,7 @@
             <a:fld id="{B61BEF0D-F0BB-DE4B-95CE-6DB70DBA9567}" type="datetimeFigureOut">
               <a:rPr lang="en-US" smtClean="0"/>
               <a:pPr/>
-              <a:t>3/3/2021</a:t>
+              <a:t>3/4/2021</a:t>
             </a:fld>
             <a:endParaRPr lang="en-US" dirty="0"/>
           </a:p>
@@ -4429,7 +4429,7 @@
           <a:p>
             <a:fld id="{42A54C80-263E-416B-A8E0-580EDEADCBDC}" type="datetimeFigureOut">
               <a:rPr lang="en-US" smtClean="0"/>
-              <a:t>3/3/2021</a:t>
+              <a:t>3/4/2021</a:t>
             </a:fld>
             <a:endParaRPr lang="en-US" dirty="0"/>
           </a:p>
@@ -4736,7 +4736,7 @@
             <a:fld id="{B61BEF0D-F0BB-DE4B-95CE-6DB70DBA9567}" type="datetimeFigureOut">
               <a:rPr lang="en-US" smtClean="0"/>
               <a:pPr/>
-              <a:t>3/3/2021</a:t>
+              <a:t>3/4/2021</a:t>
             </a:fld>
             <a:endParaRPr lang="en-US" dirty="0"/>
           </a:p>
@@ -5439,7 +5439,7 @@
             <a:fld id="{B61BEF0D-F0BB-DE4B-95CE-6DB70DBA9567}" type="datetimeFigureOut">
               <a:rPr lang="en-US" smtClean="0"/>
               <a:pPr/>
-              <a:t>3/3/2021</a:t>
+              <a:t>3/4/2021</a:t>
             </a:fld>
             <a:endParaRPr lang="en-US" dirty="0"/>
           </a:p>
@@ -6080,7 +6080,7 @@
             <a:fld id="{4805910D-2C61-424F-80CE-807290CF0E1E}" type="datetime4">
               <a:rPr lang="zh-TW" altLang="zh-TW"/>
               <a:pPr/>
-              <a:t>110年3月3日星期三</a:t>
+              <a:t>110年3月4日星期四</a:t>
             </a:fld>
             <a:endParaRPr lang="zh-TW" altLang="en-US" dirty="0"/>
           </a:p>
@@ -10572,23 +10572,7 @@
                     <a:schemeClr val="tx1"/>
                   </a:solidFill>
                 </a:rPr>
-                <a:t>可</a:t>
-              </a:r>
-              <a:r>
-                <a:rPr lang="zh-TW" altLang="en-US" sz="1600" dirty="0" smtClean="0">
-                  <a:solidFill>
-                    <a:schemeClr val="tx1"/>
-                  </a:solidFill>
-                </a:rPr>
-                <a:t>迭代物件</a:t>
-              </a:r>
-              <a:r>
-                <a:rPr lang="zh-TW" altLang="en-US" sz="1600" dirty="0" smtClean="0">
-                  <a:solidFill>
-                    <a:schemeClr val="tx1"/>
-                  </a:solidFill>
-                </a:rPr>
-                <a:t>有</a:t>
+                <a:t>可迭代物件有</a:t>
               </a:r>
               <a:endParaRPr lang="en-US" altLang="zh-TW" sz="1600" dirty="0" smtClean="0">
                 <a:solidFill>
@@ -10624,15 +10608,7 @@
                     <a:schemeClr val="tx1"/>
                   </a:solidFill>
                 </a:rPr>
-                <a:t>尚未</a:t>
-              </a:r>
-              <a:r>
-                <a:rPr lang="zh-TW" altLang="en-US" sz="1600" dirty="0" smtClean="0">
-                  <a:solidFill>
-                    <a:schemeClr val="tx1"/>
-                  </a:solidFill>
-                </a:rPr>
-                <a:t>執行</a:t>
+                <a:t>尚未執行</a:t>
               </a:r>
               <a:endParaRPr lang="zh-TW" altLang="en-US" sz="1600" dirty="0">
                 <a:solidFill>
@@ -10726,23 +10702,7 @@
                     <a:schemeClr val="tx1"/>
                   </a:solidFill>
                 </a:rPr>
-                <a:t>可</a:t>
-              </a:r>
-              <a:r>
-                <a:rPr lang="zh-TW" altLang="en-US" sz="1600" dirty="0" smtClean="0">
-                  <a:solidFill>
-                    <a:schemeClr val="tx1"/>
-                  </a:solidFill>
-                </a:rPr>
-                <a:t>迭代物件</a:t>
-              </a:r>
-              <a:r>
-                <a:rPr lang="zh-TW" altLang="en-US" sz="1600" dirty="0" smtClean="0">
-                  <a:solidFill>
-                    <a:schemeClr val="tx1"/>
-                  </a:solidFill>
-                </a:rPr>
-                <a:t>有</a:t>
+                <a:t>可迭代物件有</a:t>
               </a:r>
               <a:endParaRPr lang="en-US" altLang="zh-TW" sz="1600" dirty="0" smtClean="0">
                 <a:solidFill>
@@ -10778,15 +10738,7 @@
                     <a:schemeClr val="tx1"/>
                   </a:solidFill>
                 </a:rPr>
-                <a:t>尚未</a:t>
-              </a:r>
-              <a:r>
-                <a:rPr lang="zh-TW" altLang="en-US" sz="1600" dirty="0" smtClean="0">
-                  <a:solidFill>
-                    <a:schemeClr val="tx1"/>
-                  </a:solidFill>
-                </a:rPr>
-                <a:t>執行</a:t>
+                <a:t>尚未執行</a:t>
               </a:r>
               <a:endParaRPr lang="zh-TW" altLang="en-US" sz="1600" dirty="0">
                 <a:solidFill>
@@ -28881,8 +28833,8 @@
         </p:nvSpPr>
         <p:spPr>
           <a:xfrm>
-            <a:off x="2724912" y="1214783"/>
-            <a:ext cx="1472184" cy="1025046"/>
+            <a:off x="2278842" y="1397156"/>
+            <a:ext cx="2359152" cy="836324"/>
           </a:xfrm>
           <a:prstGeom prst="rect">
             <a:avLst/>
@@ -28918,12 +28870,28 @@
           <a:p>
             <a:pPr algn="ctr"/>
             <a:r>
+              <a:rPr lang="en-US" altLang="zh-TW" dirty="0" smtClean="0">
+                <a:solidFill>
+                  <a:schemeClr val="tx1"/>
+                </a:solidFill>
+              </a:rPr>
+              <a:t>1.</a:t>
+            </a:r>
+            <a:r>
               <a:rPr lang="zh-TW" altLang="en-US" dirty="0" smtClean="0">
                 <a:solidFill>
                   <a:schemeClr val="tx1"/>
                 </a:solidFill>
               </a:rPr>
-              <a:t>產生隨機整數</a:t>
+              <a:t>產生</a:t>
+            </a:r>
+            <a:r>
+              <a:rPr lang="zh-TW" altLang="en-US" dirty="0" smtClean="0">
+                <a:solidFill>
+                  <a:schemeClr val="tx1"/>
+                </a:solidFill>
+              </a:rPr>
+              <a:t>隨機整數</a:t>
             </a:r>
             <a:r>
               <a:rPr lang="en-US" altLang="zh-TW" dirty="0" smtClean="0">
@@ -28937,18 +28905,29 @@
           <a:p>
             <a:pPr algn="ctr"/>
             <a:r>
+              <a:rPr lang="en-US" altLang="zh-TW" dirty="0" smtClean="0">
+                <a:solidFill>
+                  <a:schemeClr val="tx1"/>
+                </a:solidFill>
+              </a:rPr>
+              <a:t>2.</a:t>
+            </a:r>
+            <a:r>
+              <a:rPr lang="zh-TW" altLang="en-US" dirty="0" smtClean="0">
+                <a:solidFill>
+                  <a:schemeClr val="tx1"/>
+                </a:solidFill>
+              </a:rPr>
+              <a:t>範圍</a:t>
+            </a:r>
+            <a:r>
               <a:rPr lang="zh-TW" altLang="en-US" dirty="0">
                 <a:solidFill>
                   <a:schemeClr val="tx1"/>
                 </a:solidFill>
               </a:rPr>
-              <a:t>範圍初始化</a:t>
-            </a:r>
-            <a:endParaRPr lang="zh-TW" altLang="en-US" dirty="0">
-              <a:solidFill>
-                <a:schemeClr val="tx1"/>
-              </a:solidFill>
-            </a:endParaRPr>
+              <a:t>初始化</a:t>
+            </a:r>
           </a:p>
         </p:txBody>
       </p:sp>
@@ -28964,7 +28943,7 @@
         <p:spPr>
           <a:xfrm>
             <a:off x="4843734" y="4978908"/>
-            <a:ext cx="1173301" cy="0"/>
+            <a:ext cx="1173300" cy="0"/>
           </a:xfrm>
           <a:prstGeom prst="straightConnector1">
             <a:avLst/>
@@ -29004,7 +28983,7 @@
         <p:spPr>
           <a:xfrm>
             <a:off x="3458418" y="971315"/>
-            <a:ext cx="2586" cy="243468"/>
+            <a:ext cx="0" cy="425841"/>
           </a:xfrm>
           <a:prstGeom prst="straightConnector1">
             <a:avLst/>
@@ -29082,23 +29061,7 @@
                   <a:schemeClr val="tx1"/>
                 </a:solidFill>
               </a:rPr>
-              <a:t>If (guess </a:t>
-            </a:r>
-            <a:r>
-              <a:rPr lang="en-US" altLang="zh-TW" sz="1200" dirty="0" smtClean="0">
-                <a:solidFill>
-                  <a:schemeClr val="tx1"/>
-                </a:solidFill>
-              </a:rPr>
-              <a:t>!= </a:t>
-            </a:r>
-            <a:r>
-              <a:rPr lang="en-US" altLang="zh-TW" sz="1200" dirty="0" smtClean="0">
-                <a:solidFill>
-                  <a:schemeClr val="tx1"/>
-                </a:solidFill>
-              </a:rPr>
-              <a:t>bomb)</a:t>
+              <a:t>If (guess != bomb)</a:t>
             </a:r>
             <a:endParaRPr lang="zh-TW" altLang="en-US" sz="1200" dirty="0">
               <a:solidFill>
@@ -29116,8 +29079,8 @@
         </p:nvSpPr>
         <p:spPr>
           <a:xfrm>
-            <a:off x="2822910" y="2496866"/>
-            <a:ext cx="1271016" cy="758758"/>
+            <a:off x="2724912" y="2497283"/>
+            <a:ext cx="1472184" cy="758758"/>
           </a:xfrm>
           <a:prstGeom prst="rect">
             <a:avLst/>
@@ -29153,12 +29116,52 @@
           <a:p>
             <a:pPr algn="ctr"/>
             <a:r>
+              <a:rPr lang="en-US" altLang="zh-TW" dirty="0" smtClean="0">
+                <a:solidFill>
+                  <a:schemeClr val="tx1"/>
+                </a:solidFill>
+              </a:rPr>
+              <a:t>1.</a:t>
+            </a:r>
+            <a:r>
               <a:rPr lang="zh-TW" altLang="en-US" dirty="0" smtClean="0">
                 <a:solidFill>
                   <a:schemeClr val="tx1"/>
                 </a:solidFill>
               </a:rPr>
-              <a:t>顯示範圍等待輸入</a:t>
+              <a:t>顯示範圍</a:t>
+            </a:r>
+            <a:endParaRPr lang="en-US" altLang="zh-TW" dirty="0" smtClean="0">
+              <a:solidFill>
+                <a:schemeClr val="tx1"/>
+              </a:solidFill>
+            </a:endParaRPr>
+          </a:p>
+          <a:p>
+            <a:pPr algn="ctr"/>
+            <a:r>
+              <a:rPr lang="en-US" altLang="zh-TW" dirty="0" smtClean="0">
+                <a:solidFill>
+                  <a:schemeClr val="tx1"/>
+                </a:solidFill>
+              </a:rPr>
+              <a:t>2.</a:t>
+            </a:r>
+            <a:r>
+              <a:rPr lang="zh-TW" altLang="en-US" dirty="0" smtClean="0">
+                <a:solidFill>
+                  <a:schemeClr val="tx1"/>
+                </a:solidFill>
+              </a:rPr>
+              <a:t>等待</a:t>
+            </a:r>
+            <a:r>
+              <a:rPr lang="zh-TW" altLang="en-US" dirty="0" smtClean="0">
+                <a:solidFill>
+                  <a:schemeClr val="tx1"/>
+                </a:solidFill>
+              </a:rPr>
+              <a:t>輸入</a:t>
             </a:r>
             <a:endParaRPr lang="zh-TW" altLang="en-US" dirty="0">
               <a:solidFill>
@@ -29213,12 +29216,28 @@
           <a:p>
             <a:pPr algn="ctr"/>
             <a:r>
+              <a:rPr lang="en-US" altLang="zh-TW" dirty="0" smtClean="0">
+                <a:solidFill>
+                  <a:schemeClr val="tx1"/>
+                </a:solidFill>
+              </a:rPr>
+              <a:t>1.</a:t>
+            </a:r>
+            <a:r>
               <a:rPr lang="zh-TW" altLang="en-US" dirty="0" smtClean="0">
                 <a:solidFill>
                   <a:schemeClr val="tx1"/>
                 </a:solidFill>
               </a:rPr>
-              <a:t>使用者輸入數字</a:t>
+              <a:t>使用者</a:t>
+            </a:r>
+            <a:r>
+              <a:rPr lang="zh-TW" altLang="en-US" dirty="0" smtClean="0">
+                <a:solidFill>
+                  <a:schemeClr val="tx1"/>
+                </a:solidFill>
+              </a:rPr>
+              <a:t>輸入數字</a:t>
             </a:r>
             <a:r>
               <a:rPr lang="en-US" altLang="zh-TW" dirty="0" smtClean="0">
@@ -29246,9 +29265,9 @@
           <p:nvPr/>
         </p:nvCxnSpPr>
         <p:spPr>
-          <a:xfrm flipH="1">
-            <a:off x="3458418" y="2239829"/>
-            <a:ext cx="2586" cy="257037"/>
+          <a:xfrm>
+            <a:off x="3458418" y="2233480"/>
+            <a:ext cx="2586" cy="263803"/>
           </a:xfrm>
           <a:prstGeom prst="straightConnector1">
             <a:avLst/>
@@ -29287,8 +29306,8 @@
         </p:nvCxnSpPr>
         <p:spPr>
           <a:xfrm>
-            <a:off x="3458418" y="3255624"/>
-            <a:ext cx="2586" cy="243468"/>
+            <a:off x="3461004" y="3256041"/>
+            <a:ext cx="0" cy="243051"/>
           </a:xfrm>
           <a:prstGeom prst="straightConnector1">
             <a:avLst/>
@@ -29364,8 +29383,8 @@
         </p:nvSpPr>
         <p:spPr>
           <a:xfrm>
-            <a:off x="2822910" y="5699966"/>
-            <a:ext cx="1271016" cy="422438"/>
+            <a:off x="2724912" y="5699966"/>
+            <a:ext cx="1472184" cy="422438"/>
           </a:xfrm>
           <a:prstGeom prst="rect">
             <a:avLst/>
@@ -29401,6 +29420,14 @@
           <a:p>
             <a:pPr algn="ctr"/>
             <a:r>
+              <a:rPr lang="en-US" altLang="zh-TW" dirty="0" smtClean="0">
+                <a:solidFill>
+                  <a:schemeClr val="tx1"/>
+                </a:solidFill>
+              </a:rPr>
+              <a:t>1.</a:t>
+            </a:r>
+            <a:r>
               <a:rPr lang="zh-TW" altLang="en-US" dirty="0" smtClean="0">
                 <a:solidFill>
                   <a:schemeClr val="tx1"/>
@@ -29432,8 +29459,8 @@
         </p:nvSpPr>
         <p:spPr>
           <a:xfrm>
-            <a:off x="6017035" y="4610133"/>
-            <a:ext cx="1409100" cy="737550"/>
+            <a:off x="6017034" y="4610133"/>
+            <a:ext cx="1609061" cy="737550"/>
           </a:xfrm>
           <a:prstGeom prst="rect">
             <a:avLst/>
@@ -29469,6 +29496,14 @@
           <a:p>
             <a:pPr algn="ctr"/>
             <a:r>
+              <a:rPr lang="en-US" altLang="zh-TW" dirty="0" smtClean="0">
+                <a:solidFill>
+                  <a:schemeClr val="tx1"/>
+                </a:solidFill>
+              </a:rPr>
+              <a:t>1.</a:t>
+            </a:r>
+            <a:r>
               <a:rPr lang="zh-TW" altLang="en-US" dirty="0" smtClean="0">
                 <a:solidFill>
                   <a:schemeClr val="tx1"/>
@@ -29501,18 +29536,29 @@
           <a:p>
             <a:pPr algn="ctr"/>
             <a:r>
+              <a:rPr lang="en-US" altLang="zh-TW" dirty="0" smtClean="0">
+                <a:solidFill>
+                  <a:schemeClr val="tx1"/>
+                </a:solidFill>
+              </a:rPr>
+              <a:t>2.</a:t>
+            </a:r>
+            <a:r>
               <a:rPr lang="zh-TW" altLang="en-US" dirty="0" smtClean="0">
                 <a:solidFill>
                   <a:schemeClr val="tx1"/>
                 </a:solidFill>
               </a:rPr>
-              <a:t>調整範圍</a:t>
-            </a:r>
-            <a:endParaRPr lang="zh-TW" altLang="en-US" dirty="0" smtClean="0">
-              <a:solidFill>
-                <a:schemeClr val="tx1"/>
-              </a:solidFill>
-            </a:endParaRPr>
+              <a:t>調整</a:t>
+            </a:r>
+            <a:r>
+              <a:rPr lang="zh-TW" altLang="en-US" dirty="0" smtClean="0">
+                <a:solidFill>
+                  <a:schemeClr val="tx1"/>
+                </a:solidFill>
+              </a:rPr>
+              <a:t>範圍</a:t>
+            </a:r>
           </a:p>
         </p:txBody>
       </p:sp>
@@ -29528,7 +29574,7 @@
         <p:spPr>
           <a:xfrm>
             <a:off x="3458418" y="5404104"/>
-            <a:ext cx="0" cy="295862"/>
+            <a:ext cx="2586" cy="295862"/>
           </a:xfrm>
           <a:prstGeom prst="straightConnector1">
             <a:avLst/>
@@ -29567,8 +29613,8 @@
         </p:nvCxnSpPr>
         <p:spPr>
           <a:xfrm rot="16200000" flipV="1">
-            <a:off x="4540812" y="2429359"/>
-            <a:ext cx="1733888" cy="2627659"/>
+            <a:off x="4642596" y="2431163"/>
+            <a:ext cx="1733471" cy="2624469"/>
           </a:xfrm>
           <a:prstGeom prst="bentConnector2">
             <a:avLst/>
@@ -29606,12 +29652,12 @@
         </p:nvCxnSpPr>
         <p:spPr>
           <a:xfrm flipV="1">
-            <a:off x="4093926" y="1727306"/>
-            <a:ext cx="103170" cy="4183879"/>
+            <a:off x="4197096" y="1815318"/>
+            <a:ext cx="440898" cy="4095867"/>
           </a:xfrm>
           <a:prstGeom prst="bentConnector3">
             <a:avLst>
-              <a:gd name="adj1" fmla="val 4433296"/>
+              <a:gd name="adj1" fmla="val 946171"/>
             </a:avLst>
           </a:prstGeom>
           <a:ln w="28575">
@@ -30537,11 +30583,7 @@
             </a:r>
             <a:r>
               <a:rPr lang="zh-TW" altLang="en-US" dirty="0" smtClean="0"/>
-              <a:t>法</a:t>
-            </a:r>
-            <a:r>
-              <a:rPr lang="zh-TW" altLang="en-US" dirty="0" smtClean="0"/>
-              <a:t>：</a:t>
+              <a:t>法：</a:t>
             </a:r>
             <a:endParaRPr lang="en-US" altLang="zh-TW" dirty="0" smtClean="0"/>
           </a:p>
@@ -37181,7 +37223,6 @@
               <a:rPr lang="en-US" altLang="zh-TW" dirty="0" smtClean="0"/>
               <a:t>1</a:t>
             </a:r>
-            <a:endParaRPr lang="en-US" altLang="zh-TW" dirty="0" smtClean="0"/>
           </a:p>
         </p:txBody>
       </p:sp>

--- a/LCC/Python/04_迴圈大法.pptx
+++ b/LCC/Python/04_迴圈大法.pptx
@@ -914,7 +914,7 @@
             <a:fld id="{B61BEF0D-F0BB-DE4B-95CE-6DB70DBA9567}" type="datetimeFigureOut">
               <a:rPr lang="en-US" smtClean="0"/>
               <a:pPr/>
-              <a:t>3/4/2021</a:t>
+              <a:t>6/6/2021</a:t>
             </a:fld>
             <a:endParaRPr lang="en-US" dirty="0"/>
           </a:p>
@@ -1208,7 +1208,7 @@
             <a:fld id="{B61BEF0D-F0BB-DE4B-95CE-6DB70DBA9567}" type="datetimeFigureOut">
               <a:rPr lang="en-US" smtClean="0"/>
               <a:pPr/>
-              <a:t>3/4/2021</a:t>
+              <a:t>6/6/2021</a:t>
             </a:fld>
             <a:endParaRPr lang="en-US" dirty="0"/>
           </a:p>
@@ -1524,7 +1524,7 @@
             <a:fld id="{B61BEF0D-F0BB-DE4B-95CE-6DB70DBA9567}" type="datetimeFigureOut">
               <a:rPr lang="en-US" smtClean="0"/>
               <a:pPr/>
-              <a:t>3/4/2021</a:t>
+              <a:t>6/6/2021</a:t>
             </a:fld>
             <a:endParaRPr lang="en-US" dirty="0"/>
           </a:p>
@@ -1859,7 +1859,7 @@
             <a:fld id="{B61BEF0D-F0BB-DE4B-95CE-6DB70DBA9567}" type="datetimeFigureOut">
               <a:rPr lang="en-US" smtClean="0"/>
               <a:pPr/>
-              <a:t>3/4/2021</a:t>
+              <a:t>6/6/2021</a:t>
             </a:fld>
             <a:endParaRPr lang="en-US" dirty="0"/>
           </a:p>
@@ -2175,7 +2175,7 @@
             <a:fld id="{B61BEF0D-F0BB-DE4B-95CE-6DB70DBA9567}" type="datetimeFigureOut">
               <a:rPr lang="en-US" smtClean="0"/>
               <a:pPr/>
-              <a:t>3/4/2021</a:t>
+              <a:t>6/6/2021</a:t>
             </a:fld>
             <a:endParaRPr lang="en-US" dirty="0"/>
           </a:p>
@@ -2570,7 +2570,7 @@
             <a:fld id="{B61BEF0D-F0BB-DE4B-95CE-6DB70DBA9567}" type="datetimeFigureOut">
               <a:rPr lang="en-US" smtClean="0"/>
               <a:pPr/>
-              <a:t>3/4/2021</a:t>
+              <a:t>6/6/2021</a:t>
             </a:fld>
             <a:endParaRPr lang="en-US" dirty="0"/>
           </a:p>
@@ -2741,7 +2741,7 @@
           <a:p>
             <a:fld id="{55C6B4A9-1611-4792-9094-5F34BCA07E0B}" type="datetimeFigureOut">
               <a:rPr lang="en-US" smtClean="0"/>
-              <a:t>3/4/2021</a:t>
+              <a:t>6/6/2021</a:t>
             </a:fld>
             <a:endParaRPr lang="en-US" dirty="0"/>
           </a:p>
@@ -2922,7 +2922,7 @@
             <a:fld id="{B61BEF0D-F0BB-DE4B-95CE-6DB70DBA9567}" type="datetimeFigureOut">
               <a:rPr lang="en-US" smtClean="0"/>
               <a:pPr/>
-              <a:t>3/4/2021</a:t>
+              <a:t>6/6/2021</a:t>
             </a:fld>
             <a:endParaRPr lang="en-US" dirty="0"/>
           </a:p>
@@ -3094,7 +3094,7 @@
             <a:fld id="{B61BEF0D-F0BB-DE4B-95CE-6DB70DBA9567}" type="datetimeFigureOut">
               <a:rPr lang="en-US" smtClean="0"/>
               <a:pPr/>
-              <a:t>3/4/2021</a:t>
+              <a:t>6/6/2021</a:t>
             </a:fld>
             <a:endParaRPr lang="en-US" dirty="0"/>
           </a:p>
@@ -3343,7 +3343,7 @@
             <a:fld id="{B61BEF0D-F0BB-DE4B-95CE-6DB70DBA9567}" type="datetimeFigureOut">
               <a:rPr lang="en-US" smtClean="0"/>
               <a:pPr/>
-              <a:t>3/4/2021</a:t>
+              <a:t>6/6/2021</a:t>
             </a:fld>
             <a:endParaRPr lang="en-US" dirty="0"/>
           </a:p>
@@ -3576,7 +3576,7 @@
           <a:p>
             <a:fld id="{EB712588-04B1-427B-82EE-E8DB90309F08}" type="datetimeFigureOut">
               <a:rPr lang="en-US" smtClean="0"/>
-              <a:t>3/4/2021</a:t>
+              <a:t>6/6/2021</a:t>
             </a:fld>
             <a:endParaRPr lang="en-US" dirty="0"/>
           </a:p>
@@ -3951,7 +3951,7 @@
             <a:fld id="{B61BEF0D-F0BB-DE4B-95CE-6DB70DBA9567}" type="datetimeFigureOut">
               <a:rPr lang="en-US" smtClean="0"/>
               <a:pPr/>
-              <a:t>3/4/2021</a:t>
+              <a:t>6/6/2021</a:t>
             </a:fld>
             <a:endParaRPr lang="en-US" dirty="0"/>
           </a:p>
@@ -4076,7 +4076,7 @@
             <a:fld id="{B61BEF0D-F0BB-DE4B-95CE-6DB70DBA9567}" type="datetimeFigureOut">
               <a:rPr lang="en-US" smtClean="0"/>
               <a:pPr/>
-              <a:t>3/4/2021</a:t>
+              <a:t>6/6/2021</a:t>
             </a:fld>
             <a:endParaRPr lang="en-US" dirty="0"/>
           </a:p>
@@ -4173,7 +4173,7 @@
             <a:fld id="{B61BEF0D-F0BB-DE4B-95CE-6DB70DBA9567}" type="datetimeFigureOut">
               <a:rPr lang="en-US" smtClean="0"/>
               <a:pPr/>
-              <a:t>3/4/2021</a:t>
+              <a:t>6/6/2021</a:t>
             </a:fld>
             <a:endParaRPr lang="en-US" dirty="0"/>
           </a:p>
@@ -4429,7 +4429,7 @@
           <a:p>
             <a:fld id="{42A54C80-263E-416B-A8E0-580EDEADCBDC}" type="datetimeFigureOut">
               <a:rPr lang="en-US" smtClean="0"/>
-              <a:t>3/4/2021</a:t>
+              <a:t>6/6/2021</a:t>
             </a:fld>
             <a:endParaRPr lang="en-US" dirty="0"/>
           </a:p>
@@ -4736,7 +4736,7 @@
             <a:fld id="{B61BEF0D-F0BB-DE4B-95CE-6DB70DBA9567}" type="datetimeFigureOut">
               <a:rPr lang="en-US" smtClean="0"/>
               <a:pPr/>
-              <a:t>3/4/2021</a:t>
+              <a:t>6/6/2021</a:t>
             </a:fld>
             <a:endParaRPr lang="en-US" dirty="0"/>
           </a:p>
@@ -5439,7 +5439,7 @@
             <a:fld id="{B61BEF0D-F0BB-DE4B-95CE-6DB70DBA9567}" type="datetimeFigureOut">
               <a:rPr lang="en-US" smtClean="0"/>
               <a:pPr/>
-              <a:t>3/4/2021</a:t>
+              <a:t>6/6/2021</a:t>
             </a:fld>
             <a:endParaRPr lang="en-US" dirty="0"/>
           </a:p>
@@ -6080,7 +6080,7 @@
             <a:fld id="{4805910D-2C61-424F-80CE-807290CF0E1E}" type="datetime4">
               <a:rPr lang="zh-TW" altLang="zh-TW"/>
               <a:pPr/>
-              <a:t>110年3月4日星期四</a:t>
+              <a:t>110年6月6日星期日</a:t>
             </a:fld>
             <a:endParaRPr lang="zh-TW" altLang="en-US" dirty="0"/>
           </a:p>
@@ -6128,6 +6128,62 @@
               </a14:hiddenFill>
             </a:ext>
           </a:extLst>
+        </p:spPr>
+      </p:pic>
+      <p:sp>
+        <p:nvSpPr>
+          <p:cNvPr id="6" name="矩形 5"/>
+          <p:cNvSpPr/>
+          <p:nvPr/>
+        </p:nvSpPr>
+        <p:spPr>
+          <a:xfrm>
+            <a:off x="167912" y="514394"/>
+            <a:ext cx="5104282" cy="461665"/>
+          </a:xfrm>
+          <a:prstGeom prst="rect">
+            <a:avLst/>
+          </a:prstGeom>
+        </p:spPr>
+        <p:txBody>
+          <a:bodyPr wrap="none">
+            <a:spAutoFit/>
+          </a:bodyPr>
+          <a:lstStyle/>
+          <a:p>
+            <a:r>
+              <a:rPr lang="zh-TW" altLang="en-US" sz="2400" dirty="0" smtClean="0"/>
+              <a:t>講義網址：https</a:t>
+            </a:r>
+            <a:r>
+              <a:rPr lang="zh-TW" altLang="en-US" sz="2400" dirty="0"/>
+              <a:t>://reurl.cc/9r5G1d</a:t>
+            </a:r>
+          </a:p>
+        </p:txBody>
+      </p:sp>
+      <p:pic>
+        <p:nvPicPr>
+          <p:cNvPr id="7" name="圖片 6"/>
+          <p:cNvPicPr>
+            <a:picLocks noChangeAspect="1"/>
+          </p:cNvPicPr>
+          <p:nvPr/>
+        </p:nvPicPr>
+        <p:blipFill>
+          <a:blip r:embed="rId3"/>
+          <a:stretch>
+            <a:fillRect/>
+          </a:stretch>
+        </p:blipFill>
+        <p:spPr>
+          <a:xfrm>
+            <a:off x="792692" y="975922"/>
+            <a:ext cx="1822492" cy="1822492"/>
+          </a:xfrm>
+          <a:prstGeom prst="rect">
+            <a:avLst/>
+          </a:prstGeom>
         </p:spPr>
       </p:pic>
     </p:spTree>
@@ -28883,15 +28939,7 @@
                   <a:schemeClr val="tx1"/>
                 </a:solidFill>
               </a:rPr>
-              <a:t>產生</a:t>
-            </a:r>
-            <a:r>
-              <a:rPr lang="zh-TW" altLang="en-US" dirty="0" smtClean="0">
-                <a:solidFill>
-                  <a:schemeClr val="tx1"/>
-                </a:solidFill>
-              </a:rPr>
-              <a:t>隨機整數</a:t>
+              <a:t>產生隨機整數</a:t>
             </a:r>
             <a:r>
               <a:rPr lang="en-US" altLang="zh-TW" dirty="0" smtClean="0">
@@ -29153,15 +29201,7 @@
                   <a:schemeClr val="tx1"/>
                 </a:solidFill>
               </a:rPr>
-              <a:t>等待</a:t>
-            </a:r>
-            <a:r>
-              <a:rPr lang="zh-TW" altLang="en-US" dirty="0" smtClean="0">
-                <a:solidFill>
-                  <a:schemeClr val="tx1"/>
-                </a:solidFill>
-              </a:rPr>
-              <a:t>輸入</a:t>
+              <a:t>等待輸入</a:t>
             </a:r>
             <a:endParaRPr lang="zh-TW" altLang="en-US" dirty="0">
               <a:solidFill>
@@ -29229,15 +29269,7 @@
                   <a:schemeClr val="tx1"/>
                 </a:solidFill>
               </a:rPr>
-              <a:t>使用者</a:t>
-            </a:r>
-            <a:r>
-              <a:rPr lang="zh-TW" altLang="en-US" dirty="0" smtClean="0">
-                <a:solidFill>
-                  <a:schemeClr val="tx1"/>
-                </a:solidFill>
-              </a:rPr>
-              <a:t>輸入數字</a:t>
+              <a:t>使用者輸入數字</a:t>
             </a:r>
             <a:r>
               <a:rPr lang="en-US" altLang="zh-TW" dirty="0" smtClean="0">
@@ -29549,15 +29581,7 @@
                   <a:schemeClr val="tx1"/>
                 </a:solidFill>
               </a:rPr>
-              <a:t>調整</a:t>
-            </a:r>
-            <a:r>
-              <a:rPr lang="zh-TW" altLang="en-US" dirty="0" smtClean="0">
-                <a:solidFill>
-                  <a:schemeClr val="tx1"/>
-                </a:solidFill>
-              </a:rPr>
-              <a:t>範圍</a:t>
+              <a:t>調整範圍</a:t>
             </a:r>
           </a:p>
         </p:txBody>

--- a/LCC/Python/04_迴圈大法.pptx
+++ b/LCC/Python/04_迴圈大法.pptx
@@ -914,7 +914,7 @@
             <a:fld id="{B61BEF0D-F0BB-DE4B-95CE-6DB70DBA9567}" type="datetimeFigureOut">
               <a:rPr lang="en-US" smtClean="0"/>
               <a:pPr/>
-              <a:t>6/6/2021</a:t>
+              <a:t>11/17/2021</a:t>
             </a:fld>
             <a:endParaRPr lang="en-US" dirty="0"/>
           </a:p>
@@ -1208,7 +1208,7 @@
             <a:fld id="{B61BEF0D-F0BB-DE4B-95CE-6DB70DBA9567}" type="datetimeFigureOut">
               <a:rPr lang="en-US" smtClean="0"/>
               <a:pPr/>
-              <a:t>6/6/2021</a:t>
+              <a:t>11/17/2021</a:t>
             </a:fld>
             <a:endParaRPr lang="en-US" dirty="0"/>
           </a:p>
@@ -1524,7 +1524,7 @@
             <a:fld id="{B61BEF0D-F0BB-DE4B-95CE-6DB70DBA9567}" type="datetimeFigureOut">
               <a:rPr lang="en-US" smtClean="0"/>
               <a:pPr/>
-              <a:t>6/6/2021</a:t>
+              <a:t>11/17/2021</a:t>
             </a:fld>
             <a:endParaRPr lang="en-US" dirty="0"/>
           </a:p>
@@ -1859,7 +1859,7 @@
             <a:fld id="{B61BEF0D-F0BB-DE4B-95CE-6DB70DBA9567}" type="datetimeFigureOut">
               <a:rPr lang="en-US" smtClean="0"/>
               <a:pPr/>
-              <a:t>6/6/2021</a:t>
+              <a:t>11/17/2021</a:t>
             </a:fld>
             <a:endParaRPr lang="en-US" dirty="0"/>
           </a:p>
@@ -2175,7 +2175,7 @@
             <a:fld id="{B61BEF0D-F0BB-DE4B-95CE-6DB70DBA9567}" type="datetimeFigureOut">
               <a:rPr lang="en-US" smtClean="0"/>
               <a:pPr/>
-              <a:t>6/6/2021</a:t>
+              <a:t>11/17/2021</a:t>
             </a:fld>
             <a:endParaRPr lang="en-US" dirty="0"/>
           </a:p>
@@ -2570,7 +2570,7 @@
             <a:fld id="{B61BEF0D-F0BB-DE4B-95CE-6DB70DBA9567}" type="datetimeFigureOut">
               <a:rPr lang="en-US" smtClean="0"/>
               <a:pPr/>
-              <a:t>6/6/2021</a:t>
+              <a:t>11/17/2021</a:t>
             </a:fld>
             <a:endParaRPr lang="en-US" dirty="0"/>
           </a:p>
@@ -2741,7 +2741,7 @@
           <a:p>
             <a:fld id="{55C6B4A9-1611-4792-9094-5F34BCA07E0B}" type="datetimeFigureOut">
               <a:rPr lang="en-US" smtClean="0"/>
-              <a:t>6/6/2021</a:t>
+              <a:t>11/17/2021</a:t>
             </a:fld>
             <a:endParaRPr lang="en-US" dirty="0"/>
           </a:p>
@@ -2922,7 +2922,7 @@
             <a:fld id="{B61BEF0D-F0BB-DE4B-95CE-6DB70DBA9567}" type="datetimeFigureOut">
               <a:rPr lang="en-US" smtClean="0"/>
               <a:pPr/>
-              <a:t>6/6/2021</a:t>
+              <a:t>11/17/2021</a:t>
             </a:fld>
             <a:endParaRPr lang="en-US" dirty="0"/>
           </a:p>
@@ -3094,7 +3094,7 @@
             <a:fld id="{B61BEF0D-F0BB-DE4B-95CE-6DB70DBA9567}" type="datetimeFigureOut">
               <a:rPr lang="en-US" smtClean="0"/>
               <a:pPr/>
-              <a:t>6/6/2021</a:t>
+              <a:t>11/17/2021</a:t>
             </a:fld>
             <a:endParaRPr lang="en-US" dirty="0"/>
           </a:p>
@@ -3343,7 +3343,7 @@
             <a:fld id="{B61BEF0D-F0BB-DE4B-95CE-6DB70DBA9567}" type="datetimeFigureOut">
               <a:rPr lang="en-US" smtClean="0"/>
               <a:pPr/>
-              <a:t>6/6/2021</a:t>
+              <a:t>11/17/2021</a:t>
             </a:fld>
             <a:endParaRPr lang="en-US" dirty="0"/>
           </a:p>
@@ -3576,7 +3576,7 @@
           <a:p>
             <a:fld id="{EB712588-04B1-427B-82EE-E8DB90309F08}" type="datetimeFigureOut">
               <a:rPr lang="en-US" smtClean="0"/>
-              <a:t>6/6/2021</a:t>
+              <a:t>11/17/2021</a:t>
             </a:fld>
             <a:endParaRPr lang="en-US" dirty="0"/>
           </a:p>
@@ -3951,7 +3951,7 @@
             <a:fld id="{B61BEF0D-F0BB-DE4B-95CE-6DB70DBA9567}" type="datetimeFigureOut">
               <a:rPr lang="en-US" smtClean="0"/>
               <a:pPr/>
-              <a:t>6/6/2021</a:t>
+              <a:t>11/17/2021</a:t>
             </a:fld>
             <a:endParaRPr lang="en-US" dirty="0"/>
           </a:p>
@@ -4076,7 +4076,7 @@
             <a:fld id="{B61BEF0D-F0BB-DE4B-95CE-6DB70DBA9567}" type="datetimeFigureOut">
               <a:rPr lang="en-US" smtClean="0"/>
               <a:pPr/>
-              <a:t>6/6/2021</a:t>
+              <a:t>11/17/2021</a:t>
             </a:fld>
             <a:endParaRPr lang="en-US" dirty="0"/>
           </a:p>
@@ -4173,7 +4173,7 @@
             <a:fld id="{B61BEF0D-F0BB-DE4B-95CE-6DB70DBA9567}" type="datetimeFigureOut">
               <a:rPr lang="en-US" smtClean="0"/>
               <a:pPr/>
-              <a:t>6/6/2021</a:t>
+              <a:t>11/17/2021</a:t>
             </a:fld>
             <a:endParaRPr lang="en-US" dirty="0"/>
           </a:p>
@@ -4429,7 +4429,7 @@
           <a:p>
             <a:fld id="{42A54C80-263E-416B-A8E0-580EDEADCBDC}" type="datetimeFigureOut">
               <a:rPr lang="en-US" smtClean="0"/>
-              <a:t>6/6/2021</a:t>
+              <a:t>11/17/2021</a:t>
             </a:fld>
             <a:endParaRPr lang="en-US" dirty="0"/>
           </a:p>
@@ -4736,7 +4736,7 @@
             <a:fld id="{B61BEF0D-F0BB-DE4B-95CE-6DB70DBA9567}" type="datetimeFigureOut">
               <a:rPr lang="en-US" smtClean="0"/>
               <a:pPr/>
-              <a:t>6/6/2021</a:t>
+              <a:t>11/17/2021</a:t>
             </a:fld>
             <a:endParaRPr lang="en-US" dirty="0"/>
           </a:p>
@@ -5439,7 +5439,7 @@
             <a:fld id="{B61BEF0D-F0BB-DE4B-95CE-6DB70DBA9567}" type="datetimeFigureOut">
               <a:rPr lang="en-US" smtClean="0"/>
               <a:pPr/>
-              <a:t>6/6/2021</a:t>
+              <a:t>11/17/2021</a:t>
             </a:fld>
             <a:endParaRPr lang="en-US" dirty="0"/>
           </a:p>
@@ -5565,34 +5565,34 @@
       </p:pic>
       <p:sp>
         <p:nvSpPr>
-          <p:cNvPr id="29" name="矩形 28"/>
+          <p:cNvPr id="8" name="矩形 7"/>
           <p:cNvSpPr/>
           <p:nvPr userDrawn="1"/>
         </p:nvSpPr>
         <p:spPr>
           <a:xfrm>
-            <a:off x="583155" y="6375118"/>
-            <a:ext cx="6890473" cy="338554"/>
+            <a:off x="552870" y="6406487"/>
+            <a:ext cx="3932487" cy="369332"/>
           </a:xfrm>
           <a:prstGeom prst="rect">
             <a:avLst/>
           </a:prstGeom>
         </p:spPr>
         <p:txBody>
-          <a:bodyPr wrap="square">
+          <a:bodyPr wrap="none">
             <a:spAutoFit/>
           </a:bodyPr>
           <a:lstStyle/>
           <a:p>
             <a:r>
-              <a:rPr lang="zh-TW" altLang="en-US" sz="1600" dirty="0" smtClean="0"/>
-              <a:t>https://github.com/liulawsi/LLC_Python/tree/main/Section0</a:t>
-            </a:r>
-            <a:r>
-              <a:rPr lang="en-US" altLang="zh-TW" sz="1600" dirty="0" smtClean="0"/>
-              <a:t>4</a:t>
-            </a:r>
-            <a:endParaRPr lang="zh-TW" altLang="en-US" sz="1600" dirty="0"/>
+              <a:rPr lang="zh-TW" altLang="en-US" sz="1800" dirty="0" smtClean="0"/>
+              <a:t>講義網址：</a:t>
+            </a:r>
+            <a:r>
+              <a:rPr lang="en-US" altLang="zh-TW" sz="1800" dirty="0" smtClean="0"/>
+              <a:t> https://reurl.cc/dxg1Rg</a:t>
+            </a:r>
+            <a:endParaRPr lang="zh-TW" altLang="en-US" sz="1800" dirty="0"/>
           </a:p>
         </p:txBody>
       </p:sp>
@@ -6080,7 +6080,7 @@
             <a:fld id="{4805910D-2C61-424F-80CE-807290CF0E1E}" type="datetime4">
               <a:rPr lang="zh-TW" altLang="zh-TW"/>
               <a:pPr/>
-              <a:t>110年6月6日星期日</a:t>
+              <a:t>110年11月17日星期三</a:t>
             </a:fld>
             <a:endParaRPr lang="zh-TW" altLang="en-US" dirty="0"/>
           </a:p>
@@ -6138,8 +6138,8 @@
         </p:nvSpPr>
         <p:spPr>
           <a:xfrm>
-            <a:off x="167912" y="514394"/>
-            <a:ext cx="5104282" cy="461665"/>
+            <a:off x="679976" y="514119"/>
+            <a:ext cx="5186035" cy="461665"/>
           </a:xfrm>
           <a:prstGeom prst="rect">
             <a:avLst/>
@@ -6153,18 +6153,23 @@
           <a:p>
             <a:r>
               <a:rPr lang="zh-TW" altLang="en-US" sz="2400" dirty="0" smtClean="0"/>
-              <a:t>講義網址：https</a:t>
-            </a:r>
-            <a:r>
-              <a:rPr lang="zh-TW" altLang="en-US" sz="2400" dirty="0"/>
-              <a:t>://reurl.cc/9r5G1d</a:t>
-            </a:r>
+              <a:t>講義網址</a:t>
+            </a:r>
+            <a:r>
+              <a:rPr lang="zh-TW" altLang="en-US" sz="2400" dirty="0" smtClean="0"/>
+              <a:t>：</a:t>
+            </a:r>
+            <a:r>
+              <a:rPr lang="en-US" altLang="zh-TW" sz="2400" dirty="0"/>
+              <a:t> https://reurl.cc/dxg1Rg</a:t>
+            </a:r>
+            <a:endParaRPr lang="zh-TW" altLang="en-US" sz="2400" dirty="0"/>
           </a:p>
         </p:txBody>
       </p:sp>
       <p:pic>
         <p:nvPicPr>
-          <p:cNvPr id="7" name="圖片 6"/>
+          <p:cNvPr id="8" name="圖片 7"/>
           <p:cNvPicPr>
             <a:picLocks noChangeAspect="1"/>
           </p:cNvPicPr>
@@ -6178,8 +6183,8 @@
         </p:blipFill>
         <p:spPr>
           <a:xfrm>
-            <a:off x="792692" y="975922"/>
-            <a:ext cx="1822492" cy="1822492"/>
+            <a:off x="792692" y="975784"/>
+            <a:ext cx="1895644" cy="1895644"/>
           </a:xfrm>
           <a:prstGeom prst="rect">
             <a:avLst/>

--- a/LCC/Python/04_迴圈大法.pptx
+++ b/LCC/Python/04_迴圈大法.pptx
@@ -914,7 +914,7 @@
             <a:fld id="{B61BEF0D-F0BB-DE4B-95CE-6DB70DBA9567}" type="datetimeFigureOut">
               <a:rPr lang="en-US" smtClean="0"/>
               <a:pPr/>
-              <a:t>11/17/2021</a:t>
+              <a:t>11/22/2021</a:t>
             </a:fld>
             <a:endParaRPr lang="en-US" dirty="0"/>
           </a:p>
@@ -1208,7 +1208,7 @@
             <a:fld id="{B61BEF0D-F0BB-DE4B-95CE-6DB70DBA9567}" type="datetimeFigureOut">
               <a:rPr lang="en-US" smtClean="0"/>
               <a:pPr/>
-              <a:t>11/17/2021</a:t>
+              <a:t>11/22/2021</a:t>
             </a:fld>
             <a:endParaRPr lang="en-US" dirty="0"/>
           </a:p>
@@ -1524,7 +1524,7 @@
             <a:fld id="{B61BEF0D-F0BB-DE4B-95CE-6DB70DBA9567}" type="datetimeFigureOut">
               <a:rPr lang="en-US" smtClean="0"/>
               <a:pPr/>
-              <a:t>11/17/2021</a:t>
+              <a:t>11/22/2021</a:t>
             </a:fld>
             <a:endParaRPr lang="en-US" dirty="0"/>
           </a:p>
@@ -1859,7 +1859,7 @@
             <a:fld id="{B61BEF0D-F0BB-DE4B-95CE-6DB70DBA9567}" type="datetimeFigureOut">
               <a:rPr lang="en-US" smtClean="0"/>
               <a:pPr/>
-              <a:t>11/17/2021</a:t>
+              <a:t>11/22/2021</a:t>
             </a:fld>
             <a:endParaRPr lang="en-US" dirty="0"/>
           </a:p>
@@ -2175,7 +2175,7 @@
             <a:fld id="{B61BEF0D-F0BB-DE4B-95CE-6DB70DBA9567}" type="datetimeFigureOut">
               <a:rPr lang="en-US" smtClean="0"/>
               <a:pPr/>
-              <a:t>11/17/2021</a:t>
+              <a:t>11/22/2021</a:t>
             </a:fld>
             <a:endParaRPr lang="en-US" dirty="0"/>
           </a:p>
@@ -2570,7 +2570,7 @@
             <a:fld id="{B61BEF0D-F0BB-DE4B-95CE-6DB70DBA9567}" type="datetimeFigureOut">
               <a:rPr lang="en-US" smtClean="0"/>
               <a:pPr/>
-              <a:t>11/17/2021</a:t>
+              <a:t>11/22/2021</a:t>
             </a:fld>
             <a:endParaRPr lang="en-US" dirty="0"/>
           </a:p>
@@ -2741,7 +2741,7 @@
           <a:p>
             <a:fld id="{55C6B4A9-1611-4792-9094-5F34BCA07E0B}" type="datetimeFigureOut">
               <a:rPr lang="en-US" smtClean="0"/>
-              <a:t>11/17/2021</a:t>
+              <a:t>11/22/2021</a:t>
             </a:fld>
             <a:endParaRPr lang="en-US" dirty="0"/>
           </a:p>
@@ -2922,7 +2922,7 @@
             <a:fld id="{B61BEF0D-F0BB-DE4B-95CE-6DB70DBA9567}" type="datetimeFigureOut">
               <a:rPr lang="en-US" smtClean="0"/>
               <a:pPr/>
-              <a:t>11/17/2021</a:t>
+              <a:t>11/22/2021</a:t>
             </a:fld>
             <a:endParaRPr lang="en-US" dirty="0"/>
           </a:p>
@@ -3094,7 +3094,7 @@
             <a:fld id="{B61BEF0D-F0BB-DE4B-95CE-6DB70DBA9567}" type="datetimeFigureOut">
               <a:rPr lang="en-US" smtClean="0"/>
               <a:pPr/>
-              <a:t>11/17/2021</a:t>
+              <a:t>11/22/2021</a:t>
             </a:fld>
             <a:endParaRPr lang="en-US" dirty="0"/>
           </a:p>
@@ -3343,7 +3343,7 @@
             <a:fld id="{B61BEF0D-F0BB-DE4B-95CE-6DB70DBA9567}" type="datetimeFigureOut">
               <a:rPr lang="en-US" smtClean="0"/>
               <a:pPr/>
-              <a:t>11/17/2021</a:t>
+              <a:t>11/22/2021</a:t>
             </a:fld>
             <a:endParaRPr lang="en-US" dirty="0"/>
           </a:p>
@@ -3576,7 +3576,7 @@
           <a:p>
             <a:fld id="{EB712588-04B1-427B-82EE-E8DB90309F08}" type="datetimeFigureOut">
               <a:rPr lang="en-US" smtClean="0"/>
-              <a:t>11/17/2021</a:t>
+              <a:t>11/22/2021</a:t>
             </a:fld>
             <a:endParaRPr lang="en-US" dirty="0"/>
           </a:p>
@@ -3951,7 +3951,7 @@
             <a:fld id="{B61BEF0D-F0BB-DE4B-95CE-6DB70DBA9567}" type="datetimeFigureOut">
               <a:rPr lang="en-US" smtClean="0"/>
               <a:pPr/>
-              <a:t>11/17/2021</a:t>
+              <a:t>11/22/2021</a:t>
             </a:fld>
             <a:endParaRPr lang="en-US" dirty="0"/>
           </a:p>
@@ -4076,7 +4076,7 @@
             <a:fld id="{B61BEF0D-F0BB-DE4B-95CE-6DB70DBA9567}" type="datetimeFigureOut">
               <a:rPr lang="en-US" smtClean="0"/>
               <a:pPr/>
-              <a:t>11/17/2021</a:t>
+              <a:t>11/22/2021</a:t>
             </a:fld>
             <a:endParaRPr lang="en-US" dirty="0"/>
           </a:p>
@@ -4173,7 +4173,7 @@
             <a:fld id="{B61BEF0D-F0BB-DE4B-95CE-6DB70DBA9567}" type="datetimeFigureOut">
               <a:rPr lang="en-US" smtClean="0"/>
               <a:pPr/>
-              <a:t>11/17/2021</a:t>
+              <a:t>11/22/2021</a:t>
             </a:fld>
             <a:endParaRPr lang="en-US" dirty="0"/>
           </a:p>
@@ -4429,7 +4429,7 @@
           <a:p>
             <a:fld id="{42A54C80-263E-416B-A8E0-580EDEADCBDC}" type="datetimeFigureOut">
               <a:rPr lang="en-US" smtClean="0"/>
-              <a:t>11/17/2021</a:t>
+              <a:t>11/22/2021</a:t>
             </a:fld>
             <a:endParaRPr lang="en-US" dirty="0"/>
           </a:p>
@@ -4736,7 +4736,7 @@
             <a:fld id="{B61BEF0D-F0BB-DE4B-95CE-6DB70DBA9567}" type="datetimeFigureOut">
               <a:rPr lang="en-US" smtClean="0"/>
               <a:pPr/>
-              <a:t>11/17/2021</a:t>
+              <a:t>11/22/2021</a:t>
             </a:fld>
             <a:endParaRPr lang="en-US" dirty="0"/>
           </a:p>
@@ -5439,7 +5439,7 @@
             <a:fld id="{B61BEF0D-F0BB-DE4B-95CE-6DB70DBA9567}" type="datetimeFigureOut">
               <a:rPr lang="en-US" smtClean="0"/>
               <a:pPr/>
-              <a:t>11/17/2021</a:t>
+              <a:t>11/22/2021</a:t>
             </a:fld>
             <a:endParaRPr lang="en-US" dirty="0"/>
           </a:p>
@@ -6080,7 +6080,7 @@
             <a:fld id="{4805910D-2C61-424F-80CE-807290CF0E1E}" type="datetime4">
               <a:rPr lang="zh-TW" altLang="zh-TW"/>
               <a:pPr/>
-              <a:t>110年11月17日星期三</a:t>
+              <a:t>110年11月22日星期一</a:t>
             </a:fld>
             <a:endParaRPr lang="zh-TW" altLang="en-US" dirty="0"/>
           </a:p>
@@ -6153,11 +6153,7 @@
           <a:p>
             <a:r>
               <a:rPr lang="zh-TW" altLang="en-US" sz="2400" dirty="0" smtClean="0"/>
-              <a:t>講義網址</a:t>
-            </a:r>
-            <a:r>
-              <a:rPr lang="zh-TW" altLang="en-US" sz="2400" dirty="0" smtClean="0"/>
-              <a:t>：</a:t>
+              <a:t>講義網址：</a:t>
             </a:r>
             <a:r>
               <a:rPr lang="en-US" altLang="zh-TW" sz="2400" dirty="0"/>
@@ -12254,8 +12250,19 @@
             </a:r>
             <a:r>
               <a:rPr lang="zh-TW" altLang="en-US" dirty="0" smtClean="0"/>
-              <a:t>圈是甚麼？</a:t>
-            </a:r>
+              <a:t>圈是甚麼</a:t>
+            </a:r>
+            <a:r>
+              <a:rPr lang="zh-TW" altLang="en-US" dirty="0" smtClean="0"/>
+              <a:t>？</a:t>
+            </a:r>
+            <a:r>
+              <a:rPr lang="en-US" altLang="zh-TW" dirty="0" smtClean="0"/>
+              <a:t/>
+            </a:r>
+            <a:br>
+              <a:rPr lang="en-US" altLang="zh-TW" dirty="0" smtClean="0"/>
+            </a:br>
             <a:endParaRPr lang="zh-TW" altLang="en-US" dirty="0"/>
           </a:p>
         </p:txBody>
@@ -13266,6 +13273,38 @@
           </a:p>
         </p:txBody>
       </p:sp>
+      <p:sp>
+        <p:nvSpPr>
+          <p:cNvPr id="7" name="矩形 6"/>
+          <p:cNvSpPr/>
+          <p:nvPr/>
+        </p:nvSpPr>
+        <p:spPr>
+          <a:xfrm>
+            <a:off x="2619293" y="1296431"/>
+            <a:ext cx="3416320" cy="523220"/>
+          </a:xfrm>
+          <a:prstGeom prst="rect">
+            <a:avLst/>
+          </a:prstGeom>
+        </p:spPr>
+        <p:txBody>
+          <a:bodyPr wrap="none">
+            <a:spAutoFit/>
+          </a:bodyPr>
+          <a:lstStyle/>
+          <a:p>
+            <a:r>
+              <a:rPr lang="zh-TW" altLang="en-US" sz="2800" b="1" dirty="0">
+                <a:solidFill>
+                  <a:srgbClr val="FF0000"/>
+                </a:solidFill>
+              </a:rPr>
+              <a:t>一般的高階語言說法</a:t>
+            </a:r>
+          </a:p>
+        </p:txBody>
+      </p:sp>
     </p:spTree>
     <p:extLst>
       <p:ext uri="{BB962C8B-B14F-4D97-AF65-F5344CB8AC3E}">
@@ -13279,9 +13318,80 @@
   <p:timing>
     <p:tnLst>
       <p:par>
-        <p:cTn id="1" dur="indefinite" restart="never" nodeType="tmRoot"/>
+        <p:cTn id="1" dur="indefinite" restart="never" nodeType="tmRoot">
+          <p:childTnLst>
+            <p:seq concurrent="1" nextAc="seek">
+              <p:cTn id="2" dur="indefinite" nodeType="mainSeq">
+                <p:childTnLst>
+                  <p:par>
+                    <p:cTn id="3" fill="hold">
+                      <p:stCondLst>
+                        <p:cond delay="indefinite"/>
+                      </p:stCondLst>
+                      <p:childTnLst>
+                        <p:par>
+                          <p:cTn id="4" fill="hold">
+                            <p:stCondLst>
+                              <p:cond delay="0"/>
+                            </p:stCondLst>
+                            <p:childTnLst>
+                              <p:par>
+                                <p:cTn id="5" presetID="1" presetClass="entr" presetSubtype="0" fill="hold" grpId="0" nodeType="clickEffect">
+                                  <p:stCondLst>
+                                    <p:cond delay="0"/>
+                                  </p:stCondLst>
+                                  <p:childTnLst>
+                                    <p:set>
+                                      <p:cBhvr>
+                                        <p:cTn id="6" dur="1" fill="hold">
+                                          <p:stCondLst>
+                                            <p:cond delay="0"/>
+                                          </p:stCondLst>
+                                        </p:cTn>
+                                        <p:tgtEl>
+                                          <p:spTgt spid="7"/>
+                                        </p:tgtEl>
+                                        <p:attrNameLst>
+                                          <p:attrName>style.visibility</p:attrName>
+                                        </p:attrNameLst>
+                                      </p:cBhvr>
+                                      <p:to>
+                                        <p:strVal val="visible"/>
+                                      </p:to>
+                                    </p:set>
+                                  </p:childTnLst>
+                                </p:cTn>
+                              </p:par>
+                            </p:childTnLst>
+                          </p:cTn>
+                        </p:par>
+                      </p:childTnLst>
+                    </p:cTn>
+                  </p:par>
+                </p:childTnLst>
+              </p:cTn>
+              <p:prevCondLst>
+                <p:cond evt="onPrev" delay="0">
+                  <p:tgtEl>
+                    <p:sldTgt/>
+                  </p:tgtEl>
+                </p:cond>
+              </p:prevCondLst>
+              <p:nextCondLst>
+                <p:cond evt="onNext" delay="0">
+                  <p:tgtEl>
+                    <p:sldTgt/>
+                  </p:tgtEl>
+                </p:cond>
+              </p:nextCondLst>
+            </p:seq>
+          </p:childTnLst>
+        </p:cTn>
       </p:par>
     </p:tnLst>
+    <p:bldLst>
+      <p:bldP spid="7" grpId="0"/>
+    </p:bldLst>
   </p:timing>
 </p:sld>
 </file>

--- a/LCC/Python/04_迴圈大法.pptx
+++ b/LCC/Python/04_迴圈大法.pptx
@@ -16,41 +16,45 @@
     <p:sldId id="287" r:id="rId10"/>
     <p:sldId id="315" r:id="rId11"/>
     <p:sldId id="288" r:id="rId12"/>
-    <p:sldId id="289" r:id="rId13"/>
-    <p:sldId id="291" r:id="rId14"/>
-    <p:sldId id="290" r:id="rId15"/>
-    <p:sldId id="292" r:id="rId16"/>
-    <p:sldId id="293" r:id="rId17"/>
-    <p:sldId id="294" r:id="rId18"/>
-    <p:sldId id="295" r:id="rId19"/>
-    <p:sldId id="296" r:id="rId20"/>
-    <p:sldId id="297" r:id="rId21"/>
-    <p:sldId id="316" r:id="rId22"/>
-    <p:sldId id="298" r:id="rId23"/>
-    <p:sldId id="317" r:id="rId24"/>
-    <p:sldId id="299" r:id="rId25"/>
-    <p:sldId id="300" r:id="rId26"/>
-    <p:sldId id="301" r:id="rId27"/>
-    <p:sldId id="302" r:id="rId28"/>
-    <p:sldId id="303" r:id="rId29"/>
-    <p:sldId id="320" r:id="rId30"/>
-    <p:sldId id="304" r:id="rId31"/>
-    <p:sldId id="318" r:id="rId32"/>
-    <p:sldId id="305" r:id="rId33"/>
-    <p:sldId id="306" r:id="rId34"/>
-    <p:sldId id="307" r:id="rId35"/>
-    <p:sldId id="308" r:id="rId36"/>
-    <p:sldId id="311" r:id="rId37"/>
-    <p:sldId id="327" r:id="rId38"/>
-    <p:sldId id="328" r:id="rId39"/>
-    <p:sldId id="319" r:id="rId40"/>
-    <p:sldId id="312" r:id="rId41"/>
-    <p:sldId id="321" r:id="rId42"/>
-    <p:sldId id="322" r:id="rId43"/>
-    <p:sldId id="323" r:id="rId44"/>
-    <p:sldId id="324" r:id="rId45"/>
-    <p:sldId id="325" r:id="rId46"/>
-    <p:sldId id="326" r:id="rId47"/>
+    <p:sldId id="329" r:id="rId13"/>
+    <p:sldId id="289" r:id="rId14"/>
+    <p:sldId id="330" r:id="rId15"/>
+    <p:sldId id="291" r:id="rId16"/>
+    <p:sldId id="290" r:id="rId17"/>
+    <p:sldId id="292" r:id="rId18"/>
+    <p:sldId id="331" r:id="rId19"/>
+    <p:sldId id="293" r:id="rId20"/>
+    <p:sldId id="294" r:id="rId21"/>
+    <p:sldId id="295" r:id="rId22"/>
+    <p:sldId id="332" r:id="rId23"/>
+    <p:sldId id="296" r:id="rId24"/>
+    <p:sldId id="297" r:id="rId25"/>
+    <p:sldId id="316" r:id="rId26"/>
+    <p:sldId id="298" r:id="rId27"/>
+    <p:sldId id="317" r:id="rId28"/>
+    <p:sldId id="299" r:id="rId29"/>
+    <p:sldId id="300" r:id="rId30"/>
+    <p:sldId id="301" r:id="rId31"/>
+    <p:sldId id="302" r:id="rId32"/>
+    <p:sldId id="303" r:id="rId33"/>
+    <p:sldId id="320" r:id="rId34"/>
+    <p:sldId id="304" r:id="rId35"/>
+    <p:sldId id="318" r:id="rId36"/>
+    <p:sldId id="305" r:id="rId37"/>
+    <p:sldId id="306" r:id="rId38"/>
+    <p:sldId id="307" r:id="rId39"/>
+    <p:sldId id="308" r:id="rId40"/>
+    <p:sldId id="311" r:id="rId41"/>
+    <p:sldId id="327" r:id="rId42"/>
+    <p:sldId id="328" r:id="rId43"/>
+    <p:sldId id="319" r:id="rId44"/>
+    <p:sldId id="312" r:id="rId45"/>
+    <p:sldId id="321" r:id="rId46"/>
+    <p:sldId id="322" r:id="rId47"/>
+    <p:sldId id="323" r:id="rId48"/>
+    <p:sldId id="324" r:id="rId49"/>
+    <p:sldId id="325" r:id="rId50"/>
+    <p:sldId id="326" r:id="rId51"/>
   </p:sldIdLst>
   <p:sldSz cx="12192000" cy="6858000"/>
   <p:notesSz cx="6858000" cy="9144000"/>
@@ -914,7 +918,7 @@
             <a:fld id="{B61BEF0D-F0BB-DE4B-95CE-6DB70DBA9567}" type="datetimeFigureOut">
               <a:rPr lang="en-US" smtClean="0"/>
               <a:pPr/>
-              <a:t>11/22/2021</a:t>
+              <a:t>12/11/2021</a:t>
             </a:fld>
             <a:endParaRPr lang="en-US" dirty="0"/>
           </a:p>
@@ -1208,7 +1212,7 @@
             <a:fld id="{B61BEF0D-F0BB-DE4B-95CE-6DB70DBA9567}" type="datetimeFigureOut">
               <a:rPr lang="en-US" smtClean="0"/>
               <a:pPr/>
-              <a:t>11/22/2021</a:t>
+              <a:t>12/11/2021</a:t>
             </a:fld>
             <a:endParaRPr lang="en-US" dirty="0"/>
           </a:p>
@@ -1524,7 +1528,7 @@
             <a:fld id="{B61BEF0D-F0BB-DE4B-95CE-6DB70DBA9567}" type="datetimeFigureOut">
               <a:rPr lang="en-US" smtClean="0"/>
               <a:pPr/>
-              <a:t>11/22/2021</a:t>
+              <a:t>12/11/2021</a:t>
             </a:fld>
             <a:endParaRPr lang="en-US" dirty="0"/>
           </a:p>
@@ -1859,7 +1863,7 @@
             <a:fld id="{B61BEF0D-F0BB-DE4B-95CE-6DB70DBA9567}" type="datetimeFigureOut">
               <a:rPr lang="en-US" smtClean="0"/>
               <a:pPr/>
-              <a:t>11/22/2021</a:t>
+              <a:t>12/11/2021</a:t>
             </a:fld>
             <a:endParaRPr lang="en-US" dirty="0"/>
           </a:p>
@@ -2175,7 +2179,7 @@
             <a:fld id="{B61BEF0D-F0BB-DE4B-95CE-6DB70DBA9567}" type="datetimeFigureOut">
               <a:rPr lang="en-US" smtClean="0"/>
               <a:pPr/>
-              <a:t>11/22/2021</a:t>
+              <a:t>12/11/2021</a:t>
             </a:fld>
             <a:endParaRPr lang="en-US" dirty="0"/>
           </a:p>
@@ -2570,7 +2574,7 @@
             <a:fld id="{B61BEF0D-F0BB-DE4B-95CE-6DB70DBA9567}" type="datetimeFigureOut">
               <a:rPr lang="en-US" smtClean="0"/>
               <a:pPr/>
-              <a:t>11/22/2021</a:t>
+              <a:t>12/11/2021</a:t>
             </a:fld>
             <a:endParaRPr lang="en-US" dirty="0"/>
           </a:p>
@@ -2741,7 +2745,7 @@
           <a:p>
             <a:fld id="{55C6B4A9-1611-4792-9094-5F34BCA07E0B}" type="datetimeFigureOut">
               <a:rPr lang="en-US" smtClean="0"/>
-              <a:t>11/22/2021</a:t>
+              <a:t>12/11/2021</a:t>
             </a:fld>
             <a:endParaRPr lang="en-US" dirty="0"/>
           </a:p>
@@ -2922,7 +2926,7 @@
             <a:fld id="{B61BEF0D-F0BB-DE4B-95CE-6DB70DBA9567}" type="datetimeFigureOut">
               <a:rPr lang="en-US" smtClean="0"/>
               <a:pPr/>
-              <a:t>11/22/2021</a:t>
+              <a:t>12/11/2021</a:t>
             </a:fld>
             <a:endParaRPr lang="en-US" dirty="0"/>
           </a:p>
@@ -3094,7 +3098,7 @@
             <a:fld id="{B61BEF0D-F0BB-DE4B-95CE-6DB70DBA9567}" type="datetimeFigureOut">
               <a:rPr lang="en-US" smtClean="0"/>
               <a:pPr/>
-              <a:t>11/22/2021</a:t>
+              <a:t>12/11/2021</a:t>
             </a:fld>
             <a:endParaRPr lang="en-US" dirty="0"/>
           </a:p>
@@ -3343,7 +3347,7 @@
             <a:fld id="{B61BEF0D-F0BB-DE4B-95CE-6DB70DBA9567}" type="datetimeFigureOut">
               <a:rPr lang="en-US" smtClean="0"/>
               <a:pPr/>
-              <a:t>11/22/2021</a:t>
+              <a:t>12/11/2021</a:t>
             </a:fld>
             <a:endParaRPr lang="en-US" dirty="0"/>
           </a:p>
@@ -3576,7 +3580,7 @@
           <a:p>
             <a:fld id="{EB712588-04B1-427B-82EE-E8DB90309F08}" type="datetimeFigureOut">
               <a:rPr lang="en-US" smtClean="0"/>
-              <a:t>11/22/2021</a:t>
+              <a:t>12/11/2021</a:t>
             </a:fld>
             <a:endParaRPr lang="en-US" dirty="0"/>
           </a:p>
@@ -3951,7 +3955,7 @@
             <a:fld id="{B61BEF0D-F0BB-DE4B-95CE-6DB70DBA9567}" type="datetimeFigureOut">
               <a:rPr lang="en-US" smtClean="0"/>
               <a:pPr/>
-              <a:t>11/22/2021</a:t>
+              <a:t>12/11/2021</a:t>
             </a:fld>
             <a:endParaRPr lang="en-US" dirty="0"/>
           </a:p>
@@ -4076,7 +4080,7 @@
             <a:fld id="{B61BEF0D-F0BB-DE4B-95CE-6DB70DBA9567}" type="datetimeFigureOut">
               <a:rPr lang="en-US" smtClean="0"/>
               <a:pPr/>
-              <a:t>11/22/2021</a:t>
+              <a:t>12/11/2021</a:t>
             </a:fld>
             <a:endParaRPr lang="en-US" dirty="0"/>
           </a:p>
@@ -4173,7 +4177,7 @@
             <a:fld id="{B61BEF0D-F0BB-DE4B-95CE-6DB70DBA9567}" type="datetimeFigureOut">
               <a:rPr lang="en-US" smtClean="0"/>
               <a:pPr/>
-              <a:t>11/22/2021</a:t>
+              <a:t>12/11/2021</a:t>
             </a:fld>
             <a:endParaRPr lang="en-US" dirty="0"/>
           </a:p>
@@ -4429,7 +4433,7 @@
           <a:p>
             <a:fld id="{42A54C80-263E-416B-A8E0-580EDEADCBDC}" type="datetimeFigureOut">
               <a:rPr lang="en-US" smtClean="0"/>
-              <a:t>11/22/2021</a:t>
+              <a:t>12/11/2021</a:t>
             </a:fld>
             <a:endParaRPr lang="en-US" dirty="0"/>
           </a:p>
@@ -4736,7 +4740,7 @@
             <a:fld id="{B61BEF0D-F0BB-DE4B-95CE-6DB70DBA9567}" type="datetimeFigureOut">
               <a:rPr lang="en-US" smtClean="0"/>
               <a:pPr/>
-              <a:t>11/22/2021</a:t>
+              <a:t>12/11/2021</a:t>
             </a:fld>
             <a:endParaRPr lang="en-US" dirty="0"/>
           </a:p>
@@ -5439,7 +5443,7 @@
             <a:fld id="{B61BEF0D-F0BB-DE4B-95CE-6DB70DBA9567}" type="datetimeFigureOut">
               <a:rPr lang="en-US" smtClean="0"/>
               <a:pPr/>
-              <a:t>11/22/2021</a:t>
+              <a:t>12/11/2021</a:t>
             </a:fld>
             <a:endParaRPr lang="en-US" dirty="0"/>
           </a:p>
@@ -5565,14 +5569,14 @@
       </p:pic>
       <p:sp>
         <p:nvSpPr>
-          <p:cNvPr id="8" name="矩形 7"/>
+          <p:cNvPr id="29" name="矩形 28"/>
           <p:cNvSpPr/>
           <p:nvPr userDrawn="1"/>
         </p:nvSpPr>
         <p:spPr>
           <a:xfrm>
-            <a:off x="552870" y="6406487"/>
-            <a:ext cx="3932487" cy="369332"/>
+            <a:off x="368797" y="6406487"/>
+            <a:ext cx="4326056" cy="400110"/>
           </a:xfrm>
           <a:prstGeom prst="rect">
             <a:avLst/>
@@ -5585,14 +5589,14 @@
           <a:lstStyle/>
           <a:p>
             <a:r>
-              <a:rPr lang="zh-TW" altLang="en-US" sz="1800" dirty="0" smtClean="0"/>
+              <a:rPr lang="zh-TW" altLang="en-US" sz="2000" dirty="0" smtClean="0"/>
               <a:t>講義網址：</a:t>
             </a:r>
             <a:r>
-              <a:rPr lang="en-US" altLang="zh-TW" sz="1800" dirty="0" smtClean="0"/>
-              <a:t> https://reurl.cc/dxg1Rg</a:t>
-            </a:r>
-            <a:endParaRPr lang="zh-TW" altLang="en-US" sz="1800" dirty="0"/>
+              <a:rPr lang="en-US" altLang="zh-TW" sz="2000" dirty="0"/>
+              <a:t>https://reurl.cc/OkNRey</a:t>
+            </a:r>
+            <a:endParaRPr lang="zh-TW" altLang="en-US" sz="2000" dirty="0"/>
           </a:p>
         </p:txBody>
       </p:sp>
@@ -6080,7 +6084,7 @@
             <a:fld id="{4805910D-2C61-424F-80CE-807290CF0E1E}" type="datetime4">
               <a:rPr lang="zh-TW" altLang="zh-TW"/>
               <a:pPr/>
-              <a:t>110年11月22日星期一</a:t>
+              <a:t>110年12月11日星期六</a:t>
             </a:fld>
             <a:endParaRPr lang="zh-TW" altLang="en-US" dirty="0"/>
           </a:p>
@@ -6130,42 +6134,9 @@
           </a:extLst>
         </p:spPr>
       </p:pic>
-      <p:sp>
-        <p:nvSpPr>
-          <p:cNvPr id="6" name="矩形 5"/>
-          <p:cNvSpPr/>
-          <p:nvPr/>
-        </p:nvSpPr>
-        <p:spPr>
-          <a:xfrm>
-            <a:off x="679976" y="514119"/>
-            <a:ext cx="5186035" cy="461665"/>
-          </a:xfrm>
-          <a:prstGeom prst="rect">
-            <a:avLst/>
-          </a:prstGeom>
-        </p:spPr>
-        <p:txBody>
-          <a:bodyPr wrap="none">
-            <a:spAutoFit/>
-          </a:bodyPr>
-          <a:lstStyle/>
-          <a:p>
-            <a:r>
-              <a:rPr lang="zh-TW" altLang="en-US" sz="2400" dirty="0" smtClean="0"/>
-              <a:t>講義網址：</a:t>
-            </a:r>
-            <a:r>
-              <a:rPr lang="en-US" altLang="zh-TW" sz="2400" dirty="0"/>
-              <a:t> https://reurl.cc/dxg1Rg</a:t>
-            </a:r>
-            <a:endParaRPr lang="zh-TW" altLang="en-US" sz="2400" dirty="0"/>
-          </a:p>
-        </p:txBody>
-      </p:sp>
       <p:pic>
         <p:nvPicPr>
-          <p:cNvPr id="8" name="圖片 7"/>
+          <p:cNvPr id="7" name="圖片 6"/>
           <p:cNvPicPr>
             <a:picLocks noChangeAspect="1"/>
           </p:cNvPicPr>
@@ -6179,14 +6150,47 @@
         </p:blipFill>
         <p:spPr>
           <a:xfrm>
-            <a:off x="792692" y="975784"/>
-            <a:ext cx="1895644" cy="1895644"/>
+            <a:off x="765260" y="950840"/>
+            <a:ext cx="1785916" cy="1785916"/>
           </a:xfrm>
           <a:prstGeom prst="rect">
             <a:avLst/>
           </a:prstGeom>
         </p:spPr>
       </p:pic>
+      <p:sp>
+        <p:nvSpPr>
+          <p:cNvPr id="9" name="矩形 8"/>
+          <p:cNvSpPr/>
+          <p:nvPr/>
+        </p:nvSpPr>
+        <p:spPr>
+          <a:xfrm>
+            <a:off x="689120" y="489175"/>
+            <a:ext cx="5165517" cy="461665"/>
+          </a:xfrm>
+          <a:prstGeom prst="rect">
+            <a:avLst/>
+          </a:prstGeom>
+        </p:spPr>
+        <p:txBody>
+          <a:bodyPr wrap="none">
+            <a:spAutoFit/>
+          </a:bodyPr>
+          <a:lstStyle/>
+          <a:p>
+            <a:r>
+              <a:rPr lang="zh-TW" altLang="en-US" sz="2400" dirty="0" smtClean="0"/>
+              <a:t>講義網址：</a:t>
+            </a:r>
+            <a:r>
+              <a:rPr lang="en-US" altLang="zh-TW" sz="2400" dirty="0"/>
+              <a:t>https://reurl.cc/OkNRey</a:t>
+            </a:r>
+            <a:endParaRPr lang="zh-TW" altLang="en-US" sz="2400" dirty="0"/>
+          </a:p>
+        </p:txBody>
+      </p:sp>
     </p:spTree>
     <p:extLst>
       <p:ext uri="{BB962C8B-B14F-4D97-AF65-F5344CB8AC3E}">
@@ -6258,25 +6262,6 @@
               <a:rPr lang="zh-TW" altLang="en-US" dirty="0"/>
               <a:t>兩個版本效果一樣喔</a:t>
             </a:r>
-          </a:p>
-        </p:txBody>
-      </p:sp>
-      <p:sp>
-        <p:nvSpPr>
-          <p:cNvPr id="3" name="內容版面配置區 2"/>
-          <p:cNvSpPr>
-            <a:spLocks noGrp="1"/>
-          </p:cNvSpPr>
-          <p:nvPr>
-            <p:ph idx="1"/>
-          </p:nvPr>
-        </p:nvSpPr>
-        <p:spPr/>
-        <p:txBody>
-          <a:bodyPr/>
-          <a:lstStyle/>
-          <a:p>
-            <a:endParaRPr lang="zh-TW" altLang="en-US" dirty="0"/>
           </a:p>
         </p:txBody>
       </p:sp>
@@ -7028,6 +7013,119 @@
           <a:p>
             <a:r>
               <a:rPr lang="zh-TW" altLang="en-US" dirty="0" smtClean="0"/>
+              <a:t>參考程式碼</a:t>
+            </a:r>
+            <a:r>
+              <a:rPr lang="en-US" altLang="zh-TW" dirty="0" smtClean="0"/>
+              <a:t>(</a:t>
+            </a:r>
+            <a:r>
+              <a:rPr lang="zh-TW" altLang="en-US" dirty="0" smtClean="0"/>
+              <a:t>兩種版本</a:t>
+            </a:r>
+            <a:r>
+              <a:rPr lang="en-US" altLang="zh-TW" dirty="0" smtClean="0"/>
+              <a:t>)</a:t>
+            </a:r>
+            <a:endParaRPr lang="zh-TW" altLang="en-US" dirty="0"/>
+          </a:p>
+        </p:txBody>
+      </p:sp>
+      <p:pic>
+        <p:nvPicPr>
+          <p:cNvPr id="5" name="圖片 4"/>
+          <p:cNvPicPr>
+            <a:picLocks noChangeAspect="1"/>
+          </p:cNvPicPr>
+          <p:nvPr/>
+        </p:nvPicPr>
+        <p:blipFill>
+          <a:blip r:embed="rId2"/>
+          <a:stretch>
+            <a:fillRect/>
+          </a:stretch>
+        </p:blipFill>
+        <p:spPr>
+          <a:xfrm>
+            <a:off x="6073409" y="2160589"/>
+            <a:ext cx="5703582" cy="2286571"/>
+          </a:xfrm>
+          <a:prstGeom prst="rect">
+            <a:avLst/>
+          </a:prstGeom>
+        </p:spPr>
+      </p:pic>
+      <p:pic>
+        <p:nvPicPr>
+          <p:cNvPr id="6" name="圖片 5"/>
+          <p:cNvPicPr>
+            <a:picLocks noChangeAspect="1"/>
+          </p:cNvPicPr>
+          <p:nvPr/>
+        </p:nvPicPr>
+        <p:blipFill>
+          <a:blip r:embed="rId3"/>
+          <a:stretch>
+            <a:fillRect/>
+          </a:stretch>
+        </p:blipFill>
+        <p:spPr>
+          <a:xfrm>
+            <a:off x="289560" y="2160589"/>
+            <a:ext cx="5396075" cy="2482701"/>
+          </a:xfrm>
+          <a:prstGeom prst="rect">
+            <a:avLst/>
+          </a:prstGeom>
+        </p:spPr>
+      </p:pic>
+    </p:spTree>
+    <p:extLst>
+      <p:ext uri="{BB962C8B-B14F-4D97-AF65-F5344CB8AC3E}">
+        <p14:creationId xmlns:p14="http://schemas.microsoft.com/office/powerpoint/2010/main" val="2201044020"/>
+      </p:ext>
+    </p:extLst>
+  </p:cSld>
+  <p:clrMapOvr>
+    <a:masterClrMapping/>
+  </p:clrMapOvr>
+</p:sld>
+</file>
+
+<file path=ppt/slides/slide13.xml><?xml version="1.0" encoding="utf-8"?>
+<p:sld xmlns:a="http://schemas.openxmlformats.org/drawingml/2006/main" xmlns:r="http://schemas.openxmlformats.org/officeDocument/2006/relationships" xmlns:p="http://schemas.openxmlformats.org/presentationml/2006/main">
+  <p:cSld>
+    <p:spTree>
+      <p:nvGrpSpPr>
+        <p:cNvPr id="1" name=""/>
+        <p:cNvGrpSpPr/>
+        <p:nvPr/>
+      </p:nvGrpSpPr>
+      <p:grpSpPr>
+        <a:xfrm>
+          <a:off x="0" y="0"/>
+          <a:ext cx="0" cy="0"/>
+          <a:chOff x="0" y="0"/>
+          <a:chExt cx="0" cy="0"/>
+        </a:xfrm>
+      </p:grpSpPr>
+      <p:sp>
+        <p:nvSpPr>
+          <p:cNvPr id="2" name="標題 1"/>
+          <p:cNvSpPr>
+            <a:spLocks noGrp="1"/>
+          </p:cNvSpPr>
+          <p:nvPr>
+            <p:ph type="title"/>
+          </p:nvPr>
+        </p:nvSpPr>
+        <p:spPr/>
+        <p:txBody>
+          <a:bodyPr/>
+          <a:lstStyle/>
+          <a:p>
+            <a:r>
+              <a:rPr lang="zh-TW" altLang="en-US" dirty="0" smtClean="0"/>
               <a:t>練習</a:t>
             </a:r>
             <a:r>
@@ -7612,7 +7710,83 @@
 </p:sld>
 </file>
 
-<file path=ppt/slides/slide13.xml><?xml version="1.0" encoding="utf-8"?>
+<file path=ppt/slides/slide14.xml><?xml version="1.0" encoding="utf-8"?>
+<p:sld xmlns:a="http://schemas.openxmlformats.org/drawingml/2006/main" xmlns:r="http://schemas.openxmlformats.org/officeDocument/2006/relationships" xmlns:p="http://schemas.openxmlformats.org/presentationml/2006/main">
+  <p:cSld>
+    <p:spTree>
+      <p:nvGrpSpPr>
+        <p:cNvPr id="1" name=""/>
+        <p:cNvGrpSpPr/>
+        <p:nvPr/>
+      </p:nvGrpSpPr>
+      <p:grpSpPr>
+        <a:xfrm>
+          <a:off x="0" y="0"/>
+          <a:ext cx="0" cy="0"/>
+          <a:chOff x="0" y="0"/>
+          <a:chExt cx="0" cy="0"/>
+        </a:xfrm>
+      </p:grpSpPr>
+      <p:sp>
+        <p:nvSpPr>
+          <p:cNvPr id="2" name="標題 1"/>
+          <p:cNvSpPr>
+            <a:spLocks noGrp="1"/>
+          </p:cNvSpPr>
+          <p:nvPr>
+            <p:ph type="title"/>
+          </p:nvPr>
+        </p:nvSpPr>
+        <p:spPr/>
+        <p:txBody>
+          <a:bodyPr/>
+          <a:lstStyle/>
+          <a:p>
+            <a:r>
+              <a:rPr lang="zh-TW" altLang="en-US" dirty="0"/>
+              <a:t>參考程式碼</a:t>
+            </a:r>
+          </a:p>
+        </p:txBody>
+      </p:sp>
+      <p:pic>
+        <p:nvPicPr>
+          <p:cNvPr id="4" name="圖片 3"/>
+          <p:cNvPicPr>
+            <a:picLocks noChangeAspect="1"/>
+          </p:cNvPicPr>
+          <p:nvPr/>
+        </p:nvPicPr>
+        <p:blipFill>
+          <a:blip r:embed="rId2"/>
+          <a:stretch>
+            <a:fillRect/>
+          </a:stretch>
+        </p:blipFill>
+        <p:spPr>
+          <a:xfrm>
+            <a:off x="677334" y="2160589"/>
+            <a:ext cx="6096000" cy="3429000"/>
+          </a:xfrm>
+          <a:prstGeom prst="rect">
+            <a:avLst/>
+          </a:prstGeom>
+        </p:spPr>
+      </p:pic>
+    </p:spTree>
+    <p:extLst>
+      <p:ext uri="{BB962C8B-B14F-4D97-AF65-F5344CB8AC3E}">
+        <p14:creationId xmlns:p14="http://schemas.microsoft.com/office/powerpoint/2010/main" val="2564769671"/>
+      </p:ext>
+    </p:extLst>
+  </p:cSld>
+  <p:clrMapOvr>
+    <a:masterClrMapping/>
+  </p:clrMapOvr>
+</p:sld>
+</file>
+
+<file path=ppt/slides/slide15.xml><?xml version="1.0" encoding="utf-8"?>
 <p:sld xmlns:a="http://schemas.openxmlformats.org/drawingml/2006/main" xmlns:r="http://schemas.openxmlformats.org/officeDocument/2006/relationships" xmlns:p="http://schemas.openxmlformats.org/presentationml/2006/main">
   <p:cSld>
     <p:spTree>
@@ -8196,7 +8370,7 @@
 </p:sld>
 </file>
 
-<file path=ppt/slides/slide14.xml><?xml version="1.0" encoding="utf-8"?>
+<file path=ppt/slides/slide16.xml><?xml version="1.0" encoding="utf-8"?>
 <p:sld xmlns:a="http://schemas.openxmlformats.org/drawingml/2006/main" xmlns:r="http://schemas.openxmlformats.org/officeDocument/2006/relationships" xmlns:p="http://schemas.openxmlformats.org/presentationml/2006/main">
   <p:cSld>
     <p:spTree>
@@ -8896,7 +9070,7 @@
 </p:sld>
 </file>
 
-<file path=ppt/slides/slide15.xml><?xml version="1.0" encoding="utf-8"?>
+<file path=ppt/slides/slide17.xml><?xml version="1.0" encoding="utf-8"?>
 <p:sld xmlns:a="http://schemas.openxmlformats.org/drawingml/2006/main" xmlns:r="http://schemas.openxmlformats.org/officeDocument/2006/relationships" xmlns:p="http://schemas.openxmlformats.org/presentationml/2006/main">
   <p:cSld>
     <p:spTree>
@@ -9511,7 +9685,83 @@
 </p:sld>
 </file>
 
-<file path=ppt/slides/slide16.xml><?xml version="1.0" encoding="utf-8"?>
+<file path=ppt/slides/slide18.xml><?xml version="1.0" encoding="utf-8"?>
+<p:sld xmlns:a="http://schemas.openxmlformats.org/drawingml/2006/main" xmlns:r="http://schemas.openxmlformats.org/officeDocument/2006/relationships" xmlns:p="http://schemas.openxmlformats.org/presentationml/2006/main">
+  <p:cSld>
+    <p:spTree>
+      <p:nvGrpSpPr>
+        <p:cNvPr id="1" name=""/>
+        <p:cNvGrpSpPr/>
+        <p:nvPr/>
+      </p:nvGrpSpPr>
+      <p:grpSpPr>
+        <a:xfrm>
+          <a:off x="0" y="0"/>
+          <a:ext cx="0" cy="0"/>
+          <a:chOff x="0" y="0"/>
+          <a:chExt cx="0" cy="0"/>
+        </a:xfrm>
+      </p:grpSpPr>
+      <p:sp>
+        <p:nvSpPr>
+          <p:cNvPr id="2" name="標題 1"/>
+          <p:cNvSpPr>
+            <a:spLocks noGrp="1"/>
+          </p:cNvSpPr>
+          <p:nvPr>
+            <p:ph type="title"/>
+          </p:nvPr>
+        </p:nvSpPr>
+        <p:spPr/>
+        <p:txBody>
+          <a:bodyPr/>
+          <a:lstStyle/>
+          <a:p>
+            <a:r>
+              <a:rPr lang="zh-TW" altLang="en-US" dirty="0"/>
+              <a:t>參考程式碼</a:t>
+            </a:r>
+          </a:p>
+        </p:txBody>
+      </p:sp>
+      <p:pic>
+        <p:nvPicPr>
+          <p:cNvPr id="4" name="圖片 3"/>
+          <p:cNvPicPr>
+            <a:picLocks noChangeAspect="1"/>
+          </p:cNvPicPr>
+          <p:nvPr/>
+        </p:nvPicPr>
+        <p:blipFill>
+          <a:blip r:embed="rId2"/>
+          <a:stretch>
+            <a:fillRect/>
+          </a:stretch>
+        </p:blipFill>
+        <p:spPr>
+          <a:xfrm>
+            <a:off x="677334" y="2160589"/>
+            <a:ext cx="5972175" cy="2847975"/>
+          </a:xfrm>
+          <a:prstGeom prst="rect">
+            <a:avLst/>
+          </a:prstGeom>
+        </p:spPr>
+      </p:pic>
+    </p:spTree>
+    <p:extLst>
+      <p:ext uri="{BB962C8B-B14F-4D97-AF65-F5344CB8AC3E}">
+        <p14:creationId xmlns:p14="http://schemas.microsoft.com/office/powerpoint/2010/main" val="3139371999"/>
+      </p:ext>
+    </p:extLst>
+  </p:cSld>
+  <p:clrMapOvr>
+    <a:masterClrMapping/>
+  </p:clrMapOvr>
+</p:sld>
+</file>
+
+<file path=ppt/slides/slide19.xml><?xml version="1.0" encoding="utf-8"?>
 <p:sld xmlns:a="http://schemas.openxmlformats.org/drawingml/2006/main" xmlns:r="http://schemas.openxmlformats.org/officeDocument/2006/relationships" xmlns:p="http://schemas.openxmlformats.org/presentationml/2006/main">
   <p:cSld>
     <p:spTree>
@@ -9604,7 +9854,1238 @@
 </p:sld>
 </file>
 
-<file path=ppt/slides/slide17.xml><?xml version="1.0" encoding="utf-8"?>
+<file path=ppt/slides/slide2.xml><?xml version="1.0" encoding="utf-8"?>
+<p:sld xmlns:a="http://schemas.openxmlformats.org/drawingml/2006/main" xmlns:r="http://schemas.openxmlformats.org/officeDocument/2006/relationships" xmlns:p="http://schemas.openxmlformats.org/presentationml/2006/main">
+  <p:cSld>
+    <p:spTree>
+      <p:nvGrpSpPr>
+        <p:cNvPr id="1" name=""/>
+        <p:cNvGrpSpPr/>
+        <p:nvPr/>
+      </p:nvGrpSpPr>
+      <p:grpSpPr>
+        <a:xfrm>
+          <a:off x="0" y="0"/>
+          <a:ext cx="0" cy="0"/>
+          <a:chOff x="0" y="0"/>
+          <a:chExt cx="0" cy="0"/>
+        </a:xfrm>
+      </p:grpSpPr>
+      <p:sp>
+        <p:nvSpPr>
+          <p:cNvPr id="14" name="弧形 13"/>
+          <p:cNvSpPr/>
+          <p:nvPr/>
+        </p:nvSpPr>
+        <p:spPr>
+          <a:xfrm>
+            <a:off x="9116231" y="2384123"/>
+            <a:ext cx="1296338" cy="791040"/>
+          </a:xfrm>
+          <a:prstGeom prst="arc">
+            <a:avLst>
+              <a:gd name="adj1" fmla="val 2541222"/>
+              <a:gd name="adj2" fmla="val 311641"/>
+            </a:avLst>
+          </a:prstGeom>
+          <a:ln w="219075">
+            <a:solidFill>
+              <a:schemeClr val="accent6">
+                <a:lumMod val="60000"/>
+                <a:lumOff val="40000"/>
+              </a:schemeClr>
+            </a:solidFill>
+            <a:headEnd type="triangle"/>
+            <a:tailEnd type="none" w="lg" len="lg"/>
+          </a:ln>
+        </p:spPr>
+        <p:style>
+          <a:lnRef idx="1">
+            <a:schemeClr val="accent1"/>
+          </a:lnRef>
+          <a:fillRef idx="0">
+            <a:schemeClr val="accent1"/>
+          </a:fillRef>
+          <a:effectRef idx="0">
+            <a:schemeClr val="accent1"/>
+          </a:effectRef>
+          <a:fontRef idx="minor">
+            <a:schemeClr val="tx1"/>
+          </a:fontRef>
+        </p:style>
+        <p:txBody>
+          <a:bodyPr rtlCol="0" anchor="ctr"/>
+          <a:lstStyle/>
+          <a:p>
+            <a:pPr algn="ctr"/>
+            <a:endParaRPr lang="zh-TW" altLang="en-US"/>
+          </a:p>
+        </p:txBody>
+      </p:sp>
+      <p:sp>
+        <p:nvSpPr>
+          <p:cNvPr id="2" name="標題 1"/>
+          <p:cNvSpPr>
+            <a:spLocks noGrp="1"/>
+          </p:cNvSpPr>
+          <p:nvPr>
+            <p:ph type="title"/>
+          </p:nvPr>
+        </p:nvSpPr>
+        <p:spPr/>
+        <p:txBody>
+          <a:bodyPr/>
+          <a:lstStyle/>
+          <a:p>
+            <a:r>
+              <a:rPr lang="zh-TW" altLang="en-US" dirty="0"/>
+              <a:t>迴</a:t>
+            </a:r>
+            <a:r>
+              <a:rPr lang="zh-TW" altLang="en-US" dirty="0" smtClean="0"/>
+              <a:t>圈是甚麼？</a:t>
+            </a:r>
+            <a:r>
+              <a:rPr lang="en-US" altLang="zh-TW" dirty="0" smtClean="0"/>
+              <a:t/>
+            </a:r>
+            <a:br>
+              <a:rPr lang="en-US" altLang="zh-TW" dirty="0" smtClean="0"/>
+            </a:br>
+            <a:endParaRPr lang="zh-TW" altLang="en-US" dirty="0"/>
+          </a:p>
+        </p:txBody>
+      </p:sp>
+      <p:sp>
+        <p:nvSpPr>
+          <p:cNvPr id="3" name="內容版面配置區 2"/>
+          <p:cNvSpPr>
+            <a:spLocks noGrp="1"/>
+          </p:cNvSpPr>
+          <p:nvPr>
+            <p:ph idx="1"/>
+          </p:nvPr>
+        </p:nvSpPr>
+        <p:spPr>
+          <a:xfrm>
+            <a:off x="677334" y="2160589"/>
+            <a:ext cx="6002219" cy="3880773"/>
+          </a:xfrm>
+        </p:spPr>
+        <p:txBody>
+          <a:bodyPr>
+            <a:normAutofit lnSpcReduction="10000"/>
+          </a:bodyPr>
+          <a:lstStyle/>
+          <a:p>
+            <a:r>
+              <a:rPr lang="zh-TW" altLang="en-US" dirty="0" smtClean="0"/>
+              <a:t>程式在運作的</a:t>
+            </a:r>
+            <a:r>
+              <a:rPr lang="zh-TW" altLang="en-US" dirty="0"/>
+              <a:t>時候，時常會需要重複執行</a:t>
+            </a:r>
+            <a:r>
+              <a:rPr lang="zh-TW" altLang="en-US" b="1" dirty="0" smtClean="0">
+                <a:solidFill>
+                  <a:srgbClr val="FF0000"/>
+                </a:solidFill>
+              </a:rPr>
+              <a:t>某些</a:t>
+            </a:r>
+            <a:r>
+              <a:rPr lang="en-US" altLang="zh-TW" b="1" dirty="0" smtClean="0">
+                <a:solidFill>
+                  <a:srgbClr val="FF0000"/>
+                </a:solidFill>
+              </a:rPr>
+              <a:t>(</a:t>
+            </a:r>
+            <a:r>
+              <a:rPr lang="zh-TW" altLang="en-US" b="1" dirty="0" smtClean="0">
+                <a:solidFill>
+                  <a:srgbClr val="FF0000"/>
+                </a:solidFill>
+              </a:rPr>
+              <a:t>一個以上</a:t>
+            </a:r>
+            <a:r>
+              <a:rPr lang="en-US" altLang="zh-TW" b="1" dirty="0" smtClean="0">
+                <a:solidFill>
+                  <a:srgbClr val="FF0000"/>
+                </a:solidFill>
+              </a:rPr>
+              <a:t>)</a:t>
+            </a:r>
+            <a:r>
+              <a:rPr lang="zh-TW" altLang="en-US" dirty="0" smtClean="0"/>
+              <a:t>相同</a:t>
+            </a:r>
+            <a:r>
+              <a:rPr lang="zh-TW" altLang="en-US" dirty="0"/>
+              <a:t>的</a:t>
+            </a:r>
+            <a:r>
+              <a:rPr lang="zh-TW" altLang="en-US" dirty="0" smtClean="0"/>
+              <a:t>步驟。</a:t>
+            </a:r>
+            <a:endParaRPr lang="en-US" altLang="zh-TW" dirty="0" smtClean="0"/>
+          </a:p>
+          <a:p>
+            <a:r>
+              <a:rPr lang="zh-TW" altLang="en-US" dirty="0" smtClean="0"/>
+              <a:t>迴</a:t>
+            </a:r>
+            <a:r>
+              <a:rPr lang="zh-TW" altLang="en-US" dirty="0"/>
+              <a:t>圈 </a:t>
+            </a:r>
+            <a:r>
+              <a:rPr lang="en-US" altLang="zh-TW" dirty="0"/>
+              <a:t>(loop) </a:t>
+            </a:r>
+            <a:r>
+              <a:rPr lang="zh-TW" altLang="en-US" dirty="0"/>
+              <a:t>的作用是讓指定的</a:t>
+            </a:r>
+            <a:r>
+              <a:rPr lang="zh-TW" altLang="en-US" b="1" dirty="0">
+                <a:solidFill>
+                  <a:srgbClr val="FF0000"/>
+                </a:solidFill>
+              </a:rPr>
+              <a:t>某段敘述</a:t>
+            </a:r>
+            <a:r>
+              <a:rPr lang="zh-TW" altLang="en-US" dirty="0" smtClean="0"/>
+              <a:t>在</a:t>
+            </a:r>
+            <a:r>
+              <a:rPr lang="zh-TW" altLang="en-US" b="1" dirty="0" smtClean="0">
+                <a:solidFill>
+                  <a:srgbClr val="FF0000"/>
+                </a:solidFill>
+              </a:rPr>
+              <a:t>符合特定條件</a:t>
+            </a:r>
+            <a:r>
+              <a:rPr lang="zh-TW" altLang="en-US" dirty="0" smtClean="0"/>
+              <a:t>的</a:t>
+            </a:r>
+            <a:r>
+              <a:rPr lang="zh-TW" altLang="en-US" dirty="0"/>
+              <a:t>情況下一直重覆</a:t>
+            </a:r>
+            <a:r>
+              <a:rPr lang="zh-TW" altLang="en-US" dirty="0" smtClean="0"/>
+              <a:t>執行</a:t>
+            </a:r>
+            <a:endParaRPr lang="en-US" altLang="zh-TW" dirty="0" smtClean="0"/>
+          </a:p>
+          <a:p>
+            <a:r>
+              <a:rPr lang="zh-TW" altLang="en-US" dirty="0"/>
+              <a:t>迴圈</a:t>
+            </a:r>
+            <a:r>
+              <a:rPr lang="zh-TW" altLang="en-US" dirty="0" smtClean="0"/>
+              <a:t>是</a:t>
+            </a:r>
+            <a:r>
+              <a:rPr lang="zh-TW" altLang="en-US" dirty="0"/>
+              <a:t>程式設計中很重要的一種控制結構。我們可以利用迴圈來進行重覆性的資料</a:t>
+            </a:r>
+            <a:r>
+              <a:rPr lang="zh-TW" altLang="en-US" b="1" dirty="0"/>
+              <a:t>輸入、處理</a:t>
+            </a:r>
+            <a:r>
+              <a:rPr lang="zh-TW" altLang="en-US" dirty="0"/>
+              <a:t>與</a:t>
+            </a:r>
+            <a:r>
+              <a:rPr lang="zh-TW" altLang="en-US" b="1" dirty="0"/>
+              <a:t>輸出</a:t>
+            </a:r>
+            <a:r>
+              <a:rPr lang="zh-TW" altLang="en-US" dirty="0" smtClean="0"/>
+              <a:t>。</a:t>
+            </a:r>
+            <a:endParaRPr lang="en-US" altLang="zh-TW" dirty="0" smtClean="0"/>
+          </a:p>
+          <a:p>
+            <a:r>
+              <a:rPr lang="zh-TW" altLang="en-US" dirty="0"/>
+              <a:t>常見的迴圈有</a:t>
+            </a:r>
+            <a:r>
+              <a:rPr lang="en-US" altLang="zh-TW" b="1" dirty="0">
+                <a:solidFill>
+                  <a:srgbClr val="FF0000"/>
+                </a:solidFill>
+              </a:rPr>
+              <a:t>for</a:t>
+            </a:r>
+            <a:r>
+              <a:rPr lang="zh-TW" altLang="en-US" dirty="0"/>
+              <a:t>迴圈、</a:t>
+            </a:r>
+            <a:r>
+              <a:rPr lang="en-US" altLang="zh-TW" b="1" dirty="0">
+                <a:solidFill>
+                  <a:srgbClr val="FF0000"/>
+                </a:solidFill>
+              </a:rPr>
+              <a:t>while</a:t>
+            </a:r>
+            <a:r>
+              <a:rPr lang="zh-TW" altLang="en-US" dirty="0"/>
+              <a:t>迴圈、</a:t>
+            </a:r>
+            <a:r>
+              <a:rPr lang="en-US" altLang="zh-TW" b="1" dirty="0">
+                <a:solidFill>
+                  <a:srgbClr val="0070C0"/>
+                </a:solidFill>
+              </a:rPr>
+              <a:t>do-while</a:t>
+            </a:r>
+            <a:r>
+              <a:rPr lang="zh-TW" altLang="en-US" dirty="0"/>
+              <a:t>迴</a:t>
+            </a:r>
+            <a:r>
+              <a:rPr lang="zh-TW" altLang="en-US" dirty="0" smtClean="0"/>
+              <a:t>圈</a:t>
+            </a:r>
+            <a:endParaRPr lang="en-US" altLang="zh-TW" dirty="0" smtClean="0"/>
+          </a:p>
+          <a:p>
+            <a:r>
+              <a:rPr lang="zh-TW" altLang="en-US" dirty="0"/>
+              <a:t>物件導向語言特有的</a:t>
+            </a:r>
+            <a:r>
+              <a:rPr lang="en-US" altLang="zh-TW" b="1" dirty="0" err="1">
+                <a:solidFill>
+                  <a:srgbClr val="FF0000"/>
+                </a:solidFill>
+              </a:rPr>
+              <a:t>foreach</a:t>
+            </a:r>
+            <a:r>
+              <a:rPr lang="zh-TW" altLang="en-US" dirty="0"/>
+              <a:t>迴</a:t>
+            </a:r>
+            <a:r>
+              <a:rPr lang="zh-TW" altLang="en-US" dirty="0" smtClean="0"/>
+              <a:t>圈</a:t>
+            </a:r>
+            <a:endParaRPr lang="en-US" altLang="zh-TW" dirty="0" smtClean="0"/>
+          </a:p>
+          <a:p>
+            <a:endParaRPr lang="en-US" altLang="zh-TW" dirty="0"/>
+          </a:p>
+          <a:p>
+            <a:pPr lvl="1"/>
+            <a:r>
+              <a:rPr lang="zh-TW" altLang="en-US" dirty="0" smtClean="0"/>
+              <a:t>右圖如果</a:t>
+            </a:r>
+            <a:r>
+              <a:rPr lang="en-US" altLang="zh-TW" dirty="0" smtClean="0"/>
+              <a:t>(2)</a:t>
+            </a:r>
+            <a:r>
+              <a:rPr lang="zh-TW" altLang="en-US" dirty="0" smtClean="0"/>
+              <a:t>之判斷條件成立，則回執行</a:t>
+            </a:r>
+            <a:r>
+              <a:rPr lang="en-US" altLang="zh-TW" dirty="0" smtClean="0"/>
+              <a:t>(3)</a:t>
+            </a:r>
+            <a:r>
+              <a:rPr lang="zh-TW" altLang="en-US" dirty="0" smtClean="0"/>
+              <a:t>之工作</a:t>
+            </a:r>
+            <a:r>
+              <a:rPr lang="en-US" altLang="zh-TW" dirty="0" smtClean="0"/>
+              <a:t>A</a:t>
+            </a:r>
+            <a:r>
+              <a:rPr lang="zh-TW" altLang="en-US" dirty="0" smtClean="0"/>
+              <a:t>，然後再次判斷，再次成立就再執行一次，因此可以多次執行。</a:t>
+            </a:r>
+            <a:endParaRPr lang="zh-TW" altLang="en-US" dirty="0"/>
+          </a:p>
+        </p:txBody>
+      </p:sp>
+      <p:sp>
+        <p:nvSpPr>
+          <p:cNvPr id="4" name="圓角矩形 3"/>
+          <p:cNvSpPr/>
+          <p:nvPr/>
+        </p:nvSpPr>
+        <p:spPr>
+          <a:xfrm>
+            <a:off x="7672508" y="1404154"/>
+            <a:ext cx="1143000" cy="392176"/>
+          </a:xfrm>
+          <a:prstGeom prst="roundRect">
+            <a:avLst>
+              <a:gd name="adj" fmla="val 50000"/>
+            </a:avLst>
+          </a:prstGeom>
+          <a:solidFill>
+            <a:schemeClr val="bg1"/>
+          </a:solidFill>
+          <a:ln>
+            <a:solidFill>
+              <a:schemeClr val="tx1"/>
+            </a:solidFill>
+          </a:ln>
+        </p:spPr>
+        <p:style>
+          <a:lnRef idx="2">
+            <a:schemeClr val="accent1">
+              <a:shade val="50000"/>
+            </a:schemeClr>
+          </a:lnRef>
+          <a:fillRef idx="1">
+            <a:schemeClr val="accent1"/>
+          </a:fillRef>
+          <a:effectRef idx="0">
+            <a:schemeClr val="accent1"/>
+          </a:effectRef>
+          <a:fontRef idx="minor">
+            <a:schemeClr val="lt1"/>
+          </a:fontRef>
+        </p:style>
+        <p:txBody>
+          <a:bodyPr rtlCol="0" anchor="ctr"/>
+          <a:lstStyle/>
+          <a:p>
+            <a:pPr algn="ctr"/>
+            <a:r>
+              <a:rPr lang="zh-TW" altLang="en-US" dirty="0" smtClean="0">
+                <a:solidFill>
+                  <a:schemeClr val="tx1"/>
+                </a:solidFill>
+              </a:rPr>
+              <a:t>開始</a:t>
+            </a:r>
+            <a:endParaRPr lang="zh-TW" altLang="en-US" dirty="0">
+              <a:solidFill>
+                <a:schemeClr val="tx1"/>
+              </a:solidFill>
+            </a:endParaRPr>
+          </a:p>
+        </p:txBody>
+      </p:sp>
+      <p:sp>
+        <p:nvSpPr>
+          <p:cNvPr id="5" name="矩形 4"/>
+          <p:cNvSpPr/>
+          <p:nvPr/>
+        </p:nvSpPr>
+        <p:spPr>
+          <a:xfrm>
+            <a:off x="7608501" y="4319687"/>
+            <a:ext cx="1271016" cy="758758"/>
+          </a:xfrm>
+          <a:prstGeom prst="rect">
+            <a:avLst/>
+          </a:prstGeom>
+          <a:solidFill>
+            <a:schemeClr val="bg1"/>
+          </a:solidFill>
+          <a:ln>
+            <a:solidFill>
+              <a:schemeClr val="tx1"/>
+            </a:solidFill>
+          </a:ln>
+        </p:spPr>
+        <p:style>
+          <a:lnRef idx="2">
+            <a:schemeClr val="accent1">
+              <a:shade val="50000"/>
+            </a:schemeClr>
+          </a:lnRef>
+          <a:fillRef idx="1">
+            <a:schemeClr val="accent1"/>
+          </a:fillRef>
+          <a:effectRef idx="0">
+            <a:schemeClr val="accent1"/>
+          </a:effectRef>
+          <a:fontRef idx="minor">
+            <a:schemeClr val="lt1"/>
+          </a:fontRef>
+        </p:style>
+        <p:txBody>
+          <a:bodyPr rtlCol="0" anchor="ctr"/>
+          <a:lstStyle/>
+          <a:p>
+            <a:pPr algn="ctr"/>
+            <a:r>
+              <a:rPr lang="zh-TW" altLang="en-US" dirty="0" smtClean="0">
+                <a:solidFill>
+                  <a:schemeClr val="tx1"/>
+                </a:solidFill>
+              </a:rPr>
+              <a:t>工作</a:t>
+            </a:r>
+            <a:r>
+              <a:rPr lang="en-US" altLang="zh-TW" dirty="0">
+                <a:solidFill>
+                  <a:schemeClr val="tx1"/>
+                </a:solidFill>
+              </a:rPr>
+              <a:t>B</a:t>
+            </a:r>
+            <a:endParaRPr lang="zh-TW" altLang="en-US" dirty="0">
+              <a:solidFill>
+                <a:schemeClr val="tx1"/>
+              </a:solidFill>
+            </a:endParaRPr>
+          </a:p>
+        </p:txBody>
+      </p:sp>
+      <p:cxnSp>
+        <p:nvCxnSpPr>
+          <p:cNvPr id="6" name="直線單箭頭接點 5"/>
+          <p:cNvCxnSpPr>
+            <a:stCxn id="4" idx="2"/>
+            <a:endCxn id="12" idx="0"/>
+          </p:cNvCxnSpPr>
+          <p:nvPr/>
+        </p:nvCxnSpPr>
+        <p:spPr>
+          <a:xfrm>
+            <a:off x="8244008" y="1796330"/>
+            <a:ext cx="0" cy="1175587"/>
+          </a:xfrm>
+          <a:prstGeom prst="straightConnector1">
+            <a:avLst/>
+          </a:prstGeom>
+          <a:ln w="28575">
+            <a:solidFill>
+              <a:schemeClr val="tx1"/>
+            </a:solidFill>
+            <a:headEnd type="none" w="med" len="med"/>
+            <a:tailEnd type="triangle" w="med" len="med"/>
+          </a:ln>
+        </p:spPr>
+        <p:style>
+          <a:lnRef idx="1">
+            <a:schemeClr val="accent1"/>
+          </a:lnRef>
+          <a:fillRef idx="0">
+            <a:schemeClr val="accent1"/>
+          </a:fillRef>
+          <a:effectRef idx="0">
+            <a:schemeClr val="accent1"/>
+          </a:effectRef>
+          <a:fontRef idx="minor">
+            <a:schemeClr val="tx1"/>
+          </a:fontRef>
+        </p:style>
+      </p:cxnSp>
+      <p:cxnSp>
+        <p:nvCxnSpPr>
+          <p:cNvPr id="9" name="直線單箭頭接點 8"/>
+          <p:cNvCxnSpPr>
+            <a:stCxn id="12" idx="2"/>
+            <a:endCxn id="5" idx="0"/>
+          </p:cNvCxnSpPr>
+          <p:nvPr/>
+        </p:nvCxnSpPr>
+        <p:spPr>
+          <a:xfrm>
+            <a:off x="8244008" y="3835883"/>
+            <a:ext cx="1" cy="483804"/>
+          </a:xfrm>
+          <a:prstGeom prst="straightConnector1">
+            <a:avLst/>
+          </a:prstGeom>
+          <a:ln w="28575">
+            <a:solidFill>
+              <a:schemeClr val="tx1"/>
+            </a:solidFill>
+            <a:headEnd type="none" w="med" len="med"/>
+            <a:tailEnd type="triangle" w="med" len="med"/>
+          </a:ln>
+        </p:spPr>
+        <p:style>
+          <a:lnRef idx="1">
+            <a:schemeClr val="accent1"/>
+          </a:lnRef>
+          <a:fillRef idx="0">
+            <a:schemeClr val="accent1"/>
+          </a:fillRef>
+          <a:effectRef idx="0">
+            <a:schemeClr val="accent1"/>
+          </a:effectRef>
+          <a:fontRef idx="minor">
+            <a:schemeClr val="tx1"/>
+          </a:fontRef>
+        </p:style>
+      </p:cxnSp>
+      <p:cxnSp>
+        <p:nvCxnSpPr>
+          <p:cNvPr id="10" name="直線單箭頭接點 9"/>
+          <p:cNvCxnSpPr>
+            <a:stCxn id="5" idx="2"/>
+            <a:endCxn id="11" idx="0"/>
+          </p:cNvCxnSpPr>
+          <p:nvPr/>
+        </p:nvCxnSpPr>
+        <p:spPr>
+          <a:xfrm flipH="1">
+            <a:off x="8244008" y="5078445"/>
+            <a:ext cx="1" cy="570741"/>
+          </a:xfrm>
+          <a:prstGeom prst="straightConnector1">
+            <a:avLst/>
+          </a:prstGeom>
+          <a:ln w="28575">
+            <a:solidFill>
+              <a:schemeClr val="tx1"/>
+            </a:solidFill>
+            <a:headEnd type="none" w="med" len="med"/>
+            <a:tailEnd type="triangle" w="med" len="med"/>
+          </a:ln>
+        </p:spPr>
+        <p:style>
+          <a:lnRef idx="1">
+            <a:schemeClr val="accent1"/>
+          </a:lnRef>
+          <a:fillRef idx="0">
+            <a:schemeClr val="accent1"/>
+          </a:fillRef>
+          <a:effectRef idx="0">
+            <a:schemeClr val="accent1"/>
+          </a:effectRef>
+          <a:fontRef idx="minor">
+            <a:schemeClr val="tx1"/>
+          </a:fontRef>
+        </p:style>
+      </p:cxnSp>
+      <p:sp>
+        <p:nvSpPr>
+          <p:cNvPr id="11" name="圓角矩形 10"/>
+          <p:cNvSpPr/>
+          <p:nvPr/>
+        </p:nvSpPr>
+        <p:spPr>
+          <a:xfrm>
+            <a:off x="7672508" y="5649186"/>
+            <a:ext cx="1143000" cy="392176"/>
+          </a:xfrm>
+          <a:prstGeom prst="roundRect">
+            <a:avLst>
+              <a:gd name="adj" fmla="val 50000"/>
+            </a:avLst>
+          </a:prstGeom>
+          <a:solidFill>
+            <a:schemeClr val="bg1"/>
+          </a:solidFill>
+          <a:ln>
+            <a:solidFill>
+              <a:schemeClr val="tx1"/>
+            </a:solidFill>
+          </a:ln>
+        </p:spPr>
+        <p:style>
+          <a:lnRef idx="2">
+            <a:schemeClr val="accent1">
+              <a:shade val="50000"/>
+            </a:schemeClr>
+          </a:lnRef>
+          <a:fillRef idx="1">
+            <a:schemeClr val="accent1"/>
+          </a:fillRef>
+          <a:effectRef idx="0">
+            <a:schemeClr val="accent1"/>
+          </a:effectRef>
+          <a:fontRef idx="minor">
+            <a:schemeClr val="lt1"/>
+          </a:fontRef>
+        </p:style>
+        <p:txBody>
+          <a:bodyPr rtlCol="0" anchor="ctr"/>
+          <a:lstStyle/>
+          <a:p>
+            <a:pPr algn="ctr"/>
+            <a:r>
+              <a:rPr lang="zh-TW" altLang="en-US" dirty="0">
+                <a:solidFill>
+                  <a:schemeClr val="tx1"/>
+                </a:solidFill>
+              </a:rPr>
+              <a:t>結束</a:t>
+            </a:r>
+          </a:p>
+        </p:txBody>
+      </p:sp>
+      <p:sp>
+        <p:nvSpPr>
+          <p:cNvPr id="12" name="菱形 11"/>
+          <p:cNvSpPr/>
+          <p:nvPr/>
+        </p:nvSpPr>
+        <p:spPr>
+          <a:xfrm>
+            <a:off x="7027856" y="2971917"/>
+            <a:ext cx="2432304" cy="863966"/>
+          </a:xfrm>
+          <a:prstGeom prst="diamond">
+            <a:avLst/>
+          </a:prstGeom>
+          <a:solidFill>
+            <a:schemeClr val="bg1"/>
+          </a:solidFill>
+          <a:ln>
+            <a:solidFill>
+              <a:schemeClr val="tx1"/>
+            </a:solidFill>
+          </a:ln>
+        </p:spPr>
+        <p:style>
+          <a:lnRef idx="2">
+            <a:schemeClr val="accent1">
+              <a:shade val="50000"/>
+            </a:schemeClr>
+          </a:lnRef>
+          <a:fillRef idx="1">
+            <a:schemeClr val="accent1"/>
+          </a:fillRef>
+          <a:effectRef idx="0">
+            <a:schemeClr val="accent1"/>
+          </a:effectRef>
+          <a:fontRef idx="minor">
+            <a:schemeClr val="lt1"/>
+          </a:fontRef>
+        </p:style>
+        <p:txBody>
+          <a:bodyPr rtlCol="0" anchor="ctr"/>
+          <a:lstStyle/>
+          <a:p>
+            <a:pPr algn="ctr"/>
+            <a:r>
+              <a:rPr lang="zh-TW" altLang="en-US" dirty="0" smtClean="0">
+                <a:solidFill>
+                  <a:schemeClr val="tx1"/>
+                </a:solidFill>
+              </a:rPr>
+              <a:t>判斷條件</a:t>
+            </a:r>
+            <a:endParaRPr lang="zh-TW" altLang="en-US" dirty="0">
+              <a:solidFill>
+                <a:schemeClr val="tx1"/>
+              </a:solidFill>
+            </a:endParaRPr>
+          </a:p>
+        </p:txBody>
+      </p:sp>
+      <p:cxnSp>
+        <p:nvCxnSpPr>
+          <p:cNvPr id="13" name="肘形接點 12"/>
+          <p:cNvCxnSpPr>
+            <a:stCxn id="33" idx="0"/>
+          </p:cNvCxnSpPr>
+          <p:nvPr/>
+        </p:nvCxnSpPr>
+        <p:spPr>
+          <a:xfrm rot="16200000" flipV="1">
+            <a:off x="9272510" y="1502860"/>
+            <a:ext cx="553600" cy="2524106"/>
+          </a:xfrm>
+          <a:prstGeom prst="bentConnector2">
+            <a:avLst/>
+          </a:prstGeom>
+          <a:ln w="38100">
+            <a:solidFill>
+              <a:srgbClr val="FF0000"/>
+            </a:solidFill>
+            <a:tailEnd type="triangle"/>
+          </a:ln>
+        </p:spPr>
+        <p:style>
+          <a:lnRef idx="1">
+            <a:schemeClr val="accent1"/>
+          </a:lnRef>
+          <a:fillRef idx="0">
+            <a:schemeClr val="accent1"/>
+          </a:fillRef>
+          <a:effectRef idx="0">
+            <a:schemeClr val="accent1"/>
+          </a:effectRef>
+          <a:fontRef idx="minor">
+            <a:schemeClr val="tx1"/>
+          </a:fontRef>
+        </p:style>
+      </p:cxnSp>
+      <p:sp>
+        <p:nvSpPr>
+          <p:cNvPr id="15" name="文字方塊 14"/>
+          <p:cNvSpPr txBox="1"/>
+          <p:nvPr/>
+        </p:nvSpPr>
+        <p:spPr>
+          <a:xfrm>
+            <a:off x="9409086" y="3034568"/>
+            <a:ext cx="636969" cy="369332"/>
+          </a:xfrm>
+          <a:prstGeom prst="rect">
+            <a:avLst/>
+          </a:prstGeom>
+          <a:noFill/>
+        </p:spPr>
+        <p:txBody>
+          <a:bodyPr wrap="none" rtlCol="0">
+            <a:spAutoFit/>
+          </a:bodyPr>
+          <a:lstStyle/>
+          <a:p>
+            <a:r>
+              <a:rPr lang="en-US" altLang="zh-TW" dirty="0" smtClean="0"/>
+              <a:t>True</a:t>
+            </a:r>
+            <a:endParaRPr lang="zh-TW" altLang="en-US" dirty="0"/>
+          </a:p>
+        </p:txBody>
+      </p:sp>
+      <p:sp>
+        <p:nvSpPr>
+          <p:cNvPr id="16" name="文字方塊 15"/>
+          <p:cNvSpPr txBox="1"/>
+          <p:nvPr/>
+        </p:nvSpPr>
+        <p:spPr>
+          <a:xfrm>
+            <a:off x="8248022" y="3865982"/>
+            <a:ext cx="715260" cy="369332"/>
+          </a:xfrm>
+          <a:prstGeom prst="rect">
+            <a:avLst/>
+          </a:prstGeom>
+          <a:noFill/>
+        </p:spPr>
+        <p:txBody>
+          <a:bodyPr wrap="none" rtlCol="0">
+            <a:spAutoFit/>
+          </a:bodyPr>
+          <a:lstStyle/>
+          <a:p>
+            <a:r>
+              <a:rPr lang="en-US" altLang="zh-TW" dirty="0" smtClean="0"/>
+              <a:t>False</a:t>
+            </a:r>
+            <a:endParaRPr lang="zh-TW" altLang="en-US" dirty="0"/>
+          </a:p>
+        </p:txBody>
+      </p:sp>
+      <p:sp>
+        <p:nvSpPr>
+          <p:cNvPr id="17" name="文字方塊 16"/>
+          <p:cNvSpPr txBox="1"/>
+          <p:nvPr/>
+        </p:nvSpPr>
+        <p:spPr>
+          <a:xfrm>
+            <a:off x="8210475" y="1862790"/>
+            <a:ext cx="476412" cy="369332"/>
+          </a:xfrm>
+          <a:prstGeom prst="rect">
+            <a:avLst/>
+          </a:prstGeom>
+          <a:noFill/>
+        </p:spPr>
+        <p:txBody>
+          <a:bodyPr wrap="none" rtlCol="0">
+            <a:spAutoFit/>
+          </a:bodyPr>
+          <a:lstStyle/>
+          <a:p>
+            <a:r>
+              <a:rPr lang="en-US" altLang="zh-TW" dirty="0" smtClean="0">
+                <a:solidFill>
+                  <a:srgbClr val="0070C0"/>
+                </a:solidFill>
+              </a:rPr>
+              <a:t>(1)</a:t>
+            </a:r>
+            <a:endParaRPr lang="zh-TW" altLang="en-US" dirty="0">
+              <a:solidFill>
+                <a:srgbClr val="0070C0"/>
+              </a:solidFill>
+            </a:endParaRPr>
+          </a:p>
+        </p:txBody>
+      </p:sp>
+      <p:sp>
+        <p:nvSpPr>
+          <p:cNvPr id="18" name="文字方塊 17"/>
+          <p:cNvSpPr txBox="1"/>
+          <p:nvPr/>
+        </p:nvSpPr>
+        <p:spPr>
+          <a:xfrm>
+            <a:off x="7980265" y="2955454"/>
+            <a:ext cx="476412" cy="369332"/>
+          </a:xfrm>
+          <a:prstGeom prst="rect">
+            <a:avLst/>
+          </a:prstGeom>
+          <a:noFill/>
+        </p:spPr>
+        <p:txBody>
+          <a:bodyPr wrap="none" rtlCol="0">
+            <a:spAutoFit/>
+          </a:bodyPr>
+          <a:lstStyle/>
+          <a:p>
+            <a:r>
+              <a:rPr lang="en-US" altLang="zh-TW" dirty="0" smtClean="0">
+                <a:solidFill>
+                  <a:srgbClr val="FF0000"/>
+                </a:solidFill>
+              </a:rPr>
+              <a:t>(2)</a:t>
+            </a:r>
+            <a:endParaRPr lang="zh-TW" altLang="en-US" dirty="0">
+              <a:solidFill>
+                <a:srgbClr val="FF0000"/>
+              </a:solidFill>
+            </a:endParaRPr>
+          </a:p>
+        </p:txBody>
+      </p:sp>
+      <p:sp>
+        <p:nvSpPr>
+          <p:cNvPr id="31" name="文字方塊 30"/>
+          <p:cNvSpPr txBox="1"/>
+          <p:nvPr/>
+        </p:nvSpPr>
+        <p:spPr>
+          <a:xfrm>
+            <a:off x="7993150" y="4244288"/>
+            <a:ext cx="476412" cy="369332"/>
+          </a:xfrm>
+          <a:prstGeom prst="rect">
+            <a:avLst/>
+          </a:prstGeom>
+          <a:noFill/>
+        </p:spPr>
+        <p:txBody>
+          <a:bodyPr wrap="none" rtlCol="0">
+            <a:spAutoFit/>
+          </a:bodyPr>
+          <a:lstStyle/>
+          <a:p>
+            <a:r>
+              <a:rPr lang="en-US" altLang="zh-TW" dirty="0" smtClean="0">
+                <a:solidFill>
+                  <a:srgbClr val="FF0000"/>
+                </a:solidFill>
+              </a:rPr>
+              <a:t>(4)</a:t>
+            </a:r>
+            <a:endParaRPr lang="zh-TW" altLang="en-US" dirty="0">
+              <a:solidFill>
+                <a:srgbClr val="FF0000"/>
+              </a:solidFill>
+            </a:endParaRPr>
+          </a:p>
+        </p:txBody>
+      </p:sp>
+      <p:sp>
+        <p:nvSpPr>
+          <p:cNvPr id="33" name="矩形 32"/>
+          <p:cNvSpPr/>
+          <p:nvPr/>
+        </p:nvSpPr>
+        <p:spPr>
+          <a:xfrm>
+            <a:off x="10175855" y="3041713"/>
+            <a:ext cx="1271016" cy="758758"/>
+          </a:xfrm>
+          <a:prstGeom prst="rect">
+            <a:avLst/>
+          </a:prstGeom>
+          <a:solidFill>
+            <a:schemeClr val="bg1"/>
+          </a:solidFill>
+          <a:ln>
+            <a:solidFill>
+              <a:schemeClr val="tx1"/>
+            </a:solidFill>
+          </a:ln>
+        </p:spPr>
+        <p:style>
+          <a:lnRef idx="2">
+            <a:schemeClr val="accent1">
+              <a:shade val="50000"/>
+            </a:schemeClr>
+          </a:lnRef>
+          <a:fillRef idx="1">
+            <a:schemeClr val="accent1"/>
+          </a:fillRef>
+          <a:effectRef idx="0">
+            <a:schemeClr val="accent1"/>
+          </a:effectRef>
+          <a:fontRef idx="minor">
+            <a:schemeClr val="lt1"/>
+          </a:fontRef>
+        </p:style>
+        <p:txBody>
+          <a:bodyPr rtlCol="0" anchor="ctr"/>
+          <a:lstStyle/>
+          <a:p>
+            <a:pPr algn="ctr"/>
+            <a:r>
+              <a:rPr lang="zh-TW" altLang="en-US" dirty="0" smtClean="0">
+                <a:solidFill>
+                  <a:schemeClr val="tx1"/>
+                </a:solidFill>
+              </a:rPr>
+              <a:t>會重複的</a:t>
+            </a:r>
+            <a:endParaRPr lang="en-US" altLang="zh-TW" dirty="0" smtClean="0">
+              <a:solidFill>
+                <a:schemeClr val="tx1"/>
+              </a:solidFill>
+            </a:endParaRPr>
+          </a:p>
+          <a:p>
+            <a:pPr algn="ctr"/>
+            <a:r>
+              <a:rPr lang="zh-TW" altLang="en-US" dirty="0" smtClean="0">
+                <a:solidFill>
+                  <a:schemeClr val="tx1"/>
+                </a:solidFill>
+              </a:rPr>
+              <a:t>工作</a:t>
+            </a:r>
+            <a:r>
+              <a:rPr lang="en-US" altLang="zh-TW" dirty="0" smtClean="0">
+                <a:solidFill>
+                  <a:schemeClr val="tx1"/>
+                </a:solidFill>
+              </a:rPr>
+              <a:t>A</a:t>
+            </a:r>
+            <a:endParaRPr lang="zh-TW" altLang="en-US" dirty="0">
+              <a:solidFill>
+                <a:schemeClr val="tx1"/>
+              </a:solidFill>
+            </a:endParaRPr>
+          </a:p>
+        </p:txBody>
+      </p:sp>
+      <p:cxnSp>
+        <p:nvCxnSpPr>
+          <p:cNvPr id="35" name="直線單箭頭接點 34"/>
+          <p:cNvCxnSpPr>
+            <a:stCxn id="12" idx="3"/>
+            <a:endCxn id="33" idx="1"/>
+          </p:cNvCxnSpPr>
+          <p:nvPr/>
+        </p:nvCxnSpPr>
+        <p:spPr>
+          <a:xfrm>
+            <a:off x="9460160" y="3403900"/>
+            <a:ext cx="715695" cy="17192"/>
+          </a:xfrm>
+          <a:prstGeom prst="straightConnector1">
+            <a:avLst/>
+          </a:prstGeom>
+          <a:ln w="28575">
+            <a:solidFill>
+              <a:schemeClr val="tx1"/>
+            </a:solidFill>
+            <a:headEnd type="none" w="med" len="med"/>
+            <a:tailEnd type="triangle" w="med" len="med"/>
+          </a:ln>
+        </p:spPr>
+        <p:style>
+          <a:lnRef idx="1">
+            <a:schemeClr val="accent1"/>
+          </a:lnRef>
+          <a:fillRef idx="0">
+            <a:schemeClr val="accent1"/>
+          </a:fillRef>
+          <a:effectRef idx="0">
+            <a:schemeClr val="accent1"/>
+          </a:effectRef>
+          <a:fontRef idx="minor">
+            <a:schemeClr val="tx1"/>
+          </a:fontRef>
+        </p:style>
+      </p:cxnSp>
+      <p:sp>
+        <p:nvSpPr>
+          <p:cNvPr id="19" name="文字方塊 18"/>
+          <p:cNvSpPr txBox="1"/>
+          <p:nvPr/>
+        </p:nvSpPr>
+        <p:spPr>
+          <a:xfrm>
+            <a:off x="10573157" y="2971917"/>
+            <a:ext cx="476412" cy="369332"/>
+          </a:xfrm>
+          <a:prstGeom prst="rect">
+            <a:avLst/>
+          </a:prstGeom>
+          <a:noFill/>
+        </p:spPr>
+        <p:txBody>
+          <a:bodyPr wrap="none" rtlCol="0">
+            <a:spAutoFit/>
+          </a:bodyPr>
+          <a:lstStyle/>
+          <a:p>
+            <a:r>
+              <a:rPr lang="en-US" altLang="zh-TW" dirty="0" smtClean="0">
+                <a:solidFill>
+                  <a:srgbClr val="FF0000"/>
+                </a:solidFill>
+              </a:rPr>
+              <a:t>(3)</a:t>
+            </a:r>
+            <a:endParaRPr lang="zh-TW" altLang="en-US" dirty="0">
+              <a:solidFill>
+                <a:srgbClr val="FF0000"/>
+              </a:solidFill>
+            </a:endParaRPr>
+          </a:p>
+        </p:txBody>
+      </p:sp>
+      <p:sp>
+        <p:nvSpPr>
+          <p:cNvPr id="7" name="矩形 6"/>
+          <p:cNvSpPr/>
+          <p:nvPr/>
+        </p:nvSpPr>
+        <p:spPr>
+          <a:xfrm>
+            <a:off x="2619293" y="1296431"/>
+            <a:ext cx="3416320" cy="523220"/>
+          </a:xfrm>
+          <a:prstGeom prst="rect">
+            <a:avLst/>
+          </a:prstGeom>
+        </p:spPr>
+        <p:txBody>
+          <a:bodyPr wrap="none">
+            <a:spAutoFit/>
+          </a:bodyPr>
+          <a:lstStyle/>
+          <a:p>
+            <a:r>
+              <a:rPr lang="zh-TW" altLang="en-US" sz="2800" b="1" dirty="0">
+                <a:solidFill>
+                  <a:srgbClr val="FF0000"/>
+                </a:solidFill>
+              </a:rPr>
+              <a:t>一般的高階語言說法</a:t>
+            </a:r>
+          </a:p>
+        </p:txBody>
+      </p:sp>
+    </p:spTree>
+    <p:extLst>
+      <p:ext uri="{BB962C8B-B14F-4D97-AF65-F5344CB8AC3E}">
+        <p14:creationId xmlns:p14="http://schemas.microsoft.com/office/powerpoint/2010/main" val="2434142800"/>
+      </p:ext>
+    </p:extLst>
+  </p:cSld>
+  <p:clrMapOvr>
+    <a:masterClrMapping/>
+  </p:clrMapOvr>
+  <p:timing>
+    <p:tnLst>
+      <p:par>
+        <p:cTn id="1" dur="indefinite" restart="never" nodeType="tmRoot">
+          <p:childTnLst>
+            <p:seq concurrent="1" nextAc="seek">
+              <p:cTn id="2" dur="indefinite" nodeType="mainSeq">
+                <p:childTnLst>
+                  <p:par>
+                    <p:cTn id="3" fill="hold">
+                      <p:stCondLst>
+                        <p:cond delay="indefinite"/>
+                      </p:stCondLst>
+                      <p:childTnLst>
+                        <p:par>
+                          <p:cTn id="4" fill="hold">
+                            <p:stCondLst>
+                              <p:cond delay="0"/>
+                            </p:stCondLst>
+                            <p:childTnLst>
+                              <p:par>
+                                <p:cTn id="5" presetID="1" presetClass="entr" presetSubtype="0" fill="hold" grpId="0" nodeType="clickEffect">
+                                  <p:stCondLst>
+                                    <p:cond delay="0"/>
+                                  </p:stCondLst>
+                                  <p:childTnLst>
+                                    <p:set>
+                                      <p:cBhvr>
+                                        <p:cTn id="6" dur="1" fill="hold">
+                                          <p:stCondLst>
+                                            <p:cond delay="0"/>
+                                          </p:stCondLst>
+                                        </p:cTn>
+                                        <p:tgtEl>
+                                          <p:spTgt spid="7"/>
+                                        </p:tgtEl>
+                                        <p:attrNameLst>
+                                          <p:attrName>style.visibility</p:attrName>
+                                        </p:attrNameLst>
+                                      </p:cBhvr>
+                                      <p:to>
+                                        <p:strVal val="visible"/>
+                                      </p:to>
+                                    </p:set>
+                                  </p:childTnLst>
+                                </p:cTn>
+                              </p:par>
+                            </p:childTnLst>
+                          </p:cTn>
+                        </p:par>
+                      </p:childTnLst>
+                    </p:cTn>
+                  </p:par>
+                </p:childTnLst>
+              </p:cTn>
+              <p:prevCondLst>
+                <p:cond evt="onPrev" delay="0">
+                  <p:tgtEl>
+                    <p:sldTgt/>
+                  </p:tgtEl>
+                </p:cond>
+              </p:prevCondLst>
+              <p:nextCondLst>
+                <p:cond evt="onNext" delay="0">
+                  <p:tgtEl>
+                    <p:sldTgt/>
+                  </p:tgtEl>
+                </p:cond>
+              </p:nextCondLst>
+            </p:seq>
+          </p:childTnLst>
+        </p:cTn>
+      </p:par>
+    </p:tnLst>
+    <p:bldLst>
+      <p:bldP spid="7" grpId="0"/>
+    </p:bldLst>
+  </p:timing>
+</p:sld>
+</file>
+
+<file path=ppt/slides/slide20.xml><?xml version="1.0" encoding="utf-8"?>
 <p:sld xmlns:a="http://schemas.openxmlformats.org/drawingml/2006/main" xmlns:r="http://schemas.openxmlformats.org/officeDocument/2006/relationships" xmlns:p="http://schemas.openxmlformats.org/presentationml/2006/main">
   <p:cSld>
     <p:spTree>
@@ -10726,20 +12207,12 @@
                 </a:tabLst>
               </a:pPr>
               <a:r>
-                <a:rPr lang="zh-TW" altLang="en-US" sz="1600" dirty="0">
-                  <a:solidFill>
-                    <a:schemeClr val="tx1"/>
-                  </a:solidFill>
-                </a:rPr>
-                <a:t>第</a:t>
-              </a:r>
-              <a:r>
                 <a:rPr lang="zh-TW" altLang="en-US" sz="1600" dirty="0" smtClean="0">
                   <a:solidFill>
                     <a:schemeClr val="tx1"/>
                   </a:solidFill>
                 </a:rPr>
-                <a:t>一層</a:t>
+                <a:t>第二層</a:t>
               </a:r>
               <a:endParaRPr lang="en-US" altLang="zh-TW" sz="1600" dirty="0" smtClean="0">
                 <a:solidFill>
@@ -11046,7 +12519,7 @@
 </p:sld>
 </file>
 
-<file path=ppt/slides/slide18.xml><?xml version="1.0" encoding="utf-8"?>
+<file path=ppt/slides/slide21.xml><?xml version="1.0" encoding="utf-8"?>
 <p:sld xmlns:a="http://schemas.openxmlformats.org/drawingml/2006/main" xmlns:r="http://schemas.openxmlformats.org/officeDocument/2006/relationships" xmlns:p="http://schemas.openxmlformats.org/presentationml/2006/main">
   <p:cSld>
     <p:spTree>
@@ -12030,7 +13503,1394 @@
 </p:sld>
 </file>
 
-<file path=ppt/slides/slide19.xml><?xml version="1.0" encoding="utf-8"?>
+<file path=ppt/slides/slide22.xml><?xml version="1.0" encoding="utf-8"?>
+<p:sld xmlns:a="http://schemas.openxmlformats.org/drawingml/2006/main" xmlns:r="http://schemas.openxmlformats.org/officeDocument/2006/relationships" xmlns:p="http://schemas.openxmlformats.org/presentationml/2006/main">
+  <p:cSld>
+    <p:spTree>
+      <p:nvGrpSpPr>
+        <p:cNvPr id="1" name=""/>
+        <p:cNvGrpSpPr/>
+        <p:nvPr/>
+      </p:nvGrpSpPr>
+      <p:grpSpPr>
+        <a:xfrm>
+          <a:off x="0" y="0"/>
+          <a:ext cx="0" cy="0"/>
+          <a:chOff x="0" y="0"/>
+          <a:chExt cx="0" cy="0"/>
+        </a:xfrm>
+      </p:grpSpPr>
+      <p:sp>
+        <p:nvSpPr>
+          <p:cNvPr id="2" name="標題 1"/>
+          <p:cNvSpPr>
+            <a:spLocks noGrp="1"/>
+          </p:cNvSpPr>
+          <p:nvPr>
+            <p:ph type="title"/>
+          </p:nvPr>
+        </p:nvSpPr>
+        <p:spPr/>
+        <p:txBody>
+          <a:bodyPr/>
+          <a:lstStyle/>
+          <a:p>
+            <a:r>
+              <a:rPr lang="zh-TW" altLang="en-US" dirty="0" smtClean="0"/>
+              <a:t>拆解整件事</a:t>
+            </a:r>
+            <a:r>
+              <a:rPr lang="zh-TW" altLang="en-US" dirty="0" smtClean="0">
+                <a:sym typeface="Symbol" panose="05050102010706020507" pitchFamily="18" charset="2"/>
+              </a:rPr>
+              <a:t></a:t>
+            </a:r>
+            <a:endParaRPr lang="zh-TW" altLang="en-US" dirty="0"/>
+          </a:p>
+        </p:txBody>
+      </p:sp>
+      <p:sp>
+        <p:nvSpPr>
+          <p:cNvPr id="4" name="文字方塊 3"/>
+          <p:cNvSpPr txBox="1"/>
+          <p:nvPr/>
+        </p:nvSpPr>
+        <p:spPr>
+          <a:xfrm>
+            <a:off x="2900661" y="2935290"/>
+            <a:ext cx="3377848" cy="769441"/>
+          </a:xfrm>
+          <a:prstGeom prst="rect">
+            <a:avLst/>
+          </a:prstGeom>
+          <a:noFill/>
+        </p:spPr>
+        <p:txBody>
+          <a:bodyPr wrap="none" rtlCol="0">
+            <a:spAutoFit/>
+          </a:bodyPr>
+          <a:lstStyle/>
+          <a:p>
+            <a:r>
+              <a:rPr lang="zh-TW" altLang="en-US" sz="4400" dirty="0" smtClean="0"/>
+              <a:t>＊＊＊＊＊</a:t>
+            </a:r>
+            <a:r>
+              <a:rPr lang="zh-TW" altLang="en-US" sz="4400" dirty="0" smtClean="0">
+                <a:solidFill>
+                  <a:srgbClr val="FF0000"/>
+                </a:solidFill>
+                <a:sym typeface="Symbol" panose="05050102010706020507" pitchFamily="18" charset="2"/>
+              </a:rPr>
+              <a:t></a:t>
+            </a:r>
+            <a:endParaRPr lang="zh-TW" altLang="en-US" sz="4400" dirty="0">
+              <a:solidFill>
+                <a:srgbClr val="FF0000"/>
+              </a:solidFill>
+            </a:endParaRPr>
+          </a:p>
+        </p:txBody>
+      </p:sp>
+      <p:sp>
+        <p:nvSpPr>
+          <p:cNvPr id="7" name="矩形 6"/>
+          <p:cNvSpPr/>
+          <p:nvPr/>
+        </p:nvSpPr>
+        <p:spPr>
+          <a:xfrm>
+            <a:off x="896613" y="1736228"/>
+            <a:ext cx="1367682" cy="461665"/>
+          </a:xfrm>
+          <a:prstGeom prst="rect">
+            <a:avLst/>
+          </a:prstGeom>
+        </p:spPr>
+        <p:txBody>
+          <a:bodyPr wrap="none">
+            <a:spAutoFit/>
+          </a:bodyPr>
+          <a:lstStyle/>
+          <a:p>
+            <a:r>
+              <a:rPr lang="zh-TW" altLang="en-US" sz="2400" b="1" dirty="0">
+                <a:solidFill>
+                  <a:srgbClr val="FF0000"/>
+                </a:solidFill>
+              </a:rPr>
+              <a:t>如果</a:t>
+            </a:r>
+            <a:r>
+              <a:rPr lang="en-US" altLang="zh-TW" sz="2400" b="1" dirty="0">
+                <a:solidFill>
+                  <a:srgbClr val="FF0000"/>
+                </a:solidFill>
+              </a:rPr>
+              <a:t>N=5</a:t>
+            </a:r>
+          </a:p>
+        </p:txBody>
+      </p:sp>
+      <p:sp>
+        <p:nvSpPr>
+          <p:cNvPr id="8" name="文字方塊 7"/>
+          <p:cNvSpPr txBox="1"/>
+          <p:nvPr/>
+        </p:nvSpPr>
+        <p:spPr>
+          <a:xfrm>
+            <a:off x="2900661" y="3581155"/>
+            <a:ext cx="3377848" cy="769441"/>
+          </a:xfrm>
+          <a:prstGeom prst="rect">
+            <a:avLst/>
+          </a:prstGeom>
+          <a:noFill/>
+        </p:spPr>
+        <p:txBody>
+          <a:bodyPr wrap="none" rtlCol="0">
+            <a:spAutoFit/>
+          </a:bodyPr>
+          <a:lstStyle/>
+          <a:p>
+            <a:r>
+              <a:rPr lang="zh-TW" altLang="en-US" sz="4400" dirty="0" smtClean="0"/>
+              <a:t>＊＊＊＊＊</a:t>
+            </a:r>
+            <a:r>
+              <a:rPr lang="zh-TW" altLang="en-US" sz="4400" dirty="0" smtClean="0">
+                <a:solidFill>
+                  <a:srgbClr val="FF0000"/>
+                </a:solidFill>
+                <a:sym typeface="Symbol" panose="05050102010706020507" pitchFamily="18" charset="2"/>
+              </a:rPr>
+              <a:t></a:t>
+            </a:r>
+            <a:endParaRPr lang="zh-TW" altLang="en-US" sz="4400" dirty="0">
+              <a:solidFill>
+                <a:srgbClr val="FF0000"/>
+              </a:solidFill>
+            </a:endParaRPr>
+          </a:p>
+        </p:txBody>
+      </p:sp>
+      <p:sp>
+        <p:nvSpPr>
+          <p:cNvPr id="9" name="文字方塊 8"/>
+          <p:cNvSpPr txBox="1"/>
+          <p:nvPr/>
+        </p:nvSpPr>
+        <p:spPr>
+          <a:xfrm>
+            <a:off x="2900661" y="4232941"/>
+            <a:ext cx="3377848" cy="769441"/>
+          </a:xfrm>
+          <a:prstGeom prst="rect">
+            <a:avLst/>
+          </a:prstGeom>
+          <a:noFill/>
+        </p:spPr>
+        <p:txBody>
+          <a:bodyPr wrap="none" rtlCol="0">
+            <a:spAutoFit/>
+          </a:bodyPr>
+          <a:lstStyle/>
+          <a:p>
+            <a:r>
+              <a:rPr lang="zh-TW" altLang="en-US" sz="4400" dirty="0" smtClean="0"/>
+              <a:t>＊＊＊＊＊</a:t>
+            </a:r>
+            <a:r>
+              <a:rPr lang="zh-TW" altLang="en-US" sz="4400" dirty="0" smtClean="0">
+                <a:solidFill>
+                  <a:srgbClr val="FF0000"/>
+                </a:solidFill>
+                <a:sym typeface="Symbol" panose="05050102010706020507" pitchFamily="18" charset="2"/>
+              </a:rPr>
+              <a:t></a:t>
+            </a:r>
+            <a:endParaRPr lang="zh-TW" altLang="en-US" sz="4400" dirty="0">
+              <a:solidFill>
+                <a:srgbClr val="FF0000"/>
+              </a:solidFill>
+            </a:endParaRPr>
+          </a:p>
+        </p:txBody>
+      </p:sp>
+      <p:sp>
+        <p:nvSpPr>
+          <p:cNvPr id="10" name="文字方塊 9"/>
+          <p:cNvSpPr txBox="1"/>
+          <p:nvPr/>
+        </p:nvSpPr>
+        <p:spPr>
+          <a:xfrm>
+            <a:off x="2900661" y="4878806"/>
+            <a:ext cx="3377848" cy="769441"/>
+          </a:xfrm>
+          <a:prstGeom prst="rect">
+            <a:avLst/>
+          </a:prstGeom>
+          <a:noFill/>
+        </p:spPr>
+        <p:txBody>
+          <a:bodyPr wrap="none" rtlCol="0">
+            <a:spAutoFit/>
+          </a:bodyPr>
+          <a:lstStyle/>
+          <a:p>
+            <a:r>
+              <a:rPr lang="zh-TW" altLang="en-US" sz="4400" dirty="0" smtClean="0"/>
+              <a:t>＊＊＊＊＊</a:t>
+            </a:r>
+            <a:r>
+              <a:rPr lang="zh-TW" altLang="en-US" sz="4400" dirty="0" smtClean="0">
+                <a:solidFill>
+                  <a:srgbClr val="FF0000"/>
+                </a:solidFill>
+                <a:sym typeface="Symbol" panose="05050102010706020507" pitchFamily="18" charset="2"/>
+              </a:rPr>
+              <a:t></a:t>
+            </a:r>
+            <a:endParaRPr lang="zh-TW" altLang="en-US" sz="4400" dirty="0">
+              <a:solidFill>
+                <a:srgbClr val="FF0000"/>
+              </a:solidFill>
+            </a:endParaRPr>
+          </a:p>
+        </p:txBody>
+      </p:sp>
+      <p:sp>
+        <p:nvSpPr>
+          <p:cNvPr id="11" name="文字方塊 10"/>
+          <p:cNvSpPr txBox="1"/>
+          <p:nvPr/>
+        </p:nvSpPr>
+        <p:spPr>
+          <a:xfrm>
+            <a:off x="2900661" y="5530592"/>
+            <a:ext cx="3377848" cy="769441"/>
+          </a:xfrm>
+          <a:prstGeom prst="rect">
+            <a:avLst/>
+          </a:prstGeom>
+          <a:noFill/>
+        </p:spPr>
+        <p:txBody>
+          <a:bodyPr wrap="none" rtlCol="0">
+            <a:spAutoFit/>
+          </a:bodyPr>
+          <a:lstStyle/>
+          <a:p>
+            <a:r>
+              <a:rPr lang="zh-TW" altLang="en-US" sz="4400" dirty="0" smtClean="0"/>
+              <a:t>＊＊＊＊＊</a:t>
+            </a:r>
+            <a:r>
+              <a:rPr lang="zh-TW" altLang="en-US" sz="4400" dirty="0" smtClean="0">
+                <a:solidFill>
+                  <a:srgbClr val="FF0000"/>
+                </a:solidFill>
+                <a:sym typeface="Symbol" panose="05050102010706020507" pitchFamily="18" charset="2"/>
+              </a:rPr>
+              <a:t></a:t>
+            </a:r>
+            <a:endParaRPr lang="zh-TW" altLang="en-US" sz="4400" dirty="0">
+              <a:solidFill>
+                <a:srgbClr val="FF0000"/>
+              </a:solidFill>
+            </a:endParaRPr>
+          </a:p>
+        </p:txBody>
+      </p:sp>
+      <p:grpSp>
+        <p:nvGrpSpPr>
+          <p:cNvPr id="14" name="群組 13"/>
+          <p:cNvGrpSpPr/>
+          <p:nvPr/>
+        </p:nvGrpSpPr>
+        <p:grpSpPr>
+          <a:xfrm>
+            <a:off x="3172814" y="2265483"/>
+            <a:ext cx="2441544" cy="663885"/>
+            <a:chOff x="3280529" y="1379363"/>
+            <a:chExt cx="2441544" cy="663885"/>
+          </a:xfrm>
+        </p:grpSpPr>
+        <p:sp>
+          <p:nvSpPr>
+            <p:cNvPr id="12" name="右大括弧 11"/>
+            <p:cNvSpPr/>
+            <p:nvPr/>
+          </p:nvSpPr>
+          <p:spPr>
+            <a:xfrm rot="16200000">
+              <a:off x="4335996" y="657172"/>
+              <a:ext cx="330609" cy="2441544"/>
+            </a:xfrm>
+            <a:prstGeom prst="rightBrace">
+              <a:avLst/>
+            </a:prstGeom>
+            <a:ln>
+              <a:solidFill>
+                <a:srgbClr val="FF0000"/>
+              </a:solidFill>
+            </a:ln>
+          </p:spPr>
+          <p:style>
+            <a:lnRef idx="1">
+              <a:schemeClr val="accent1"/>
+            </a:lnRef>
+            <a:fillRef idx="0">
+              <a:schemeClr val="accent1"/>
+            </a:fillRef>
+            <a:effectRef idx="0">
+              <a:schemeClr val="accent1"/>
+            </a:effectRef>
+            <a:fontRef idx="minor">
+              <a:schemeClr val="tx1"/>
+            </a:fontRef>
+          </p:style>
+          <p:txBody>
+            <a:bodyPr rtlCol="0" anchor="ctr"/>
+            <a:lstStyle/>
+            <a:p>
+              <a:pPr algn="ctr"/>
+              <a:endParaRPr lang="zh-TW" altLang="en-US"/>
+            </a:p>
+          </p:txBody>
+        </p:sp>
+        <p:sp>
+          <p:nvSpPr>
+            <p:cNvPr id="13" name="文字方塊 12"/>
+            <p:cNvSpPr txBox="1"/>
+            <p:nvPr/>
+          </p:nvSpPr>
+          <p:spPr>
+            <a:xfrm>
+              <a:off x="3540139" y="1379363"/>
+              <a:ext cx="1922321" cy="369332"/>
+            </a:xfrm>
+            <a:prstGeom prst="rect">
+              <a:avLst/>
+            </a:prstGeom>
+            <a:noFill/>
+          </p:spPr>
+          <p:txBody>
+            <a:bodyPr wrap="none" rtlCol="0">
+              <a:spAutoFit/>
+            </a:bodyPr>
+            <a:lstStyle/>
+            <a:p>
+              <a:r>
+                <a:rPr lang="zh-TW" altLang="en-US" dirty="0" smtClean="0">
+                  <a:solidFill>
+                    <a:srgbClr val="FF0000"/>
+                  </a:solidFill>
+                </a:rPr>
+                <a:t>輸出一個星號</a:t>
+              </a:r>
+              <a:r>
+                <a:rPr lang="en-US" altLang="zh-TW" dirty="0" smtClean="0">
+                  <a:solidFill>
+                    <a:srgbClr val="FF0000"/>
+                  </a:solidFill>
+                </a:rPr>
+                <a:t>5</a:t>
+              </a:r>
+              <a:r>
+                <a:rPr lang="zh-TW" altLang="en-US" dirty="0" smtClean="0">
+                  <a:solidFill>
+                    <a:srgbClr val="FF0000"/>
+                  </a:solidFill>
+                </a:rPr>
+                <a:t>次</a:t>
+              </a:r>
+              <a:endParaRPr lang="zh-TW" altLang="en-US" dirty="0">
+                <a:solidFill>
+                  <a:srgbClr val="FF0000"/>
+                </a:solidFill>
+              </a:endParaRPr>
+            </a:p>
+          </p:txBody>
+        </p:sp>
+      </p:grpSp>
+      <p:grpSp>
+        <p:nvGrpSpPr>
+          <p:cNvPr id="19" name="群組 18"/>
+          <p:cNvGrpSpPr/>
+          <p:nvPr/>
+        </p:nvGrpSpPr>
+        <p:grpSpPr>
+          <a:xfrm>
+            <a:off x="5960378" y="2416010"/>
+            <a:ext cx="1569660" cy="685278"/>
+            <a:chOff x="6068093" y="1529890"/>
+            <a:chExt cx="1569660" cy="685278"/>
+          </a:xfrm>
+        </p:grpSpPr>
+        <p:cxnSp>
+          <p:nvCxnSpPr>
+            <p:cNvPr id="16" name="直線單箭頭接點 15"/>
+            <p:cNvCxnSpPr/>
+            <p:nvPr/>
+          </p:nvCxnSpPr>
+          <p:spPr>
+            <a:xfrm flipH="1">
+              <a:off x="6386224" y="1877251"/>
+              <a:ext cx="367644" cy="337917"/>
+            </a:xfrm>
+            <a:prstGeom prst="straightConnector1">
+              <a:avLst/>
+            </a:prstGeom>
+            <a:ln>
+              <a:solidFill>
+                <a:srgbClr val="FF0000"/>
+              </a:solidFill>
+              <a:tailEnd type="triangle"/>
+            </a:ln>
+          </p:spPr>
+          <p:style>
+            <a:lnRef idx="1">
+              <a:schemeClr val="accent1"/>
+            </a:lnRef>
+            <a:fillRef idx="0">
+              <a:schemeClr val="accent1"/>
+            </a:fillRef>
+            <a:effectRef idx="0">
+              <a:schemeClr val="accent1"/>
+            </a:effectRef>
+            <a:fontRef idx="minor">
+              <a:schemeClr val="tx1"/>
+            </a:fontRef>
+          </p:style>
+        </p:cxnSp>
+        <p:sp>
+          <p:nvSpPr>
+            <p:cNvPr id="18" name="文字方塊 17"/>
+            <p:cNvSpPr txBox="1"/>
+            <p:nvPr/>
+          </p:nvSpPr>
+          <p:spPr>
+            <a:xfrm>
+              <a:off x="6068093" y="1529890"/>
+              <a:ext cx="1569660" cy="369332"/>
+            </a:xfrm>
+            <a:prstGeom prst="rect">
+              <a:avLst/>
+            </a:prstGeom>
+            <a:noFill/>
+          </p:spPr>
+          <p:txBody>
+            <a:bodyPr wrap="none" rtlCol="0">
+              <a:spAutoFit/>
+            </a:bodyPr>
+            <a:lstStyle/>
+            <a:p>
+              <a:r>
+                <a:rPr lang="zh-TW" altLang="en-US" dirty="0" smtClean="0">
+                  <a:solidFill>
+                    <a:srgbClr val="FF0000"/>
+                  </a:solidFill>
+                </a:rPr>
+                <a:t>輸出一個換行</a:t>
+              </a:r>
+              <a:endParaRPr lang="zh-TW" altLang="en-US" dirty="0">
+                <a:solidFill>
+                  <a:srgbClr val="FF0000"/>
+                </a:solidFill>
+              </a:endParaRPr>
+            </a:p>
+          </p:txBody>
+        </p:sp>
+      </p:grpSp>
+      <p:grpSp>
+        <p:nvGrpSpPr>
+          <p:cNvPr id="22" name="群組 21"/>
+          <p:cNvGrpSpPr/>
+          <p:nvPr/>
+        </p:nvGrpSpPr>
+        <p:grpSpPr>
+          <a:xfrm>
+            <a:off x="3145438" y="1608012"/>
+            <a:ext cx="2492990" cy="499180"/>
+            <a:chOff x="3145438" y="1608012"/>
+            <a:chExt cx="2492990" cy="499180"/>
+          </a:xfrm>
+        </p:grpSpPr>
+        <p:sp>
+          <p:nvSpPr>
+            <p:cNvPr id="20" name="文字方塊 19"/>
+            <p:cNvSpPr txBox="1"/>
+            <p:nvPr/>
+          </p:nvSpPr>
+          <p:spPr>
+            <a:xfrm>
+              <a:off x="3145438" y="1608012"/>
+              <a:ext cx="2492990" cy="369332"/>
+            </a:xfrm>
+            <a:prstGeom prst="rect">
+              <a:avLst/>
+            </a:prstGeom>
+            <a:noFill/>
+          </p:spPr>
+          <p:txBody>
+            <a:bodyPr wrap="none" rtlCol="0">
+              <a:spAutoFit/>
+            </a:bodyPr>
+            <a:lstStyle/>
+            <a:p>
+              <a:r>
+                <a:rPr lang="zh-TW" altLang="en-US" dirty="0" smtClean="0"/>
+                <a:t>讓一個迴圈來做這件事</a:t>
+              </a:r>
+              <a:endParaRPr lang="zh-TW" altLang="en-US" dirty="0"/>
+            </a:p>
+          </p:txBody>
+        </p:sp>
+        <p:sp>
+          <p:nvSpPr>
+            <p:cNvPr id="21" name="向右箭號 20"/>
+            <p:cNvSpPr/>
+            <p:nvPr/>
+          </p:nvSpPr>
+          <p:spPr>
+            <a:xfrm rot="16200000">
+              <a:off x="4315921" y="1833528"/>
+              <a:ext cx="152024" cy="395304"/>
+            </a:xfrm>
+            <a:prstGeom prst="rightArrow">
+              <a:avLst/>
+            </a:prstGeom>
+          </p:spPr>
+          <p:style>
+            <a:lnRef idx="2">
+              <a:schemeClr val="accent1">
+                <a:shade val="50000"/>
+              </a:schemeClr>
+            </a:lnRef>
+            <a:fillRef idx="1">
+              <a:schemeClr val="accent1"/>
+            </a:fillRef>
+            <a:effectRef idx="0">
+              <a:schemeClr val="accent1"/>
+            </a:effectRef>
+            <a:fontRef idx="minor">
+              <a:schemeClr val="lt1"/>
+            </a:fontRef>
+          </p:style>
+          <p:txBody>
+            <a:bodyPr rtlCol="0" anchor="ctr"/>
+            <a:lstStyle/>
+            <a:p>
+              <a:pPr algn="ctr"/>
+              <a:endParaRPr lang="zh-TW" altLang="en-US"/>
+            </a:p>
+          </p:txBody>
+        </p:sp>
+      </p:grpSp>
+      <p:grpSp>
+        <p:nvGrpSpPr>
+          <p:cNvPr id="25" name="群組 24"/>
+          <p:cNvGrpSpPr/>
+          <p:nvPr/>
+        </p:nvGrpSpPr>
+        <p:grpSpPr>
+          <a:xfrm>
+            <a:off x="6641696" y="3209967"/>
+            <a:ext cx="1650036" cy="2691345"/>
+            <a:chOff x="6641696" y="3209967"/>
+            <a:chExt cx="1650036" cy="2691345"/>
+          </a:xfrm>
+        </p:grpSpPr>
+        <p:sp>
+          <p:nvSpPr>
+            <p:cNvPr id="23" name="右大括弧 22"/>
+            <p:cNvSpPr/>
+            <p:nvPr/>
+          </p:nvSpPr>
+          <p:spPr>
+            <a:xfrm>
+              <a:off x="6641696" y="3209967"/>
+              <a:ext cx="537328" cy="2691345"/>
+            </a:xfrm>
+            <a:prstGeom prst="rightBrace">
+              <a:avLst/>
+            </a:prstGeom>
+          </p:spPr>
+          <p:style>
+            <a:lnRef idx="1">
+              <a:schemeClr val="accent1"/>
+            </a:lnRef>
+            <a:fillRef idx="0">
+              <a:schemeClr val="accent1"/>
+            </a:fillRef>
+            <a:effectRef idx="0">
+              <a:schemeClr val="accent1"/>
+            </a:effectRef>
+            <a:fontRef idx="minor">
+              <a:schemeClr val="tx1"/>
+            </a:fontRef>
+          </p:style>
+          <p:txBody>
+            <a:bodyPr rtlCol="0" anchor="ctr"/>
+            <a:lstStyle/>
+            <a:p>
+              <a:pPr algn="ctr"/>
+              <a:endParaRPr lang="zh-TW" altLang="en-US" dirty="0"/>
+            </a:p>
+          </p:txBody>
+        </p:sp>
+        <p:sp>
+          <p:nvSpPr>
+            <p:cNvPr id="24" name="文字方塊 23"/>
+            <p:cNvSpPr txBox="1"/>
+            <p:nvPr/>
+          </p:nvSpPr>
+          <p:spPr>
+            <a:xfrm>
+              <a:off x="7183736" y="4232475"/>
+              <a:ext cx="1107996" cy="646331"/>
+            </a:xfrm>
+            <a:prstGeom prst="rect">
+              <a:avLst/>
+            </a:prstGeom>
+            <a:noFill/>
+          </p:spPr>
+          <p:txBody>
+            <a:bodyPr wrap="none" rtlCol="0">
+              <a:spAutoFit/>
+            </a:bodyPr>
+            <a:lstStyle/>
+            <a:p>
+              <a:r>
+                <a:rPr lang="zh-TW" altLang="en-US" dirty="0" smtClean="0"/>
+                <a:t>重複的事</a:t>
+              </a:r>
+              <a:endParaRPr lang="en-US" altLang="zh-TW" dirty="0" smtClean="0"/>
+            </a:p>
+            <a:p>
+              <a:r>
+                <a:rPr lang="zh-TW" altLang="en-US" dirty="0" smtClean="0"/>
+                <a:t>做</a:t>
+              </a:r>
+              <a:r>
+                <a:rPr lang="zh-TW" altLang="en-US" dirty="0"/>
+                <a:t>了</a:t>
+              </a:r>
+              <a:r>
+                <a:rPr lang="zh-TW" altLang="en-US" dirty="0" smtClean="0"/>
+                <a:t>五次</a:t>
+              </a:r>
+              <a:endParaRPr lang="zh-TW" altLang="en-US" dirty="0"/>
+            </a:p>
+          </p:txBody>
+        </p:sp>
+      </p:grpSp>
+      <p:grpSp>
+        <p:nvGrpSpPr>
+          <p:cNvPr id="35" name="群組 34"/>
+          <p:cNvGrpSpPr/>
+          <p:nvPr/>
+        </p:nvGrpSpPr>
+        <p:grpSpPr>
+          <a:xfrm>
+            <a:off x="5638428" y="1190425"/>
+            <a:ext cx="4107337" cy="1187611"/>
+            <a:chOff x="5638428" y="1190425"/>
+            <a:chExt cx="4107337" cy="1187611"/>
+          </a:xfrm>
+        </p:grpSpPr>
+        <p:sp>
+          <p:nvSpPr>
+            <p:cNvPr id="26" name="文字方塊 25"/>
+            <p:cNvSpPr txBox="1"/>
+            <p:nvPr/>
+          </p:nvSpPr>
+          <p:spPr>
+            <a:xfrm>
+              <a:off x="7021942" y="1190425"/>
+              <a:ext cx="2723823" cy="646331"/>
+            </a:xfrm>
+            <a:prstGeom prst="rect">
+              <a:avLst/>
+            </a:prstGeom>
+            <a:noFill/>
+            <a:ln>
+              <a:noFill/>
+            </a:ln>
+          </p:spPr>
+          <p:txBody>
+            <a:bodyPr wrap="none" rtlCol="0">
+              <a:spAutoFit/>
+            </a:bodyPr>
+            <a:lstStyle/>
+            <a:p>
+              <a:r>
+                <a:rPr lang="zh-TW" altLang="en-US" dirty="0">
+                  <a:solidFill>
+                    <a:srgbClr val="7030A0"/>
+                  </a:solidFill>
+                </a:rPr>
+                <a:t>所以就是用另一個迴</a:t>
+              </a:r>
+              <a:r>
+                <a:rPr lang="zh-TW" altLang="en-US" dirty="0" smtClean="0">
+                  <a:solidFill>
+                    <a:srgbClr val="7030A0"/>
+                  </a:solidFill>
+                </a:rPr>
+                <a:t>圈</a:t>
+              </a:r>
+              <a:r>
+                <a:rPr lang="en-US" altLang="zh-TW" dirty="0" smtClean="0">
+                  <a:solidFill>
+                    <a:srgbClr val="7030A0"/>
+                  </a:solidFill>
+                </a:rPr>
+                <a:t/>
+              </a:r>
+              <a:br>
+                <a:rPr lang="en-US" altLang="zh-TW" dirty="0" smtClean="0">
+                  <a:solidFill>
+                    <a:srgbClr val="7030A0"/>
+                  </a:solidFill>
+                </a:rPr>
+              </a:br>
+              <a:r>
+                <a:rPr lang="zh-TW" altLang="en-US" dirty="0" smtClean="0">
+                  <a:solidFill>
+                    <a:srgbClr val="7030A0"/>
+                  </a:solidFill>
+                </a:rPr>
+                <a:t>讓這兩件是重複做五次。</a:t>
+              </a:r>
+              <a:endParaRPr lang="zh-TW" altLang="en-US" dirty="0">
+                <a:solidFill>
+                  <a:srgbClr val="7030A0"/>
+                </a:solidFill>
+              </a:endParaRPr>
+            </a:p>
+          </p:txBody>
+        </p:sp>
+        <p:cxnSp>
+          <p:nvCxnSpPr>
+            <p:cNvPr id="28" name="直線單箭頭接點 27"/>
+            <p:cNvCxnSpPr>
+              <a:stCxn id="26" idx="1"/>
+              <a:endCxn id="20" idx="3"/>
+            </p:cNvCxnSpPr>
+            <p:nvPr/>
+          </p:nvCxnSpPr>
+          <p:spPr>
+            <a:xfrm flipH="1">
+              <a:off x="5638428" y="1513591"/>
+              <a:ext cx="1383514" cy="279087"/>
+            </a:xfrm>
+            <a:prstGeom prst="straightConnector1">
+              <a:avLst/>
+            </a:prstGeom>
+            <a:ln w="38100">
+              <a:solidFill>
+                <a:srgbClr val="7030A0"/>
+              </a:solidFill>
+              <a:tailEnd type="triangle"/>
+            </a:ln>
+          </p:spPr>
+          <p:style>
+            <a:lnRef idx="1">
+              <a:schemeClr val="accent1"/>
+            </a:lnRef>
+            <a:fillRef idx="0">
+              <a:schemeClr val="accent1"/>
+            </a:fillRef>
+            <a:effectRef idx="0">
+              <a:schemeClr val="accent1"/>
+            </a:effectRef>
+            <a:fontRef idx="minor">
+              <a:schemeClr val="tx1"/>
+            </a:fontRef>
+          </p:style>
+        </p:cxnSp>
+        <p:cxnSp>
+          <p:nvCxnSpPr>
+            <p:cNvPr id="29" name="直線單箭頭接點 28"/>
+            <p:cNvCxnSpPr/>
+            <p:nvPr/>
+          </p:nvCxnSpPr>
+          <p:spPr>
+            <a:xfrm flipH="1">
+              <a:off x="7021942" y="1836756"/>
+              <a:ext cx="262789" cy="541280"/>
+            </a:xfrm>
+            <a:prstGeom prst="straightConnector1">
+              <a:avLst/>
+            </a:prstGeom>
+            <a:ln w="38100">
+              <a:solidFill>
+                <a:srgbClr val="7030A0"/>
+              </a:solidFill>
+              <a:tailEnd type="triangle"/>
+            </a:ln>
+          </p:spPr>
+          <p:style>
+            <a:lnRef idx="1">
+              <a:schemeClr val="accent1"/>
+            </a:lnRef>
+            <a:fillRef idx="0">
+              <a:schemeClr val="accent1"/>
+            </a:fillRef>
+            <a:effectRef idx="0">
+              <a:schemeClr val="accent1"/>
+            </a:effectRef>
+            <a:fontRef idx="minor">
+              <a:schemeClr val="tx1"/>
+            </a:fontRef>
+          </p:style>
+        </p:cxnSp>
+      </p:grpSp>
+    </p:spTree>
+    <p:extLst>
+      <p:ext uri="{BB962C8B-B14F-4D97-AF65-F5344CB8AC3E}">
+        <p14:creationId xmlns:p14="http://schemas.microsoft.com/office/powerpoint/2010/main" val="316827645"/>
+      </p:ext>
+    </p:extLst>
+  </p:cSld>
+  <p:clrMapOvr>
+    <a:masterClrMapping/>
+  </p:clrMapOvr>
+  <p:timing>
+    <p:tnLst>
+      <p:par>
+        <p:cTn id="1" dur="indefinite" restart="never" nodeType="tmRoot">
+          <p:childTnLst>
+            <p:seq concurrent="1" nextAc="seek">
+              <p:cTn id="2" dur="indefinite" nodeType="mainSeq">
+                <p:childTnLst>
+                  <p:par>
+                    <p:cTn id="3" fill="hold">
+                      <p:stCondLst>
+                        <p:cond delay="indefinite"/>
+                      </p:stCondLst>
+                      <p:childTnLst>
+                        <p:par>
+                          <p:cTn id="4" fill="hold">
+                            <p:stCondLst>
+                              <p:cond delay="0"/>
+                            </p:stCondLst>
+                            <p:childTnLst>
+                              <p:par>
+                                <p:cTn id="5" presetID="22" presetClass="entr" presetSubtype="8" fill="hold" grpId="0" nodeType="clickEffect">
+                                  <p:stCondLst>
+                                    <p:cond delay="0"/>
+                                  </p:stCondLst>
+                                  <p:childTnLst>
+                                    <p:set>
+                                      <p:cBhvr>
+                                        <p:cTn id="6" dur="1" fill="hold">
+                                          <p:stCondLst>
+                                            <p:cond delay="0"/>
+                                          </p:stCondLst>
+                                        </p:cTn>
+                                        <p:tgtEl>
+                                          <p:spTgt spid="4"/>
+                                        </p:tgtEl>
+                                        <p:attrNameLst>
+                                          <p:attrName>style.visibility</p:attrName>
+                                        </p:attrNameLst>
+                                      </p:cBhvr>
+                                      <p:to>
+                                        <p:strVal val="visible"/>
+                                      </p:to>
+                                    </p:set>
+                                    <p:animEffect transition="in" filter="wipe(left)">
+                                      <p:cBhvr>
+                                        <p:cTn id="7" dur="2500"/>
+                                        <p:tgtEl>
+                                          <p:spTgt spid="4"/>
+                                        </p:tgtEl>
+                                      </p:cBhvr>
+                                    </p:animEffect>
+                                  </p:childTnLst>
+                                </p:cTn>
+                              </p:par>
+                            </p:childTnLst>
+                          </p:cTn>
+                        </p:par>
+                      </p:childTnLst>
+                    </p:cTn>
+                  </p:par>
+                  <p:par>
+                    <p:cTn id="8" fill="hold">
+                      <p:stCondLst>
+                        <p:cond delay="indefinite"/>
+                      </p:stCondLst>
+                      <p:childTnLst>
+                        <p:par>
+                          <p:cTn id="9" fill="hold">
+                            <p:stCondLst>
+                              <p:cond delay="0"/>
+                            </p:stCondLst>
+                            <p:childTnLst>
+                              <p:par>
+                                <p:cTn id="10" presetID="22" presetClass="entr" presetSubtype="8" fill="hold" grpId="0" nodeType="clickEffect">
+                                  <p:stCondLst>
+                                    <p:cond delay="0"/>
+                                  </p:stCondLst>
+                                  <p:childTnLst>
+                                    <p:set>
+                                      <p:cBhvr>
+                                        <p:cTn id="11" dur="1" fill="hold">
+                                          <p:stCondLst>
+                                            <p:cond delay="0"/>
+                                          </p:stCondLst>
+                                        </p:cTn>
+                                        <p:tgtEl>
+                                          <p:spTgt spid="8"/>
+                                        </p:tgtEl>
+                                        <p:attrNameLst>
+                                          <p:attrName>style.visibility</p:attrName>
+                                        </p:attrNameLst>
+                                      </p:cBhvr>
+                                      <p:to>
+                                        <p:strVal val="visible"/>
+                                      </p:to>
+                                    </p:set>
+                                    <p:animEffect transition="in" filter="wipe(left)">
+                                      <p:cBhvr>
+                                        <p:cTn id="12" dur="2500"/>
+                                        <p:tgtEl>
+                                          <p:spTgt spid="8"/>
+                                        </p:tgtEl>
+                                      </p:cBhvr>
+                                    </p:animEffect>
+                                  </p:childTnLst>
+                                </p:cTn>
+                              </p:par>
+                            </p:childTnLst>
+                          </p:cTn>
+                        </p:par>
+                      </p:childTnLst>
+                    </p:cTn>
+                  </p:par>
+                  <p:par>
+                    <p:cTn id="13" fill="hold">
+                      <p:stCondLst>
+                        <p:cond delay="indefinite"/>
+                      </p:stCondLst>
+                      <p:childTnLst>
+                        <p:par>
+                          <p:cTn id="14" fill="hold">
+                            <p:stCondLst>
+                              <p:cond delay="0"/>
+                            </p:stCondLst>
+                            <p:childTnLst>
+                              <p:par>
+                                <p:cTn id="15" presetID="22" presetClass="entr" presetSubtype="8" fill="hold" grpId="0" nodeType="clickEffect">
+                                  <p:stCondLst>
+                                    <p:cond delay="0"/>
+                                  </p:stCondLst>
+                                  <p:childTnLst>
+                                    <p:set>
+                                      <p:cBhvr>
+                                        <p:cTn id="16" dur="1" fill="hold">
+                                          <p:stCondLst>
+                                            <p:cond delay="0"/>
+                                          </p:stCondLst>
+                                        </p:cTn>
+                                        <p:tgtEl>
+                                          <p:spTgt spid="9"/>
+                                        </p:tgtEl>
+                                        <p:attrNameLst>
+                                          <p:attrName>style.visibility</p:attrName>
+                                        </p:attrNameLst>
+                                      </p:cBhvr>
+                                      <p:to>
+                                        <p:strVal val="visible"/>
+                                      </p:to>
+                                    </p:set>
+                                    <p:animEffect transition="in" filter="wipe(left)">
+                                      <p:cBhvr>
+                                        <p:cTn id="17" dur="2500"/>
+                                        <p:tgtEl>
+                                          <p:spTgt spid="9"/>
+                                        </p:tgtEl>
+                                      </p:cBhvr>
+                                    </p:animEffect>
+                                  </p:childTnLst>
+                                </p:cTn>
+                              </p:par>
+                            </p:childTnLst>
+                          </p:cTn>
+                        </p:par>
+                      </p:childTnLst>
+                    </p:cTn>
+                  </p:par>
+                  <p:par>
+                    <p:cTn id="18" fill="hold">
+                      <p:stCondLst>
+                        <p:cond delay="indefinite"/>
+                      </p:stCondLst>
+                      <p:childTnLst>
+                        <p:par>
+                          <p:cTn id="19" fill="hold">
+                            <p:stCondLst>
+                              <p:cond delay="0"/>
+                            </p:stCondLst>
+                            <p:childTnLst>
+                              <p:par>
+                                <p:cTn id="20" presetID="22" presetClass="entr" presetSubtype="8" fill="hold" grpId="0" nodeType="clickEffect">
+                                  <p:stCondLst>
+                                    <p:cond delay="0"/>
+                                  </p:stCondLst>
+                                  <p:childTnLst>
+                                    <p:set>
+                                      <p:cBhvr>
+                                        <p:cTn id="21" dur="1" fill="hold">
+                                          <p:stCondLst>
+                                            <p:cond delay="0"/>
+                                          </p:stCondLst>
+                                        </p:cTn>
+                                        <p:tgtEl>
+                                          <p:spTgt spid="10"/>
+                                        </p:tgtEl>
+                                        <p:attrNameLst>
+                                          <p:attrName>style.visibility</p:attrName>
+                                        </p:attrNameLst>
+                                      </p:cBhvr>
+                                      <p:to>
+                                        <p:strVal val="visible"/>
+                                      </p:to>
+                                    </p:set>
+                                    <p:animEffect transition="in" filter="wipe(left)">
+                                      <p:cBhvr>
+                                        <p:cTn id="22" dur="2500"/>
+                                        <p:tgtEl>
+                                          <p:spTgt spid="10"/>
+                                        </p:tgtEl>
+                                      </p:cBhvr>
+                                    </p:animEffect>
+                                  </p:childTnLst>
+                                </p:cTn>
+                              </p:par>
+                            </p:childTnLst>
+                          </p:cTn>
+                        </p:par>
+                      </p:childTnLst>
+                    </p:cTn>
+                  </p:par>
+                  <p:par>
+                    <p:cTn id="23" fill="hold">
+                      <p:stCondLst>
+                        <p:cond delay="indefinite"/>
+                      </p:stCondLst>
+                      <p:childTnLst>
+                        <p:par>
+                          <p:cTn id="24" fill="hold">
+                            <p:stCondLst>
+                              <p:cond delay="0"/>
+                            </p:stCondLst>
+                            <p:childTnLst>
+                              <p:par>
+                                <p:cTn id="25" presetID="22" presetClass="entr" presetSubtype="8" fill="hold" grpId="0" nodeType="clickEffect">
+                                  <p:stCondLst>
+                                    <p:cond delay="0"/>
+                                  </p:stCondLst>
+                                  <p:childTnLst>
+                                    <p:set>
+                                      <p:cBhvr>
+                                        <p:cTn id="26" dur="1" fill="hold">
+                                          <p:stCondLst>
+                                            <p:cond delay="0"/>
+                                          </p:stCondLst>
+                                        </p:cTn>
+                                        <p:tgtEl>
+                                          <p:spTgt spid="11"/>
+                                        </p:tgtEl>
+                                        <p:attrNameLst>
+                                          <p:attrName>style.visibility</p:attrName>
+                                        </p:attrNameLst>
+                                      </p:cBhvr>
+                                      <p:to>
+                                        <p:strVal val="visible"/>
+                                      </p:to>
+                                    </p:set>
+                                    <p:animEffect transition="in" filter="wipe(left)">
+                                      <p:cBhvr>
+                                        <p:cTn id="27" dur="2500"/>
+                                        <p:tgtEl>
+                                          <p:spTgt spid="11"/>
+                                        </p:tgtEl>
+                                      </p:cBhvr>
+                                    </p:animEffect>
+                                  </p:childTnLst>
+                                </p:cTn>
+                              </p:par>
+                            </p:childTnLst>
+                          </p:cTn>
+                        </p:par>
+                      </p:childTnLst>
+                    </p:cTn>
+                  </p:par>
+                  <p:par>
+                    <p:cTn id="28" fill="hold">
+                      <p:stCondLst>
+                        <p:cond delay="indefinite"/>
+                      </p:stCondLst>
+                      <p:childTnLst>
+                        <p:par>
+                          <p:cTn id="29" fill="hold">
+                            <p:stCondLst>
+                              <p:cond delay="0"/>
+                            </p:stCondLst>
+                            <p:childTnLst>
+                              <p:par>
+                                <p:cTn id="30" presetID="1" presetClass="entr" presetSubtype="0" fill="hold" nodeType="clickEffect">
+                                  <p:stCondLst>
+                                    <p:cond delay="0"/>
+                                  </p:stCondLst>
+                                  <p:childTnLst>
+                                    <p:set>
+                                      <p:cBhvr>
+                                        <p:cTn id="31" dur="1" fill="hold">
+                                          <p:stCondLst>
+                                            <p:cond delay="0"/>
+                                          </p:stCondLst>
+                                        </p:cTn>
+                                        <p:tgtEl>
+                                          <p:spTgt spid="14"/>
+                                        </p:tgtEl>
+                                        <p:attrNameLst>
+                                          <p:attrName>style.visibility</p:attrName>
+                                        </p:attrNameLst>
+                                      </p:cBhvr>
+                                      <p:to>
+                                        <p:strVal val="visible"/>
+                                      </p:to>
+                                    </p:set>
+                                  </p:childTnLst>
+                                </p:cTn>
+                              </p:par>
+                            </p:childTnLst>
+                          </p:cTn>
+                        </p:par>
+                      </p:childTnLst>
+                    </p:cTn>
+                  </p:par>
+                  <p:par>
+                    <p:cTn id="32" fill="hold">
+                      <p:stCondLst>
+                        <p:cond delay="indefinite"/>
+                      </p:stCondLst>
+                      <p:childTnLst>
+                        <p:par>
+                          <p:cTn id="33" fill="hold">
+                            <p:stCondLst>
+                              <p:cond delay="0"/>
+                            </p:stCondLst>
+                            <p:childTnLst>
+                              <p:par>
+                                <p:cTn id="34" presetID="1" presetClass="entr" presetSubtype="0" fill="hold" nodeType="clickEffect">
+                                  <p:stCondLst>
+                                    <p:cond delay="0"/>
+                                  </p:stCondLst>
+                                  <p:childTnLst>
+                                    <p:set>
+                                      <p:cBhvr>
+                                        <p:cTn id="35" dur="1" fill="hold">
+                                          <p:stCondLst>
+                                            <p:cond delay="0"/>
+                                          </p:stCondLst>
+                                        </p:cTn>
+                                        <p:tgtEl>
+                                          <p:spTgt spid="19"/>
+                                        </p:tgtEl>
+                                        <p:attrNameLst>
+                                          <p:attrName>style.visibility</p:attrName>
+                                        </p:attrNameLst>
+                                      </p:cBhvr>
+                                      <p:to>
+                                        <p:strVal val="visible"/>
+                                      </p:to>
+                                    </p:set>
+                                  </p:childTnLst>
+                                </p:cTn>
+                              </p:par>
+                            </p:childTnLst>
+                          </p:cTn>
+                        </p:par>
+                      </p:childTnLst>
+                    </p:cTn>
+                  </p:par>
+                  <p:par>
+                    <p:cTn id="36" fill="hold">
+                      <p:stCondLst>
+                        <p:cond delay="indefinite"/>
+                      </p:stCondLst>
+                      <p:childTnLst>
+                        <p:par>
+                          <p:cTn id="37" fill="hold">
+                            <p:stCondLst>
+                              <p:cond delay="0"/>
+                            </p:stCondLst>
+                            <p:childTnLst>
+                              <p:par>
+                                <p:cTn id="38" presetID="1" presetClass="entr" presetSubtype="0" fill="hold" nodeType="clickEffect">
+                                  <p:stCondLst>
+                                    <p:cond delay="0"/>
+                                  </p:stCondLst>
+                                  <p:childTnLst>
+                                    <p:set>
+                                      <p:cBhvr>
+                                        <p:cTn id="39" dur="1" fill="hold">
+                                          <p:stCondLst>
+                                            <p:cond delay="0"/>
+                                          </p:stCondLst>
+                                        </p:cTn>
+                                        <p:tgtEl>
+                                          <p:spTgt spid="22"/>
+                                        </p:tgtEl>
+                                        <p:attrNameLst>
+                                          <p:attrName>style.visibility</p:attrName>
+                                        </p:attrNameLst>
+                                      </p:cBhvr>
+                                      <p:to>
+                                        <p:strVal val="visible"/>
+                                      </p:to>
+                                    </p:set>
+                                  </p:childTnLst>
+                                </p:cTn>
+                              </p:par>
+                            </p:childTnLst>
+                          </p:cTn>
+                        </p:par>
+                      </p:childTnLst>
+                    </p:cTn>
+                  </p:par>
+                  <p:par>
+                    <p:cTn id="40" fill="hold">
+                      <p:stCondLst>
+                        <p:cond delay="indefinite"/>
+                      </p:stCondLst>
+                      <p:childTnLst>
+                        <p:par>
+                          <p:cTn id="41" fill="hold">
+                            <p:stCondLst>
+                              <p:cond delay="0"/>
+                            </p:stCondLst>
+                            <p:childTnLst>
+                              <p:par>
+                                <p:cTn id="42" presetID="1" presetClass="entr" presetSubtype="0" fill="hold" nodeType="clickEffect">
+                                  <p:stCondLst>
+                                    <p:cond delay="0"/>
+                                  </p:stCondLst>
+                                  <p:childTnLst>
+                                    <p:set>
+                                      <p:cBhvr>
+                                        <p:cTn id="43" dur="1" fill="hold">
+                                          <p:stCondLst>
+                                            <p:cond delay="0"/>
+                                          </p:stCondLst>
+                                        </p:cTn>
+                                        <p:tgtEl>
+                                          <p:spTgt spid="25"/>
+                                        </p:tgtEl>
+                                        <p:attrNameLst>
+                                          <p:attrName>style.visibility</p:attrName>
+                                        </p:attrNameLst>
+                                      </p:cBhvr>
+                                      <p:to>
+                                        <p:strVal val="visible"/>
+                                      </p:to>
+                                    </p:set>
+                                  </p:childTnLst>
+                                </p:cTn>
+                              </p:par>
+                            </p:childTnLst>
+                          </p:cTn>
+                        </p:par>
+                      </p:childTnLst>
+                    </p:cTn>
+                  </p:par>
+                  <p:par>
+                    <p:cTn id="44" fill="hold">
+                      <p:stCondLst>
+                        <p:cond delay="indefinite"/>
+                      </p:stCondLst>
+                      <p:childTnLst>
+                        <p:par>
+                          <p:cTn id="45" fill="hold">
+                            <p:stCondLst>
+                              <p:cond delay="0"/>
+                            </p:stCondLst>
+                            <p:childTnLst>
+                              <p:par>
+                                <p:cTn id="46" presetID="1" presetClass="entr" presetSubtype="0" fill="hold" nodeType="clickEffect">
+                                  <p:stCondLst>
+                                    <p:cond delay="0"/>
+                                  </p:stCondLst>
+                                  <p:childTnLst>
+                                    <p:set>
+                                      <p:cBhvr>
+                                        <p:cTn id="47" dur="1" fill="hold">
+                                          <p:stCondLst>
+                                            <p:cond delay="0"/>
+                                          </p:stCondLst>
+                                        </p:cTn>
+                                        <p:tgtEl>
+                                          <p:spTgt spid="35"/>
+                                        </p:tgtEl>
+                                        <p:attrNameLst>
+                                          <p:attrName>style.visibility</p:attrName>
+                                        </p:attrNameLst>
+                                      </p:cBhvr>
+                                      <p:to>
+                                        <p:strVal val="visible"/>
+                                      </p:to>
+                                    </p:set>
+                                  </p:childTnLst>
+                                </p:cTn>
+                              </p:par>
+                            </p:childTnLst>
+                          </p:cTn>
+                        </p:par>
+                      </p:childTnLst>
+                    </p:cTn>
+                  </p:par>
+                </p:childTnLst>
+              </p:cTn>
+              <p:prevCondLst>
+                <p:cond evt="onPrev" delay="0">
+                  <p:tgtEl>
+                    <p:sldTgt/>
+                  </p:tgtEl>
+                </p:cond>
+              </p:prevCondLst>
+              <p:nextCondLst>
+                <p:cond evt="onNext" delay="0">
+                  <p:tgtEl>
+                    <p:sldTgt/>
+                  </p:tgtEl>
+                </p:cond>
+              </p:nextCondLst>
+            </p:seq>
+          </p:childTnLst>
+        </p:cTn>
+      </p:par>
+    </p:tnLst>
+    <p:bldLst>
+      <p:bldP spid="4" grpId="0"/>
+      <p:bldP spid="8" grpId="0"/>
+      <p:bldP spid="9" grpId="0"/>
+      <p:bldP spid="10" grpId="0"/>
+      <p:bldP spid="11" grpId="0"/>
+    </p:bldLst>
+  </p:timing>
+</p:sld>
+</file>
+
+<file path=ppt/slides/slide23.xml><?xml version="1.0" encoding="utf-8"?>
 <p:sld xmlns:a="http://schemas.openxmlformats.org/drawingml/2006/main" xmlns:r="http://schemas.openxmlformats.org/officeDocument/2006/relationships" xmlns:p="http://schemas.openxmlformats.org/presentationml/2006/main">
   <p:cSld>
     <p:spTree>
@@ -12161,1242 +15021,7 @@
 </p:sld>
 </file>
 
-<file path=ppt/slides/slide2.xml><?xml version="1.0" encoding="utf-8"?>
-<p:sld xmlns:a="http://schemas.openxmlformats.org/drawingml/2006/main" xmlns:r="http://schemas.openxmlformats.org/officeDocument/2006/relationships" xmlns:p="http://schemas.openxmlformats.org/presentationml/2006/main">
-  <p:cSld>
-    <p:spTree>
-      <p:nvGrpSpPr>
-        <p:cNvPr id="1" name=""/>
-        <p:cNvGrpSpPr/>
-        <p:nvPr/>
-      </p:nvGrpSpPr>
-      <p:grpSpPr>
-        <a:xfrm>
-          <a:off x="0" y="0"/>
-          <a:ext cx="0" cy="0"/>
-          <a:chOff x="0" y="0"/>
-          <a:chExt cx="0" cy="0"/>
-        </a:xfrm>
-      </p:grpSpPr>
-      <p:sp>
-        <p:nvSpPr>
-          <p:cNvPr id="14" name="弧形 13"/>
-          <p:cNvSpPr/>
-          <p:nvPr/>
-        </p:nvSpPr>
-        <p:spPr>
-          <a:xfrm>
-            <a:off x="9116231" y="2384123"/>
-            <a:ext cx="1296338" cy="791040"/>
-          </a:xfrm>
-          <a:prstGeom prst="arc">
-            <a:avLst>
-              <a:gd name="adj1" fmla="val 2541222"/>
-              <a:gd name="adj2" fmla="val 311641"/>
-            </a:avLst>
-          </a:prstGeom>
-          <a:ln w="219075">
-            <a:solidFill>
-              <a:schemeClr val="accent6">
-                <a:lumMod val="60000"/>
-                <a:lumOff val="40000"/>
-              </a:schemeClr>
-            </a:solidFill>
-            <a:headEnd type="triangle"/>
-            <a:tailEnd type="none" w="lg" len="lg"/>
-          </a:ln>
-        </p:spPr>
-        <p:style>
-          <a:lnRef idx="1">
-            <a:schemeClr val="accent1"/>
-          </a:lnRef>
-          <a:fillRef idx="0">
-            <a:schemeClr val="accent1"/>
-          </a:fillRef>
-          <a:effectRef idx="0">
-            <a:schemeClr val="accent1"/>
-          </a:effectRef>
-          <a:fontRef idx="minor">
-            <a:schemeClr val="tx1"/>
-          </a:fontRef>
-        </p:style>
-        <p:txBody>
-          <a:bodyPr rtlCol="0" anchor="ctr"/>
-          <a:lstStyle/>
-          <a:p>
-            <a:pPr algn="ctr"/>
-            <a:endParaRPr lang="zh-TW" altLang="en-US"/>
-          </a:p>
-        </p:txBody>
-      </p:sp>
-      <p:sp>
-        <p:nvSpPr>
-          <p:cNvPr id="2" name="標題 1"/>
-          <p:cNvSpPr>
-            <a:spLocks noGrp="1"/>
-          </p:cNvSpPr>
-          <p:nvPr>
-            <p:ph type="title"/>
-          </p:nvPr>
-        </p:nvSpPr>
-        <p:spPr/>
-        <p:txBody>
-          <a:bodyPr/>
-          <a:lstStyle/>
-          <a:p>
-            <a:r>
-              <a:rPr lang="zh-TW" altLang="en-US" dirty="0"/>
-              <a:t>迴</a:t>
-            </a:r>
-            <a:r>
-              <a:rPr lang="zh-TW" altLang="en-US" dirty="0" smtClean="0"/>
-              <a:t>圈是甚麼</a:t>
-            </a:r>
-            <a:r>
-              <a:rPr lang="zh-TW" altLang="en-US" dirty="0" smtClean="0"/>
-              <a:t>？</a:t>
-            </a:r>
-            <a:r>
-              <a:rPr lang="en-US" altLang="zh-TW" dirty="0" smtClean="0"/>
-              <a:t/>
-            </a:r>
-            <a:br>
-              <a:rPr lang="en-US" altLang="zh-TW" dirty="0" smtClean="0"/>
-            </a:br>
-            <a:endParaRPr lang="zh-TW" altLang="en-US" dirty="0"/>
-          </a:p>
-        </p:txBody>
-      </p:sp>
-      <p:sp>
-        <p:nvSpPr>
-          <p:cNvPr id="3" name="內容版面配置區 2"/>
-          <p:cNvSpPr>
-            <a:spLocks noGrp="1"/>
-          </p:cNvSpPr>
-          <p:nvPr>
-            <p:ph idx="1"/>
-          </p:nvPr>
-        </p:nvSpPr>
-        <p:spPr>
-          <a:xfrm>
-            <a:off x="677334" y="2160589"/>
-            <a:ext cx="6002219" cy="3880773"/>
-          </a:xfrm>
-        </p:spPr>
-        <p:txBody>
-          <a:bodyPr>
-            <a:normAutofit lnSpcReduction="10000"/>
-          </a:bodyPr>
-          <a:lstStyle/>
-          <a:p>
-            <a:r>
-              <a:rPr lang="zh-TW" altLang="en-US" dirty="0" smtClean="0"/>
-              <a:t>程式在運作的</a:t>
-            </a:r>
-            <a:r>
-              <a:rPr lang="zh-TW" altLang="en-US" dirty="0"/>
-              <a:t>時候，時常會需要重複執行</a:t>
-            </a:r>
-            <a:r>
-              <a:rPr lang="zh-TW" altLang="en-US" b="1" dirty="0" smtClean="0">
-                <a:solidFill>
-                  <a:srgbClr val="FF0000"/>
-                </a:solidFill>
-              </a:rPr>
-              <a:t>某些</a:t>
-            </a:r>
-            <a:r>
-              <a:rPr lang="en-US" altLang="zh-TW" b="1" dirty="0" smtClean="0">
-                <a:solidFill>
-                  <a:srgbClr val="FF0000"/>
-                </a:solidFill>
-              </a:rPr>
-              <a:t>(</a:t>
-            </a:r>
-            <a:r>
-              <a:rPr lang="zh-TW" altLang="en-US" b="1" dirty="0" smtClean="0">
-                <a:solidFill>
-                  <a:srgbClr val="FF0000"/>
-                </a:solidFill>
-              </a:rPr>
-              <a:t>一個以上</a:t>
-            </a:r>
-            <a:r>
-              <a:rPr lang="en-US" altLang="zh-TW" b="1" dirty="0" smtClean="0">
-                <a:solidFill>
-                  <a:srgbClr val="FF0000"/>
-                </a:solidFill>
-              </a:rPr>
-              <a:t>)</a:t>
-            </a:r>
-            <a:r>
-              <a:rPr lang="zh-TW" altLang="en-US" dirty="0" smtClean="0"/>
-              <a:t>相同</a:t>
-            </a:r>
-            <a:r>
-              <a:rPr lang="zh-TW" altLang="en-US" dirty="0"/>
-              <a:t>的</a:t>
-            </a:r>
-            <a:r>
-              <a:rPr lang="zh-TW" altLang="en-US" dirty="0" smtClean="0"/>
-              <a:t>步驟。</a:t>
-            </a:r>
-            <a:endParaRPr lang="en-US" altLang="zh-TW" dirty="0" smtClean="0"/>
-          </a:p>
-          <a:p>
-            <a:r>
-              <a:rPr lang="zh-TW" altLang="en-US" dirty="0" smtClean="0"/>
-              <a:t>迴</a:t>
-            </a:r>
-            <a:r>
-              <a:rPr lang="zh-TW" altLang="en-US" dirty="0"/>
-              <a:t>圈 </a:t>
-            </a:r>
-            <a:r>
-              <a:rPr lang="en-US" altLang="zh-TW" dirty="0"/>
-              <a:t>(loop) </a:t>
-            </a:r>
-            <a:r>
-              <a:rPr lang="zh-TW" altLang="en-US" dirty="0"/>
-              <a:t>的作用是讓指定的</a:t>
-            </a:r>
-            <a:r>
-              <a:rPr lang="zh-TW" altLang="en-US" b="1" dirty="0">
-                <a:solidFill>
-                  <a:srgbClr val="FF0000"/>
-                </a:solidFill>
-              </a:rPr>
-              <a:t>某段敘述</a:t>
-            </a:r>
-            <a:r>
-              <a:rPr lang="zh-TW" altLang="en-US" dirty="0" smtClean="0"/>
-              <a:t>在</a:t>
-            </a:r>
-            <a:r>
-              <a:rPr lang="zh-TW" altLang="en-US" b="1" dirty="0" smtClean="0">
-                <a:solidFill>
-                  <a:srgbClr val="FF0000"/>
-                </a:solidFill>
-              </a:rPr>
-              <a:t>符合特定條件</a:t>
-            </a:r>
-            <a:r>
-              <a:rPr lang="zh-TW" altLang="en-US" dirty="0" smtClean="0"/>
-              <a:t>的</a:t>
-            </a:r>
-            <a:r>
-              <a:rPr lang="zh-TW" altLang="en-US" dirty="0"/>
-              <a:t>情況下一直重覆</a:t>
-            </a:r>
-            <a:r>
-              <a:rPr lang="zh-TW" altLang="en-US" dirty="0" smtClean="0"/>
-              <a:t>執行</a:t>
-            </a:r>
-            <a:endParaRPr lang="en-US" altLang="zh-TW" dirty="0" smtClean="0"/>
-          </a:p>
-          <a:p>
-            <a:r>
-              <a:rPr lang="zh-TW" altLang="en-US" dirty="0"/>
-              <a:t>迴圈</a:t>
-            </a:r>
-            <a:r>
-              <a:rPr lang="zh-TW" altLang="en-US" dirty="0" smtClean="0"/>
-              <a:t>是</a:t>
-            </a:r>
-            <a:r>
-              <a:rPr lang="zh-TW" altLang="en-US" dirty="0"/>
-              <a:t>程式設計中很重要的一種控制結構。我們可以利用迴圈來進行重覆性的資料</a:t>
-            </a:r>
-            <a:r>
-              <a:rPr lang="zh-TW" altLang="en-US" b="1" dirty="0"/>
-              <a:t>輸入、處理</a:t>
-            </a:r>
-            <a:r>
-              <a:rPr lang="zh-TW" altLang="en-US" dirty="0"/>
-              <a:t>與</a:t>
-            </a:r>
-            <a:r>
-              <a:rPr lang="zh-TW" altLang="en-US" b="1" dirty="0"/>
-              <a:t>輸出</a:t>
-            </a:r>
-            <a:r>
-              <a:rPr lang="zh-TW" altLang="en-US" dirty="0" smtClean="0"/>
-              <a:t>。</a:t>
-            </a:r>
-            <a:endParaRPr lang="en-US" altLang="zh-TW" dirty="0" smtClean="0"/>
-          </a:p>
-          <a:p>
-            <a:r>
-              <a:rPr lang="zh-TW" altLang="en-US" dirty="0"/>
-              <a:t>常見的迴圈有</a:t>
-            </a:r>
-            <a:r>
-              <a:rPr lang="en-US" altLang="zh-TW" b="1" dirty="0">
-                <a:solidFill>
-                  <a:srgbClr val="FF0000"/>
-                </a:solidFill>
-              </a:rPr>
-              <a:t>for</a:t>
-            </a:r>
-            <a:r>
-              <a:rPr lang="zh-TW" altLang="en-US" dirty="0"/>
-              <a:t>迴圈、</a:t>
-            </a:r>
-            <a:r>
-              <a:rPr lang="en-US" altLang="zh-TW" b="1" dirty="0">
-                <a:solidFill>
-                  <a:srgbClr val="FF0000"/>
-                </a:solidFill>
-              </a:rPr>
-              <a:t>while</a:t>
-            </a:r>
-            <a:r>
-              <a:rPr lang="zh-TW" altLang="en-US" dirty="0"/>
-              <a:t>迴圈、</a:t>
-            </a:r>
-            <a:r>
-              <a:rPr lang="en-US" altLang="zh-TW" b="1" dirty="0">
-                <a:solidFill>
-                  <a:srgbClr val="0070C0"/>
-                </a:solidFill>
-              </a:rPr>
-              <a:t>do-while</a:t>
-            </a:r>
-            <a:r>
-              <a:rPr lang="zh-TW" altLang="en-US" dirty="0"/>
-              <a:t>迴</a:t>
-            </a:r>
-            <a:r>
-              <a:rPr lang="zh-TW" altLang="en-US" dirty="0" smtClean="0"/>
-              <a:t>圈</a:t>
-            </a:r>
-            <a:endParaRPr lang="en-US" altLang="zh-TW" dirty="0" smtClean="0"/>
-          </a:p>
-          <a:p>
-            <a:r>
-              <a:rPr lang="zh-TW" altLang="en-US" dirty="0"/>
-              <a:t>物件導向語言特有的</a:t>
-            </a:r>
-            <a:r>
-              <a:rPr lang="en-US" altLang="zh-TW" b="1" dirty="0" err="1">
-                <a:solidFill>
-                  <a:srgbClr val="FF0000"/>
-                </a:solidFill>
-              </a:rPr>
-              <a:t>foreach</a:t>
-            </a:r>
-            <a:r>
-              <a:rPr lang="zh-TW" altLang="en-US" dirty="0"/>
-              <a:t>迴</a:t>
-            </a:r>
-            <a:r>
-              <a:rPr lang="zh-TW" altLang="en-US" dirty="0" smtClean="0"/>
-              <a:t>圈</a:t>
-            </a:r>
-            <a:endParaRPr lang="en-US" altLang="zh-TW" dirty="0" smtClean="0"/>
-          </a:p>
-          <a:p>
-            <a:endParaRPr lang="en-US" altLang="zh-TW" dirty="0"/>
-          </a:p>
-          <a:p>
-            <a:pPr lvl="1"/>
-            <a:r>
-              <a:rPr lang="zh-TW" altLang="en-US" dirty="0" smtClean="0"/>
-              <a:t>右圖如果</a:t>
-            </a:r>
-            <a:r>
-              <a:rPr lang="en-US" altLang="zh-TW" dirty="0" smtClean="0"/>
-              <a:t>(2)</a:t>
-            </a:r>
-            <a:r>
-              <a:rPr lang="zh-TW" altLang="en-US" dirty="0" smtClean="0"/>
-              <a:t>之判斷條件成立，則回執行</a:t>
-            </a:r>
-            <a:r>
-              <a:rPr lang="en-US" altLang="zh-TW" dirty="0" smtClean="0"/>
-              <a:t>(3)</a:t>
-            </a:r>
-            <a:r>
-              <a:rPr lang="zh-TW" altLang="en-US" dirty="0" smtClean="0"/>
-              <a:t>之工作</a:t>
-            </a:r>
-            <a:r>
-              <a:rPr lang="en-US" altLang="zh-TW" dirty="0" smtClean="0"/>
-              <a:t>A</a:t>
-            </a:r>
-            <a:r>
-              <a:rPr lang="zh-TW" altLang="en-US" dirty="0" smtClean="0"/>
-              <a:t>，然後再次判斷，再次成立就再執行一次，因此可以多次執行。</a:t>
-            </a:r>
-            <a:endParaRPr lang="zh-TW" altLang="en-US" dirty="0"/>
-          </a:p>
-        </p:txBody>
-      </p:sp>
-      <p:sp>
-        <p:nvSpPr>
-          <p:cNvPr id="4" name="圓角矩形 3"/>
-          <p:cNvSpPr/>
-          <p:nvPr/>
-        </p:nvSpPr>
-        <p:spPr>
-          <a:xfrm>
-            <a:off x="7672508" y="1404154"/>
-            <a:ext cx="1143000" cy="392176"/>
-          </a:xfrm>
-          <a:prstGeom prst="roundRect">
-            <a:avLst>
-              <a:gd name="adj" fmla="val 50000"/>
-            </a:avLst>
-          </a:prstGeom>
-          <a:solidFill>
-            <a:schemeClr val="bg1"/>
-          </a:solidFill>
-          <a:ln>
-            <a:solidFill>
-              <a:schemeClr val="tx1"/>
-            </a:solidFill>
-          </a:ln>
-        </p:spPr>
-        <p:style>
-          <a:lnRef idx="2">
-            <a:schemeClr val="accent1">
-              <a:shade val="50000"/>
-            </a:schemeClr>
-          </a:lnRef>
-          <a:fillRef idx="1">
-            <a:schemeClr val="accent1"/>
-          </a:fillRef>
-          <a:effectRef idx="0">
-            <a:schemeClr val="accent1"/>
-          </a:effectRef>
-          <a:fontRef idx="minor">
-            <a:schemeClr val="lt1"/>
-          </a:fontRef>
-        </p:style>
-        <p:txBody>
-          <a:bodyPr rtlCol="0" anchor="ctr"/>
-          <a:lstStyle/>
-          <a:p>
-            <a:pPr algn="ctr"/>
-            <a:r>
-              <a:rPr lang="zh-TW" altLang="en-US" dirty="0" smtClean="0">
-                <a:solidFill>
-                  <a:schemeClr val="tx1"/>
-                </a:solidFill>
-              </a:rPr>
-              <a:t>開始</a:t>
-            </a:r>
-            <a:endParaRPr lang="zh-TW" altLang="en-US" dirty="0">
-              <a:solidFill>
-                <a:schemeClr val="tx1"/>
-              </a:solidFill>
-            </a:endParaRPr>
-          </a:p>
-        </p:txBody>
-      </p:sp>
-      <p:sp>
-        <p:nvSpPr>
-          <p:cNvPr id="5" name="矩形 4"/>
-          <p:cNvSpPr/>
-          <p:nvPr/>
-        </p:nvSpPr>
-        <p:spPr>
-          <a:xfrm>
-            <a:off x="7608501" y="4319687"/>
-            <a:ext cx="1271016" cy="758758"/>
-          </a:xfrm>
-          <a:prstGeom prst="rect">
-            <a:avLst/>
-          </a:prstGeom>
-          <a:solidFill>
-            <a:schemeClr val="bg1"/>
-          </a:solidFill>
-          <a:ln>
-            <a:solidFill>
-              <a:schemeClr val="tx1"/>
-            </a:solidFill>
-          </a:ln>
-        </p:spPr>
-        <p:style>
-          <a:lnRef idx="2">
-            <a:schemeClr val="accent1">
-              <a:shade val="50000"/>
-            </a:schemeClr>
-          </a:lnRef>
-          <a:fillRef idx="1">
-            <a:schemeClr val="accent1"/>
-          </a:fillRef>
-          <a:effectRef idx="0">
-            <a:schemeClr val="accent1"/>
-          </a:effectRef>
-          <a:fontRef idx="minor">
-            <a:schemeClr val="lt1"/>
-          </a:fontRef>
-        </p:style>
-        <p:txBody>
-          <a:bodyPr rtlCol="0" anchor="ctr"/>
-          <a:lstStyle/>
-          <a:p>
-            <a:pPr algn="ctr"/>
-            <a:r>
-              <a:rPr lang="zh-TW" altLang="en-US" dirty="0" smtClean="0">
-                <a:solidFill>
-                  <a:schemeClr val="tx1"/>
-                </a:solidFill>
-              </a:rPr>
-              <a:t>工作</a:t>
-            </a:r>
-            <a:r>
-              <a:rPr lang="en-US" altLang="zh-TW" dirty="0">
-                <a:solidFill>
-                  <a:schemeClr val="tx1"/>
-                </a:solidFill>
-              </a:rPr>
-              <a:t>B</a:t>
-            </a:r>
-            <a:endParaRPr lang="zh-TW" altLang="en-US" dirty="0">
-              <a:solidFill>
-                <a:schemeClr val="tx1"/>
-              </a:solidFill>
-            </a:endParaRPr>
-          </a:p>
-        </p:txBody>
-      </p:sp>
-      <p:cxnSp>
-        <p:nvCxnSpPr>
-          <p:cNvPr id="6" name="直線單箭頭接點 5"/>
-          <p:cNvCxnSpPr>
-            <a:stCxn id="4" idx="2"/>
-            <a:endCxn id="12" idx="0"/>
-          </p:cNvCxnSpPr>
-          <p:nvPr/>
-        </p:nvCxnSpPr>
-        <p:spPr>
-          <a:xfrm>
-            <a:off x="8244008" y="1796330"/>
-            <a:ext cx="0" cy="1175587"/>
-          </a:xfrm>
-          <a:prstGeom prst="straightConnector1">
-            <a:avLst/>
-          </a:prstGeom>
-          <a:ln w="28575">
-            <a:solidFill>
-              <a:schemeClr val="tx1"/>
-            </a:solidFill>
-            <a:headEnd type="none" w="med" len="med"/>
-            <a:tailEnd type="triangle" w="med" len="med"/>
-          </a:ln>
-        </p:spPr>
-        <p:style>
-          <a:lnRef idx="1">
-            <a:schemeClr val="accent1"/>
-          </a:lnRef>
-          <a:fillRef idx="0">
-            <a:schemeClr val="accent1"/>
-          </a:fillRef>
-          <a:effectRef idx="0">
-            <a:schemeClr val="accent1"/>
-          </a:effectRef>
-          <a:fontRef idx="minor">
-            <a:schemeClr val="tx1"/>
-          </a:fontRef>
-        </p:style>
-      </p:cxnSp>
-      <p:cxnSp>
-        <p:nvCxnSpPr>
-          <p:cNvPr id="9" name="直線單箭頭接點 8"/>
-          <p:cNvCxnSpPr>
-            <a:stCxn id="12" idx="2"/>
-            <a:endCxn id="5" idx="0"/>
-          </p:cNvCxnSpPr>
-          <p:nvPr/>
-        </p:nvCxnSpPr>
-        <p:spPr>
-          <a:xfrm>
-            <a:off x="8244008" y="3835883"/>
-            <a:ext cx="1" cy="483804"/>
-          </a:xfrm>
-          <a:prstGeom prst="straightConnector1">
-            <a:avLst/>
-          </a:prstGeom>
-          <a:ln w="28575">
-            <a:solidFill>
-              <a:schemeClr val="tx1"/>
-            </a:solidFill>
-            <a:headEnd type="none" w="med" len="med"/>
-            <a:tailEnd type="triangle" w="med" len="med"/>
-          </a:ln>
-        </p:spPr>
-        <p:style>
-          <a:lnRef idx="1">
-            <a:schemeClr val="accent1"/>
-          </a:lnRef>
-          <a:fillRef idx="0">
-            <a:schemeClr val="accent1"/>
-          </a:fillRef>
-          <a:effectRef idx="0">
-            <a:schemeClr val="accent1"/>
-          </a:effectRef>
-          <a:fontRef idx="minor">
-            <a:schemeClr val="tx1"/>
-          </a:fontRef>
-        </p:style>
-      </p:cxnSp>
-      <p:cxnSp>
-        <p:nvCxnSpPr>
-          <p:cNvPr id="10" name="直線單箭頭接點 9"/>
-          <p:cNvCxnSpPr>
-            <a:stCxn id="5" idx="2"/>
-            <a:endCxn id="11" idx="0"/>
-          </p:cNvCxnSpPr>
-          <p:nvPr/>
-        </p:nvCxnSpPr>
-        <p:spPr>
-          <a:xfrm flipH="1">
-            <a:off x="8244008" y="5078445"/>
-            <a:ext cx="1" cy="570741"/>
-          </a:xfrm>
-          <a:prstGeom prst="straightConnector1">
-            <a:avLst/>
-          </a:prstGeom>
-          <a:ln w="28575">
-            <a:solidFill>
-              <a:schemeClr val="tx1"/>
-            </a:solidFill>
-            <a:headEnd type="none" w="med" len="med"/>
-            <a:tailEnd type="triangle" w="med" len="med"/>
-          </a:ln>
-        </p:spPr>
-        <p:style>
-          <a:lnRef idx="1">
-            <a:schemeClr val="accent1"/>
-          </a:lnRef>
-          <a:fillRef idx="0">
-            <a:schemeClr val="accent1"/>
-          </a:fillRef>
-          <a:effectRef idx="0">
-            <a:schemeClr val="accent1"/>
-          </a:effectRef>
-          <a:fontRef idx="minor">
-            <a:schemeClr val="tx1"/>
-          </a:fontRef>
-        </p:style>
-      </p:cxnSp>
-      <p:sp>
-        <p:nvSpPr>
-          <p:cNvPr id="11" name="圓角矩形 10"/>
-          <p:cNvSpPr/>
-          <p:nvPr/>
-        </p:nvSpPr>
-        <p:spPr>
-          <a:xfrm>
-            <a:off x="7672508" y="5649186"/>
-            <a:ext cx="1143000" cy="392176"/>
-          </a:xfrm>
-          <a:prstGeom prst="roundRect">
-            <a:avLst>
-              <a:gd name="adj" fmla="val 50000"/>
-            </a:avLst>
-          </a:prstGeom>
-          <a:solidFill>
-            <a:schemeClr val="bg1"/>
-          </a:solidFill>
-          <a:ln>
-            <a:solidFill>
-              <a:schemeClr val="tx1"/>
-            </a:solidFill>
-          </a:ln>
-        </p:spPr>
-        <p:style>
-          <a:lnRef idx="2">
-            <a:schemeClr val="accent1">
-              <a:shade val="50000"/>
-            </a:schemeClr>
-          </a:lnRef>
-          <a:fillRef idx="1">
-            <a:schemeClr val="accent1"/>
-          </a:fillRef>
-          <a:effectRef idx="0">
-            <a:schemeClr val="accent1"/>
-          </a:effectRef>
-          <a:fontRef idx="minor">
-            <a:schemeClr val="lt1"/>
-          </a:fontRef>
-        </p:style>
-        <p:txBody>
-          <a:bodyPr rtlCol="0" anchor="ctr"/>
-          <a:lstStyle/>
-          <a:p>
-            <a:pPr algn="ctr"/>
-            <a:r>
-              <a:rPr lang="zh-TW" altLang="en-US" dirty="0">
-                <a:solidFill>
-                  <a:schemeClr val="tx1"/>
-                </a:solidFill>
-              </a:rPr>
-              <a:t>結束</a:t>
-            </a:r>
-          </a:p>
-        </p:txBody>
-      </p:sp>
-      <p:sp>
-        <p:nvSpPr>
-          <p:cNvPr id="12" name="菱形 11"/>
-          <p:cNvSpPr/>
-          <p:nvPr/>
-        </p:nvSpPr>
-        <p:spPr>
-          <a:xfrm>
-            <a:off x="7027856" y="2971917"/>
-            <a:ext cx="2432304" cy="863966"/>
-          </a:xfrm>
-          <a:prstGeom prst="diamond">
-            <a:avLst/>
-          </a:prstGeom>
-          <a:solidFill>
-            <a:schemeClr val="bg1"/>
-          </a:solidFill>
-          <a:ln>
-            <a:solidFill>
-              <a:schemeClr val="tx1"/>
-            </a:solidFill>
-          </a:ln>
-        </p:spPr>
-        <p:style>
-          <a:lnRef idx="2">
-            <a:schemeClr val="accent1">
-              <a:shade val="50000"/>
-            </a:schemeClr>
-          </a:lnRef>
-          <a:fillRef idx="1">
-            <a:schemeClr val="accent1"/>
-          </a:fillRef>
-          <a:effectRef idx="0">
-            <a:schemeClr val="accent1"/>
-          </a:effectRef>
-          <a:fontRef idx="minor">
-            <a:schemeClr val="lt1"/>
-          </a:fontRef>
-        </p:style>
-        <p:txBody>
-          <a:bodyPr rtlCol="0" anchor="ctr"/>
-          <a:lstStyle/>
-          <a:p>
-            <a:pPr algn="ctr"/>
-            <a:r>
-              <a:rPr lang="zh-TW" altLang="en-US" dirty="0" smtClean="0">
-                <a:solidFill>
-                  <a:schemeClr val="tx1"/>
-                </a:solidFill>
-              </a:rPr>
-              <a:t>判斷條件</a:t>
-            </a:r>
-            <a:endParaRPr lang="zh-TW" altLang="en-US" dirty="0">
-              <a:solidFill>
-                <a:schemeClr val="tx1"/>
-              </a:solidFill>
-            </a:endParaRPr>
-          </a:p>
-        </p:txBody>
-      </p:sp>
-      <p:cxnSp>
-        <p:nvCxnSpPr>
-          <p:cNvPr id="13" name="肘形接點 12"/>
-          <p:cNvCxnSpPr>
-            <a:stCxn id="33" idx="0"/>
-          </p:cNvCxnSpPr>
-          <p:nvPr/>
-        </p:nvCxnSpPr>
-        <p:spPr>
-          <a:xfrm rot="16200000" flipV="1">
-            <a:off x="9272510" y="1502860"/>
-            <a:ext cx="553600" cy="2524106"/>
-          </a:xfrm>
-          <a:prstGeom prst="bentConnector2">
-            <a:avLst/>
-          </a:prstGeom>
-          <a:ln w="38100">
-            <a:solidFill>
-              <a:srgbClr val="FF0000"/>
-            </a:solidFill>
-            <a:tailEnd type="triangle"/>
-          </a:ln>
-        </p:spPr>
-        <p:style>
-          <a:lnRef idx="1">
-            <a:schemeClr val="accent1"/>
-          </a:lnRef>
-          <a:fillRef idx="0">
-            <a:schemeClr val="accent1"/>
-          </a:fillRef>
-          <a:effectRef idx="0">
-            <a:schemeClr val="accent1"/>
-          </a:effectRef>
-          <a:fontRef idx="minor">
-            <a:schemeClr val="tx1"/>
-          </a:fontRef>
-        </p:style>
-      </p:cxnSp>
-      <p:sp>
-        <p:nvSpPr>
-          <p:cNvPr id="15" name="文字方塊 14"/>
-          <p:cNvSpPr txBox="1"/>
-          <p:nvPr/>
-        </p:nvSpPr>
-        <p:spPr>
-          <a:xfrm>
-            <a:off x="9409086" y="3034568"/>
-            <a:ext cx="636969" cy="369332"/>
-          </a:xfrm>
-          <a:prstGeom prst="rect">
-            <a:avLst/>
-          </a:prstGeom>
-          <a:noFill/>
-        </p:spPr>
-        <p:txBody>
-          <a:bodyPr wrap="none" rtlCol="0">
-            <a:spAutoFit/>
-          </a:bodyPr>
-          <a:lstStyle/>
-          <a:p>
-            <a:r>
-              <a:rPr lang="en-US" altLang="zh-TW" dirty="0" smtClean="0"/>
-              <a:t>True</a:t>
-            </a:r>
-            <a:endParaRPr lang="zh-TW" altLang="en-US" dirty="0"/>
-          </a:p>
-        </p:txBody>
-      </p:sp>
-      <p:sp>
-        <p:nvSpPr>
-          <p:cNvPr id="16" name="文字方塊 15"/>
-          <p:cNvSpPr txBox="1"/>
-          <p:nvPr/>
-        </p:nvSpPr>
-        <p:spPr>
-          <a:xfrm>
-            <a:off x="8248022" y="3865982"/>
-            <a:ext cx="715260" cy="369332"/>
-          </a:xfrm>
-          <a:prstGeom prst="rect">
-            <a:avLst/>
-          </a:prstGeom>
-          <a:noFill/>
-        </p:spPr>
-        <p:txBody>
-          <a:bodyPr wrap="none" rtlCol="0">
-            <a:spAutoFit/>
-          </a:bodyPr>
-          <a:lstStyle/>
-          <a:p>
-            <a:r>
-              <a:rPr lang="en-US" altLang="zh-TW" dirty="0" smtClean="0"/>
-              <a:t>False</a:t>
-            </a:r>
-            <a:endParaRPr lang="zh-TW" altLang="en-US" dirty="0"/>
-          </a:p>
-        </p:txBody>
-      </p:sp>
-      <p:sp>
-        <p:nvSpPr>
-          <p:cNvPr id="17" name="文字方塊 16"/>
-          <p:cNvSpPr txBox="1"/>
-          <p:nvPr/>
-        </p:nvSpPr>
-        <p:spPr>
-          <a:xfrm>
-            <a:off x="8210475" y="1862790"/>
-            <a:ext cx="476412" cy="369332"/>
-          </a:xfrm>
-          <a:prstGeom prst="rect">
-            <a:avLst/>
-          </a:prstGeom>
-          <a:noFill/>
-        </p:spPr>
-        <p:txBody>
-          <a:bodyPr wrap="none" rtlCol="0">
-            <a:spAutoFit/>
-          </a:bodyPr>
-          <a:lstStyle/>
-          <a:p>
-            <a:r>
-              <a:rPr lang="en-US" altLang="zh-TW" dirty="0" smtClean="0">
-                <a:solidFill>
-                  <a:srgbClr val="0070C0"/>
-                </a:solidFill>
-              </a:rPr>
-              <a:t>(1)</a:t>
-            </a:r>
-            <a:endParaRPr lang="zh-TW" altLang="en-US" dirty="0">
-              <a:solidFill>
-                <a:srgbClr val="0070C0"/>
-              </a:solidFill>
-            </a:endParaRPr>
-          </a:p>
-        </p:txBody>
-      </p:sp>
-      <p:sp>
-        <p:nvSpPr>
-          <p:cNvPr id="18" name="文字方塊 17"/>
-          <p:cNvSpPr txBox="1"/>
-          <p:nvPr/>
-        </p:nvSpPr>
-        <p:spPr>
-          <a:xfrm>
-            <a:off x="7980265" y="2955454"/>
-            <a:ext cx="476412" cy="369332"/>
-          </a:xfrm>
-          <a:prstGeom prst="rect">
-            <a:avLst/>
-          </a:prstGeom>
-          <a:noFill/>
-        </p:spPr>
-        <p:txBody>
-          <a:bodyPr wrap="none" rtlCol="0">
-            <a:spAutoFit/>
-          </a:bodyPr>
-          <a:lstStyle/>
-          <a:p>
-            <a:r>
-              <a:rPr lang="en-US" altLang="zh-TW" dirty="0" smtClean="0">
-                <a:solidFill>
-                  <a:srgbClr val="FF0000"/>
-                </a:solidFill>
-              </a:rPr>
-              <a:t>(2)</a:t>
-            </a:r>
-            <a:endParaRPr lang="zh-TW" altLang="en-US" dirty="0">
-              <a:solidFill>
-                <a:srgbClr val="FF0000"/>
-              </a:solidFill>
-            </a:endParaRPr>
-          </a:p>
-        </p:txBody>
-      </p:sp>
-      <p:sp>
-        <p:nvSpPr>
-          <p:cNvPr id="31" name="文字方塊 30"/>
-          <p:cNvSpPr txBox="1"/>
-          <p:nvPr/>
-        </p:nvSpPr>
-        <p:spPr>
-          <a:xfrm>
-            <a:off x="7993150" y="4244288"/>
-            <a:ext cx="476412" cy="369332"/>
-          </a:xfrm>
-          <a:prstGeom prst="rect">
-            <a:avLst/>
-          </a:prstGeom>
-          <a:noFill/>
-        </p:spPr>
-        <p:txBody>
-          <a:bodyPr wrap="none" rtlCol="0">
-            <a:spAutoFit/>
-          </a:bodyPr>
-          <a:lstStyle/>
-          <a:p>
-            <a:r>
-              <a:rPr lang="en-US" altLang="zh-TW" dirty="0" smtClean="0">
-                <a:solidFill>
-                  <a:srgbClr val="FF0000"/>
-                </a:solidFill>
-              </a:rPr>
-              <a:t>(4)</a:t>
-            </a:r>
-            <a:endParaRPr lang="zh-TW" altLang="en-US" dirty="0">
-              <a:solidFill>
-                <a:srgbClr val="FF0000"/>
-              </a:solidFill>
-            </a:endParaRPr>
-          </a:p>
-        </p:txBody>
-      </p:sp>
-      <p:sp>
-        <p:nvSpPr>
-          <p:cNvPr id="33" name="矩形 32"/>
-          <p:cNvSpPr/>
-          <p:nvPr/>
-        </p:nvSpPr>
-        <p:spPr>
-          <a:xfrm>
-            <a:off x="10175855" y="3041713"/>
-            <a:ext cx="1271016" cy="758758"/>
-          </a:xfrm>
-          <a:prstGeom prst="rect">
-            <a:avLst/>
-          </a:prstGeom>
-          <a:solidFill>
-            <a:schemeClr val="bg1"/>
-          </a:solidFill>
-          <a:ln>
-            <a:solidFill>
-              <a:schemeClr val="tx1"/>
-            </a:solidFill>
-          </a:ln>
-        </p:spPr>
-        <p:style>
-          <a:lnRef idx="2">
-            <a:schemeClr val="accent1">
-              <a:shade val="50000"/>
-            </a:schemeClr>
-          </a:lnRef>
-          <a:fillRef idx="1">
-            <a:schemeClr val="accent1"/>
-          </a:fillRef>
-          <a:effectRef idx="0">
-            <a:schemeClr val="accent1"/>
-          </a:effectRef>
-          <a:fontRef idx="minor">
-            <a:schemeClr val="lt1"/>
-          </a:fontRef>
-        </p:style>
-        <p:txBody>
-          <a:bodyPr rtlCol="0" anchor="ctr"/>
-          <a:lstStyle/>
-          <a:p>
-            <a:pPr algn="ctr"/>
-            <a:r>
-              <a:rPr lang="zh-TW" altLang="en-US" dirty="0" smtClean="0">
-                <a:solidFill>
-                  <a:schemeClr val="tx1"/>
-                </a:solidFill>
-              </a:rPr>
-              <a:t>會重複的</a:t>
-            </a:r>
-            <a:endParaRPr lang="en-US" altLang="zh-TW" dirty="0" smtClean="0">
-              <a:solidFill>
-                <a:schemeClr val="tx1"/>
-              </a:solidFill>
-            </a:endParaRPr>
-          </a:p>
-          <a:p>
-            <a:pPr algn="ctr"/>
-            <a:r>
-              <a:rPr lang="zh-TW" altLang="en-US" dirty="0" smtClean="0">
-                <a:solidFill>
-                  <a:schemeClr val="tx1"/>
-                </a:solidFill>
-              </a:rPr>
-              <a:t>工作</a:t>
-            </a:r>
-            <a:r>
-              <a:rPr lang="en-US" altLang="zh-TW" dirty="0" smtClean="0">
-                <a:solidFill>
-                  <a:schemeClr val="tx1"/>
-                </a:solidFill>
-              </a:rPr>
-              <a:t>A</a:t>
-            </a:r>
-            <a:endParaRPr lang="zh-TW" altLang="en-US" dirty="0">
-              <a:solidFill>
-                <a:schemeClr val="tx1"/>
-              </a:solidFill>
-            </a:endParaRPr>
-          </a:p>
-        </p:txBody>
-      </p:sp>
-      <p:cxnSp>
-        <p:nvCxnSpPr>
-          <p:cNvPr id="35" name="直線單箭頭接點 34"/>
-          <p:cNvCxnSpPr>
-            <a:stCxn id="12" idx="3"/>
-            <a:endCxn id="33" idx="1"/>
-          </p:cNvCxnSpPr>
-          <p:nvPr/>
-        </p:nvCxnSpPr>
-        <p:spPr>
-          <a:xfrm>
-            <a:off x="9460160" y="3403900"/>
-            <a:ext cx="715695" cy="17192"/>
-          </a:xfrm>
-          <a:prstGeom prst="straightConnector1">
-            <a:avLst/>
-          </a:prstGeom>
-          <a:ln w="28575">
-            <a:solidFill>
-              <a:schemeClr val="tx1"/>
-            </a:solidFill>
-            <a:headEnd type="none" w="med" len="med"/>
-            <a:tailEnd type="triangle" w="med" len="med"/>
-          </a:ln>
-        </p:spPr>
-        <p:style>
-          <a:lnRef idx="1">
-            <a:schemeClr val="accent1"/>
-          </a:lnRef>
-          <a:fillRef idx="0">
-            <a:schemeClr val="accent1"/>
-          </a:fillRef>
-          <a:effectRef idx="0">
-            <a:schemeClr val="accent1"/>
-          </a:effectRef>
-          <a:fontRef idx="minor">
-            <a:schemeClr val="tx1"/>
-          </a:fontRef>
-        </p:style>
-      </p:cxnSp>
-      <p:sp>
-        <p:nvSpPr>
-          <p:cNvPr id="19" name="文字方塊 18"/>
-          <p:cNvSpPr txBox="1"/>
-          <p:nvPr/>
-        </p:nvSpPr>
-        <p:spPr>
-          <a:xfrm>
-            <a:off x="10573157" y="2971917"/>
-            <a:ext cx="476412" cy="369332"/>
-          </a:xfrm>
-          <a:prstGeom prst="rect">
-            <a:avLst/>
-          </a:prstGeom>
-          <a:noFill/>
-        </p:spPr>
-        <p:txBody>
-          <a:bodyPr wrap="none" rtlCol="0">
-            <a:spAutoFit/>
-          </a:bodyPr>
-          <a:lstStyle/>
-          <a:p>
-            <a:r>
-              <a:rPr lang="en-US" altLang="zh-TW" dirty="0" smtClean="0">
-                <a:solidFill>
-                  <a:srgbClr val="FF0000"/>
-                </a:solidFill>
-              </a:rPr>
-              <a:t>(3)</a:t>
-            </a:r>
-            <a:endParaRPr lang="zh-TW" altLang="en-US" dirty="0">
-              <a:solidFill>
-                <a:srgbClr val="FF0000"/>
-              </a:solidFill>
-            </a:endParaRPr>
-          </a:p>
-        </p:txBody>
-      </p:sp>
-      <p:sp>
-        <p:nvSpPr>
-          <p:cNvPr id="7" name="矩形 6"/>
-          <p:cNvSpPr/>
-          <p:nvPr/>
-        </p:nvSpPr>
-        <p:spPr>
-          <a:xfrm>
-            <a:off x="2619293" y="1296431"/>
-            <a:ext cx="3416320" cy="523220"/>
-          </a:xfrm>
-          <a:prstGeom prst="rect">
-            <a:avLst/>
-          </a:prstGeom>
-        </p:spPr>
-        <p:txBody>
-          <a:bodyPr wrap="none">
-            <a:spAutoFit/>
-          </a:bodyPr>
-          <a:lstStyle/>
-          <a:p>
-            <a:r>
-              <a:rPr lang="zh-TW" altLang="en-US" sz="2800" b="1" dirty="0">
-                <a:solidFill>
-                  <a:srgbClr val="FF0000"/>
-                </a:solidFill>
-              </a:rPr>
-              <a:t>一般的高階語言說法</a:t>
-            </a:r>
-          </a:p>
-        </p:txBody>
-      </p:sp>
-    </p:spTree>
-    <p:extLst>
-      <p:ext uri="{BB962C8B-B14F-4D97-AF65-F5344CB8AC3E}">
-        <p14:creationId xmlns:p14="http://schemas.microsoft.com/office/powerpoint/2010/main" val="2434142800"/>
-      </p:ext>
-    </p:extLst>
-  </p:cSld>
-  <p:clrMapOvr>
-    <a:masterClrMapping/>
-  </p:clrMapOvr>
-  <p:timing>
-    <p:tnLst>
-      <p:par>
-        <p:cTn id="1" dur="indefinite" restart="never" nodeType="tmRoot">
-          <p:childTnLst>
-            <p:seq concurrent="1" nextAc="seek">
-              <p:cTn id="2" dur="indefinite" nodeType="mainSeq">
-                <p:childTnLst>
-                  <p:par>
-                    <p:cTn id="3" fill="hold">
-                      <p:stCondLst>
-                        <p:cond delay="indefinite"/>
-                      </p:stCondLst>
-                      <p:childTnLst>
-                        <p:par>
-                          <p:cTn id="4" fill="hold">
-                            <p:stCondLst>
-                              <p:cond delay="0"/>
-                            </p:stCondLst>
-                            <p:childTnLst>
-                              <p:par>
-                                <p:cTn id="5" presetID="1" presetClass="entr" presetSubtype="0" fill="hold" grpId="0" nodeType="clickEffect">
-                                  <p:stCondLst>
-                                    <p:cond delay="0"/>
-                                  </p:stCondLst>
-                                  <p:childTnLst>
-                                    <p:set>
-                                      <p:cBhvr>
-                                        <p:cTn id="6" dur="1" fill="hold">
-                                          <p:stCondLst>
-                                            <p:cond delay="0"/>
-                                          </p:stCondLst>
-                                        </p:cTn>
-                                        <p:tgtEl>
-                                          <p:spTgt spid="7"/>
-                                        </p:tgtEl>
-                                        <p:attrNameLst>
-                                          <p:attrName>style.visibility</p:attrName>
-                                        </p:attrNameLst>
-                                      </p:cBhvr>
-                                      <p:to>
-                                        <p:strVal val="visible"/>
-                                      </p:to>
-                                    </p:set>
-                                  </p:childTnLst>
-                                </p:cTn>
-                              </p:par>
-                            </p:childTnLst>
-                          </p:cTn>
-                        </p:par>
-                      </p:childTnLst>
-                    </p:cTn>
-                  </p:par>
-                </p:childTnLst>
-              </p:cTn>
-              <p:prevCondLst>
-                <p:cond evt="onPrev" delay="0">
-                  <p:tgtEl>
-                    <p:sldTgt/>
-                  </p:tgtEl>
-                </p:cond>
-              </p:prevCondLst>
-              <p:nextCondLst>
-                <p:cond evt="onNext" delay="0">
-                  <p:tgtEl>
-                    <p:sldTgt/>
-                  </p:tgtEl>
-                </p:cond>
-              </p:nextCondLst>
-            </p:seq>
-          </p:childTnLst>
-        </p:cTn>
-      </p:par>
-    </p:tnLst>
-    <p:bldLst>
-      <p:bldP spid="7" grpId="0"/>
-    </p:bldLst>
-  </p:timing>
-</p:sld>
-</file>
-
-<file path=ppt/slides/slide20.xml><?xml version="1.0" encoding="utf-8"?>
+<file path=ppt/slides/slide24.xml><?xml version="1.0" encoding="utf-8"?>
 <p:sld xmlns:a="http://schemas.openxmlformats.org/drawingml/2006/main" xmlns:r="http://schemas.openxmlformats.org/officeDocument/2006/relationships" xmlns:p="http://schemas.openxmlformats.org/presentationml/2006/main">
   <p:cSld>
     <p:spTree>
@@ -13904,7 +15529,7 @@
 </p:sld>
 </file>
 
-<file path=ppt/slides/slide21.xml><?xml version="1.0" encoding="utf-8"?>
+<file path=ppt/slides/slide25.xml><?xml version="1.0" encoding="utf-8"?>
 <p:sld xmlns:a="http://schemas.openxmlformats.org/drawingml/2006/main" xmlns:r="http://schemas.openxmlformats.org/officeDocument/2006/relationships" xmlns:p="http://schemas.openxmlformats.org/presentationml/2006/main">
   <p:cSld>
     <p:spTree>
@@ -16594,7 +18219,7 @@
 </p:sld>
 </file>
 
-<file path=ppt/slides/slide22.xml><?xml version="1.0" encoding="utf-8"?>
+<file path=ppt/slides/slide26.xml><?xml version="1.0" encoding="utf-8"?>
 <p:sld xmlns:a="http://schemas.openxmlformats.org/drawingml/2006/main" xmlns:r="http://schemas.openxmlformats.org/officeDocument/2006/relationships" xmlns:p="http://schemas.openxmlformats.org/presentationml/2006/main">
   <p:cSld>
     <p:spTree>
@@ -17114,7 +18739,7 @@
 </p:sld>
 </file>
 
-<file path=ppt/slides/slide23.xml><?xml version="1.0" encoding="utf-8"?>
+<file path=ppt/slides/slide27.xml><?xml version="1.0" encoding="utf-8"?>
 <p:sld xmlns:a="http://schemas.openxmlformats.org/drawingml/2006/main" xmlns:r="http://schemas.openxmlformats.org/officeDocument/2006/relationships" xmlns:p="http://schemas.openxmlformats.org/presentationml/2006/main">
   <p:cSld>
     <p:spTree>
@@ -19900,7 +21525,7 @@
 </p:sld>
 </file>
 
-<file path=ppt/slides/slide24.xml><?xml version="1.0" encoding="utf-8"?>
+<file path=ppt/slides/slide28.xml><?xml version="1.0" encoding="utf-8"?>
 <p:sld xmlns:a="http://schemas.openxmlformats.org/drawingml/2006/main" xmlns:r="http://schemas.openxmlformats.org/officeDocument/2006/relationships" xmlns:p="http://schemas.openxmlformats.org/presentationml/2006/main">
   <p:cSld>
     <p:spTree>
@@ -20404,7 +22029,7 @@
 </p:sld>
 </file>
 
-<file path=ppt/slides/slide25.xml><?xml version="1.0" encoding="utf-8"?>
+<file path=ppt/slides/slide29.xml><?xml version="1.0" encoding="utf-8"?>
 <p:sld xmlns:a="http://schemas.openxmlformats.org/drawingml/2006/main" xmlns:r="http://schemas.openxmlformats.org/officeDocument/2006/relationships" xmlns:p="http://schemas.openxmlformats.org/presentationml/2006/main">
   <p:cSld>
     <p:spTree>
@@ -23498,7 +25123,176 @@
 </p:sld>
 </file>
 
-<file path=ppt/slides/slide26.xml><?xml version="1.0" encoding="utf-8"?>
+<file path=ppt/slides/slide3.xml><?xml version="1.0" encoding="utf-8"?>
+<p:sld xmlns:a="http://schemas.openxmlformats.org/drawingml/2006/main" xmlns:r="http://schemas.openxmlformats.org/officeDocument/2006/relationships" xmlns:p="http://schemas.openxmlformats.org/presentationml/2006/main">
+  <p:cSld>
+    <p:spTree>
+      <p:nvGrpSpPr>
+        <p:cNvPr id="1" name=""/>
+        <p:cNvGrpSpPr/>
+        <p:nvPr/>
+      </p:nvGrpSpPr>
+      <p:grpSpPr>
+        <a:xfrm>
+          <a:off x="0" y="0"/>
+          <a:ext cx="0" cy="0"/>
+          <a:chOff x="0" y="0"/>
+          <a:chExt cx="0" cy="0"/>
+        </a:xfrm>
+      </p:grpSpPr>
+      <p:sp>
+        <p:nvSpPr>
+          <p:cNvPr id="4" name="標題 3"/>
+          <p:cNvSpPr>
+            <a:spLocks noGrp="1"/>
+          </p:cNvSpPr>
+          <p:nvPr>
+            <p:ph type="title"/>
+          </p:nvPr>
+        </p:nvSpPr>
+        <p:spPr/>
+        <p:txBody>
+          <a:bodyPr/>
+          <a:lstStyle/>
+          <a:p>
+            <a:r>
+              <a:rPr lang="zh-TW" altLang="en-US" dirty="0"/>
+              <a:t>迴圈地獄</a:t>
+            </a:r>
+            <a:r>
+              <a:rPr lang="zh-TW" altLang="en-US" dirty="0" smtClean="0"/>
+              <a:t>第一層</a:t>
+            </a:r>
+            <a:r>
+              <a:rPr lang="en-US" altLang="zh-TW" dirty="0"/>
+              <a:t/>
+            </a:r>
+            <a:br>
+              <a:rPr lang="en-US" altLang="zh-TW" dirty="0"/>
+            </a:br>
+            <a:r>
+              <a:rPr lang="en-US" altLang="zh-TW" dirty="0" smtClean="0"/>
+              <a:t>for</a:t>
+            </a:r>
+            <a:r>
+              <a:rPr lang="zh-TW" altLang="en-US" dirty="0" smtClean="0"/>
+              <a:t>迴</a:t>
+            </a:r>
+            <a:r>
+              <a:rPr lang="zh-TW" altLang="en-US" dirty="0"/>
+              <a:t>圈</a:t>
+            </a:r>
+            <a:r>
+              <a:rPr lang="en-US" altLang="zh-TW" dirty="0" smtClean="0"/>
+              <a:t>----</a:t>
+            </a:r>
+            <a:r>
+              <a:rPr lang="zh-TW" altLang="en-US" b="1" dirty="0" smtClean="0">
+                <a:solidFill>
+                  <a:srgbClr val="FF0000"/>
+                </a:solidFill>
+              </a:rPr>
+              <a:t>固定</a:t>
+            </a:r>
+            <a:r>
+              <a:rPr lang="en-US" altLang="zh-TW" b="1" dirty="0" smtClean="0">
+                <a:solidFill>
+                  <a:srgbClr val="FF0000"/>
+                </a:solidFill>
+              </a:rPr>
+              <a:t>(</a:t>
+            </a:r>
+            <a:r>
+              <a:rPr lang="zh-TW" altLang="en-US" b="1" dirty="0" smtClean="0">
+                <a:solidFill>
+                  <a:srgbClr val="FF0000"/>
+                </a:solidFill>
+              </a:rPr>
+              <a:t>可預測</a:t>
+            </a:r>
+            <a:r>
+              <a:rPr lang="en-US" altLang="zh-TW" b="1" dirty="0" smtClean="0">
+                <a:solidFill>
+                  <a:srgbClr val="FF0000"/>
+                </a:solidFill>
+              </a:rPr>
+              <a:t>)</a:t>
+            </a:r>
+            <a:r>
+              <a:rPr lang="zh-TW" altLang="en-US" b="1" dirty="0" smtClean="0">
+                <a:solidFill>
+                  <a:srgbClr val="FF0000"/>
+                </a:solidFill>
+              </a:rPr>
+              <a:t>次數</a:t>
+            </a:r>
+            <a:r>
+              <a:rPr lang="zh-TW" altLang="en-US" dirty="0">
+                <a:solidFill>
+                  <a:srgbClr val="FF0000"/>
+                </a:solidFill>
+              </a:rPr>
+              <a:t>的迴圈</a:t>
+            </a:r>
+            <a:endParaRPr lang="zh-TW" altLang="en-US" dirty="0"/>
+          </a:p>
+        </p:txBody>
+      </p:sp>
+      <p:sp>
+        <p:nvSpPr>
+          <p:cNvPr id="5" name="文字版面配置區 4"/>
+          <p:cNvSpPr>
+            <a:spLocks noGrp="1"/>
+          </p:cNvSpPr>
+          <p:nvPr>
+            <p:ph type="body" idx="1"/>
+          </p:nvPr>
+        </p:nvSpPr>
+        <p:spPr/>
+        <p:txBody>
+          <a:bodyPr/>
+          <a:lstStyle/>
+          <a:p>
+            <a:r>
+              <a:rPr lang="zh-TW" altLang="en-US" dirty="0" smtClean="0"/>
+              <a:t>最重要的往往就是最難的。</a:t>
+            </a:r>
+            <a:endParaRPr lang="en-US" altLang="zh-TW" dirty="0" smtClean="0"/>
+          </a:p>
+          <a:p>
+            <a:r>
+              <a:rPr lang="zh-TW" altLang="en-US" dirty="0"/>
+              <a:t>最難</a:t>
+            </a:r>
+            <a:r>
+              <a:rPr lang="zh-TW" altLang="en-US" dirty="0" smtClean="0"/>
+              <a:t>的常常也可以很簡單！</a:t>
+            </a:r>
+            <a:endParaRPr lang="zh-TW" altLang="en-US" dirty="0"/>
+          </a:p>
+        </p:txBody>
+      </p:sp>
+    </p:spTree>
+    <p:extLst>
+      <p:ext uri="{BB962C8B-B14F-4D97-AF65-F5344CB8AC3E}">
+        <p14:creationId xmlns:p14="http://schemas.microsoft.com/office/powerpoint/2010/main" val="1715823309"/>
+      </p:ext>
+    </p:extLst>
+  </p:cSld>
+  <p:clrMapOvr>
+    <a:masterClrMapping/>
+  </p:clrMapOvr>
+  <p:timing>
+    <p:tnLst>
+      <p:par>
+        <p:cTn id="1" dur="indefinite" restart="never" nodeType="tmRoot"/>
+      </p:par>
+    </p:tnLst>
+  </p:timing>
+</p:sld>
+</file>
+
+<file path=ppt/slides/slide30.xml><?xml version="1.0" encoding="utf-8"?>
 <p:sld xmlns:a="http://schemas.openxmlformats.org/drawingml/2006/main" xmlns:r="http://schemas.openxmlformats.org/officeDocument/2006/relationships" xmlns:p="http://schemas.openxmlformats.org/presentationml/2006/main">
   <p:cSld>
     <p:spTree>
@@ -24053,7 +25847,7 @@
 </p:sld>
 </file>
 
-<file path=ppt/slides/slide27.xml><?xml version="1.0" encoding="utf-8"?>
+<file path=ppt/slides/slide31.xml><?xml version="1.0" encoding="utf-8"?>
 <p:sld xmlns:a="http://schemas.openxmlformats.org/drawingml/2006/main" xmlns:r="http://schemas.openxmlformats.org/officeDocument/2006/relationships" xmlns:p="http://schemas.openxmlformats.org/presentationml/2006/main">
   <p:cSld>
     <p:spTree>
@@ -24180,7 +25974,7 @@
 </p:sld>
 </file>
 
-<file path=ppt/slides/slide28.xml><?xml version="1.0" encoding="utf-8"?>
+<file path=ppt/slides/slide32.xml><?xml version="1.0" encoding="utf-8"?>
 <p:sld xmlns:a="http://schemas.openxmlformats.org/drawingml/2006/main" xmlns:r="http://schemas.openxmlformats.org/officeDocument/2006/relationships" xmlns:p="http://schemas.openxmlformats.org/presentationml/2006/main">
   <p:cSld>
     <p:spTree>
@@ -24974,7 +26768,7 @@
 </p:sld>
 </file>
 
-<file path=ppt/slides/slide29.xml><?xml version="1.0" encoding="utf-8"?>
+<file path=ppt/slides/slide33.xml><?xml version="1.0" encoding="utf-8"?>
 <p:sld xmlns:a="http://schemas.openxmlformats.org/drawingml/2006/main" xmlns:r="http://schemas.openxmlformats.org/officeDocument/2006/relationships" xmlns:p="http://schemas.openxmlformats.org/presentationml/2006/main">
   <p:cSld>
     <p:spTree>
@@ -25069,176 +26863,7 @@
 </p:sld>
 </file>
 
-<file path=ppt/slides/slide3.xml><?xml version="1.0" encoding="utf-8"?>
-<p:sld xmlns:a="http://schemas.openxmlformats.org/drawingml/2006/main" xmlns:r="http://schemas.openxmlformats.org/officeDocument/2006/relationships" xmlns:p="http://schemas.openxmlformats.org/presentationml/2006/main">
-  <p:cSld>
-    <p:spTree>
-      <p:nvGrpSpPr>
-        <p:cNvPr id="1" name=""/>
-        <p:cNvGrpSpPr/>
-        <p:nvPr/>
-      </p:nvGrpSpPr>
-      <p:grpSpPr>
-        <a:xfrm>
-          <a:off x="0" y="0"/>
-          <a:ext cx="0" cy="0"/>
-          <a:chOff x="0" y="0"/>
-          <a:chExt cx="0" cy="0"/>
-        </a:xfrm>
-      </p:grpSpPr>
-      <p:sp>
-        <p:nvSpPr>
-          <p:cNvPr id="4" name="標題 3"/>
-          <p:cNvSpPr>
-            <a:spLocks noGrp="1"/>
-          </p:cNvSpPr>
-          <p:nvPr>
-            <p:ph type="title"/>
-          </p:nvPr>
-        </p:nvSpPr>
-        <p:spPr/>
-        <p:txBody>
-          <a:bodyPr/>
-          <a:lstStyle/>
-          <a:p>
-            <a:r>
-              <a:rPr lang="zh-TW" altLang="en-US" dirty="0"/>
-              <a:t>迴圈地獄</a:t>
-            </a:r>
-            <a:r>
-              <a:rPr lang="zh-TW" altLang="en-US" dirty="0" smtClean="0"/>
-              <a:t>第一層</a:t>
-            </a:r>
-            <a:r>
-              <a:rPr lang="en-US" altLang="zh-TW" dirty="0"/>
-              <a:t/>
-            </a:r>
-            <a:br>
-              <a:rPr lang="en-US" altLang="zh-TW" dirty="0"/>
-            </a:br>
-            <a:r>
-              <a:rPr lang="en-US" altLang="zh-TW" dirty="0" smtClean="0"/>
-              <a:t>for</a:t>
-            </a:r>
-            <a:r>
-              <a:rPr lang="zh-TW" altLang="en-US" dirty="0" smtClean="0"/>
-              <a:t>迴</a:t>
-            </a:r>
-            <a:r>
-              <a:rPr lang="zh-TW" altLang="en-US" dirty="0"/>
-              <a:t>圈</a:t>
-            </a:r>
-            <a:r>
-              <a:rPr lang="en-US" altLang="zh-TW" dirty="0" smtClean="0"/>
-              <a:t>----</a:t>
-            </a:r>
-            <a:r>
-              <a:rPr lang="zh-TW" altLang="en-US" b="1" dirty="0" smtClean="0">
-                <a:solidFill>
-                  <a:srgbClr val="FF0000"/>
-                </a:solidFill>
-              </a:rPr>
-              <a:t>固定</a:t>
-            </a:r>
-            <a:r>
-              <a:rPr lang="en-US" altLang="zh-TW" b="1" dirty="0" smtClean="0">
-                <a:solidFill>
-                  <a:srgbClr val="FF0000"/>
-                </a:solidFill>
-              </a:rPr>
-              <a:t>(</a:t>
-            </a:r>
-            <a:r>
-              <a:rPr lang="zh-TW" altLang="en-US" b="1" dirty="0" smtClean="0">
-                <a:solidFill>
-                  <a:srgbClr val="FF0000"/>
-                </a:solidFill>
-              </a:rPr>
-              <a:t>可預測</a:t>
-            </a:r>
-            <a:r>
-              <a:rPr lang="en-US" altLang="zh-TW" b="1" dirty="0" smtClean="0">
-                <a:solidFill>
-                  <a:srgbClr val="FF0000"/>
-                </a:solidFill>
-              </a:rPr>
-              <a:t>)</a:t>
-            </a:r>
-            <a:r>
-              <a:rPr lang="zh-TW" altLang="en-US" b="1" dirty="0" smtClean="0">
-                <a:solidFill>
-                  <a:srgbClr val="FF0000"/>
-                </a:solidFill>
-              </a:rPr>
-              <a:t>次數</a:t>
-            </a:r>
-            <a:r>
-              <a:rPr lang="zh-TW" altLang="en-US" dirty="0">
-                <a:solidFill>
-                  <a:srgbClr val="FF0000"/>
-                </a:solidFill>
-              </a:rPr>
-              <a:t>的迴圈</a:t>
-            </a:r>
-            <a:endParaRPr lang="zh-TW" altLang="en-US" dirty="0"/>
-          </a:p>
-        </p:txBody>
-      </p:sp>
-      <p:sp>
-        <p:nvSpPr>
-          <p:cNvPr id="5" name="文字版面配置區 4"/>
-          <p:cNvSpPr>
-            <a:spLocks noGrp="1"/>
-          </p:cNvSpPr>
-          <p:nvPr>
-            <p:ph type="body" idx="1"/>
-          </p:nvPr>
-        </p:nvSpPr>
-        <p:spPr/>
-        <p:txBody>
-          <a:bodyPr/>
-          <a:lstStyle/>
-          <a:p>
-            <a:r>
-              <a:rPr lang="zh-TW" altLang="en-US" dirty="0" smtClean="0"/>
-              <a:t>最重要的往往就是最難的。</a:t>
-            </a:r>
-            <a:endParaRPr lang="en-US" altLang="zh-TW" dirty="0" smtClean="0"/>
-          </a:p>
-          <a:p>
-            <a:r>
-              <a:rPr lang="zh-TW" altLang="en-US" dirty="0"/>
-              <a:t>最難</a:t>
-            </a:r>
-            <a:r>
-              <a:rPr lang="zh-TW" altLang="en-US" dirty="0" smtClean="0"/>
-              <a:t>的常常也可以很簡單！</a:t>
-            </a:r>
-            <a:endParaRPr lang="zh-TW" altLang="en-US" dirty="0"/>
-          </a:p>
-        </p:txBody>
-      </p:sp>
-    </p:spTree>
-    <p:extLst>
-      <p:ext uri="{BB962C8B-B14F-4D97-AF65-F5344CB8AC3E}">
-        <p14:creationId xmlns:p14="http://schemas.microsoft.com/office/powerpoint/2010/main" val="1715823309"/>
-      </p:ext>
-    </p:extLst>
-  </p:cSld>
-  <p:clrMapOvr>
-    <a:masterClrMapping/>
-  </p:clrMapOvr>
-  <p:timing>
-    <p:tnLst>
-      <p:par>
-        <p:cTn id="1" dur="indefinite" restart="never" nodeType="tmRoot"/>
-      </p:par>
-    </p:tnLst>
-  </p:timing>
-</p:sld>
-</file>
-
-<file path=ppt/slides/slide30.xml><?xml version="1.0" encoding="utf-8"?>
+<file path=ppt/slides/slide34.xml><?xml version="1.0" encoding="utf-8"?>
 <p:sld xmlns:a="http://schemas.openxmlformats.org/drawingml/2006/main" xmlns:r="http://schemas.openxmlformats.org/officeDocument/2006/relationships" xmlns:p="http://schemas.openxmlformats.org/presentationml/2006/main">
   <p:cSld>
     <p:spTree>
@@ -25401,7 +27026,7 @@
 </p:sld>
 </file>
 
-<file path=ppt/slides/slide31.xml><?xml version="1.0" encoding="utf-8"?>
+<file path=ppt/slides/slide35.xml><?xml version="1.0" encoding="utf-8"?>
 <p:sld xmlns:a="http://schemas.openxmlformats.org/drawingml/2006/main" xmlns:r="http://schemas.openxmlformats.org/officeDocument/2006/relationships" xmlns:p="http://schemas.openxmlformats.org/presentationml/2006/main">
   <p:cSld>
     <p:spTree>
@@ -25478,7 +27103,7 @@
           <a:lstStyle/>
           <a:p>
             <a:r>
-              <a:rPr lang="en-US" altLang="zh-TW" b="1" dirty="0">
+              <a:rPr lang="en-US" altLang="zh-TW" sz="2800" b="1" dirty="0">
                 <a:solidFill>
                   <a:srgbClr val="FF0000"/>
                 </a:solidFill>
@@ -25486,7 +27111,7 @@
               <a:t>Python</a:t>
             </a:r>
             <a:r>
-              <a:rPr lang="zh-TW" altLang="en-US" b="1" dirty="0">
+              <a:rPr lang="zh-TW" altLang="en-US" sz="2800" b="1" dirty="0">
                 <a:solidFill>
                   <a:srgbClr val="FF0000"/>
                 </a:solidFill>
@@ -25494,7 +27119,7 @@
               <a:t>中沒有</a:t>
             </a:r>
             <a:r>
-              <a:rPr lang="en-US" altLang="zh-TW" b="1" dirty="0">
+              <a:rPr lang="en-US" altLang="zh-TW" sz="2800" b="1" dirty="0">
                 <a:solidFill>
                   <a:srgbClr val="FF0000"/>
                 </a:solidFill>
@@ -25502,14 +27127,14 @@
               <a:t>do-while</a:t>
             </a:r>
             <a:r>
-              <a:rPr lang="zh-TW" altLang="en-US" b="1" dirty="0">
+              <a:rPr lang="zh-TW" altLang="en-US" sz="2800" b="1" dirty="0">
                 <a:solidFill>
                   <a:srgbClr val="FF0000"/>
                 </a:solidFill>
               </a:rPr>
               <a:t>迴圈！</a:t>
             </a:r>
-            <a:endParaRPr lang="en-US" altLang="zh-TW" b="1" dirty="0">
+            <a:endParaRPr lang="en-US" altLang="zh-TW" sz="2800" b="1" dirty="0">
               <a:solidFill>
                 <a:srgbClr val="FF0000"/>
               </a:solidFill>
@@ -25608,7 +27233,7 @@
 </p:sld>
 </file>
 
-<file path=ppt/slides/slide32.xml><?xml version="1.0" encoding="utf-8"?>
+<file path=ppt/slides/slide36.xml><?xml version="1.0" encoding="utf-8"?>
 <p:sld xmlns:a="http://schemas.openxmlformats.org/drawingml/2006/main" xmlns:r="http://schemas.openxmlformats.org/officeDocument/2006/relationships" xmlns:p="http://schemas.openxmlformats.org/presentationml/2006/main">
   <p:cSld>
     <p:spTree>
@@ -26356,7 +27981,7 @@
 </p:sld>
 </file>
 
-<file path=ppt/slides/slide33.xml><?xml version="1.0" encoding="utf-8"?>
+<file path=ppt/slides/slide37.xml><?xml version="1.0" encoding="utf-8"?>
 <p:sld xmlns:a="http://schemas.openxmlformats.org/drawingml/2006/main" xmlns:r="http://schemas.openxmlformats.org/officeDocument/2006/relationships" xmlns:p="http://schemas.openxmlformats.org/presentationml/2006/main">
   <p:cSld>
     <p:spTree>
@@ -27241,7 +28866,7 @@
 </p:sld>
 </file>
 
-<file path=ppt/slides/slide34.xml><?xml version="1.0" encoding="utf-8"?>
+<file path=ppt/slides/slide38.xml><?xml version="1.0" encoding="utf-8"?>
 <p:sld xmlns:a="http://schemas.openxmlformats.org/drawingml/2006/main" xmlns:r="http://schemas.openxmlformats.org/officeDocument/2006/relationships" xmlns:p="http://schemas.openxmlformats.org/presentationml/2006/main">
   <p:cSld>
     <p:spTree>
@@ -27764,7 +29389,7 @@
 </p:sld>
 </file>
 
-<file path=ppt/slides/slide35.xml><?xml version="1.0" encoding="utf-8"?>
+<file path=ppt/slides/slide39.xml><?xml version="1.0" encoding="utf-8"?>
 <p:sld xmlns:a="http://schemas.openxmlformats.org/drawingml/2006/main" xmlns:r="http://schemas.openxmlformats.org/officeDocument/2006/relationships" xmlns:p="http://schemas.openxmlformats.org/presentationml/2006/main">
   <p:cSld>
     <p:spTree>
@@ -28136,7 +29761,1070 @@
 </p:sld>
 </file>
 
-<file path=ppt/slides/slide36.xml><?xml version="1.0" encoding="utf-8"?>
+<file path=ppt/slides/slide4.xml><?xml version="1.0" encoding="utf-8"?>
+<p:sld xmlns:a="http://schemas.openxmlformats.org/drawingml/2006/main" xmlns:r="http://schemas.openxmlformats.org/officeDocument/2006/relationships" xmlns:p="http://schemas.openxmlformats.org/presentationml/2006/main">
+  <p:cSld>
+    <p:spTree>
+      <p:nvGrpSpPr>
+        <p:cNvPr id="1" name=""/>
+        <p:cNvGrpSpPr/>
+        <p:nvPr/>
+      </p:nvGrpSpPr>
+      <p:grpSpPr>
+        <a:xfrm>
+          <a:off x="0" y="0"/>
+          <a:ext cx="0" cy="0"/>
+          <a:chOff x="0" y="0"/>
+          <a:chExt cx="0" cy="0"/>
+        </a:xfrm>
+      </p:grpSpPr>
+      <p:sp>
+        <p:nvSpPr>
+          <p:cNvPr id="2" name="標題 1"/>
+          <p:cNvSpPr>
+            <a:spLocks noGrp="1"/>
+          </p:cNvSpPr>
+          <p:nvPr>
+            <p:ph type="title"/>
+          </p:nvPr>
+        </p:nvSpPr>
+        <p:spPr/>
+        <p:txBody>
+          <a:bodyPr/>
+          <a:lstStyle/>
+          <a:p>
+            <a:r>
+              <a:rPr lang="zh-TW" altLang="en-US" dirty="0" smtClean="0"/>
+              <a:t>最基本迴圈</a:t>
+            </a:r>
+            <a:r>
+              <a:rPr lang="en-US" altLang="zh-TW" dirty="0" smtClean="0"/>
+              <a:t/>
+            </a:r>
+            <a:br>
+              <a:rPr lang="en-US" altLang="zh-TW" dirty="0" smtClean="0"/>
+            </a:br>
+            <a:r>
+              <a:rPr lang="en-US" altLang="zh-TW" dirty="0" smtClean="0"/>
+              <a:t>for</a:t>
+            </a:r>
+            <a:r>
+              <a:rPr lang="zh-TW" altLang="en-US" dirty="0" smtClean="0"/>
+              <a:t>迴圈</a:t>
+            </a:r>
+            <a:r>
+              <a:rPr lang="en-US" altLang="zh-TW" dirty="0" smtClean="0"/>
+              <a:t>+range()</a:t>
+            </a:r>
+            <a:endParaRPr lang="zh-TW" altLang="en-US" dirty="0"/>
+          </a:p>
+        </p:txBody>
+      </p:sp>
+      <p:sp>
+        <p:nvSpPr>
+          <p:cNvPr id="3" name="內容版面配置區 2"/>
+          <p:cNvSpPr>
+            <a:spLocks noGrp="1"/>
+          </p:cNvSpPr>
+          <p:nvPr>
+            <p:ph idx="1"/>
+          </p:nvPr>
+        </p:nvSpPr>
+        <p:spPr/>
+        <p:txBody>
+          <a:bodyPr>
+            <a:normAutofit/>
+          </a:bodyPr>
+          <a:lstStyle/>
+          <a:p>
+            <a:r>
+              <a:rPr lang="en-US" altLang="zh-TW" dirty="0" smtClean="0"/>
+              <a:t>for</a:t>
+            </a:r>
+            <a:r>
+              <a:rPr lang="zh-TW" altLang="en-US" dirty="0" smtClean="0"/>
+              <a:t>迴圈語法：</a:t>
+            </a:r>
+            <a:endParaRPr lang="en-US" altLang="zh-TW" dirty="0" smtClean="0"/>
+          </a:p>
+          <a:p>
+            <a:endParaRPr lang="en-US" altLang="zh-TW" dirty="0"/>
+          </a:p>
+          <a:p>
+            <a:endParaRPr lang="en-US" altLang="zh-TW" dirty="0" smtClean="0"/>
+          </a:p>
+          <a:p>
+            <a:r>
+              <a:rPr lang="zh-TW" altLang="en-US" dirty="0" smtClean="0"/>
+              <a:t>基本常用可迭代物件：</a:t>
+            </a:r>
+            <a:r>
+              <a:rPr lang="en-US" altLang="zh-TW" dirty="0" smtClean="0"/>
+              <a:t>range(</a:t>
+            </a:r>
+            <a:r>
+              <a:rPr lang="en-US" altLang="zh-TW" dirty="0" smtClean="0">
+                <a:solidFill>
+                  <a:srgbClr val="FF0000"/>
+                </a:solidFill>
+              </a:rPr>
+              <a:t>n</a:t>
+            </a:r>
+            <a:r>
+              <a:rPr lang="en-US" altLang="zh-TW" dirty="0" smtClean="0"/>
+              <a:t>)</a:t>
+            </a:r>
+          </a:p>
+          <a:p>
+            <a:pPr lvl="1"/>
+            <a:r>
+              <a:rPr lang="en-US" altLang="zh-TW" dirty="0" smtClean="0"/>
+              <a:t>range(n)</a:t>
+            </a:r>
+            <a:r>
+              <a:rPr lang="zh-TW" altLang="en-US" dirty="0" smtClean="0"/>
+              <a:t>會產生</a:t>
+            </a:r>
+            <a:r>
+              <a:rPr lang="en-US" altLang="zh-TW" dirty="0" smtClean="0"/>
+              <a:t>0,1,2,3,…., (n-1)</a:t>
+            </a:r>
+            <a:r>
+              <a:rPr lang="zh-TW" altLang="en-US" dirty="0" smtClean="0"/>
+              <a:t>共</a:t>
+            </a:r>
+            <a:r>
+              <a:rPr lang="en-US" altLang="zh-TW" dirty="0" smtClean="0"/>
+              <a:t>n</a:t>
+            </a:r>
+            <a:r>
+              <a:rPr lang="zh-TW" altLang="en-US" dirty="0" smtClean="0"/>
+              <a:t>個數字的數字串</a:t>
+            </a:r>
+            <a:endParaRPr lang="en-US" altLang="zh-TW" dirty="0" smtClean="0"/>
+          </a:p>
+          <a:p>
+            <a:r>
+              <a:rPr lang="zh-TW" altLang="en-US" dirty="0" smtClean="0"/>
+              <a:t>範例：</a:t>
+            </a:r>
+            <a:endParaRPr lang="en-US" altLang="zh-TW" dirty="0" smtClean="0"/>
+          </a:p>
+          <a:p>
+            <a:endParaRPr lang="en-US" altLang="zh-TW" dirty="0"/>
+          </a:p>
+          <a:p>
+            <a:pPr lvl="1"/>
+            <a:r>
+              <a:rPr lang="zh-TW" altLang="en-US" dirty="0" smtClean="0"/>
+              <a:t>會輸出 </a:t>
+            </a:r>
+            <a:r>
+              <a:rPr lang="en-US" altLang="zh-TW" dirty="0" smtClean="0"/>
+              <a:t>0,1,2,3,4,….,8,9</a:t>
+            </a:r>
+            <a:r>
+              <a:rPr lang="zh-TW" altLang="en-US" dirty="0" smtClean="0"/>
+              <a:t>共</a:t>
+            </a:r>
+            <a:r>
+              <a:rPr lang="en-US" altLang="zh-TW" dirty="0" smtClean="0"/>
+              <a:t>10</a:t>
+            </a:r>
+            <a:r>
+              <a:rPr lang="zh-TW" altLang="en-US" dirty="0" smtClean="0"/>
+              <a:t>個數字。</a:t>
+            </a:r>
+            <a:endParaRPr lang="en-US" altLang="zh-TW" dirty="0" smtClean="0"/>
+          </a:p>
+          <a:p>
+            <a:endParaRPr lang="en-US" altLang="zh-TW" dirty="0" smtClean="0"/>
+          </a:p>
+        </p:txBody>
+      </p:sp>
+      <p:sp>
+        <p:nvSpPr>
+          <p:cNvPr id="5" name="圓角矩形 4"/>
+          <p:cNvSpPr/>
+          <p:nvPr/>
+        </p:nvSpPr>
+        <p:spPr>
+          <a:xfrm>
+            <a:off x="8063076" y="1730029"/>
+            <a:ext cx="1357229" cy="392176"/>
+          </a:xfrm>
+          <a:prstGeom prst="roundRect">
+            <a:avLst>
+              <a:gd name="adj" fmla="val 50000"/>
+            </a:avLst>
+          </a:prstGeom>
+          <a:solidFill>
+            <a:schemeClr val="bg1"/>
+          </a:solidFill>
+          <a:ln>
+            <a:solidFill>
+              <a:schemeClr val="tx1"/>
+            </a:solidFill>
+          </a:ln>
+        </p:spPr>
+        <p:style>
+          <a:lnRef idx="2">
+            <a:schemeClr val="accent1">
+              <a:shade val="50000"/>
+            </a:schemeClr>
+          </a:lnRef>
+          <a:fillRef idx="1">
+            <a:schemeClr val="accent1"/>
+          </a:fillRef>
+          <a:effectRef idx="0">
+            <a:schemeClr val="accent1"/>
+          </a:effectRef>
+          <a:fontRef idx="minor">
+            <a:schemeClr val="lt1"/>
+          </a:fontRef>
+        </p:style>
+        <p:txBody>
+          <a:bodyPr rtlCol="0" anchor="ctr"/>
+          <a:lstStyle/>
+          <a:p>
+            <a:pPr algn="ctr"/>
+            <a:r>
+              <a:rPr lang="zh-TW" altLang="en-US" dirty="0">
+                <a:solidFill>
+                  <a:schemeClr val="tx1"/>
+                </a:solidFill>
+              </a:rPr>
+              <a:t>迴圈開始</a:t>
+            </a:r>
+          </a:p>
+        </p:txBody>
+      </p:sp>
+      <p:cxnSp>
+        <p:nvCxnSpPr>
+          <p:cNvPr id="8" name="直線單箭頭接點 7"/>
+          <p:cNvCxnSpPr>
+            <a:stCxn id="11" idx="2"/>
+            <a:endCxn id="10" idx="0"/>
+          </p:cNvCxnSpPr>
+          <p:nvPr/>
+        </p:nvCxnSpPr>
+        <p:spPr>
+          <a:xfrm>
+            <a:off x="8739775" y="4377988"/>
+            <a:ext cx="1917" cy="802639"/>
+          </a:xfrm>
+          <a:prstGeom prst="straightConnector1">
+            <a:avLst/>
+          </a:prstGeom>
+          <a:ln w="28575">
+            <a:solidFill>
+              <a:schemeClr val="tx1"/>
+            </a:solidFill>
+            <a:headEnd type="none" w="med" len="med"/>
+            <a:tailEnd type="triangle" w="med" len="med"/>
+          </a:ln>
+        </p:spPr>
+        <p:style>
+          <a:lnRef idx="1">
+            <a:schemeClr val="accent1"/>
+          </a:lnRef>
+          <a:fillRef idx="0">
+            <a:schemeClr val="accent1"/>
+          </a:fillRef>
+          <a:effectRef idx="0">
+            <a:schemeClr val="accent1"/>
+          </a:effectRef>
+          <a:fontRef idx="minor">
+            <a:schemeClr val="tx1"/>
+          </a:fontRef>
+        </p:style>
+      </p:cxnSp>
+      <p:sp>
+        <p:nvSpPr>
+          <p:cNvPr id="10" name="圓角矩形 9"/>
+          <p:cNvSpPr/>
+          <p:nvPr/>
+        </p:nvSpPr>
+        <p:spPr>
+          <a:xfrm>
+            <a:off x="8063077" y="5180627"/>
+            <a:ext cx="1357229" cy="392176"/>
+          </a:xfrm>
+          <a:prstGeom prst="roundRect">
+            <a:avLst>
+              <a:gd name="adj" fmla="val 50000"/>
+            </a:avLst>
+          </a:prstGeom>
+          <a:solidFill>
+            <a:schemeClr val="bg1"/>
+          </a:solidFill>
+          <a:ln>
+            <a:solidFill>
+              <a:schemeClr val="tx1"/>
+            </a:solidFill>
+          </a:ln>
+        </p:spPr>
+        <p:style>
+          <a:lnRef idx="2">
+            <a:schemeClr val="accent1">
+              <a:shade val="50000"/>
+            </a:schemeClr>
+          </a:lnRef>
+          <a:fillRef idx="1">
+            <a:schemeClr val="accent1"/>
+          </a:fillRef>
+          <a:effectRef idx="0">
+            <a:schemeClr val="accent1"/>
+          </a:effectRef>
+          <a:fontRef idx="minor">
+            <a:schemeClr val="lt1"/>
+          </a:fontRef>
+        </p:style>
+        <p:txBody>
+          <a:bodyPr rtlCol="0" anchor="ctr"/>
+          <a:lstStyle/>
+          <a:p>
+            <a:pPr algn="ctr"/>
+            <a:r>
+              <a:rPr lang="zh-TW" altLang="en-US" dirty="0" smtClean="0">
+                <a:solidFill>
+                  <a:schemeClr val="tx1"/>
+                </a:solidFill>
+              </a:rPr>
+              <a:t>迴圈</a:t>
+            </a:r>
+            <a:r>
+              <a:rPr lang="zh-TW" altLang="en-US" dirty="0">
+                <a:solidFill>
+                  <a:schemeClr val="tx1"/>
+                </a:solidFill>
+              </a:rPr>
+              <a:t>結束</a:t>
+            </a:r>
+            <a:endParaRPr lang="en-US" altLang="zh-TW" dirty="0" smtClean="0">
+              <a:solidFill>
+                <a:schemeClr val="tx1"/>
+              </a:solidFill>
+            </a:endParaRPr>
+          </a:p>
+        </p:txBody>
+      </p:sp>
+      <p:sp>
+        <p:nvSpPr>
+          <p:cNvPr id="11" name="菱形 10"/>
+          <p:cNvSpPr/>
+          <p:nvPr/>
+        </p:nvSpPr>
+        <p:spPr>
+          <a:xfrm>
+            <a:off x="7117694" y="3216192"/>
+            <a:ext cx="3244162" cy="1161796"/>
+          </a:xfrm>
+          <a:prstGeom prst="diamond">
+            <a:avLst/>
+          </a:prstGeom>
+          <a:solidFill>
+            <a:schemeClr val="bg1"/>
+          </a:solidFill>
+          <a:ln w="38100">
+            <a:solidFill>
+              <a:srgbClr val="FF0000"/>
+            </a:solidFill>
+          </a:ln>
+        </p:spPr>
+        <p:style>
+          <a:lnRef idx="2">
+            <a:schemeClr val="accent1">
+              <a:shade val="50000"/>
+            </a:schemeClr>
+          </a:lnRef>
+          <a:fillRef idx="1">
+            <a:schemeClr val="accent1"/>
+          </a:fillRef>
+          <a:effectRef idx="0">
+            <a:schemeClr val="accent1"/>
+          </a:effectRef>
+          <a:fontRef idx="minor">
+            <a:schemeClr val="lt1"/>
+          </a:fontRef>
+        </p:style>
+        <p:txBody>
+          <a:bodyPr rtlCol="0" anchor="ctr"/>
+          <a:lstStyle/>
+          <a:p>
+            <a:pPr algn="ctr">
+              <a:tabLst>
+                <a:tab pos="1344613" algn="l"/>
+              </a:tabLst>
+            </a:pPr>
+            <a:r>
+              <a:rPr lang="zh-TW" altLang="en-US" dirty="0" smtClean="0">
+                <a:solidFill>
+                  <a:schemeClr val="tx1"/>
+                </a:solidFill>
+              </a:rPr>
+              <a:t>可迭代物件有變數尚未執行</a:t>
+            </a:r>
+            <a:endParaRPr lang="zh-TW" altLang="en-US" dirty="0">
+              <a:solidFill>
+                <a:schemeClr val="tx1"/>
+              </a:solidFill>
+            </a:endParaRPr>
+          </a:p>
+        </p:txBody>
+      </p:sp>
+      <p:sp>
+        <p:nvSpPr>
+          <p:cNvPr id="13" name="文字方塊 12"/>
+          <p:cNvSpPr txBox="1"/>
+          <p:nvPr/>
+        </p:nvSpPr>
+        <p:spPr>
+          <a:xfrm>
+            <a:off x="10251272" y="3441241"/>
+            <a:ext cx="636969" cy="369332"/>
+          </a:xfrm>
+          <a:prstGeom prst="rect">
+            <a:avLst/>
+          </a:prstGeom>
+          <a:noFill/>
+        </p:spPr>
+        <p:txBody>
+          <a:bodyPr wrap="none" rtlCol="0">
+            <a:spAutoFit/>
+          </a:bodyPr>
+          <a:lstStyle/>
+          <a:p>
+            <a:r>
+              <a:rPr lang="en-US" altLang="zh-TW" dirty="0" smtClean="0"/>
+              <a:t>True</a:t>
+            </a:r>
+            <a:endParaRPr lang="zh-TW" altLang="en-US" dirty="0"/>
+          </a:p>
+        </p:txBody>
+      </p:sp>
+      <p:sp>
+        <p:nvSpPr>
+          <p:cNvPr id="14" name="文字方塊 13"/>
+          <p:cNvSpPr txBox="1"/>
+          <p:nvPr/>
+        </p:nvSpPr>
+        <p:spPr>
+          <a:xfrm>
+            <a:off x="8063077" y="4377988"/>
+            <a:ext cx="715260" cy="369332"/>
+          </a:xfrm>
+          <a:prstGeom prst="rect">
+            <a:avLst/>
+          </a:prstGeom>
+          <a:noFill/>
+        </p:spPr>
+        <p:txBody>
+          <a:bodyPr wrap="none" rtlCol="0">
+            <a:spAutoFit/>
+          </a:bodyPr>
+          <a:lstStyle/>
+          <a:p>
+            <a:r>
+              <a:rPr lang="en-US" altLang="zh-TW" dirty="0" smtClean="0"/>
+              <a:t>False</a:t>
+            </a:r>
+            <a:endParaRPr lang="zh-TW" altLang="en-US" dirty="0"/>
+          </a:p>
+        </p:txBody>
+      </p:sp>
+      <p:sp>
+        <p:nvSpPr>
+          <p:cNvPr id="18" name="矩形 17"/>
+          <p:cNvSpPr/>
+          <p:nvPr/>
+        </p:nvSpPr>
+        <p:spPr>
+          <a:xfrm>
+            <a:off x="10277632" y="2295624"/>
+            <a:ext cx="1271016" cy="758758"/>
+          </a:xfrm>
+          <a:prstGeom prst="rect">
+            <a:avLst/>
+          </a:prstGeom>
+          <a:solidFill>
+            <a:schemeClr val="bg1"/>
+          </a:solidFill>
+          <a:ln w="38100">
+            <a:solidFill>
+              <a:srgbClr val="FF0000"/>
+            </a:solidFill>
+          </a:ln>
+        </p:spPr>
+        <p:style>
+          <a:lnRef idx="2">
+            <a:schemeClr val="accent1">
+              <a:shade val="50000"/>
+            </a:schemeClr>
+          </a:lnRef>
+          <a:fillRef idx="1">
+            <a:schemeClr val="accent1"/>
+          </a:fillRef>
+          <a:effectRef idx="0">
+            <a:schemeClr val="accent1"/>
+          </a:effectRef>
+          <a:fontRef idx="minor">
+            <a:schemeClr val="lt1"/>
+          </a:fontRef>
+        </p:style>
+        <p:txBody>
+          <a:bodyPr rtlCol="0" anchor="ctr"/>
+          <a:lstStyle/>
+          <a:p>
+            <a:pPr algn="ctr"/>
+            <a:r>
+              <a:rPr lang="zh-TW" altLang="en-US" dirty="0" smtClean="0">
+                <a:solidFill>
+                  <a:schemeClr val="tx1"/>
+                </a:solidFill>
+              </a:rPr>
+              <a:t>重複執行的工作</a:t>
+            </a:r>
+            <a:endParaRPr lang="zh-TW" altLang="en-US" dirty="0">
+              <a:solidFill>
+                <a:schemeClr val="tx1"/>
+              </a:solidFill>
+            </a:endParaRPr>
+          </a:p>
+        </p:txBody>
+      </p:sp>
+      <p:cxnSp>
+        <p:nvCxnSpPr>
+          <p:cNvPr id="19" name="直線單箭頭接點 18"/>
+          <p:cNvCxnSpPr>
+            <a:stCxn id="18" idx="1"/>
+          </p:cNvCxnSpPr>
+          <p:nvPr/>
+        </p:nvCxnSpPr>
+        <p:spPr>
+          <a:xfrm flipH="1" flipV="1">
+            <a:off x="8739775" y="2669198"/>
+            <a:ext cx="1537857" cy="5805"/>
+          </a:xfrm>
+          <a:prstGeom prst="straightConnector1">
+            <a:avLst/>
+          </a:prstGeom>
+          <a:ln w="28575">
+            <a:solidFill>
+              <a:schemeClr val="tx1"/>
+            </a:solidFill>
+            <a:headEnd type="none" w="med" len="med"/>
+            <a:tailEnd type="triangle" w="med" len="med"/>
+          </a:ln>
+        </p:spPr>
+        <p:style>
+          <a:lnRef idx="1">
+            <a:schemeClr val="accent1"/>
+          </a:lnRef>
+          <a:fillRef idx="0">
+            <a:schemeClr val="accent1"/>
+          </a:fillRef>
+          <a:effectRef idx="0">
+            <a:schemeClr val="accent1"/>
+          </a:effectRef>
+          <a:fontRef idx="minor">
+            <a:schemeClr val="tx1"/>
+          </a:fontRef>
+        </p:style>
+      </p:cxnSp>
+      <p:cxnSp>
+        <p:nvCxnSpPr>
+          <p:cNvPr id="39" name="直線單箭頭接點 38"/>
+          <p:cNvCxnSpPr>
+            <a:stCxn id="5" idx="2"/>
+            <a:endCxn id="11" idx="0"/>
+          </p:cNvCxnSpPr>
+          <p:nvPr/>
+        </p:nvCxnSpPr>
+        <p:spPr>
+          <a:xfrm flipH="1">
+            <a:off x="8739775" y="2122205"/>
+            <a:ext cx="1916" cy="1093987"/>
+          </a:xfrm>
+          <a:prstGeom prst="straightConnector1">
+            <a:avLst/>
+          </a:prstGeom>
+          <a:ln w="28575">
+            <a:solidFill>
+              <a:schemeClr val="tx1"/>
+            </a:solidFill>
+            <a:headEnd type="none" w="med" len="med"/>
+            <a:tailEnd type="triangle" w="med" len="med"/>
+          </a:ln>
+        </p:spPr>
+        <p:style>
+          <a:lnRef idx="1">
+            <a:schemeClr val="accent1"/>
+          </a:lnRef>
+          <a:fillRef idx="0">
+            <a:schemeClr val="accent1"/>
+          </a:fillRef>
+          <a:effectRef idx="0">
+            <a:schemeClr val="accent1"/>
+          </a:effectRef>
+          <a:fontRef idx="minor">
+            <a:schemeClr val="tx1"/>
+          </a:fontRef>
+        </p:style>
+      </p:cxnSp>
+      <p:pic>
+        <p:nvPicPr>
+          <p:cNvPr id="6" name="圖片 5"/>
+          <p:cNvPicPr>
+            <a:picLocks noChangeAspect="1"/>
+          </p:cNvPicPr>
+          <p:nvPr/>
+        </p:nvPicPr>
+        <p:blipFill>
+          <a:blip r:embed="rId2"/>
+          <a:stretch>
+            <a:fillRect/>
+          </a:stretch>
+        </p:blipFill>
+        <p:spPr>
+          <a:xfrm>
+            <a:off x="2518218" y="2160589"/>
+            <a:ext cx="4440366" cy="912168"/>
+          </a:xfrm>
+          <a:prstGeom prst="rect">
+            <a:avLst/>
+          </a:prstGeom>
+        </p:spPr>
+      </p:pic>
+      <p:cxnSp>
+        <p:nvCxnSpPr>
+          <p:cNvPr id="62" name="肘形接點 61"/>
+          <p:cNvCxnSpPr>
+            <a:stCxn id="11" idx="3"/>
+            <a:endCxn id="18" idx="2"/>
+          </p:cNvCxnSpPr>
+          <p:nvPr/>
+        </p:nvCxnSpPr>
+        <p:spPr>
+          <a:xfrm flipV="1">
+            <a:off x="10361856" y="3054382"/>
+            <a:ext cx="551284" cy="742708"/>
+          </a:xfrm>
+          <a:prstGeom prst="bentConnector2">
+            <a:avLst/>
+          </a:prstGeom>
+          <a:ln w="28575">
+            <a:solidFill>
+              <a:schemeClr val="tx1"/>
+            </a:solidFill>
+            <a:tailEnd type="triangle"/>
+          </a:ln>
+        </p:spPr>
+        <p:style>
+          <a:lnRef idx="1">
+            <a:schemeClr val="accent1"/>
+          </a:lnRef>
+          <a:fillRef idx="0">
+            <a:schemeClr val="accent1"/>
+          </a:fillRef>
+          <a:effectRef idx="0">
+            <a:schemeClr val="accent1"/>
+          </a:effectRef>
+          <a:fontRef idx="minor">
+            <a:schemeClr val="tx1"/>
+          </a:fontRef>
+        </p:style>
+      </p:cxnSp>
+      <p:pic>
+        <p:nvPicPr>
+          <p:cNvPr id="74" name="圖片 73"/>
+          <p:cNvPicPr>
+            <a:picLocks noChangeAspect="1"/>
+          </p:cNvPicPr>
+          <p:nvPr/>
+        </p:nvPicPr>
+        <p:blipFill>
+          <a:blip r:embed="rId3"/>
+          <a:stretch>
+            <a:fillRect/>
+          </a:stretch>
+        </p:blipFill>
+        <p:spPr>
+          <a:xfrm>
+            <a:off x="1829371" y="4205466"/>
+            <a:ext cx="2790825" cy="714375"/>
+          </a:xfrm>
+          <a:prstGeom prst="rect">
+            <a:avLst/>
+          </a:prstGeom>
+        </p:spPr>
+      </p:pic>
+      <p:sp>
+        <p:nvSpPr>
+          <p:cNvPr id="4" name="矩形 3"/>
+          <p:cNvSpPr/>
+          <p:nvPr/>
+        </p:nvSpPr>
+        <p:spPr>
+          <a:xfrm>
+            <a:off x="3521673" y="4880305"/>
+            <a:ext cx="4504759" cy="1384995"/>
+          </a:xfrm>
+          <a:prstGeom prst="rect">
+            <a:avLst/>
+          </a:prstGeom>
+          <a:noFill/>
+        </p:spPr>
+        <p:txBody>
+          <a:bodyPr wrap="none" lIns="91440" tIns="45720" rIns="91440" bIns="45720">
+            <a:spAutoFit/>
+            <a:scene3d>
+              <a:camera prst="orthographicFront"/>
+              <a:lightRig rig="harsh" dir="t"/>
+            </a:scene3d>
+            <a:sp3d extrusionH="57150" prstMaterial="matte">
+              <a:bevelT w="63500" h="12700" prst="angle"/>
+              <a:contourClr>
+                <a:schemeClr val="bg1">
+                  <a:lumMod val="65000"/>
+                </a:schemeClr>
+              </a:contourClr>
+            </a:sp3d>
+          </a:bodyPr>
+          <a:lstStyle/>
+          <a:p>
+            <a:pPr algn="ctr"/>
+            <a:r>
+              <a:rPr lang="zh-TW" altLang="en-US" sz="2800" b="1" cap="none" spc="0" dirty="0" smtClean="0">
+                <a:ln>
+                  <a:solidFill>
+                    <a:srgbClr val="FF0000"/>
+                  </a:solidFill>
+                </a:ln>
+                <a:solidFill>
+                  <a:srgbClr val="C00000"/>
+                </a:solidFill>
+                <a:effectLst/>
+              </a:rPr>
+              <a:t>白話說法：</a:t>
+            </a:r>
+            <a:endParaRPr lang="en-US" altLang="zh-TW" sz="2800" b="1" cap="none" spc="0" dirty="0" smtClean="0">
+              <a:ln>
+                <a:solidFill>
+                  <a:srgbClr val="FF0000"/>
+                </a:solidFill>
+              </a:ln>
+              <a:solidFill>
+                <a:srgbClr val="C00000"/>
+              </a:solidFill>
+              <a:effectLst/>
+            </a:endParaRPr>
+          </a:p>
+          <a:p>
+            <a:pPr algn="ctr"/>
+            <a:r>
+              <a:rPr lang="zh-TW" altLang="en-US" sz="2800" b="1" dirty="0">
+                <a:ln>
+                  <a:solidFill>
+                    <a:srgbClr val="FF0000"/>
+                  </a:solidFill>
+                </a:ln>
+                <a:solidFill>
+                  <a:srgbClr val="C00000"/>
+                </a:solidFill>
+              </a:rPr>
+              <a:t>他會產生</a:t>
+            </a:r>
+            <a:r>
+              <a:rPr lang="en-US" altLang="zh-TW" sz="2800" b="1" dirty="0">
+                <a:ln>
+                  <a:solidFill>
+                    <a:srgbClr val="FF0000"/>
+                  </a:solidFill>
+                </a:ln>
+                <a:solidFill>
+                  <a:srgbClr val="C00000"/>
+                </a:solidFill>
+              </a:rPr>
+              <a:t>n</a:t>
+            </a:r>
+            <a:r>
+              <a:rPr lang="zh-TW" altLang="en-US" sz="2800" b="1" dirty="0">
+                <a:ln>
+                  <a:solidFill>
+                    <a:srgbClr val="FF0000"/>
+                  </a:solidFill>
+                </a:ln>
+                <a:solidFill>
+                  <a:srgbClr val="C00000"/>
+                </a:solidFill>
+              </a:rPr>
+              <a:t>個</a:t>
+            </a:r>
+            <a:r>
+              <a:rPr lang="en-US" altLang="zh-TW" sz="2800" b="1" dirty="0">
+                <a:ln>
+                  <a:solidFill>
+                    <a:srgbClr val="FF0000"/>
+                  </a:solidFill>
+                </a:ln>
+                <a:solidFill>
+                  <a:srgbClr val="C00000"/>
+                </a:solidFill>
+              </a:rPr>
+              <a:t>0</a:t>
+            </a:r>
+            <a:r>
+              <a:rPr lang="en-US" altLang="zh-TW" sz="2800" b="1" dirty="0" smtClean="0">
+                <a:ln>
+                  <a:solidFill>
+                    <a:srgbClr val="FF0000"/>
+                  </a:solidFill>
+                </a:ln>
+                <a:solidFill>
+                  <a:srgbClr val="C00000"/>
+                </a:solidFill>
+              </a:rPr>
+              <a:t>~(n-1)</a:t>
+            </a:r>
+            <a:r>
+              <a:rPr lang="zh-TW" altLang="en-US" sz="2800" b="1" dirty="0" smtClean="0">
+                <a:ln>
+                  <a:solidFill>
+                    <a:srgbClr val="FF0000"/>
+                  </a:solidFill>
+                </a:ln>
+                <a:solidFill>
+                  <a:srgbClr val="C00000"/>
+                </a:solidFill>
+              </a:rPr>
+              <a:t>個數字</a:t>
+            </a:r>
+            <a:endParaRPr lang="en-US" altLang="zh-TW" sz="2800" b="1" dirty="0" smtClean="0">
+              <a:ln>
+                <a:solidFill>
+                  <a:srgbClr val="FF0000"/>
+                </a:solidFill>
+              </a:ln>
+              <a:solidFill>
+                <a:srgbClr val="C00000"/>
+              </a:solidFill>
+            </a:endParaRPr>
+          </a:p>
+          <a:p>
+            <a:pPr algn="ctr"/>
+            <a:r>
+              <a:rPr lang="zh-TW" altLang="en-US" sz="2800" b="1" dirty="0">
+                <a:ln>
+                  <a:solidFill>
+                    <a:srgbClr val="FF0000"/>
+                  </a:solidFill>
+                </a:ln>
+                <a:solidFill>
+                  <a:srgbClr val="C00000"/>
+                </a:solidFill>
+              </a:rPr>
+              <a:t>依序</a:t>
+            </a:r>
+            <a:r>
+              <a:rPr lang="zh-TW" altLang="en-US" sz="2800" b="1" dirty="0" smtClean="0">
+                <a:ln>
+                  <a:solidFill>
+                    <a:srgbClr val="FF0000"/>
+                  </a:solidFill>
+                </a:ln>
+                <a:solidFill>
+                  <a:srgbClr val="C00000"/>
+                </a:solidFill>
+              </a:rPr>
+              <a:t>帶入變數</a:t>
+            </a:r>
+            <a:r>
+              <a:rPr lang="en-US" altLang="zh-TW" sz="2800" b="1" dirty="0" err="1" smtClean="0">
+                <a:ln>
+                  <a:solidFill>
+                    <a:srgbClr val="FF0000"/>
+                  </a:solidFill>
+                </a:ln>
+                <a:solidFill>
+                  <a:srgbClr val="C00000"/>
+                </a:solidFill>
+              </a:rPr>
+              <a:t>i</a:t>
+            </a:r>
+            <a:r>
+              <a:rPr lang="zh-TW" altLang="en-US" sz="2800" b="1" dirty="0" smtClean="0">
+                <a:ln>
+                  <a:solidFill>
+                    <a:srgbClr val="FF0000"/>
+                  </a:solidFill>
+                </a:ln>
+                <a:solidFill>
+                  <a:srgbClr val="C00000"/>
+                </a:solidFill>
+              </a:rPr>
+              <a:t>中給你用</a:t>
+            </a:r>
+            <a:endParaRPr lang="zh-TW" altLang="en-US" sz="2800" b="1" cap="none" spc="0" dirty="0">
+              <a:ln>
+                <a:solidFill>
+                  <a:srgbClr val="FF0000"/>
+                </a:solidFill>
+              </a:ln>
+              <a:solidFill>
+                <a:srgbClr val="C00000"/>
+              </a:solidFill>
+              <a:effectLst/>
+            </a:endParaRPr>
+          </a:p>
+        </p:txBody>
+      </p:sp>
+    </p:spTree>
+    <p:extLst>
+      <p:ext uri="{BB962C8B-B14F-4D97-AF65-F5344CB8AC3E}">
+        <p14:creationId xmlns:p14="http://schemas.microsoft.com/office/powerpoint/2010/main" val="3237708370"/>
+      </p:ext>
+    </p:extLst>
+  </p:cSld>
+  <p:clrMapOvr>
+    <a:masterClrMapping/>
+  </p:clrMapOvr>
+  <p:timing>
+    <p:tnLst>
+      <p:par>
+        <p:cTn id="1" dur="indefinite" restart="never" nodeType="tmRoot">
+          <p:childTnLst>
+            <p:seq concurrent="1" nextAc="seek">
+              <p:cTn id="2" dur="indefinite" nodeType="mainSeq">
+                <p:childTnLst>
+                  <p:par>
+                    <p:cTn id="3" fill="hold">
+                      <p:stCondLst>
+                        <p:cond delay="indefinite"/>
+                      </p:stCondLst>
+                      <p:childTnLst>
+                        <p:par>
+                          <p:cTn id="4" fill="hold">
+                            <p:stCondLst>
+                              <p:cond delay="0"/>
+                            </p:stCondLst>
+                            <p:childTnLst>
+                              <p:par>
+                                <p:cTn id="5" presetID="42" presetClass="entr" presetSubtype="0" fill="hold" grpId="0" nodeType="clickEffect">
+                                  <p:stCondLst>
+                                    <p:cond delay="0"/>
+                                  </p:stCondLst>
+                                  <p:childTnLst>
+                                    <p:set>
+                                      <p:cBhvr>
+                                        <p:cTn id="6" dur="1" fill="hold">
+                                          <p:stCondLst>
+                                            <p:cond delay="0"/>
+                                          </p:stCondLst>
+                                        </p:cTn>
+                                        <p:tgtEl>
+                                          <p:spTgt spid="4"/>
+                                        </p:tgtEl>
+                                        <p:attrNameLst>
+                                          <p:attrName>style.visibility</p:attrName>
+                                        </p:attrNameLst>
+                                      </p:cBhvr>
+                                      <p:to>
+                                        <p:strVal val="visible"/>
+                                      </p:to>
+                                    </p:set>
+                                    <p:animEffect transition="in" filter="fade">
+                                      <p:cBhvr>
+                                        <p:cTn id="7" dur="1000"/>
+                                        <p:tgtEl>
+                                          <p:spTgt spid="4"/>
+                                        </p:tgtEl>
+                                      </p:cBhvr>
+                                    </p:animEffect>
+                                    <p:anim calcmode="lin" valueType="num">
+                                      <p:cBhvr>
+                                        <p:cTn id="8" dur="1000" fill="hold"/>
+                                        <p:tgtEl>
+                                          <p:spTgt spid="4"/>
+                                        </p:tgtEl>
+                                        <p:attrNameLst>
+                                          <p:attrName>ppt_x</p:attrName>
+                                        </p:attrNameLst>
+                                      </p:cBhvr>
+                                      <p:tavLst>
+                                        <p:tav tm="0">
+                                          <p:val>
+                                            <p:strVal val="#ppt_x"/>
+                                          </p:val>
+                                        </p:tav>
+                                        <p:tav tm="100000">
+                                          <p:val>
+                                            <p:strVal val="#ppt_x"/>
+                                          </p:val>
+                                        </p:tav>
+                                      </p:tavLst>
+                                    </p:anim>
+                                    <p:anim calcmode="lin" valueType="num">
+                                      <p:cBhvr>
+                                        <p:cTn id="9" dur="1000" fill="hold"/>
+                                        <p:tgtEl>
+                                          <p:spTgt spid="4"/>
+                                        </p:tgtEl>
+                                        <p:attrNameLst>
+                                          <p:attrName>ppt_y</p:attrName>
+                                        </p:attrNameLst>
+                                      </p:cBhvr>
+                                      <p:tavLst>
+                                        <p:tav tm="0">
+                                          <p:val>
+                                            <p:strVal val="#ppt_y+.1"/>
+                                          </p:val>
+                                        </p:tav>
+                                        <p:tav tm="100000">
+                                          <p:val>
+                                            <p:strVal val="#ppt_y"/>
+                                          </p:val>
+                                        </p:tav>
+                                      </p:tavLst>
+                                    </p:anim>
+                                  </p:childTnLst>
+                                </p:cTn>
+                              </p:par>
+                            </p:childTnLst>
+                          </p:cTn>
+                        </p:par>
+                      </p:childTnLst>
+                    </p:cTn>
+                  </p:par>
+                </p:childTnLst>
+              </p:cTn>
+              <p:prevCondLst>
+                <p:cond evt="onPrev" delay="0">
+                  <p:tgtEl>
+                    <p:sldTgt/>
+                  </p:tgtEl>
+                </p:cond>
+              </p:prevCondLst>
+              <p:nextCondLst>
+                <p:cond evt="onNext" delay="0">
+                  <p:tgtEl>
+                    <p:sldTgt/>
+                  </p:tgtEl>
+                </p:cond>
+              </p:nextCondLst>
+            </p:seq>
+          </p:childTnLst>
+        </p:cTn>
+      </p:par>
+    </p:tnLst>
+    <p:bldLst>
+      <p:bldP spid="4" grpId="0"/>
+    </p:bldLst>
+  </p:timing>
+</p:sld>
+</file>
+
+<file path=ppt/slides/slide40.xml><?xml version="1.0" encoding="utf-8"?>
 <p:sld xmlns:a="http://schemas.openxmlformats.org/drawingml/2006/main" xmlns:r="http://schemas.openxmlformats.org/officeDocument/2006/relationships" xmlns:p="http://schemas.openxmlformats.org/presentationml/2006/main">
   <p:cSld>
     <p:spTree>
@@ -28795,7 +31483,7 @@
 </p:sld>
 </file>
 
-<file path=ppt/slides/slide37.xml><?xml version="1.0" encoding="utf-8"?>
+<file path=ppt/slides/slide41.xml><?xml version="1.0" encoding="utf-8"?>
 <p:sld xmlns:a="http://schemas.openxmlformats.org/drawingml/2006/main" xmlns:r="http://schemas.openxmlformats.org/officeDocument/2006/relationships" xmlns:p="http://schemas.openxmlformats.org/presentationml/2006/main">
   <p:cSld>
     <p:spTree>
@@ -30576,7 +33264,7 @@
 </p:sld>
 </file>
 
-<file path=ppt/slides/slide38.xml><?xml version="1.0" encoding="utf-8"?>
+<file path=ppt/slides/slide42.xml><?xml version="1.0" encoding="utf-8"?>
 <p:sld xmlns:a="http://schemas.openxmlformats.org/drawingml/2006/main" xmlns:r="http://schemas.openxmlformats.org/officeDocument/2006/relationships" xmlns:p="http://schemas.openxmlformats.org/presentationml/2006/main">
   <p:cSld>
     <p:spTree>
@@ -32181,7 +34869,7 @@
 </p:sld>
 </file>
 
-<file path=ppt/slides/slide39.xml><?xml version="1.0" encoding="utf-8"?>
+<file path=ppt/slides/slide43.xml><?xml version="1.0" encoding="utf-8"?>
 <p:sld xmlns:a="http://schemas.openxmlformats.org/drawingml/2006/main" xmlns:r="http://schemas.openxmlformats.org/officeDocument/2006/relationships" xmlns:p="http://schemas.openxmlformats.org/presentationml/2006/main">
   <p:cSld>
     <p:spTree>
@@ -32318,7 +35006,7 @@
 </p:sld>
 </file>
 
-<file path=ppt/slides/slide4.xml><?xml version="1.0" encoding="utf-8"?>
+<file path=ppt/slides/slide44.xml><?xml version="1.0" encoding="utf-8"?>
 <p:sld xmlns:a="http://schemas.openxmlformats.org/drawingml/2006/main" xmlns:r="http://schemas.openxmlformats.org/officeDocument/2006/relationships" xmlns:p="http://schemas.openxmlformats.org/presentationml/2006/main">
   <p:cSld>
     <p:spTree>
@@ -32352,7 +35040,7 @@
           <a:p>
             <a:r>
               <a:rPr lang="zh-TW" altLang="en-US" dirty="0" smtClean="0"/>
-              <a:t>最基本迴圈</a:t>
+              <a:t>練習十二</a:t>
             </a:r>
             <a:r>
               <a:rPr lang="en-US" altLang="zh-TW" dirty="0" smtClean="0"/>
@@ -32362,1075 +35050,24 @@
               <a:rPr lang="en-US" altLang="zh-TW" dirty="0" smtClean="0"/>
             </a:br>
             <a:r>
+              <a:rPr lang="zh-TW" altLang="en-US" dirty="0"/>
+              <a:t>找出</a:t>
+            </a:r>
+            <a:r>
+              <a:rPr lang="zh-TW" altLang="en-US" dirty="0" smtClean="0"/>
+              <a:t>所有質因數</a:t>
+            </a:r>
+            <a:r>
               <a:rPr lang="en-US" altLang="zh-TW" dirty="0" smtClean="0"/>
-              <a:t>for</a:t>
+              <a:t>(</a:t>
             </a:r>
             <a:r>
               <a:rPr lang="zh-TW" altLang="en-US" dirty="0" smtClean="0"/>
-              <a:t>迴圈</a:t>
-            </a:r>
-            <a:r>
-              <a:rPr lang="en-US" altLang="zh-TW" dirty="0" smtClean="0"/>
-              <a:t>+range()</a:t>
-            </a:r>
-            <a:endParaRPr lang="zh-TW" altLang="en-US" dirty="0"/>
-          </a:p>
-        </p:txBody>
-      </p:sp>
-      <p:sp>
-        <p:nvSpPr>
-          <p:cNvPr id="3" name="內容版面配置區 2"/>
-          <p:cNvSpPr>
-            <a:spLocks noGrp="1"/>
-          </p:cNvSpPr>
-          <p:nvPr>
-            <p:ph idx="1"/>
-          </p:nvPr>
-        </p:nvSpPr>
-        <p:spPr/>
-        <p:txBody>
-          <a:bodyPr>
-            <a:normAutofit/>
-          </a:bodyPr>
-          <a:lstStyle/>
-          <a:p>
-            <a:r>
-              <a:rPr lang="en-US" altLang="zh-TW" dirty="0" smtClean="0"/>
-              <a:t>for</a:t>
-            </a:r>
-            <a:r>
-              <a:rPr lang="zh-TW" altLang="en-US" dirty="0" smtClean="0"/>
-              <a:t>迴圈語法：</a:t>
-            </a:r>
-            <a:endParaRPr lang="en-US" altLang="zh-TW" dirty="0" smtClean="0"/>
-          </a:p>
-          <a:p>
-            <a:endParaRPr lang="en-US" altLang="zh-TW" dirty="0"/>
-          </a:p>
-          <a:p>
-            <a:endParaRPr lang="en-US" altLang="zh-TW" dirty="0" smtClean="0"/>
-          </a:p>
-          <a:p>
-            <a:r>
-              <a:rPr lang="zh-TW" altLang="en-US" dirty="0" smtClean="0"/>
-              <a:t>基本常用可迭代物件：</a:t>
-            </a:r>
-            <a:r>
-              <a:rPr lang="en-US" altLang="zh-TW" dirty="0" smtClean="0"/>
-              <a:t>range(</a:t>
-            </a:r>
-            <a:r>
-              <a:rPr lang="en-US" altLang="zh-TW" dirty="0" smtClean="0">
-                <a:solidFill>
-                  <a:srgbClr val="FF0000"/>
-                </a:solidFill>
-              </a:rPr>
-              <a:t>n</a:t>
+              <a:t>質因數分解</a:t>
             </a:r>
             <a:r>
               <a:rPr lang="en-US" altLang="zh-TW" dirty="0" smtClean="0"/>
               <a:t>)</a:t>
-            </a:r>
-          </a:p>
-          <a:p>
-            <a:pPr lvl="1"/>
-            <a:r>
-              <a:rPr lang="en-US" altLang="zh-TW" dirty="0" smtClean="0"/>
-              <a:t>range(n)</a:t>
-            </a:r>
-            <a:r>
-              <a:rPr lang="zh-TW" altLang="en-US" dirty="0" smtClean="0"/>
-              <a:t>會產生</a:t>
-            </a:r>
-            <a:r>
-              <a:rPr lang="en-US" altLang="zh-TW" dirty="0" smtClean="0"/>
-              <a:t>0,1,2,3,…., (n-1)</a:t>
-            </a:r>
-            <a:r>
-              <a:rPr lang="zh-TW" altLang="en-US" dirty="0" smtClean="0"/>
-              <a:t>共</a:t>
-            </a:r>
-            <a:r>
-              <a:rPr lang="en-US" altLang="zh-TW" dirty="0" smtClean="0"/>
-              <a:t>n</a:t>
-            </a:r>
-            <a:r>
-              <a:rPr lang="zh-TW" altLang="en-US" dirty="0" smtClean="0"/>
-              <a:t>個數字的數字串</a:t>
-            </a:r>
-            <a:endParaRPr lang="en-US" altLang="zh-TW" dirty="0" smtClean="0"/>
-          </a:p>
-          <a:p>
-            <a:r>
-              <a:rPr lang="zh-TW" altLang="en-US" dirty="0" smtClean="0"/>
-              <a:t>範例：</a:t>
-            </a:r>
-            <a:endParaRPr lang="en-US" altLang="zh-TW" dirty="0" smtClean="0"/>
-          </a:p>
-          <a:p>
-            <a:endParaRPr lang="en-US" altLang="zh-TW" dirty="0"/>
-          </a:p>
-          <a:p>
-            <a:pPr lvl="1"/>
-            <a:r>
-              <a:rPr lang="zh-TW" altLang="en-US" dirty="0" smtClean="0"/>
-              <a:t>會輸出 </a:t>
-            </a:r>
-            <a:r>
-              <a:rPr lang="en-US" altLang="zh-TW" dirty="0" smtClean="0"/>
-              <a:t>0,1,2,3,4,….,8,9</a:t>
-            </a:r>
-            <a:r>
-              <a:rPr lang="zh-TW" altLang="en-US" dirty="0" smtClean="0"/>
-              <a:t>共</a:t>
-            </a:r>
-            <a:r>
-              <a:rPr lang="en-US" altLang="zh-TW" dirty="0" smtClean="0"/>
-              <a:t>10</a:t>
-            </a:r>
-            <a:r>
-              <a:rPr lang="zh-TW" altLang="en-US" dirty="0" smtClean="0"/>
-              <a:t>個數字。</a:t>
-            </a:r>
-            <a:endParaRPr lang="en-US" altLang="zh-TW" dirty="0" smtClean="0"/>
-          </a:p>
-          <a:p>
-            <a:endParaRPr lang="en-US" altLang="zh-TW" dirty="0" smtClean="0"/>
-          </a:p>
-        </p:txBody>
-      </p:sp>
-      <p:sp>
-        <p:nvSpPr>
-          <p:cNvPr id="5" name="圓角矩形 4"/>
-          <p:cNvSpPr/>
-          <p:nvPr/>
-        </p:nvSpPr>
-        <p:spPr>
-          <a:xfrm>
-            <a:off x="8063076" y="1730029"/>
-            <a:ext cx="1357229" cy="392176"/>
-          </a:xfrm>
-          <a:prstGeom prst="roundRect">
-            <a:avLst>
-              <a:gd name="adj" fmla="val 50000"/>
-            </a:avLst>
-          </a:prstGeom>
-          <a:solidFill>
-            <a:schemeClr val="bg1"/>
-          </a:solidFill>
-          <a:ln>
-            <a:solidFill>
-              <a:schemeClr val="tx1"/>
-            </a:solidFill>
-          </a:ln>
-        </p:spPr>
-        <p:style>
-          <a:lnRef idx="2">
-            <a:schemeClr val="accent1">
-              <a:shade val="50000"/>
-            </a:schemeClr>
-          </a:lnRef>
-          <a:fillRef idx="1">
-            <a:schemeClr val="accent1"/>
-          </a:fillRef>
-          <a:effectRef idx="0">
-            <a:schemeClr val="accent1"/>
-          </a:effectRef>
-          <a:fontRef idx="minor">
-            <a:schemeClr val="lt1"/>
-          </a:fontRef>
-        </p:style>
-        <p:txBody>
-          <a:bodyPr rtlCol="0" anchor="ctr"/>
-          <a:lstStyle/>
-          <a:p>
-            <a:pPr algn="ctr"/>
-            <a:r>
-              <a:rPr lang="zh-TW" altLang="en-US" dirty="0">
-                <a:solidFill>
-                  <a:schemeClr val="tx1"/>
-                </a:solidFill>
-              </a:rPr>
-              <a:t>迴圈開始</a:t>
-            </a:r>
-          </a:p>
-        </p:txBody>
-      </p:sp>
-      <p:cxnSp>
-        <p:nvCxnSpPr>
-          <p:cNvPr id="8" name="直線單箭頭接點 7"/>
-          <p:cNvCxnSpPr>
-            <a:stCxn id="11" idx="2"/>
-            <a:endCxn id="10" idx="0"/>
-          </p:cNvCxnSpPr>
-          <p:nvPr/>
-        </p:nvCxnSpPr>
-        <p:spPr>
-          <a:xfrm>
-            <a:off x="8739775" y="4377988"/>
-            <a:ext cx="1917" cy="802639"/>
-          </a:xfrm>
-          <a:prstGeom prst="straightConnector1">
-            <a:avLst/>
-          </a:prstGeom>
-          <a:ln w="28575">
-            <a:solidFill>
-              <a:schemeClr val="tx1"/>
-            </a:solidFill>
-            <a:headEnd type="none" w="med" len="med"/>
-            <a:tailEnd type="triangle" w="med" len="med"/>
-          </a:ln>
-        </p:spPr>
-        <p:style>
-          <a:lnRef idx="1">
-            <a:schemeClr val="accent1"/>
-          </a:lnRef>
-          <a:fillRef idx="0">
-            <a:schemeClr val="accent1"/>
-          </a:fillRef>
-          <a:effectRef idx="0">
-            <a:schemeClr val="accent1"/>
-          </a:effectRef>
-          <a:fontRef idx="minor">
-            <a:schemeClr val="tx1"/>
-          </a:fontRef>
-        </p:style>
-      </p:cxnSp>
-      <p:sp>
-        <p:nvSpPr>
-          <p:cNvPr id="10" name="圓角矩形 9"/>
-          <p:cNvSpPr/>
-          <p:nvPr/>
-        </p:nvSpPr>
-        <p:spPr>
-          <a:xfrm>
-            <a:off x="8063077" y="5180627"/>
-            <a:ext cx="1357229" cy="392176"/>
-          </a:xfrm>
-          <a:prstGeom prst="roundRect">
-            <a:avLst>
-              <a:gd name="adj" fmla="val 50000"/>
-            </a:avLst>
-          </a:prstGeom>
-          <a:solidFill>
-            <a:schemeClr val="bg1"/>
-          </a:solidFill>
-          <a:ln>
-            <a:solidFill>
-              <a:schemeClr val="tx1"/>
-            </a:solidFill>
-          </a:ln>
-        </p:spPr>
-        <p:style>
-          <a:lnRef idx="2">
-            <a:schemeClr val="accent1">
-              <a:shade val="50000"/>
-            </a:schemeClr>
-          </a:lnRef>
-          <a:fillRef idx="1">
-            <a:schemeClr val="accent1"/>
-          </a:fillRef>
-          <a:effectRef idx="0">
-            <a:schemeClr val="accent1"/>
-          </a:effectRef>
-          <a:fontRef idx="minor">
-            <a:schemeClr val="lt1"/>
-          </a:fontRef>
-        </p:style>
-        <p:txBody>
-          <a:bodyPr rtlCol="0" anchor="ctr"/>
-          <a:lstStyle/>
-          <a:p>
-            <a:pPr algn="ctr"/>
-            <a:r>
-              <a:rPr lang="zh-TW" altLang="en-US" dirty="0" smtClean="0">
-                <a:solidFill>
-                  <a:schemeClr val="tx1"/>
-                </a:solidFill>
-              </a:rPr>
-              <a:t>迴圈</a:t>
-            </a:r>
-            <a:r>
-              <a:rPr lang="zh-TW" altLang="en-US" dirty="0">
-                <a:solidFill>
-                  <a:schemeClr val="tx1"/>
-                </a:solidFill>
-              </a:rPr>
-              <a:t>結束</a:t>
-            </a:r>
-            <a:endParaRPr lang="en-US" altLang="zh-TW" dirty="0" smtClean="0">
-              <a:solidFill>
-                <a:schemeClr val="tx1"/>
-              </a:solidFill>
-            </a:endParaRPr>
-          </a:p>
-        </p:txBody>
-      </p:sp>
-      <p:sp>
-        <p:nvSpPr>
-          <p:cNvPr id="11" name="菱形 10"/>
-          <p:cNvSpPr/>
-          <p:nvPr/>
-        </p:nvSpPr>
-        <p:spPr>
-          <a:xfrm>
-            <a:off x="7117694" y="3216192"/>
-            <a:ext cx="3244162" cy="1161796"/>
-          </a:xfrm>
-          <a:prstGeom prst="diamond">
-            <a:avLst/>
-          </a:prstGeom>
-          <a:solidFill>
-            <a:schemeClr val="bg1"/>
-          </a:solidFill>
-          <a:ln w="38100">
-            <a:solidFill>
-              <a:srgbClr val="FF0000"/>
-            </a:solidFill>
-          </a:ln>
-        </p:spPr>
-        <p:style>
-          <a:lnRef idx="2">
-            <a:schemeClr val="accent1">
-              <a:shade val="50000"/>
-            </a:schemeClr>
-          </a:lnRef>
-          <a:fillRef idx="1">
-            <a:schemeClr val="accent1"/>
-          </a:fillRef>
-          <a:effectRef idx="0">
-            <a:schemeClr val="accent1"/>
-          </a:effectRef>
-          <a:fontRef idx="minor">
-            <a:schemeClr val="lt1"/>
-          </a:fontRef>
-        </p:style>
-        <p:txBody>
-          <a:bodyPr rtlCol="0" anchor="ctr"/>
-          <a:lstStyle/>
-          <a:p>
-            <a:pPr algn="ctr">
-              <a:tabLst>
-                <a:tab pos="1344613" algn="l"/>
-              </a:tabLst>
-            </a:pPr>
-            <a:r>
-              <a:rPr lang="zh-TW" altLang="en-US" dirty="0" smtClean="0">
-                <a:solidFill>
-                  <a:schemeClr val="tx1"/>
-                </a:solidFill>
-              </a:rPr>
-              <a:t>可迭代物件有變數尚未執行</a:t>
-            </a:r>
-            <a:endParaRPr lang="zh-TW" altLang="en-US" dirty="0">
-              <a:solidFill>
-                <a:schemeClr val="tx1"/>
-              </a:solidFill>
-            </a:endParaRPr>
-          </a:p>
-        </p:txBody>
-      </p:sp>
-      <p:sp>
-        <p:nvSpPr>
-          <p:cNvPr id="13" name="文字方塊 12"/>
-          <p:cNvSpPr txBox="1"/>
-          <p:nvPr/>
-        </p:nvSpPr>
-        <p:spPr>
-          <a:xfrm>
-            <a:off x="10251272" y="3441241"/>
-            <a:ext cx="636969" cy="369332"/>
-          </a:xfrm>
-          <a:prstGeom prst="rect">
-            <a:avLst/>
-          </a:prstGeom>
-          <a:noFill/>
-        </p:spPr>
-        <p:txBody>
-          <a:bodyPr wrap="none" rtlCol="0">
-            <a:spAutoFit/>
-          </a:bodyPr>
-          <a:lstStyle/>
-          <a:p>
-            <a:r>
-              <a:rPr lang="en-US" altLang="zh-TW" dirty="0" smtClean="0"/>
-              <a:t>True</a:t>
-            </a:r>
-            <a:endParaRPr lang="zh-TW" altLang="en-US" dirty="0"/>
-          </a:p>
-        </p:txBody>
-      </p:sp>
-      <p:sp>
-        <p:nvSpPr>
-          <p:cNvPr id="14" name="文字方塊 13"/>
-          <p:cNvSpPr txBox="1"/>
-          <p:nvPr/>
-        </p:nvSpPr>
-        <p:spPr>
-          <a:xfrm>
-            <a:off x="8063077" y="4377988"/>
-            <a:ext cx="715260" cy="369332"/>
-          </a:xfrm>
-          <a:prstGeom prst="rect">
-            <a:avLst/>
-          </a:prstGeom>
-          <a:noFill/>
-        </p:spPr>
-        <p:txBody>
-          <a:bodyPr wrap="none" rtlCol="0">
-            <a:spAutoFit/>
-          </a:bodyPr>
-          <a:lstStyle/>
-          <a:p>
-            <a:r>
-              <a:rPr lang="en-US" altLang="zh-TW" dirty="0" smtClean="0"/>
-              <a:t>False</a:t>
-            </a:r>
-            <a:endParaRPr lang="zh-TW" altLang="en-US" dirty="0"/>
-          </a:p>
-        </p:txBody>
-      </p:sp>
-      <p:sp>
-        <p:nvSpPr>
-          <p:cNvPr id="18" name="矩形 17"/>
-          <p:cNvSpPr/>
-          <p:nvPr/>
-        </p:nvSpPr>
-        <p:spPr>
-          <a:xfrm>
-            <a:off x="10277632" y="2295624"/>
-            <a:ext cx="1271016" cy="758758"/>
-          </a:xfrm>
-          <a:prstGeom prst="rect">
-            <a:avLst/>
-          </a:prstGeom>
-          <a:solidFill>
-            <a:schemeClr val="bg1"/>
-          </a:solidFill>
-          <a:ln w="38100">
-            <a:solidFill>
-              <a:srgbClr val="FF0000"/>
-            </a:solidFill>
-          </a:ln>
-        </p:spPr>
-        <p:style>
-          <a:lnRef idx="2">
-            <a:schemeClr val="accent1">
-              <a:shade val="50000"/>
-            </a:schemeClr>
-          </a:lnRef>
-          <a:fillRef idx="1">
-            <a:schemeClr val="accent1"/>
-          </a:fillRef>
-          <a:effectRef idx="0">
-            <a:schemeClr val="accent1"/>
-          </a:effectRef>
-          <a:fontRef idx="minor">
-            <a:schemeClr val="lt1"/>
-          </a:fontRef>
-        </p:style>
-        <p:txBody>
-          <a:bodyPr rtlCol="0" anchor="ctr"/>
-          <a:lstStyle/>
-          <a:p>
-            <a:pPr algn="ctr"/>
-            <a:r>
-              <a:rPr lang="zh-TW" altLang="en-US" dirty="0" smtClean="0">
-                <a:solidFill>
-                  <a:schemeClr val="tx1"/>
-                </a:solidFill>
-              </a:rPr>
-              <a:t>重複執行的工作</a:t>
-            </a:r>
-            <a:endParaRPr lang="zh-TW" altLang="en-US" dirty="0">
-              <a:solidFill>
-                <a:schemeClr val="tx1"/>
-              </a:solidFill>
-            </a:endParaRPr>
-          </a:p>
-        </p:txBody>
-      </p:sp>
-      <p:cxnSp>
-        <p:nvCxnSpPr>
-          <p:cNvPr id="19" name="直線單箭頭接點 18"/>
-          <p:cNvCxnSpPr>
-            <a:stCxn id="18" idx="1"/>
-          </p:cNvCxnSpPr>
-          <p:nvPr/>
-        </p:nvCxnSpPr>
-        <p:spPr>
-          <a:xfrm flipH="1" flipV="1">
-            <a:off x="8739775" y="2669198"/>
-            <a:ext cx="1537857" cy="5805"/>
-          </a:xfrm>
-          <a:prstGeom prst="straightConnector1">
-            <a:avLst/>
-          </a:prstGeom>
-          <a:ln w="28575">
-            <a:solidFill>
-              <a:schemeClr val="tx1"/>
-            </a:solidFill>
-            <a:headEnd type="none" w="med" len="med"/>
-            <a:tailEnd type="triangle" w="med" len="med"/>
-          </a:ln>
-        </p:spPr>
-        <p:style>
-          <a:lnRef idx="1">
-            <a:schemeClr val="accent1"/>
-          </a:lnRef>
-          <a:fillRef idx="0">
-            <a:schemeClr val="accent1"/>
-          </a:fillRef>
-          <a:effectRef idx="0">
-            <a:schemeClr val="accent1"/>
-          </a:effectRef>
-          <a:fontRef idx="minor">
-            <a:schemeClr val="tx1"/>
-          </a:fontRef>
-        </p:style>
-      </p:cxnSp>
-      <p:cxnSp>
-        <p:nvCxnSpPr>
-          <p:cNvPr id="39" name="直線單箭頭接點 38"/>
-          <p:cNvCxnSpPr>
-            <a:stCxn id="5" idx="2"/>
-            <a:endCxn id="11" idx="0"/>
-          </p:cNvCxnSpPr>
-          <p:nvPr/>
-        </p:nvCxnSpPr>
-        <p:spPr>
-          <a:xfrm flipH="1">
-            <a:off x="8739775" y="2122205"/>
-            <a:ext cx="1916" cy="1093987"/>
-          </a:xfrm>
-          <a:prstGeom prst="straightConnector1">
-            <a:avLst/>
-          </a:prstGeom>
-          <a:ln w="28575">
-            <a:solidFill>
-              <a:schemeClr val="tx1"/>
-            </a:solidFill>
-            <a:headEnd type="none" w="med" len="med"/>
-            <a:tailEnd type="triangle" w="med" len="med"/>
-          </a:ln>
-        </p:spPr>
-        <p:style>
-          <a:lnRef idx="1">
-            <a:schemeClr val="accent1"/>
-          </a:lnRef>
-          <a:fillRef idx="0">
-            <a:schemeClr val="accent1"/>
-          </a:fillRef>
-          <a:effectRef idx="0">
-            <a:schemeClr val="accent1"/>
-          </a:effectRef>
-          <a:fontRef idx="minor">
-            <a:schemeClr val="tx1"/>
-          </a:fontRef>
-        </p:style>
-      </p:cxnSp>
-      <p:pic>
-        <p:nvPicPr>
-          <p:cNvPr id="6" name="圖片 5"/>
-          <p:cNvPicPr>
-            <a:picLocks noChangeAspect="1"/>
-          </p:cNvPicPr>
-          <p:nvPr/>
-        </p:nvPicPr>
-        <p:blipFill>
-          <a:blip r:embed="rId2"/>
-          <a:stretch>
-            <a:fillRect/>
-          </a:stretch>
-        </p:blipFill>
-        <p:spPr>
-          <a:xfrm>
-            <a:off x="2518218" y="2160589"/>
-            <a:ext cx="4440366" cy="912168"/>
-          </a:xfrm>
-          <a:prstGeom prst="rect">
-            <a:avLst/>
-          </a:prstGeom>
-        </p:spPr>
-      </p:pic>
-      <p:cxnSp>
-        <p:nvCxnSpPr>
-          <p:cNvPr id="62" name="肘形接點 61"/>
-          <p:cNvCxnSpPr>
-            <a:stCxn id="11" idx="3"/>
-            <a:endCxn id="18" idx="2"/>
-          </p:cNvCxnSpPr>
-          <p:nvPr/>
-        </p:nvCxnSpPr>
-        <p:spPr>
-          <a:xfrm flipV="1">
-            <a:off x="10361856" y="3054382"/>
-            <a:ext cx="551284" cy="742708"/>
-          </a:xfrm>
-          <a:prstGeom prst="bentConnector2">
-            <a:avLst/>
-          </a:prstGeom>
-          <a:ln w="28575">
-            <a:solidFill>
-              <a:schemeClr val="tx1"/>
-            </a:solidFill>
-            <a:tailEnd type="triangle"/>
-          </a:ln>
-        </p:spPr>
-        <p:style>
-          <a:lnRef idx="1">
-            <a:schemeClr val="accent1"/>
-          </a:lnRef>
-          <a:fillRef idx="0">
-            <a:schemeClr val="accent1"/>
-          </a:fillRef>
-          <a:effectRef idx="0">
-            <a:schemeClr val="accent1"/>
-          </a:effectRef>
-          <a:fontRef idx="minor">
-            <a:schemeClr val="tx1"/>
-          </a:fontRef>
-        </p:style>
-      </p:cxnSp>
-      <p:pic>
-        <p:nvPicPr>
-          <p:cNvPr id="74" name="圖片 73"/>
-          <p:cNvPicPr>
-            <a:picLocks noChangeAspect="1"/>
-          </p:cNvPicPr>
-          <p:nvPr/>
-        </p:nvPicPr>
-        <p:blipFill>
-          <a:blip r:embed="rId3"/>
-          <a:stretch>
-            <a:fillRect/>
-          </a:stretch>
-        </p:blipFill>
-        <p:spPr>
-          <a:xfrm>
-            <a:off x="1829371" y="4205466"/>
-            <a:ext cx="2790825" cy="714375"/>
-          </a:xfrm>
-          <a:prstGeom prst="rect">
-            <a:avLst/>
-          </a:prstGeom>
-        </p:spPr>
-      </p:pic>
-      <p:sp>
-        <p:nvSpPr>
-          <p:cNvPr id="4" name="矩形 3"/>
-          <p:cNvSpPr/>
-          <p:nvPr/>
-        </p:nvSpPr>
-        <p:spPr>
-          <a:xfrm>
-            <a:off x="3521673" y="4880305"/>
-            <a:ext cx="4504759" cy="1384995"/>
-          </a:xfrm>
-          <a:prstGeom prst="rect">
-            <a:avLst/>
-          </a:prstGeom>
-          <a:noFill/>
-        </p:spPr>
-        <p:txBody>
-          <a:bodyPr wrap="none" lIns="91440" tIns="45720" rIns="91440" bIns="45720">
-            <a:spAutoFit/>
-            <a:scene3d>
-              <a:camera prst="orthographicFront"/>
-              <a:lightRig rig="harsh" dir="t"/>
-            </a:scene3d>
-            <a:sp3d extrusionH="57150" prstMaterial="matte">
-              <a:bevelT w="63500" h="12700" prst="angle"/>
-              <a:contourClr>
-                <a:schemeClr val="bg1">
-                  <a:lumMod val="65000"/>
-                </a:schemeClr>
-              </a:contourClr>
-            </a:sp3d>
-          </a:bodyPr>
-          <a:lstStyle/>
-          <a:p>
-            <a:pPr algn="ctr"/>
-            <a:r>
-              <a:rPr lang="zh-TW" altLang="en-US" sz="2800" b="1" cap="none" spc="0" dirty="0" smtClean="0">
-                <a:ln>
-                  <a:solidFill>
-                    <a:srgbClr val="FF0000"/>
-                  </a:solidFill>
-                </a:ln>
-                <a:solidFill>
-                  <a:srgbClr val="C00000"/>
-                </a:solidFill>
-                <a:effectLst/>
-              </a:rPr>
-              <a:t>白話說法：</a:t>
-            </a:r>
-            <a:endParaRPr lang="en-US" altLang="zh-TW" sz="2800" b="1" cap="none" spc="0" dirty="0" smtClean="0">
-              <a:ln>
-                <a:solidFill>
-                  <a:srgbClr val="FF0000"/>
-                </a:solidFill>
-              </a:ln>
-              <a:solidFill>
-                <a:srgbClr val="C00000"/>
-              </a:solidFill>
-              <a:effectLst/>
-            </a:endParaRPr>
-          </a:p>
-          <a:p>
-            <a:pPr algn="ctr"/>
-            <a:r>
-              <a:rPr lang="zh-TW" altLang="en-US" sz="2800" b="1" dirty="0">
-                <a:ln>
-                  <a:solidFill>
-                    <a:srgbClr val="FF0000"/>
-                  </a:solidFill>
-                </a:ln>
-                <a:solidFill>
-                  <a:srgbClr val="C00000"/>
-                </a:solidFill>
-              </a:rPr>
-              <a:t>他會產生</a:t>
-            </a:r>
-            <a:r>
-              <a:rPr lang="en-US" altLang="zh-TW" sz="2800" b="1" dirty="0">
-                <a:ln>
-                  <a:solidFill>
-                    <a:srgbClr val="FF0000"/>
-                  </a:solidFill>
-                </a:ln>
-                <a:solidFill>
-                  <a:srgbClr val="C00000"/>
-                </a:solidFill>
-              </a:rPr>
-              <a:t>n</a:t>
-            </a:r>
-            <a:r>
-              <a:rPr lang="zh-TW" altLang="en-US" sz="2800" b="1" dirty="0">
-                <a:ln>
-                  <a:solidFill>
-                    <a:srgbClr val="FF0000"/>
-                  </a:solidFill>
-                </a:ln>
-                <a:solidFill>
-                  <a:srgbClr val="C00000"/>
-                </a:solidFill>
-              </a:rPr>
-              <a:t>個</a:t>
-            </a:r>
-            <a:r>
-              <a:rPr lang="en-US" altLang="zh-TW" sz="2800" b="1" dirty="0">
-                <a:ln>
-                  <a:solidFill>
-                    <a:srgbClr val="FF0000"/>
-                  </a:solidFill>
-                </a:ln>
-                <a:solidFill>
-                  <a:srgbClr val="C00000"/>
-                </a:solidFill>
-              </a:rPr>
-              <a:t>0</a:t>
-            </a:r>
-            <a:r>
-              <a:rPr lang="en-US" altLang="zh-TW" sz="2800" b="1" dirty="0" smtClean="0">
-                <a:ln>
-                  <a:solidFill>
-                    <a:srgbClr val="FF0000"/>
-                  </a:solidFill>
-                </a:ln>
-                <a:solidFill>
-                  <a:srgbClr val="C00000"/>
-                </a:solidFill>
-              </a:rPr>
-              <a:t>~(n-1)</a:t>
-            </a:r>
-            <a:r>
-              <a:rPr lang="zh-TW" altLang="en-US" sz="2800" b="1" dirty="0" smtClean="0">
-                <a:ln>
-                  <a:solidFill>
-                    <a:srgbClr val="FF0000"/>
-                  </a:solidFill>
-                </a:ln>
-                <a:solidFill>
-                  <a:srgbClr val="C00000"/>
-                </a:solidFill>
-              </a:rPr>
-              <a:t>個數字</a:t>
-            </a:r>
-            <a:endParaRPr lang="en-US" altLang="zh-TW" sz="2800" b="1" dirty="0" smtClean="0">
-              <a:ln>
-                <a:solidFill>
-                  <a:srgbClr val="FF0000"/>
-                </a:solidFill>
-              </a:ln>
-              <a:solidFill>
-                <a:srgbClr val="C00000"/>
-              </a:solidFill>
-            </a:endParaRPr>
-          </a:p>
-          <a:p>
-            <a:pPr algn="ctr"/>
-            <a:r>
-              <a:rPr lang="zh-TW" altLang="en-US" sz="2800" b="1" dirty="0">
-                <a:ln>
-                  <a:solidFill>
-                    <a:srgbClr val="FF0000"/>
-                  </a:solidFill>
-                </a:ln>
-                <a:solidFill>
-                  <a:srgbClr val="C00000"/>
-                </a:solidFill>
-              </a:rPr>
-              <a:t>依序</a:t>
-            </a:r>
-            <a:r>
-              <a:rPr lang="zh-TW" altLang="en-US" sz="2800" b="1" dirty="0" smtClean="0">
-                <a:ln>
-                  <a:solidFill>
-                    <a:srgbClr val="FF0000"/>
-                  </a:solidFill>
-                </a:ln>
-                <a:solidFill>
-                  <a:srgbClr val="C00000"/>
-                </a:solidFill>
-              </a:rPr>
-              <a:t>帶入變數</a:t>
-            </a:r>
-            <a:r>
-              <a:rPr lang="en-US" altLang="zh-TW" sz="2800" b="1" dirty="0" err="1" smtClean="0">
-                <a:ln>
-                  <a:solidFill>
-                    <a:srgbClr val="FF0000"/>
-                  </a:solidFill>
-                </a:ln>
-                <a:solidFill>
-                  <a:srgbClr val="C00000"/>
-                </a:solidFill>
-              </a:rPr>
-              <a:t>i</a:t>
-            </a:r>
-            <a:r>
-              <a:rPr lang="zh-TW" altLang="en-US" sz="2800" b="1" dirty="0" smtClean="0">
-                <a:ln>
-                  <a:solidFill>
-                    <a:srgbClr val="FF0000"/>
-                  </a:solidFill>
-                </a:ln>
-                <a:solidFill>
-                  <a:srgbClr val="C00000"/>
-                </a:solidFill>
-              </a:rPr>
-              <a:t>中給你用</a:t>
-            </a:r>
-            <a:endParaRPr lang="zh-TW" altLang="en-US" sz="2800" b="1" cap="none" spc="0" dirty="0">
-              <a:ln>
-                <a:solidFill>
-                  <a:srgbClr val="FF0000"/>
-                </a:solidFill>
-              </a:ln>
-              <a:solidFill>
-                <a:srgbClr val="C00000"/>
-              </a:solidFill>
-              <a:effectLst/>
-            </a:endParaRPr>
-          </a:p>
-        </p:txBody>
-      </p:sp>
-    </p:spTree>
-    <p:extLst>
-      <p:ext uri="{BB962C8B-B14F-4D97-AF65-F5344CB8AC3E}">
-        <p14:creationId xmlns:p14="http://schemas.microsoft.com/office/powerpoint/2010/main" val="3237708370"/>
-      </p:ext>
-    </p:extLst>
-  </p:cSld>
-  <p:clrMapOvr>
-    <a:masterClrMapping/>
-  </p:clrMapOvr>
-  <p:timing>
-    <p:tnLst>
-      <p:par>
-        <p:cTn id="1" dur="indefinite" restart="never" nodeType="tmRoot">
-          <p:childTnLst>
-            <p:seq concurrent="1" nextAc="seek">
-              <p:cTn id="2" dur="indefinite" nodeType="mainSeq">
-                <p:childTnLst>
-                  <p:par>
-                    <p:cTn id="3" fill="hold">
-                      <p:stCondLst>
-                        <p:cond delay="indefinite"/>
-                      </p:stCondLst>
-                      <p:childTnLst>
-                        <p:par>
-                          <p:cTn id="4" fill="hold">
-                            <p:stCondLst>
-                              <p:cond delay="0"/>
-                            </p:stCondLst>
-                            <p:childTnLst>
-                              <p:par>
-                                <p:cTn id="5" presetID="42" presetClass="entr" presetSubtype="0" fill="hold" grpId="0" nodeType="clickEffect">
-                                  <p:stCondLst>
-                                    <p:cond delay="0"/>
-                                  </p:stCondLst>
-                                  <p:childTnLst>
-                                    <p:set>
-                                      <p:cBhvr>
-                                        <p:cTn id="6" dur="1" fill="hold">
-                                          <p:stCondLst>
-                                            <p:cond delay="0"/>
-                                          </p:stCondLst>
-                                        </p:cTn>
-                                        <p:tgtEl>
-                                          <p:spTgt spid="4"/>
-                                        </p:tgtEl>
-                                        <p:attrNameLst>
-                                          <p:attrName>style.visibility</p:attrName>
-                                        </p:attrNameLst>
-                                      </p:cBhvr>
-                                      <p:to>
-                                        <p:strVal val="visible"/>
-                                      </p:to>
-                                    </p:set>
-                                    <p:animEffect transition="in" filter="fade">
-                                      <p:cBhvr>
-                                        <p:cTn id="7" dur="1000"/>
-                                        <p:tgtEl>
-                                          <p:spTgt spid="4"/>
-                                        </p:tgtEl>
-                                      </p:cBhvr>
-                                    </p:animEffect>
-                                    <p:anim calcmode="lin" valueType="num">
-                                      <p:cBhvr>
-                                        <p:cTn id="8" dur="1000" fill="hold"/>
-                                        <p:tgtEl>
-                                          <p:spTgt spid="4"/>
-                                        </p:tgtEl>
-                                        <p:attrNameLst>
-                                          <p:attrName>ppt_x</p:attrName>
-                                        </p:attrNameLst>
-                                      </p:cBhvr>
-                                      <p:tavLst>
-                                        <p:tav tm="0">
-                                          <p:val>
-                                            <p:strVal val="#ppt_x"/>
-                                          </p:val>
-                                        </p:tav>
-                                        <p:tav tm="100000">
-                                          <p:val>
-                                            <p:strVal val="#ppt_x"/>
-                                          </p:val>
-                                        </p:tav>
-                                      </p:tavLst>
-                                    </p:anim>
-                                    <p:anim calcmode="lin" valueType="num">
-                                      <p:cBhvr>
-                                        <p:cTn id="9" dur="1000" fill="hold"/>
-                                        <p:tgtEl>
-                                          <p:spTgt spid="4"/>
-                                        </p:tgtEl>
-                                        <p:attrNameLst>
-                                          <p:attrName>ppt_y</p:attrName>
-                                        </p:attrNameLst>
-                                      </p:cBhvr>
-                                      <p:tavLst>
-                                        <p:tav tm="0">
-                                          <p:val>
-                                            <p:strVal val="#ppt_y+.1"/>
-                                          </p:val>
-                                        </p:tav>
-                                        <p:tav tm="100000">
-                                          <p:val>
-                                            <p:strVal val="#ppt_y"/>
-                                          </p:val>
-                                        </p:tav>
-                                      </p:tavLst>
-                                    </p:anim>
-                                  </p:childTnLst>
-                                </p:cTn>
-                              </p:par>
-                            </p:childTnLst>
-                          </p:cTn>
-                        </p:par>
-                      </p:childTnLst>
-                    </p:cTn>
-                  </p:par>
-                </p:childTnLst>
-              </p:cTn>
-              <p:prevCondLst>
-                <p:cond evt="onPrev" delay="0">
-                  <p:tgtEl>
-                    <p:sldTgt/>
-                  </p:tgtEl>
-                </p:cond>
-              </p:prevCondLst>
-              <p:nextCondLst>
-                <p:cond evt="onNext" delay="0">
-                  <p:tgtEl>
-                    <p:sldTgt/>
-                  </p:tgtEl>
-                </p:cond>
-              </p:nextCondLst>
-            </p:seq>
-          </p:childTnLst>
-        </p:cTn>
-      </p:par>
-    </p:tnLst>
-    <p:bldLst>
-      <p:bldP spid="4" grpId="0"/>
-    </p:bldLst>
-  </p:timing>
-</p:sld>
-</file>
-
-<file path=ppt/slides/slide40.xml><?xml version="1.0" encoding="utf-8"?>
-<p:sld xmlns:a="http://schemas.openxmlformats.org/drawingml/2006/main" xmlns:r="http://schemas.openxmlformats.org/officeDocument/2006/relationships" xmlns:p="http://schemas.openxmlformats.org/presentationml/2006/main">
-  <p:cSld>
-    <p:spTree>
-      <p:nvGrpSpPr>
-        <p:cNvPr id="1" name=""/>
-        <p:cNvGrpSpPr/>
-        <p:nvPr/>
-      </p:nvGrpSpPr>
-      <p:grpSpPr>
-        <a:xfrm>
-          <a:off x="0" y="0"/>
-          <a:ext cx="0" cy="0"/>
-          <a:chOff x="0" y="0"/>
-          <a:chExt cx="0" cy="0"/>
-        </a:xfrm>
-      </p:grpSpPr>
-      <p:sp>
-        <p:nvSpPr>
-          <p:cNvPr id="2" name="標題 1"/>
-          <p:cNvSpPr>
-            <a:spLocks noGrp="1"/>
-          </p:cNvSpPr>
-          <p:nvPr>
-            <p:ph type="title"/>
-          </p:nvPr>
-        </p:nvSpPr>
-        <p:spPr/>
-        <p:txBody>
-          <a:bodyPr/>
-          <a:lstStyle/>
-          <a:p>
-            <a:r>
-              <a:rPr lang="zh-TW" altLang="en-US" dirty="0" smtClean="0"/>
-              <a:t>練習十二</a:t>
-            </a:r>
-            <a:r>
-              <a:rPr lang="en-US" altLang="zh-TW" dirty="0" smtClean="0"/>
-              <a:t/>
-            </a:r>
-            <a:br>
-              <a:rPr lang="en-US" altLang="zh-TW" dirty="0" smtClean="0"/>
-            </a:br>
-            <a:r>
-              <a:rPr lang="zh-TW" altLang="en-US" dirty="0"/>
-              <a:t>找出</a:t>
-            </a:r>
-            <a:r>
-              <a:rPr lang="zh-TW" altLang="en-US" dirty="0" smtClean="0"/>
-              <a:t>所有質因數</a:t>
             </a:r>
             <a:endParaRPr lang="zh-TW" altLang="en-US" dirty="0"/>
           </a:p>
@@ -34407,7 +36044,7 @@
 </p:sld>
 </file>
 
-<file path=ppt/slides/slide41.xml><?xml version="1.0" encoding="utf-8"?>
+<file path=ppt/slides/slide45.xml><?xml version="1.0" encoding="utf-8"?>
 <p:sld xmlns:a="http://schemas.openxmlformats.org/drawingml/2006/main" xmlns:r="http://schemas.openxmlformats.org/officeDocument/2006/relationships" xmlns:p="http://schemas.openxmlformats.org/presentationml/2006/main">
   <p:cSld>
     <p:spTree>
@@ -34498,7 +36135,7 @@
 </p:sld>
 </file>
 
-<file path=ppt/slides/slide42.xml><?xml version="1.0" encoding="utf-8"?>
+<file path=ppt/slides/slide46.xml><?xml version="1.0" encoding="utf-8"?>
 <p:sld xmlns:a="http://schemas.openxmlformats.org/drawingml/2006/main" xmlns:r="http://schemas.openxmlformats.org/officeDocument/2006/relationships" xmlns:p="http://schemas.openxmlformats.org/presentationml/2006/main">
   <p:cSld>
     <p:spTree>
@@ -35495,6 +37132,66 @@
           </a:p>
         </p:txBody>
       </p:sp>
+      <p:sp>
+        <p:nvSpPr>
+          <p:cNvPr id="22" name="矩形 21"/>
+          <p:cNvSpPr/>
+          <p:nvPr/>
+        </p:nvSpPr>
+        <p:spPr>
+          <a:xfrm>
+            <a:off x="11151909" y="3617063"/>
+            <a:ext cx="874409" cy="563213"/>
+          </a:xfrm>
+          <a:prstGeom prst="rect">
+            <a:avLst/>
+          </a:prstGeom>
+          <a:solidFill>
+            <a:schemeClr val="bg1"/>
+          </a:solidFill>
+          <a:ln w="38100">
+            <a:solidFill>
+              <a:schemeClr val="tx1"/>
+            </a:solidFill>
+          </a:ln>
+        </p:spPr>
+        <p:style>
+          <a:lnRef idx="2">
+            <a:schemeClr val="accent1">
+              <a:shade val="50000"/>
+            </a:schemeClr>
+          </a:lnRef>
+          <a:fillRef idx="1">
+            <a:schemeClr val="accent1"/>
+          </a:fillRef>
+          <a:effectRef idx="0">
+            <a:schemeClr val="accent1"/>
+          </a:effectRef>
+          <a:fontRef idx="minor">
+            <a:schemeClr val="lt1"/>
+          </a:fontRef>
+        </p:style>
+        <p:txBody>
+          <a:bodyPr rtlCol="0" anchor="ctr"/>
+          <a:lstStyle/>
+          <a:p>
+            <a:pPr algn="ctr"/>
+            <a:r>
+              <a:rPr lang="en-US" altLang="zh-TW" sz="1400" dirty="0" smtClean="0">
+                <a:solidFill>
+                  <a:srgbClr val="FF0000"/>
+                </a:solidFill>
+              </a:rPr>
+              <a:t>break</a:t>
+            </a:r>
+            <a:endParaRPr lang="zh-TW" altLang="en-US" sz="1400" dirty="0">
+              <a:solidFill>
+                <a:srgbClr val="FF0000"/>
+              </a:solidFill>
+            </a:endParaRPr>
+          </a:p>
+        </p:txBody>
+      </p:sp>
     </p:spTree>
     <p:extLst>
       <p:ext uri="{BB962C8B-B14F-4D97-AF65-F5344CB8AC3E}">
@@ -35515,7 +37212,7 @@
 </p:sld>
 </file>
 
-<file path=ppt/slides/slide43.xml><?xml version="1.0" encoding="utf-8"?>
+<file path=ppt/slides/slide47.xml><?xml version="1.0" encoding="utf-8"?>
 <p:sld xmlns:a="http://schemas.openxmlformats.org/drawingml/2006/main" xmlns:r="http://schemas.openxmlformats.org/officeDocument/2006/relationships" xmlns:p="http://schemas.openxmlformats.org/presentationml/2006/main">
   <p:cSld>
     <p:spTree>
@@ -36555,6 +38252,66 @@
           </a:p>
         </p:txBody>
       </p:sp>
+      <p:sp>
+        <p:nvSpPr>
+          <p:cNvPr id="22" name="矩形 21"/>
+          <p:cNvSpPr/>
+          <p:nvPr/>
+        </p:nvSpPr>
+        <p:spPr>
+          <a:xfrm>
+            <a:off x="8125906" y="2117273"/>
+            <a:ext cx="1076304" cy="392177"/>
+          </a:xfrm>
+          <a:prstGeom prst="rect">
+            <a:avLst/>
+          </a:prstGeom>
+          <a:solidFill>
+            <a:schemeClr val="bg1"/>
+          </a:solidFill>
+          <a:ln w="38100">
+            <a:solidFill>
+              <a:schemeClr val="tx1"/>
+            </a:solidFill>
+          </a:ln>
+        </p:spPr>
+        <p:style>
+          <a:lnRef idx="2">
+            <a:schemeClr val="accent1">
+              <a:shade val="50000"/>
+            </a:schemeClr>
+          </a:lnRef>
+          <a:fillRef idx="1">
+            <a:schemeClr val="accent1"/>
+          </a:fillRef>
+          <a:effectRef idx="0">
+            <a:schemeClr val="accent1"/>
+          </a:effectRef>
+          <a:fontRef idx="minor">
+            <a:schemeClr val="lt1"/>
+          </a:fontRef>
+        </p:style>
+        <p:txBody>
+          <a:bodyPr rtlCol="0" anchor="ctr"/>
+          <a:lstStyle/>
+          <a:p>
+            <a:pPr algn="ctr"/>
+            <a:r>
+              <a:rPr lang="en-US" altLang="zh-TW" sz="1400" dirty="0" smtClean="0">
+                <a:solidFill>
+                  <a:srgbClr val="FF0000"/>
+                </a:solidFill>
+              </a:rPr>
+              <a:t>continue</a:t>
+            </a:r>
+            <a:endParaRPr lang="zh-TW" altLang="en-US" sz="1400" dirty="0">
+              <a:solidFill>
+                <a:srgbClr val="FF0000"/>
+              </a:solidFill>
+            </a:endParaRPr>
+          </a:p>
+        </p:txBody>
+      </p:sp>
     </p:spTree>
     <p:extLst>
       <p:ext uri="{BB962C8B-B14F-4D97-AF65-F5344CB8AC3E}">
@@ -36575,7 +38332,7 @@
 </p:sld>
 </file>
 
-<file path=ppt/slides/slide44.xml><?xml version="1.0" encoding="utf-8"?>
+<file path=ppt/slides/slide48.xml><?xml version="1.0" encoding="utf-8"?>
 <p:sld xmlns:a="http://schemas.openxmlformats.org/drawingml/2006/main" xmlns:r="http://schemas.openxmlformats.org/officeDocument/2006/relationships" xmlns:p="http://schemas.openxmlformats.org/presentationml/2006/main">
   <p:cSld>
     <p:spTree>
@@ -36666,7 +38423,7 @@
 </p:sld>
 </file>
 
-<file path=ppt/slides/slide45.xml><?xml version="1.0" encoding="utf-8"?>
+<file path=ppt/slides/slide49.xml><?xml version="1.0" encoding="utf-8"?>
 <p:sld xmlns:a="http://schemas.openxmlformats.org/drawingml/2006/main" xmlns:r="http://schemas.openxmlformats.org/officeDocument/2006/relationships" xmlns:p="http://schemas.openxmlformats.org/presentationml/2006/main">
   <p:cSld>
     <p:spTree>
@@ -36982,187 +38739,6 @@
     <p:extLst>
       <p:ext uri="{BB962C8B-B14F-4D97-AF65-F5344CB8AC3E}">
         <p14:creationId xmlns:p14="http://schemas.microsoft.com/office/powerpoint/2010/main" val="875960387"/>
-      </p:ext>
-    </p:extLst>
-  </p:cSld>
-  <p:clrMapOvr>
-    <a:masterClrMapping/>
-  </p:clrMapOvr>
-  <p:timing>
-    <p:tnLst>
-      <p:par>
-        <p:cTn id="1" dur="indefinite" restart="never" nodeType="tmRoot"/>
-      </p:par>
-    </p:tnLst>
-  </p:timing>
-</p:sld>
-</file>
-
-<file path=ppt/slides/slide46.xml><?xml version="1.0" encoding="utf-8"?>
-<p:sld xmlns:a="http://schemas.openxmlformats.org/drawingml/2006/main" xmlns:r="http://schemas.openxmlformats.org/officeDocument/2006/relationships" xmlns:p="http://schemas.openxmlformats.org/presentationml/2006/main">
-  <p:cSld>
-    <p:spTree>
-      <p:nvGrpSpPr>
-        <p:cNvPr id="1" name=""/>
-        <p:cNvGrpSpPr/>
-        <p:nvPr/>
-      </p:nvGrpSpPr>
-      <p:grpSpPr>
-        <a:xfrm>
-          <a:off x="0" y="0"/>
-          <a:ext cx="0" cy="0"/>
-          <a:chOff x="0" y="0"/>
-          <a:chExt cx="0" cy="0"/>
-        </a:xfrm>
-      </p:grpSpPr>
-      <p:sp>
-        <p:nvSpPr>
-          <p:cNvPr id="2" name="標題 1"/>
-          <p:cNvSpPr>
-            <a:spLocks noGrp="1"/>
-          </p:cNvSpPr>
-          <p:nvPr>
-            <p:ph type="title"/>
-          </p:nvPr>
-        </p:nvSpPr>
-        <p:spPr/>
-        <p:txBody>
-          <a:bodyPr/>
-          <a:lstStyle/>
-          <a:p>
-            <a:r>
-              <a:rPr lang="en-US" altLang="zh-TW" dirty="0" smtClean="0"/>
-              <a:t>for…else…</a:t>
-            </a:r>
-            <a:r>
-              <a:rPr lang="zh-TW" altLang="en-US" dirty="0" smtClean="0"/>
-              <a:t>範例</a:t>
-            </a:r>
-            <a:endParaRPr lang="zh-TW" altLang="en-US" dirty="0"/>
-          </a:p>
-        </p:txBody>
-      </p:sp>
-      <p:sp>
-        <p:nvSpPr>
-          <p:cNvPr id="3" name="內容版面配置區 2"/>
-          <p:cNvSpPr>
-            <a:spLocks noGrp="1"/>
-          </p:cNvSpPr>
-          <p:nvPr>
-            <p:ph idx="1"/>
-          </p:nvPr>
-        </p:nvSpPr>
-        <p:spPr/>
-        <p:txBody>
-          <a:bodyPr/>
-          <a:lstStyle/>
-          <a:p>
-            <a:r>
-              <a:rPr lang="zh-TW" altLang="en-US" dirty="0"/>
-              <a:t>以下為測試是否為質數的小程式</a:t>
-            </a:r>
-            <a:r>
-              <a:rPr lang="zh-TW" altLang="en-US" dirty="0" smtClean="0"/>
-              <a:t>，輸入</a:t>
-            </a:r>
-            <a:r>
-              <a:rPr lang="en-US" altLang="zh-TW" dirty="0" err="1" smtClean="0"/>
-              <a:t>num</a:t>
-            </a:r>
-            <a:r>
-              <a:rPr lang="zh-TW" altLang="en-US" dirty="0" smtClean="0"/>
-              <a:t>，然後用</a:t>
-            </a:r>
-            <a:r>
-              <a:rPr lang="en-US" altLang="zh-TW" dirty="0" smtClean="0"/>
-              <a:t>for</a:t>
-            </a:r>
-            <a:r>
-              <a:rPr lang="zh-TW" altLang="en-US" dirty="0" smtClean="0"/>
-              <a:t>迴圈檢查。</a:t>
-            </a:r>
-            <a:endParaRPr lang="en-US" altLang="zh-TW" dirty="0" smtClean="0"/>
-          </a:p>
-          <a:p>
-            <a:r>
-              <a:rPr lang="zh-TW" altLang="en-US" dirty="0"/>
-              <a:t>只要迴圈中沒執行</a:t>
-            </a:r>
-            <a:r>
-              <a:rPr lang="en-US" altLang="zh-TW" dirty="0"/>
-              <a:t>break</a:t>
-            </a:r>
-            <a:r>
-              <a:rPr lang="zh-TW" altLang="en-US" dirty="0" smtClean="0"/>
-              <a:t>，就會執行到</a:t>
-            </a:r>
-            <a:r>
-              <a:rPr lang="en-US" altLang="zh-TW" dirty="0" smtClean="0"/>
-              <a:t>else:</a:t>
-            </a:r>
-            <a:r>
-              <a:rPr lang="zh-TW" altLang="en-US" dirty="0" smtClean="0"/>
-              <a:t>那邊而顯示</a:t>
-            </a:r>
-            <a:r>
-              <a:rPr lang="en-US" altLang="zh-TW" dirty="0" smtClean="0"/>
-              <a:t>:</a:t>
-            </a:r>
-            <a:r>
-              <a:rPr lang="zh-TW" altLang="en-US" dirty="0" smtClean="0"/>
-              <a:t> </a:t>
-            </a:r>
-            <a:r>
-              <a:rPr lang="en-US" altLang="zh-TW" dirty="0" smtClean="0"/>
-              <a:t>{</a:t>
-            </a:r>
-            <a:r>
-              <a:rPr lang="en-US" altLang="zh-TW" dirty="0" err="1" smtClean="0"/>
-              <a:t>num</a:t>
-            </a:r>
-            <a:r>
-              <a:rPr lang="en-US" altLang="zh-TW" dirty="0" smtClean="0"/>
-              <a:t>}</a:t>
-            </a:r>
-            <a:r>
-              <a:rPr lang="zh-TW" altLang="en-US" dirty="0" smtClean="0"/>
-              <a:t>是質數！</a:t>
-            </a:r>
-            <a:endParaRPr lang="en-US" altLang="zh-TW" dirty="0" smtClean="0"/>
-          </a:p>
-          <a:p>
-            <a:endParaRPr lang="zh-TW" altLang="en-US" dirty="0"/>
-          </a:p>
-        </p:txBody>
-      </p:sp>
-      <p:pic>
-        <p:nvPicPr>
-          <p:cNvPr id="4" name="圖片 3"/>
-          <p:cNvPicPr>
-            <a:picLocks noChangeAspect="1"/>
-          </p:cNvPicPr>
-          <p:nvPr/>
-        </p:nvPicPr>
-        <p:blipFill>
-          <a:blip r:embed="rId2"/>
-          <a:stretch>
-            <a:fillRect/>
-          </a:stretch>
-        </p:blipFill>
-        <p:spPr>
-          <a:xfrm>
-            <a:off x="1157177" y="3308861"/>
-            <a:ext cx="4881329" cy="2461003"/>
-          </a:xfrm>
-          <a:prstGeom prst="rect">
-            <a:avLst/>
-          </a:prstGeom>
-        </p:spPr>
-      </p:pic>
-    </p:spTree>
-    <p:extLst>
-      <p:ext uri="{BB962C8B-B14F-4D97-AF65-F5344CB8AC3E}">
-        <p14:creationId xmlns:p14="http://schemas.microsoft.com/office/powerpoint/2010/main" val="2242364243"/>
       </p:ext>
     </p:extLst>
   </p:cSld>
@@ -37792,6 +39368,187 @@
 </p:sld>
 </file>
 
+<file path=ppt/slides/slide50.xml><?xml version="1.0" encoding="utf-8"?>
+<p:sld xmlns:a="http://schemas.openxmlformats.org/drawingml/2006/main" xmlns:r="http://schemas.openxmlformats.org/officeDocument/2006/relationships" xmlns:p="http://schemas.openxmlformats.org/presentationml/2006/main">
+  <p:cSld>
+    <p:spTree>
+      <p:nvGrpSpPr>
+        <p:cNvPr id="1" name=""/>
+        <p:cNvGrpSpPr/>
+        <p:nvPr/>
+      </p:nvGrpSpPr>
+      <p:grpSpPr>
+        <a:xfrm>
+          <a:off x="0" y="0"/>
+          <a:ext cx="0" cy="0"/>
+          <a:chOff x="0" y="0"/>
+          <a:chExt cx="0" cy="0"/>
+        </a:xfrm>
+      </p:grpSpPr>
+      <p:sp>
+        <p:nvSpPr>
+          <p:cNvPr id="2" name="標題 1"/>
+          <p:cNvSpPr>
+            <a:spLocks noGrp="1"/>
+          </p:cNvSpPr>
+          <p:nvPr>
+            <p:ph type="title"/>
+          </p:nvPr>
+        </p:nvSpPr>
+        <p:spPr/>
+        <p:txBody>
+          <a:bodyPr/>
+          <a:lstStyle/>
+          <a:p>
+            <a:r>
+              <a:rPr lang="en-US" altLang="zh-TW" dirty="0" smtClean="0"/>
+              <a:t>for…else…</a:t>
+            </a:r>
+            <a:r>
+              <a:rPr lang="zh-TW" altLang="en-US" dirty="0" smtClean="0"/>
+              <a:t>範例</a:t>
+            </a:r>
+            <a:endParaRPr lang="zh-TW" altLang="en-US" dirty="0"/>
+          </a:p>
+        </p:txBody>
+      </p:sp>
+      <p:sp>
+        <p:nvSpPr>
+          <p:cNvPr id="3" name="內容版面配置區 2"/>
+          <p:cNvSpPr>
+            <a:spLocks noGrp="1"/>
+          </p:cNvSpPr>
+          <p:nvPr>
+            <p:ph idx="1"/>
+          </p:nvPr>
+        </p:nvSpPr>
+        <p:spPr/>
+        <p:txBody>
+          <a:bodyPr/>
+          <a:lstStyle/>
+          <a:p>
+            <a:r>
+              <a:rPr lang="zh-TW" altLang="en-US" dirty="0"/>
+              <a:t>以下為測試是否為質數的小程式</a:t>
+            </a:r>
+            <a:r>
+              <a:rPr lang="zh-TW" altLang="en-US" dirty="0" smtClean="0"/>
+              <a:t>，輸入</a:t>
+            </a:r>
+            <a:r>
+              <a:rPr lang="en-US" altLang="zh-TW" dirty="0" err="1" smtClean="0"/>
+              <a:t>num</a:t>
+            </a:r>
+            <a:r>
+              <a:rPr lang="zh-TW" altLang="en-US" dirty="0" smtClean="0"/>
+              <a:t>，然後用</a:t>
+            </a:r>
+            <a:r>
+              <a:rPr lang="en-US" altLang="zh-TW" dirty="0" smtClean="0"/>
+              <a:t>for</a:t>
+            </a:r>
+            <a:r>
+              <a:rPr lang="zh-TW" altLang="en-US" dirty="0" smtClean="0"/>
+              <a:t>迴圈檢查。</a:t>
+            </a:r>
+            <a:endParaRPr lang="en-US" altLang="zh-TW" dirty="0" smtClean="0"/>
+          </a:p>
+          <a:p>
+            <a:r>
+              <a:rPr lang="zh-TW" altLang="en-US" dirty="0"/>
+              <a:t>只要迴圈中沒執行</a:t>
+            </a:r>
+            <a:r>
+              <a:rPr lang="en-US" altLang="zh-TW" dirty="0"/>
+              <a:t>break</a:t>
+            </a:r>
+            <a:r>
+              <a:rPr lang="zh-TW" altLang="en-US" dirty="0" smtClean="0"/>
+              <a:t>，就會執行到</a:t>
+            </a:r>
+            <a:r>
+              <a:rPr lang="en-US" altLang="zh-TW" dirty="0" smtClean="0"/>
+              <a:t>else:</a:t>
+            </a:r>
+            <a:r>
+              <a:rPr lang="zh-TW" altLang="en-US" dirty="0" smtClean="0"/>
+              <a:t>那邊而顯示</a:t>
+            </a:r>
+            <a:r>
+              <a:rPr lang="en-US" altLang="zh-TW" dirty="0" smtClean="0"/>
+              <a:t>:</a:t>
+            </a:r>
+            <a:r>
+              <a:rPr lang="zh-TW" altLang="en-US" dirty="0" smtClean="0"/>
+              <a:t> </a:t>
+            </a:r>
+            <a:r>
+              <a:rPr lang="en-US" altLang="zh-TW" dirty="0" smtClean="0"/>
+              <a:t>{</a:t>
+            </a:r>
+            <a:r>
+              <a:rPr lang="en-US" altLang="zh-TW" dirty="0" err="1" smtClean="0"/>
+              <a:t>num</a:t>
+            </a:r>
+            <a:r>
+              <a:rPr lang="en-US" altLang="zh-TW" dirty="0" smtClean="0"/>
+              <a:t>}</a:t>
+            </a:r>
+            <a:r>
+              <a:rPr lang="zh-TW" altLang="en-US" dirty="0" smtClean="0"/>
+              <a:t>是質數！</a:t>
+            </a:r>
+            <a:endParaRPr lang="en-US" altLang="zh-TW" dirty="0" smtClean="0"/>
+          </a:p>
+          <a:p>
+            <a:endParaRPr lang="zh-TW" altLang="en-US" dirty="0"/>
+          </a:p>
+        </p:txBody>
+      </p:sp>
+      <p:pic>
+        <p:nvPicPr>
+          <p:cNvPr id="4" name="圖片 3"/>
+          <p:cNvPicPr>
+            <a:picLocks noChangeAspect="1"/>
+          </p:cNvPicPr>
+          <p:nvPr/>
+        </p:nvPicPr>
+        <p:blipFill>
+          <a:blip r:embed="rId2"/>
+          <a:stretch>
+            <a:fillRect/>
+          </a:stretch>
+        </p:blipFill>
+        <p:spPr>
+          <a:xfrm>
+            <a:off x="1157177" y="3308861"/>
+            <a:ext cx="4881329" cy="2461003"/>
+          </a:xfrm>
+          <a:prstGeom prst="rect">
+            <a:avLst/>
+          </a:prstGeom>
+        </p:spPr>
+      </p:pic>
+    </p:spTree>
+    <p:extLst>
+      <p:ext uri="{BB962C8B-B14F-4D97-AF65-F5344CB8AC3E}">
+        <p14:creationId xmlns:p14="http://schemas.microsoft.com/office/powerpoint/2010/main" val="2242364243"/>
+      </p:ext>
+    </p:extLst>
+  </p:cSld>
+  <p:clrMapOvr>
+    <a:masterClrMapping/>
+  </p:clrMapOvr>
+  <p:timing>
+    <p:tnLst>
+      <p:par>
+        <p:cTn id="1" dur="indefinite" restart="never" nodeType="tmRoot"/>
+      </p:par>
+    </p:tnLst>
+  </p:timing>
+</p:sld>
+</file>
+
 <file path=ppt/slides/slide6.xml><?xml version="1.0" encoding="utf-8"?>
 <p:sld xmlns:a="http://schemas.openxmlformats.org/drawingml/2006/main" xmlns:r="http://schemas.openxmlformats.org/officeDocument/2006/relationships" xmlns:p="http://schemas.openxmlformats.org/presentationml/2006/main">
   <p:cSld>
@@ -38735,25 +40492,6 @@
               <a:rPr lang="zh-TW" altLang="en-US" dirty="0" smtClean="0"/>
               <a:t>範例一參考程式碼</a:t>
             </a:r>
-            <a:endParaRPr lang="zh-TW" altLang="en-US" dirty="0"/>
-          </a:p>
-        </p:txBody>
-      </p:sp>
-      <p:sp>
-        <p:nvSpPr>
-          <p:cNvPr id="3" name="內容版面配置區 2"/>
-          <p:cNvSpPr>
-            <a:spLocks noGrp="1"/>
-          </p:cNvSpPr>
-          <p:nvPr>
-            <p:ph idx="1"/>
-          </p:nvPr>
-        </p:nvSpPr>
-        <p:spPr/>
-        <p:txBody>
-          <a:bodyPr/>
-          <a:lstStyle/>
-          <a:p>
             <a:endParaRPr lang="zh-TW" altLang="en-US" dirty="0"/>
           </a:p>
         </p:txBody>

--- a/LCC/Python/04_迴圈大法.pptx
+++ b/LCC/Python/04_迴圈大法.pptx
@@ -918,7 +918,7 @@
             <a:fld id="{B61BEF0D-F0BB-DE4B-95CE-6DB70DBA9567}" type="datetimeFigureOut">
               <a:rPr lang="en-US" smtClean="0"/>
               <a:pPr/>
-              <a:t>12/11/2021</a:t>
+              <a:t>1/12/2022</a:t>
             </a:fld>
             <a:endParaRPr lang="en-US" dirty="0"/>
           </a:p>
@@ -967,47 +967,6 @@
           </a:p>
         </p:txBody>
       </p:sp>
-      <p:pic>
-        <p:nvPicPr>
-          <p:cNvPr id="18" name="Picture 2" descr="upload.wikimedia.org/wikipedia/commons/thumb/f/..."/>
-          <p:cNvPicPr>
-            <a:picLocks noChangeAspect="1" noChangeArrowheads="1"/>
-          </p:cNvPicPr>
-          <p:nvPr userDrawn="1"/>
-        </p:nvPicPr>
-        <p:blipFill>
-          <a:blip r:embed="rId2">
-            <a:extLst>
-              <a:ext uri="{28A0092B-C50C-407E-A947-70E740481C1C}">
-                <a14:useLocalDpi xmlns:a14="http://schemas.microsoft.com/office/drawing/2010/main" val="0"/>
-              </a:ext>
-            </a:extLst>
-          </a:blip>
-          <a:srcRect/>
-          <a:stretch>
-            <a:fillRect/>
-          </a:stretch>
-        </p:blipFill>
-        <p:spPr bwMode="auto">
-          <a:xfrm>
-            <a:off x="144818" y="55853"/>
-            <a:ext cx="1271606" cy="377243"/>
-          </a:xfrm>
-          <a:prstGeom prst="rect">
-            <a:avLst/>
-          </a:prstGeom>
-          <a:noFill/>
-          <a:extLst>
-            <a:ext uri="{909E8E84-426E-40DD-AFC4-6F175D3DCCD1}">
-              <a14:hiddenFill xmlns:a14="http://schemas.microsoft.com/office/drawing/2010/main">
-                <a:solidFill>
-                  <a:srgbClr val="FFFFFF"/>
-                </a:solidFill>
-              </a14:hiddenFill>
-            </a:ext>
-          </a:extLst>
-        </p:spPr>
-      </p:pic>
     </p:spTree>
     <p:extLst>
       <p:ext uri="{BB962C8B-B14F-4D97-AF65-F5344CB8AC3E}">
@@ -1212,7 +1171,7 @@
             <a:fld id="{B61BEF0D-F0BB-DE4B-95CE-6DB70DBA9567}" type="datetimeFigureOut">
               <a:rPr lang="en-US" smtClean="0"/>
               <a:pPr/>
-              <a:t>12/11/2021</a:t>
+              <a:t>1/12/2022</a:t>
             </a:fld>
             <a:endParaRPr lang="en-US" dirty="0"/>
           </a:p>
@@ -1528,7 +1487,7 @@
             <a:fld id="{B61BEF0D-F0BB-DE4B-95CE-6DB70DBA9567}" type="datetimeFigureOut">
               <a:rPr lang="en-US" smtClean="0"/>
               <a:pPr/>
-              <a:t>12/11/2021</a:t>
+              <a:t>1/12/2022</a:t>
             </a:fld>
             <a:endParaRPr lang="en-US" dirty="0"/>
           </a:p>
@@ -1863,7 +1822,7 @@
             <a:fld id="{B61BEF0D-F0BB-DE4B-95CE-6DB70DBA9567}" type="datetimeFigureOut">
               <a:rPr lang="en-US" smtClean="0"/>
               <a:pPr/>
-              <a:t>12/11/2021</a:t>
+              <a:t>1/12/2022</a:t>
             </a:fld>
             <a:endParaRPr lang="en-US" dirty="0"/>
           </a:p>
@@ -2179,7 +2138,7 @@
             <a:fld id="{B61BEF0D-F0BB-DE4B-95CE-6DB70DBA9567}" type="datetimeFigureOut">
               <a:rPr lang="en-US" smtClean="0"/>
               <a:pPr/>
-              <a:t>12/11/2021</a:t>
+              <a:t>1/12/2022</a:t>
             </a:fld>
             <a:endParaRPr lang="en-US" dirty="0"/>
           </a:p>
@@ -2574,7 +2533,7 @@
             <a:fld id="{B61BEF0D-F0BB-DE4B-95CE-6DB70DBA9567}" type="datetimeFigureOut">
               <a:rPr lang="en-US" smtClean="0"/>
               <a:pPr/>
-              <a:t>12/11/2021</a:t>
+              <a:t>1/12/2022</a:t>
             </a:fld>
             <a:endParaRPr lang="en-US" dirty="0"/>
           </a:p>
@@ -2745,7 +2704,7 @@
           <a:p>
             <a:fld id="{55C6B4A9-1611-4792-9094-5F34BCA07E0B}" type="datetimeFigureOut">
               <a:rPr lang="en-US" smtClean="0"/>
-              <a:t>12/11/2021</a:t>
+              <a:t>1/12/2022</a:t>
             </a:fld>
             <a:endParaRPr lang="en-US" dirty="0"/>
           </a:p>
@@ -2926,7 +2885,7 @@
             <a:fld id="{B61BEF0D-F0BB-DE4B-95CE-6DB70DBA9567}" type="datetimeFigureOut">
               <a:rPr lang="en-US" smtClean="0"/>
               <a:pPr/>
-              <a:t>12/11/2021</a:t>
+              <a:t>1/12/2022</a:t>
             </a:fld>
             <a:endParaRPr lang="en-US" dirty="0"/>
           </a:p>
@@ -3098,7 +3057,7 @@
             <a:fld id="{B61BEF0D-F0BB-DE4B-95CE-6DB70DBA9567}" type="datetimeFigureOut">
               <a:rPr lang="en-US" smtClean="0"/>
               <a:pPr/>
-              <a:t>12/11/2021</a:t>
+              <a:t>1/12/2022</a:t>
             </a:fld>
             <a:endParaRPr lang="en-US" dirty="0"/>
           </a:p>
@@ -3347,7 +3306,7 @@
             <a:fld id="{B61BEF0D-F0BB-DE4B-95CE-6DB70DBA9567}" type="datetimeFigureOut">
               <a:rPr lang="en-US" smtClean="0"/>
               <a:pPr/>
-              <a:t>12/11/2021</a:t>
+              <a:t>1/12/2022</a:t>
             </a:fld>
             <a:endParaRPr lang="en-US" dirty="0"/>
           </a:p>
@@ -3580,7 +3539,7 @@
           <a:p>
             <a:fld id="{EB712588-04B1-427B-82EE-E8DB90309F08}" type="datetimeFigureOut">
               <a:rPr lang="en-US" smtClean="0"/>
-              <a:t>12/11/2021</a:t>
+              <a:t>1/12/2022</a:t>
             </a:fld>
             <a:endParaRPr lang="en-US" dirty="0"/>
           </a:p>
@@ -3955,7 +3914,7 @@
             <a:fld id="{B61BEF0D-F0BB-DE4B-95CE-6DB70DBA9567}" type="datetimeFigureOut">
               <a:rPr lang="en-US" smtClean="0"/>
               <a:pPr/>
-              <a:t>12/11/2021</a:t>
+              <a:t>1/12/2022</a:t>
             </a:fld>
             <a:endParaRPr lang="en-US" dirty="0"/>
           </a:p>
@@ -4080,7 +4039,7 @@
             <a:fld id="{B61BEF0D-F0BB-DE4B-95CE-6DB70DBA9567}" type="datetimeFigureOut">
               <a:rPr lang="en-US" smtClean="0"/>
               <a:pPr/>
-              <a:t>12/11/2021</a:t>
+              <a:t>1/12/2022</a:t>
             </a:fld>
             <a:endParaRPr lang="en-US" dirty="0"/>
           </a:p>
@@ -4177,7 +4136,7 @@
             <a:fld id="{B61BEF0D-F0BB-DE4B-95CE-6DB70DBA9567}" type="datetimeFigureOut">
               <a:rPr lang="en-US" smtClean="0"/>
               <a:pPr/>
-              <a:t>12/11/2021</a:t>
+              <a:t>1/12/2022</a:t>
             </a:fld>
             <a:endParaRPr lang="en-US" dirty="0"/>
           </a:p>
@@ -4433,7 +4392,7 @@
           <a:p>
             <a:fld id="{42A54C80-263E-416B-A8E0-580EDEADCBDC}" type="datetimeFigureOut">
               <a:rPr lang="en-US" smtClean="0"/>
-              <a:t>12/11/2021</a:t>
+              <a:t>1/12/2022</a:t>
             </a:fld>
             <a:endParaRPr lang="en-US" dirty="0"/>
           </a:p>
@@ -4740,7 +4699,7 @@
             <a:fld id="{B61BEF0D-F0BB-DE4B-95CE-6DB70DBA9567}" type="datetimeFigureOut">
               <a:rPr lang="en-US" smtClean="0"/>
               <a:pPr/>
-              <a:t>12/11/2021</a:t>
+              <a:t>1/12/2022</a:t>
             </a:fld>
             <a:endParaRPr lang="en-US" dirty="0"/>
           </a:p>
@@ -5443,7 +5402,7 @@
             <a:fld id="{B61BEF0D-F0BB-DE4B-95CE-6DB70DBA9567}" type="datetimeFigureOut">
               <a:rPr lang="en-US" smtClean="0"/>
               <a:pPr/>
-              <a:t>12/11/2021</a:t>
+              <a:t>1/12/2022</a:t>
             </a:fld>
             <a:endParaRPr lang="en-US" dirty="0"/>
           </a:p>
@@ -5526,9 +5485,42 @@
           </a:p>
         </p:txBody>
       </p:sp>
+      <p:sp>
+        <p:nvSpPr>
+          <p:cNvPr id="29" name="矩形 28"/>
+          <p:cNvSpPr/>
+          <p:nvPr userDrawn="1"/>
+        </p:nvSpPr>
+        <p:spPr>
+          <a:xfrm>
+            <a:off x="368797" y="6406487"/>
+            <a:ext cx="4326056" cy="400110"/>
+          </a:xfrm>
+          <a:prstGeom prst="rect">
+            <a:avLst/>
+          </a:prstGeom>
+        </p:spPr>
+        <p:txBody>
+          <a:bodyPr wrap="none">
+            <a:spAutoFit/>
+          </a:bodyPr>
+          <a:lstStyle/>
+          <a:p>
+            <a:r>
+              <a:rPr lang="zh-TW" altLang="en-US" sz="2000" dirty="0" smtClean="0"/>
+              <a:t>講義網址：</a:t>
+            </a:r>
+            <a:r>
+              <a:rPr lang="en-US" altLang="zh-TW" sz="2000" dirty="0"/>
+              <a:t>https://reurl.cc/OkNRey</a:t>
+            </a:r>
+            <a:endParaRPr lang="zh-TW" altLang="en-US" sz="2000" dirty="0"/>
+          </a:p>
+        </p:txBody>
+      </p:sp>
       <p:pic>
         <p:nvPicPr>
-          <p:cNvPr id="18" name="Picture 2" descr="upload.wikimedia.org/wikipedia/commons/thumb/f/..."/>
+          <p:cNvPr id="30" name="Picture 2" descr="upload.wikimedia.org/wikipedia/commons/thumb/f/..."/>
           <p:cNvPicPr>
             <a:picLocks noChangeAspect="1" noChangeArrowheads="1"/>
           </p:cNvPicPr>
@@ -5567,39 +5559,6 @@
           </a:extLst>
         </p:spPr>
       </p:pic>
-      <p:sp>
-        <p:nvSpPr>
-          <p:cNvPr id="29" name="矩形 28"/>
-          <p:cNvSpPr/>
-          <p:nvPr userDrawn="1"/>
-        </p:nvSpPr>
-        <p:spPr>
-          <a:xfrm>
-            <a:off x="368797" y="6406487"/>
-            <a:ext cx="4326056" cy="400110"/>
-          </a:xfrm>
-          <a:prstGeom prst="rect">
-            <a:avLst/>
-          </a:prstGeom>
-        </p:spPr>
-        <p:txBody>
-          <a:bodyPr wrap="none">
-            <a:spAutoFit/>
-          </a:bodyPr>
-          <a:lstStyle/>
-          <a:p>
-            <a:r>
-              <a:rPr lang="zh-TW" altLang="en-US" sz="2000" dirty="0" smtClean="0"/>
-              <a:t>講義網址：</a:t>
-            </a:r>
-            <a:r>
-              <a:rPr lang="en-US" altLang="zh-TW" sz="2000" dirty="0"/>
-              <a:t>https://reurl.cc/OkNRey</a:t>
-            </a:r>
-            <a:endParaRPr lang="zh-TW" altLang="en-US" sz="2000" dirty="0"/>
-          </a:p>
-        </p:txBody>
-      </p:sp>
     </p:spTree>
     <p:extLst>
       <p:ext uri="{BB962C8B-B14F-4D97-AF65-F5344CB8AC3E}">
@@ -6084,7 +6043,7 @@
             <a:fld id="{4805910D-2C61-424F-80CE-807290CF0E1E}" type="datetime4">
               <a:rPr lang="zh-TW" altLang="zh-TW"/>
               <a:pPr/>
-              <a:t>110年12月11日星期六</a:t>
+              <a:t>111年1月12日星期三</a:t>
             </a:fld>
             <a:endParaRPr lang="zh-TW" altLang="en-US" dirty="0"/>
           </a:p>
@@ -6134,63 +6093,70 @@
           </a:extLst>
         </p:spPr>
       </p:pic>
+      <p:sp>
+        <p:nvSpPr>
+          <p:cNvPr id="8" name="文字方塊 7"/>
+          <p:cNvSpPr txBox="1"/>
+          <p:nvPr/>
+        </p:nvSpPr>
+        <p:spPr>
+          <a:xfrm>
+            <a:off x="528866" y="341708"/>
+            <a:ext cx="4636206" cy="369332"/>
+          </a:xfrm>
+          <a:prstGeom prst="rect">
+            <a:avLst/>
+          </a:prstGeom>
+          <a:noFill/>
+        </p:spPr>
+        <p:txBody>
+          <a:bodyPr wrap="none" rtlCol="0">
+            <a:spAutoFit/>
+          </a:bodyPr>
+          <a:lstStyle/>
+          <a:p>
+            <a:r>
+              <a:rPr lang="zh-TW" altLang="en-US" dirty="0" smtClean="0"/>
+              <a:t>投影片下載網址：</a:t>
+            </a:r>
+            <a:r>
+              <a:rPr lang="en-US" altLang="zh-TW" dirty="0"/>
+              <a:t>https://reurl.cc/MbkNaK</a:t>
+            </a:r>
+            <a:endParaRPr lang="zh-TW" altLang="en-US" dirty="0"/>
+          </a:p>
+        </p:txBody>
+      </p:sp>
       <p:pic>
         <p:nvPicPr>
-          <p:cNvPr id="7" name="圖片 6"/>
+          <p:cNvPr id="10" name="圖片 9"/>
           <p:cNvPicPr>
             <a:picLocks noChangeAspect="1"/>
           </p:cNvPicPr>
           <p:nvPr/>
         </p:nvPicPr>
         <p:blipFill>
-          <a:blip r:embed="rId3"/>
+          <a:blip r:embed="rId3">
+            <a:extLst>
+              <a:ext uri="{28A0092B-C50C-407E-A947-70E740481C1C}">
+                <a14:useLocalDpi xmlns:a14="http://schemas.microsoft.com/office/drawing/2010/main" val="0"/>
+              </a:ext>
+            </a:extLst>
+          </a:blip>
           <a:stretch>
             <a:fillRect/>
           </a:stretch>
         </p:blipFill>
         <p:spPr>
           <a:xfrm>
-            <a:off x="765260" y="950840"/>
-            <a:ext cx="1785916" cy="1785916"/>
+            <a:off x="792692" y="711040"/>
+            <a:ext cx="1428750" cy="1428750"/>
           </a:xfrm>
           <a:prstGeom prst="rect">
             <a:avLst/>
           </a:prstGeom>
         </p:spPr>
       </p:pic>
-      <p:sp>
-        <p:nvSpPr>
-          <p:cNvPr id="9" name="矩形 8"/>
-          <p:cNvSpPr/>
-          <p:nvPr/>
-        </p:nvSpPr>
-        <p:spPr>
-          <a:xfrm>
-            <a:off x="689120" y="489175"/>
-            <a:ext cx="5165517" cy="461665"/>
-          </a:xfrm>
-          <a:prstGeom prst="rect">
-            <a:avLst/>
-          </a:prstGeom>
-        </p:spPr>
-        <p:txBody>
-          <a:bodyPr wrap="none">
-            <a:spAutoFit/>
-          </a:bodyPr>
-          <a:lstStyle/>
-          <a:p>
-            <a:r>
-              <a:rPr lang="zh-TW" altLang="en-US" sz="2400" dirty="0" smtClean="0"/>
-              <a:t>講義網址：</a:t>
-            </a:r>
-            <a:r>
-              <a:rPr lang="en-US" altLang="zh-TW" sz="2400" dirty="0"/>
-              <a:t>https://reurl.cc/OkNRey</a:t>
-            </a:r>
-            <a:endParaRPr lang="zh-TW" altLang="en-US" sz="2400" dirty="0"/>
-          </a:p>
-        </p:txBody>
-      </p:sp>
     </p:spTree>
     <p:extLst>
       <p:ext uri="{BB962C8B-B14F-4D97-AF65-F5344CB8AC3E}">
